--- a/images/nwb-extensions-catalog-logo.pptx
+++ b/images/nwb-extensions-catalog-logo.pptx
@@ -5,13 +5,12 @@
     <p:sldMasterId id="2147483648" r:id="rId1"/>
   </p:sldMasterIdLst>
   <p:notesMasterIdLst>
-    <p:notesMasterId r:id="rId6"/>
+    <p:notesMasterId r:id="rId5"/>
   </p:notesMasterIdLst>
   <p:sldIdLst>
     <p:sldId id="258" r:id="rId2"/>
-    <p:sldId id="259" r:id="rId3"/>
-    <p:sldId id="256" r:id="rId4"/>
-    <p:sldId id="257" r:id="rId5"/>
+    <p:sldId id="260" r:id="rId3"/>
+    <p:sldId id="259" r:id="rId4"/>
   </p:sldIdLst>
   <p:sldSz cx="9144000" cy="6858000" type="screen4x3"/>
   <p:notesSz cx="6858000" cy="9144000"/>
@@ -612,7 +611,7 @@
           <a:p>
             <a:fld id="{84D9AEEC-D0EE-3A48-8A94-03077F3B3410}" type="slidenum">
               <a:rPr lang="en-US" smtClean="0"/>
-              <a:t>2</a:t>
+              <a:t>3</a:t>
             </a:fld>
             <a:endParaRPr lang="en-US"/>
           </a:p>
@@ -6385,14 +6384,14 @@
       </p:grpSpPr>
       <p:pic>
         <p:nvPicPr>
-          <p:cNvPr id="12" name="Picture 11" descr="nwb_n_logo.png"/>
+          <p:cNvPr id="5" name="Picture 4" descr="nwb_n_logo.png"/>
           <p:cNvPicPr>
             <a:picLocks noChangeAspect="1"/>
           </p:cNvPicPr>
           <p:nvPr/>
         </p:nvPicPr>
         <p:blipFill>
-          <a:blip r:embed="rId3">
+          <a:blip r:embed="rId2">
             <a:extLst>
               <a:ext uri="{28A0092B-C50C-407E-A947-70E740481C1C}">
                 <a14:useLocalDpi xmlns:a14="http://schemas.microsoft.com/office/drawing/2010/main" val="0"/>
@@ -6405,8 +6404,8 @@
         </p:blipFill>
         <p:spPr>
           <a:xfrm>
-            <a:off x="2193503" y="4726182"/>
-            <a:ext cx="3776898" cy="489161"/>
+            <a:off x="2627780" y="5029371"/>
+            <a:ext cx="3756953" cy="486578"/>
           </a:xfrm>
           <a:prstGeom prst="rect">
             <a:avLst/>
@@ -6415,13 +6414,2700 @@
       </p:pic>
       <p:grpSp>
         <p:nvGrpSpPr>
+          <p:cNvPr id="6" name="Group 5"/>
+          <p:cNvGrpSpPr/>
+          <p:nvPr/>
+        </p:nvGrpSpPr>
+        <p:grpSpPr>
+          <a:xfrm>
+            <a:off x="2608134" y="1318646"/>
+            <a:ext cx="3513666" cy="3490022"/>
+            <a:chOff x="2229557" y="2154425"/>
+            <a:chExt cx="3513666" cy="3490022"/>
+          </a:xfrm>
+        </p:grpSpPr>
+        <p:grpSp>
+          <p:nvGrpSpPr>
+            <p:cNvPr id="7" name="Group 6"/>
+            <p:cNvGrpSpPr/>
+            <p:nvPr/>
+          </p:nvGrpSpPr>
+          <p:grpSpPr>
+            <a:xfrm>
+              <a:off x="2229557" y="2154425"/>
+              <a:ext cx="3513666" cy="3490022"/>
+              <a:chOff x="3103094" y="3306749"/>
+              <a:chExt cx="2374775" cy="2783193"/>
+            </a:xfrm>
+          </p:grpSpPr>
+          <p:sp>
+            <p:nvSpPr>
+              <p:cNvPr id="11" name="Rounded Rectangle 10"/>
+              <p:cNvSpPr/>
+              <p:nvPr/>
+            </p:nvSpPr>
+            <p:spPr>
+              <a:xfrm rot="1545911">
+                <a:off x="5079553" y="3551744"/>
+                <a:ext cx="112961" cy="2256640"/>
+              </a:xfrm>
+              <a:prstGeom prst="roundRect">
+                <a:avLst>
+                  <a:gd name="adj" fmla="val 50000"/>
+                </a:avLst>
+              </a:prstGeom>
+              <a:solidFill>
+                <a:srgbClr val="103869"/>
+              </a:solidFill>
+              <a:ln>
+                <a:noFill/>
+              </a:ln>
+              <a:effectLst/>
+            </p:spPr>
+            <p:style>
+              <a:lnRef idx="1">
+                <a:schemeClr val="accent1"/>
+              </a:lnRef>
+              <a:fillRef idx="3">
+                <a:schemeClr val="accent1"/>
+              </a:fillRef>
+              <a:effectRef idx="2">
+                <a:schemeClr val="accent1"/>
+              </a:effectRef>
+              <a:fontRef idx="minor">
+                <a:schemeClr val="lt1"/>
+              </a:fontRef>
+            </p:style>
+            <p:txBody>
+              <a:bodyPr rtlCol="0" anchor="ctr"/>
+              <a:lstStyle/>
+              <a:p>
+                <a:pPr algn="ctr"/>
+                <a:endParaRPr lang="en-US"/>
+              </a:p>
+            </p:txBody>
+          </p:sp>
+          <p:sp>
+            <p:nvSpPr>
+              <p:cNvPr id="12" name="Rounded Rectangle 11"/>
+              <p:cNvSpPr/>
+              <p:nvPr/>
+            </p:nvSpPr>
+            <p:spPr>
+              <a:xfrm rot="1545911">
+                <a:off x="5313332" y="4288597"/>
+                <a:ext cx="115819" cy="1801345"/>
+              </a:xfrm>
+              <a:prstGeom prst="roundRect">
+                <a:avLst>
+                  <a:gd name="adj" fmla="val 50000"/>
+                </a:avLst>
+              </a:prstGeom>
+              <a:solidFill>
+                <a:srgbClr val="103869"/>
+              </a:solidFill>
+              <a:ln>
+                <a:noFill/>
+              </a:ln>
+              <a:effectLst/>
+            </p:spPr>
+            <p:style>
+              <a:lnRef idx="1">
+                <a:schemeClr val="accent1"/>
+              </a:lnRef>
+              <a:fillRef idx="3">
+                <a:schemeClr val="accent1"/>
+              </a:fillRef>
+              <a:effectRef idx="2">
+                <a:schemeClr val="accent1"/>
+              </a:effectRef>
+              <a:fontRef idx="minor">
+                <a:schemeClr val="lt1"/>
+              </a:fontRef>
+            </p:style>
+            <p:txBody>
+              <a:bodyPr rtlCol="0" anchor="ctr"/>
+              <a:lstStyle/>
+              <a:p>
+                <a:pPr algn="ctr"/>
+                <a:endParaRPr lang="en-US"/>
+              </a:p>
+            </p:txBody>
+          </p:sp>
+          <p:sp>
+            <p:nvSpPr>
+              <p:cNvPr id="13" name="Freeform 12"/>
+              <p:cNvSpPr/>
+              <p:nvPr/>
+            </p:nvSpPr>
+            <p:spPr>
+              <a:xfrm>
+                <a:off x="3103094" y="3306749"/>
+                <a:ext cx="2374775" cy="2180066"/>
+              </a:xfrm>
+              <a:custGeom>
+                <a:avLst/>
+                <a:gdLst>
+                  <a:gd name="connsiteX0" fmla="*/ 2356684 w 2356684"/>
+                  <a:gd name="connsiteY0" fmla="*/ 69504 h 2179901"/>
+                  <a:gd name="connsiteX1" fmla="*/ 2325093 w 2356684"/>
+                  <a:gd name="connsiteY1" fmla="*/ 0 h 2179901"/>
+                  <a:gd name="connsiteX2" fmla="*/ 1901775 w 2356684"/>
+                  <a:gd name="connsiteY2" fmla="*/ 170601 h 2179901"/>
+                  <a:gd name="connsiteX3" fmla="*/ 1301547 w 2356684"/>
+                  <a:gd name="connsiteY3" fmla="*/ 265379 h 2179901"/>
+                  <a:gd name="connsiteX4" fmla="*/ 922455 w 2356684"/>
+                  <a:gd name="connsiteY4" fmla="*/ 278016 h 2179901"/>
+                  <a:gd name="connsiteX5" fmla="*/ 0 w 2356684"/>
+                  <a:gd name="connsiteY5" fmla="*/ 2085122 h 2179901"/>
+                  <a:gd name="connsiteX6" fmla="*/ 454909 w 2356684"/>
+                  <a:gd name="connsiteY6" fmla="*/ 2160945 h 2179901"/>
+                  <a:gd name="connsiteX7" fmla="*/ 852955 w 2356684"/>
+                  <a:gd name="connsiteY7" fmla="*/ 2179901 h 2179901"/>
+                  <a:gd name="connsiteX8" fmla="*/ 1168865 w 2356684"/>
+                  <a:gd name="connsiteY8" fmla="*/ 2129352 h 2179901"/>
+                  <a:gd name="connsiteX9" fmla="*/ 1333138 w 2356684"/>
+                  <a:gd name="connsiteY9" fmla="*/ 2078804 h 2179901"/>
+                  <a:gd name="connsiteX10" fmla="*/ 2356684 w 2356684"/>
+                  <a:gd name="connsiteY10" fmla="*/ 69504 h 2179901"/>
+                  <a:gd name="connsiteX0" fmla="*/ 2356684 w 2356684"/>
+                  <a:gd name="connsiteY0" fmla="*/ 69504 h 2179901"/>
+                  <a:gd name="connsiteX1" fmla="*/ 2325093 w 2356684"/>
+                  <a:gd name="connsiteY1" fmla="*/ 0 h 2179901"/>
+                  <a:gd name="connsiteX2" fmla="*/ 1901775 w 2356684"/>
+                  <a:gd name="connsiteY2" fmla="*/ 170601 h 2179901"/>
+                  <a:gd name="connsiteX3" fmla="*/ 1301547 w 2356684"/>
+                  <a:gd name="connsiteY3" fmla="*/ 265379 h 2179901"/>
+                  <a:gd name="connsiteX4" fmla="*/ 922455 w 2356684"/>
+                  <a:gd name="connsiteY4" fmla="*/ 278016 h 2179901"/>
+                  <a:gd name="connsiteX5" fmla="*/ 0 w 2356684"/>
+                  <a:gd name="connsiteY5" fmla="*/ 2085122 h 2179901"/>
+                  <a:gd name="connsiteX6" fmla="*/ 454909 w 2356684"/>
+                  <a:gd name="connsiteY6" fmla="*/ 2160945 h 2179901"/>
+                  <a:gd name="connsiteX7" fmla="*/ 852955 w 2356684"/>
+                  <a:gd name="connsiteY7" fmla="*/ 2179901 h 2179901"/>
+                  <a:gd name="connsiteX8" fmla="*/ 1168865 w 2356684"/>
+                  <a:gd name="connsiteY8" fmla="*/ 2129352 h 2179901"/>
+                  <a:gd name="connsiteX9" fmla="*/ 1333138 w 2356684"/>
+                  <a:gd name="connsiteY9" fmla="*/ 2078804 h 2179901"/>
+                  <a:gd name="connsiteX10" fmla="*/ 2356684 w 2356684"/>
+                  <a:gd name="connsiteY10" fmla="*/ 69504 h 2179901"/>
+                  <a:gd name="connsiteX0" fmla="*/ 2356684 w 2356684"/>
+                  <a:gd name="connsiteY0" fmla="*/ 69504 h 2179901"/>
+                  <a:gd name="connsiteX1" fmla="*/ 2325093 w 2356684"/>
+                  <a:gd name="connsiteY1" fmla="*/ 0 h 2179901"/>
+                  <a:gd name="connsiteX2" fmla="*/ 1901775 w 2356684"/>
+                  <a:gd name="connsiteY2" fmla="*/ 170601 h 2179901"/>
+                  <a:gd name="connsiteX3" fmla="*/ 1301547 w 2356684"/>
+                  <a:gd name="connsiteY3" fmla="*/ 265379 h 2179901"/>
+                  <a:gd name="connsiteX4" fmla="*/ 922455 w 2356684"/>
+                  <a:gd name="connsiteY4" fmla="*/ 278016 h 2179901"/>
+                  <a:gd name="connsiteX5" fmla="*/ 0 w 2356684"/>
+                  <a:gd name="connsiteY5" fmla="*/ 2085122 h 2179901"/>
+                  <a:gd name="connsiteX6" fmla="*/ 454909 w 2356684"/>
+                  <a:gd name="connsiteY6" fmla="*/ 2160945 h 2179901"/>
+                  <a:gd name="connsiteX7" fmla="*/ 852955 w 2356684"/>
+                  <a:gd name="connsiteY7" fmla="*/ 2179901 h 2179901"/>
+                  <a:gd name="connsiteX8" fmla="*/ 1168865 w 2356684"/>
+                  <a:gd name="connsiteY8" fmla="*/ 2129352 h 2179901"/>
+                  <a:gd name="connsiteX9" fmla="*/ 1333138 w 2356684"/>
+                  <a:gd name="connsiteY9" fmla="*/ 2078804 h 2179901"/>
+                  <a:gd name="connsiteX10" fmla="*/ 2356684 w 2356684"/>
+                  <a:gd name="connsiteY10" fmla="*/ 69504 h 2179901"/>
+                  <a:gd name="connsiteX0" fmla="*/ 2366860 w 2366860"/>
+                  <a:gd name="connsiteY0" fmla="*/ 69504 h 2242959"/>
+                  <a:gd name="connsiteX1" fmla="*/ 2335269 w 2366860"/>
+                  <a:gd name="connsiteY1" fmla="*/ 0 h 2242959"/>
+                  <a:gd name="connsiteX2" fmla="*/ 1911951 w 2366860"/>
+                  <a:gd name="connsiteY2" fmla="*/ 170601 h 2242959"/>
+                  <a:gd name="connsiteX3" fmla="*/ 1311723 w 2366860"/>
+                  <a:gd name="connsiteY3" fmla="*/ 265379 h 2242959"/>
+                  <a:gd name="connsiteX4" fmla="*/ 932631 w 2366860"/>
+                  <a:gd name="connsiteY4" fmla="*/ 278016 h 2242959"/>
+                  <a:gd name="connsiteX5" fmla="*/ 10176 w 2366860"/>
+                  <a:gd name="connsiteY5" fmla="*/ 2085122 h 2242959"/>
+                  <a:gd name="connsiteX6" fmla="*/ 465085 w 2366860"/>
+                  <a:gd name="connsiteY6" fmla="*/ 2160945 h 2242959"/>
+                  <a:gd name="connsiteX7" fmla="*/ 863131 w 2366860"/>
+                  <a:gd name="connsiteY7" fmla="*/ 2179901 h 2242959"/>
+                  <a:gd name="connsiteX8" fmla="*/ 1179041 w 2366860"/>
+                  <a:gd name="connsiteY8" fmla="*/ 2129352 h 2242959"/>
+                  <a:gd name="connsiteX9" fmla="*/ 1343314 w 2366860"/>
+                  <a:gd name="connsiteY9" fmla="*/ 2078804 h 2242959"/>
+                  <a:gd name="connsiteX10" fmla="*/ 2366860 w 2366860"/>
+                  <a:gd name="connsiteY10" fmla="*/ 69504 h 2242959"/>
+                  <a:gd name="connsiteX0" fmla="*/ 2366860 w 2366860"/>
+                  <a:gd name="connsiteY0" fmla="*/ 69504 h 2242959"/>
+                  <a:gd name="connsiteX1" fmla="*/ 2335269 w 2366860"/>
+                  <a:gd name="connsiteY1" fmla="*/ 0 h 2242959"/>
+                  <a:gd name="connsiteX2" fmla="*/ 1911951 w 2366860"/>
+                  <a:gd name="connsiteY2" fmla="*/ 170601 h 2242959"/>
+                  <a:gd name="connsiteX3" fmla="*/ 1311723 w 2366860"/>
+                  <a:gd name="connsiteY3" fmla="*/ 265379 h 2242959"/>
+                  <a:gd name="connsiteX4" fmla="*/ 932631 w 2366860"/>
+                  <a:gd name="connsiteY4" fmla="*/ 278016 h 2242959"/>
+                  <a:gd name="connsiteX5" fmla="*/ 10176 w 2366860"/>
+                  <a:gd name="connsiteY5" fmla="*/ 2085122 h 2242959"/>
+                  <a:gd name="connsiteX6" fmla="*/ 465085 w 2366860"/>
+                  <a:gd name="connsiteY6" fmla="*/ 2160945 h 2242959"/>
+                  <a:gd name="connsiteX7" fmla="*/ 863131 w 2366860"/>
+                  <a:gd name="connsiteY7" fmla="*/ 2179901 h 2242959"/>
+                  <a:gd name="connsiteX8" fmla="*/ 1179041 w 2366860"/>
+                  <a:gd name="connsiteY8" fmla="*/ 2129352 h 2242959"/>
+                  <a:gd name="connsiteX9" fmla="*/ 1343314 w 2366860"/>
+                  <a:gd name="connsiteY9" fmla="*/ 2078804 h 2242959"/>
+                  <a:gd name="connsiteX10" fmla="*/ 2366860 w 2366860"/>
+                  <a:gd name="connsiteY10" fmla="*/ 69504 h 2242959"/>
+                  <a:gd name="connsiteX0" fmla="*/ 2366860 w 2366860"/>
+                  <a:gd name="connsiteY0" fmla="*/ 69504 h 2242959"/>
+                  <a:gd name="connsiteX1" fmla="*/ 2335269 w 2366860"/>
+                  <a:gd name="connsiteY1" fmla="*/ 0 h 2242959"/>
+                  <a:gd name="connsiteX2" fmla="*/ 1911951 w 2366860"/>
+                  <a:gd name="connsiteY2" fmla="*/ 170601 h 2242959"/>
+                  <a:gd name="connsiteX3" fmla="*/ 1311723 w 2366860"/>
+                  <a:gd name="connsiteY3" fmla="*/ 265379 h 2242959"/>
+                  <a:gd name="connsiteX4" fmla="*/ 932631 w 2366860"/>
+                  <a:gd name="connsiteY4" fmla="*/ 278016 h 2242959"/>
+                  <a:gd name="connsiteX5" fmla="*/ 10176 w 2366860"/>
+                  <a:gd name="connsiteY5" fmla="*/ 2085122 h 2242959"/>
+                  <a:gd name="connsiteX6" fmla="*/ 465085 w 2366860"/>
+                  <a:gd name="connsiteY6" fmla="*/ 2160945 h 2242959"/>
+                  <a:gd name="connsiteX7" fmla="*/ 863131 w 2366860"/>
+                  <a:gd name="connsiteY7" fmla="*/ 2179901 h 2242959"/>
+                  <a:gd name="connsiteX8" fmla="*/ 1179041 w 2366860"/>
+                  <a:gd name="connsiteY8" fmla="*/ 2129352 h 2242959"/>
+                  <a:gd name="connsiteX9" fmla="*/ 1343314 w 2366860"/>
+                  <a:gd name="connsiteY9" fmla="*/ 2078804 h 2242959"/>
+                  <a:gd name="connsiteX10" fmla="*/ 2366860 w 2366860"/>
+                  <a:gd name="connsiteY10" fmla="*/ 69504 h 2242959"/>
+                  <a:gd name="connsiteX0" fmla="*/ 2356684 w 2356684"/>
+                  <a:gd name="connsiteY0" fmla="*/ 69504 h 2181468"/>
+                  <a:gd name="connsiteX1" fmla="*/ 2325093 w 2356684"/>
+                  <a:gd name="connsiteY1" fmla="*/ 0 h 2181468"/>
+                  <a:gd name="connsiteX2" fmla="*/ 1901775 w 2356684"/>
+                  <a:gd name="connsiteY2" fmla="*/ 170601 h 2181468"/>
+                  <a:gd name="connsiteX3" fmla="*/ 1301547 w 2356684"/>
+                  <a:gd name="connsiteY3" fmla="*/ 265379 h 2181468"/>
+                  <a:gd name="connsiteX4" fmla="*/ 922455 w 2356684"/>
+                  <a:gd name="connsiteY4" fmla="*/ 278016 h 2181468"/>
+                  <a:gd name="connsiteX5" fmla="*/ 0 w 2356684"/>
+                  <a:gd name="connsiteY5" fmla="*/ 2085122 h 2181468"/>
+                  <a:gd name="connsiteX6" fmla="*/ 454909 w 2356684"/>
+                  <a:gd name="connsiteY6" fmla="*/ 2160945 h 2181468"/>
+                  <a:gd name="connsiteX7" fmla="*/ 852955 w 2356684"/>
+                  <a:gd name="connsiteY7" fmla="*/ 2179901 h 2181468"/>
+                  <a:gd name="connsiteX8" fmla="*/ 1168865 w 2356684"/>
+                  <a:gd name="connsiteY8" fmla="*/ 2129352 h 2181468"/>
+                  <a:gd name="connsiteX9" fmla="*/ 1333138 w 2356684"/>
+                  <a:gd name="connsiteY9" fmla="*/ 2078804 h 2181468"/>
+                  <a:gd name="connsiteX10" fmla="*/ 2356684 w 2356684"/>
+                  <a:gd name="connsiteY10" fmla="*/ 69504 h 2181468"/>
+                  <a:gd name="connsiteX0" fmla="*/ 2356684 w 2356684"/>
+                  <a:gd name="connsiteY0" fmla="*/ 69504 h 2186296"/>
+                  <a:gd name="connsiteX1" fmla="*/ 2325093 w 2356684"/>
+                  <a:gd name="connsiteY1" fmla="*/ 0 h 2186296"/>
+                  <a:gd name="connsiteX2" fmla="*/ 1901775 w 2356684"/>
+                  <a:gd name="connsiteY2" fmla="*/ 170601 h 2186296"/>
+                  <a:gd name="connsiteX3" fmla="*/ 1301547 w 2356684"/>
+                  <a:gd name="connsiteY3" fmla="*/ 265379 h 2186296"/>
+                  <a:gd name="connsiteX4" fmla="*/ 922455 w 2356684"/>
+                  <a:gd name="connsiteY4" fmla="*/ 278016 h 2186296"/>
+                  <a:gd name="connsiteX5" fmla="*/ 0 w 2356684"/>
+                  <a:gd name="connsiteY5" fmla="*/ 2085122 h 2186296"/>
+                  <a:gd name="connsiteX6" fmla="*/ 454909 w 2356684"/>
+                  <a:gd name="connsiteY6" fmla="*/ 2160945 h 2186296"/>
+                  <a:gd name="connsiteX7" fmla="*/ 852955 w 2356684"/>
+                  <a:gd name="connsiteY7" fmla="*/ 2179901 h 2186296"/>
+                  <a:gd name="connsiteX8" fmla="*/ 1168865 w 2356684"/>
+                  <a:gd name="connsiteY8" fmla="*/ 2129352 h 2186296"/>
+                  <a:gd name="connsiteX9" fmla="*/ 1333138 w 2356684"/>
+                  <a:gd name="connsiteY9" fmla="*/ 2078804 h 2186296"/>
+                  <a:gd name="connsiteX10" fmla="*/ 2356684 w 2356684"/>
+                  <a:gd name="connsiteY10" fmla="*/ 69504 h 2186296"/>
+                  <a:gd name="connsiteX0" fmla="*/ 2356684 w 2356684"/>
+                  <a:gd name="connsiteY0" fmla="*/ 69504 h 2241416"/>
+                  <a:gd name="connsiteX1" fmla="*/ 2325093 w 2356684"/>
+                  <a:gd name="connsiteY1" fmla="*/ 0 h 2241416"/>
+                  <a:gd name="connsiteX2" fmla="*/ 1901775 w 2356684"/>
+                  <a:gd name="connsiteY2" fmla="*/ 170601 h 2241416"/>
+                  <a:gd name="connsiteX3" fmla="*/ 1301547 w 2356684"/>
+                  <a:gd name="connsiteY3" fmla="*/ 265379 h 2241416"/>
+                  <a:gd name="connsiteX4" fmla="*/ 922455 w 2356684"/>
+                  <a:gd name="connsiteY4" fmla="*/ 278016 h 2241416"/>
+                  <a:gd name="connsiteX5" fmla="*/ 0 w 2356684"/>
+                  <a:gd name="connsiteY5" fmla="*/ 2085122 h 2241416"/>
+                  <a:gd name="connsiteX6" fmla="*/ 454909 w 2356684"/>
+                  <a:gd name="connsiteY6" fmla="*/ 2160945 h 2241416"/>
+                  <a:gd name="connsiteX7" fmla="*/ 852955 w 2356684"/>
+                  <a:gd name="connsiteY7" fmla="*/ 2179901 h 2241416"/>
+                  <a:gd name="connsiteX8" fmla="*/ 1168865 w 2356684"/>
+                  <a:gd name="connsiteY8" fmla="*/ 2129352 h 2241416"/>
+                  <a:gd name="connsiteX9" fmla="*/ 1333138 w 2356684"/>
+                  <a:gd name="connsiteY9" fmla="*/ 2078804 h 2241416"/>
+                  <a:gd name="connsiteX10" fmla="*/ 2356684 w 2356684"/>
+                  <a:gd name="connsiteY10" fmla="*/ 69504 h 2241416"/>
+                  <a:gd name="connsiteX0" fmla="*/ 2356684 w 2356684"/>
+                  <a:gd name="connsiteY0" fmla="*/ 69504 h 2186296"/>
+                  <a:gd name="connsiteX1" fmla="*/ 2325093 w 2356684"/>
+                  <a:gd name="connsiteY1" fmla="*/ 0 h 2186296"/>
+                  <a:gd name="connsiteX2" fmla="*/ 1901775 w 2356684"/>
+                  <a:gd name="connsiteY2" fmla="*/ 170601 h 2186296"/>
+                  <a:gd name="connsiteX3" fmla="*/ 1301547 w 2356684"/>
+                  <a:gd name="connsiteY3" fmla="*/ 265379 h 2186296"/>
+                  <a:gd name="connsiteX4" fmla="*/ 922455 w 2356684"/>
+                  <a:gd name="connsiteY4" fmla="*/ 278016 h 2186296"/>
+                  <a:gd name="connsiteX5" fmla="*/ 0 w 2356684"/>
+                  <a:gd name="connsiteY5" fmla="*/ 2085122 h 2186296"/>
+                  <a:gd name="connsiteX6" fmla="*/ 454909 w 2356684"/>
+                  <a:gd name="connsiteY6" fmla="*/ 2160945 h 2186296"/>
+                  <a:gd name="connsiteX7" fmla="*/ 852955 w 2356684"/>
+                  <a:gd name="connsiteY7" fmla="*/ 2179901 h 2186296"/>
+                  <a:gd name="connsiteX8" fmla="*/ 1168865 w 2356684"/>
+                  <a:gd name="connsiteY8" fmla="*/ 2129352 h 2186296"/>
+                  <a:gd name="connsiteX9" fmla="*/ 1333138 w 2356684"/>
+                  <a:gd name="connsiteY9" fmla="*/ 2078804 h 2186296"/>
+                  <a:gd name="connsiteX10" fmla="*/ 2356684 w 2356684"/>
+                  <a:gd name="connsiteY10" fmla="*/ 69504 h 2186296"/>
+                  <a:gd name="connsiteX0" fmla="*/ 2356684 w 2356684"/>
+                  <a:gd name="connsiteY0" fmla="*/ 69504 h 2186296"/>
+                  <a:gd name="connsiteX1" fmla="*/ 2325093 w 2356684"/>
+                  <a:gd name="connsiteY1" fmla="*/ 0 h 2186296"/>
+                  <a:gd name="connsiteX2" fmla="*/ 1901775 w 2356684"/>
+                  <a:gd name="connsiteY2" fmla="*/ 170601 h 2186296"/>
+                  <a:gd name="connsiteX3" fmla="*/ 1301547 w 2356684"/>
+                  <a:gd name="connsiteY3" fmla="*/ 265379 h 2186296"/>
+                  <a:gd name="connsiteX4" fmla="*/ 897128 w 2356684"/>
+                  <a:gd name="connsiteY4" fmla="*/ 278016 h 2186296"/>
+                  <a:gd name="connsiteX5" fmla="*/ 0 w 2356684"/>
+                  <a:gd name="connsiteY5" fmla="*/ 2085122 h 2186296"/>
+                  <a:gd name="connsiteX6" fmla="*/ 454909 w 2356684"/>
+                  <a:gd name="connsiteY6" fmla="*/ 2160945 h 2186296"/>
+                  <a:gd name="connsiteX7" fmla="*/ 852955 w 2356684"/>
+                  <a:gd name="connsiteY7" fmla="*/ 2179901 h 2186296"/>
+                  <a:gd name="connsiteX8" fmla="*/ 1168865 w 2356684"/>
+                  <a:gd name="connsiteY8" fmla="*/ 2129352 h 2186296"/>
+                  <a:gd name="connsiteX9" fmla="*/ 1333138 w 2356684"/>
+                  <a:gd name="connsiteY9" fmla="*/ 2078804 h 2186296"/>
+                  <a:gd name="connsiteX10" fmla="*/ 2356684 w 2356684"/>
+                  <a:gd name="connsiteY10" fmla="*/ 69504 h 2186296"/>
+                  <a:gd name="connsiteX0" fmla="*/ 2374775 w 2374775"/>
+                  <a:gd name="connsiteY0" fmla="*/ 69504 h 2186393"/>
+                  <a:gd name="connsiteX1" fmla="*/ 2343184 w 2374775"/>
+                  <a:gd name="connsiteY1" fmla="*/ 0 h 2186393"/>
+                  <a:gd name="connsiteX2" fmla="*/ 1919866 w 2374775"/>
+                  <a:gd name="connsiteY2" fmla="*/ 170601 h 2186393"/>
+                  <a:gd name="connsiteX3" fmla="*/ 1319638 w 2374775"/>
+                  <a:gd name="connsiteY3" fmla="*/ 265379 h 2186393"/>
+                  <a:gd name="connsiteX4" fmla="*/ 915219 w 2374775"/>
+                  <a:gd name="connsiteY4" fmla="*/ 278016 h 2186393"/>
+                  <a:gd name="connsiteX5" fmla="*/ 0 w 2374775"/>
+                  <a:gd name="connsiteY5" fmla="*/ 2081504 h 2186393"/>
+                  <a:gd name="connsiteX6" fmla="*/ 473000 w 2374775"/>
+                  <a:gd name="connsiteY6" fmla="*/ 2160945 h 2186393"/>
+                  <a:gd name="connsiteX7" fmla="*/ 871046 w 2374775"/>
+                  <a:gd name="connsiteY7" fmla="*/ 2179901 h 2186393"/>
+                  <a:gd name="connsiteX8" fmla="*/ 1186956 w 2374775"/>
+                  <a:gd name="connsiteY8" fmla="*/ 2129352 h 2186393"/>
+                  <a:gd name="connsiteX9" fmla="*/ 1351229 w 2374775"/>
+                  <a:gd name="connsiteY9" fmla="*/ 2078804 h 2186393"/>
+                  <a:gd name="connsiteX10" fmla="*/ 2374775 w 2374775"/>
+                  <a:gd name="connsiteY10" fmla="*/ 69504 h 2186393"/>
+                  <a:gd name="connsiteX0" fmla="*/ 2374775 w 2374775"/>
+                  <a:gd name="connsiteY0" fmla="*/ 69504 h 2186393"/>
+                  <a:gd name="connsiteX1" fmla="*/ 2343184 w 2374775"/>
+                  <a:gd name="connsiteY1" fmla="*/ 0 h 2186393"/>
+                  <a:gd name="connsiteX2" fmla="*/ 1919866 w 2374775"/>
+                  <a:gd name="connsiteY2" fmla="*/ 170601 h 2186393"/>
+                  <a:gd name="connsiteX3" fmla="*/ 1319638 w 2374775"/>
+                  <a:gd name="connsiteY3" fmla="*/ 265379 h 2186393"/>
+                  <a:gd name="connsiteX4" fmla="*/ 915219 w 2374775"/>
+                  <a:gd name="connsiteY4" fmla="*/ 278016 h 2186393"/>
+                  <a:gd name="connsiteX5" fmla="*/ 0 w 2374775"/>
+                  <a:gd name="connsiteY5" fmla="*/ 2081504 h 2186393"/>
+                  <a:gd name="connsiteX6" fmla="*/ 473000 w 2374775"/>
+                  <a:gd name="connsiteY6" fmla="*/ 2160945 h 2186393"/>
+                  <a:gd name="connsiteX7" fmla="*/ 871046 w 2374775"/>
+                  <a:gd name="connsiteY7" fmla="*/ 2179901 h 2186393"/>
+                  <a:gd name="connsiteX8" fmla="*/ 1186956 w 2374775"/>
+                  <a:gd name="connsiteY8" fmla="*/ 2129352 h 2186393"/>
+                  <a:gd name="connsiteX9" fmla="*/ 1351229 w 2374775"/>
+                  <a:gd name="connsiteY9" fmla="*/ 2078804 h 2186393"/>
+                  <a:gd name="connsiteX10" fmla="*/ 2374775 w 2374775"/>
+                  <a:gd name="connsiteY10" fmla="*/ 69504 h 2186393"/>
+                  <a:gd name="connsiteX0" fmla="*/ 2374775 w 2374775"/>
+                  <a:gd name="connsiteY0" fmla="*/ 69504 h 2186393"/>
+                  <a:gd name="connsiteX1" fmla="*/ 2343184 w 2374775"/>
+                  <a:gd name="connsiteY1" fmla="*/ 0 h 2186393"/>
+                  <a:gd name="connsiteX2" fmla="*/ 1919866 w 2374775"/>
+                  <a:gd name="connsiteY2" fmla="*/ 170601 h 2186393"/>
+                  <a:gd name="connsiteX3" fmla="*/ 1319638 w 2374775"/>
+                  <a:gd name="connsiteY3" fmla="*/ 265379 h 2186393"/>
+                  <a:gd name="connsiteX4" fmla="*/ 915219 w 2374775"/>
+                  <a:gd name="connsiteY4" fmla="*/ 278016 h 2186393"/>
+                  <a:gd name="connsiteX5" fmla="*/ 0 w 2374775"/>
+                  <a:gd name="connsiteY5" fmla="*/ 2081504 h 2186393"/>
+                  <a:gd name="connsiteX6" fmla="*/ 473000 w 2374775"/>
+                  <a:gd name="connsiteY6" fmla="*/ 2160945 h 2186393"/>
+                  <a:gd name="connsiteX7" fmla="*/ 871046 w 2374775"/>
+                  <a:gd name="connsiteY7" fmla="*/ 2179901 h 2186393"/>
+                  <a:gd name="connsiteX8" fmla="*/ 1186956 w 2374775"/>
+                  <a:gd name="connsiteY8" fmla="*/ 2129352 h 2186393"/>
+                  <a:gd name="connsiteX9" fmla="*/ 1351229 w 2374775"/>
+                  <a:gd name="connsiteY9" fmla="*/ 2078804 h 2186393"/>
+                  <a:gd name="connsiteX10" fmla="*/ 2374775 w 2374775"/>
+                  <a:gd name="connsiteY10" fmla="*/ 69504 h 2186393"/>
+                  <a:gd name="connsiteX0" fmla="*/ 2374775 w 2374775"/>
+                  <a:gd name="connsiteY0" fmla="*/ 69504 h 2241416"/>
+                  <a:gd name="connsiteX1" fmla="*/ 2343184 w 2374775"/>
+                  <a:gd name="connsiteY1" fmla="*/ 0 h 2241416"/>
+                  <a:gd name="connsiteX2" fmla="*/ 1919866 w 2374775"/>
+                  <a:gd name="connsiteY2" fmla="*/ 170601 h 2241416"/>
+                  <a:gd name="connsiteX3" fmla="*/ 1319638 w 2374775"/>
+                  <a:gd name="connsiteY3" fmla="*/ 265379 h 2241416"/>
+                  <a:gd name="connsiteX4" fmla="*/ 915219 w 2374775"/>
+                  <a:gd name="connsiteY4" fmla="*/ 278016 h 2241416"/>
+                  <a:gd name="connsiteX5" fmla="*/ 0 w 2374775"/>
+                  <a:gd name="connsiteY5" fmla="*/ 2081504 h 2241416"/>
+                  <a:gd name="connsiteX6" fmla="*/ 473000 w 2374775"/>
+                  <a:gd name="connsiteY6" fmla="*/ 2160945 h 2241416"/>
+                  <a:gd name="connsiteX7" fmla="*/ 871046 w 2374775"/>
+                  <a:gd name="connsiteY7" fmla="*/ 2179901 h 2241416"/>
+                  <a:gd name="connsiteX8" fmla="*/ 1186956 w 2374775"/>
+                  <a:gd name="connsiteY8" fmla="*/ 2129352 h 2241416"/>
+                  <a:gd name="connsiteX9" fmla="*/ 1351229 w 2374775"/>
+                  <a:gd name="connsiteY9" fmla="*/ 2078804 h 2241416"/>
+                  <a:gd name="connsiteX10" fmla="*/ 2374775 w 2374775"/>
+                  <a:gd name="connsiteY10" fmla="*/ 69504 h 2241416"/>
+                  <a:gd name="connsiteX0" fmla="*/ 2374775 w 2374775"/>
+                  <a:gd name="connsiteY0" fmla="*/ 69504 h 2186393"/>
+                  <a:gd name="connsiteX1" fmla="*/ 2343184 w 2374775"/>
+                  <a:gd name="connsiteY1" fmla="*/ 0 h 2186393"/>
+                  <a:gd name="connsiteX2" fmla="*/ 1919866 w 2374775"/>
+                  <a:gd name="connsiteY2" fmla="*/ 170601 h 2186393"/>
+                  <a:gd name="connsiteX3" fmla="*/ 1319638 w 2374775"/>
+                  <a:gd name="connsiteY3" fmla="*/ 265379 h 2186393"/>
+                  <a:gd name="connsiteX4" fmla="*/ 915219 w 2374775"/>
+                  <a:gd name="connsiteY4" fmla="*/ 278016 h 2186393"/>
+                  <a:gd name="connsiteX5" fmla="*/ 0 w 2374775"/>
+                  <a:gd name="connsiteY5" fmla="*/ 2081504 h 2186393"/>
+                  <a:gd name="connsiteX6" fmla="*/ 473000 w 2374775"/>
+                  <a:gd name="connsiteY6" fmla="*/ 2160945 h 2186393"/>
+                  <a:gd name="connsiteX7" fmla="*/ 871046 w 2374775"/>
+                  <a:gd name="connsiteY7" fmla="*/ 2179901 h 2186393"/>
+                  <a:gd name="connsiteX8" fmla="*/ 1186956 w 2374775"/>
+                  <a:gd name="connsiteY8" fmla="*/ 2129352 h 2186393"/>
+                  <a:gd name="connsiteX9" fmla="*/ 1351229 w 2374775"/>
+                  <a:gd name="connsiteY9" fmla="*/ 2078804 h 2186393"/>
+                  <a:gd name="connsiteX10" fmla="*/ 2374775 w 2374775"/>
+                  <a:gd name="connsiteY10" fmla="*/ 69504 h 2186393"/>
+                  <a:gd name="connsiteX0" fmla="*/ 2374775 w 2374775"/>
+                  <a:gd name="connsiteY0" fmla="*/ 69504 h 2180066"/>
+                  <a:gd name="connsiteX1" fmla="*/ 2343184 w 2374775"/>
+                  <a:gd name="connsiteY1" fmla="*/ 0 h 2180066"/>
+                  <a:gd name="connsiteX2" fmla="*/ 1919866 w 2374775"/>
+                  <a:gd name="connsiteY2" fmla="*/ 170601 h 2180066"/>
+                  <a:gd name="connsiteX3" fmla="*/ 1319638 w 2374775"/>
+                  <a:gd name="connsiteY3" fmla="*/ 265379 h 2180066"/>
+                  <a:gd name="connsiteX4" fmla="*/ 915219 w 2374775"/>
+                  <a:gd name="connsiteY4" fmla="*/ 278016 h 2180066"/>
+                  <a:gd name="connsiteX5" fmla="*/ 0 w 2374775"/>
+                  <a:gd name="connsiteY5" fmla="*/ 2081504 h 2180066"/>
+                  <a:gd name="connsiteX6" fmla="*/ 473000 w 2374775"/>
+                  <a:gd name="connsiteY6" fmla="*/ 2160945 h 2180066"/>
+                  <a:gd name="connsiteX7" fmla="*/ 871046 w 2374775"/>
+                  <a:gd name="connsiteY7" fmla="*/ 2179901 h 2180066"/>
+                  <a:gd name="connsiteX8" fmla="*/ 1197810 w 2374775"/>
+                  <a:gd name="connsiteY8" fmla="*/ 2154680 h 2180066"/>
+                  <a:gd name="connsiteX9" fmla="*/ 1351229 w 2374775"/>
+                  <a:gd name="connsiteY9" fmla="*/ 2078804 h 2180066"/>
+                  <a:gd name="connsiteX10" fmla="*/ 2374775 w 2374775"/>
+                  <a:gd name="connsiteY10" fmla="*/ 69504 h 2180066"/>
+                  <a:gd name="connsiteX0" fmla="*/ 2374775 w 2374775"/>
+                  <a:gd name="connsiteY0" fmla="*/ 69504 h 2180066"/>
+                  <a:gd name="connsiteX1" fmla="*/ 2343184 w 2374775"/>
+                  <a:gd name="connsiteY1" fmla="*/ 0 h 2180066"/>
+                  <a:gd name="connsiteX2" fmla="*/ 1919866 w 2374775"/>
+                  <a:gd name="connsiteY2" fmla="*/ 170601 h 2180066"/>
+                  <a:gd name="connsiteX3" fmla="*/ 1319638 w 2374775"/>
+                  <a:gd name="connsiteY3" fmla="*/ 265379 h 2180066"/>
+                  <a:gd name="connsiteX4" fmla="*/ 915219 w 2374775"/>
+                  <a:gd name="connsiteY4" fmla="*/ 278016 h 2180066"/>
+                  <a:gd name="connsiteX5" fmla="*/ 0 w 2374775"/>
+                  <a:gd name="connsiteY5" fmla="*/ 2081504 h 2180066"/>
+                  <a:gd name="connsiteX6" fmla="*/ 473000 w 2374775"/>
+                  <a:gd name="connsiteY6" fmla="*/ 2160945 h 2180066"/>
+                  <a:gd name="connsiteX7" fmla="*/ 871046 w 2374775"/>
+                  <a:gd name="connsiteY7" fmla="*/ 2179901 h 2180066"/>
+                  <a:gd name="connsiteX8" fmla="*/ 1165247 w 2374775"/>
+                  <a:gd name="connsiteY8" fmla="*/ 2154680 h 2180066"/>
+                  <a:gd name="connsiteX9" fmla="*/ 1351229 w 2374775"/>
+                  <a:gd name="connsiteY9" fmla="*/ 2078804 h 2180066"/>
+                  <a:gd name="connsiteX10" fmla="*/ 2374775 w 2374775"/>
+                  <a:gd name="connsiteY10" fmla="*/ 69504 h 2180066"/>
+                  <a:gd name="connsiteX0" fmla="*/ 2374775 w 2374775"/>
+                  <a:gd name="connsiteY0" fmla="*/ 69504 h 2180066"/>
+                  <a:gd name="connsiteX1" fmla="*/ 2343184 w 2374775"/>
+                  <a:gd name="connsiteY1" fmla="*/ 0 h 2180066"/>
+                  <a:gd name="connsiteX2" fmla="*/ 1919866 w 2374775"/>
+                  <a:gd name="connsiteY2" fmla="*/ 170601 h 2180066"/>
+                  <a:gd name="connsiteX3" fmla="*/ 1319638 w 2374775"/>
+                  <a:gd name="connsiteY3" fmla="*/ 265379 h 2180066"/>
+                  <a:gd name="connsiteX4" fmla="*/ 915219 w 2374775"/>
+                  <a:gd name="connsiteY4" fmla="*/ 278016 h 2180066"/>
+                  <a:gd name="connsiteX5" fmla="*/ 0 w 2374775"/>
+                  <a:gd name="connsiteY5" fmla="*/ 2081504 h 2180066"/>
+                  <a:gd name="connsiteX6" fmla="*/ 473000 w 2374775"/>
+                  <a:gd name="connsiteY6" fmla="*/ 2160945 h 2180066"/>
+                  <a:gd name="connsiteX7" fmla="*/ 871046 w 2374775"/>
+                  <a:gd name="connsiteY7" fmla="*/ 2179901 h 2180066"/>
+                  <a:gd name="connsiteX8" fmla="*/ 1165247 w 2374775"/>
+                  <a:gd name="connsiteY8" fmla="*/ 2154680 h 2180066"/>
+                  <a:gd name="connsiteX9" fmla="*/ 1351229 w 2374775"/>
+                  <a:gd name="connsiteY9" fmla="*/ 2078804 h 2180066"/>
+                  <a:gd name="connsiteX10" fmla="*/ 2374775 w 2374775"/>
+                  <a:gd name="connsiteY10" fmla="*/ 69504 h 2180066"/>
+                  <a:gd name="connsiteX0" fmla="*/ 2374775 w 2374775"/>
+                  <a:gd name="connsiteY0" fmla="*/ 69504 h 2180066"/>
+                  <a:gd name="connsiteX1" fmla="*/ 2343184 w 2374775"/>
+                  <a:gd name="connsiteY1" fmla="*/ 0 h 2180066"/>
+                  <a:gd name="connsiteX2" fmla="*/ 1919866 w 2374775"/>
+                  <a:gd name="connsiteY2" fmla="*/ 170601 h 2180066"/>
+                  <a:gd name="connsiteX3" fmla="*/ 1319638 w 2374775"/>
+                  <a:gd name="connsiteY3" fmla="*/ 265379 h 2180066"/>
+                  <a:gd name="connsiteX4" fmla="*/ 915219 w 2374775"/>
+                  <a:gd name="connsiteY4" fmla="*/ 278016 h 2180066"/>
+                  <a:gd name="connsiteX5" fmla="*/ 0 w 2374775"/>
+                  <a:gd name="connsiteY5" fmla="*/ 2081504 h 2180066"/>
+                  <a:gd name="connsiteX6" fmla="*/ 473000 w 2374775"/>
+                  <a:gd name="connsiteY6" fmla="*/ 2160945 h 2180066"/>
+                  <a:gd name="connsiteX7" fmla="*/ 871046 w 2374775"/>
+                  <a:gd name="connsiteY7" fmla="*/ 2179901 h 2180066"/>
+                  <a:gd name="connsiteX8" fmla="*/ 1165247 w 2374775"/>
+                  <a:gd name="connsiteY8" fmla="*/ 2154680 h 2180066"/>
+                  <a:gd name="connsiteX9" fmla="*/ 1351229 w 2374775"/>
+                  <a:gd name="connsiteY9" fmla="*/ 2078804 h 2180066"/>
+                  <a:gd name="connsiteX10" fmla="*/ 2374775 w 2374775"/>
+                  <a:gd name="connsiteY10" fmla="*/ 69504 h 2180066"/>
+                </a:gdLst>
+                <a:ahLst/>
+                <a:cxnLst>
+                  <a:cxn ang="0">
+                    <a:pos x="connsiteX0" y="connsiteY0"/>
+                  </a:cxn>
+                  <a:cxn ang="0">
+                    <a:pos x="connsiteX1" y="connsiteY1"/>
+                  </a:cxn>
+                  <a:cxn ang="0">
+                    <a:pos x="connsiteX2" y="connsiteY2"/>
+                  </a:cxn>
+                  <a:cxn ang="0">
+                    <a:pos x="connsiteX3" y="connsiteY3"/>
+                  </a:cxn>
+                  <a:cxn ang="0">
+                    <a:pos x="connsiteX4" y="connsiteY4"/>
+                  </a:cxn>
+                  <a:cxn ang="0">
+                    <a:pos x="connsiteX5" y="connsiteY5"/>
+                  </a:cxn>
+                  <a:cxn ang="0">
+                    <a:pos x="connsiteX6" y="connsiteY6"/>
+                  </a:cxn>
+                  <a:cxn ang="0">
+                    <a:pos x="connsiteX7" y="connsiteY7"/>
+                  </a:cxn>
+                  <a:cxn ang="0">
+                    <a:pos x="connsiteX8" y="connsiteY8"/>
+                  </a:cxn>
+                  <a:cxn ang="0">
+                    <a:pos x="connsiteX9" y="connsiteY9"/>
+                  </a:cxn>
+                  <a:cxn ang="0">
+                    <a:pos x="connsiteX10" y="connsiteY10"/>
+                  </a:cxn>
+                </a:cxnLst>
+                <a:rect l="l" t="t" r="r" b="b"/>
+                <a:pathLst>
+                  <a:path w="2374775" h="2180066">
+                    <a:moveTo>
+                      <a:pt x="2374775" y="69504"/>
+                    </a:moveTo>
+                    <a:lnTo>
+                      <a:pt x="2343184" y="0"/>
+                    </a:lnTo>
+                    <a:cubicBezTo>
+                      <a:pt x="2267366" y="16850"/>
+                      <a:pt x="2090457" y="126371"/>
+                      <a:pt x="1919866" y="170601"/>
+                    </a:cubicBezTo>
+                    <a:cubicBezTo>
+                      <a:pt x="1749275" y="214831"/>
+                      <a:pt x="1487079" y="247477"/>
+                      <a:pt x="1319638" y="265379"/>
+                    </a:cubicBezTo>
+                    <a:cubicBezTo>
+                      <a:pt x="1152197" y="283281"/>
+                      <a:pt x="1050025" y="273804"/>
+                      <a:pt x="915219" y="278016"/>
+                    </a:cubicBezTo>
+                    <a:cubicBezTo>
+                      <a:pt x="730859" y="606634"/>
+                      <a:pt x="461227" y="1177951"/>
+                      <a:pt x="0" y="2081504"/>
+                    </a:cubicBezTo>
+                    <a:cubicBezTo>
+                      <a:pt x="294747" y="2138427"/>
+                      <a:pt x="327826" y="2144546"/>
+                      <a:pt x="473000" y="2160945"/>
+                    </a:cubicBezTo>
+                    <a:cubicBezTo>
+                      <a:pt x="618174" y="2177344"/>
+                      <a:pt x="755672" y="2180945"/>
+                      <a:pt x="871046" y="2179901"/>
+                    </a:cubicBezTo>
+                    <a:cubicBezTo>
+                      <a:pt x="986420" y="2178857"/>
+                      <a:pt x="1056326" y="2163087"/>
+                      <a:pt x="1165247" y="2154680"/>
+                    </a:cubicBezTo>
+                    <a:cubicBezTo>
+                      <a:pt x="1270550" y="2137830"/>
+                      <a:pt x="1279947" y="2118551"/>
+                      <a:pt x="1351229" y="2078804"/>
+                    </a:cubicBezTo>
+                    <a:lnTo>
+                      <a:pt x="2374775" y="69504"/>
+                    </a:lnTo>
+                    <a:close/>
+                  </a:path>
+                </a:pathLst>
+              </a:custGeom>
+              <a:solidFill>
+                <a:srgbClr val="103869"/>
+              </a:solidFill>
+              <a:ln>
+                <a:noFill/>
+              </a:ln>
+              <a:effectLst/>
+            </p:spPr>
+            <p:style>
+              <a:lnRef idx="1">
+                <a:schemeClr val="accent1"/>
+              </a:lnRef>
+              <a:fillRef idx="3">
+                <a:schemeClr val="accent1"/>
+              </a:fillRef>
+              <a:effectRef idx="2">
+                <a:schemeClr val="accent1"/>
+              </a:effectRef>
+              <a:fontRef idx="minor">
+                <a:schemeClr val="lt1"/>
+              </a:fontRef>
+            </p:style>
+            <p:txBody>
+              <a:bodyPr rtlCol="0" anchor="ctr"/>
+              <a:lstStyle/>
+              <a:p>
+                <a:pPr algn="ctr"/>
+                <a:endParaRPr lang="en-US"/>
+              </a:p>
+            </p:txBody>
+          </p:sp>
+          <p:sp>
+            <p:nvSpPr>
+              <p:cNvPr id="14" name="Freeform 13"/>
+              <p:cNvSpPr/>
+              <p:nvPr/>
+            </p:nvSpPr>
+            <p:spPr>
+              <a:xfrm>
+                <a:off x="3104534" y="5380744"/>
+                <a:ext cx="2002965" cy="659277"/>
+              </a:xfrm>
+              <a:custGeom>
+                <a:avLst/>
+                <a:gdLst>
+                  <a:gd name="connsiteX0" fmla="*/ 0 w 1986371"/>
+                  <a:gd name="connsiteY0" fmla="*/ 0 h 651291"/>
+                  <a:gd name="connsiteX1" fmla="*/ 260508 w 1986371"/>
+                  <a:gd name="connsiteY1" fmla="*/ 199006 h 651291"/>
+                  <a:gd name="connsiteX2" fmla="*/ 662124 w 1986371"/>
+                  <a:gd name="connsiteY2" fmla="*/ 412484 h 651291"/>
+                  <a:gd name="connsiteX3" fmla="*/ 1125249 w 1986371"/>
+                  <a:gd name="connsiteY3" fmla="*/ 557215 h 651291"/>
+                  <a:gd name="connsiteX4" fmla="*/ 1497919 w 1986371"/>
+                  <a:gd name="connsiteY4" fmla="*/ 629581 h 651291"/>
+                  <a:gd name="connsiteX5" fmla="*/ 1914008 w 1986371"/>
+                  <a:gd name="connsiteY5" fmla="*/ 651291 h 651291"/>
+                  <a:gd name="connsiteX6" fmla="*/ 1986371 w 1986371"/>
+                  <a:gd name="connsiteY6" fmla="*/ 618726 h 651291"/>
+                  <a:gd name="connsiteX7" fmla="*/ 1888681 w 1986371"/>
+                  <a:gd name="connsiteY7" fmla="*/ 535506 h 651291"/>
+                  <a:gd name="connsiteX8" fmla="*/ 1715009 w 1986371"/>
+                  <a:gd name="connsiteY8" fmla="*/ 542742 h 651291"/>
+                  <a:gd name="connsiteX9" fmla="*/ 1306157 w 1986371"/>
+                  <a:gd name="connsiteY9" fmla="*/ 502941 h 651291"/>
+                  <a:gd name="connsiteX10" fmla="*/ 944340 w 1986371"/>
+                  <a:gd name="connsiteY10" fmla="*/ 387156 h 651291"/>
+                  <a:gd name="connsiteX11" fmla="*/ 1313393 w 1986371"/>
+                  <a:gd name="connsiteY11" fmla="*/ 394393 h 651291"/>
+                  <a:gd name="connsiteX12" fmla="*/ 1664355 w 1986371"/>
+                  <a:gd name="connsiteY12" fmla="*/ 332882 h 651291"/>
+                  <a:gd name="connsiteX13" fmla="*/ 1577519 w 1986371"/>
+                  <a:gd name="connsiteY13" fmla="*/ 217097 h 651291"/>
+                  <a:gd name="connsiteX14" fmla="*/ 1476210 w 1986371"/>
+                  <a:gd name="connsiteY14" fmla="*/ 238807 h 651291"/>
+                  <a:gd name="connsiteX15" fmla="*/ 1215703 w 1986371"/>
+                  <a:gd name="connsiteY15" fmla="*/ 253280 h 651291"/>
+                  <a:gd name="connsiteX16" fmla="*/ 919013 w 1986371"/>
+                  <a:gd name="connsiteY16" fmla="*/ 242425 h 651291"/>
+                  <a:gd name="connsiteX17" fmla="*/ 647651 w 1986371"/>
+                  <a:gd name="connsiteY17" fmla="*/ 180914 h 651291"/>
+                  <a:gd name="connsiteX18" fmla="*/ 481216 w 1986371"/>
+                  <a:gd name="connsiteY18" fmla="*/ 115785 h 651291"/>
+                  <a:gd name="connsiteX19" fmla="*/ 445034 w 1986371"/>
+                  <a:gd name="connsiteY19" fmla="*/ 75984 h 651291"/>
+                  <a:gd name="connsiteX20" fmla="*/ 0 w 1986371"/>
+                  <a:gd name="connsiteY20" fmla="*/ 0 h 651291"/>
+                  <a:gd name="connsiteX0" fmla="*/ 3468 w 1989839"/>
+                  <a:gd name="connsiteY0" fmla="*/ 0 h 651291"/>
+                  <a:gd name="connsiteX1" fmla="*/ 263976 w 1989839"/>
+                  <a:gd name="connsiteY1" fmla="*/ 199006 h 651291"/>
+                  <a:gd name="connsiteX2" fmla="*/ 665592 w 1989839"/>
+                  <a:gd name="connsiteY2" fmla="*/ 412484 h 651291"/>
+                  <a:gd name="connsiteX3" fmla="*/ 1128717 w 1989839"/>
+                  <a:gd name="connsiteY3" fmla="*/ 557215 h 651291"/>
+                  <a:gd name="connsiteX4" fmla="*/ 1501387 w 1989839"/>
+                  <a:gd name="connsiteY4" fmla="*/ 629581 h 651291"/>
+                  <a:gd name="connsiteX5" fmla="*/ 1917476 w 1989839"/>
+                  <a:gd name="connsiteY5" fmla="*/ 651291 h 651291"/>
+                  <a:gd name="connsiteX6" fmla="*/ 1989839 w 1989839"/>
+                  <a:gd name="connsiteY6" fmla="*/ 618726 h 651291"/>
+                  <a:gd name="connsiteX7" fmla="*/ 1892149 w 1989839"/>
+                  <a:gd name="connsiteY7" fmla="*/ 535506 h 651291"/>
+                  <a:gd name="connsiteX8" fmla="*/ 1718477 w 1989839"/>
+                  <a:gd name="connsiteY8" fmla="*/ 542742 h 651291"/>
+                  <a:gd name="connsiteX9" fmla="*/ 1309625 w 1989839"/>
+                  <a:gd name="connsiteY9" fmla="*/ 502941 h 651291"/>
+                  <a:gd name="connsiteX10" fmla="*/ 947808 w 1989839"/>
+                  <a:gd name="connsiteY10" fmla="*/ 387156 h 651291"/>
+                  <a:gd name="connsiteX11" fmla="*/ 1316861 w 1989839"/>
+                  <a:gd name="connsiteY11" fmla="*/ 394393 h 651291"/>
+                  <a:gd name="connsiteX12" fmla="*/ 1667823 w 1989839"/>
+                  <a:gd name="connsiteY12" fmla="*/ 332882 h 651291"/>
+                  <a:gd name="connsiteX13" fmla="*/ 1580987 w 1989839"/>
+                  <a:gd name="connsiteY13" fmla="*/ 217097 h 651291"/>
+                  <a:gd name="connsiteX14" fmla="*/ 1479678 w 1989839"/>
+                  <a:gd name="connsiteY14" fmla="*/ 238807 h 651291"/>
+                  <a:gd name="connsiteX15" fmla="*/ 1219171 w 1989839"/>
+                  <a:gd name="connsiteY15" fmla="*/ 253280 h 651291"/>
+                  <a:gd name="connsiteX16" fmla="*/ 922481 w 1989839"/>
+                  <a:gd name="connsiteY16" fmla="*/ 242425 h 651291"/>
+                  <a:gd name="connsiteX17" fmla="*/ 651119 w 1989839"/>
+                  <a:gd name="connsiteY17" fmla="*/ 180914 h 651291"/>
+                  <a:gd name="connsiteX18" fmla="*/ 484684 w 1989839"/>
+                  <a:gd name="connsiteY18" fmla="*/ 115785 h 651291"/>
+                  <a:gd name="connsiteX19" fmla="*/ 448502 w 1989839"/>
+                  <a:gd name="connsiteY19" fmla="*/ 75984 h 651291"/>
+                  <a:gd name="connsiteX20" fmla="*/ 3468 w 1989839"/>
+                  <a:gd name="connsiteY20" fmla="*/ 0 h 651291"/>
+                  <a:gd name="connsiteX0" fmla="*/ 3468 w 1989839"/>
+                  <a:gd name="connsiteY0" fmla="*/ 0 h 651291"/>
+                  <a:gd name="connsiteX1" fmla="*/ 263976 w 1989839"/>
+                  <a:gd name="connsiteY1" fmla="*/ 199006 h 651291"/>
+                  <a:gd name="connsiteX2" fmla="*/ 665592 w 1989839"/>
+                  <a:gd name="connsiteY2" fmla="*/ 412484 h 651291"/>
+                  <a:gd name="connsiteX3" fmla="*/ 1128717 w 1989839"/>
+                  <a:gd name="connsiteY3" fmla="*/ 557215 h 651291"/>
+                  <a:gd name="connsiteX4" fmla="*/ 1501387 w 1989839"/>
+                  <a:gd name="connsiteY4" fmla="*/ 629581 h 651291"/>
+                  <a:gd name="connsiteX5" fmla="*/ 1917476 w 1989839"/>
+                  <a:gd name="connsiteY5" fmla="*/ 651291 h 651291"/>
+                  <a:gd name="connsiteX6" fmla="*/ 1989839 w 1989839"/>
+                  <a:gd name="connsiteY6" fmla="*/ 618726 h 651291"/>
+                  <a:gd name="connsiteX7" fmla="*/ 1892149 w 1989839"/>
+                  <a:gd name="connsiteY7" fmla="*/ 535506 h 651291"/>
+                  <a:gd name="connsiteX8" fmla="*/ 1718477 w 1989839"/>
+                  <a:gd name="connsiteY8" fmla="*/ 542742 h 651291"/>
+                  <a:gd name="connsiteX9" fmla="*/ 1309625 w 1989839"/>
+                  <a:gd name="connsiteY9" fmla="*/ 502941 h 651291"/>
+                  <a:gd name="connsiteX10" fmla="*/ 947808 w 1989839"/>
+                  <a:gd name="connsiteY10" fmla="*/ 387156 h 651291"/>
+                  <a:gd name="connsiteX11" fmla="*/ 1316861 w 1989839"/>
+                  <a:gd name="connsiteY11" fmla="*/ 394393 h 651291"/>
+                  <a:gd name="connsiteX12" fmla="*/ 1667823 w 1989839"/>
+                  <a:gd name="connsiteY12" fmla="*/ 332882 h 651291"/>
+                  <a:gd name="connsiteX13" fmla="*/ 1580987 w 1989839"/>
+                  <a:gd name="connsiteY13" fmla="*/ 217097 h 651291"/>
+                  <a:gd name="connsiteX14" fmla="*/ 1479678 w 1989839"/>
+                  <a:gd name="connsiteY14" fmla="*/ 238807 h 651291"/>
+                  <a:gd name="connsiteX15" fmla="*/ 1219171 w 1989839"/>
+                  <a:gd name="connsiteY15" fmla="*/ 253280 h 651291"/>
+                  <a:gd name="connsiteX16" fmla="*/ 922481 w 1989839"/>
+                  <a:gd name="connsiteY16" fmla="*/ 242425 h 651291"/>
+                  <a:gd name="connsiteX17" fmla="*/ 651119 w 1989839"/>
+                  <a:gd name="connsiteY17" fmla="*/ 180914 h 651291"/>
+                  <a:gd name="connsiteX18" fmla="*/ 484684 w 1989839"/>
+                  <a:gd name="connsiteY18" fmla="*/ 115785 h 651291"/>
+                  <a:gd name="connsiteX19" fmla="*/ 448502 w 1989839"/>
+                  <a:gd name="connsiteY19" fmla="*/ 75984 h 651291"/>
+                  <a:gd name="connsiteX20" fmla="*/ 3468 w 1989839"/>
+                  <a:gd name="connsiteY20" fmla="*/ 0 h 651291"/>
+                  <a:gd name="connsiteX0" fmla="*/ 3468 w 1989839"/>
+                  <a:gd name="connsiteY0" fmla="*/ 0 h 651291"/>
+                  <a:gd name="connsiteX1" fmla="*/ 263976 w 1989839"/>
+                  <a:gd name="connsiteY1" fmla="*/ 199006 h 651291"/>
+                  <a:gd name="connsiteX2" fmla="*/ 665592 w 1989839"/>
+                  <a:gd name="connsiteY2" fmla="*/ 412484 h 651291"/>
+                  <a:gd name="connsiteX3" fmla="*/ 1128717 w 1989839"/>
+                  <a:gd name="connsiteY3" fmla="*/ 557215 h 651291"/>
+                  <a:gd name="connsiteX4" fmla="*/ 1501387 w 1989839"/>
+                  <a:gd name="connsiteY4" fmla="*/ 629581 h 651291"/>
+                  <a:gd name="connsiteX5" fmla="*/ 1917476 w 1989839"/>
+                  <a:gd name="connsiteY5" fmla="*/ 651291 h 651291"/>
+                  <a:gd name="connsiteX6" fmla="*/ 1989839 w 1989839"/>
+                  <a:gd name="connsiteY6" fmla="*/ 618726 h 651291"/>
+                  <a:gd name="connsiteX7" fmla="*/ 1892149 w 1989839"/>
+                  <a:gd name="connsiteY7" fmla="*/ 535506 h 651291"/>
+                  <a:gd name="connsiteX8" fmla="*/ 1718477 w 1989839"/>
+                  <a:gd name="connsiteY8" fmla="*/ 542742 h 651291"/>
+                  <a:gd name="connsiteX9" fmla="*/ 1309625 w 1989839"/>
+                  <a:gd name="connsiteY9" fmla="*/ 502941 h 651291"/>
+                  <a:gd name="connsiteX10" fmla="*/ 947808 w 1989839"/>
+                  <a:gd name="connsiteY10" fmla="*/ 387156 h 651291"/>
+                  <a:gd name="connsiteX11" fmla="*/ 1316861 w 1989839"/>
+                  <a:gd name="connsiteY11" fmla="*/ 394393 h 651291"/>
+                  <a:gd name="connsiteX12" fmla="*/ 1667823 w 1989839"/>
+                  <a:gd name="connsiteY12" fmla="*/ 332882 h 651291"/>
+                  <a:gd name="connsiteX13" fmla="*/ 1580987 w 1989839"/>
+                  <a:gd name="connsiteY13" fmla="*/ 217097 h 651291"/>
+                  <a:gd name="connsiteX14" fmla="*/ 1479678 w 1989839"/>
+                  <a:gd name="connsiteY14" fmla="*/ 238807 h 651291"/>
+                  <a:gd name="connsiteX15" fmla="*/ 1219171 w 1989839"/>
+                  <a:gd name="connsiteY15" fmla="*/ 253280 h 651291"/>
+                  <a:gd name="connsiteX16" fmla="*/ 922481 w 1989839"/>
+                  <a:gd name="connsiteY16" fmla="*/ 242425 h 651291"/>
+                  <a:gd name="connsiteX17" fmla="*/ 651119 w 1989839"/>
+                  <a:gd name="connsiteY17" fmla="*/ 180914 h 651291"/>
+                  <a:gd name="connsiteX18" fmla="*/ 484684 w 1989839"/>
+                  <a:gd name="connsiteY18" fmla="*/ 115785 h 651291"/>
+                  <a:gd name="connsiteX19" fmla="*/ 448502 w 1989839"/>
+                  <a:gd name="connsiteY19" fmla="*/ 75984 h 651291"/>
+                  <a:gd name="connsiteX20" fmla="*/ 3468 w 1989839"/>
+                  <a:gd name="connsiteY20" fmla="*/ 0 h 651291"/>
+                  <a:gd name="connsiteX0" fmla="*/ 3468 w 1989839"/>
+                  <a:gd name="connsiteY0" fmla="*/ 0 h 651291"/>
+                  <a:gd name="connsiteX1" fmla="*/ 263976 w 1989839"/>
+                  <a:gd name="connsiteY1" fmla="*/ 199006 h 651291"/>
+                  <a:gd name="connsiteX2" fmla="*/ 665592 w 1989839"/>
+                  <a:gd name="connsiteY2" fmla="*/ 412484 h 651291"/>
+                  <a:gd name="connsiteX3" fmla="*/ 1128717 w 1989839"/>
+                  <a:gd name="connsiteY3" fmla="*/ 575307 h 651291"/>
+                  <a:gd name="connsiteX4" fmla="*/ 1501387 w 1989839"/>
+                  <a:gd name="connsiteY4" fmla="*/ 629581 h 651291"/>
+                  <a:gd name="connsiteX5" fmla="*/ 1917476 w 1989839"/>
+                  <a:gd name="connsiteY5" fmla="*/ 651291 h 651291"/>
+                  <a:gd name="connsiteX6" fmla="*/ 1989839 w 1989839"/>
+                  <a:gd name="connsiteY6" fmla="*/ 618726 h 651291"/>
+                  <a:gd name="connsiteX7" fmla="*/ 1892149 w 1989839"/>
+                  <a:gd name="connsiteY7" fmla="*/ 535506 h 651291"/>
+                  <a:gd name="connsiteX8" fmla="*/ 1718477 w 1989839"/>
+                  <a:gd name="connsiteY8" fmla="*/ 542742 h 651291"/>
+                  <a:gd name="connsiteX9" fmla="*/ 1309625 w 1989839"/>
+                  <a:gd name="connsiteY9" fmla="*/ 502941 h 651291"/>
+                  <a:gd name="connsiteX10" fmla="*/ 947808 w 1989839"/>
+                  <a:gd name="connsiteY10" fmla="*/ 387156 h 651291"/>
+                  <a:gd name="connsiteX11" fmla="*/ 1316861 w 1989839"/>
+                  <a:gd name="connsiteY11" fmla="*/ 394393 h 651291"/>
+                  <a:gd name="connsiteX12" fmla="*/ 1667823 w 1989839"/>
+                  <a:gd name="connsiteY12" fmla="*/ 332882 h 651291"/>
+                  <a:gd name="connsiteX13" fmla="*/ 1580987 w 1989839"/>
+                  <a:gd name="connsiteY13" fmla="*/ 217097 h 651291"/>
+                  <a:gd name="connsiteX14" fmla="*/ 1479678 w 1989839"/>
+                  <a:gd name="connsiteY14" fmla="*/ 238807 h 651291"/>
+                  <a:gd name="connsiteX15" fmla="*/ 1219171 w 1989839"/>
+                  <a:gd name="connsiteY15" fmla="*/ 253280 h 651291"/>
+                  <a:gd name="connsiteX16" fmla="*/ 922481 w 1989839"/>
+                  <a:gd name="connsiteY16" fmla="*/ 242425 h 651291"/>
+                  <a:gd name="connsiteX17" fmla="*/ 651119 w 1989839"/>
+                  <a:gd name="connsiteY17" fmla="*/ 180914 h 651291"/>
+                  <a:gd name="connsiteX18" fmla="*/ 484684 w 1989839"/>
+                  <a:gd name="connsiteY18" fmla="*/ 115785 h 651291"/>
+                  <a:gd name="connsiteX19" fmla="*/ 448502 w 1989839"/>
+                  <a:gd name="connsiteY19" fmla="*/ 75984 h 651291"/>
+                  <a:gd name="connsiteX20" fmla="*/ 3468 w 1989839"/>
+                  <a:gd name="connsiteY20" fmla="*/ 0 h 651291"/>
+                  <a:gd name="connsiteX0" fmla="*/ 3468 w 1989839"/>
+                  <a:gd name="connsiteY0" fmla="*/ 0 h 651291"/>
+                  <a:gd name="connsiteX1" fmla="*/ 263976 w 1989839"/>
+                  <a:gd name="connsiteY1" fmla="*/ 199006 h 651291"/>
+                  <a:gd name="connsiteX2" fmla="*/ 665592 w 1989839"/>
+                  <a:gd name="connsiteY2" fmla="*/ 412484 h 651291"/>
+                  <a:gd name="connsiteX3" fmla="*/ 1128717 w 1989839"/>
+                  <a:gd name="connsiteY3" fmla="*/ 575307 h 651291"/>
+                  <a:gd name="connsiteX4" fmla="*/ 1501387 w 1989839"/>
+                  <a:gd name="connsiteY4" fmla="*/ 629581 h 651291"/>
+                  <a:gd name="connsiteX5" fmla="*/ 1917476 w 1989839"/>
+                  <a:gd name="connsiteY5" fmla="*/ 651291 h 651291"/>
+                  <a:gd name="connsiteX6" fmla="*/ 1989839 w 1989839"/>
+                  <a:gd name="connsiteY6" fmla="*/ 618726 h 651291"/>
+                  <a:gd name="connsiteX7" fmla="*/ 1892149 w 1989839"/>
+                  <a:gd name="connsiteY7" fmla="*/ 535506 h 651291"/>
+                  <a:gd name="connsiteX8" fmla="*/ 1718477 w 1989839"/>
+                  <a:gd name="connsiteY8" fmla="*/ 542742 h 651291"/>
+                  <a:gd name="connsiteX9" fmla="*/ 1309625 w 1989839"/>
+                  <a:gd name="connsiteY9" fmla="*/ 502941 h 651291"/>
+                  <a:gd name="connsiteX10" fmla="*/ 947808 w 1989839"/>
+                  <a:gd name="connsiteY10" fmla="*/ 387156 h 651291"/>
+                  <a:gd name="connsiteX11" fmla="*/ 1316861 w 1989839"/>
+                  <a:gd name="connsiteY11" fmla="*/ 394393 h 651291"/>
+                  <a:gd name="connsiteX12" fmla="*/ 1667823 w 1989839"/>
+                  <a:gd name="connsiteY12" fmla="*/ 332882 h 651291"/>
+                  <a:gd name="connsiteX13" fmla="*/ 1580987 w 1989839"/>
+                  <a:gd name="connsiteY13" fmla="*/ 217097 h 651291"/>
+                  <a:gd name="connsiteX14" fmla="*/ 1479678 w 1989839"/>
+                  <a:gd name="connsiteY14" fmla="*/ 238807 h 651291"/>
+                  <a:gd name="connsiteX15" fmla="*/ 1219171 w 1989839"/>
+                  <a:gd name="connsiteY15" fmla="*/ 253280 h 651291"/>
+                  <a:gd name="connsiteX16" fmla="*/ 922481 w 1989839"/>
+                  <a:gd name="connsiteY16" fmla="*/ 242425 h 651291"/>
+                  <a:gd name="connsiteX17" fmla="*/ 651119 w 1989839"/>
+                  <a:gd name="connsiteY17" fmla="*/ 180914 h 651291"/>
+                  <a:gd name="connsiteX18" fmla="*/ 484684 w 1989839"/>
+                  <a:gd name="connsiteY18" fmla="*/ 115785 h 651291"/>
+                  <a:gd name="connsiteX19" fmla="*/ 448502 w 1989839"/>
+                  <a:gd name="connsiteY19" fmla="*/ 75984 h 651291"/>
+                  <a:gd name="connsiteX20" fmla="*/ 3468 w 1989839"/>
+                  <a:gd name="connsiteY20" fmla="*/ 0 h 651291"/>
+                  <a:gd name="connsiteX0" fmla="*/ 3468 w 1989839"/>
+                  <a:gd name="connsiteY0" fmla="*/ 0 h 651291"/>
+                  <a:gd name="connsiteX1" fmla="*/ 263976 w 1989839"/>
+                  <a:gd name="connsiteY1" fmla="*/ 199006 h 651291"/>
+                  <a:gd name="connsiteX2" fmla="*/ 665592 w 1989839"/>
+                  <a:gd name="connsiteY2" fmla="*/ 412484 h 651291"/>
+                  <a:gd name="connsiteX3" fmla="*/ 1128717 w 1989839"/>
+                  <a:gd name="connsiteY3" fmla="*/ 575307 h 651291"/>
+                  <a:gd name="connsiteX4" fmla="*/ 1501387 w 1989839"/>
+                  <a:gd name="connsiteY4" fmla="*/ 629581 h 651291"/>
+                  <a:gd name="connsiteX5" fmla="*/ 1917476 w 1989839"/>
+                  <a:gd name="connsiteY5" fmla="*/ 651291 h 651291"/>
+                  <a:gd name="connsiteX6" fmla="*/ 1989839 w 1989839"/>
+                  <a:gd name="connsiteY6" fmla="*/ 618726 h 651291"/>
+                  <a:gd name="connsiteX7" fmla="*/ 1892149 w 1989839"/>
+                  <a:gd name="connsiteY7" fmla="*/ 535506 h 651291"/>
+                  <a:gd name="connsiteX8" fmla="*/ 1718477 w 1989839"/>
+                  <a:gd name="connsiteY8" fmla="*/ 542742 h 651291"/>
+                  <a:gd name="connsiteX9" fmla="*/ 1309625 w 1989839"/>
+                  <a:gd name="connsiteY9" fmla="*/ 502941 h 651291"/>
+                  <a:gd name="connsiteX10" fmla="*/ 947808 w 1989839"/>
+                  <a:gd name="connsiteY10" fmla="*/ 387156 h 651291"/>
+                  <a:gd name="connsiteX11" fmla="*/ 1316861 w 1989839"/>
+                  <a:gd name="connsiteY11" fmla="*/ 394393 h 651291"/>
+                  <a:gd name="connsiteX12" fmla="*/ 1667823 w 1989839"/>
+                  <a:gd name="connsiteY12" fmla="*/ 332882 h 651291"/>
+                  <a:gd name="connsiteX13" fmla="*/ 1580987 w 1989839"/>
+                  <a:gd name="connsiteY13" fmla="*/ 217097 h 651291"/>
+                  <a:gd name="connsiteX14" fmla="*/ 1479678 w 1989839"/>
+                  <a:gd name="connsiteY14" fmla="*/ 238807 h 651291"/>
+                  <a:gd name="connsiteX15" fmla="*/ 1219171 w 1989839"/>
+                  <a:gd name="connsiteY15" fmla="*/ 253280 h 651291"/>
+                  <a:gd name="connsiteX16" fmla="*/ 922481 w 1989839"/>
+                  <a:gd name="connsiteY16" fmla="*/ 242425 h 651291"/>
+                  <a:gd name="connsiteX17" fmla="*/ 651119 w 1989839"/>
+                  <a:gd name="connsiteY17" fmla="*/ 180914 h 651291"/>
+                  <a:gd name="connsiteX18" fmla="*/ 484684 w 1989839"/>
+                  <a:gd name="connsiteY18" fmla="*/ 115785 h 651291"/>
+                  <a:gd name="connsiteX19" fmla="*/ 448502 w 1989839"/>
+                  <a:gd name="connsiteY19" fmla="*/ 75984 h 651291"/>
+                  <a:gd name="connsiteX20" fmla="*/ 3468 w 1989839"/>
+                  <a:gd name="connsiteY20" fmla="*/ 0 h 651291"/>
+                  <a:gd name="connsiteX0" fmla="*/ 3468 w 1989839"/>
+                  <a:gd name="connsiteY0" fmla="*/ 0 h 651291"/>
+                  <a:gd name="connsiteX1" fmla="*/ 263976 w 1989839"/>
+                  <a:gd name="connsiteY1" fmla="*/ 199006 h 651291"/>
+                  <a:gd name="connsiteX2" fmla="*/ 665592 w 1989839"/>
+                  <a:gd name="connsiteY2" fmla="*/ 412484 h 651291"/>
+                  <a:gd name="connsiteX3" fmla="*/ 1128717 w 1989839"/>
+                  <a:gd name="connsiteY3" fmla="*/ 575307 h 651291"/>
+                  <a:gd name="connsiteX4" fmla="*/ 1505005 w 1989839"/>
+                  <a:gd name="connsiteY4" fmla="*/ 644054 h 651291"/>
+                  <a:gd name="connsiteX5" fmla="*/ 1917476 w 1989839"/>
+                  <a:gd name="connsiteY5" fmla="*/ 651291 h 651291"/>
+                  <a:gd name="connsiteX6" fmla="*/ 1989839 w 1989839"/>
+                  <a:gd name="connsiteY6" fmla="*/ 618726 h 651291"/>
+                  <a:gd name="connsiteX7" fmla="*/ 1892149 w 1989839"/>
+                  <a:gd name="connsiteY7" fmla="*/ 535506 h 651291"/>
+                  <a:gd name="connsiteX8" fmla="*/ 1718477 w 1989839"/>
+                  <a:gd name="connsiteY8" fmla="*/ 542742 h 651291"/>
+                  <a:gd name="connsiteX9" fmla="*/ 1309625 w 1989839"/>
+                  <a:gd name="connsiteY9" fmla="*/ 502941 h 651291"/>
+                  <a:gd name="connsiteX10" fmla="*/ 947808 w 1989839"/>
+                  <a:gd name="connsiteY10" fmla="*/ 387156 h 651291"/>
+                  <a:gd name="connsiteX11" fmla="*/ 1316861 w 1989839"/>
+                  <a:gd name="connsiteY11" fmla="*/ 394393 h 651291"/>
+                  <a:gd name="connsiteX12" fmla="*/ 1667823 w 1989839"/>
+                  <a:gd name="connsiteY12" fmla="*/ 332882 h 651291"/>
+                  <a:gd name="connsiteX13" fmla="*/ 1580987 w 1989839"/>
+                  <a:gd name="connsiteY13" fmla="*/ 217097 h 651291"/>
+                  <a:gd name="connsiteX14" fmla="*/ 1479678 w 1989839"/>
+                  <a:gd name="connsiteY14" fmla="*/ 238807 h 651291"/>
+                  <a:gd name="connsiteX15" fmla="*/ 1219171 w 1989839"/>
+                  <a:gd name="connsiteY15" fmla="*/ 253280 h 651291"/>
+                  <a:gd name="connsiteX16" fmla="*/ 922481 w 1989839"/>
+                  <a:gd name="connsiteY16" fmla="*/ 242425 h 651291"/>
+                  <a:gd name="connsiteX17" fmla="*/ 651119 w 1989839"/>
+                  <a:gd name="connsiteY17" fmla="*/ 180914 h 651291"/>
+                  <a:gd name="connsiteX18" fmla="*/ 484684 w 1989839"/>
+                  <a:gd name="connsiteY18" fmla="*/ 115785 h 651291"/>
+                  <a:gd name="connsiteX19" fmla="*/ 448502 w 1989839"/>
+                  <a:gd name="connsiteY19" fmla="*/ 75984 h 651291"/>
+                  <a:gd name="connsiteX20" fmla="*/ 3468 w 1989839"/>
+                  <a:gd name="connsiteY20" fmla="*/ 0 h 651291"/>
+                  <a:gd name="connsiteX0" fmla="*/ 3468 w 2006888"/>
+                  <a:gd name="connsiteY0" fmla="*/ 0 h 651536"/>
+                  <a:gd name="connsiteX1" fmla="*/ 263976 w 2006888"/>
+                  <a:gd name="connsiteY1" fmla="*/ 199006 h 651536"/>
+                  <a:gd name="connsiteX2" fmla="*/ 665592 w 2006888"/>
+                  <a:gd name="connsiteY2" fmla="*/ 412484 h 651536"/>
+                  <a:gd name="connsiteX3" fmla="*/ 1128717 w 2006888"/>
+                  <a:gd name="connsiteY3" fmla="*/ 575307 h 651536"/>
+                  <a:gd name="connsiteX4" fmla="*/ 1505005 w 2006888"/>
+                  <a:gd name="connsiteY4" fmla="*/ 644054 h 651536"/>
+                  <a:gd name="connsiteX5" fmla="*/ 1917476 w 2006888"/>
+                  <a:gd name="connsiteY5" fmla="*/ 651291 h 651536"/>
+                  <a:gd name="connsiteX6" fmla="*/ 1989839 w 2006888"/>
+                  <a:gd name="connsiteY6" fmla="*/ 618726 h 651536"/>
+                  <a:gd name="connsiteX7" fmla="*/ 1892149 w 2006888"/>
+                  <a:gd name="connsiteY7" fmla="*/ 535506 h 651536"/>
+                  <a:gd name="connsiteX8" fmla="*/ 1718477 w 2006888"/>
+                  <a:gd name="connsiteY8" fmla="*/ 542742 h 651536"/>
+                  <a:gd name="connsiteX9" fmla="*/ 1309625 w 2006888"/>
+                  <a:gd name="connsiteY9" fmla="*/ 502941 h 651536"/>
+                  <a:gd name="connsiteX10" fmla="*/ 947808 w 2006888"/>
+                  <a:gd name="connsiteY10" fmla="*/ 387156 h 651536"/>
+                  <a:gd name="connsiteX11" fmla="*/ 1316861 w 2006888"/>
+                  <a:gd name="connsiteY11" fmla="*/ 394393 h 651536"/>
+                  <a:gd name="connsiteX12" fmla="*/ 1667823 w 2006888"/>
+                  <a:gd name="connsiteY12" fmla="*/ 332882 h 651536"/>
+                  <a:gd name="connsiteX13" fmla="*/ 1580987 w 2006888"/>
+                  <a:gd name="connsiteY13" fmla="*/ 217097 h 651536"/>
+                  <a:gd name="connsiteX14" fmla="*/ 1479678 w 2006888"/>
+                  <a:gd name="connsiteY14" fmla="*/ 238807 h 651536"/>
+                  <a:gd name="connsiteX15" fmla="*/ 1219171 w 2006888"/>
+                  <a:gd name="connsiteY15" fmla="*/ 253280 h 651536"/>
+                  <a:gd name="connsiteX16" fmla="*/ 922481 w 2006888"/>
+                  <a:gd name="connsiteY16" fmla="*/ 242425 h 651536"/>
+                  <a:gd name="connsiteX17" fmla="*/ 651119 w 2006888"/>
+                  <a:gd name="connsiteY17" fmla="*/ 180914 h 651536"/>
+                  <a:gd name="connsiteX18" fmla="*/ 484684 w 2006888"/>
+                  <a:gd name="connsiteY18" fmla="*/ 115785 h 651536"/>
+                  <a:gd name="connsiteX19" fmla="*/ 448502 w 2006888"/>
+                  <a:gd name="connsiteY19" fmla="*/ 75984 h 651536"/>
+                  <a:gd name="connsiteX20" fmla="*/ 3468 w 2006888"/>
+                  <a:gd name="connsiteY20" fmla="*/ 0 h 651536"/>
+                  <a:gd name="connsiteX0" fmla="*/ 3468 w 1992322"/>
+                  <a:gd name="connsiteY0" fmla="*/ 0 h 651502"/>
+                  <a:gd name="connsiteX1" fmla="*/ 263976 w 1992322"/>
+                  <a:gd name="connsiteY1" fmla="*/ 199006 h 651502"/>
+                  <a:gd name="connsiteX2" fmla="*/ 665592 w 1992322"/>
+                  <a:gd name="connsiteY2" fmla="*/ 412484 h 651502"/>
+                  <a:gd name="connsiteX3" fmla="*/ 1128717 w 1992322"/>
+                  <a:gd name="connsiteY3" fmla="*/ 575307 h 651502"/>
+                  <a:gd name="connsiteX4" fmla="*/ 1505005 w 1992322"/>
+                  <a:gd name="connsiteY4" fmla="*/ 644054 h 651502"/>
+                  <a:gd name="connsiteX5" fmla="*/ 1917476 w 1992322"/>
+                  <a:gd name="connsiteY5" fmla="*/ 651291 h 651502"/>
+                  <a:gd name="connsiteX6" fmla="*/ 1989839 w 1992322"/>
+                  <a:gd name="connsiteY6" fmla="*/ 618726 h 651502"/>
+                  <a:gd name="connsiteX7" fmla="*/ 1892149 w 1992322"/>
+                  <a:gd name="connsiteY7" fmla="*/ 535506 h 651502"/>
+                  <a:gd name="connsiteX8" fmla="*/ 1718477 w 1992322"/>
+                  <a:gd name="connsiteY8" fmla="*/ 542742 h 651502"/>
+                  <a:gd name="connsiteX9" fmla="*/ 1309625 w 1992322"/>
+                  <a:gd name="connsiteY9" fmla="*/ 502941 h 651502"/>
+                  <a:gd name="connsiteX10" fmla="*/ 947808 w 1992322"/>
+                  <a:gd name="connsiteY10" fmla="*/ 387156 h 651502"/>
+                  <a:gd name="connsiteX11" fmla="*/ 1316861 w 1992322"/>
+                  <a:gd name="connsiteY11" fmla="*/ 394393 h 651502"/>
+                  <a:gd name="connsiteX12" fmla="*/ 1667823 w 1992322"/>
+                  <a:gd name="connsiteY12" fmla="*/ 332882 h 651502"/>
+                  <a:gd name="connsiteX13" fmla="*/ 1580987 w 1992322"/>
+                  <a:gd name="connsiteY13" fmla="*/ 217097 h 651502"/>
+                  <a:gd name="connsiteX14" fmla="*/ 1479678 w 1992322"/>
+                  <a:gd name="connsiteY14" fmla="*/ 238807 h 651502"/>
+                  <a:gd name="connsiteX15" fmla="*/ 1219171 w 1992322"/>
+                  <a:gd name="connsiteY15" fmla="*/ 253280 h 651502"/>
+                  <a:gd name="connsiteX16" fmla="*/ 922481 w 1992322"/>
+                  <a:gd name="connsiteY16" fmla="*/ 242425 h 651502"/>
+                  <a:gd name="connsiteX17" fmla="*/ 651119 w 1992322"/>
+                  <a:gd name="connsiteY17" fmla="*/ 180914 h 651502"/>
+                  <a:gd name="connsiteX18" fmla="*/ 484684 w 1992322"/>
+                  <a:gd name="connsiteY18" fmla="*/ 115785 h 651502"/>
+                  <a:gd name="connsiteX19" fmla="*/ 448502 w 1992322"/>
+                  <a:gd name="connsiteY19" fmla="*/ 75984 h 651502"/>
+                  <a:gd name="connsiteX20" fmla="*/ 3468 w 1992322"/>
+                  <a:gd name="connsiteY20" fmla="*/ 0 h 651502"/>
+                  <a:gd name="connsiteX0" fmla="*/ 3468 w 1989839"/>
+                  <a:gd name="connsiteY0" fmla="*/ 0 h 651502"/>
+                  <a:gd name="connsiteX1" fmla="*/ 263976 w 1989839"/>
+                  <a:gd name="connsiteY1" fmla="*/ 199006 h 651502"/>
+                  <a:gd name="connsiteX2" fmla="*/ 665592 w 1989839"/>
+                  <a:gd name="connsiteY2" fmla="*/ 412484 h 651502"/>
+                  <a:gd name="connsiteX3" fmla="*/ 1128717 w 1989839"/>
+                  <a:gd name="connsiteY3" fmla="*/ 575307 h 651502"/>
+                  <a:gd name="connsiteX4" fmla="*/ 1505005 w 1989839"/>
+                  <a:gd name="connsiteY4" fmla="*/ 644054 h 651502"/>
+                  <a:gd name="connsiteX5" fmla="*/ 1917476 w 1989839"/>
+                  <a:gd name="connsiteY5" fmla="*/ 651291 h 651502"/>
+                  <a:gd name="connsiteX6" fmla="*/ 1989839 w 1989839"/>
+                  <a:gd name="connsiteY6" fmla="*/ 618726 h 651502"/>
+                  <a:gd name="connsiteX7" fmla="*/ 1892149 w 1989839"/>
+                  <a:gd name="connsiteY7" fmla="*/ 535506 h 651502"/>
+                  <a:gd name="connsiteX8" fmla="*/ 1718477 w 1989839"/>
+                  <a:gd name="connsiteY8" fmla="*/ 542742 h 651502"/>
+                  <a:gd name="connsiteX9" fmla="*/ 1309625 w 1989839"/>
+                  <a:gd name="connsiteY9" fmla="*/ 502941 h 651502"/>
+                  <a:gd name="connsiteX10" fmla="*/ 947808 w 1989839"/>
+                  <a:gd name="connsiteY10" fmla="*/ 387156 h 651502"/>
+                  <a:gd name="connsiteX11" fmla="*/ 1316861 w 1989839"/>
+                  <a:gd name="connsiteY11" fmla="*/ 394393 h 651502"/>
+                  <a:gd name="connsiteX12" fmla="*/ 1667823 w 1989839"/>
+                  <a:gd name="connsiteY12" fmla="*/ 332882 h 651502"/>
+                  <a:gd name="connsiteX13" fmla="*/ 1580987 w 1989839"/>
+                  <a:gd name="connsiteY13" fmla="*/ 217097 h 651502"/>
+                  <a:gd name="connsiteX14" fmla="*/ 1479678 w 1989839"/>
+                  <a:gd name="connsiteY14" fmla="*/ 238807 h 651502"/>
+                  <a:gd name="connsiteX15" fmla="*/ 1219171 w 1989839"/>
+                  <a:gd name="connsiteY15" fmla="*/ 253280 h 651502"/>
+                  <a:gd name="connsiteX16" fmla="*/ 922481 w 1989839"/>
+                  <a:gd name="connsiteY16" fmla="*/ 242425 h 651502"/>
+                  <a:gd name="connsiteX17" fmla="*/ 651119 w 1989839"/>
+                  <a:gd name="connsiteY17" fmla="*/ 180914 h 651502"/>
+                  <a:gd name="connsiteX18" fmla="*/ 484684 w 1989839"/>
+                  <a:gd name="connsiteY18" fmla="*/ 115785 h 651502"/>
+                  <a:gd name="connsiteX19" fmla="*/ 448502 w 1989839"/>
+                  <a:gd name="connsiteY19" fmla="*/ 75984 h 651502"/>
+                  <a:gd name="connsiteX20" fmla="*/ 3468 w 1989839"/>
+                  <a:gd name="connsiteY20" fmla="*/ 0 h 651502"/>
+                  <a:gd name="connsiteX0" fmla="*/ 3468 w 1995691"/>
+                  <a:gd name="connsiteY0" fmla="*/ 0 h 651949"/>
+                  <a:gd name="connsiteX1" fmla="*/ 263976 w 1995691"/>
+                  <a:gd name="connsiteY1" fmla="*/ 199006 h 651949"/>
+                  <a:gd name="connsiteX2" fmla="*/ 665592 w 1995691"/>
+                  <a:gd name="connsiteY2" fmla="*/ 412484 h 651949"/>
+                  <a:gd name="connsiteX3" fmla="*/ 1128717 w 1995691"/>
+                  <a:gd name="connsiteY3" fmla="*/ 575307 h 651949"/>
+                  <a:gd name="connsiteX4" fmla="*/ 1505005 w 1995691"/>
+                  <a:gd name="connsiteY4" fmla="*/ 644054 h 651949"/>
+                  <a:gd name="connsiteX5" fmla="*/ 1917476 w 1995691"/>
+                  <a:gd name="connsiteY5" fmla="*/ 651291 h 651949"/>
+                  <a:gd name="connsiteX6" fmla="*/ 1989839 w 1995691"/>
+                  <a:gd name="connsiteY6" fmla="*/ 618726 h 651949"/>
+                  <a:gd name="connsiteX7" fmla="*/ 1892149 w 1995691"/>
+                  <a:gd name="connsiteY7" fmla="*/ 535506 h 651949"/>
+                  <a:gd name="connsiteX8" fmla="*/ 1718477 w 1995691"/>
+                  <a:gd name="connsiteY8" fmla="*/ 542742 h 651949"/>
+                  <a:gd name="connsiteX9" fmla="*/ 1309625 w 1995691"/>
+                  <a:gd name="connsiteY9" fmla="*/ 502941 h 651949"/>
+                  <a:gd name="connsiteX10" fmla="*/ 947808 w 1995691"/>
+                  <a:gd name="connsiteY10" fmla="*/ 387156 h 651949"/>
+                  <a:gd name="connsiteX11" fmla="*/ 1316861 w 1995691"/>
+                  <a:gd name="connsiteY11" fmla="*/ 394393 h 651949"/>
+                  <a:gd name="connsiteX12" fmla="*/ 1667823 w 1995691"/>
+                  <a:gd name="connsiteY12" fmla="*/ 332882 h 651949"/>
+                  <a:gd name="connsiteX13" fmla="*/ 1580987 w 1995691"/>
+                  <a:gd name="connsiteY13" fmla="*/ 217097 h 651949"/>
+                  <a:gd name="connsiteX14" fmla="*/ 1479678 w 1995691"/>
+                  <a:gd name="connsiteY14" fmla="*/ 238807 h 651949"/>
+                  <a:gd name="connsiteX15" fmla="*/ 1219171 w 1995691"/>
+                  <a:gd name="connsiteY15" fmla="*/ 253280 h 651949"/>
+                  <a:gd name="connsiteX16" fmla="*/ 922481 w 1995691"/>
+                  <a:gd name="connsiteY16" fmla="*/ 242425 h 651949"/>
+                  <a:gd name="connsiteX17" fmla="*/ 651119 w 1995691"/>
+                  <a:gd name="connsiteY17" fmla="*/ 180914 h 651949"/>
+                  <a:gd name="connsiteX18" fmla="*/ 484684 w 1995691"/>
+                  <a:gd name="connsiteY18" fmla="*/ 115785 h 651949"/>
+                  <a:gd name="connsiteX19" fmla="*/ 448502 w 1995691"/>
+                  <a:gd name="connsiteY19" fmla="*/ 75984 h 651949"/>
+                  <a:gd name="connsiteX20" fmla="*/ 3468 w 1995691"/>
+                  <a:gd name="connsiteY20" fmla="*/ 0 h 651949"/>
+                  <a:gd name="connsiteX0" fmla="*/ 3468 w 1989839"/>
+                  <a:gd name="connsiteY0" fmla="*/ 0 h 664521"/>
+                  <a:gd name="connsiteX1" fmla="*/ 263976 w 1989839"/>
+                  <a:gd name="connsiteY1" fmla="*/ 199006 h 664521"/>
+                  <a:gd name="connsiteX2" fmla="*/ 665592 w 1989839"/>
+                  <a:gd name="connsiteY2" fmla="*/ 412484 h 664521"/>
+                  <a:gd name="connsiteX3" fmla="*/ 1128717 w 1989839"/>
+                  <a:gd name="connsiteY3" fmla="*/ 575307 h 664521"/>
+                  <a:gd name="connsiteX4" fmla="*/ 1505005 w 1989839"/>
+                  <a:gd name="connsiteY4" fmla="*/ 644054 h 664521"/>
+                  <a:gd name="connsiteX5" fmla="*/ 1917476 w 1989839"/>
+                  <a:gd name="connsiteY5" fmla="*/ 651291 h 664521"/>
+                  <a:gd name="connsiteX6" fmla="*/ 1989839 w 1989839"/>
+                  <a:gd name="connsiteY6" fmla="*/ 618726 h 664521"/>
+                  <a:gd name="connsiteX7" fmla="*/ 1892149 w 1989839"/>
+                  <a:gd name="connsiteY7" fmla="*/ 535506 h 664521"/>
+                  <a:gd name="connsiteX8" fmla="*/ 1718477 w 1989839"/>
+                  <a:gd name="connsiteY8" fmla="*/ 542742 h 664521"/>
+                  <a:gd name="connsiteX9" fmla="*/ 1309625 w 1989839"/>
+                  <a:gd name="connsiteY9" fmla="*/ 502941 h 664521"/>
+                  <a:gd name="connsiteX10" fmla="*/ 947808 w 1989839"/>
+                  <a:gd name="connsiteY10" fmla="*/ 387156 h 664521"/>
+                  <a:gd name="connsiteX11" fmla="*/ 1316861 w 1989839"/>
+                  <a:gd name="connsiteY11" fmla="*/ 394393 h 664521"/>
+                  <a:gd name="connsiteX12" fmla="*/ 1667823 w 1989839"/>
+                  <a:gd name="connsiteY12" fmla="*/ 332882 h 664521"/>
+                  <a:gd name="connsiteX13" fmla="*/ 1580987 w 1989839"/>
+                  <a:gd name="connsiteY13" fmla="*/ 217097 h 664521"/>
+                  <a:gd name="connsiteX14" fmla="*/ 1479678 w 1989839"/>
+                  <a:gd name="connsiteY14" fmla="*/ 238807 h 664521"/>
+                  <a:gd name="connsiteX15" fmla="*/ 1219171 w 1989839"/>
+                  <a:gd name="connsiteY15" fmla="*/ 253280 h 664521"/>
+                  <a:gd name="connsiteX16" fmla="*/ 922481 w 1989839"/>
+                  <a:gd name="connsiteY16" fmla="*/ 242425 h 664521"/>
+                  <a:gd name="connsiteX17" fmla="*/ 651119 w 1989839"/>
+                  <a:gd name="connsiteY17" fmla="*/ 180914 h 664521"/>
+                  <a:gd name="connsiteX18" fmla="*/ 484684 w 1989839"/>
+                  <a:gd name="connsiteY18" fmla="*/ 115785 h 664521"/>
+                  <a:gd name="connsiteX19" fmla="*/ 448502 w 1989839"/>
+                  <a:gd name="connsiteY19" fmla="*/ 75984 h 664521"/>
+                  <a:gd name="connsiteX20" fmla="*/ 3468 w 1989839"/>
+                  <a:gd name="connsiteY20" fmla="*/ 0 h 664521"/>
+                  <a:gd name="connsiteX0" fmla="*/ 3468 w 1989839"/>
+                  <a:gd name="connsiteY0" fmla="*/ 0 h 664521"/>
+                  <a:gd name="connsiteX1" fmla="*/ 263976 w 1989839"/>
+                  <a:gd name="connsiteY1" fmla="*/ 199006 h 664521"/>
+                  <a:gd name="connsiteX2" fmla="*/ 665592 w 1989839"/>
+                  <a:gd name="connsiteY2" fmla="*/ 412484 h 664521"/>
+                  <a:gd name="connsiteX3" fmla="*/ 1128717 w 1989839"/>
+                  <a:gd name="connsiteY3" fmla="*/ 575307 h 664521"/>
+                  <a:gd name="connsiteX4" fmla="*/ 1505005 w 1989839"/>
+                  <a:gd name="connsiteY4" fmla="*/ 644054 h 664521"/>
+                  <a:gd name="connsiteX5" fmla="*/ 1917476 w 1989839"/>
+                  <a:gd name="connsiteY5" fmla="*/ 651291 h 664521"/>
+                  <a:gd name="connsiteX6" fmla="*/ 1989839 w 1989839"/>
+                  <a:gd name="connsiteY6" fmla="*/ 618726 h 664521"/>
+                  <a:gd name="connsiteX7" fmla="*/ 1892149 w 1989839"/>
+                  <a:gd name="connsiteY7" fmla="*/ 535506 h 664521"/>
+                  <a:gd name="connsiteX8" fmla="*/ 1718477 w 1989839"/>
+                  <a:gd name="connsiteY8" fmla="*/ 542742 h 664521"/>
+                  <a:gd name="connsiteX9" fmla="*/ 1309625 w 1989839"/>
+                  <a:gd name="connsiteY9" fmla="*/ 502941 h 664521"/>
+                  <a:gd name="connsiteX10" fmla="*/ 947808 w 1989839"/>
+                  <a:gd name="connsiteY10" fmla="*/ 387156 h 664521"/>
+                  <a:gd name="connsiteX11" fmla="*/ 1316861 w 1989839"/>
+                  <a:gd name="connsiteY11" fmla="*/ 394393 h 664521"/>
+                  <a:gd name="connsiteX12" fmla="*/ 1667823 w 1989839"/>
+                  <a:gd name="connsiteY12" fmla="*/ 332882 h 664521"/>
+                  <a:gd name="connsiteX13" fmla="*/ 1580987 w 1989839"/>
+                  <a:gd name="connsiteY13" fmla="*/ 217097 h 664521"/>
+                  <a:gd name="connsiteX14" fmla="*/ 1479678 w 1989839"/>
+                  <a:gd name="connsiteY14" fmla="*/ 238807 h 664521"/>
+                  <a:gd name="connsiteX15" fmla="*/ 1219171 w 1989839"/>
+                  <a:gd name="connsiteY15" fmla="*/ 253280 h 664521"/>
+                  <a:gd name="connsiteX16" fmla="*/ 922481 w 1989839"/>
+                  <a:gd name="connsiteY16" fmla="*/ 242425 h 664521"/>
+                  <a:gd name="connsiteX17" fmla="*/ 651119 w 1989839"/>
+                  <a:gd name="connsiteY17" fmla="*/ 180914 h 664521"/>
+                  <a:gd name="connsiteX18" fmla="*/ 484684 w 1989839"/>
+                  <a:gd name="connsiteY18" fmla="*/ 115785 h 664521"/>
+                  <a:gd name="connsiteX19" fmla="*/ 448502 w 1989839"/>
+                  <a:gd name="connsiteY19" fmla="*/ 75984 h 664521"/>
+                  <a:gd name="connsiteX20" fmla="*/ 3468 w 1989839"/>
+                  <a:gd name="connsiteY20" fmla="*/ 0 h 664521"/>
+                  <a:gd name="connsiteX0" fmla="*/ 3468 w 1989839"/>
+                  <a:gd name="connsiteY0" fmla="*/ 0 h 664521"/>
+                  <a:gd name="connsiteX1" fmla="*/ 263976 w 1989839"/>
+                  <a:gd name="connsiteY1" fmla="*/ 199006 h 664521"/>
+                  <a:gd name="connsiteX2" fmla="*/ 665592 w 1989839"/>
+                  <a:gd name="connsiteY2" fmla="*/ 412484 h 664521"/>
+                  <a:gd name="connsiteX3" fmla="*/ 1128717 w 1989839"/>
+                  <a:gd name="connsiteY3" fmla="*/ 575307 h 664521"/>
+                  <a:gd name="connsiteX4" fmla="*/ 1505005 w 1989839"/>
+                  <a:gd name="connsiteY4" fmla="*/ 644054 h 664521"/>
+                  <a:gd name="connsiteX5" fmla="*/ 1917476 w 1989839"/>
+                  <a:gd name="connsiteY5" fmla="*/ 651291 h 664521"/>
+                  <a:gd name="connsiteX6" fmla="*/ 1989839 w 1989839"/>
+                  <a:gd name="connsiteY6" fmla="*/ 618726 h 664521"/>
+                  <a:gd name="connsiteX7" fmla="*/ 1892149 w 1989839"/>
+                  <a:gd name="connsiteY7" fmla="*/ 535506 h 664521"/>
+                  <a:gd name="connsiteX8" fmla="*/ 1718477 w 1989839"/>
+                  <a:gd name="connsiteY8" fmla="*/ 542742 h 664521"/>
+                  <a:gd name="connsiteX9" fmla="*/ 1309625 w 1989839"/>
+                  <a:gd name="connsiteY9" fmla="*/ 502941 h 664521"/>
+                  <a:gd name="connsiteX10" fmla="*/ 947808 w 1989839"/>
+                  <a:gd name="connsiteY10" fmla="*/ 387156 h 664521"/>
+                  <a:gd name="connsiteX11" fmla="*/ 1316861 w 1989839"/>
+                  <a:gd name="connsiteY11" fmla="*/ 394393 h 664521"/>
+                  <a:gd name="connsiteX12" fmla="*/ 1667823 w 1989839"/>
+                  <a:gd name="connsiteY12" fmla="*/ 332882 h 664521"/>
+                  <a:gd name="connsiteX13" fmla="*/ 1580987 w 1989839"/>
+                  <a:gd name="connsiteY13" fmla="*/ 217097 h 664521"/>
+                  <a:gd name="connsiteX14" fmla="*/ 1479678 w 1989839"/>
+                  <a:gd name="connsiteY14" fmla="*/ 238807 h 664521"/>
+                  <a:gd name="connsiteX15" fmla="*/ 1219171 w 1989839"/>
+                  <a:gd name="connsiteY15" fmla="*/ 253280 h 664521"/>
+                  <a:gd name="connsiteX16" fmla="*/ 922481 w 1989839"/>
+                  <a:gd name="connsiteY16" fmla="*/ 242425 h 664521"/>
+                  <a:gd name="connsiteX17" fmla="*/ 651119 w 1989839"/>
+                  <a:gd name="connsiteY17" fmla="*/ 180914 h 664521"/>
+                  <a:gd name="connsiteX18" fmla="*/ 484684 w 1989839"/>
+                  <a:gd name="connsiteY18" fmla="*/ 115785 h 664521"/>
+                  <a:gd name="connsiteX19" fmla="*/ 448502 w 1989839"/>
+                  <a:gd name="connsiteY19" fmla="*/ 75984 h 664521"/>
+                  <a:gd name="connsiteX20" fmla="*/ 3468 w 1989839"/>
+                  <a:gd name="connsiteY20" fmla="*/ 0 h 664521"/>
+                  <a:gd name="connsiteX0" fmla="*/ 3468 w 1989839"/>
+                  <a:gd name="connsiteY0" fmla="*/ 0 h 664521"/>
+                  <a:gd name="connsiteX1" fmla="*/ 263976 w 1989839"/>
+                  <a:gd name="connsiteY1" fmla="*/ 199006 h 664521"/>
+                  <a:gd name="connsiteX2" fmla="*/ 665592 w 1989839"/>
+                  <a:gd name="connsiteY2" fmla="*/ 412484 h 664521"/>
+                  <a:gd name="connsiteX3" fmla="*/ 1128717 w 1989839"/>
+                  <a:gd name="connsiteY3" fmla="*/ 575307 h 664521"/>
+                  <a:gd name="connsiteX4" fmla="*/ 1505005 w 1989839"/>
+                  <a:gd name="connsiteY4" fmla="*/ 644054 h 664521"/>
+                  <a:gd name="connsiteX5" fmla="*/ 1917476 w 1989839"/>
+                  <a:gd name="connsiteY5" fmla="*/ 651291 h 664521"/>
+                  <a:gd name="connsiteX6" fmla="*/ 1989839 w 1989839"/>
+                  <a:gd name="connsiteY6" fmla="*/ 618726 h 664521"/>
+                  <a:gd name="connsiteX7" fmla="*/ 1892149 w 1989839"/>
+                  <a:gd name="connsiteY7" fmla="*/ 535506 h 664521"/>
+                  <a:gd name="connsiteX8" fmla="*/ 1718477 w 1989839"/>
+                  <a:gd name="connsiteY8" fmla="*/ 542742 h 664521"/>
+                  <a:gd name="connsiteX9" fmla="*/ 1309625 w 1989839"/>
+                  <a:gd name="connsiteY9" fmla="*/ 502941 h 664521"/>
+                  <a:gd name="connsiteX10" fmla="*/ 947808 w 1989839"/>
+                  <a:gd name="connsiteY10" fmla="*/ 387156 h 664521"/>
+                  <a:gd name="connsiteX11" fmla="*/ 1316861 w 1989839"/>
+                  <a:gd name="connsiteY11" fmla="*/ 394393 h 664521"/>
+                  <a:gd name="connsiteX12" fmla="*/ 1667823 w 1989839"/>
+                  <a:gd name="connsiteY12" fmla="*/ 332882 h 664521"/>
+                  <a:gd name="connsiteX13" fmla="*/ 1580987 w 1989839"/>
+                  <a:gd name="connsiteY13" fmla="*/ 217097 h 664521"/>
+                  <a:gd name="connsiteX14" fmla="*/ 1479678 w 1989839"/>
+                  <a:gd name="connsiteY14" fmla="*/ 238807 h 664521"/>
+                  <a:gd name="connsiteX15" fmla="*/ 1219171 w 1989839"/>
+                  <a:gd name="connsiteY15" fmla="*/ 253280 h 664521"/>
+                  <a:gd name="connsiteX16" fmla="*/ 922481 w 1989839"/>
+                  <a:gd name="connsiteY16" fmla="*/ 242425 h 664521"/>
+                  <a:gd name="connsiteX17" fmla="*/ 651119 w 1989839"/>
+                  <a:gd name="connsiteY17" fmla="*/ 180914 h 664521"/>
+                  <a:gd name="connsiteX18" fmla="*/ 484684 w 1989839"/>
+                  <a:gd name="connsiteY18" fmla="*/ 115785 h 664521"/>
+                  <a:gd name="connsiteX19" fmla="*/ 448502 w 1989839"/>
+                  <a:gd name="connsiteY19" fmla="*/ 75984 h 664521"/>
+                  <a:gd name="connsiteX20" fmla="*/ 3468 w 1989839"/>
+                  <a:gd name="connsiteY20" fmla="*/ 0 h 664521"/>
+                  <a:gd name="connsiteX0" fmla="*/ 3468 w 1989839"/>
+                  <a:gd name="connsiteY0" fmla="*/ 0 h 664521"/>
+                  <a:gd name="connsiteX1" fmla="*/ 263976 w 1989839"/>
+                  <a:gd name="connsiteY1" fmla="*/ 199006 h 664521"/>
+                  <a:gd name="connsiteX2" fmla="*/ 665592 w 1989839"/>
+                  <a:gd name="connsiteY2" fmla="*/ 412484 h 664521"/>
+                  <a:gd name="connsiteX3" fmla="*/ 1128717 w 1989839"/>
+                  <a:gd name="connsiteY3" fmla="*/ 575307 h 664521"/>
+                  <a:gd name="connsiteX4" fmla="*/ 1505005 w 1989839"/>
+                  <a:gd name="connsiteY4" fmla="*/ 644054 h 664521"/>
+                  <a:gd name="connsiteX5" fmla="*/ 1917476 w 1989839"/>
+                  <a:gd name="connsiteY5" fmla="*/ 651291 h 664521"/>
+                  <a:gd name="connsiteX6" fmla="*/ 1989839 w 1989839"/>
+                  <a:gd name="connsiteY6" fmla="*/ 618726 h 664521"/>
+                  <a:gd name="connsiteX7" fmla="*/ 1892149 w 1989839"/>
+                  <a:gd name="connsiteY7" fmla="*/ 535506 h 664521"/>
+                  <a:gd name="connsiteX8" fmla="*/ 1718477 w 1989839"/>
+                  <a:gd name="connsiteY8" fmla="*/ 542742 h 664521"/>
+                  <a:gd name="connsiteX9" fmla="*/ 1309625 w 1989839"/>
+                  <a:gd name="connsiteY9" fmla="*/ 502941 h 664521"/>
+                  <a:gd name="connsiteX10" fmla="*/ 947808 w 1989839"/>
+                  <a:gd name="connsiteY10" fmla="*/ 387156 h 664521"/>
+                  <a:gd name="connsiteX11" fmla="*/ 1316861 w 1989839"/>
+                  <a:gd name="connsiteY11" fmla="*/ 394393 h 664521"/>
+                  <a:gd name="connsiteX12" fmla="*/ 1667823 w 1989839"/>
+                  <a:gd name="connsiteY12" fmla="*/ 332882 h 664521"/>
+                  <a:gd name="connsiteX13" fmla="*/ 1580987 w 1989839"/>
+                  <a:gd name="connsiteY13" fmla="*/ 217097 h 664521"/>
+                  <a:gd name="connsiteX14" fmla="*/ 1479678 w 1989839"/>
+                  <a:gd name="connsiteY14" fmla="*/ 238807 h 664521"/>
+                  <a:gd name="connsiteX15" fmla="*/ 1219171 w 1989839"/>
+                  <a:gd name="connsiteY15" fmla="*/ 253280 h 664521"/>
+                  <a:gd name="connsiteX16" fmla="*/ 922481 w 1989839"/>
+                  <a:gd name="connsiteY16" fmla="*/ 242425 h 664521"/>
+                  <a:gd name="connsiteX17" fmla="*/ 651119 w 1989839"/>
+                  <a:gd name="connsiteY17" fmla="*/ 180914 h 664521"/>
+                  <a:gd name="connsiteX18" fmla="*/ 484684 w 1989839"/>
+                  <a:gd name="connsiteY18" fmla="*/ 115785 h 664521"/>
+                  <a:gd name="connsiteX19" fmla="*/ 448502 w 1989839"/>
+                  <a:gd name="connsiteY19" fmla="*/ 75984 h 664521"/>
+                  <a:gd name="connsiteX20" fmla="*/ 3468 w 1989839"/>
+                  <a:gd name="connsiteY20" fmla="*/ 0 h 664521"/>
+                  <a:gd name="connsiteX0" fmla="*/ 3468 w 1989839"/>
+                  <a:gd name="connsiteY0" fmla="*/ 0 h 664521"/>
+                  <a:gd name="connsiteX1" fmla="*/ 263976 w 1989839"/>
+                  <a:gd name="connsiteY1" fmla="*/ 199006 h 664521"/>
+                  <a:gd name="connsiteX2" fmla="*/ 665592 w 1989839"/>
+                  <a:gd name="connsiteY2" fmla="*/ 412484 h 664521"/>
+                  <a:gd name="connsiteX3" fmla="*/ 1128717 w 1989839"/>
+                  <a:gd name="connsiteY3" fmla="*/ 575307 h 664521"/>
+                  <a:gd name="connsiteX4" fmla="*/ 1505005 w 1989839"/>
+                  <a:gd name="connsiteY4" fmla="*/ 644054 h 664521"/>
+                  <a:gd name="connsiteX5" fmla="*/ 1917476 w 1989839"/>
+                  <a:gd name="connsiteY5" fmla="*/ 651291 h 664521"/>
+                  <a:gd name="connsiteX6" fmla="*/ 1989839 w 1989839"/>
+                  <a:gd name="connsiteY6" fmla="*/ 618726 h 664521"/>
+                  <a:gd name="connsiteX7" fmla="*/ 1892149 w 1989839"/>
+                  <a:gd name="connsiteY7" fmla="*/ 535506 h 664521"/>
+                  <a:gd name="connsiteX8" fmla="*/ 1718477 w 1989839"/>
+                  <a:gd name="connsiteY8" fmla="*/ 542742 h 664521"/>
+                  <a:gd name="connsiteX9" fmla="*/ 1309625 w 1989839"/>
+                  <a:gd name="connsiteY9" fmla="*/ 490241 h 664521"/>
+                  <a:gd name="connsiteX10" fmla="*/ 947808 w 1989839"/>
+                  <a:gd name="connsiteY10" fmla="*/ 387156 h 664521"/>
+                  <a:gd name="connsiteX11" fmla="*/ 1316861 w 1989839"/>
+                  <a:gd name="connsiteY11" fmla="*/ 394393 h 664521"/>
+                  <a:gd name="connsiteX12" fmla="*/ 1667823 w 1989839"/>
+                  <a:gd name="connsiteY12" fmla="*/ 332882 h 664521"/>
+                  <a:gd name="connsiteX13" fmla="*/ 1580987 w 1989839"/>
+                  <a:gd name="connsiteY13" fmla="*/ 217097 h 664521"/>
+                  <a:gd name="connsiteX14" fmla="*/ 1479678 w 1989839"/>
+                  <a:gd name="connsiteY14" fmla="*/ 238807 h 664521"/>
+                  <a:gd name="connsiteX15" fmla="*/ 1219171 w 1989839"/>
+                  <a:gd name="connsiteY15" fmla="*/ 253280 h 664521"/>
+                  <a:gd name="connsiteX16" fmla="*/ 922481 w 1989839"/>
+                  <a:gd name="connsiteY16" fmla="*/ 242425 h 664521"/>
+                  <a:gd name="connsiteX17" fmla="*/ 651119 w 1989839"/>
+                  <a:gd name="connsiteY17" fmla="*/ 180914 h 664521"/>
+                  <a:gd name="connsiteX18" fmla="*/ 484684 w 1989839"/>
+                  <a:gd name="connsiteY18" fmla="*/ 115785 h 664521"/>
+                  <a:gd name="connsiteX19" fmla="*/ 448502 w 1989839"/>
+                  <a:gd name="connsiteY19" fmla="*/ 75984 h 664521"/>
+                  <a:gd name="connsiteX20" fmla="*/ 3468 w 1989839"/>
+                  <a:gd name="connsiteY20" fmla="*/ 0 h 664521"/>
+                  <a:gd name="connsiteX0" fmla="*/ 3468 w 1989839"/>
+                  <a:gd name="connsiteY0" fmla="*/ 0 h 664521"/>
+                  <a:gd name="connsiteX1" fmla="*/ 263976 w 1989839"/>
+                  <a:gd name="connsiteY1" fmla="*/ 199006 h 664521"/>
+                  <a:gd name="connsiteX2" fmla="*/ 665592 w 1989839"/>
+                  <a:gd name="connsiteY2" fmla="*/ 412484 h 664521"/>
+                  <a:gd name="connsiteX3" fmla="*/ 1128717 w 1989839"/>
+                  <a:gd name="connsiteY3" fmla="*/ 575307 h 664521"/>
+                  <a:gd name="connsiteX4" fmla="*/ 1505005 w 1989839"/>
+                  <a:gd name="connsiteY4" fmla="*/ 644054 h 664521"/>
+                  <a:gd name="connsiteX5" fmla="*/ 1917476 w 1989839"/>
+                  <a:gd name="connsiteY5" fmla="*/ 651291 h 664521"/>
+                  <a:gd name="connsiteX6" fmla="*/ 1989839 w 1989839"/>
+                  <a:gd name="connsiteY6" fmla="*/ 618726 h 664521"/>
+                  <a:gd name="connsiteX7" fmla="*/ 1892149 w 1989839"/>
+                  <a:gd name="connsiteY7" fmla="*/ 535506 h 664521"/>
+                  <a:gd name="connsiteX8" fmla="*/ 1718477 w 1989839"/>
+                  <a:gd name="connsiteY8" fmla="*/ 542742 h 664521"/>
+                  <a:gd name="connsiteX9" fmla="*/ 1309625 w 1989839"/>
+                  <a:gd name="connsiteY9" fmla="*/ 490241 h 664521"/>
+                  <a:gd name="connsiteX10" fmla="*/ 947808 w 1989839"/>
+                  <a:gd name="connsiteY10" fmla="*/ 387156 h 664521"/>
+                  <a:gd name="connsiteX11" fmla="*/ 1316861 w 1989839"/>
+                  <a:gd name="connsiteY11" fmla="*/ 394393 h 664521"/>
+                  <a:gd name="connsiteX12" fmla="*/ 1667823 w 1989839"/>
+                  <a:gd name="connsiteY12" fmla="*/ 332882 h 664521"/>
+                  <a:gd name="connsiteX13" fmla="*/ 1580987 w 1989839"/>
+                  <a:gd name="connsiteY13" fmla="*/ 217097 h 664521"/>
+                  <a:gd name="connsiteX14" fmla="*/ 1479678 w 1989839"/>
+                  <a:gd name="connsiteY14" fmla="*/ 238807 h 664521"/>
+                  <a:gd name="connsiteX15" fmla="*/ 1219171 w 1989839"/>
+                  <a:gd name="connsiteY15" fmla="*/ 253280 h 664521"/>
+                  <a:gd name="connsiteX16" fmla="*/ 922481 w 1989839"/>
+                  <a:gd name="connsiteY16" fmla="*/ 242425 h 664521"/>
+                  <a:gd name="connsiteX17" fmla="*/ 651119 w 1989839"/>
+                  <a:gd name="connsiteY17" fmla="*/ 180914 h 664521"/>
+                  <a:gd name="connsiteX18" fmla="*/ 484684 w 1989839"/>
+                  <a:gd name="connsiteY18" fmla="*/ 115785 h 664521"/>
+                  <a:gd name="connsiteX19" fmla="*/ 448502 w 1989839"/>
+                  <a:gd name="connsiteY19" fmla="*/ 75984 h 664521"/>
+                  <a:gd name="connsiteX20" fmla="*/ 3468 w 1989839"/>
+                  <a:gd name="connsiteY20" fmla="*/ 0 h 664521"/>
+                  <a:gd name="connsiteX0" fmla="*/ 3468 w 1989839"/>
+                  <a:gd name="connsiteY0" fmla="*/ 0 h 664521"/>
+                  <a:gd name="connsiteX1" fmla="*/ 263976 w 1989839"/>
+                  <a:gd name="connsiteY1" fmla="*/ 199006 h 664521"/>
+                  <a:gd name="connsiteX2" fmla="*/ 665592 w 1989839"/>
+                  <a:gd name="connsiteY2" fmla="*/ 412484 h 664521"/>
+                  <a:gd name="connsiteX3" fmla="*/ 1128717 w 1989839"/>
+                  <a:gd name="connsiteY3" fmla="*/ 575307 h 664521"/>
+                  <a:gd name="connsiteX4" fmla="*/ 1505005 w 1989839"/>
+                  <a:gd name="connsiteY4" fmla="*/ 644054 h 664521"/>
+                  <a:gd name="connsiteX5" fmla="*/ 1917476 w 1989839"/>
+                  <a:gd name="connsiteY5" fmla="*/ 651291 h 664521"/>
+                  <a:gd name="connsiteX6" fmla="*/ 1989839 w 1989839"/>
+                  <a:gd name="connsiteY6" fmla="*/ 618726 h 664521"/>
+                  <a:gd name="connsiteX7" fmla="*/ 1892149 w 1989839"/>
+                  <a:gd name="connsiteY7" fmla="*/ 535506 h 664521"/>
+                  <a:gd name="connsiteX8" fmla="*/ 1718477 w 1989839"/>
+                  <a:gd name="connsiteY8" fmla="*/ 542742 h 664521"/>
+                  <a:gd name="connsiteX9" fmla="*/ 1309625 w 1989839"/>
+                  <a:gd name="connsiteY9" fmla="*/ 490241 h 664521"/>
+                  <a:gd name="connsiteX10" fmla="*/ 947808 w 1989839"/>
+                  <a:gd name="connsiteY10" fmla="*/ 387156 h 664521"/>
+                  <a:gd name="connsiteX11" fmla="*/ 1316861 w 1989839"/>
+                  <a:gd name="connsiteY11" fmla="*/ 394393 h 664521"/>
+                  <a:gd name="connsiteX12" fmla="*/ 1667823 w 1989839"/>
+                  <a:gd name="connsiteY12" fmla="*/ 332882 h 664521"/>
+                  <a:gd name="connsiteX13" fmla="*/ 1580987 w 1989839"/>
+                  <a:gd name="connsiteY13" fmla="*/ 217097 h 664521"/>
+                  <a:gd name="connsiteX14" fmla="*/ 1479678 w 1989839"/>
+                  <a:gd name="connsiteY14" fmla="*/ 238807 h 664521"/>
+                  <a:gd name="connsiteX15" fmla="*/ 1219171 w 1989839"/>
+                  <a:gd name="connsiteY15" fmla="*/ 253280 h 664521"/>
+                  <a:gd name="connsiteX16" fmla="*/ 922481 w 1989839"/>
+                  <a:gd name="connsiteY16" fmla="*/ 242425 h 664521"/>
+                  <a:gd name="connsiteX17" fmla="*/ 651119 w 1989839"/>
+                  <a:gd name="connsiteY17" fmla="*/ 180914 h 664521"/>
+                  <a:gd name="connsiteX18" fmla="*/ 484684 w 1989839"/>
+                  <a:gd name="connsiteY18" fmla="*/ 115785 h 664521"/>
+                  <a:gd name="connsiteX19" fmla="*/ 448502 w 1989839"/>
+                  <a:gd name="connsiteY19" fmla="*/ 75984 h 664521"/>
+                  <a:gd name="connsiteX20" fmla="*/ 3468 w 1989839"/>
+                  <a:gd name="connsiteY20" fmla="*/ 0 h 664521"/>
+                  <a:gd name="connsiteX0" fmla="*/ 3468 w 1989839"/>
+                  <a:gd name="connsiteY0" fmla="*/ 0 h 664521"/>
+                  <a:gd name="connsiteX1" fmla="*/ 263976 w 1989839"/>
+                  <a:gd name="connsiteY1" fmla="*/ 199006 h 664521"/>
+                  <a:gd name="connsiteX2" fmla="*/ 665592 w 1989839"/>
+                  <a:gd name="connsiteY2" fmla="*/ 412484 h 664521"/>
+                  <a:gd name="connsiteX3" fmla="*/ 1128717 w 1989839"/>
+                  <a:gd name="connsiteY3" fmla="*/ 575307 h 664521"/>
+                  <a:gd name="connsiteX4" fmla="*/ 1505005 w 1989839"/>
+                  <a:gd name="connsiteY4" fmla="*/ 644054 h 664521"/>
+                  <a:gd name="connsiteX5" fmla="*/ 1917476 w 1989839"/>
+                  <a:gd name="connsiteY5" fmla="*/ 651291 h 664521"/>
+                  <a:gd name="connsiteX6" fmla="*/ 1989839 w 1989839"/>
+                  <a:gd name="connsiteY6" fmla="*/ 618726 h 664521"/>
+                  <a:gd name="connsiteX7" fmla="*/ 1892149 w 1989839"/>
+                  <a:gd name="connsiteY7" fmla="*/ 535506 h 664521"/>
+                  <a:gd name="connsiteX8" fmla="*/ 1718477 w 1989839"/>
+                  <a:gd name="connsiteY8" fmla="*/ 542742 h 664521"/>
+                  <a:gd name="connsiteX9" fmla="*/ 1309625 w 1989839"/>
+                  <a:gd name="connsiteY9" fmla="*/ 490241 h 664521"/>
+                  <a:gd name="connsiteX10" fmla="*/ 947808 w 1989839"/>
+                  <a:gd name="connsiteY10" fmla="*/ 387156 h 664521"/>
+                  <a:gd name="connsiteX11" fmla="*/ 1316861 w 1989839"/>
+                  <a:gd name="connsiteY11" fmla="*/ 394393 h 664521"/>
+                  <a:gd name="connsiteX12" fmla="*/ 1667823 w 1989839"/>
+                  <a:gd name="connsiteY12" fmla="*/ 332882 h 664521"/>
+                  <a:gd name="connsiteX13" fmla="*/ 1580987 w 1989839"/>
+                  <a:gd name="connsiteY13" fmla="*/ 217097 h 664521"/>
+                  <a:gd name="connsiteX14" fmla="*/ 1479678 w 1989839"/>
+                  <a:gd name="connsiteY14" fmla="*/ 238807 h 664521"/>
+                  <a:gd name="connsiteX15" fmla="*/ 1219171 w 1989839"/>
+                  <a:gd name="connsiteY15" fmla="*/ 253280 h 664521"/>
+                  <a:gd name="connsiteX16" fmla="*/ 922481 w 1989839"/>
+                  <a:gd name="connsiteY16" fmla="*/ 242425 h 664521"/>
+                  <a:gd name="connsiteX17" fmla="*/ 651119 w 1989839"/>
+                  <a:gd name="connsiteY17" fmla="*/ 180914 h 664521"/>
+                  <a:gd name="connsiteX18" fmla="*/ 484684 w 1989839"/>
+                  <a:gd name="connsiteY18" fmla="*/ 115785 h 664521"/>
+                  <a:gd name="connsiteX19" fmla="*/ 448502 w 1989839"/>
+                  <a:gd name="connsiteY19" fmla="*/ 75984 h 664521"/>
+                  <a:gd name="connsiteX20" fmla="*/ 3468 w 1989839"/>
+                  <a:gd name="connsiteY20" fmla="*/ 0 h 664521"/>
+                  <a:gd name="connsiteX0" fmla="*/ 3468 w 1989839"/>
+                  <a:gd name="connsiteY0" fmla="*/ 0 h 664521"/>
+                  <a:gd name="connsiteX1" fmla="*/ 263976 w 1989839"/>
+                  <a:gd name="connsiteY1" fmla="*/ 199006 h 664521"/>
+                  <a:gd name="connsiteX2" fmla="*/ 665592 w 1989839"/>
+                  <a:gd name="connsiteY2" fmla="*/ 412484 h 664521"/>
+                  <a:gd name="connsiteX3" fmla="*/ 1128717 w 1989839"/>
+                  <a:gd name="connsiteY3" fmla="*/ 575307 h 664521"/>
+                  <a:gd name="connsiteX4" fmla="*/ 1505005 w 1989839"/>
+                  <a:gd name="connsiteY4" fmla="*/ 644054 h 664521"/>
+                  <a:gd name="connsiteX5" fmla="*/ 1917476 w 1989839"/>
+                  <a:gd name="connsiteY5" fmla="*/ 651291 h 664521"/>
+                  <a:gd name="connsiteX6" fmla="*/ 1989839 w 1989839"/>
+                  <a:gd name="connsiteY6" fmla="*/ 618726 h 664521"/>
+                  <a:gd name="connsiteX7" fmla="*/ 1892149 w 1989839"/>
+                  <a:gd name="connsiteY7" fmla="*/ 535506 h 664521"/>
+                  <a:gd name="connsiteX8" fmla="*/ 1718477 w 1989839"/>
+                  <a:gd name="connsiteY8" fmla="*/ 542742 h 664521"/>
+                  <a:gd name="connsiteX9" fmla="*/ 1309625 w 1989839"/>
+                  <a:gd name="connsiteY9" fmla="*/ 490241 h 664521"/>
+                  <a:gd name="connsiteX10" fmla="*/ 947808 w 1989839"/>
+                  <a:gd name="connsiteY10" fmla="*/ 387156 h 664521"/>
+                  <a:gd name="connsiteX11" fmla="*/ 1316861 w 1989839"/>
+                  <a:gd name="connsiteY11" fmla="*/ 394393 h 664521"/>
+                  <a:gd name="connsiteX12" fmla="*/ 1667823 w 1989839"/>
+                  <a:gd name="connsiteY12" fmla="*/ 332882 h 664521"/>
+                  <a:gd name="connsiteX13" fmla="*/ 1580987 w 1989839"/>
+                  <a:gd name="connsiteY13" fmla="*/ 217097 h 664521"/>
+                  <a:gd name="connsiteX14" fmla="*/ 1479678 w 1989839"/>
+                  <a:gd name="connsiteY14" fmla="*/ 238807 h 664521"/>
+                  <a:gd name="connsiteX15" fmla="*/ 1219171 w 1989839"/>
+                  <a:gd name="connsiteY15" fmla="*/ 253280 h 664521"/>
+                  <a:gd name="connsiteX16" fmla="*/ 922481 w 1989839"/>
+                  <a:gd name="connsiteY16" fmla="*/ 242425 h 664521"/>
+                  <a:gd name="connsiteX17" fmla="*/ 651119 w 1989839"/>
+                  <a:gd name="connsiteY17" fmla="*/ 180914 h 664521"/>
+                  <a:gd name="connsiteX18" fmla="*/ 484684 w 1989839"/>
+                  <a:gd name="connsiteY18" fmla="*/ 115785 h 664521"/>
+                  <a:gd name="connsiteX19" fmla="*/ 448502 w 1989839"/>
+                  <a:gd name="connsiteY19" fmla="*/ 75984 h 664521"/>
+                  <a:gd name="connsiteX20" fmla="*/ 3468 w 1989839"/>
+                  <a:gd name="connsiteY20" fmla="*/ 0 h 664521"/>
+                  <a:gd name="connsiteX0" fmla="*/ 3468 w 1989839"/>
+                  <a:gd name="connsiteY0" fmla="*/ 0 h 664521"/>
+                  <a:gd name="connsiteX1" fmla="*/ 263976 w 1989839"/>
+                  <a:gd name="connsiteY1" fmla="*/ 199006 h 664521"/>
+                  <a:gd name="connsiteX2" fmla="*/ 665592 w 1989839"/>
+                  <a:gd name="connsiteY2" fmla="*/ 412484 h 664521"/>
+                  <a:gd name="connsiteX3" fmla="*/ 1128717 w 1989839"/>
+                  <a:gd name="connsiteY3" fmla="*/ 575307 h 664521"/>
+                  <a:gd name="connsiteX4" fmla="*/ 1505005 w 1989839"/>
+                  <a:gd name="connsiteY4" fmla="*/ 644054 h 664521"/>
+                  <a:gd name="connsiteX5" fmla="*/ 1917476 w 1989839"/>
+                  <a:gd name="connsiteY5" fmla="*/ 651291 h 664521"/>
+                  <a:gd name="connsiteX6" fmla="*/ 1989839 w 1989839"/>
+                  <a:gd name="connsiteY6" fmla="*/ 618726 h 664521"/>
+                  <a:gd name="connsiteX7" fmla="*/ 1892149 w 1989839"/>
+                  <a:gd name="connsiteY7" fmla="*/ 535506 h 664521"/>
+                  <a:gd name="connsiteX8" fmla="*/ 1718477 w 1989839"/>
+                  <a:gd name="connsiteY8" fmla="*/ 542742 h 664521"/>
+                  <a:gd name="connsiteX9" fmla="*/ 1309625 w 1989839"/>
+                  <a:gd name="connsiteY9" fmla="*/ 490241 h 664521"/>
+                  <a:gd name="connsiteX10" fmla="*/ 947808 w 1989839"/>
+                  <a:gd name="connsiteY10" fmla="*/ 387156 h 664521"/>
+                  <a:gd name="connsiteX11" fmla="*/ 1316861 w 1989839"/>
+                  <a:gd name="connsiteY11" fmla="*/ 394393 h 664521"/>
+                  <a:gd name="connsiteX12" fmla="*/ 1667823 w 1989839"/>
+                  <a:gd name="connsiteY12" fmla="*/ 332882 h 664521"/>
+                  <a:gd name="connsiteX13" fmla="*/ 1580987 w 1989839"/>
+                  <a:gd name="connsiteY13" fmla="*/ 217097 h 664521"/>
+                  <a:gd name="connsiteX14" fmla="*/ 1479678 w 1989839"/>
+                  <a:gd name="connsiteY14" fmla="*/ 238807 h 664521"/>
+                  <a:gd name="connsiteX15" fmla="*/ 1219171 w 1989839"/>
+                  <a:gd name="connsiteY15" fmla="*/ 253280 h 664521"/>
+                  <a:gd name="connsiteX16" fmla="*/ 922481 w 1989839"/>
+                  <a:gd name="connsiteY16" fmla="*/ 242425 h 664521"/>
+                  <a:gd name="connsiteX17" fmla="*/ 651119 w 1989839"/>
+                  <a:gd name="connsiteY17" fmla="*/ 180914 h 664521"/>
+                  <a:gd name="connsiteX18" fmla="*/ 484684 w 1989839"/>
+                  <a:gd name="connsiteY18" fmla="*/ 115785 h 664521"/>
+                  <a:gd name="connsiteX19" fmla="*/ 448502 w 1989839"/>
+                  <a:gd name="connsiteY19" fmla="*/ 75984 h 664521"/>
+                  <a:gd name="connsiteX20" fmla="*/ 3468 w 1989839"/>
+                  <a:gd name="connsiteY20" fmla="*/ 0 h 664521"/>
+                  <a:gd name="connsiteX0" fmla="*/ 3468 w 1989839"/>
+                  <a:gd name="connsiteY0" fmla="*/ 0 h 664521"/>
+                  <a:gd name="connsiteX1" fmla="*/ 263976 w 1989839"/>
+                  <a:gd name="connsiteY1" fmla="*/ 199006 h 664521"/>
+                  <a:gd name="connsiteX2" fmla="*/ 665592 w 1989839"/>
+                  <a:gd name="connsiteY2" fmla="*/ 412484 h 664521"/>
+                  <a:gd name="connsiteX3" fmla="*/ 1128717 w 1989839"/>
+                  <a:gd name="connsiteY3" fmla="*/ 575307 h 664521"/>
+                  <a:gd name="connsiteX4" fmla="*/ 1505005 w 1989839"/>
+                  <a:gd name="connsiteY4" fmla="*/ 644054 h 664521"/>
+                  <a:gd name="connsiteX5" fmla="*/ 1917476 w 1989839"/>
+                  <a:gd name="connsiteY5" fmla="*/ 651291 h 664521"/>
+                  <a:gd name="connsiteX6" fmla="*/ 1989839 w 1989839"/>
+                  <a:gd name="connsiteY6" fmla="*/ 618726 h 664521"/>
+                  <a:gd name="connsiteX7" fmla="*/ 1892149 w 1989839"/>
+                  <a:gd name="connsiteY7" fmla="*/ 535506 h 664521"/>
+                  <a:gd name="connsiteX8" fmla="*/ 1718477 w 1989839"/>
+                  <a:gd name="connsiteY8" fmla="*/ 542742 h 664521"/>
+                  <a:gd name="connsiteX9" fmla="*/ 1309625 w 1989839"/>
+                  <a:gd name="connsiteY9" fmla="*/ 490241 h 664521"/>
+                  <a:gd name="connsiteX10" fmla="*/ 947808 w 1989839"/>
+                  <a:gd name="connsiteY10" fmla="*/ 387156 h 664521"/>
+                  <a:gd name="connsiteX11" fmla="*/ 1316861 w 1989839"/>
+                  <a:gd name="connsiteY11" fmla="*/ 394393 h 664521"/>
+                  <a:gd name="connsiteX12" fmla="*/ 1667823 w 1989839"/>
+                  <a:gd name="connsiteY12" fmla="*/ 332882 h 664521"/>
+                  <a:gd name="connsiteX13" fmla="*/ 1580987 w 1989839"/>
+                  <a:gd name="connsiteY13" fmla="*/ 217097 h 664521"/>
+                  <a:gd name="connsiteX14" fmla="*/ 1479678 w 1989839"/>
+                  <a:gd name="connsiteY14" fmla="*/ 238807 h 664521"/>
+                  <a:gd name="connsiteX15" fmla="*/ 1219171 w 1989839"/>
+                  <a:gd name="connsiteY15" fmla="*/ 253280 h 664521"/>
+                  <a:gd name="connsiteX16" fmla="*/ 922481 w 1989839"/>
+                  <a:gd name="connsiteY16" fmla="*/ 242425 h 664521"/>
+                  <a:gd name="connsiteX17" fmla="*/ 651119 w 1989839"/>
+                  <a:gd name="connsiteY17" fmla="*/ 180914 h 664521"/>
+                  <a:gd name="connsiteX18" fmla="*/ 448502 w 1989839"/>
+                  <a:gd name="connsiteY18" fmla="*/ 75984 h 664521"/>
+                  <a:gd name="connsiteX19" fmla="*/ 3468 w 1989839"/>
+                  <a:gd name="connsiteY19" fmla="*/ 0 h 664521"/>
+                  <a:gd name="connsiteX0" fmla="*/ 3468 w 1989839"/>
+                  <a:gd name="connsiteY0" fmla="*/ 0 h 664521"/>
+                  <a:gd name="connsiteX1" fmla="*/ 263976 w 1989839"/>
+                  <a:gd name="connsiteY1" fmla="*/ 199006 h 664521"/>
+                  <a:gd name="connsiteX2" fmla="*/ 665592 w 1989839"/>
+                  <a:gd name="connsiteY2" fmla="*/ 412484 h 664521"/>
+                  <a:gd name="connsiteX3" fmla="*/ 1128717 w 1989839"/>
+                  <a:gd name="connsiteY3" fmla="*/ 575307 h 664521"/>
+                  <a:gd name="connsiteX4" fmla="*/ 1505005 w 1989839"/>
+                  <a:gd name="connsiteY4" fmla="*/ 644054 h 664521"/>
+                  <a:gd name="connsiteX5" fmla="*/ 1917476 w 1989839"/>
+                  <a:gd name="connsiteY5" fmla="*/ 651291 h 664521"/>
+                  <a:gd name="connsiteX6" fmla="*/ 1989839 w 1989839"/>
+                  <a:gd name="connsiteY6" fmla="*/ 618726 h 664521"/>
+                  <a:gd name="connsiteX7" fmla="*/ 1892149 w 1989839"/>
+                  <a:gd name="connsiteY7" fmla="*/ 535506 h 664521"/>
+                  <a:gd name="connsiteX8" fmla="*/ 1718477 w 1989839"/>
+                  <a:gd name="connsiteY8" fmla="*/ 542742 h 664521"/>
+                  <a:gd name="connsiteX9" fmla="*/ 1309625 w 1989839"/>
+                  <a:gd name="connsiteY9" fmla="*/ 490241 h 664521"/>
+                  <a:gd name="connsiteX10" fmla="*/ 947808 w 1989839"/>
+                  <a:gd name="connsiteY10" fmla="*/ 387156 h 664521"/>
+                  <a:gd name="connsiteX11" fmla="*/ 1316861 w 1989839"/>
+                  <a:gd name="connsiteY11" fmla="*/ 394393 h 664521"/>
+                  <a:gd name="connsiteX12" fmla="*/ 1667823 w 1989839"/>
+                  <a:gd name="connsiteY12" fmla="*/ 332882 h 664521"/>
+                  <a:gd name="connsiteX13" fmla="*/ 1580987 w 1989839"/>
+                  <a:gd name="connsiteY13" fmla="*/ 217097 h 664521"/>
+                  <a:gd name="connsiteX14" fmla="*/ 1479678 w 1989839"/>
+                  <a:gd name="connsiteY14" fmla="*/ 238807 h 664521"/>
+                  <a:gd name="connsiteX15" fmla="*/ 1219171 w 1989839"/>
+                  <a:gd name="connsiteY15" fmla="*/ 253280 h 664521"/>
+                  <a:gd name="connsiteX16" fmla="*/ 916131 w 1989839"/>
+                  <a:gd name="connsiteY16" fmla="*/ 232900 h 664521"/>
+                  <a:gd name="connsiteX17" fmla="*/ 651119 w 1989839"/>
+                  <a:gd name="connsiteY17" fmla="*/ 180914 h 664521"/>
+                  <a:gd name="connsiteX18" fmla="*/ 448502 w 1989839"/>
+                  <a:gd name="connsiteY18" fmla="*/ 75984 h 664521"/>
+                  <a:gd name="connsiteX19" fmla="*/ 3468 w 1989839"/>
+                  <a:gd name="connsiteY19" fmla="*/ 0 h 664521"/>
+                  <a:gd name="connsiteX0" fmla="*/ 3468 w 1989839"/>
+                  <a:gd name="connsiteY0" fmla="*/ 0 h 664521"/>
+                  <a:gd name="connsiteX1" fmla="*/ 263976 w 1989839"/>
+                  <a:gd name="connsiteY1" fmla="*/ 199006 h 664521"/>
+                  <a:gd name="connsiteX2" fmla="*/ 665592 w 1989839"/>
+                  <a:gd name="connsiteY2" fmla="*/ 412484 h 664521"/>
+                  <a:gd name="connsiteX3" fmla="*/ 1128717 w 1989839"/>
+                  <a:gd name="connsiteY3" fmla="*/ 575307 h 664521"/>
+                  <a:gd name="connsiteX4" fmla="*/ 1505005 w 1989839"/>
+                  <a:gd name="connsiteY4" fmla="*/ 644054 h 664521"/>
+                  <a:gd name="connsiteX5" fmla="*/ 1917476 w 1989839"/>
+                  <a:gd name="connsiteY5" fmla="*/ 651291 h 664521"/>
+                  <a:gd name="connsiteX6" fmla="*/ 1989839 w 1989839"/>
+                  <a:gd name="connsiteY6" fmla="*/ 618726 h 664521"/>
+                  <a:gd name="connsiteX7" fmla="*/ 1892149 w 1989839"/>
+                  <a:gd name="connsiteY7" fmla="*/ 535506 h 664521"/>
+                  <a:gd name="connsiteX8" fmla="*/ 1718477 w 1989839"/>
+                  <a:gd name="connsiteY8" fmla="*/ 542742 h 664521"/>
+                  <a:gd name="connsiteX9" fmla="*/ 1309625 w 1989839"/>
+                  <a:gd name="connsiteY9" fmla="*/ 490241 h 664521"/>
+                  <a:gd name="connsiteX10" fmla="*/ 947808 w 1989839"/>
+                  <a:gd name="connsiteY10" fmla="*/ 387156 h 664521"/>
+                  <a:gd name="connsiteX11" fmla="*/ 1316861 w 1989839"/>
+                  <a:gd name="connsiteY11" fmla="*/ 394393 h 664521"/>
+                  <a:gd name="connsiteX12" fmla="*/ 1667823 w 1989839"/>
+                  <a:gd name="connsiteY12" fmla="*/ 332882 h 664521"/>
+                  <a:gd name="connsiteX13" fmla="*/ 1600037 w 1989839"/>
+                  <a:gd name="connsiteY13" fmla="*/ 236147 h 664521"/>
+                  <a:gd name="connsiteX14" fmla="*/ 1479678 w 1989839"/>
+                  <a:gd name="connsiteY14" fmla="*/ 238807 h 664521"/>
+                  <a:gd name="connsiteX15" fmla="*/ 1219171 w 1989839"/>
+                  <a:gd name="connsiteY15" fmla="*/ 253280 h 664521"/>
+                  <a:gd name="connsiteX16" fmla="*/ 916131 w 1989839"/>
+                  <a:gd name="connsiteY16" fmla="*/ 232900 h 664521"/>
+                  <a:gd name="connsiteX17" fmla="*/ 651119 w 1989839"/>
+                  <a:gd name="connsiteY17" fmla="*/ 180914 h 664521"/>
+                  <a:gd name="connsiteX18" fmla="*/ 448502 w 1989839"/>
+                  <a:gd name="connsiteY18" fmla="*/ 75984 h 664521"/>
+                  <a:gd name="connsiteX19" fmla="*/ 3468 w 1989839"/>
+                  <a:gd name="connsiteY19" fmla="*/ 0 h 664521"/>
+                  <a:gd name="connsiteX0" fmla="*/ 3468 w 1989839"/>
+                  <a:gd name="connsiteY0" fmla="*/ 0 h 664521"/>
+                  <a:gd name="connsiteX1" fmla="*/ 263976 w 1989839"/>
+                  <a:gd name="connsiteY1" fmla="*/ 199006 h 664521"/>
+                  <a:gd name="connsiteX2" fmla="*/ 665592 w 1989839"/>
+                  <a:gd name="connsiteY2" fmla="*/ 412484 h 664521"/>
+                  <a:gd name="connsiteX3" fmla="*/ 1128717 w 1989839"/>
+                  <a:gd name="connsiteY3" fmla="*/ 575307 h 664521"/>
+                  <a:gd name="connsiteX4" fmla="*/ 1505005 w 1989839"/>
+                  <a:gd name="connsiteY4" fmla="*/ 644054 h 664521"/>
+                  <a:gd name="connsiteX5" fmla="*/ 1917476 w 1989839"/>
+                  <a:gd name="connsiteY5" fmla="*/ 651291 h 664521"/>
+                  <a:gd name="connsiteX6" fmla="*/ 1989839 w 1989839"/>
+                  <a:gd name="connsiteY6" fmla="*/ 618726 h 664521"/>
+                  <a:gd name="connsiteX7" fmla="*/ 1911199 w 1989839"/>
+                  <a:gd name="connsiteY7" fmla="*/ 541856 h 664521"/>
+                  <a:gd name="connsiteX8" fmla="*/ 1718477 w 1989839"/>
+                  <a:gd name="connsiteY8" fmla="*/ 542742 h 664521"/>
+                  <a:gd name="connsiteX9" fmla="*/ 1309625 w 1989839"/>
+                  <a:gd name="connsiteY9" fmla="*/ 490241 h 664521"/>
+                  <a:gd name="connsiteX10" fmla="*/ 947808 w 1989839"/>
+                  <a:gd name="connsiteY10" fmla="*/ 387156 h 664521"/>
+                  <a:gd name="connsiteX11" fmla="*/ 1316861 w 1989839"/>
+                  <a:gd name="connsiteY11" fmla="*/ 394393 h 664521"/>
+                  <a:gd name="connsiteX12" fmla="*/ 1667823 w 1989839"/>
+                  <a:gd name="connsiteY12" fmla="*/ 332882 h 664521"/>
+                  <a:gd name="connsiteX13" fmla="*/ 1600037 w 1989839"/>
+                  <a:gd name="connsiteY13" fmla="*/ 236147 h 664521"/>
+                  <a:gd name="connsiteX14" fmla="*/ 1479678 w 1989839"/>
+                  <a:gd name="connsiteY14" fmla="*/ 238807 h 664521"/>
+                  <a:gd name="connsiteX15" fmla="*/ 1219171 w 1989839"/>
+                  <a:gd name="connsiteY15" fmla="*/ 253280 h 664521"/>
+                  <a:gd name="connsiteX16" fmla="*/ 916131 w 1989839"/>
+                  <a:gd name="connsiteY16" fmla="*/ 232900 h 664521"/>
+                  <a:gd name="connsiteX17" fmla="*/ 651119 w 1989839"/>
+                  <a:gd name="connsiteY17" fmla="*/ 180914 h 664521"/>
+                  <a:gd name="connsiteX18" fmla="*/ 448502 w 1989839"/>
+                  <a:gd name="connsiteY18" fmla="*/ 75984 h 664521"/>
+                  <a:gd name="connsiteX19" fmla="*/ 3468 w 1989839"/>
+                  <a:gd name="connsiteY19" fmla="*/ 0 h 664521"/>
+                  <a:gd name="connsiteX0" fmla="*/ 3468 w 1993120"/>
+                  <a:gd name="connsiteY0" fmla="*/ 0 h 654588"/>
+                  <a:gd name="connsiteX1" fmla="*/ 263976 w 1993120"/>
+                  <a:gd name="connsiteY1" fmla="*/ 199006 h 654588"/>
+                  <a:gd name="connsiteX2" fmla="*/ 665592 w 1993120"/>
+                  <a:gd name="connsiteY2" fmla="*/ 412484 h 654588"/>
+                  <a:gd name="connsiteX3" fmla="*/ 1128717 w 1993120"/>
+                  <a:gd name="connsiteY3" fmla="*/ 575307 h 654588"/>
+                  <a:gd name="connsiteX4" fmla="*/ 1505005 w 1993120"/>
+                  <a:gd name="connsiteY4" fmla="*/ 644054 h 654588"/>
+                  <a:gd name="connsiteX5" fmla="*/ 1917476 w 1993120"/>
+                  <a:gd name="connsiteY5" fmla="*/ 651291 h 654588"/>
+                  <a:gd name="connsiteX6" fmla="*/ 1993120 w 1993120"/>
+                  <a:gd name="connsiteY6" fmla="*/ 585909 h 654588"/>
+                  <a:gd name="connsiteX7" fmla="*/ 1911199 w 1993120"/>
+                  <a:gd name="connsiteY7" fmla="*/ 541856 h 654588"/>
+                  <a:gd name="connsiteX8" fmla="*/ 1718477 w 1993120"/>
+                  <a:gd name="connsiteY8" fmla="*/ 542742 h 654588"/>
+                  <a:gd name="connsiteX9" fmla="*/ 1309625 w 1993120"/>
+                  <a:gd name="connsiteY9" fmla="*/ 490241 h 654588"/>
+                  <a:gd name="connsiteX10" fmla="*/ 947808 w 1993120"/>
+                  <a:gd name="connsiteY10" fmla="*/ 387156 h 654588"/>
+                  <a:gd name="connsiteX11" fmla="*/ 1316861 w 1993120"/>
+                  <a:gd name="connsiteY11" fmla="*/ 394393 h 654588"/>
+                  <a:gd name="connsiteX12" fmla="*/ 1667823 w 1993120"/>
+                  <a:gd name="connsiteY12" fmla="*/ 332882 h 654588"/>
+                  <a:gd name="connsiteX13" fmla="*/ 1600037 w 1993120"/>
+                  <a:gd name="connsiteY13" fmla="*/ 236147 h 654588"/>
+                  <a:gd name="connsiteX14" fmla="*/ 1479678 w 1993120"/>
+                  <a:gd name="connsiteY14" fmla="*/ 238807 h 654588"/>
+                  <a:gd name="connsiteX15" fmla="*/ 1219171 w 1993120"/>
+                  <a:gd name="connsiteY15" fmla="*/ 253280 h 654588"/>
+                  <a:gd name="connsiteX16" fmla="*/ 916131 w 1993120"/>
+                  <a:gd name="connsiteY16" fmla="*/ 232900 h 654588"/>
+                  <a:gd name="connsiteX17" fmla="*/ 651119 w 1993120"/>
+                  <a:gd name="connsiteY17" fmla="*/ 180914 h 654588"/>
+                  <a:gd name="connsiteX18" fmla="*/ 448502 w 1993120"/>
+                  <a:gd name="connsiteY18" fmla="*/ 75984 h 654588"/>
+                  <a:gd name="connsiteX19" fmla="*/ 3468 w 1993120"/>
+                  <a:gd name="connsiteY19" fmla="*/ 0 h 654588"/>
+                  <a:gd name="connsiteX0" fmla="*/ 3468 w 2002965"/>
+                  <a:gd name="connsiteY0" fmla="*/ 0 h 655980"/>
+                  <a:gd name="connsiteX1" fmla="*/ 263976 w 2002965"/>
+                  <a:gd name="connsiteY1" fmla="*/ 199006 h 655980"/>
+                  <a:gd name="connsiteX2" fmla="*/ 665592 w 2002965"/>
+                  <a:gd name="connsiteY2" fmla="*/ 412484 h 655980"/>
+                  <a:gd name="connsiteX3" fmla="*/ 1128717 w 2002965"/>
+                  <a:gd name="connsiteY3" fmla="*/ 575307 h 655980"/>
+                  <a:gd name="connsiteX4" fmla="*/ 1505005 w 2002965"/>
+                  <a:gd name="connsiteY4" fmla="*/ 644054 h 655980"/>
+                  <a:gd name="connsiteX5" fmla="*/ 1917476 w 2002965"/>
+                  <a:gd name="connsiteY5" fmla="*/ 651291 h 655980"/>
+                  <a:gd name="connsiteX6" fmla="*/ 2002965 w 2002965"/>
+                  <a:gd name="connsiteY6" fmla="*/ 566219 h 655980"/>
+                  <a:gd name="connsiteX7" fmla="*/ 1911199 w 2002965"/>
+                  <a:gd name="connsiteY7" fmla="*/ 541856 h 655980"/>
+                  <a:gd name="connsiteX8" fmla="*/ 1718477 w 2002965"/>
+                  <a:gd name="connsiteY8" fmla="*/ 542742 h 655980"/>
+                  <a:gd name="connsiteX9" fmla="*/ 1309625 w 2002965"/>
+                  <a:gd name="connsiteY9" fmla="*/ 490241 h 655980"/>
+                  <a:gd name="connsiteX10" fmla="*/ 947808 w 2002965"/>
+                  <a:gd name="connsiteY10" fmla="*/ 387156 h 655980"/>
+                  <a:gd name="connsiteX11" fmla="*/ 1316861 w 2002965"/>
+                  <a:gd name="connsiteY11" fmla="*/ 394393 h 655980"/>
+                  <a:gd name="connsiteX12" fmla="*/ 1667823 w 2002965"/>
+                  <a:gd name="connsiteY12" fmla="*/ 332882 h 655980"/>
+                  <a:gd name="connsiteX13" fmla="*/ 1600037 w 2002965"/>
+                  <a:gd name="connsiteY13" fmla="*/ 236147 h 655980"/>
+                  <a:gd name="connsiteX14" fmla="*/ 1479678 w 2002965"/>
+                  <a:gd name="connsiteY14" fmla="*/ 238807 h 655980"/>
+                  <a:gd name="connsiteX15" fmla="*/ 1219171 w 2002965"/>
+                  <a:gd name="connsiteY15" fmla="*/ 253280 h 655980"/>
+                  <a:gd name="connsiteX16" fmla="*/ 916131 w 2002965"/>
+                  <a:gd name="connsiteY16" fmla="*/ 232900 h 655980"/>
+                  <a:gd name="connsiteX17" fmla="*/ 651119 w 2002965"/>
+                  <a:gd name="connsiteY17" fmla="*/ 180914 h 655980"/>
+                  <a:gd name="connsiteX18" fmla="*/ 448502 w 2002965"/>
+                  <a:gd name="connsiteY18" fmla="*/ 75984 h 655980"/>
+                  <a:gd name="connsiteX19" fmla="*/ 3468 w 2002965"/>
+                  <a:gd name="connsiteY19" fmla="*/ 0 h 655980"/>
+                  <a:gd name="connsiteX0" fmla="*/ 3468 w 2002965"/>
+                  <a:gd name="connsiteY0" fmla="*/ 0 h 655980"/>
+                  <a:gd name="connsiteX1" fmla="*/ 263976 w 2002965"/>
+                  <a:gd name="connsiteY1" fmla="*/ 199006 h 655980"/>
+                  <a:gd name="connsiteX2" fmla="*/ 665592 w 2002965"/>
+                  <a:gd name="connsiteY2" fmla="*/ 412484 h 655980"/>
+                  <a:gd name="connsiteX3" fmla="*/ 1128717 w 2002965"/>
+                  <a:gd name="connsiteY3" fmla="*/ 575307 h 655980"/>
+                  <a:gd name="connsiteX4" fmla="*/ 1505005 w 2002965"/>
+                  <a:gd name="connsiteY4" fmla="*/ 644054 h 655980"/>
+                  <a:gd name="connsiteX5" fmla="*/ 1917476 w 2002965"/>
+                  <a:gd name="connsiteY5" fmla="*/ 651291 h 655980"/>
+                  <a:gd name="connsiteX6" fmla="*/ 2002965 w 2002965"/>
+                  <a:gd name="connsiteY6" fmla="*/ 566219 h 655980"/>
+                  <a:gd name="connsiteX7" fmla="*/ 1924326 w 2002965"/>
+                  <a:gd name="connsiteY7" fmla="*/ 541856 h 655980"/>
+                  <a:gd name="connsiteX8" fmla="*/ 1718477 w 2002965"/>
+                  <a:gd name="connsiteY8" fmla="*/ 542742 h 655980"/>
+                  <a:gd name="connsiteX9" fmla="*/ 1309625 w 2002965"/>
+                  <a:gd name="connsiteY9" fmla="*/ 490241 h 655980"/>
+                  <a:gd name="connsiteX10" fmla="*/ 947808 w 2002965"/>
+                  <a:gd name="connsiteY10" fmla="*/ 387156 h 655980"/>
+                  <a:gd name="connsiteX11" fmla="*/ 1316861 w 2002965"/>
+                  <a:gd name="connsiteY11" fmla="*/ 394393 h 655980"/>
+                  <a:gd name="connsiteX12" fmla="*/ 1667823 w 2002965"/>
+                  <a:gd name="connsiteY12" fmla="*/ 332882 h 655980"/>
+                  <a:gd name="connsiteX13" fmla="*/ 1600037 w 2002965"/>
+                  <a:gd name="connsiteY13" fmla="*/ 236147 h 655980"/>
+                  <a:gd name="connsiteX14" fmla="*/ 1479678 w 2002965"/>
+                  <a:gd name="connsiteY14" fmla="*/ 238807 h 655980"/>
+                  <a:gd name="connsiteX15" fmla="*/ 1219171 w 2002965"/>
+                  <a:gd name="connsiteY15" fmla="*/ 253280 h 655980"/>
+                  <a:gd name="connsiteX16" fmla="*/ 916131 w 2002965"/>
+                  <a:gd name="connsiteY16" fmla="*/ 232900 h 655980"/>
+                  <a:gd name="connsiteX17" fmla="*/ 651119 w 2002965"/>
+                  <a:gd name="connsiteY17" fmla="*/ 180914 h 655980"/>
+                  <a:gd name="connsiteX18" fmla="*/ 448502 w 2002965"/>
+                  <a:gd name="connsiteY18" fmla="*/ 75984 h 655980"/>
+                  <a:gd name="connsiteX19" fmla="*/ 3468 w 2002965"/>
+                  <a:gd name="connsiteY19" fmla="*/ 0 h 655980"/>
+                  <a:gd name="connsiteX0" fmla="*/ 3468 w 2002965"/>
+                  <a:gd name="connsiteY0" fmla="*/ 0 h 656854"/>
+                  <a:gd name="connsiteX1" fmla="*/ 263976 w 2002965"/>
+                  <a:gd name="connsiteY1" fmla="*/ 199006 h 656854"/>
+                  <a:gd name="connsiteX2" fmla="*/ 665592 w 2002965"/>
+                  <a:gd name="connsiteY2" fmla="*/ 412484 h 656854"/>
+                  <a:gd name="connsiteX3" fmla="*/ 1128717 w 2002965"/>
+                  <a:gd name="connsiteY3" fmla="*/ 575307 h 656854"/>
+                  <a:gd name="connsiteX4" fmla="*/ 1534540 w 2002965"/>
+                  <a:gd name="connsiteY4" fmla="*/ 647335 h 656854"/>
+                  <a:gd name="connsiteX5" fmla="*/ 1917476 w 2002965"/>
+                  <a:gd name="connsiteY5" fmla="*/ 651291 h 656854"/>
+                  <a:gd name="connsiteX6" fmla="*/ 2002965 w 2002965"/>
+                  <a:gd name="connsiteY6" fmla="*/ 566219 h 656854"/>
+                  <a:gd name="connsiteX7" fmla="*/ 1924326 w 2002965"/>
+                  <a:gd name="connsiteY7" fmla="*/ 541856 h 656854"/>
+                  <a:gd name="connsiteX8" fmla="*/ 1718477 w 2002965"/>
+                  <a:gd name="connsiteY8" fmla="*/ 542742 h 656854"/>
+                  <a:gd name="connsiteX9" fmla="*/ 1309625 w 2002965"/>
+                  <a:gd name="connsiteY9" fmla="*/ 490241 h 656854"/>
+                  <a:gd name="connsiteX10" fmla="*/ 947808 w 2002965"/>
+                  <a:gd name="connsiteY10" fmla="*/ 387156 h 656854"/>
+                  <a:gd name="connsiteX11" fmla="*/ 1316861 w 2002965"/>
+                  <a:gd name="connsiteY11" fmla="*/ 394393 h 656854"/>
+                  <a:gd name="connsiteX12" fmla="*/ 1667823 w 2002965"/>
+                  <a:gd name="connsiteY12" fmla="*/ 332882 h 656854"/>
+                  <a:gd name="connsiteX13" fmla="*/ 1600037 w 2002965"/>
+                  <a:gd name="connsiteY13" fmla="*/ 236147 h 656854"/>
+                  <a:gd name="connsiteX14" fmla="*/ 1479678 w 2002965"/>
+                  <a:gd name="connsiteY14" fmla="*/ 238807 h 656854"/>
+                  <a:gd name="connsiteX15" fmla="*/ 1219171 w 2002965"/>
+                  <a:gd name="connsiteY15" fmla="*/ 253280 h 656854"/>
+                  <a:gd name="connsiteX16" fmla="*/ 916131 w 2002965"/>
+                  <a:gd name="connsiteY16" fmla="*/ 232900 h 656854"/>
+                  <a:gd name="connsiteX17" fmla="*/ 651119 w 2002965"/>
+                  <a:gd name="connsiteY17" fmla="*/ 180914 h 656854"/>
+                  <a:gd name="connsiteX18" fmla="*/ 448502 w 2002965"/>
+                  <a:gd name="connsiteY18" fmla="*/ 75984 h 656854"/>
+                  <a:gd name="connsiteX19" fmla="*/ 3468 w 2002965"/>
+                  <a:gd name="connsiteY19" fmla="*/ 0 h 656854"/>
+                  <a:gd name="connsiteX0" fmla="*/ 3468 w 2002965"/>
+                  <a:gd name="connsiteY0" fmla="*/ 0 h 659277"/>
+                  <a:gd name="connsiteX1" fmla="*/ 263976 w 2002965"/>
+                  <a:gd name="connsiteY1" fmla="*/ 199006 h 659277"/>
+                  <a:gd name="connsiteX2" fmla="*/ 665592 w 2002965"/>
+                  <a:gd name="connsiteY2" fmla="*/ 412484 h 659277"/>
+                  <a:gd name="connsiteX3" fmla="*/ 1128717 w 2002965"/>
+                  <a:gd name="connsiteY3" fmla="*/ 575307 h 659277"/>
+                  <a:gd name="connsiteX4" fmla="*/ 1534540 w 2002965"/>
+                  <a:gd name="connsiteY4" fmla="*/ 647335 h 659277"/>
+                  <a:gd name="connsiteX5" fmla="*/ 1917476 w 2002965"/>
+                  <a:gd name="connsiteY5" fmla="*/ 651291 h 659277"/>
+                  <a:gd name="connsiteX6" fmla="*/ 2002965 w 2002965"/>
+                  <a:gd name="connsiteY6" fmla="*/ 566219 h 659277"/>
+                  <a:gd name="connsiteX7" fmla="*/ 1924326 w 2002965"/>
+                  <a:gd name="connsiteY7" fmla="*/ 541856 h 659277"/>
+                  <a:gd name="connsiteX8" fmla="*/ 1718477 w 2002965"/>
+                  <a:gd name="connsiteY8" fmla="*/ 542742 h 659277"/>
+                  <a:gd name="connsiteX9" fmla="*/ 1309625 w 2002965"/>
+                  <a:gd name="connsiteY9" fmla="*/ 490241 h 659277"/>
+                  <a:gd name="connsiteX10" fmla="*/ 947808 w 2002965"/>
+                  <a:gd name="connsiteY10" fmla="*/ 387156 h 659277"/>
+                  <a:gd name="connsiteX11" fmla="*/ 1316861 w 2002965"/>
+                  <a:gd name="connsiteY11" fmla="*/ 394393 h 659277"/>
+                  <a:gd name="connsiteX12" fmla="*/ 1667823 w 2002965"/>
+                  <a:gd name="connsiteY12" fmla="*/ 332882 h 659277"/>
+                  <a:gd name="connsiteX13" fmla="*/ 1600037 w 2002965"/>
+                  <a:gd name="connsiteY13" fmla="*/ 236147 h 659277"/>
+                  <a:gd name="connsiteX14" fmla="*/ 1479678 w 2002965"/>
+                  <a:gd name="connsiteY14" fmla="*/ 238807 h 659277"/>
+                  <a:gd name="connsiteX15" fmla="*/ 1219171 w 2002965"/>
+                  <a:gd name="connsiteY15" fmla="*/ 253280 h 659277"/>
+                  <a:gd name="connsiteX16" fmla="*/ 916131 w 2002965"/>
+                  <a:gd name="connsiteY16" fmla="*/ 232900 h 659277"/>
+                  <a:gd name="connsiteX17" fmla="*/ 651119 w 2002965"/>
+                  <a:gd name="connsiteY17" fmla="*/ 180914 h 659277"/>
+                  <a:gd name="connsiteX18" fmla="*/ 448502 w 2002965"/>
+                  <a:gd name="connsiteY18" fmla="*/ 75984 h 659277"/>
+                  <a:gd name="connsiteX19" fmla="*/ 3468 w 2002965"/>
+                  <a:gd name="connsiteY19" fmla="*/ 0 h 659277"/>
+                  <a:gd name="connsiteX0" fmla="*/ 3468 w 2002965"/>
+                  <a:gd name="connsiteY0" fmla="*/ 0 h 659277"/>
+                  <a:gd name="connsiteX1" fmla="*/ 263976 w 2002965"/>
+                  <a:gd name="connsiteY1" fmla="*/ 199006 h 659277"/>
+                  <a:gd name="connsiteX2" fmla="*/ 665592 w 2002965"/>
+                  <a:gd name="connsiteY2" fmla="*/ 412484 h 659277"/>
+                  <a:gd name="connsiteX3" fmla="*/ 1128717 w 2002965"/>
+                  <a:gd name="connsiteY3" fmla="*/ 575307 h 659277"/>
+                  <a:gd name="connsiteX4" fmla="*/ 1534540 w 2002965"/>
+                  <a:gd name="connsiteY4" fmla="*/ 647335 h 659277"/>
+                  <a:gd name="connsiteX5" fmla="*/ 1917476 w 2002965"/>
+                  <a:gd name="connsiteY5" fmla="*/ 651291 h 659277"/>
+                  <a:gd name="connsiteX6" fmla="*/ 2002965 w 2002965"/>
+                  <a:gd name="connsiteY6" fmla="*/ 566219 h 659277"/>
+                  <a:gd name="connsiteX7" fmla="*/ 1924326 w 2002965"/>
+                  <a:gd name="connsiteY7" fmla="*/ 541856 h 659277"/>
+                  <a:gd name="connsiteX8" fmla="*/ 1718477 w 2002965"/>
+                  <a:gd name="connsiteY8" fmla="*/ 542742 h 659277"/>
+                  <a:gd name="connsiteX9" fmla="*/ 1309625 w 2002965"/>
+                  <a:gd name="connsiteY9" fmla="*/ 490241 h 659277"/>
+                  <a:gd name="connsiteX10" fmla="*/ 947808 w 2002965"/>
+                  <a:gd name="connsiteY10" fmla="*/ 387156 h 659277"/>
+                  <a:gd name="connsiteX11" fmla="*/ 1316861 w 2002965"/>
+                  <a:gd name="connsiteY11" fmla="*/ 394393 h 659277"/>
+                  <a:gd name="connsiteX12" fmla="*/ 1680949 w 2002965"/>
+                  <a:gd name="connsiteY12" fmla="*/ 296783 h 659277"/>
+                  <a:gd name="connsiteX13" fmla="*/ 1600037 w 2002965"/>
+                  <a:gd name="connsiteY13" fmla="*/ 236147 h 659277"/>
+                  <a:gd name="connsiteX14" fmla="*/ 1479678 w 2002965"/>
+                  <a:gd name="connsiteY14" fmla="*/ 238807 h 659277"/>
+                  <a:gd name="connsiteX15" fmla="*/ 1219171 w 2002965"/>
+                  <a:gd name="connsiteY15" fmla="*/ 253280 h 659277"/>
+                  <a:gd name="connsiteX16" fmla="*/ 916131 w 2002965"/>
+                  <a:gd name="connsiteY16" fmla="*/ 232900 h 659277"/>
+                  <a:gd name="connsiteX17" fmla="*/ 651119 w 2002965"/>
+                  <a:gd name="connsiteY17" fmla="*/ 180914 h 659277"/>
+                  <a:gd name="connsiteX18" fmla="*/ 448502 w 2002965"/>
+                  <a:gd name="connsiteY18" fmla="*/ 75984 h 659277"/>
+                  <a:gd name="connsiteX19" fmla="*/ 3468 w 2002965"/>
+                  <a:gd name="connsiteY19" fmla="*/ 0 h 659277"/>
+                  <a:gd name="connsiteX0" fmla="*/ 3468 w 2002965"/>
+                  <a:gd name="connsiteY0" fmla="*/ 0 h 659277"/>
+                  <a:gd name="connsiteX1" fmla="*/ 263976 w 2002965"/>
+                  <a:gd name="connsiteY1" fmla="*/ 199006 h 659277"/>
+                  <a:gd name="connsiteX2" fmla="*/ 665592 w 2002965"/>
+                  <a:gd name="connsiteY2" fmla="*/ 412484 h 659277"/>
+                  <a:gd name="connsiteX3" fmla="*/ 1128717 w 2002965"/>
+                  <a:gd name="connsiteY3" fmla="*/ 575307 h 659277"/>
+                  <a:gd name="connsiteX4" fmla="*/ 1534540 w 2002965"/>
+                  <a:gd name="connsiteY4" fmla="*/ 647335 h 659277"/>
+                  <a:gd name="connsiteX5" fmla="*/ 1917476 w 2002965"/>
+                  <a:gd name="connsiteY5" fmla="*/ 651291 h 659277"/>
+                  <a:gd name="connsiteX6" fmla="*/ 2002965 w 2002965"/>
+                  <a:gd name="connsiteY6" fmla="*/ 566219 h 659277"/>
+                  <a:gd name="connsiteX7" fmla="*/ 1924326 w 2002965"/>
+                  <a:gd name="connsiteY7" fmla="*/ 541856 h 659277"/>
+                  <a:gd name="connsiteX8" fmla="*/ 1718477 w 2002965"/>
+                  <a:gd name="connsiteY8" fmla="*/ 542742 h 659277"/>
+                  <a:gd name="connsiteX9" fmla="*/ 1309625 w 2002965"/>
+                  <a:gd name="connsiteY9" fmla="*/ 490241 h 659277"/>
+                  <a:gd name="connsiteX10" fmla="*/ 947808 w 2002965"/>
+                  <a:gd name="connsiteY10" fmla="*/ 387156 h 659277"/>
+                  <a:gd name="connsiteX11" fmla="*/ 1316861 w 2002965"/>
+                  <a:gd name="connsiteY11" fmla="*/ 394393 h 659277"/>
+                  <a:gd name="connsiteX12" fmla="*/ 1684231 w 2002965"/>
+                  <a:gd name="connsiteY12" fmla="*/ 309910 h 659277"/>
+                  <a:gd name="connsiteX13" fmla="*/ 1600037 w 2002965"/>
+                  <a:gd name="connsiteY13" fmla="*/ 236147 h 659277"/>
+                  <a:gd name="connsiteX14" fmla="*/ 1479678 w 2002965"/>
+                  <a:gd name="connsiteY14" fmla="*/ 238807 h 659277"/>
+                  <a:gd name="connsiteX15" fmla="*/ 1219171 w 2002965"/>
+                  <a:gd name="connsiteY15" fmla="*/ 253280 h 659277"/>
+                  <a:gd name="connsiteX16" fmla="*/ 916131 w 2002965"/>
+                  <a:gd name="connsiteY16" fmla="*/ 232900 h 659277"/>
+                  <a:gd name="connsiteX17" fmla="*/ 651119 w 2002965"/>
+                  <a:gd name="connsiteY17" fmla="*/ 180914 h 659277"/>
+                  <a:gd name="connsiteX18" fmla="*/ 448502 w 2002965"/>
+                  <a:gd name="connsiteY18" fmla="*/ 75984 h 659277"/>
+                  <a:gd name="connsiteX19" fmla="*/ 3468 w 2002965"/>
+                  <a:gd name="connsiteY19" fmla="*/ 0 h 659277"/>
+                  <a:gd name="connsiteX0" fmla="*/ 3468 w 2002965"/>
+                  <a:gd name="connsiteY0" fmla="*/ 0 h 659277"/>
+                  <a:gd name="connsiteX1" fmla="*/ 263976 w 2002965"/>
+                  <a:gd name="connsiteY1" fmla="*/ 199006 h 659277"/>
+                  <a:gd name="connsiteX2" fmla="*/ 665592 w 2002965"/>
+                  <a:gd name="connsiteY2" fmla="*/ 412484 h 659277"/>
+                  <a:gd name="connsiteX3" fmla="*/ 1128717 w 2002965"/>
+                  <a:gd name="connsiteY3" fmla="*/ 575307 h 659277"/>
+                  <a:gd name="connsiteX4" fmla="*/ 1534540 w 2002965"/>
+                  <a:gd name="connsiteY4" fmla="*/ 647335 h 659277"/>
+                  <a:gd name="connsiteX5" fmla="*/ 1917476 w 2002965"/>
+                  <a:gd name="connsiteY5" fmla="*/ 651291 h 659277"/>
+                  <a:gd name="connsiteX6" fmla="*/ 2002965 w 2002965"/>
+                  <a:gd name="connsiteY6" fmla="*/ 566219 h 659277"/>
+                  <a:gd name="connsiteX7" fmla="*/ 1924326 w 2002965"/>
+                  <a:gd name="connsiteY7" fmla="*/ 541856 h 659277"/>
+                  <a:gd name="connsiteX8" fmla="*/ 1718477 w 2002965"/>
+                  <a:gd name="connsiteY8" fmla="*/ 542742 h 659277"/>
+                  <a:gd name="connsiteX9" fmla="*/ 1309625 w 2002965"/>
+                  <a:gd name="connsiteY9" fmla="*/ 490241 h 659277"/>
+                  <a:gd name="connsiteX10" fmla="*/ 947808 w 2002965"/>
+                  <a:gd name="connsiteY10" fmla="*/ 387156 h 659277"/>
+                  <a:gd name="connsiteX11" fmla="*/ 1316861 w 2002965"/>
+                  <a:gd name="connsiteY11" fmla="*/ 381266 h 659277"/>
+                  <a:gd name="connsiteX12" fmla="*/ 1684231 w 2002965"/>
+                  <a:gd name="connsiteY12" fmla="*/ 309910 h 659277"/>
+                  <a:gd name="connsiteX13" fmla="*/ 1600037 w 2002965"/>
+                  <a:gd name="connsiteY13" fmla="*/ 236147 h 659277"/>
+                  <a:gd name="connsiteX14" fmla="*/ 1479678 w 2002965"/>
+                  <a:gd name="connsiteY14" fmla="*/ 238807 h 659277"/>
+                  <a:gd name="connsiteX15" fmla="*/ 1219171 w 2002965"/>
+                  <a:gd name="connsiteY15" fmla="*/ 253280 h 659277"/>
+                  <a:gd name="connsiteX16" fmla="*/ 916131 w 2002965"/>
+                  <a:gd name="connsiteY16" fmla="*/ 232900 h 659277"/>
+                  <a:gd name="connsiteX17" fmla="*/ 651119 w 2002965"/>
+                  <a:gd name="connsiteY17" fmla="*/ 180914 h 659277"/>
+                  <a:gd name="connsiteX18" fmla="*/ 448502 w 2002965"/>
+                  <a:gd name="connsiteY18" fmla="*/ 75984 h 659277"/>
+                  <a:gd name="connsiteX19" fmla="*/ 3468 w 2002965"/>
+                  <a:gd name="connsiteY19" fmla="*/ 0 h 659277"/>
+                  <a:gd name="connsiteX0" fmla="*/ 3468 w 2002965"/>
+                  <a:gd name="connsiteY0" fmla="*/ 0 h 659277"/>
+                  <a:gd name="connsiteX1" fmla="*/ 263976 w 2002965"/>
+                  <a:gd name="connsiteY1" fmla="*/ 199006 h 659277"/>
+                  <a:gd name="connsiteX2" fmla="*/ 665592 w 2002965"/>
+                  <a:gd name="connsiteY2" fmla="*/ 412484 h 659277"/>
+                  <a:gd name="connsiteX3" fmla="*/ 1128717 w 2002965"/>
+                  <a:gd name="connsiteY3" fmla="*/ 575307 h 659277"/>
+                  <a:gd name="connsiteX4" fmla="*/ 1534540 w 2002965"/>
+                  <a:gd name="connsiteY4" fmla="*/ 647335 h 659277"/>
+                  <a:gd name="connsiteX5" fmla="*/ 1917476 w 2002965"/>
+                  <a:gd name="connsiteY5" fmla="*/ 651291 h 659277"/>
+                  <a:gd name="connsiteX6" fmla="*/ 2002965 w 2002965"/>
+                  <a:gd name="connsiteY6" fmla="*/ 566219 h 659277"/>
+                  <a:gd name="connsiteX7" fmla="*/ 1924326 w 2002965"/>
+                  <a:gd name="connsiteY7" fmla="*/ 541856 h 659277"/>
+                  <a:gd name="connsiteX8" fmla="*/ 1718477 w 2002965"/>
+                  <a:gd name="connsiteY8" fmla="*/ 542742 h 659277"/>
+                  <a:gd name="connsiteX9" fmla="*/ 1309625 w 2002965"/>
+                  <a:gd name="connsiteY9" fmla="*/ 490241 h 659277"/>
+                  <a:gd name="connsiteX10" fmla="*/ 947808 w 2002965"/>
+                  <a:gd name="connsiteY10" fmla="*/ 387156 h 659277"/>
+                  <a:gd name="connsiteX11" fmla="*/ 1316861 w 2002965"/>
+                  <a:gd name="connsiteY11" fmla="*/ 381266 h 659277"/>
+                  <a:gd name="connsiteX12" fmla="*/ 1684231 w 2002965"/>
+                  <a:gd name="connsiteY12" fmla="*/ 309910 h 659277"/>
+                  <a:gd name="connsiteX13" fmla="*/ 1609882 w 2002965"/>
+                  <a:gd name="connsiteY13" fmla="*/ 249274 h 659277"/>
+                  <a:gd name="connsiteX14" fmla="*/ 1479678 w 2002965"/>
+                  <a:gd name="connsiteY14" fmla="*/ 238807 h 659277"/>
+                  <a:gd name="connsiteX15" fmla="*/ 1219171 w 2002965"/>
+                  <a:gd name="connsiteY15" fmla="*/ 253280 h 659277"/>
+                  <a:gd name="connsiteX16" fmla="*/ 916131 w 2002965"/>
+                  <a:gd name="connsiteY16" fmla="*/ 232900 h 659277"/>
+                  <a:gd name="connsiteX17" fmla="*/ 651119 w 2002965"/>
+                  <a:gd name="connsiteY17" fmla="*/ 180914 h 659277"/>
+                  <a:gd name="connsiteX18" fmla="*/ 448502 w 2002965"/>
+                  <a:gd name="connsiteY18" fmla="*/ 75984 h 659277"/>
+                  <a:gd name="connsiteX19" fmla="*/ 3468 w 2002965"/>
+                  <a:gd name="connsiteY19" fmla="*/ 0 h 659277"/>
+                  <a:gd name="connsiteX0" fmla="*/ 3468 w 2002965"/>
+                  <a:gd name="connsiteY0" fmla="*/ 0 h 659277"/>
+                  <a:gd name="connsiteX1" fmla="*/ 263976 w 2002965"/>
+                  <a:gd name="connsiteY1" fmla="*/ 199006 h 659277"/>
+                  <a:gd name="connsiteX2" fmla="*/ 665592 w 2002965"/>
+                  <a:gd name="connsiteY2" fmla="*/ 412484 h 659277"/>
+                  <a:gd name="connsiteX3" fmla="*/ 1128717 w 2002965"/>
+                  <a:gd name="connsiteY3" fmla="*/ 575307 h 659277"/>
+                  <a:gd name="connsiteX4" fmla="*/ 1534540 w 2002965"/>
+                  <a:gd name="connsiteY4" fmla="*/ 647335 h 659277"/>
+                  <a:gd name="connsiteX5" fmla="*/ 1917476 w 2002965"/>
+                  <a:gd name="connsiteY5" fmla="*/ 651291 h 659277"/>
+                  <a:gd name="connsiteX6" fmla="*/ 2002965 w 2002965"/>
+                  <a:gd name="connsiteY6" fmla="*/ 566219 h 659277"/>
+                  <a:gd name="connsiteX7" fmla="*/ 1924326 w 2002965"/>
+                  <a:gd name="connsiteY7" fmla="*/ 541856 h 659277"/>
+                  <a:gd name="connsiteX8" fmla="*/ 1718477 w 2002965"/>
+                  <a:gd name="connsiteY8" fmla="*/ 542742 h 659277"/>
+                  <a:gd name="connsiteX9" fmla="*/ 1309625 w 2002965"/>
+                  <a:gd name="connsiteY9" fmla="*/ 490241 h 659277"/>
+                  <a:gd name="connsiteX10" fmla="*/ 947808 w 2002965"/>
+                  <a:gd name="connsiteY10" fmla="*/ 387156 h 659277"/>
+                  <a:gd name="connsiteX11" fmla="*/ 1316861 w 2002965"/>
+                  <a:gd name="connsiteY11" fmla="*/ 381266 h 659277"/>
+                  <a:gd name="connsiteX12" fmla="*/ 1684231 w 2002965"/>
+                  <a:gd name="connsiteY12" fmla="*/ 309910 h 659277"/>
+                  <a:gd name="connsiteX13" fmla="*/ 1626290 w 2002965"/>
+                  <a:gd name="connsiteY13" fmla="*/ 232865 h 659277"/>
+                  <a:gd name="connsiteX14" fmla="*/ 1479678 w 2002965"/>
+                  <a:gd name="connsiteY14" fmla="*/ 238807 h 659277"/>
+                  <a:gd name="connsiteX15" fmla="*/ 1219171 w 2002965"/>
+                  <a:gd name="connsiteY15" fmla="*/ 253280 h 659277"/>
+                  <a:gd name="connsiteX16" fmla="*/ 916131 w 2002965"/>
+                  <a:gd name="connsiteY16" fmla="*/ 232900 h 659277"/>
+                  <a:gd name="connsiteX17" fmla="*/ 651119 w 2002965"/>
+                  <a:gd name="connsiteY17" fmla="*/ 180914 h 659277"/>
+                  <a:gd name="connsiteX18" fmla="*/ 448502 w 2002965"/>
+                  <a:gd name="connsiteY18" fmla="*/ 75984 h 659277"/>
+                  <a:gd name="connsiteX19" fmla="*/ 3468 w 2002965"/>
+                  <a:gd name="connsiteY19" fmla="*/ 0 h 659277"/>
+                  <a:gd name="connsiteX0" fmla="*/ 3468 w 2002965"/>
+                  <a:gd name="connsiteY0" fmla="*/ 0 h 659277"/>
+                  <a:gd name="connsiteX1" fmla="*/ 263976 w 2002965"/>
+                  <a:gd name="connsiteY1" fmla="*/ 199006 h 659277"/>
+                  <a:gd name="connsiteX2" fmla="*/ 665592 w 2002965"/>
+                  <a:gd name="connsiteY2" fmla="*/ 412484 h 659277"/>
+                  <a:gd name="connsiteX3" fmla="*/ 1128717 w 2002965"/>
+                  <a:gd name="connsiteY3" fmla="*/ 575307 h 659277"/>
+                  <a:gd name="connsiteX4" fmla="*/ 1534540 w 2002965"/>
+                  <a:gd name="connsiteY4" fmla="*/ 647335 h 659277"/>
+                  <a:gd name="connsiteX5" fmla="*/ 1917476 w 2002965"/>
+                  <a:gd name="connsiteY5" fmla="*/ 651291 h 659277"/>
+                  <a:gd name="connsiteX6" fmla="*/ 2002965 w 2002965"/>
+                  <a:gd name="connsiteY6" fmla="*/ 566219 h 659277"/>
+                  <a:gd name="connsiteX7" fmla="*/ 1924326 w 2002965"/>
+                  <a:gd name="connsiteY7" fmla="*/ 541856 h 659277"/>
+                  <a:gd name="connsiteX8" fmla="*/ 1718477 w 2002965"/>
+                  <a:gd name="connsiteY8" fmla="*/ 542742 h 659277"/>
+                  <a:gd name="connsiteX9" fmla="*/ 1309625 w 2002965"/>
+                  <a:gd name="connsiteY9" fmla="*/ 490241 h 659277"/>
+                  <a:gd name="connsiteX10" fmla="*/ 947808 w 2002965"/>
+                  <a:gd name="connsiteY10" fmla="*/ 387156 h 659277"/>
+                  <a:gd name="connsiteX11" fmla="*/ 1316861 w 2002965"/>
+                  <a:gd name="connsiteY11" fmla="*/ 381266 h 659277"/>
+                  <a:gd name="connsiteX12" fmla="*/ 1674386 w 2002965"/>
+                  <a:gd name="connsiteY12" fmla="*/ 293501 h 659277"/>
+                  <a:gd name="connsiteX13" fmla="*/ 1626290 w 2002965"/>
+                  <a:gd name="connsiteY13" fmla="*/ 232865 h 659277"/>
+                  <a:gd name="connsiteX14" fmla="*/ 1479678 w 2002965"/>
+                  <a:gd name="connsiteY14" fmla="*/ 238807 h 659277"/>
+                  <a:gd name="connsiteX15" fmla="*/ 1219171 w 2002965"/>
+                  <a:gd name="connsiteY15" fmla="*/ 253280 h 659277"/>
+                  <a:gd name="connsiteX16" fmla="*/ 916131 w 2002965"/>
+                  <a:gd name="connsiteY16" fmla="*/ 232900 h 659277"/>
+                  <a:gd name="connsiteX17" fmla="*/ 651119 w 2002965"/>
+                  <a:gd name="connsiteY17" fmla="*/ 180914 h 659277"/>
+                  <a:gd name="connsiteX18" fmla="*/ 448502 w 2002965"/>
+                  <a:gd name="connsiteY18" fmla="*/ 75984 h 659277"/>
+                  <a:gd name="connsiteX19" fmla="*/ 3468 w 2002965"/>
+                  <a:gd name="connsiteY19" fmla="*/ 0 h 659277"/>
+                  <a:gd name="connsiteX0" fmla="*/ 3468 w 2002965"/>
+                  <a:gd name="connsiteY0" fmla="*/ 0 h 659277"/>
+                  <a:gd name="connsiteX1" fmla="*/ 263976 w 2002965"/>
+                  <a:gd name="connsiteY1" fmla="*/ 199006 h 659277"/>
+                  <a:gd name="connsiteX2" fmla="*/ 665592 w 2002965"/>
+                  <a:gd name="connsiteY2" fmla="*/ 412484 h 659277"/>
+                  <a:gd name="connsiteX3" fmla="*/ 1128717 w 2002965"/>
+                  <a:gd name="connsiteY3" fmla="*/ 575307 h 659277"/>
+                  <a:gd name="connsiteX4" fmla="*/ 1534540 w 2002965"/>
+                  <a:gd name="connsiteY4" fmla="*/ 647335 h 659277"/>
+                  <a:gd name="connsiteX5" fmla="*/ 1917476 w 2002965"/>
+                  <a:gd name="connsiteY5" fmla="*/ 651291 h 659277"/>
+                  <a:gd name="connsiteX6" fmla="*/ 2002965 w 2002965"/>
+                  <a:gd name="connsiteY6" fmla="*/ 566219 h 659277"/>
+                  <a:gd name="connsiteX7" fmla="*/ 1924326 w 2002965"/>
+                  <a:gd name="connsiteY7" fmla="*/ 541856 h 659277"/>
+                  <a:gd name="connsiteX8" fmla="*/ 1718477 w 2002965"/>
+                  <a:gd name="connsiteY8" fmla="*/ 542742 h 659277"/>
+                  <a:gd name="connsiteX9" fmla="*/ 1309625 w 2002965"/>
+                  <a:gd name="connsiteY9" fmla="*/ 490241 h 659277"/>
+                  <a:gd name="connsiteX10" fmla="*/ 947808 w 2002965"/>
+                  <a:gd name="connsiteY10" fmla="*/ 387156 h 659277"/>
+                  <a:gd name="connsiteX11" fmla="*/ 1316861 w 2002965"/>
+                  <a:gd name="connsiteY11" fmla="*/ 381266 h 659277"/>
+                  <a:gd name="connsiteX12" fmla="*/ 1684231 w 2002965"/>
+                  <a:gd name="connsiteY12" fmla="*/ 303346 h 659277"/>
+                  <a:gd name="connsiteX13" fmla="*/ 1626290 w 2002965"/>
+                  <a:gd name="connsiteY13" fmla="*/ 232865 h 659277"/>
+                  <a:gd name="connsiteX14" fmla="*/ 1479678 w 2002965"/>
+                  <a:gd name="connsiteY14" fmla="*/ 238807 h 659277"/>
+                  <a:gd name="connsiteX15" fmla="*/ 1219171 w 2002965"/>
+                  <a:gd name="connsiteY15" fmla="*/ 253280 h 659277"/>
+                  <a:gd name="connsiteX16" fmla="*/ 916131 w 2002965"/>
+                  <a:gd name="connsiteY16" fmla="*/ 232900 h 659277"/>
+                  <a:gd name="connsiteX17" fmla="*/ 651119 w 2002965"/>
+                  <a:gd name="connsiteY17" fmla="*/ 180914 h 659277"/>
+                  <a:gd name="connsiteX18" fmla="*/ 448502 w 2002965"/>
+                  <a:gd name="connsiteY18" fmla="*/ 75984 h 659277"/>
+                  <a:gd name="connsiteX19" fmla="*/ 3468 w 2002965"/>
+                  <a:gd name="connsiteY19" fmla="*/ 0 h 659277"/>
+                </a:gdLst>
+                <a:ahLst/>
+                <a:cxnLst>
+                  <a:cxn ang="0">
+                    <a:pos x="connsiteX0" y="connsiteY0"/>
+                  </a:cxn>
+                  <a:cxn ang="0">
+                    <a:pos x="connsiteX1" y="connsiteY1"/>
+                  </a:cxn>
+                  <a:cxn ang="0">
+                    <a:pos x="connsiteX2" y="connsiteY2"/>
+                  </a:cxn>
+                  <a:cxn ang="0">
+                    <a:pos x="connsiteX3" y="connsiteY3"/>
+                  </a:cxn>
+                  <a:cxn ang="0">
+                    <a:pos x="connsiteX4" y="connsiteY4"/>
+                  </a:cxn>
+                  <a:cxn ang="0">
+                    <a:pos x="connsiteX5" y="connsiteY5"/>
+                  </a:cxn>
+                  <a:cxn ang="0">
+                    <a:pos x="connsiteX6" y="connsiteY6"/>
+                  </a:cxn>
+                  <a:cxn ang="0">
+                    <a:pos x="connsiteX7" y="connsiteY7"/>
+                  </a:cxn>
+                  <a:cxn ang="0">
+                    <a:pos x="connsiteX8" y="connsiteY8"/>
+                  </a:cxn>
+                  <a:cxn ang="0">
+                    <a:pos x="connsiteX9" y="connsiteY9"/>
+                  </a:cxn>
+                  <a:cxn ang="0">
+                    <a:pos x="connsiteX10" y="connsiteY10"/>
+                  </a:cxn>
+                  <a:cxn ang="0">
+                    <a:pos x="connsiteX11" y="connsiteY11"/>
+                  </a:cxn>
+                  <a:cxn ang="0">
+                    <a:pos x="connsiteX12" y="connsiteY12"/>
+                  </a:cxn>
+                  <a:cxn ang="0">
+                    <a:pos x="connsiteX13" y="connsiteY13"/>
+                  </a:cxn>
+                  <a:cxn ang="0">
+                    <a:pos x="connsiteX14" y="connsiteY14"/>
+                  </a:cxn>
+                  <a:cxn ang="0">
+                    <a:pos x="connsiteX15" y="connsiteY15"/>
+                  </a:cxn>
+                  <a:cxn ang="0">
+                    <a:pos x="connsiteX16" y="connsiteY16"/>
+                  </a:cxn>
+                  <a:cxn ang="0">
+                    <a:pos x="connsiteX17" y="connsiteY17"/>
+                  </a:cxn>
+                  <a:cxn ang="0">
+                    <a:pos x="connsiteX18" y="connsiteY18"/>
+                  </a:cxn>
+                  <a:cxn ang="0">
+                    <a:pos x="connsiteX19" y="connsiteY19"/>
+                  </a:cxn>
+                </a:cxnLst>
+                <a:rect l="l" t="t" r="r" b="b"/>
+                <a:pathLst>
+                  <a:path w="2002965" h="659277">
+                    <a:moveTo>
+                      <a:pt x="3468" y="0"/>
+                    </a:moveTo>
+                    <a:cubicBezTo>
+                      <a:pt x="-27286" y="20504"/>
+                      <a:pt x="153622" y="130259"/>
+                      <a:pt x="263976" y="199006"/>
+                    </a:cubicBezTo>
+                    <a:cubicBezTo>
+                      <a:pt x="374330" y="267753"/>
+                      <a:pt x="521469" y="349767"/>
+                      <a:pt x="665592" y="412484"/>
+                    </a:cubicBezTo>
+                    <a:cubicBezTo>
+                      <a:pt x="809715" y="475201"/>
+                      <a:pt x="983892" y="536165"/>
+                      <a:pt x="1128717" y="575307"/>
+                    </a:cubicBezTo>
+                    <a:cubicBezTo>
+                      <a:pt x="1273542" y="614449"/>
+                      <a:pt x="1393769" y="635078"/>
+                      <a:pt x="1534540" y="647335"/>
+                    </a:cubicBezTo>
+                    <a:cubicBezTo>
+                      <a:pt x="1675311" y="659592"/>
+                      <a:pt x="1839405" y="664810"/>
+                      <a:pt x="1917476" y="651291"/>
+                    </a:cubicBezTo>
+                    <a:cubicBezTo>
+                      <a:pt x="1995547" y="637772"/>
+                      <a:pt x="1976824" y="598376"/>
+                      <a:pt x="2002965" y="566219"/>
+                    </a:cubicBezTo>
+                    <a:lnTo>
+                      <a:pt x="1924326" y="541856"/>
+                    </a:lnTo>
+                    <a:cubicBezTo>
+                      <a:pt x="1879099" y="529192"/>
+                      <a:pt x="1820927" y="551344"/>
+                      <a:pt x="1718477" y="542742"/>
+                    </a:cubicBezTo>
+                    <a:cubicBezTo>
+                      <a:pt x="1616027" y="534140"/>
+                      <a:pt x="1446106" y="519311"/>
+                      <a:pt x="1309625" y="490241"/>
+                    </a:cubicBezTo>
+                    <a:cubicBezTo>
+                      <a:pt x="1173144" y="461171"/>
+                      <a:pt x="1068414" y="425751"/>
+                      <a:pt x="947808" y="387156"/>
+                    </a:cubicBezTo>
+                    <a:cubicBezTo>
+                      <a:pt x="1070826" y="389568"/>
+                      <a:pt x="1194124" y="395234"/>
+                      <a:pt x="1316861" y="381266"/>
+                    </a:cubicBezTo>
+                    <a:cubicBezTo>
+                      <a:pt x="1439598" y="367298"/>
+                      <a:pt x="1640210" y="332895"/>
+                      <a:pt x="1684231" y="303346"/>
+                    </a:cubicBezTo>
+                    <a:lnTo>
+                      <a:pt x="1626290" y="232865"/>
+                    </a:lnTo>
+                    <a:cubicBezTo>
+                      <a:pt x="1594933" y="217186"/>
+                      <a:pt x="1547531" y="235405"/>
+                      <a:pt x="1479678" y="238807"/>
+                    </a:cubicBezTo>
+                    <a:cubicBezTo>
+                      <a:pt x="1411825" y="242210"/>
+                      <a:pt x="1313095" y="254264"/>
+                      <a:pt x="1219171" y="253280"/>
+                    </a:cubicBezTo>
+                    <a:cubicBezTo>
+                      <a:pt x="1125247" y="252296"/>
+                      <a:pt x="1017144" y="239693"/>
+                      <a:pt x="916131" y="232900"/>
+                    </a:cubicBezTo>
+                    <a:cubicBezTo>
+                      <a:pt x="821456" y="220839"/>
+                      <a:pt x="729057" y="207067"/>
+                      <a:pt x="651119" y="180914"/>
+                    </a:cubicBezTo>
+                    <a:cubicBezTo>
+                      <a:pt x="573181" y="154761"/>
+                      <a:pt x="516041" y="110961"/>
+                      <a:pt x="448502" y="75984"/>
+                    </a:cubicBezTo>
+                    <a:lnTo>
+                      <a:pt x="3468" y="0"/>
+                    </a:lnTo>
+                    <a:close/>
+                  </a:path>
+                </a:pathLst>
+              </a:custGeom>
+              <a:solidFill>
+                <a:srgbClr val="103869"/>
+              </a:solidFill>
+              <a:ln>
+                <a:noFill/>
+              </a:ln>
+              <a:effectLst/>
+            </p:spPr>
+            <p:style>
+              <a:lnRef idx="1">
+                <a:schemeClr val="accent1"/>
+              </a:lnRef>
+              <a:fillRef idx="3">
+                <a:schemeClr val="accent1"/>
+              </a:fillRef>
+              <a:effectRef idx="2">
+                <a:schemeClr val="accent1"/>
+              </a:effectRef>
+              <a:fontRef idx="minor">
+                <a:schemeClr val="lt1"/>
+              </a:fontRef>
+            </p:style>
+            <p:txBody>
+              <a:bodyPr rtlCol="0" anchor="ctr"/>
+              <a:lstStyle/>
+              <a:p>
+                <a:pPr algn="ctr"/>
+                <a:endParaRPr lang="en-US"/>
+              </a:p>
+            </p:txBody>
+          </p:sp>
+        </p:grpSp>
+        <p:sp>
+          <p:nvSpPr>
+            <p:cNvPr id="8" name="TextBox 7"/>
+            <p:cNvSpPr txBox="1"/>
+            <p:nvPr/>
+          </p:nvSpPr>
+          <p:spPr>
+            <a:xfrm>
+              <a:off x="3374725" y="2414224"/>
+              <a:ext cx="1741354" cy="1000274"/>
+            </a:xfrm>
+            <a:prstGeom prst="rect">
+              <a:avLst/>
+            </a:prstGeom>
+            <a:noFill/>
+          </p:spPr>
+          <p:txBody>
+            <a:bodyPr wrap="none" rtlCol="0">
+              <a:spAutoFit/>
+            </a:bodyPr>
+            <a:lstStyle/>
+            <a:p>
+              <a:r>
+                <a:rPr lang="en-US" sz="5900" dirty="0" smtClean="0">
+                  <a:solidFill>
+                    <a:srgbClr val="FFFFFF"/>
+                  </a:solidFill>
+                  <a:latin typeface="Chalkduster"/>
+                  <a:cs typeface="Chalkduster"/>
+                </a:rPr>
+                <a:t>NDX</a:t>
+              </a:r>
+              <a:endParaRPr lang="en-US" sz="1400" dirty="0" smtClean="0">
+                <a:solidFill>
+                  <a:srgbClr val="FFFFFF"/>
+                </a:solidFill>
+                <a:latin typeface="Chalkduster"/>
+                <a:cs typeface="Chalkduster"/>
+              </a:endParaRPr>
+            </a:p>
+          </p:txBody>
+        </p:sp>
+        <p:sp>
+          <p:nvSpPr>
+            <p:cNvPr id="9" name="Rectangle 8"/>
+            <p:cNvSpPr/>
+            <p:nvPr/>
+          </p:nvSpPr>
+          <p:spPr>
+            <a:xfrm>
+              <a:off x="2657847" y="3974274"/>
+              <a:ext cx="1697901" cy="384721"/>
+            </a:xfrm>
+            <a:prstGeom prst="rect">
+              <a:avLst/>
+            </a:prstGeom>
+            <a:scene3d>
+              <a:camera prst="orthographicFront">
+                <a:rot lat="2640000" lon="20820000" rev="21018000"/>
+              </a:camera>
+              <a:lightRig rig="threePt" dir="t"/>
+            </a:scene3d>
+          </p:spPr>
+          <p:txBody>
+            <a:bodyPr wrap="none">
+              <a:spAutoFit/>
+            </a:bodyPr>
+            <a:lstStyle/>
+            <a:p>
+              <a:pPr lvl="0"/>
+              <a:r>
+                <a:rPr lang="en-US" sz="1900" dirty="0" err="1">
+                  <a:solidFill>
+                    <a:srgbClr val="FFFFFF"/>
+                  </a:solidFill>
+                  <a:latin typeface="Chalkduster"/>
+                  <a:cs typeface="Chalkduster"/>
+                </a:rPr>
+                <a:t>Neuro</a:t>
+              </a:r>
+              <a:r>
+                <a:rPr lang="en-US" sz="1900" dirty="0">
+                  <a:solidFill>
+                    <a:srgbClr val="FFFFFF"/>
+                  </a:solidFill>
+                  <a:latin typeface="Chalkduster"/>
+                  <a:cs typeface="Chalkduster"/>
+                </a:rPr>
+                <a:t> Data </a:t>
+              </a:r>
+              <a:endParaRPr lang="en-US" sz="1900" dirty="0" smtClean="0">
+                <a:solidFill>
+                  <a:srgbClr val="FFFFFF"/>
+                </a:solidFill>
+                <a:latin typeface="Chalkduster"/>
+                <a:cs typeface="Chalkduster"/>
+              </a:endParaRPr>
+            </a:p>
+          </p:txBody>
+        </p:sp>
+        <p:sp>
+          <p:nvSpPr>
+            <p:cNvPr id="10" name="Rectangle 9"/>
+            <p:cNvSpPr/>
+            <p:nvPr/>
+          </p:nvSpPr>
+          <p:spPr>
+            <a:xfrm>
+              <a:off x="2543223" y="4201037"/>
+              <a:ext cx="1663004" cy="384721"/>
+            </a:xfrm>
+            <a:prstGeom prst="rect">
+              <a:avLst/>
+            </a:prstGeom>
+            <a:scene3d>
+              <a:camera prst="orthographicFront">
+                <a:rot lat="2640000" lon="20820000" rev="21018000"/>
+              </a:camera>
+              <a:lightRig rig="threePt" dir="t"/>
+            </a:scene3d>
+          </p:spPr>
+          <p:txBody>
+            <a:bodyPr wrap="none">
+              <a:spAutoFit/>
+            </a:bodyPr>
+            <a:lstStyle/>
+            <a:p>
+              <a:pPr lvl="0"/>
+              <a:r>
+                <a:rPr lang="en-US" sz="1900" dirty="0" smtClean="0">
+                  <a:solidFill>
+                    <a:srgbClr val="FFFFFF"/>
+                  </a:solidFill>
+                  <a:latin typeface="Chalkduster"/>
+                  <a:cs typeface="Chalkduster"/>
+                </a:rPr>
+                <a:t>Extensions</a:t>
+              </a:r>
+            </a:p>
+          </p:txBody>
+        </p:sp>
+      </p:grpSp>
+    </p:spTree>
+    <p:extLst>
+      <p:ext uri="{BB962C8B-B14F-4D97-AF65-F5344CB8AC3E}">
+        <p14:creationId xmlns:p14="http://schemas.microsoft.com/office/powerpoint/2010/main" val="3993601141"/>
+      </p:ext>
+    </p:extLst>
+  </p:cSld>
+  <p:clrMapOvr>
+    <a:masterClrMapping/>
+  </p:clrMapOvr>
+</p:sld>
+</file>
+
+<file path=ppt/slides/slide3.xml><?xml version="1.0" encoding="utf-8"?>
+<p:sld xmlns:a="http://schemas.openxmlformats.org/drawingml/2006/main" xmlns:r="http://schemas.openxmlformats.org/officeDocument/2006/relationships" xmlns:p="http://schemas.openxmlformats.org/presentationml/2006/main">
+  <p:cSld>
+    <p:spTree>
+      <p:nvGrpSpPr>
+        <p:cNvPr id="1" name=""/>
+        <p:cNvGrpSpPr/>
+        <p:nvPr/>
+      </p:nvGrpSpPr>
+      <p:grpSpPr>
+        <a:xfrm>
+          <a:off x="0" y="0"/>
+          <a:ext cx="0" cy="0"/>
+          <a:chOff x="0" y="0"/>
+          <a:chExt cx="0" cy="0"/>
+        </a:xfrm>
+      </p:grpSpPr>
+      <p:grpSp>
+        <p:nvGrpSpPr>
           <p:cNvPr id="8" name="Group 7"/>
           <p:cNvGrpSpPr/>
           <p:nvPr/>
         </p:nvGrpSpPr>
         <p:grpSpPr>
           <a:xfrm>
-            <a:off x="2191372" y="1020214"/>
+            <a:off x="5243466" y="1110000"/>
             <a:ext cx="3513666" cy="3490022"/>
             <a:chOff x="2229557" y="2154425"/>
             <a:chExt cx="3513666" cy="3490022"/>
@@ -8970,176 +11656,17 @@
             </a:p>
           </p:txBody>
         </p:sp>
-        <p:sp>
-          <p:nvSpPr>
-            <p:cNvPr id="2" name="Rectangle 1"/>
-            <p:cNvSpPr/>
-            <p:nvPr/>
-          </p:nvSpPr>
-          <p:spPr>
-            <a:xfrm>
-              <a:off x="2657847" y="3974274"/>
-              <a:ext cx="1697901" cy="384721"/>
-            </a:xfrm>
-            <a:prstGeom prst="rect">
-              <a:avLst/>
-            </a:prstGeom>
-            <a:scene3d>
-              <a:camera prst="orthographicFront">
-                <a:rot lat="2640000" lon="20820000" rev="21018000"/>
-              </a:camera>
-              <a:lightRig rig="threePt" dir="t"/>
-            </a:scene3d>
-          </p:spPr>
-          <p:txBody>
-            <a:bodyPr wrap="none">
-              <a:spAutoFit/>
-            </a:bodyPr>
-            <a:lstStyle/>
-            <a:p>
-              <a:pPr lvl="0"/>
-              <a:r>
-                <a:rPr lang="en-US" sz="1900" dirty="0" err="1">
-                  <a:solidFill>
-                    <a:srgbClr val="FFFFFF"/>
-                  </a:solidFill>
-                  <a:latin typeface="Chalkduster"/>
-                  <a:cs typeface="Chalkduster"/>
-                </a:rPr>
-                <a:t>Neuro</a:t>
-              </a:r>
-              <a:r>
-                <a:rPr lang="en-US" sz="1900" dirty="0">
-                  <a:solidFill>
-                    <a:srgbClr val="FFFFFF"/>
-                  </a:solidFill>
-                  <a:latin typeface="Chalkduster"/>
-                  <a:cs typeface="Chalkduster"/>
-                </a:rPr>
-                <a:t> Data </a:t>
-              </a:r>
-              <a:endParaRPr lang="en-US" sz="1900" dirty="0" smtClean="0">
-                <a:solidFill>
-                  <a:srgbClr val="FFFFFF"/>
-                </a:solidFill>
-                <a:latin typeface="Chalkduster"/>
-                <a:cs typeface="Chalkduster"/>
-              </a:endParaRPr>
-            </a:p>
-          </p:txBody>
-        </p:sp>
-        <p:sp>
-          <p:nvSpPr>
-            <p:cNvPr id="19" name="Rectangle 18"/>
-            <p:cNvSpPr/>
-            <p:nvPr/>
-          </p:nvSpPr>
-          <p:spPr>
-            <a:xfrm>
-              <a:off x="2543223" y="4201037"/>
-              <a:ext cx="1663004" cy="384721"/>
-            </a:xfrm>
-            <a:prstGeom prst="rect">
-              <a:avLst/>
-            </a:prstGeom>
-            <a:scene3d>
-              <a:camera prst="orthographicFront">
-                <a:rot lat="2640000" lon="20820000" rev="21018000"/>
-              </a:camera>
-              <a:lightRig rig="threePt" dir="t"/>
-            </a:scene3d>
-          </p:spPr>
-          <p:txBody>
-            <a:bodyPr wrap="none">
-              <a:spAutoFit/>
-            </a:bodyPr>
-            <a:lstStyle/>
-            <a:p>
-              <a:pPr lvl="0"/>
-              <a:r>
-                <a:rPr lang="en-US" sz="1900" dirty="0" smtClean="0">
-                  <a:solidFill>
-                    <a:srgbClr val="FFFFFF"/>
-                  </a:solidFill>
-                  <a:latin typeface="Chalkduster"/>
-                  <a:cs typeface="Chalkduster"/>
-                </a:rPr>
-                <a:t>Extensions</a:t>
-              </a:r>
-            </a:p>
-          </p:txBody>
-        </p:sp>
       </p:grpSp>
-    </p:spTree>
-    <p:extLst>
-      <p:ext uri="{BB962C8B-B14F-4D97-AF65-F5344CB8AC3E}">
-        <p14:creationId xmlns:p14="http://schemas.microsoft.com/office/powerpoint/2010/main" val="2035212732"/>
-      </p:ext>
-    </p:extLst>
-  </p:cSld>
-  <p:clrMapOvr>
-    <a:masterClrMapping/>
-  </p:clrMapOvr>
-</p:sld>
-</file>
-
-<file path=ppt/slides/slide3.xml><?xml version="1.0" encoding="utf-8"?>
-<p:sld xmlns:a="http://schemas.openxmlformats.org/drawingml/2006/main" xmlns:r="http://schemas.openxmlformats.org/officeDocument/2006/relationships" xmlns:p="http://schemas.openxmlformats.org/presentationml/2006/main">
-  <p:cSld>
-    <p:spTree>
-      <p:nvGrpSpPr>
-        <p:cNvPr id="1" name=""/>
-        <p:cNvGrpSpPr/>
-        <p:nvPr/>
-      </p:nvGrpSpPr>
-      <p:grpSpPr>
-        <a:xfrm>
-          <a:off x="0" y="0"/>
-          <a:ext cx="0" cy="0"/>
-          <a:chOff x="0" y="0"/>
-          <a:chExt cx="0" cy="0"/>
-        </a:xfrm>
-      </p:grpSpPr>
-      <p:pic>
-        <p:nvPicPr>
-          <p:cNvPr id="4" name="Picture 3" descr="nwb_n_logo.png"/>
-          <p:cNvPicPr>
-            <a:picLocks noChangeAspect="1"/>
-          </p:cNvPicPr>
-          <p:nvPr/>
-        </p:nvPicPr>
-        <p:blipFill>
-          <a:blip r:embed="rId2">
-            <a:extLst>
-              <a:ext uri="{28A0092B-C50C-407E-A947-70E740481C1C}">
-                <a14:useLocalDpi xmlns:a14="http://schemas.microsoft.com/office/drawing/2010/main" val="0"/>
-              </a:ext>
-            </a:extLst>
-          </a:blip>
-          <a:stretch>
-            <a:fillRect/>
-          </a:stretch>
-        </p:blipFill>
-        <p:spPr>
-          <a:xfrm>
-            <a:off x="1354250" y="1139343"/>
-            <a:ext cx="6030148" cy="780988"/>
-          </a:xfrm>
-          <a:prstGeom prst="rect">
-            <a:avLst/>
-          </a:prstGeom>
-        </p:spPr>
-      </p:pic>
       <p:sp>
         <p:nvSpPr>
-          <p:cNvPr id="5" name="TextBox 4"/>
+          <p:cNvPr id="13" name="TextBox 12"/>
           <p:cNvSpPr txBox="1"/>
           <p:nvPr/>
         </p:nvSpPr>
         <p:spPr>
           <a:xfrm>
-            <a:off x="421016" y="1929778"/>
-            <a:ext cx="8479838" cy="1046440"/>
+            <a:off x="-72558" y="1125202"/>
+            <a:ext cx="5750239" cy="3323987"/>
           </a:xfrm>
           <a:prstGeom prst="rect">
             <a:avLst/>
@@ -9153,5195 +11680,52 @@
           <a:lstStyle/>
           <a:p>
             <a:r>
-              <a:rPr lang="en-US" sz="6200" dirty="0" smtClean="0">
+              <a:rPr lang="en-US" sz="7000" dirty="0" err="1" smtClean="0">
                 <a:solidFill>
                   <a:srgbClr val="103869"/>
                 </a:solidFill>
                 <a:latin typeface="Chalkduster"/>
                 <a:cs typeface="Chalkduster"/>
               </a:rPr>
-              <a:t>Extension Catalog </a:t>
+              <a:t>Neuro</a:t>
             </a:r>
-            <a:endParaRPr lang="en-US" sz="6200" dirty="0">
-              <a:solidFill>
-                <a:srgbClr val="103869"/>
-              </a:solidFill>
-              <a:latin typeface="Chalkduster"/>
-              <a:cs typeface="Chalkduster"/>
-            </a:endParaRPr>
-          </a:p>
-        </p:txBody>
-      </p:sp>
-      <p:sp>
-        <p:nvSpPr>
-          <p:cNvPr id="15" name="Rounded Rectangle 14"/>
-          <p:cNvSpPr/>
-          <p:nvPr/>
-        </p:nvSpPr>
-        <p:spPr>
-          <a:xfrm rot="1545911">
-            <a:off x="5155849" y="3317797"/>
-            <a:ext cx="112961" cy="2256640"/>
-          </a:xfrm>
-          <a:prstGeom prst="roundRect">
-            <a:avLst>
-              <a:gd name="adj" fmla="val 50000"/>
-            </a:avLst>
-          </a:prstGeom>
-          <a:solidFill>
-            <a:srgbClr val="103869"/>
-          </a:solidFill>
-          <a:ln>
-            <a:noFill/>
-          </a:ln>
-          <a:effectLst/>
-        </p:spPr>
-        <p:style>
-          <a:lnRef idx="1">
-            <a:schemeClr val="accent1"/>
-          </a:lnRef>
-          <a:fillRef idx="3">
-            <a:schemeClr val="accent1"/>
-          </a:fillRef>
-          <a:effectRef idx="2">
-            <a:schemeClr val="accent1"/>
-          </a:effectRef>
-          <a:fontRef idx="minor">
-            <a:schemeClr val="lt1"/>
-          </a:fontRef>
-        </p:style>
-        <p:txBody>
-          <a:bodyPr rtlCol="0" anchor="ctr"/>
-          <a:lstStyle/>
-          <a:p>
-            <a:pPr algn="ctr"/>
-            <a:endParaRPr lang="en-US"/>
-          </a:p>
-        </p:txBody>
-      </p:sp>
-      <p:sp>
-        <p:nvSpPr>
-          <p:cNvPr id="16" name="Rounded Rectangle 15"/>
-          <p:cNvSpPr/>
-          <p:nvPr/>
-        </p:nvSpPr>
-        <p:spPr>
-          <a:xfrm rot="1545911">
-            <a:off x="5361017" y="4043397"/>
-            <a:ext cx="115819" cy="1801345"/>
-          </a:xfrm>
-          <a:prstGeom prst="roundRect">
-            <a:avLst>
-              <a:gd name="adj" fmla="val 50000"/>
-            </a:avLst>
-          </a:prstGeom>
-          <a:solidFill>
-            <a:srgbClr val="103869"/>
-          </a:solidFill>
-          <a:ln>
-            <a:noFill/>
-          </a:ln>
-          <a:effectLst/>
-        </p:spPr>
-        <p:style>
-          <a:lnRef idx="1">
-            <a:schemeClr val="accent1"/>
-          </a:lnRef>
-          <a:fillRef idx="3">
-            <a:schemeClr val="accent1"/>
-          </a:fillRef>
-          <a:effectRef idx="2">
-            <a:schemeClr val="accent1"/>
-          </a:effectRef>
-          <a:fontRef idx="minor">
-            <a:schemeClr val="lt1"/>
-          </a:fontRef>
-        </p:style>
-        <p:txBody>
-          <a:bodyPr rtlCol="0" anchor="ctr"/>
-          <a:lstStyle/>
-          <a:p>
-            <a:pPr algn="ctr"/>
-            <a:endParaRPr lang="en-US"/>
-          </a:p>
-        </p:txBody>
-      </p:sp>
-      <p:sp>
-        <p:nvSpPr>
-          <p:cNvPr id="17" name="Freeform 16"/>
-          <p:cNvSpPr/>
-          <p:nvPr/>
-        </p:nvSpPr>
-        <p:spPr>
-          <a:xfrm>
-            <a:off x="3103094" y="3072802"/>
-            <a:ext cx="2374775" cy="2180066"/>
-          </a:xfrm>
-          <a:custGeom>
-            <a:avLst/>
-            <a:gdLst>
-              <a:gd name="connsiteX0" fmla="*/ 2356684 w 2356684"/>
-              <a:gd name="connsiteY0" fmla="*/ 69504 h 2179901"/>
-              <a:gd name="connsiteX1" fmla="*/ 2325093 w 2356684"/>
-              <a:gd name="connsiteY1" fmla="*/ 0 h 2179901"/>
-              <a:gd name="connsiteX2" fmla="*/ 1901775 w 2356684"/>
-              <a:gd name="connsiteY2" fmla="*/ 170601 h 2179901"/>
-              <a:gd name="connsiteX3" fmla="*/ 1301547 w 2356684"/>
-              <a:gd name="connsiteY3" fmla="*/ 265379 h 2179901"/>
-              <a:gd name="connsiteX4" fmla="*/ 922455 w 2356684"/>
-              <a:gd name="connsiteY4" fmla="*/ 278016 h 2179901"/>
-              <a:gd name="connsiteX5" fmla="*/ 0 w 2356684"/>
-              <a:gd name="connsiteY5" fmla="*/ 2085122 h 2179901"/>
-              <a:gd name="connsiteX6" fmla="*/ 454909 w 2356684"/>
-              <a:gd name="connsiteY6" fmla="*/ 2160945 h 2179901"/>
-              <a:gd name="connsiteX7" fmla="*/ 852955 w 2356684"/>
-              <a:gd name="connsiteY7" fmla="*/ 2179901 h 2179901"/>
-              <a:gd name="connsiteX8" fmla="*/ 1168865 w 2356684"/>
-              <a:gd name="connsiteY8" fmla="*/ 2129352 h 2179901"/>
-              <a:gd name="connsiteX9" fmla="*/ 1333138 w 2356684"/>
-              <a:gd name="connsiteY9" fmla="*/ 2078804 h 2179901"/>
-              <a:gd name="connsiteX10" fmla="*/ 2356684 w 2356684"/>
-              <a:gd name="connsiteY10" fmla="*/ 69504 h 2179901"/>
-              <a:gd name="connsiteX0" fmla="*/ 2356684 w 2356684"/>
-              <a:gd name="connsiteY0" fmla="*/ 69504 h 2179901"/>
-              <a:gd name="connsiteX1" fmla="*/ 2325093 w 2356684"/>
-              <a:gd name="connsiteY1" fmla="*/ 0 h 2179901"/>
-              <a:gd name="connsiteX2" fmla="*/ 1901775 w 2356684"/>
-              <a:gd name="connsiteY2" fmla="*/ 170601 h 2179901"/>
-              <a:gd name="connsiteX3" fmla="*/ 1301547 w 2356684"/>
-              <a:gd name="connsiteY3" fmla="*/ 265379 h 2179901"/>
-              <a:gd name="connsiteX4" fmla="*/ 922455 w 2356684"/>
-              <a:gd name="connsiteY4" fmla="*/ 278016 h 2179901"/>
-              <a:gd name="connsiteX5" fmla="*/ 0 w 2356684"/>
-              <a:gd name="connsiteY5" fmla="*/ 2085122 h 2179901"/>
-              <a:gd name="connsiteX6" fmla="*/ 454909 w 2356684"/>
-              <a:gd name="connsiteY6" fmla="*/ 2160945 h 2179901"/>
-              <a:gd name="connsiteX7" fmla="*/ 852955 w 2356684"/>
-              <a:gd name="connsiteY7" fmla="*/ 2179901 h 2179901"/>
-              <a:gd name="connsiteX8" fmla="*/ 1168865 w 2356684"/>
-              <a:gd name="connsiteY8" fmla="*/ 2129352 h 2179901"/>
-              <a:gd name="connsiteX9" fmla="*/ 1333138 w 2356684"/>
-              <a:gd name="connsiteY9" fmla="*/ 2078804 h 2179901"/>
-              <a:gd name="connsiteX10" fmla="*/ 2356684 w 2356684"/>
-              <a:gd name="connsiteY10" fmla="*/ 69504 h 2179901"/>
-              <a:gd name="connsiteX0" fmla="*/ 2356684 w 2356684"/>
-              <a:gd name="connsiteY0" fmla="*/ 69504 h 2179901"/>
-              <a:gd name="connsiteX1" fmla="*/ 2325093 w 2356684"/>
-              <a:gd name="connsiteY1" fmla="*/ 0 h 2179901"/>
-              <a:gd name="connsiteX2" fmla="*/ 1901775 w 2356684"/>
-              <a:gd name="connsiteY2" fmla="*/ 170601 h 2179901"/>
-              <a:gd name="connsiteX3" fmla="*/ 1301547 w 2356684"/>
-              <a:gd name="connsiteY3" fmla="*/ 265379 h 2179901"/>
-              <a:gd name="connsiteX4" fmla="*/ 922455 w 2356684"/>
-              <a:gd name="connsiteY4" fmla="*/ 278016 h 2179901"/>
-              <a:gd name="connsiteX5" fmla="*/ 0 w 2356684"/>
-              <a:gd name="connsiteY5" fmla="*/ 2085122 h 2179901"/>
-              <a:gd name="connsiteX6" fmla="*/ 454909 w 2356684"/>
-              <a:gd name="connsiteY6" fmla="*/ 2160945 h 2179901"/>
-              <a:gd name="connsiteX7" fmla="*/ 852955 w 2356684"/>
-              <a:gd name="connsiteY7" fmla="*/ 2179901 h 2179901"/>
-              <a:gd name="connsiteX8" fmla="*/ 1168865 w 2356684"/>
-              <a:gd name="connsiteY8" fmla="*/ 2129352 h 2179901"/>
-              <a:gd name="connsiteX9" fmla="*/ 1333138 w 2356684"/>
-              <a:gd name="connsiteY9" fmla="*/ 2078804 h 2179901"/>
-              <a:gd name="connsiteX10" fmla="*/ 2356684 w 2356684"/>
-              <a:gd name="connsiteY10" fmla="*/ 69504 h 2179901"/>
-              <a:gd name="connsiteX0" fmla="*/ 2366860 w 2366860"/>
-              <a:gd name="connsiteY0" fmla="*/ 69504 h 2242959"/>
-              <a:gd name="connsiteX1" fmla="*/ 2335269 w 2366860"/>
-              <a:gd name="connsiteY1" fmla="*/ 0 h 2242959"/>
-              <a:gd name="connsiteX2" fmla="*/ 1911951 w 2366860"/>
-              <a:gd name="connsiteY2" fmla="*/ 170601 h 2242959"/>
-              <a:gd name="connsiteX3" fmla="*/ 1311723 w 2366860"/>
-              <a:gd name="connsiteY3" fmla="*/ 265379 h 2242959"/>
-              <a:gd name="connsiteX4" fmla="*/ 932631 w 2366860"/>
-              <a:gd name="connsiteY4" fmla="*/ 278016 h 2242959"/>
-              <a:gd name="connsiteX5" fmla="*/ 10176 w 2366860"/>
-              <a:gd name="connsiteY5" fmla="*/ 2085122 h 2242959"/>
-              <a:gd name="connsiteX6" fmla="*/ 465085 w 2366860"/>
-              <a:gd name="connsiteY6" fmla="*/ 2160945 h 2242959"/>
-              <a:gd name="connsiteX7" fmla="*/ 863131 w 2366860"/>
-              <a:gd name="connsiteY7" fmla="*/ 2179901 h 2242959"/>
-              <a:gd name="connsiteX8" fmla="*/ 1179041 w 2366860"/>
-              <a:gd name="connsiteY8" fmla="*/ 2129352 h 2242959"/>
-              <a:gd name="connsiteX9" fmla="*/ 1343314 w 2366860"/>
-              <a:gd name="connsiteY9" fmla="*/ 2078804 h 2242959"/>
-              <a:gd name="connsiteX10" fmla="*/ 2366860 w 2366860"/>
-              <a:gd name="connsiteY10" fmla="*/ 69504 h 2242959"/>
-              <a:gd name="connsiteX0" fmla="*/ 2366860 w 2366860"/>
-              <a:gd name="connsiteY0" fmla="*/ 69504 h 2242959"/>
-              <a:gd name="connsiteX1" fmla="*/ 2335269 w 2366860"/>
-              <a:gd name="connsiteY1" fmla="*/ 0 h 2242959"/>
-              <a:gd name="connsiteX2" fmla="*/ 1911951 w 2366860"/>
-              <a:gd name="connsiteY2" fmla="*/ 170601 h 2242959"/>
-              <a:gd name="connsiteX3" fmla="*/ 1311723 w 2366860"/>
-              <a:gd name="connsiteY3" fmla="*/ 265379 h 2242959"/>
-              <a:gd name="connsiteX4" fmla="*/ 932631 w 2366860"/>
-              <a:gd name="connsiteY4" fmla="*/ 278016 h 2242959"/>
-              <a:gd name="connsiteX5" fmla="*/ 10176 w 2366860"/>
-              <a:gd name="connsiteY5" fmla="*/ 2085122 h 2242959"/>
-              <a:gd name="connsiteX6" fmla="*/ 465085 w 2366860"/>
-              <a:gd name="connsiteY6" fmla="*/ 2160945 h 2242959"/>
-              <a:gd name="connsiteX7" fmla="*/ 863131 w 2366860"/>
-              <a:gd name="connsiteY7" fmla="*/ 2179901 h 2242959"/>
-              <a:gd name="connsiteX8" fmla="*/ 1179041 w 2366860"/>
-              <a:gd name="connsiteY8" fmla="*/ 2129352 h 2242959"/>
-              <a:gd name="connsiteX9" fmla="*/ 1343314 w 2366860"/>
-              <a:gd name="connsiteY9" fmla="*/ 2078804 h 2242959"/>
-              <a:gd name="connsiteX10" fmla="*/ 2366860 w 2366860"/>
-              <a:gd name="connsiteY10" fmla="*/ 69504 h 2242959"/>
-              <a:gd name="connsiteX0" fmla="*/ 2366860 w 2366860"/>
-              <a:gd name="connsiteY0" fmla="*/ 69504 h 2242959"/>
-              <a:gd name="connsiteX1" fmla="*/ 2335269 w 2366860"/>
-              <a:gd name="connsiteY1" fmla="*/ 0 h 2242959"/>
-              <a:gd name="connsiteX2" fmla="*/ 1911951 w 2366860"/>
-              <a:gd name="connsiteY2" fmla="*/ 170601 h 2242959"/>
-              <a:gd name="connsiteX3" fmla="*/ 1311723 w 2366860"/>
-              <a:gd name="connsiteY3" fmla="*/ 265379 h 2242959"/>
-              <a:gd name="connsiteX4" fmla="*/ 932631 w 2366860"/>
-              <a:gd name="connsiteY4" fmla="*/ 278016 h 2242959"/>
-              <a:gd name="connsiteX5" fmla="*/ 10176 w 2366860"/>
-              <a:gd name="connsiteY5" fmla="*/ 2085122 h 2242959"/>
-              <a:gd name="connsiteX6" fmla="*/ 465085 w 2366860"/>
-              <a:gd name="connsiteY6" fmla="*/ 2160945 h 2242959"/>
-              <a:gd name="connsiteX7" fmla="*/ 863131 w 2366860"/>
-              <a:gd name="connsiteY7" fmla="*/ 2179901 h 2242959"/>
-              <a:gd name="connsiteX8" fmla="*/ 1179041 w 2366860"/>
-              <a:gd name="connsiteY8" fmla="*/ 2129352 h 2242959"/>
-              <a:gd name="connsiteX9" fmla="*/ 1343314 w 2366860"/>
-              <a:gd name="connsiteY9" fmla="*/ 2078804 h 2242959"/>
-              <a:gd name="connsiteX10" fmla="*/ 2366860 w 2366860"/>
-              <a:gd name="connsiteY10" fmla="*/ 69504 h 2242959"/>
-              <a:gd name="connsiteX0" fmla="*/ 2356684 w 2356684"/>
-              <a:gd name="connsiteY0" fmla="*/ 69504 h 2181468"/>
-              <a:gd name="connsiteX1" fmla="*/ 2325093 w 2356684"/>
-              <a:gd name="connsiteY1" fmla="*/ 0 h 2181468"/>
-              <a:gd name="connsiteX2" fmla="*/ 1901775 w 2356684"/>
-              <a:gd name="connsiteY2" fmla="*/ 170601 h 2181468"/>
-              <a:gd name="connsiteX3" fmla="*/ 1301547 w 2356684"/>
-              <a:gd name="connsiteY3" fmla="*/ 265379 h 2181468"/>
-              <a:gd name="connsiteX4" fmla="*/ 922455 w 2356684"/>
-              <a:gd name="connsiteY4" fmla="*/ 278016 h 2181468"/>
-              <a:gd name="connsiteX5" fmla="*/ 0 w 2356684"/>
-              <a:gd name="connsiteY5" fmla="*/ 2085122 h 2181468"/>
-              <a:gd name="connsiteX6" fmla="*/ 454909 w 2356684"/>
-              <a:gd name="connsiteY6" fmla="*/ 2160945 h 2181468"/>
-              <a:gd name="connsiteX7" fmla="*/ 852955 w 2356684"/>
-              <a:gd name="connsiteY7" fmla="*/ 2179901 h 2181468"/>
-              <a:gd name="connsiteX8" fmla="*/ 1168865 w 2356684"/>
-              <a:gd name="connsiteY8" fmla="*/ 2129352 h 2181468"/>
-              <a:gd name="connsiteX9" fmla="*/ 1333138 w 2356684"/>
-              <a:gd name="connsiteY9" fmla="*/ 2078804 h 2181468"/>
-              <a:gd name="connsiteX10" fmla="*/ 2356684 w 2356684"/>
-              <a:gd name="connsiteY10" fmla="*/ 69504 h 2181468"/>
-              <a:gd name="connsiteX0" fmla="*/ 2356684 w 2356684"/>
-              <a:gd name="connsiteY0" fmla="*/ 69504 h 2186296"/>
-              <a:gd name="connsiteX1" fmla="*/ 2325093 w 2356684"/>
-              <a:gd name="connsiteY1" fmla="*/ 0 h 2186296"/>
-              <a:gd name="connsiteX2" fmla="*/ 1901775 w 2356684"/>
-              <a:gd name="connsiteY2" fmla="*/ 170601 h 2186296"/>
-              <a:gd name="connsiteX3" fmla="*/ 1301547 w 2356684"/>
-              <a:gd name="connsiteY3" fmla="*/ 265379 h 2186296"/>
-              <a:gd name="connsiteX4" fmla="*/ 922455 w 2356684"/>
-              <a:gd name="connsiteY4" fmla="*/ 278016 h 2186296"/>
-              <a:gd name="connsiteX5" fmla="*/ 0 w 2356684"/>
-              <a:gd name="connsiteY5" fmla="*/ 2085122 h 2186296"/>
-              <a:gd name="connsiteX6" fmla="*/ 454909 w 2356684"/>
-              <a:gd name="connsiteY6" fmla="*/ 2160945 h 2186296"/>
-              <a:gd name="connsiteX7" fmla="*/ 852955 w 2356684"/>
-              <a:gd name="connsiteY7" fmla="*/ 2179901 h 2186296"/>
-              <a:gd name="connsiteX8" fmla="*/ 1168865 w 2356684"/>
-              <a:gd name="connsiteY8" fmla="*/ 2129352 h 2186296"/>
-              <a:gd name="connsiteX9" fmla="*/ 1333138 w 2356684"/>
-              <a:gd name="connsiteY9" fmla="*/ 2078804 h 2186296"/>
-              <a:gd name="connsiteX10" fmla="*/ 2356684 w 2356684"/>
-              <a:gd name="connsiteY10" fmla="*/ 69504 h 2186296"/>
-              <a:gd name="connsiteX0" fmla="*/ 2356684 w 2356684"/>
-              <a:gd name="connsiteY0" fmla="*/ 69504 h 2241416"/>
-              <a:gd name="connsiteX1" fmla="*/ 2325093 w 2356684"/>
-              <a:gd name="connsiteY1" fmla="*/ 0 h 2241416"/>
-              <a:gd name="connsiteX2" fmla="*/ 1901775 w 2356684"/>
-              <a:gd name="connsiteY2" fmla="*/ 170601 h 2241416"/>
-              <a:gd name="connsiteX3" fmla="*/ 1301547 w 2356684"/>
-              <a:gd name="connsiteY3" fmla="*/ 265379 h 2241416"/>
-              <a:gd name="connsiteX4" fmla="*/ 922455 w 2356684"/>
-              <a:gd name="connsiteY4" fmla="*/ 278016 h 2241416"/>
-              <a:gd name="connsiteX5" fmla="*/ 0 w 2356684"/>
-              <a:gd name="connsiteY5" fmla="*/ 2085122 h 2241416"/>
-              <a:gd name="connsiteX6" fmla="*/ 454909 w 2356684"/>
-              <a:gd name="connsiteY6" fmla="*/ 2160945 h 2241416"/>
-              <a:gd name="connsiteX7" fmla="*/ 852955 w 2356684"/>
-              <a:gd name="connsiteY7" fmla="*/ 2179901 h 2241416"/>
-              <a:gd name="connsiteX8" fmla="*/ 1168865 w 2356684"/>
-              <a:gd name="connsiteY8" fmla="*/ 2129352 h 2241416"/>
-              <a:gd name="connsiteX9" fmla="*/ 1333138 w 2356684"/>
-              <a:gd name="connsiteY9" fmla="*/ 2078804 h 2241416"/>
-              <a:gd name="connsiteX10" fmla="*/ 2356684 w 2356684"/>
-              <a:gd name="connsiteY10" fmla="*/ 69504 h 2241416"/>
-              <a:gd name="connsiteX0" fmla="*/ 2356684 w 2356684"/>
-              <a:gd name="connsiteY0" fmla="*/ 69504 h 2186296"/>
-              <a:gd name="connsiteX1" fmla="*/ 2325093 w 2356684"/>
-              <a:gd name="connsiteY1" fmla="*/ 0 h 2186296"/>
-              <a:gd name="connsiteX2" fmla="*/ 1901775 w 2356684"/>
-              <a:gd name="connsiteY2" fmla="*/ 170601 h 2186296"/>
-              <a:gd name="connsiteX3" fmla="*/ 1301547 w 2356684"/>
-              <a:gd name="connsiteY3" fmla="*/ 265379 h 2186296"/>
-              <a:gd name="connsiteX4" fmla="*/ 922455 w 2356684"/>
-              <a:gd name="connsiteY4" fmla="*/ 278016 h 2186296"/>
-              <a:gd name="connsiteX5" fmla="*/ 0 w 2356684"/>
-              <a:gd name="connsiteY5" fmla="*/ 2085122 h 2186296"/>
-              <a:gd name="connsiteX6" fmla="*/ 454909 w 2356684"/>
-              <a:gd name="connsiteY6" fmla="*/ 2160945 h 2186296"/>
-              <a:gd name="connsiteX7" fmla="*/ 852955 w 2356684"/>
-              <a:gd name="connsiteY7" fmla="*/ 2179901 h 2186296"/>
-              <a:gd name="connsiteX8" fmla="*/ 1168865 w 2356684"/>
-              <a:gd name="connsiteY8" fmla="*/ 2129352 h 2186296"/>
-              <a:gd name="connsiteX9" fmla="*/ 1333138 w 2356684"/>
-              <a:gd name="connsiteY9" fmla="*/ 2078804 h 2186296"/>
-              <a:gd name="connsiteX10" fmla="*/ 2356684 w 2356684"/>
-              <a:gd name="connsiteY10" fmla="*/ 69504 h 2186296"/>
-              <a:gd name="connsiteX0" fmla="*/ 2356684 w 2356684"/>
-              <a:gd name="connsiteY0" fmla="*/ 69504 h 2186296"/>
-              <a:gd name="connsiteX1" fmla="*/ 2325093 w 2356684"/>
-              <a:gd name="connsiteY1" fmla="*/ 0 h 2186296"/>
-              <a:gd name="connsiteX2" fmla="*/ 1901775 w 2356684"/>
-              <a:gd name="connsiteY2" fmla="*/ 170601 h 2186296"/>
-              <a:gd name="connsiteX3" fmla="*/ 1301547 w 2356684"/>
-              <a:gd name="connsiteY3" fmla="*/ 265379 h 2186296"/>
-              <a:gd name="connsiteX4" fmla="*/ 897128 w 2356684"/>
-              <a:gd name="connsiteY4" fmla="*/ 278016 h 2186296"/>
-              <a:gd name="connsiteX5" fmla="*/ 0 w 2356684"/>
-              <a:gd name="connsiteY5" fmla="*/ 2085122 h 2186296"/>
-              <a:gd name="connsiteX6" fmla="*/ 454909 w 2356684"/>
-              <a:gd name="connsiteY6" fmla="*/ 2160945 h 2186296"/>
-              <a:gd name="connsiteX7" fmla="*/ 852955 w 2356684"/>
-              <a:gd name="connsiteY7" fmla="*/ 2179901 h 2186296"/>
-              <a:gd name="connsiteX8" fmla="*/ 1168865 w 2356684"/>
-              <a:gd name="connsiteY8" fmla="*/ 2129352 h 2186296"/>
-              <a:gd name="connsiteX9" fmla="*/ 1333138 w 2356684"/>
-              <a:gd name="connsiteY9" fmla="*/ 2078804 h 2186296"/>
-              <a:gd name="connsiteX10" fmla="*/ 2356684 w 2356684"/>
-              <a:gd name="connsiteY10" fmla="*/ 69504 h 2186296"/>
-              <a:gd name="connsiteX0" fmla="*/ 2374775 w 2374775"/>
-              <a:gd name="connsiteY0" fmla="*/ 69504 h 2186393"/>
-              <a:gd name="connsiteX1" fmla="*/ 2343184 w 2374775"/>
-              <a:gd name="connsiteY1" fmla="*/ 0 h 2186393"/>
-              <a:gd name="connsiteX2" fmla="*/ 1919866 w 2374775"/>
-              <a:gd name="connsiteY2" fmla="*/ 170601 h 2186393"/>
-              <a:gd name="connsiteX3" fmla="*/ 1319638 w 2374775"/>
-              <a:gd name="connsiteY3" fmla="*/ 265379 h 2186393"/>
-              <a:gd name="connsiteX4" fmla="*/ 915219 w 2374775"/>
-              <a:gd name="connsiteY4" fmla="*/ 278016 h 2186393"/>
-              <a:gd name="connsiteX5" fmla="*/ 0 w 2374775"/>
-              <a:gd name="connsiteY5" fmla="*/ 2081504 h 2186393"/>
-              <a:gd name="connsiteX6" fmla="*/ 473000 w 2374775"/>
-              <a:gd name="connsiteY6" fmla="*/ 2160945 h 2186393"/>
-              <a:gd name="connsiteX7" fmla="*/ 871046 w 2374775"/>
-              <a:gd name="connsiteY7" fmla="*/ 2179901 h 2186393"/>
-              <a:gd name="connsiteX8" fmla="*/ 1186956 w 2374775"/>
-              <a:gd name="connsiteY8" fmla="*/ 2129352 h 2186393"/>
-              <a:gd name="connsiteX9" fmla="*/ 1351229 w 2374775"/>
-              <a:gd name="connsiteY9" fmla="*/ 2078804 h 2186393"/>
-              <a:gd name="connsiteX10" fmla="*/ 2374775 w 2374775"/>
-              <a:gd name="connsiteY10" fmla="*/ 69504 h 2186393"/>
-              <a:gd name="connsiteX0" fmla="*/ 2374775 w 2374775"/>
-              <a:gd name="connsiteY0" fmla="*/ 69504 h 2186393"/>
-              <a:gd name="connsiteX1" fmla="*/ 2343184 w 2374775"/>
-              <a:gd name="connsiteY1" fmla="*/ 0 h 2186393"/>
-              <a:gd name="connsiteX2" fmla="*/ 1919866 w 2374775"/>
-              <a:gd name="connsiteY2" fmla="*/ 170601 h 2186393"/>
-              <a:gd name="connsiteX3" fmla="*/ 1319638 w 2374775"/>
-              <a:gd name="connsiteY3" fmla="*/ 265379 h 2186393"/>
-              <a:gd name="connsiteX4" fmla="*/ 915219 w 2374775"/>
-              <a:gd name="connsiteY4" fmla="*/ 278016 h 2186393"/>
-              <a:gd name="connsiteX5" fmla="*/ 0 w 2374775"/>
-              <a:gd name="connsiteY5" fmla="*/ 2081504 h 2186393"/>
-              <a:gd name="connsiteX6" fmla="*/ 473000 w 2374775"/>
-              <a:gd name="connsiteY6" fmla="*/ 2160945 h 2186393"/>
-              <a:gd name="connsiteX7" fmla="*/ 871046 w 2374775"/>
-              <a:gd name="connsiteY7" fmla="*/ 2179901 h 2186393"/>
-              <a:gd name="connsiteX8" fmla="*/ 1186956 w 2374775"/>
-              <a:gd name="connsiteY8" fmla="*/ 2129352 h 2186393"/>
-              <a:gd name="connsiteX9" fmla="*/ 1351229 w 2374775"/>
-              <a:gd name="connsiteY9" fmla="*/ 2078804 h 2186393"/>
-              <a:gd name="connsiteX10" fmla="*/ 2374775 w 2374775"/>
-              <a:gd name="connsiteY10" fmla="*/ 69504 h 2186393"/>
-              <a:gd name="connsiteX0" fmla="*/ 2374775 w 2374775"/>
-              <a:gd name="connsiteY0" fmla="*/ 69504 h 2186393"/>
-              <a:gd name="connsiteX1" fmla="*/ 2343184 w 2374775"/>
-              <a:gd name="connsiteY1" fmla="*/ 0 h 2186393"/>
-              <a:gd name="connsiteX2" fmla="*/ 1919866 w 2374775"/>
-              <a:gd name="connsiteY2" fmla="*/ 170601 h 2186393"/>
-              <a:gd name="connsiteX3" fmla="*/ 1319638 w 2374775"/>
-              <a:gd name="connsiteY3" fmla="*/ 265379 h 2186393"/>
-              <a:gd name="connsiteX4" fmla="*/ 915219 w 2374775"/>
-              <a:gd name="connsiteY4" fmla="*/ 278016 h 2186393"/>
-              <a:gd name="connsiteX5" fmla="*/ 0 w 2374775"/>
-              <a:gd name="connsiteY5" fmla="*/ 2081504 h 2186393"/>
-              <a:gd name="connsiteX6" fmla="*/ 473000 w 2374775"/>
-              <a:gd name="connsiteY6" fmla="*/ 2160945 h 2186393"/>
-              <a:gd name="connsiteX7" fmla="*/ 871046 w 2374775"/>
-              <a:gd name="connsiteY7" fmla="*/ 2179901 h 2186393"/>
-              <a:gd name="connsiteX8" fmla="*/ 1186956 w 2374775"/>
-              <a:gd name="connsiteY8" fmla="*/ 2129352 h 2186393"/>
-              <a:gd name="connsiteX9" fmla="*/ 1351229 w 2374775"/>
-              <a:gd name="connsiteY9" fmla="*/ 2078804 h 2186393"/>
-              <a:gd name="connsiteX10" fmla="*/ 2374775 w 2374775"/>
-              <a:gd name="connsiteY10" fmla="*/ 69504 h 2186393"/>
-              <a:gd name="connsiteX0" fmla="*/ 2374775 w 2374775"/>
-              <a:gd name="connsiteY0" fmla="*/ 69504 h 2241416"/>
-              <a:gd name="connsiteX1" fmla="*/ 2343184 w 2374775"/>
-              <a:gd name="connsiteY1" fmla="*/ 0 h 2241416"/>
-              <a:gd name="connsiteX2" fmla="*/ 1919866 w 2374775"/>
-              <a:gd name="connsiteY2" fmla="*/ 170601 h 2241416"/>
-              <a:gd name="connsiteX3" fmla="*/ 1319638 w 2374775"/>
-              <a:gd name="connsiteY3" fmla="*/ 265379 h 2241416"/>
-              <a:gd name="connsiteX4" fmla="*/ 915219 w 2374775"/>
-              <a:gd name="connsiteY4" fmla="*/ 278016 h 2241416"/>
-              <a:gd name="connsiteX5" fmla="*/ 0 w 2374775"/>
-              <a:gd name="connsiteY5" fmla="*/ 2081504 h 2241416"/>
-              <a:gd name="connsiteX6" fmla="*/ 473000 w 2374775"/>
-              <a:gd name="connsiteY6" fmla="*/ 2160945 h 2241416"/>
-              <a:gd name="connsiteX7" fmla="*/ 871046 w 2374775"/>
-              <a:gd name="connsiteY7" fmla="*/ 2179901 h 2241416"/>
-              <a:gd name="connsiteX8" fmla="*/ 1186956 w 2374775"/>
-              <a:gd name="connsiteY8" fmla="*/ 2129352 h 2241416"/>
-              <a:gd name="connsiteX9" fmla="*/ 1351229 w 2374775"/>
-              <a:gd name="connsiteY9" fmla="*/ 2078804 h 2241416"/>
-              <a:gd name="connsiteX10" fmla="*/ 2374775 w 2374775"/>
-              <a:gd name="connsiteY10" fmla="*/ 69504 h 2241416"/>
-              <a:gd name="connsiteX0" fmla="*/ 2374775 w 2374775"/>
-              <a:gd name="connsiteY0" fmla="*/ 69504 h 2186393"/>
-              <a:gd name="connsiteX1" fmla="*/ 2343184 w 2374775"/>
-              <a:gd name="connsiteY1" fmla="*/ 0 h 2186393"/>
-              <a:gd name="connsiteX2" fmla="*/ 1919866 w 2374775"/>
-              <a:gd name="connsiteY2" fmla="*/ 170601 h 2186393"/>
-              <a:gd name="connsiteX3" fmla="*/ 1319638 w 2374775"/>
-              <a:gd name="connsiteY3" fmla="*/ 265379 h 2186393"/>
-              <a:gd name="connsiteX4" fmla="*/ 915219 w 2374775"/>
-              <a:gd name="connsiteY4" fmla="*/ 278016 h 2186393"/>
-              <a:gd name="connsiteX5" fmla="*/ 0 w 2374775"/>
-              <a:gd name="connsiteY5" fmla="*/ 2081504 h 2186393"/>
-              <a:gd name="connsiteX6" fmla="*/ 473000 w 2374775"/>
-              <a:gd name="connsiteY6" fmla="*/ 2160945 h 2186393"/>
-              <a:gd name="connsiteX7" fmla="*/ 871046 w 2374775"/>
-              <a:gd name="connsiteY7" fmla="*/ 2179901 h 2186393"/>
-              <a:gd name="connsiteX8" fmla="*/ 1186956 w 2374775"/>
-              <a:gd name="connsiteY8" fmla="*/ 2129352 h 2186393"/>
-              <a:gd name="connsiteX9" fmla="*/ 1351229 w 2374775"/>
-              <a:gd name="connsiteY9" fmla="*/ 2078804 h 2186393"/>
-              <a:gd name="connsiteX10" fmla="*/ 2374775 w 2374775"/>
-              <a:gd name="connsiteY10" fmla="*/ 69504 h 2186393"/>
-              <a:gd name="connsiteX0" fmla="*/ 2374775 w 2374775"/>
-              <a:gd name="connsiteY0" fmla="*/ 69504 h 2180066"/>
-              <a:gd name="connsiteX1" fmla="*/ 2343184 w 2374775"/>
-              <a:gd name="connsiteY1" fmla="*/ 0 h 2180066"/>
-              <a:gd name="connsiteX2" fmla="*/ 1919866 w 2374775"/>
-              <a:gd name="connsiteY2" fmla="*/ 170601 h 2180066"/>
-              <a:gd name="connsiteX3" fmla="*/ 1319638 w 2374775"/>
-              <a:gd name="connsiteY3" fmla="*/ 265379 h 2180066"/>
-              <a:gd name="connsiteX4" fmla="*/ 915219 w 2374775"/>
-              <a:gd name="connsiteY4" fmla="*/ 278016 h 2180066"/>
-              <a:gd name="connsiteX5" fmla="*/ 0 w 2374775"/>
-              <a:gd name="connsiteY5" fmla="*/ 2081504 h 2180066"/>
-              <a:gd name="connsiteX6" fmla="*/ 473000 w 2374775"/>
-              <a:gd name="connsiteY6" fmla="*/ 2160945 h 2180066"/>
-              <a:gd name="connsiteX7" fmla="*/ 871046 w 2374775"/>
-              <a:gd name="connsiteY7" fmla="*/ 2179901 h 2180066"/>
-              <a:gd name="connsiteX8" fmla="*/ 1197810 w 2374775"/>
-              <a:gd name="connsiteY8" fmla="*/ 2154680 h 2180066"/>
-              <a:gd name="connsiteX9" fmla="*/ 1351229 w 2374775"/>
-              <a:gd name="connsiteY9" fmla="*/ 2078804 h 2180066"/>
-              <a:gd name="connsiteX10" fmla="*/ 2374775 w 2374775"/>
-              <a:gd name="connsiteY10" fmla="*/ 69504 h 2180066"/>
-              <a:gd name="connsiteX0" fmla="*/ 2374775 w 2374775"/>
-              <a:gd name="connsiteY0" fmla="*/ 69504 h 2180066"/>
-              <a:gd name="connsiteX1" fmla="*/ 2343184 w 2374775"/>
-              <a:gd name="connsiteY1" fmla="*/ 0 h 2180066"/>
-              <a:gd name="connsiteX2" fmla="*/ 1919866 w 2374775"/>
-              <a:gd name="connsiteY2" fmla="*/ 170601 h 2180066"/>
-              <a:gd name="connsiteX3" fmla="*/ 1319638 w 2374775"/>
-              <a:gd name="connsiteY3" fmla="*/ 265379 h 2180066"/>
-              <a:gd name="connsiteX4" fmla="*/ 915219 w 2374775"/>
-              <a:gd name="connsiteY4" fmla="*/ 278016 h 2180066"/>
-              <a:gd name="connsiteX5" fmla="*/ 0 w 2374775"/>
-              <a:gd name="connsiteY5" fmla="*/ 2081504 h 2180066"/>
-              <a:gd name="connsiteX6" fmla="*/ 473000 w 2374775"/>
-              <a:gd name="connsiteY6" fmla="*/ 2160945 h 2180066"/>
-              <a:gd name="connsiteX7" fmla="*/ 871046 w 2374775"/>
-              <a:gd name="connsiteY7" fmla="*/ 2179901 h 2180066"/>
-              <a:gd name="connsiteX8" fmla="*/ 1165247 w 2374775"/>
-              <a:gd name="connsiteY8" fmla="*/ 2154680 h 2180066"/>
-              <a:gd name="connsiteX9" fmla="*/ 1351229 w 2374775"/>
-              <a:gd name="connsiteY9" fmla="*/ 2078804 h 2180066"/>
-              <a:gd name="connsiteX10" fmla="*/ 2374775 w 2374775"/>
-              <a:gd name="connsiteY10" fmla="*/ 69504 h 2180066"/>
-              <a:gd name="connsiteX0" fmla="*/ 2374775 w 2374775"/>
-              <a:gd name="connsiteY0" fmla="*/ 69504 h 2180066"/>
-              <a:gd name="connsiteX1" fmla="*/ 2343184 w 2374775"/>
-              <a:gd name="connsiteY1" fmla="*/ 0 h 2180066"/>
-              <a:gd name="connsiteX2" fmla="*/ 1919866 w 2374775"/>
-              <a:gd name="connsiteY2" fmla="*/ 170601 h 2180066"/>
-              <a:gd name="connsiteX3" fmla="*/ 1319638 w 2374775"/>
-              <a:gd name="connsiteY3" fmla="*/ 265379 h 2180066"/>
-              <a:gd name="connsiteX4" fmla="*/ 915219 w 2374775"/>
-              <a:gd name="connsiteY4" fmla="*/ 278016 h 2180066"/>
-              <a:gd name="connsiteX5" fmla="*/ 0 w 2374775"/>
-              <a:gd name="connsiteY5" fmla="*/ 2081504 h 2180066"/>
-              <a:gd name="connsiteX6" fmla="*/ 473000 w 2374775"/>
-              <a:gd name="connsiteY6" fmla="*/ 2160945 h 2180066"/>
-              <a:gd name="connsiteX7" fmla="*/ 871046 w 2374775"/>
-              <a:gd name="connsiteY7" fmla="*/ 2179901 h 2180066"/>
-              <a:gd name="connsiteX8" fmla="*/ 1165247 w 2374775"/>
-              <a:gd name="connsiteY8" fmla="*/ 2154680 h 2180066"/>
-              <a:gd name="connsiteX9" fmla="*/ 1351229 w 2374775"/>
-              <a:gd name="connsiteY9" fmla="*/ 2078804 h 2180066"/>
-              <a:gd name="connsiteX10" fmla="*/ 2374775 w 2374775"/>
-              <a:gd name="connsiteY10" fmla="*/ 69504 h 2180066"/>
-              <a:gd name="connsiteX0" fmla="*/ 2374775 w 2374775"/>
-              <a:gd name="connsiteY0" fmla="*/ 69504 h 2180066"/>
-              <a:gd name="connsiteX1" fmla="*/ 2343184 w 2374775"/>
-              <a:gd name="connsiteY1" fmla="*/ 0 h 2180066"/>
-              <a:gd name="connsiteX2" fmla="*/ 1919866 w 2374775"/>
-              <a:gd name="connsiteY2" fmla="*/ 170601 h 2180066"/>
-              <a:gd name="connsiteX3" fmla="*/ 1319638 w 2374775"/>
-              <a:gd name="connsiteY3" fmla="*/ 265379 h 2180066"/>
-              <a:gd name="connsiteX4" fmla="*/ 915219 w 2374775"/>
-              <a:gd name="connsiteY4" fmla="*/ 278016 h 2180066"/>
-              <a:gd name="connsiteX5" fmla="*/ 0 w 2374775"/>
-              <a:gd name="connsiteY5" fmla="*/ 2081504 h 2180066"/>
-              <a:gd name="connsiteX6" fmla="*/ 473000 w 2374775"/>
-              <a:gd name="connsiteY6" fmla="*/ 2160945 h 2180066"/>
-              <a:gd name="connsiteX7" fmla="*/ 871046 w 2374775"/>
-              <a:gd name="connsiteY7" fmla="*/ 2179901 h 2180066"/>
-              <a:gd name="connsiteX8" fmla="*/ 1165247 w 2374775"/>
-              <a:gd name="connsiteY8" fmla="*/ 2154680 h 2180066"/>
-              <a:gd name="connsiteX9" fmla="*/ 1351229 w 2374775"/>
-              <a:gd name="connsiteY9" fmla="*/ 2078804 h 2180066"/>
-              <a:gd name="connsiteX10" fmla="*/ 2374775 w 2374775"/>
-              <a:gd name="connsiteY10" fmla="*/ 69504 h 2180066"/>
-            </a:gdLst>
-            <a:ahLst/>
-            <a:cxnLst>
-              <a:cxn ang="0">
-                <a:pos x="connsiteX0" y="connsiteY0"/>
-              </a:cxn>
-              <a:cxn ang="0">
-                <a:pos x="connsiteX1" y="connsiteY1"/>
-              </a:cxn>
-              <a:cxn ang="0">
-                <a:pos x="connsiteX2" y="connsiteY2"/>
-              </a:cxn>
-              <a:cxn ang="0">
-                <a:pos x="connsiteX3" y="connsiteY3"/>
-              </a:cxn>
-              <a:cxn ang="0">
-                <a:pos x="connsiteX4" y="connsiteY4"/>
-              </a:cxn>
-              <a:cxn ang="0">
-                <a:pos x="connsiteX5" y="connsiteY5"/>
-              </a:cxn>
-              <a:cxn ang="0">
-                <a:pos x="connsiteX6" y="connsiteY6"/>
-              </a:cxn>
-              <a:cxn ang="0">
-                <a:pos x="connsiteX7" y="connsiteY7"/>
-              </a:cxn>
-              <a:cxn ang="0">
-                <a:pos x="connsiteX8" y="connsiteY8"/>
-              </a:cxn>
-              <a:cxn ang="0">
-                <a:pos x="connsiteX9" y="connsiteY9"/>
-              </a:cxn>
-              <a:cxn ang="0">
-                <a:pos x="connsiteX10" y="connsiteY10"/>
-              </a:cxn>
-            </a:cxnLst>
-            <a:rect l="l" t="t" r="r" b="b"/>
-            <a:pathLst>
-              <a:path w="2374775" h="2180066">
-                <a:moveTo>
-                  <a:pt x="2374775" y="69504"/>
-                </a:moveTo>
-                <a:lnTo>
-                  <a:pt x="2343184" y="0"/>
-                </a:lnTo>
-                <a:cubicBezTo>
-                  <a:pt x="2267366" y="16850"/>
-                  <a:pt x="2090457" y="126371"/>
-                  <a:pt x="1919866" y="170601"/>
-                </a:cubicBezTo>
-                <a:cubicBezTo>
-                  <a:pt x="1749275" y="214831"/>
-                  <a:pt x="1487079" y="247477"/>
-                  <a:pt x="1319638" y="265379"/>
-                </a:cubicBezTo>
-                <a:cubicBezTo>
-                  <a:pt x="1152197" y="283281"/>
-                  <a:pt x="1050025" y="273804"/>
-                  <a:pt x="915219" y="278016"/>
-                </a:cubicBezTo>
-                <a:cubicBezTo>
-                  <a:pt x="730859" y="606634"/>
-                  <a:pt x="461227" y="1177951"/>
-                  <a:pt x="0" y="2081504"/>
-                </a:cubicBezTo>
-                <a:cubicBezTo>
-                  <a:pt x="294747" y="2138427"/>
-                  <a:pt x="327826" y="2144546"/>
-                  <a:pt x="473000" y="2160945"/>
-                </a:cubicBezTo>
-                <a:cubicBezTo>
-                  <a:pt x="618174" y="2177344"/>
-                  <a:pt x="755672" y="2180945"/>
-                  <a:pt x="871046" y="2179901"/>
-                </a:cubicBezTo>
-                <a:cubicBezTo>
-                  <a:pt x="986420" y="2178857"/>
-                  <a:pt x="1056326" y="2163087"/>
-                  <a:pt x="1165247" y="2154680"/>
-                </a:cubicBezTo>
-                <a:cubicBezTo>
-                  <a:pt x="1270550" y="2137830"/>
-                  <a:pt x="1279947" y="2118551"/>
-                  <a:pt x="1351229" y="2078804"/>
-                </a:cubicBezTo>
-                <a:lnTo>
-                  <a:pt x="2374775" y="69504"/>
-                </a:lnTo>
-                <a:close/>
-              </a:path>
-            </a:pathLst>
-          </a:custGeom>
-          <a:solidFill>
-            <a:srgbClr val="103869"/>
-          </a:solidFill>
-          <a:ln>
-            <a:noFill/>
-          </a:ln>
-          <a:effectLst/>
-        </p:spPr>
-        <p:style>
-          <a:lnRef idx="1">
-            <a:schemeClr val="accent1"/>
-          </a:lnRef>
-          <a:fillRef idx="3">
-            <a:schemeClr val="accent1"/>
-          </a:fillRef>
-          <a:effectRef idx="2">
-            <a:schemeClr val="accent1"/>
-          </a:effectRef>
-          <a:fontRef idx="minor">
-            <a:schemeClr val="lt1"/>
-          </a:fontRef>
-        </p:style>
-        <p:txBody>
-          <a:bodyPr rtlCol="0" anchor="ctr"/>
-          <a:lstStyle/>
-          <a:p>
-            <a:pPr algn="ctr"/>
-            <a:endParaRPr lang="en-US"/>
-          </a:p>
-        </p:txBody>
-      </p:sp>
-      <p:sp>
-        <p:nvSpPr>
-          <p:cNvPr id="18" name="Freeform 17"/>
-          <p:cNvSpPr/>
-          <p:nvPr/>
-        </p:nvSpPr>
-        <p:spPr>
-          <a:xfrm>
-            <a:off x="3104534" y="5146797"/>
-            <a:ext cx="2002965" cy="659277"/>
-          </a:xfrm>
-          <a:custGeom>
-            <a:avLst/>
-            <a:gdLst>
-              <a:gd name="connsiteX0" fmla="*/ 0 w 1986371"/>
-              <a:gd name="connsiteY0" fmla="*/ 0 h 651291"/>
-              <a:gd name="connsiteX1" fmla="*/ 260508 w 1986371"/>
-              <a:gd name="connsiteY1" fmla="*/ 199006 h 651291"/>
-              <a:gd name="connsiteX2" fmla="*/ 662124 w 1986371"/>
-              <a:gd name="connsiteY2" fmla="*/ 412484 h 651291"/>
-              <a:gd name="connsiteX3" fmla="*/ 1125249 w 1986371"/>
-              <a:gd name="connsiteY3" fmla="*/ 557215 h 651291"/>
-              <a:gd name="connsiteX4" fmla="*/ 1497919 w 1986371"/>
-              <a:gd name="connsiteY4" fmla="*/ 629581 h 651291"/>
-              <a:gd name="connsiteX5" fmla="*/ 1914008 w 1986371"/>
-              <a:gd name="connsiteY5" fmla="*/ 651291 h 651291"/>
-              <a:gd name="connsiteX6" fmla="*/ 1986371 w 1986371"/>
-              <a:gd name="connsiteY6" fmla="*/ 618726 h 651291"/>
-              <a:gd name="connsiteX7" fmla="*/ 1888681 w 1986371"/>
-              <a:gd name="connsiteY7" fmla="*/ 535506 h 651291"/>
-              <a:gd name="connsiteX8" fmla="*/ 1715009 w 1986371"/>
-              <a:gd name="connsiteY8" fmla="*/ 542742 h 651291"/>
-              <a:gd name="connsiteX9" fmla="*/ 1306157 w 1986371"/>
-              <a:gd name="connsiteY9" fmla="*/ 502941 h 651291"/>
-              <a:gd name="connsiteX10" fmla="*/ 944340 w 1986371"/>
-              <a:gd name="connsiteY10" fmla="*/ 387156 h 651291"/>
-              <a:gd name="connsiteX11" fmla="*/ 1313393 w 1986371"/>
-              <a:gd name="connsiteY11" fmla="*/ 394393 h 651291"/>
-              <a:gd name="connsiteX12" fmla="*/ 1664355 w 1986371"/>
-              <a:gd name="connsiteY12" fmla="*/ 332882 h 651291"/>
-              <a:gd name="connsiteX13" fmla="*/ 1577519 w 1986371"/>
-              <a:gd name="connsiteY13" fmla="*/ 217097 h 651291"/>
-              <a:gd name="connsiteX14" fmla="*/ 1476210 w 1986371"/>
-              <a:gd name="connsiteY14" fmla="*/ 238807 h 651291"/>
-              <a:gd name="connsiteX15" fmla="*/ 1215703 w 1986371"/>
-              <a:gd name="connsiteY15" fmla="*/ 253280 h 651291"/>
-              <a:gd name="connsiteX16" fmla="*/ 919013 w 1986371"/>
-              <a:gd name="connsiteY16" fmla="*/ 242425 h 651291"/>
-              <a:gd name="connsiteX17" fmla="*/ 647651 w 1986371"/>
-              <a:gd name="connsiteY17" fmla="*/ 180914 h 651291"/>
-              <a:gd name="connsiteX18" fmla="*/ 481216 w 1986371"/>
-              <a:gd name="connsiteY18" fmla="*/ 115785 h 651291"/>
-              <a:gd name="connsiteX19" fmla="*/ 445034 w 1986371"/>
-              <a:gd name="connsiteY19" fmla="*/ 75984 h 651291"/>
-              <a:gd name="connsiteX20" fmla="*/ 0 w 1986371"/>
-              <a:gd name="connsiteY20" fmla="*/ 0 h 651291"/>
-              <a:gd name="connsiteX0" fmla="*/ 3468 w 1989839"/>
-              <a:gd name="connsiteY0" fmla="*/ 0 h 651291"/>
-              <a:gd name="connsiteX1" fmla="*/ 263976 w 1989839"/>
-              <a:gd name="connsiteY1" fmla="*/ 199006 h 651291"/>
-              <a:gd name="connsiteX2" fmla="*/ 665592 w 1989839"/>
-              <a:gd name="connsiteY2" fmla="*/ 412484 h 651291"/>
-              <a:gd name="connsiteX3" fmla="*/ 1128717 w 1989839"/>
-              <a:gd name="connsiteY3" fmla="*/ 557215 h 651291"/>
-              <a:gd name="connsiteX4" fmla="*/ 1501387 w 1989839"/>
-              <a:gd name="connsiteY4" fmla="*/ 629581 h 651291"/>
-              <a:gd name="connsiteX5" fmla="*/ 1917476 w 1989839"/>
-              <a:gd name="connsiteY5" fmla="*/ 651291 h 651291"/>
-              <a:gd name="connsiteX6" fmla="*/ 1989839 w 1989839"/>
-              <a:gd name="connsiteY6" fmla="*/ 618726 h 651291"/>
-              <a:gd name="connsiteX7" fmla="*/ 1892149 w 1989839"/>
-              <a:gd name="connsiteY7" fmla="*/ 535506 h 651291"/>
-              <a:gd name="connsiteX8" fmla="*/ 1718477 w 1989839"/>
-              <a:gd name="connsiteY8" fmla="*/ 542742 h 651291"/>
-              <a:gd name="connsiteX9" fmla="*/ 1309625 w 1989839"/>
-              <a:gd name="connsiteY9" fmla="*/ 502941 h 651291"/>
-              <a:gd name="connsiteX10" fmla="*/ 947808 w 1989839"/>
-              <a:gd name="connsiteY10" fmla="*/ 387156 h 651291"/>
-              <a:gd name="connsiteX11" fmla="*/ 1316861 w 1989839"/>
-              <a:gd name="connsiteY11" fmla="*/ 394393 h 651291"/>
-              <a:gd name="connsiteX12" fmla="*/ 1667823 w 1989839"/>
-              <a:gd name="connsiteY12" fmla="*/ 332882 h 651291"/>
-              <a:gd name="connsiteX13" fmla="*/ 1580987 w 1989839"/>
-              <a:gd name="connsiteY13" fmla="*/ 217097 h 651291"/>
-              <a:gd name="connsiteX14" fmla="*/ 1479678 w 1989839"/>
-              <a:gd name="connsiteY14" fmla="*/ 238807 h 651291"/>
-              <a:gd name="connsiteX15" fmla="*/ 1219171 w 1989839"/>
-              <a:gd name="connsiteY15" fmla="*/ 253280 h 651291"/>
-              <a:gd name="connsiteX16" fmla="*/ 922481 w 1989839"/>
-              <a:gd name="connsiteY16" fmla="*/ 242425 h 651291"/>
-              <a:gd name="connsiteX17" fmla="*/ 651119 w 1989839"/>
-              <a:gd name="connsiteY17" fmla="*/ 180914 h 651291"/>
-              <a:gd name="connsiteX18" fmla="*/ 484684 w 1989839"/>
-              <a:gd name="connsiteY18" fmla="*/ 115785 h 651291"/>
-              <a:gd name="connsiteX19" fmla="*/ 448502 w 1989839"/>
-              <a:gd name="connsiteY19" fmla="*/ 75984 h 651291"/>
-              <a:gd name="connsiteX20" fmla="*/ 3468 w 1989839"/>
-              <a:gd name="connsiteY20" fmla="*/ 0 h 651291"/>
-              <a:gd name="connsiteX0" fmla="*/ 3468 w 1989839"/>
-              <a:gd name="connsiteY0" fmla="*/ 0 h 651291"/>
-              <a:gd name="connsiteX1" fmla="*/ 263976 w 1989839"/>
-              <a:gd name="connsiteY1" fmla="*/ 199006 h 651291"/>
-              <a:gd name="connsiteX2" fmla="*/ 665592 w 1989839"/>
-              <a:gd name="connsiteY2" fmla="*/ 412484 h 651291"/>
-              <a:gd name="connsiteX3" fmla="*/ 1128717 w 1989839"/>
-              <a:gd name="connsiteY3" fmla="*/ 557215 h 651291"/>
-              <a:gd name="connsiteX4" fmla="*/ 1501387 w 1989839"/>
-              <a:gd name="connsiteY4" fmla="*/ 629581 h 651291"/>
-              <a:gd name="connsiteX5" fmla="*/ 1917476 w 1989839"/>
-              <a:gd name="connsiteY5" fmla="*/ 651291 h 651291"/>
-              <a:gd name="connsiteX6" fmla="*/ 1989839 w 1989839"/>
-              <a:gd name="connsiteY6" fmla="*/ 618726 h 651291"/>
-              <a:gd name="connsiteX7" fmla="*/ 1892149 w 1989839"/>
-              <a:gd name="connsiteY7" fmla="*/ 535506 h 651291"/>
-              <a:gd name="connsiteX8" fmla="*/ 1718477 w 1989839"/>
-              <a:gd name="connsiteY8" fmla="*/ 542742 h 651291"/>
-              <a:gd name="connsiteX9" fmla="*/ 1309625 w 1989839"/>
-              <a:gd name="connsiteY9" fmla="*/ 502941 h 651291"/>
-              <a:gd name="connsiteX10" fmla="*/ 947808 w 1989839"/>
-              <a:gd name="connsiteY10" fmla="*/ 387156 h 651291"/>
-              <a:gd name="connsiteX11" fmla="*/ 1316861 w 1989839"/>
-              <a:gd name="connsiteY11" fmla="*/ 394393 h 651291"/>
-              <a:gd name="connsiteX12" fmla="*/ 1667823 w 1989839"/>
-              <a:gd name="connsiteY12" fmla="*/ 332882 h 651291"/>
-              <a:gd name="connsiteX13" fmla="*/ 1580987 w 1989839"/>
-              <a:gd name="connsiteY13" fmla="*/ 217097 h 651291"/>
-              <a:gd name="connsiteX14" fmla="*/ 1479678 w 1989839"/>
-              <a:gd name="connsiteY14" fmla="*/ 238807 h 651291"/>
-              <a:gd name="connsiteX15" fmla="*/ 1219171 w 1989839"/>
-              <a:gd name="connsiteY15" fmla="*/ 253280 h 651291"/>
-              <a:gd name="connsiteX16" fmla="*/ 922481 w 1989839"/>
-              <a:gd name="connsiteY16" fmla="*/ 242425 h 651291"/>
-              <a:gd name="connsiteX17" fmla="*/ 651119 w 1989839"/>
-              <a:gd name="connsiteY17" fmla="*/ 180914 h 651291"/>
-              <a:gd name="connsiteX18" fmla="*/ 484684 w 1989839"/>
-              <a:gd name="connsiteY18" fmla="*/ 115785 h 651291"/>
-              <a:gd name="connsiteX19" fmla="*/ 448502 w 1989839"/>
-              <a:gd name="connsiteY19" fmla="*/ 75984 h 651291"/>
-              <a:gd name="connsiteX20" fmla="*/ 3468 w 1989839"/>
-              <a:gd name="connsiteY20" fmla="*/ 0 h 651291"/>
-              <a:gd name="connsiteX0" fmla="*/ 3468 w 1989839"/>
-              <a:gd name="connsiteY0" fmla="*/ 0 h 651291"/>
-              <a:gd name="connsiteX1" fmla="*/ 263976 w 1989839"/>
-              <a:gd name="connsiteY1" fmla="*/ 199006 h 651291"/>
-              <a:gd name="connsiteX2" fmla="*/ 665592 w 1989839"/>
-              <a:gd name="connsiteY2" fmla="*/ 412484 h 651291"/>
-              <a:gd name="connsiteX3" fmla="*/ 1128717 w 1989839"/>
-              <a:gd name="connsiteY3" fmla="*/ 557215 h 651291"/>
-              <a:gd name="connsiteX4" fmla="*/ 1501387 w 1989839"/>
-              <a:gd name="connsiteY4" fmla="*/ 629581 h 651291"/>
-              <a:gd name="connsiteX5" fmla="*/ 1917476 w 1989839"/>
-              <a:gd name="connsiteY5" fmla="*/ 651291 h 651291"/>
-              <a:gd name="connsiteX6" fmla="*/ 1989839 w 1989839"/>
-              <a:gd name="connsiteY6" fmla="*/ 618726 h 651291"/>
-              <a:gd name="connsiteX7" fmla="*/ 1892149 w 1989839"/>
-              <a:gd name="connsiteY7" fmla="*/ 535506 h 651291"/>
-              <a:gd name="connsiteX8" fmla="*/ 1718477 w 1989839"/>
-              <a:gd name="connsiteY8" fmla="*/ 542742 h 651291"/>
-              <a:gd name="connsiteX9" fmla="*/ 1309625 w 1989839"/>
-              <a:gd name="connsiteY9" fmla="*/ 502941 h 651291"/>
-              <a:gd name="connsiteX10" fmla="*/ 947808 w 1989839"/>
-              <a:gd name="connsiteY10" fmla="*/ 387156 h 651291"/>
-              <a:gd name="connsiteX11" fmla="*/ 1316861 w 1989839"/>
-              <a:gd name="connsiteY11" fmla="*/ 394393 h 651291"/>
-              <a:gd name="connsiteX12" fmla="*/ 1667823 w 1989839"/>
-              <a:gd name="connsiteY12" fmla="*/ 332882 h 651291"/>
-              <a:gd name="connsiteX13" fmla="*/ 1580987 w 1989839"/>
-              <a:gd name="connsiteY13" fmla="*/ 217097 h 651291"/>
-              <a:gd name="connsiteX14" fmla="*/ 1479678 w 1989839"/>
-              <a:gd name="connsiteY14" fmla="*/ 238807 h 651291"/>
-              <a:gd name="connsiteX15" fmla="*/ 1219171 w 1989839"/>
-              <a:gd name="connsiteY15" fmla="*/ 253280 h 651291"/>
-              <a:gd name="connsiteX16" fmla="*/ 922481 w 1989839"/>
-              <a:gd name="connsiteY16" fmla="*/ 242425 h 651291"/>
-              <a:gd name="connsiteX17" fmla="*/ 651119 w 1989839"/>
-              <a:gd name="connsiteY17" fmla="*/ 180914 h 651291"/>
-              <a:gd name="connsiteX18" fmla="*/ 484684 w 1989839"/>
-              <a:gd name="connsiteY18" fmla="*/ 115785 h 651291"/>
-              <a:gd name="connsiteX19" fmla="*/ 448502 w 1989839"/>
-              <a:gd name="connsiteY19" fmla="*/ 75984 h 651291"/>
-              <a:gd name="connsiteX20" fmla="*/ 3468 w 1989839"/>
-              <a:gd name="connsiteY20" fmla="*/ 0 h 651291"/>
-              <a:gd name="connsiteX0" fmla="*/ 3468 w 1989839"/>
-              <a:gd name="connsiteY0" fmla="*/ 0 h 651291"/>
-              <a:gd name="connsiteX1" fmla="*/ 263976 w 1989839"/>
-              <a:gd name="connsiteY1" fmla="*/ 199006 h 651291"/>
-              <a:gd name="connsiteX2" fmla="*/ 665592 w 1989839"/>
-              <a:gd name="connsiteY2" fmla="*/ 412484 h 651291"/>
-              <a:gd name="connsiteX3" fmla="*/ 1128717 w 1989839"/>
-              <a:gd name="connsiteY3" fmla="*/ 575307 h 651291"/>
-              <a:gd name="connsiteX4" fmla="*/ 1501387 w 1989839"/>
-              <a:gd name="connsiteY4" fmla="*/ 629581 h 651291"/>
-              <a:gd name="connsiteX5" fmla="*/ 1917476 w 1989839"/>
-              <a:gd name="connsiteY5" fmla="*/ 651291 h 651291"/>
-              <a:gd name="connsiteX6" fmla="*/ 1989839 w 1989839"/>
-              <a:gd name="connsiteY6" fmla="*/ 618726 h 651291"/>
-              <a:gd name="connsiteX7" fmla="*/ 1892149 w 1989839"/>
-              <a:gd name="connsiteY7" fmla="*/ 535506 h 651291"/>
-              <a:gd name="connsiteX8" fmla="*/ 1718477 w 1989839"/>
-              <a:gd name="connsiteY8" fmla="*/ 542742 h 651291"/>
-              <a:gd name="connsiteX9" fmla="*/ 1309625 w 1989839"/>
-              <a:gd name="connsiteY9" fmla="*/ 502941 h 651291"/>
-              <a:gd name="connsiteX10" fmla="*/ 947808 w 1989839"/>
-              <a:gd name="connsiteY10" fmla="*/ 387156 h 651291"/>
-              <a:gd name="connsiteX11" fmla="*/ 1316861 w 1989839"/>
-              <a:gd name="connsiteY11" fmla="*/ 394393 h 651291"/>
-              <a:gd name="connsiteX12" fmla="*/ 1667823 w 1989839"/>
-              <a:gd name="connsiteY12" fmla="*/ 332882 h 651291"/>
-              <a:gd name="connsiteX13" fmla="*/ 1580987 w 1989839"/>
-              <a:gd name="connsiteY13" fmla="*/ 217097 h 651291"/>
-              <a:gd name="connsiteX14" fmla="*/ 1479678 w 1989839"/>
-              <a:gd name="connsiteY14" fmla="*/ 238807 h 651291"/>
-              <a:gd name="connsiteX15" fmla="*/ 1219171 w 1989839"/>
-              <a:gd name="connsiteY15" fmla="*/ 253280 h 651291"/>
-              <a:gd name="connsiteX16" fmla="*/ 922481 w 1989839"/>
-              <a:gd name="connsiteY16" fmla="*/ 242425 h 651291"/>
-              <a:gd name="connsiteX17" fmla="*/ 651119 w 1989839"/>
-              <a:gd name="connsiteY17" fmla="*/ 180914 h 651291"/>
-              <a:gd name="connsiteX18" fmla="*/ 484684 w 1989839"/>
-              <a:gd name="connsiteY18" fmla="*/ 115785 h 651291"/>
-              <a:gd name="connsiteX19" fmla="*/ 448502 w 1989839"/>
-              <a:gd name="connsiteY19" fmla="*/ 75984 h 651291"/>
-              <a:gd name="connsiteX20" fmla="*/ 3468 w 1989839"/>
-              <a:gd name="connsiteY20" fmla="*/ 0 h 651291"/>
-              <a:gd name="connsiteX0" fmla="*/ 3468 w 1989839"/>
-              <a:gd name="connsiteY0" fmla="*/ 0 h 651291"/>
-              <a:gd name="connsiteX1" fmla="*/ 263976 w 1989839"/>
-              <a:gd name="connsiteY1" fmla="*/ 199006 h 651291"/>
-              <a:gd name="connsiteX2" fmla="*/ 665592 w 1989839"/>
-              <a:gd name="connsiteY2" fmla="*/ 412484 h 651291"/>
-              <a:gd name="connsiteX3" fmla="*/ 1128717 w 1989839"/>
-              <a:gd name="connsiteY3" fmla="*/ 575307 h 651291"/>
-              <a:gd name="connsiteX4" fmla="*/ 1501387 w 1989839"/>
-              <a:gd name="connsiteY4" fmla="*/ 629581 h 651291"/>
-              <a:gd name="connsiteX5" fmla="*/ 1917476 w 1989839"/>
-              <a:gd name="connsiteY5" fmla="*/ 651291 h 651291"/>
-              <a:gd name="connsiteX6" fmla="*/ 1989839 w 1989839"/>
-              <a:gd name="connsiteY6" fmla="*/ 618726 h 651291"/>
-              <a:gd name="connsiteX7" fmla="*/ 1892149 w 1989839"/>
-              <a:gd name="connsiteY7" fmla="*/ 535506 h 651291"/>
-              <a:gd name="connsiteX8" fmla="*/ 1718477 w 1989839"/>
-              <a:gd name="connsiteY8" fmla="*/ 542742 h 651291"/>
-              <a:gd name="connsiteX9" fmla="*/ 1309625 w 1989839"/>
-              <a:gd name="connsiteY9" fmla="*/ 502941 h 651291"/>
-              <a:gd name="connsiteX10" fmla="*/ 947808 w 1989839"/>
-              <a:gd name="connsiteY10" fmla="*/ 387156 h 651291"/>
-              <a:gd name="connsiteX11" fmla="*/ 1316861 w 1989839"/>
-              <a:gd name="connsiteY11" fmla="*/ 394393 h 651291"/>
-              <a:gd name="connsiteX12" fmla="*/ 1667823 w 1989839"/>
-              <a:gd name="connsiteY12" fmla="*/ 332882 h 651291"/>
-              <a:gd name="connsiteX13" fmla="*/ 1580987 w 1989839"/>
-              <a:gd name="connsiteY13" fmla="*/ 217097 h 651291"/>
-              <a:gd name="connsiteX14" fmla="*/ 1479678 w 1989839"/>
-              <a:gd name="connsiteY14" fmla="*/ 238807 h 651291"/>
-              <a:gd name="connsiteX15" fmla="*/ 1219171 w 1989839"/>
-              <a:gd name="connsiteY15" fmla="*/ 253280 h 651291"/>
-              <a:gd name="connsiteX16" fmla="*/ 922481 w 1989839"/>
-              <a:gd name="connsiteY16" fmla="*/ 242425 h 651291"/>
-              <a:gd name="connsiteX17" fmla="*/ 651119 w 1989839"/>
-              <a:gd name="connsiteY17" fmla="*/ 180914 h 651291"/>
-              <a:gd name="connsiteX18" fmla="*/ 484684 w 1989839"/>
-              <a:gd name="connsiteY18" fmla="*/ 115785 h 651291"/>
-              <a:gd name="connsiteX19" fmla="*/ 448502 w 1989839"/>
-              <a:gd name="connsiteY19" fmla="*/ 75984 h 651291"/>
-              <a:gd name="connsiteX20" fmla="*/ 3468 w 1989839"/>
-              <a:gd name="connsiteY20" fmla="*/ 0 h 651291"/>
-              <a:gd name="connsiteX0" fmla="*/ 3468 w 1989839"/>
-              <a:gd name="connsiteY0" fmla="*/ 0 h 651291"/>
-              <a:gd name="connsiteX1" fmla="*/ 263976 w 1989839"/>
-              <a:gd name="connsiteY1" fmla="*/ 199006 h 651291"/>
-              <a:gd name="connsiteX2" fmla="*/ 665592 w 1989839"/>
-              <a:gd name="connsiteY2" fmla="*/ 412484 h 651291"/>
-              <a:gd name="connsiteX3" fmla="*/ 1128717 w 1989839"/>
-              <a:gd name="connsiteY3" fmla="*/ 575307 h 651291"/>
-              <a:gd name="connsiteX4" fmla="*/ 1501387 w 1989839"/>
-              <a:gd name="connsiteY4" fmla="*/ 629581 h 651291"/>
-              <a:gd name="connsiteX5" fmla="*/ 1917476 w 1989839"/>
-              <a:gd name="connsiteY5" fmla="*/ 651291 h 651291"/>
-              <a:gd name="connsiteX6" fmla="*/ 1989839 w 1989839"/>
-              <a:gd name="connsiteY6" fmla="*/ 618726 h 651291"/>
-              <a:gd name="connsiteX7" fmla="*/ 1892149 w 1989839"/>
-              <a:gd name="connsiteY7" fmla="*/ 535506 h 651291"/>
-              <a:gd name="connsiteX8" fmla="*/ 1718477 w 1989839"/>
-              <a:gd name="connsiteY8" fmla="*/ 542742 h 651291"/>
-              <a:gd name="connsiteX9" fmla="*/ 1309625 w 1989839"/>
-              <a:gd name="connsiteY9" fmla="*/ 502941 h 651291"/>
-              <a:gd name="connsiteX10" fmla="*/ 947808 w 1989839"/>
-              <a:gd name="connsiteY10" fmla="*/ 387156 h 651291"/>
-              <a:gd name="connsiteX11" fmla="*/ 1316861 w 1989839"/>
-              <a:gd name="connsiteY11" fmla="*/ 394393 h 651291"/>
-              <a:gd name="connsiteX12" fmla="*/ 1667823 w 1989839"/>
-              <a:gd name="connsiteY12" fmla="*/ 332882 h 651291"/>
-              <a:gd name="connsiteX13" fmla="*/ 1580987 w 1989839"/>
-              <a:gd name="connsiteY13" fmla="*/ 217097 h 651291"/>
-              <a:gd name="connsiteX14" fmla="*/ 1479678 w 1989839"/>
-              <a:gd name="connsiteY14" fmla="*/ 238807 h 651291"/>
-              <a:gd name="connsiteX15" fmla="*/ 1219171 w 1989839"/>
-              <a:gd name="connsiteY15" fmla="*/ 253280 h 651291"/>
-              <a:gd name="connsiteX16" fmla="*/ 922481 w 1989839"/>
-              <a:gd name="connsiteY16" fmla="*/ 242425 h 651291"/>
-              <a:gd name="connsiteX17" fmla="*/ 651119 w 1989839"/>
-              <a:gd name="connsiteY17" fmla="*/ 180914 h 651291"/>
-              <a:gd name="connsiteX18" fmla="*/ 484684 w 1989839"/>
-              <a:gd name="connsiteY18" fmla="*/ 115785 h 651291"/>
-              <a:gd name="connsiteX19" fmla="*/ 448502 w 1989839"/>
-              <a:gd name="connsiteY19" fmla="*/ 75984 h 651291"/>
-              <a:gd name="connsiteX20" fmla="*/ 3468 w 1989839"/>
-              <a:gd name="connsiteY20" fmla="*/ 0 h 651291"/>
-              <a:gd name="connsiteX0" fmla="*/ 3468 w 1989839"/>
-              <a:gd name="connsiteY0" fmla="*/ 0 h 651291"/>
-              <a:gd name="connsiteX1" fmla="*/ 263976 w 1989839"/>
-              <a:gd name="connsiteY1" fmla="*/ 199006 h 651291"/>
-              <a:gd name="connsiteX2" fmla="*/ 665592 w 1989839"/>
-              <a:gd name="connsiteY2" fmla="*/ 412484 h 651291"/>
-              <a:gd name="connsiteX3" fmla="*/ 1128717 w 1989839"/>
-              <a:gd name="connsiteY3" fmla="*/ 575307 h 651291"/>
-              <a:gd name="connsiteX4" fmla="*/ 1505005 w 1989839"/>
-              <a:gd name="connsiteY4" fmla="*/ 644054 h 651291"/>
-              <a:gd name="connsiteX5" fmla="*/ 1917476 w 1989839"/>
-              <a:gd name="connsiteY5" fmla="*/ 651291 h 651291"/>
-              <a:gd name="connsiteX6" fmla="*/ 1989839 w 1989839"/>
-              <a:gd name="connsiteY6" fmla="*/ 618726 h 651291"/>
-              <a:gd name="connsiteX7" fmla="*/ 1892149 w 1989839"/>
-              <a:gd name="connsiteY7" fmla="*/ 535506 h 651291"/>
-              <a:gd name="connsiteX8" fmla="*/ 1718477 w 1989839"/>
-              <a:gd name="connsiteY8" fmla="*/ 542742 h 651291"/>
-              <a:gd name="connsiteX9" fmla="*/ 1309625 w 1989839"/>
-              <a:gd name="connsiteY9" fmla="*/ 502941 h 651291"/>
-              <a:gd name="connsiteX10" fmla="*/ 947808 w 1989839"/>
-              <a:gd name="connsiteY10" fmla="*/ 387156 h 651291"/>
-              <a:gd name="connsiteX11" fmla="*/ 1316861 w 1989839"/>
-              <a:gd name="connsiteY11" fmla="*/ 394393 h 651291"/>
-              <a:gd name="connsiteX12" fmla="*/ 1667823 w 1989839"/>
-              <a:gd name="connsiteY12" fmla="*/ 332882 h 651291"/>
-              <a:gd name="connsiteX13" fmla="*/ 1580987 w 1989839"/>
-              <a:gd name="connsiteY13" fmla="*/ 217097 h 651291"/>
-              <a:gd name="connsiteX14" fmla="*/ 1479678 w 1989839"/>
-              <a:gd name="connsiteY14" fmla="*/ 238807 h 651291"/>
-              <a:gd name="connsiteX15" fmla="*/ 1219171 w 1989839"/>
-              <a:gd name="connsiteY15" fmla="*/ 253280 h 651291"/>
-              <a:gd name="connsiteX16" fmla="*/ 922481 w 1989839"/>
-              <a:gd name="connsiteY16" fmla="*/ 242425 h 651291"/>
-              <a:gd name="connsiteX17" fmla="*/ 651119 w 1989839"/>
-              <a:gd name="connsiteY17" fmla="*/ 180914 h 651291"/>
-              <a:gd name="connsiteX18" fmla="*/ 484684 w 1989839"/>
-              <a:gd name="connsiteY18" fmla="*/ 115785 h 651291"/>
-              <a:gd name="connsiteX19" fmla="*/ 448502 w 1989839"/>
-              <a:gd name="connsiteY19" fmla="*/ 75984 h 651291"/>
-              <a:gd name="connsiteX20" fmla="*/ 3468 w 1989839"/>
-              <a:gd name="connsiteY20" fmla="*/ 0 h 651291"/>
-              <a:gd name="connsiteX0" fmla="*/ 3468 w 2006888"/>
-              <a:gd name="connsiteY0" fmla="*/ 0 h 651536"/>
-              <a:gd name="connsiteX1" fmla="*/ 263976 w 2006888"/>
-              <a:gd name="connsiteY1" fmla="*/ 199006 h 651536"/>
-              <a:gd name="connsiteX2" fmla="*/ 665592 w 2006888"/>
-              <a:gd name="connsiteY2" fmla="*/ 412484 h 651536"/>
-              <a:gd name="connsiteX3" fmla="*/ 1128717 w 2006888"/>
-              <a:gd name="connsiteY3" fmla="*/ 575307 h 651536"/>
-              <a:gd name="connsiteX4" fmla="*/ 1505005 w 2006888"/>
-              <a:gd name="connsiteY4" fmla="*/ 644054 h 651536"/>
-              <a:gd name="connsiteX5" fmla="*/ 1917476 w 2006888"/>
-              <a:gd name="connsiteY5" fmla="*/ 651291 h 651536"/>
-              <a:gd name="connsiteX6" fmla="*/ 1989839 w 2006888"/>
-              <a:gd name="connsiteY6" fmla="*/ 618726 h 651536"/>
-              <a:gd name="connsiteX7" fmla="*/ 1892149 w 2006888"/>
-              <a:gd name="connsiteY7" fmla="*/ 535506 h 651536"/>
-              <a:gd name="connsiteX8" fmla="*/ 1718477 w 2006888"/>
-              <a:gd name="connsiteY8" fmla="*/ 542742 h 651536"/>
-              <a:gd name="connsiteX9" fmla="*/ 1309625 w 2006888"/>
-              <a:gd name="connsiteY9" fmla="*/ 502941 h 651536"/>
-              <a:gd name="connsiteX10" fmla="*/ 947808 w 2006888"/>
-              <a:gd name="connsiteY10" fmla="*/ 387156 h 651536"/>
-              <a:gd name="connsiteX11" fmla="*/ 1316861 w 2006888"/>
-              <a:gd name="connsiteY11" fmla="*/ 394393 h 651536"/>
-              <a:gd name="connsiteX12" fmla="*/ 1667823 w 2006888"/>
-              <a:gd name="connsiteY12" fmla="*/ 332882 h 651536"/>
-              <a:gd name="connsiteX13" fmla="*/ 1580987 w 2006888"/>
-              <a:gd name="connsiteY13" fmla="*/ 217097 h 651536"/>
-              <a:gd name="connsiteX14" fmla="*/ 1479678 w 2006888"/>
-              <a:gd name="connsiteY14" fmla="*/ 238807 h 651536"/>
-              <a:gd name="connsiteX15" fmla="*/ 1219171 w 2006888"/>
-              <a:gd name="connsiteY15" fmla="*/ 253280 h 651536"/>
-              <a:gd name="connsiteX16" fmla="*/ 922481 w 2006888"/>
-              <a:gd name="connsiteY16" fmla="*/ 242425 h 651536"/>
-              <a:gd name="connsiteX17" fmla="*/ 651119 w 2006888"/>
-              <a:gd name="connsiteY17" fmla="*/ 180914 h 651536"/>
-              <a:gd name="connsiteX18" fmla="*/ 484684 w 2006888"/>
-              <a:gd name="connsiteY18" fmla="*/ 115785 h 651536"/>
-              <a:gd name="connsiteX19" fmla="*/ 448502 w 2006888"/>
-              <a:gd name="connsiteY19" fmla="*/ 75984 h 651536"/>
-              <a:gd name="connsiteX20" fmla="*/ 3468 w 2006888"/>
-              <a:gd name="connsiteY20" fmla="*/ 0 h 651536"/>
-              <a:gd name="connsiteX0" fmla="*/ 3468 w 1992322"/>
-              <a:gd name="connsiteY0" fmla="*/ 0 h 651502"/>
-              <a:gd name="connsiteX1" fmla="*/ 263976 w 1992322"/>
-              <a:gd name="connsiteY1" fmla="*/ 199006 h 651502"/>
-              <a:gd name="connsiteX2" fmla="*/ 665592 w 1992322"/>
-              <a:gd name="connsiteY2" fmla="*/ 412484 h 651502"/>
-              <a:gd name="connsiteX3" fmla="*/ 1128717 w 1992322"/>
-              <a:gd name="connsiteY3" fmla="*/ 575307 h 651502"/>
-              <a:gd name="connsiteX4" fmla="*/ 1505005 w 1992322"/>
-              <a:gd name="connsiteY4" fmla="*/ 644054 h 651502"/>
-              <a:gd name="connsiteX5" fmla="*/ 1917476 w 1992322"/>
-              <a:gd name="connsiteY5" fmla="*/ 651291 h 651502"/>
-              <a:gd name="connsiteX6" fmla="*/ 1989839 w 1992322"/>
-              <a:gd name="connsiteY6" fmla="*/ 618726 h 651502"/>
-              <a:gd name="connsiteX7" fmla="*/ 1892149 w 1992322"/>
-              <a:gd name="connsiteY7" fmla="*/ 535506 h 651502"/>
-              <a:gd name="connsiteX8" fmla="*/ 1718477 w 1992322"/>
-              <a:gd name="connsiteY8" fmla="*/ 542742 h 651502"/>
-              <a:gd name="connsiteX9" fmla="*/ 1309625 w 1992322"/>
-              <a:gd name="connsiteY9" fmla="*/ 502941 h 651502"/>
-              <a:gd name="connsiteX10" fmla="*/ 947808 w 1992322"/>
-              <a:gd name="connsiteY10" fmla="*/ 387156 h 651502"/>
-              <a:gd name="connsiteX11" fmla="*/ 1316861 w 1992322"/>
-              <a:gd name="connsiteY11" fmla="*/ 394393 h 651502"/>
-              <a:gd name="connsiteX12" fmla="*/ 1667823 w 1992322"/>
-              <a:gd name="connsiteY12" fmla="*/ 332882 h 651502"/>
-              <a:gd name="connsiteX13" fmla="*/ 1580987 w 1992322"/>
-              <a:gd name="connsiteY13" fmla="*/ 217097 h 651502"/>
-              <a:gd name="connsiteX14" fmla="*/ 1479678 w 1992322"/>
-              <a:gd name="connsiteY14" fmla="*/ 238807 h 651502"/>
-              <a:gd name="connsiteX15" fmla="*/ 1219171 w 1992322"/>
-              <a:gd name="connsiteY15" fmla="*/ 253280 h 651502"/>
-              <a:gd name="connsiteX16" fmla="*/ 922481 w 1992322"/>
-              <a:gd name="connsiteY16" fmla="*/ 242425 h 651502"/>
-              <a:gd name="connsiteX17" fmla="*/ 651119 w 1992322"/>
-              <a:gd name="connsiteY17" fmla="*/ 180914 h 651502"/>
-              <a:gd name="connsiteX18" fmla="*/ 484684 w 1992322"/>
-              <a:gd name="connsiteY18" fmla="*/ 115785 h 651502"/>
-              <a:gd name="connsiteX19" fmla="*/ 448502 w 1992322"/>
-              <a:gd name="connsiteY19" fmla="*/ 75984 h 651502"/>
-              <a:gd name="connsiteX20" fmla="*/ 3468 w 1992322"/>
-              <a:gd name="connsiteY20" fmla="*/ 0 h 651502"/>
-              <a:gd name="connsiteX0" fmla="*/ 3468 w 1989839"/>
-              <a:gd name="connsiteY0" fmla="*/ 0 h 651502"/>
-              <a:gd name="connsiteX1" fmla="*/ 263976 w 1989839"/>
-              <a:gd name="connsiteY1" fmla="*/ 199006 h 651502"/>
-              <a:gd name="connsiteX2" fmla="*/ 665592 w 1989839"/>
-              <a:gd name="connsiteY2" fmla="*/ 412484 h 651502"/>
-              <a:gd name="connsiteX3" fmla="*/ 1128717 w 1989839"/>
-              <a:gd name="connsiteY3" fmla="*/ 575307 h 651502"/>
-              <a:gd name="connsiteX4" fmla="*/ 1505005 w 1989839"/>
-              <a:gd name="connsiteY4" fmla="*/ 644054 h 651502"/>
-              <a:gd name="connsiteX5" fmla="*/ 1917476 w 1989839"/>
-              <a:gd name="connsiteY5" fmla="*/ 651291 h 651502"/>
-              <a:gd name="connsiteX6" fmla="*/ 1989839 w 1989839"/>
-              <a:gd name="connsiteY6" fmla="*/ 618726 h 651502"/>
-              <a:gd name="connsiteX7" fmla="*/ 1892149 w 1989839"/>
-              <a:gd name="connsiteY7" fmla="*/ 535506 h 651502"/>
-              <a:gd name="connsiteX8" fmla="*/ 1718477 w 1989839"/>
-              <a:gd name="connsiteY8" fmla="*/ 542742 h 651502"/>
-              <a:gd name="connsiteX9" fmla="*/ 1309625 w 1989839"/>
-              <a:gd name="connsiteY9" fmla="*/ 502941 h 651502"/>
-              <a:gd name="connsiteX10" fmla="*/ 947808 w 1989839"/>
-              <a:gd name="connsiteY10" fmla="*/ 387156 h 651502"/>
-              <a:gd name="connsiteX11" fmla="*/ 1316861 w 1989839"/>
-              <a:gd name="connsiteY11" fmla="*/ 394393 h 651502"/>
-              <a:gd name="connsiteX12" fmla="*/ 1667823 w 1989839"/>
-              <a:gd name="connsiteY12" fmla="*/ 332882 h 651502"/>
-              <a:gd name="connsiteX13" fmla="*/ 1580987 w 1989839"/>
-              <a:gd name="connsiteY13" fmla="*/ 217097 h 651502"/>
-              <a:gd name="connsiteX14" fmla="*/ 1479678 w 1989839"/>
-              <a:gd name="connsiteY14" fmla="*/ 238807 h 651502"/>
-              <a:gd name="connsiteX15" fmla="*/ 1219171 w 1989839"/>
-              <a:gd name="connsiteY15" fmla="*/ 253280 h 651502"/>
-              <a:gd name="connsiteX16" fmla="*/ 922481 w 1989839"/>
-              <a:gd name="connsiteY16" fmla="*/ 242425 h 651502"/>
-              <a:gd name="connsiteX17" fmla="*/ 651119 w 1989839"/>
-              <a:gd name="connsiteY17" fmla="*/ 180914 h 651502"/>
-              <a:gd name="connsiteX18" fmla="*/ 484684 w 1989839"/>
-              <a:gd name="connsiteY18" fmla="*/ 115785 h 651502"/>
-              <a:gd name="connsiteX19" fmla="*/ 448502 w 1989839"/>
-              <a:gd name="connsiteY19" fmla="*/ 75984 h 651502"/>
-              <a:gd name="connsiteX20" fmla="*/ 3468 w 1989839"/>
-              <a:gd name="connsiteY20" fmla="*/ 0 h 651502"/>
-              <a:gd name="connsiteX0" fmla="*/ 3468 w 1995691"/>
-              <a:gd name="connsiteY0" fmla="*/ 0 h 651949"/>
-              <a:gd name="connsiteX1" fmla="*/ 263976 w 1995691"/>
-              <a:gd name="connsiteY1" fmla="*/ 199006 h 651949"/>
-              <a:gd name="connsiteX2" fmla="*/ 665592 w 1995691"/>
-              <a:gd name="connsiteY2" fmla="*/ 412484 h 651949"/>
-              <a:gd name="connsiteX3" fmla="*/ 1128717 w 1995691"/>
-              <a:gd name="connsiteY3" fmla="*/ 575307 h 651949"/>
-              <a:gd name="connsiteX4" fmla="*/ 1505005 w 1995691"/>
-              <a:gd name="connsiteY4" fmla="*/ 644054 h 651949"/>
-              <a:gd name="connsiteX5" fmla="*/ 1917476 w 1995691"/>
-              <a:gd name="connsiteY5" fmla="*/ 651291 h 651949"/>
-              <a:gd name="connsiteX6" fmla="*/ 1989839 w 1995691"/>
-              <a:gd name="connsiteY6" fmla="*/ 618726 h 651949"/>
-              <a:gd name="connsiteX7" fmla="*/ 1892149 w 1995691"/>
-              <a:gd name="connsiteY7" fmla="*/ 535506 h 651949"/>
-              <a:gd name="connsiteX8" fmla="*/ 1718477 w 1995691"/>
-              <a:gd name="connsiteY8" fmla="*/ 542742 h 651949"/>
-              <a:gd name="connsiteX9" fmla="*/ 1309625 w 1995691"/>
-              <a:gd name="connsiteY9" fmla="*/ 502941 h 651949"/>
-              <a:gd name="connsiteX10" fmla="*/ 947808 w 1995691"/>
-              <a:gd name="connsiteY10" fmla="*/ 387156 h 651949"/>
-              <a:gd name="connsiteX11" fmla="*/ 1316861 w 1995691"/>
-              <a:gd name="connsiteY11" fmla="*/ 394393 h 651949"/>
-              <a:gd name="connsiteX12" fmla="*/ 1667823 w 1995691"/>
-              <a:gd name="connsiteY12" fmla="*/ 332882 h 651949"/>
-              <a:gd name="connsiteX13" fmla="*/ 1580987 w 1995691"/>
-              <a:gd name="connsiteY13" fmla="*/ 217097 h 651949"/>
-              <a:gd name="connsiteX14" fmla="*/ 1479678 w 1995691"/>
-              <a:gd name="connsiteY14" fmla="*/ 238807 h 651949"/>
-              <a:gd name="connsiteX15" fmla="*/ 1219171 w 1995691"/>
-              <a:gd name="connsiteY15" fmla="*/ 253280 h 651949"/>
-              <a:gd name="connsiteX16" fmla="*/ 922481 w 1995691"/>
-              <a:gd name="connsiteY16" fmla="*/ 242425 h 651949"/>
-              <a:gd name="connsiteX17" fmla="*/ 651119 w 1995691"/>
-              <a:gd name="connsiteY17" fmla="*/ 180914 h 651949"/>
-              <a:gd name="connsiteX18" fmla="*/ 484684 w 1995691"/>
-              <a:gd name="connsiteY18" fmla="*/ 115785 h 651949"/>
-              <a:gd name="connsiteX19" fmla="*/ 448502 w 1995691"/>
-              <a:gd name="connsiteY19" fmla="*/ 75984 h 651949"/>
-              <a:gd name="connsiteX20" fmla="*/ 3468 w 1995691"/>
-              <a:gd name="connsiteY20" fmla="*/ 0 h 651949"/>
-              <a:gd name="connsiteX0" fmla="*/ 3468 w 1989839"/>
-              <a:gd name="connsiteY0" fmla="*/ 0 h 664521"/>
-              <a:gd name="connsiteX1" fmla="*/ 263976 w 1989839"/>
-              <a:gd name="connsiteY1" fmla="*/ 199006 h 664521"/>
-              <a:gd name="connsiteX2" fmla="*/ 665592 w 1989839"/>
-              <a:gd name="connsiteY2" fmla="*/ 412484 h 664521"/>
-              <a:gd name="connsiteX3" fmla="*/ 1128717 w 1989839"/>
-              <a:gd name="connsiteY3" fmla="*/ 575307 h 664521"/>
-              <a:gd name="connsiteX4" fmla="*/ 1505005 w 1989839"/>
-              <a:gd name="connsiteY4" fmla="*/ 644054 h 664521"/>
-              <a:gd name="connsiteX5" fmla="*/ 1917476 w 1989839"/>
-              <a:gd name="connsiteY5" fmla="*/ 651291 h 664521"/>
-              <a:gd name="connsiteX6" fmla="*/ 1989839 w 1989839"/>
-              <a:gd name="connsiteY6" fmla="*/ 618726 h 664521"/>
-              <a:gd name="connsiteX7" fmla="*/ 1892149 w 1989839"/>
-              <a:gd name="connsiteY7" fmla="*/ 535506 h 664521"/>
-              <a:gd name="connsiteX8" fmla="*/ 1718477 w 1989839"/>
-              <a:gd name="connsiteY8" fmla="*/ 542742 h 664521"/>
-              <a:gd name="connsiteX9" fmla="*/ 1309625 w 1989839"/>
-              <a:gd name="connsiteY9" fmla="*/ 502941 h 664521"/>
-              <a:gd name="connsiteX10" fmla="*/ 947808 w 1989839"/>
-              <a:gd name="connsiteY10" fmla="*/ 387156 h 664521"/>
-              <a:gd name="connsiteX11" fmla="*/ 1316861 w 1989839"/>
-              <a:gd name="connsiteY11" fmla="*/ 394393 h 664521"/>
-              <a:gd name="connsiteX12" fmla="*/ 1667823 w 1989839"/>
-              <a:gd name="connsiteY12" fmla="*/ 332882 h 664521"/>
-              <a:gd name="connsiteX13" fmla="*/ 1580987 w 1989839"/>
-              <a:gd name="connsiteY13" fmla="*/ 217097 h 664521"/>
-              <a:gd name="connsiteX14" fmla="*/ 1479678 w 1989839"/>
-              <a:gd name="connsiteY14" fmla="*/ 238807 h 664521"/>
-              <a:gd name="connsiteX15" fmla="*/ 1219171 w 1989839"/>
-              <a:gd name="connsiteY15" fmla="*/ 253280 h 664521"/>
-              <a:gd name="connsiteX16" fmla="*/ 922481 w 1989839"/>
-              <a:gd name="connsiteY16" fmla="*/ 242425 h 664521"/>
-              <a:gd name="connsiteX17" fmla="*/ 651119 w 1989839"/>
-              <a:gd name="connsiteY17" fmla="*/ 180914 h 664521"/>
-              <a:gd name="connsiteX18" fmla="*/ 484684 w 1989839"/>
-              <a:gd name="connsiteY18" fmla="*/ 115785 h 664521"/>
-              <a:gd name="connsiteX19" fmla="*/ 448502 w 1989839"/>
-              <a:gd name="connsiteY19" fmla="*/ 75984 h 664521"/>
-              <a:gd name="connsiteX20" fmla="*/ 3468 w 1989839"/>
-              <a:gd name="connsiteY20" fmla="*/ 0 h 664521"/>
-              <a:gd name="connsiteX0" fmla="*/ 3468 w 1989839"/>
-              <a:gd name="connsiteY0" fmla="*/ 0 h 664521"/>
-              <a:gd name="connsiteX1" fmla="*/ 263976 w 1989839"/>
-              <a:gd name="connsiteY1" fmla="*/ 199006 h 664521"/>
-              <a:gd name="connsiteX2" fmla="*/ 665592 w 1989839"/>
-              <a:gd name="connsiteY2" fmla="*/ 412484 h 664521"/>
-              <a:gd name="connsiteX3" fmla="*/ 1128717 w 1989839"/>
-              <a:gd name="connsiteY3" fmla="*/ 575307 h 664521"/>
-              <a:gd name="connsiteX4" fmla="*/ 1505005 w 1989839"/>
-              <a:gd name="connsiteY4" fmla="*/ 644054 h 664521"/>
-              <a:gd name="connsiteX5" fmla="*/ 1917476 w 1989839"/>
-              <a:gd name="connsiteY5" fmla="*/ 651291 h 664521"/>
-              <a:gd name="connsiteX6" fmla="*/ 1989839 w 1989839"/>
-              <a:gd name="connsiteY6" fmla="*/ 618726 h 664521"/>
-              <a:gd name="connsiteX7" fmla="*/ 1892149 w 1989839"/>
-              <a:gd name="connsiteY7" fmla="*/ 535506 h 664521"/>
-              <a:gd name="connsiteX8" fmla="*/ 1718477 w 1989839"/>
-              <a:gd name="connsiteY8" fmla="*/ 542742 h 664521"/>
-              <a:gd name="connsiteX9" fmla="*/ 1309625 w 1989839"/>
-              <a:gd name="connsiteY9" fmla="*/ 502941 h 664521"/>
-              <a:gd name="connsiteX10" fmla="*/ 947808 w 1989839"/>
-              <a:gd name="connsiteY10" fmla="*/ 387156 h 664521"/>
-              <a:gd name="connsiteX11" fmla="*/ 1316861 w 1989839"/>
-              <a:gd name="connsiteY11" fmla="*/ 394393 h 664521"/>
-              <a:gd name="connsiteX12" fmla="*/ 1667823 w 1989839"/>
-              <a:gd name="connsiteY12" fmla="*/ 332882 h 664521"/>
-              <a:gd name="connsiteX13" fmla="*/ 1580987 w 1989839"/>
-              <a:gd name="connsiteY13" fmla="*/ 217097 h 664521"/>
-              <a:gd name="connsiteX14" fmla="*/ 1479678 w 1989839"/>
-              <a:gd name="connsiteY14" fmla="*/ 238807 h 664521"/>
-              <a:gd name="connsiteX15" fmla="*/ 1219171 w 1989839"/>
-              <a:gd name="connsiteY15" fmla="*/ 253280 h 664521"/>
-              <a:gd name="connsiteX16" fmla="*/ 922481 w 1989839"/>
-              <a:gd name="connsiteY16" fmla="*/ 242425 h 664521"/>
-              <a:gd name="connsiteX17" fmla="*/ 651119 w 1989839"/>
-              <a:gd name="connsiteY17" fmla="*/ 180914 h 664521"/>
-              <a:gd name="connsiteX18" fmla="*/ 484684 w 1989839"/>
-              <a:gd name="connsiteY18" fmla="*/ 115785 h 664521"/>
-              <a:gd name="connsiteX19" fmla="*/ 448502 w 1989839"/>
-              <a:gd name="connsiteY19" fmla="*/ 75984 h 664521"/>
-              <a:gd name="connsiteX20" fmla="*/ 3468 w 1989839"/>
-              <a:gd name="connsiteY20" fmla="*/ 0 h 664521"/>
-              <a:gd name="connsiteX0" fmla="*/ 3468 w 1989839"/>
-              <a:gd name="connsiteY0" fmla="*/ 0 h 664521"/>
-              <a:gd name="connsiteX1" fmla="*/ 263976 w 1989839"/>
-              <a:gd name="connsiteY1" fmla="*/ 199006 h 664521"/>
-              <a:gd name="connsiteX2" fmla="*/ 665592 w 1989839"/>
-              <a:gd name="connsiteY2" fmla="*/ 412484 h 664521"/>
-              <a:gd name="connsiteX3" fmla="*/ 1128717 w 1989839"/>
-              <a:gd name="connsiteY3" fmla="*/ 575307 h 664521"/>
-              <a:gd name="connsiteX4" fmla="*/ 1505005 w 1989839"/>
-              <a:gd name="connsiteY4" fmla="*/ 644054 h 664521"/>
-              <a:gd name="connsiteX5" fmla="*/ 1917476 w 1989839"/>
-              <a:gd name="connsiteY5" fmla="*/ 651291 h 664521"/>
-              <a:gd name="connsiteX6" fmla="*/ 1989839 w 1989839"/>
-              <a:gd name="connsiteY6" fmla="*/ 618726 h 664521"/>
-              <a:gd name="connsiteX7" fmla="*/ 1892149 w 1989839"/>
-              <a:gd name="connsiteY7" fmla="*/ 535506 h 664521"/>
-              <a:gd name="connsiteX8" fmla="*/ 1718477 w 1989839"/>
-              <a:gd name="connsiteY8" fmla="*/ 542742 h 664521"/>
-              <a:gd name="connsiteX9" fmla="*/ 1309625 w 1989839"/>
-              <a:gd name="connsiteY9" fmla="*/ 502941 h 664521"/>
-              <a:gd name="connsiteX10" fmla="*/ 947808 w 1989839"/>
-              <a:gd name="connsiteY10" fmla="*/ 387156 h 664521"/>
-              <a:gd name="connsiteX11" fmla="*/ 1316861 w 1989839"/>
-              <a:gd name="connsiteY11" fmla="*/ 394393 h 664521"/>
-              <a:gd name="connsiteX12" fmla="*/ 1667823 w 1989839"/>
-              <a:gd name="connsiteY12" fmla="*/ 332882 h 664521"/>
-              <a:gd name="connsiteX13" fmla="*/ 1580987 w 1989839"/>
-              <a:gd name="connsiteY13" fmla="*/ 217097 h 664521"/>
-              <a:gd name="connsiteX14" fmla="*/ 1479678 w 1989839"/>
-              <a:gd name="connsiteY14" fmla="*/ 238807 h 664521"/>
-              <a:gd name="connsiteX15" fmla="*/ 1219171 w 1989839"/>
-              <a:gd name="connsiteY15" fmla="*/ 253280 h 664521"/>
-              <a:gd name="connsiteX16" fmla="*/ 922481 w 1989839"/>
-              <a:gd name="connsiteY16" fmla="*/ 242425 h 664521"/>
-              <a:gd name="connsiteX17" fmla="*/ 651119 w 1989839"/>
-              <a:gd name="connsiteY17" fmla="*/ 180914 h 664521"/>
-              <a:gd name="connsiteX18" fmla="*/ 484684 w 1989839"/>
-              <a:gd name="connsiteY18" fmla="*/ 115785 h 664521"/>
-              <a:gd name="connsiteX19" fmla="*/ 448502 w 1989839"/>
-              <a:gd name="connsiteY19" fmla="*/ 75984 h 664521"/>
-              <a:gd name="connsiteX20" fmla="*/ 3468 w 1989839"/>
-              <a:gd name="connsiteY20" fmla="*/ 0 h 664521"/>
-              <a:gd name="connsiteX0" fmla="*/ 3468 w 1989839"/>
-              <a:gd name="connsiteY0" fmla="*/ 0 h 664521"/>
-              <a:gd name="connsiteX1" fmla="*/ 263976 w 1989839"/>
-              <a:gd name="connsiteY1" fmla="*/ 199006 h 664521"/>
-              <a:gd name="connsiteX2" fmla="*/ 665592 w 1989839"/>
-              <a:gd name="connsiteY2" fmla="*/ 412484 h 664521"/>
-              <a:gd name="connsiteX3" fmla="*/ 1128717 w 1989839"/>
-              <a:gd name="connsiteY3" fmla="*/ 575307 h 664521"/>
-              <a:gd name="connsiteX4" fmla="*/ 1505005 w 1989839"/>
-              <a:gd name="connsiteY4" fmla="*/ 644054 h 664521"/>
-              <a:gd name="connsiteX5" fmla="*/ 1917476 w 1989839"/>
-              <a:gd name="connsiteY5" fmla="*/ 651291 h 664521"/>
-              <a:gd name="connsiteX6" fmla="*/ 1989839 w 1989839"/>
-              <a:gd name="connsiteY6" fmla="*/ 618726 h 664521"/>
-              <a:gd name="connsiteX7" fmla="*/ 1892149 w 1989839"/>
-              <a:gd name="connsiteY7" fmla="*/ 535506 h 664521"/>
-              <a:gd name="connsiteX8" fmla="*/ 1718477 w 1989839"/>
-              <a:gd name="connsiteY8" fmla="*/ 542742 h 664521"/>
-              <a:gd name="connsiteX9" fmla="*/ 1309625 w 1989839"/>
-              <a:gd name="connsiteY9" fmla="*/ 502941 h 664521"/>
-              <a:gd name="connsiteX10" fmla="*/ 947808 w 1989839"/>
-              <a:gd name="connsiteY10" fmla="*/ 387156 h 664521"/>
-              <a:gd name="connsiteX11" fmla="*/ 1316861 w 1989839"/>
-              <a:gd name="connsiteY11" fmla="*/ 394393 h 664521"/>
-              <a:gd name="connsiteX12" fmla="*/ 1667823 w 1989839"/>
-              <a:gd name="connsiteY12" fmla="*/ 332882 h 664521"/>
-              <a:gd name="connsiteX13" fmla="*/ 1580987 w 1989839"/>
-              <a:gd name="connsiteY13" fmla="*/ 217097 h 664521"/>
-              <a:gd name="connsiteX14" fmla="*/ 1479678 w 1989839"/>
-              <a:gd name="connsiteY14" fmla="*/ 238807 h 664521"/>
-              <a:gd name="connsiteX15" fmla="*/ 1219171 w 1989839"/>
-              <a:gd name="connsiteY15" fmla="*/ 253280 h 664521"/>
-              <a:gd name="connsiteX16" fmla="*/ 922481 w 1989839"/>
-              <a:gd name="connsiteY16" fmla="*/ 242425 h 664521"/>
-              <a:gd name="connsiteX17" fmla="*/ 651119 w 1989839"/>
-              <a:gd name="connsiteY17" fmla="*/ 180914 h 664521"/>
-              <a:gd name="connsiteX18" fmla="*/ 484684 w 1989839"/>
-              <a:gd name="connsiteY18" fmla="*/ 115785 h 664521"/>
-              <a:gd name="connsiteX19" fmla="*/ 448502 w 1989839"/>
-              <a:gd name="connsiteY19" fmla="*/ 75984 h 664521"/>
-              <a:gd name="connsiteX20" fmla="*/ 3468 w 1989839"/>
-              <a:gd name="connsiteY20" fmla="*/ 0 h 664521"/>
-              <a:gd name="connsiteX0" fmla="*/ 3468 w 1989839"/>
-              <a:gd name="connsiteY0" fmla="*/ 0 h 664521"/>
-              <a:gd name="connsiteX1" fmla="*/ 263976 w 1989839"/>
-              <a:gd name="connsiteY1" fmla="*/ 199006 h 664521"/>
-              <a:gd name="connsiteX2" fmla="*/ 665592 w 1989839"/>
-              <a:gd name="connsiteY2" fmla="*/ 412484 h 664521"/>
-              <a:gd name="connsiteX3" fmla="*/ 1128717 w 1989839"/>
-              <a:gd name="connsiteY3" fmla="*/ 575307 h 664521"/>
-              <a:gd name="connsiteX4" fmla="*/ 1505005 w 1989839"/>
-              <a:gd name="connsiteY4" fmla="*/ 644054 h 664521"/>
-              <a:gd name="connsiteX5" fmla="*/ 1917476 w 1989839"/>
-              <a:gd name="connsiteY5" fmla="*/ 651291 h 664521"/>
-              <a:gd name="connsiteX6" fmla="*/ 1989839 w 1989839"/>
-              <a:gd name="connsiteY6" fmla="*/ 618726 h 664521"/>
-              <a:gd name="connsiteX7" fmla="*/ 1892149 w 1989839"/>
-              <a:gd name="connsiteY7" fmla="*/ 535506 h 664521"/>
-              <a:gd name="connsiteX8" fmla="*/ 1718477 w 1989839"/>
-              <a:gd name="connsiteY8" fmla="*/ 542742 h 664521"/>
-              <a:gd name="connsiteX9" fmla="*/ 1309625 w 1989839"/>
-              <a:gd name="connsiteY9" fmla="*/ 502941 h 664521"/>
-              <a:gd name="connsiteX10" fmla="*/ 947808 w 1989839"/>
-              <a:gd name="connsiteY10" fmla="*/ 387156 h 664521"/>
-              <a:gd name="connsiteX11" fmla="*/ 1316861 w 1989839"/>
-              <a:gd name="connsiteY11" fmla="*/ 394393 h 664521"/>
-              <a:gd name="connsiteX12" fmla="*/ 1667823 w 1989839"/>
-              <a:gd name="connsiteY12" fmla="*/ 332882 h 664521"/>
-              <a:gd name="connsiteX13" fmla="*/ 1580987 w 1989839"/>
-              <a:gd name="connsiteY13" fmla="*/ 217097 h 664521"/>
-              <a:gd name="connsiteX14" fmla="*/ 1479678 w 1989839"/>
-              <a:gd name="connsiteY14" fmla="*/ 238807 h 664521"/>
-              <a:gd name="connsiteX15" fmla="*/ 1219171 w 1989839"/>
-              <a:gd name="connsiteY15" fmla="*/ 253280 h 664521"/>
-              <a:gd name="connsiteX16" fmla="*/ 922481 w 1989839"/>
-              <a:gd name="connsiteY16" fmla="*/ 242425 h 664521"/>
-              <a:gd name="connsiteX17" fmla="*/ 651119 w 1989839"/>
-              <a:gd name="connsiteY17" fmla="*/ 180914 h 664521"/>
-              <a:gd name="connsiteX18" fmla="*/ 484684 w 1989839"/>
-              <a:gd name="connsiteY18" fmla="*/ 115785 h 664521"/>
-              <a:gd name="connsiteX19" fmla="*/ 448502 w 1989839"/>
-              <a:gd name="connsiteY19" fmla="*/ 75984 h 664521"/>
-              <a:gd name="connsiteX20" fmla="*/ 3468 w 1989839"/>
-              <a:gd name="connsiteY20" fmla="*/ 0 h 664521"/>
-              <a:gd name="connsiteX0" fmla="*/ 3468 w 1989839"/>
-              <a:gd name="connsiteY0" fmla="*/ 0 h 664521"/>
-              <a:gd name="connsiteX1" fmla="*/ 263976 w 1989839"/>
-              <a:gd name="connsiteY1" fmla="*/ 199006 h 664521"/>
-              <a:gd name="connsiteX2" fmla="*/ 665592 w 1989839"/>
-              <a:gd name="connsiteY2" fmla="*/ 412484 h 664521"/>
-              <a:gd name="connsiteX3" fmla="*/ 1128717 w 1989839"/>
-              <a:gd name="connsiteY3" fmla="*/ 575307 h 664521"/>
-              <a:gd name="connsiteX4" fmla="*/ 1505005 w 1989839"/>
-              <a:gd name="connsiteY4" fmla="*/ 644054 h 664521"/>
-              <a:gd name="connsiteX5" fmla="*/ 1917476 w 1989839"/>
-              <a:gd name="connsiteY5" fmla="*/ 651291 h 664521"/>
-              <a:gd name="connsiteX6" fmla="*/ 1989839 w 1989839"/>
-              <a:gd name="connsiteY6" fmla="*/ 618726 h 664521"/>
-              <a:gd name="connsiteX7" fmla="*/ 1892149 w 1989839"/>
-              <a:gd name="connsiteY7" fmla="*/ 535506 h 664521"/>
-              <a:gd name="connsiteX8" fmla="*/ 1718477 w 1989839"/>
-              <a:gd name="connsiteY8" fmla="*/ 542742 h 664521"/>
-              <a:gd name="connsiteX9" fmla="*/ 1309625 w 1989839"/>
-              <a:gd name="connsiteY9" fmla="*/ 490241 h 664521"/>
-              <a:gd name="connsiteX10" fmla="*/ 947808 w 1989839"/>
-              <a:gd name="connsiteY10" fmla="*/ 387156 h 664521"/>
-              <a:gd name="connsiteX11" fmla="*/ 1316861 w 1989839"/>
-              <a:gd name="connsiteY11" fmla="*/ 394393 h 664521"/>
-              <a:gd name="connsiteX12" fmla="*/ 1667823 w 1989839"/>
-              <a:gd name="connsiteY12" fmla="*/ 332882 h 664521"/>
-              <a:gd name="connsiteX13" fmla="*/ 1580987 w 1989839"/>
-              <a:gd name="connsiteY13" fmla="*/ 217097 h 664521"/>
-              <a:gd name="connsiteX14" fmla="*/ 1479678 w 1989839"/>
-              <a:gd name="connsiteY14" fmla="*/ 238807 h 664521"/>
-              <a:gd name="connsiteX15" fmla="*/ 1219171 w 1989839"/>
-              <a:gd name="connsiteY15" fmla="*/ 253280 h 664521"/>
-              <a:gd name="connsiteX16" fmla="*/ 922481 w 1989839"/>
-              <a:gd name="connsiteY16" fmla="*/ 242425 h 664521"/>
-              <a:gd name="connsiteX17" fmla="*/ 651119 w 1989839"/>
-              <a:gd name="connsiteY17" fmla="*/ 180914 h 664521"/>
-              <a:gd name="connsiteX18" fmla="*/ 484684 w 1989839"/>
-              <a:gd name="connsiteY18" fmla="*/ 115785 h 664521"/>
-              <a:gd name="connsiteX19" fmla="*/ 448502 w 1989839"/>
-              <a:gd name="connsiteY19" fmla="*/ 75984 h 664521"/>
-              <a:gd name="connsiteX20" fmla="*/ 3468 w 1989839"/>
-              <a:gd name="connsiteY20" fmla="*/ 0 h 664521"/>
-              <a:gd name="connsiteX0" fmla="*/ 3468 w 1989839"/>
-              <a:gd name="connsiteY0" fmla="*/ 0 h 664521"/>
-              <a:gd name="connsiteX1" fmla="*/ 263976 w 1989839"/>
-              <a:gd name="connsiteY1" fmla="*/ 199006 h 664521"/>
-              <a:gd name="connsiteX2" fmla="*/ 665592 w 1989839"/>
-              <a:gd name="connsiteY2" fmla="*/ 412484 h 664521"/>
-              <a:gd name="connsiteX3" fmla="*/ 1128717 w 1989839"/>
-              <a:gd name="connsiteY3" fmla="*/ 575307 h 664521"/>
-              <a:gd name="connsiteX4" fmla="*/ 1505005 w 1989839"/>
-              <a:gd name="connsiteY4" fmla="*/ 644054 h 664521"/>
-              <a:gd name="connsiteX5" fmla="*/ 1917476 w 1989839"/>
-              <a:gd name="connsiteY5" fmla="*/ 651291 h 664521"/>
-              <a:gd name="connsiteX6" fmla="*/ 1989839 w 1989839"/>
-              <a:gd name="connsiteY6" fmla="*/ 618726 h 664521"/>
-              <a:gd name="connsiteX7" fmla="*/ 1892149 w 1989839"/>
-              <a:gd name="connsiteY7" fmla="*/ 535506 h 664521"/>
-              <a:gd name="connsiteX8" fmla="*/ 1718477 w 1989839"/>
-              <a:gd name="connsiteY8" fmla="*/ 542742 h 664521"/>
-              <a:gd name="connsiteX9" fmla="*/ 1309625 w 1989839"/>
-              <a:gd name="connsiteY9" fmla="*/ 490241 h 664521"/>
-              <a:gd name="connsiteX10" fmla="*/ 947808 w 1989839"/>
-              <a:gd name="connsiteY10" fmla="*/ 387156 h 664521"/>
-              <a:gd name="connsiteX11" fmla="*/ 1316861 w 1989839"/>
-              <a:gd name="connsiteY11" fmla="*/ 394393 h 664521"/>
-              <a:gd name="connsiteX12" fmla="*/ 1667823 w 1989839"/>
-              <a:gd name="connsiteY12" fmla="*/ 332882 h 664521"/>
-              <a:gd name="connsiteX13" fmla="*/ 1580987 w 1989839"/>
-              <a:gd name="connsiteY13" fmla="*/ 217097 h 664521"/>
-              <a:gd name="connsiteX14" fmla="*/ 1479678 w 1989839"/>
-              <a:gd name="connsiteY14" fmla="*/ 238807 h 664521"/>
-              <a:gd name="connsiteX15" fmla="*/ 1219171 w 1989839"/>
-              <a:gd name="connsiteY15" fmla="*/ 253280 h 664521"/>
-              <a:gd name="connsiteX16" fmla="*/ 922481 w 1989839"/>
-              <a:gd name="connsiteY16" fmla="*/ 242425 h 664521"/>
-              <a:gd name="connsiteX17" fmla="*/ 651119 w 1989839"/>
-              <a:gd name="connsiteY17" fmla="*/ 180914 h 664521"/>
-              <a:gd name="connsiteX18" fmla="*/ 484684 w 1989839"/>
-              <a:gd name="connsiteY18" fmla="*/ 115785 h 664521"/>
-              <a:gd name="connsiteX19" fmla="*/ 448502 w 1989839"/>
-              <a:gd name="connsiteY19" fmla="*/ 75984 h 664521"/>
-              <a:gd name="connsiteX20" fmla="*/ 3468 w 1989839"/>
-              <a:gd name="connsiteY20" fmla="*/ 0 h 664521"/>
-              <a:gd name="connsiteX0" fmla="*/ 3468 w 1989839"/>
-              <a:gd name="connsiteY0" fmla="*/ 0 h 664521"/>
-              <a:gd name="connsiteX1" fmla="*/ 263976 w 1989839"/>
-              <a:gd name="connsiteY1" fmla="*/ 199006 h 664521"/>
-              <a:gd name="connsiteX2" fmla="*/ 665592 w 1989839"/>
-              <a:gd name="connsiteY2" fmla="*/ 412484 h 664521"/>
-              <a:gd name="connsiteX3" fmla="*/ 1128717 w 1989839"/>
-              <a:gd name="connsiteY3" fmla="*/ 575307 h 664521"/>
-              <a:gd name="connsiteX4" fmla="*/ 1505005 w 1989839"/>
-              <a:gd name="connsiteY4" fmla="*/ 644054 h 664521"/>
-              <a:gd name="connsiteX5" fmla="*/ 1917476 w 1989839"/>
-              <a:gd name="connsiteY5" fmla="*/ 651291 h 664521"/>
-              <a:gd name="connsiteX6" fmla="*/ 1989839 w 1989839"/>
-              <a:gd name="connsiteY6" fmla="*/ 618726 h 664521"/>
-              <a:gd name="connsiteX7" fmla="*/ 1892149 w 1989839"/>
-              <a:gd name="connsiteY7" fmla="*/ 535506 h 664521"/>
-              <a:gd name="connsiteX8" fmla="*/ 1718477 w 1989839"/>
-              <a:gd name="connsiteY8" fmla="*/ 542742 h 664521"/>
-              <a:gd name="connsiteX9" fmla="*/ 1309625 w 1989839"/>
-              <a:gd name="connsiteY9" fmla="*/ 490241 h 664521"/>
-              <a:gd name="connsiteX10" fmla="*/ 947808 w 1989839"/>
-              <a:gd name="connsiteY10" fmla="*/ 387156 h 664521"/>
-              <a:gd name="connsiteX11" fmla="*/ 1316861 w 1989839"/>
-              <a:gd name="connsiteY11" fmla="*/ 394393 h 664521"/>
-              <a:gd name="connsiteX12" fmla="*/ 1667823 w 1989839"/>
-              <a:gd name="connsiteY12" fmla="*/ 332882 h 664521"/>
-              <a:gd name="connsiteX13" fmla="*/ 1580987 w 1989839"/>
-              <a:gd name="connsiteY13" fmla="*/ 217097 h 664521"/>
-              <a:gd name="connsiteX14" fmla="*/ 1479678 w 1989839"/>
-              <a:gd name="connsiteY14" fmla="*/ 238807 h 664521"/>
-              <a:gd name="connsiteX15" fmla="*/ 1219171 w 1989839"/>
-              <a:gd name="connsiteY15" fmla="*/ 253280 h 664521"/>
-              <a:gd name="connsiteX16" fmla="*/ 922481 w 1989839"/>
-              <a:gd name="connsiteY16" fmla="*/ 242425 h 664521"/>
-              <a:gd name="connsiteX17" fmla="*/ 651119 w 1989839"/>
-              <a:gd name="connsiteY17" fmla="*/ 180914 h 664521"/>
-              <a:gd name="connsiteX18" fmla="*/ 484684 w 1989839"/>
-              <a:gd name="connsiteY18" fmla="*/ 115785 h 664521"/>
-              <a:gd name="connsiteX19" fmla="*/ 448502 w 1989839"/>
-              <a:gd name="connsiteY19" fmla="*/ 75984 h 664521"/>
-              <a:gd name="connsiteX20" fmla="*/ 3468 w 1989839"/>
-              <a:gd name="connsiteY20" fmla="*/ 0 h 664521"/>
-              <a:gd name="connsiteX0" fmla="*/ 3468 w 1989839"/>
-              <a:gd name="connsiteY0" fmla="*/ 0 h 664521"/>
-              <a:gd name="connsiteX1" fmla="*/ 263976 w 1989839"/>
-              <a:gd name="connsiteY1" fmla="*/ 199006 h 664521"/>
-              <a:gd name="connsiteX2" fmla="*/ 665592 w 1989839"/>
-              <a:gd name="connsiteY2" fmla="*/ 412484 h 664521"/>
-              <a:gd name="connsiteX3" fmla="*/ 1128717 w 1989839"/>
-              <a:gd name="connsiteY3" fmla="*/ 575307 h 664521"/>
-              <a:gd name="connsiteX4" fmla="*/ 1505005 w 1989839"/>
-              <a:gd name="connsiteY4" fmla="*/ 644054 h 664521"/>
-              <a:gd name="connsiteX5" fmla="*/ 1917476 w 1989839"/>
-              <a:gd name="connsiteY5" fmla="*/ 651291 h 664521"/>
-              <a:gd name="connsiteX6" fmla="*/ 1989839 w 1989839"/>
-              <a:gd name="connsiteY6" fmla="*/ 618726 h 664521"/>
-              <a:gd name="connsiteX7" fmla="*/ 1892149 w 1989839"/>
-              <a:gd name="connsiteY7" fmla="*/ 535506 h 664521"/>
-              <a:gd name="connsiteX8" fmla="*/ 1718477 w 1989839"/>
-              <a:gd name="connsiteY8" fmla="*/ 542742 h 664521"/>
-              <a:gd name="connsiteX9" fmla="*/ 1309625 w 1989839"/>
-              <a:gd name="connsiteY9" fmla="*/ 490241 h 664521"/>
-              <a:gd name="connsiteX10" fmla="*/ 947808 w 1989839"/>
-              <a:gd name="connsiteY10" fmla="*/ 387156 h 664521"/>
-              <a:gd name="connsiteX11" fmla="*/ 1316861 w 1989839"/>
-              <a:gd name="connsiteY11" fmla="*/ 394393 h 664521"/>
-              <a:gd name="connsiteX12" fmla="*/ 1667823 w 1989839"/>
-              <a:gd name="connsiteY12" fmla="*/ 332882 h 664521"/>
-              <a:gd name="connsiteX13" fmla="*/ 1580987 w 1989839"/>
-              <a:gd name="connsiteY13" fmla="*/ 217097 h 664521"/>
-              <a:gd name="connsiteX14" fmla="*/ 1479678 w 1989839"/>
-              <a:gd name="connsiteY14" fmla="*/ 238807 h 664521"/>
-              <a:gd name="connsiteX15" fmla="*/ 1219171 w 1989839"/>
-              <a:gd name="connsiteY15" fmla="*/ 253280 h 664521"/>
-              <a:gd name="connsiteX16" fmla="*/ 922481 w 1989839"/>
-              <a:gd name="connsiteY16" fmla="*/ 242425 h 664521"/>
-              <a:gd name="connsiteX17" fmla="*/ 651119 w 1989839"/>
-              <a:gd name="connsiteY17" fmla="*/ 180914 h 664521"/>
-              <a:gd name="connsiteX18" fmla="*/ 484684 w 1989839"/>
-              <a:gd name="connsiteY18" fmla="*/ 115785 h 664521"/>
-              <a:gd name="connsiteX19" fmla="*/ 448502 w 1989839"/>
-              <a:gd name="connsiteY19" fmla="*/ 75984 h 664521"/>
-              <a:gd name="connsiteX20" fmla="*/ 3468 w 1989839"/>
-              <a:gd name="connsiteY20" fmla="*/ 0 h 664521"/>
-              <a:gd name="connsiteX0" fmla="*/ 3468 w 1989839"/>
-              <a:gd name="connsiteY0" fmla="*/ 0 h 664521"/>
-              <a:gd name="connsiteX1" fmla="*/ 263976 w 1989839"/>
-              <a:gd name="connsiteY1" fmla="*/ 199006 h 664521"/>
-              <a:gd name="connsiteX2" fmla="*/ 665592 w 1989839"/>
-              <a:gd name="connsiteY2" fmla="*/ 412484 h 664521"/>
-              <a:gd name="connsiteX3" fmla="*/ 1128717 w 1989839"/>
-              <a:gd name="connsiteY3" fmla="*/ 575307 h 664521"/>
-              <a:gd name="connsiteX4" fmla="*/ 1505005 w 1989839"/>
-              <a:gd name="connsiteY4" fmla="*/ 644054 h 664521"/>
-              <a:gd name="connsiteX5" fmla="*/ 1917476 w 1989839"/>
-              <a:gd name="connsiteY5" fmla="*/ 651291 h 664521"/>
-              <a:gd name="connsiteX6" fmla="*/ 1989839 w 1989839"/>
-              <a:gd name="connsiteY6" fmla="*/ 618726 h 664521"/>
-              <a:gd name="connsiteX7" fmla="*/ 1892149 w 1989839"/>
-              <a:gd name="connsiteY7" fmla="*/ 535506 h 664521"/>
-              <a:gd name="connsiteX8" fmla="*/ 1718477 w 1989839"/>
-              <a:gd name="connsiteY8" fmla="*/ 542742 h 664521"/>
-              <a:gd name="connsiteX9" fmla="*/ 1309625 w 1989839"/>
-              <a:gd name="connsiteY9" fmla="*/ 490241 h 664521"/>
-              <a:gd name="connsiteX10" fmla="*/ 947808 w 1989839"/>
-              <a:gd name="connsiteY10" fmla="*/ 387156 h 664521"/>
-              <a:gd name="connsiteX11" fmla="*/ 1316861 w 1989839"/>
-              <a:gd name="connsiteY11" fmla="*/ 394393 h 664521"/>
-              <a:gd name="connsiteX12" fmla="*/ 1667823 w 1989839"/>
-              <a:gd name="connsiteY12" fmla="*/ 332882 h 664521"/>
-              <a:gd name="connsiteX13" fmla="*/ 1580987 w 1989839"/>
-              <a:gd name="connsiteY13" fmla="*/ 217097 h 664521"/>
-              <a:gd name="connsiteX14" fmla="*/ 1479678 w 1989839"/>
-              <a:gd name="connsiteY14" fmla="*/ 238807 h 664521"/>
-              <a:gd name="connsiteX15" fmla="*/ 1219171 w 1989839"/>
-              <a:gd name="connsiteY15" fmla="*/ 253280 h 664521"/>
-              <a:gd name="connsiteX16" fmla="*/ 922481 w 1989839"/>
-              <a:gd name="connsiteY16" fmla="*/ 242425 h 664521"/>
-              <a:gd name="connsiteX17" fmla="*/ 651119 w 1989839"/>
-              <a:gd name="connsiteY17" fmla="*/ 180914 h 664521"/>
-              <a:gd name="connsiteX18" fmla="*/ 484684 w 1989839"/>
-              <a:gd name="connsiteY18" fmla="*/ 115785 h 664521"/>
-              <a:gd name="connsiteX19" fmla="*/ 448502 w 1989839"/>
-              <a:gd name="connsiteY19" fmla="*/ 75984 h 664521"/>
-              <a:gd name="connsiteX20" fmla="*/ 3468 w 1989839"/>
-              <a:gd name="connsiteY20" fmla="*/ 0 h 664521"/>
-              <a:gd name="connsiteX0" fmla="*/ 3468 w 1989839"/>
-              <a:gd name="connsiteY0" fmla="*/ 0 h 664521"/>
-              <a:gd name="connsiteX1" fmla="*/ 263976 w 1989839"/>
-              <a:gd name="connsiteY1" fmla="*/ 199006 h 664521"/>
-              <a:gd name="connsiteX2" fmla="*/ 665592 w 1989839"/>
-              <a:gd name="connsiteY2" fmla="*/ 412484 h 664521"/>
-              <a:gd name="connsiteX3" fmla="*/ 1128717 w 1989839"/>
-              <a:gd name="connsiteY3" fmla="*/ 575307 h 664521"/>
-              <a:gd name="connsiteX4" fmla="*/ 1505005 w 1989839"/>
-              <a:gd name="connsiteY4" fmla="*/ 644054 h 664521"/>
-              <a:gd name="connsiteX5" fmla="*/ 1917476 w 1989839"/>
-              <a:gd name="connsiteY5" fmla="*/ 651291 h 664521"/>
-              <a:gd name="connsiteX6" fmla="*/ 1989839 w 1989839"/>
-              <a:gd name="connsiteY6" fmla="*/ 618726 h 664521"/>
-              <a:gd name="connsiteX7" fmla="*/ 1892149 w 1989839"/>
-              <a:gd name="connsiteY7" fmla="*/ 535506 h 664521"/>
-              <a:gd name="connsiteX8" fmla="*/ 1718477 w 1989839"/>
-              <a:gd name="connsiteY8" fmla="*/ 542742 h 664521"/>
-              <a:gd name="connsiteX9" fmla="*/ 1309625 w 1989839"/>
-              <a:gd name="connsiteY9" fmla="*/ 490241 h 664521"/>
-              <a:gd name="connsiteX10" fmla="*/ 947808 w 1989839"/>
-              <a:gd name="connsiteY10" fmla="*/ 387156 h 664521"/>
-              <a:gd name="connsiteX11" fmla="*/ 1316861 w 1989839"/>
-              <a:gd name="connsiteY11" fmla="*/ 394393 h 664521"/>
-              <a:gd name="connsiteX12" fmla="*/ 1667823 w 1989839"/>
-              <a:gd name="connsiteY12" fmla="*/ 332882 h 664521"/>
-              <a:gd name="connsiteX13" fmla="*/ 1580987 w 1989839"/>
-              <a:gd name="connsiteY13" fmla="*/ 217097 h 664521"/>
-              <a:gd name="connsiteX14" fmla="*/ 1479678 w 1989839"/>
-              <a:gd name="connsiteY14" fmla="*/ 238807 h 664521"/>
-              <a:gd name="connsiteX15" fmla="*/ 1219171 w 1989839"/>
-              <a:gd name="connsiteY15" fmla="*/ 253280 h 664521"/>
-              <a:gd name="connsiteX16" fmla="*/ 922481 w 1989839"/>
-              <a:gd name="connsiteY16" fmla="*/ 242425 h 664521"/>
-              <a:gd name="connsiteX17" fmla="*/ 651119 w 1989839"/>
-              <a:gd name="connsiteY17" fmla="*/ 180914 h 664521"/>
-              <a:gd name="connsiteX18" fmla="*/ 484684 w 1989839"/>
-              <a:gd name="connsiteY18" fmla="*/ 115785 h 664521"/>
-              <a:gd name="connsiteX19" fmla="*/ 448502 w 1989839"/>
-              <a:gd name="connsiteY19" fmla="*/ 75984 h 664521"/>
-              <a:gd name="connsiteX20" fmla="*/ 3468 w 1989839"/>
-              <a:gd name="connsiteY20" fmla="*/ 0 h 664521"/>
-              <a:gd name="connsiteX0" fmla="*/ 3468 w 1989839"/>
-              <a:gd name="connsiteY0" fmla="*/ 0 h 664521"/>
-              <a:gd name="connsiteX1" fmla="*/ 263976 w 1989839"/>
-              <a:gd name="connsiteY1" fmla="*/ 199006 h 664521"/>
-              <a:gd name="connsiteX2" fmla="*/ 665592 w 1989839"/>
-              <a:gd name="connsiteY2" fmla="*/ 412484 h 664521"/>
-              <a:gd name="connsiteX3" fmla="*/ 1128717 w 1989839"/>
-              <a:gd name="connsiteY3" fmla="*/ 575307 h 664521"/>
-              <a:gd name="connsiteX4" fmla="*/ 1505005 w 1989839"/>
-              <a:gd name="connsiteY4" fmla="*/ 644054 h 664521"/>
-              <a:gd name="connsiteX5" fmla="*/ 1917476 w 1989839"/>
-              <a:gd name="connsiteY5" fmla="*/ 651291 h 664521"/>
-              <a:gd name="connsiteX6" fmla="*/ 1989839 w 1989839"/>
-              <a:gd name="connsiteY6" fmla="*/ 618726 h 664521"/>
-              <a:gd name="connsiteX7" fmla="*/ 1892149 w 1989839"/>
-              <a:gd name="connsiteY7" fmla="*/ 535506 h 664521"/>
-              <a:gd name="connsiteX8" fmla="*/ 1718477 w 1989839"/>
-              <a:gd name="connsiteY8" fmla="*/ 542742 h 664521"/>
-              <a:gd name="connsiteX9" fmla="*/ 1309625 w 1989839"/>
-              <a:gd name="connsiteY9" fmla="*/ 490241 h 664521"/>
-              <a:gd name="connsiteX10" fmla="*/ 947808 w 1989839"/>
-              <a:gd name="connsiteY10" fmla="*/ 387156 h 664521"/>
-              <a:gd name="connsiteX11" fmla="*/ 1316861 w 1989839"/>
-              <a:gd name="connsiteY11" fmla="*/ 394393 h 664521"/>
-              <a:gd name="connsiteX12" fmla="*/ 1667823 w 1989839"/>
-              <a:gd name="connsiteY12" fmla="*/ 332882 h 664521"/>
-              <a:gd name="connsiteX13" fmla="*/ 1580987 w 1989839"/>
-              <a:gd name="connsiteY13" fmla="*/ 217097 h 664521"/>
-              <a:gd name="connsiteX14" fmla="*/ 1479678 w 1989839"/>
-              <a:gd name="connsiteY14" fmla="*/ 238807 h 664521"/>
-              <a:gd name="connsiteX15" fmla="*/ 1219171 w 1989839"/>
-              <a:gd name="connsiteY15" fmla="*/ 253280 h 664521"/>
-              <a:gd name="connsiteX16" fmla="*/ 922481 w 1989839"/>
-              <a:gd name="connsiteY16" fmla="*/ 242425 h 664521"/>
-              <a:gd name="connsiteX17" fmla="*/ 651119 w 1989839"/>
-              <a:gd name="connsiteY17" fmla="*/ 180914 h 664521"/>
-              <a:gd name="connsiteX18" fmla="*/ 448502 w 1989839"/>
-              <a:gd name="connsiteY18" fmla="*/ 75984 h 664521"/>
-              <a:gd name="connsiteX19" fmla="*/ 3468 w 1989839"/>
-              <a:gd name="connsiteY19" fmla="*/ 0 h 664521"/>
-              <a:gd name="connsiteX0" fmla="*/ 3468 w 1989839"/>
-              <a:gd name="connsiteY0" fmla="*/ 0 h 664521"/>
-              <a:gd name="connsiteX1" fmla="*/ 263976 w 1989839"/>
-              <a:gd name="connsiteY1" fmla="*/ 199006 h 664521"/>
-              <a:gd name="connsiteX2" fmla="*/ 665592 w 1989839"/>
-              <a:gd name="connsiteY2" fmla="*/ 412484 h 664521"/>
-              <a:gd name="connsiteX3" fmla="*/ 1128717 w 1989839"/>
-              <a:gd name="connsiteY3" fmla="*/ 575307 h 664521"/>
-              <a:gd name="connsiteX4" fmla="*/ 1505005 w 1989839"/>
-              <a:gd name="connsiteY4" fmla="*/ 644054 h 664521"/>
-              <a:gd name="connsiteX5" fmla="*/ 1917476 w 1989839"/>
-              <a:gd name="connsiteY5" fmla="*/ 651291 h 664521"/>
-              <a:gd name="connsiteX6" fmla="*/ 1989839 w 1989839"/>
-              <a:gd name="connsiteY6" fmla="*/ 618726 h 664521"/>
-              <a:gd name="connsiteX7" fmla="*/ 1892149 w 1989839"/>
-              <a:gd name="connsiteY7" fmla="*/ 535506 h 664521"/>
-              <a:gd name="connsiteX8" fmla="*/ 1718477 w 1989839"/>
-              <a:gd name="connsiteY8" fmla="*/ 542742 h 664521"/>
-              <a:gd name="connsiteX9" fmla="*/ 1309625 w 1989839"/>
-              <a:gd name="connsiteY9" fmla="*/ 490241 h 664521"/>
-              <a:gd name="connsiteX10" fmla="*/ 947808 w 1989839"/>
-              <a:gd name="connsiteY10" fmla="*/ 387156 h 664521"/>
-              <a:gd name="connsiteX11" fmla="*/ 1316861 w 1989839"/>
-              <a:gd name="connsiteY11" fmla="*/ 394393 h 664521"/>
-              <a:gd name="connsiteX12" fmla="*/ 1667823 w 1989839"/>
-              <a:gd name="connsiteY12" fmla="*/ 332882 h 664521"/>
-              <a:gd name="connsiteX13" fmla="*/ 1580987 w 1989839"/>
-              <a:gd name="connsiteY13" fmla="*/ 217097 h 664521"/>
-              <a:gd name="connsiteX14" fmla="*/ 1479678 w 1989839"/>
-              <a:gd name="connsiteY14" fmla="*/ 238807 h 664521"/>
-              <a:gd name="connsiteX15" fmla="*/ 1219171 w 1989839"/>
-              <a:gd name="connsiteY15" fmla="*/ 253280 h 664521"/>
-              <a:gd name="connsiteX16" fmla="*/ 916131 w 1989839"/>
-              <a:gd name="connsiteY16" fmla="*/ 232900 h 664521"/>
-              <a:gd name="connsiteX17" fmla="*/ 651119 w 1989839"/>
-              <a:gd name="connsiteY17" fmla="*/ 180914 h 664521"/>
-              <a:gd name="connsiteX18" fmla="*/ 448502 w 1989839"/>
-              <a:gd name="connsiteY18" fmla="*/ 75984 h 664521"/>
-              <a:gd name="connsiteX19" fmla="*/ 3468 w 1989839"/>
-              <a:gd name="connsiteY19" fmla="*/ 0 h 664521"/>
-              <a:gd name="connsiteX0" fmla="*/ 3468 w 1989839"/>
-              <a:gd name="connsiteY0" fmla="*/ 0 h 664521"/>
-              <a:gd name="connsiteX1" fmla="*/ 263976 w 1989839"/>
-              <a:gd name="connsiteY1" fmla="*/ 199006 h 664521"/>
-              <a:gd name="connsiteX2" fmla="*/ 665592 w 1989839"/>
-              <a:gd name="connsiteY2" fmla="*/ 412484 h 664521"/>
-              <a:gd name="connsiteX3" fmla="*/ 1128717 w 1989839"/>
-              <a:gd name="connsiteY3" fmla="*/ 575307 h 664521"/>
-              <a:gd name="connsiteX4" fmla="*/ 1505005 w 1989839"/>
-              <a:gd name="connsiteY4" fmla="*/ 644054 h 664521"/>
-              <a:gd name="connsiteX5" fmla="*/ 1917476 w 1989839"/>
-              <a:gd name="connsiteY5" fmla="*/ 651291 h 664521"/>
-              <a:gd name="connsiteX6" fmla="*/ 1989839 w 1989839"/>
-              <a:gd name="connsiteY6" fmla="*/ 618726 h 664521"/>
-              <a:gd name="connsiteX7" fmla="*/ 1892149 w 1989839"/>
-              <a:gd name="connsiteY7" fmla="*/ 535506 h 664521"/>
-              <a:gd name="connsiteX8" fmla="*/ 1718477 w 1989839"/>
-              <a:gd name="connsiteY8" fmla="*/ 542742 h 664521"/>
-              <a:gd name="connsiteX9" fmla="*/ 1309625 w 1989839"/>
-              <a:gd name="connsiteY9" fmla="*/ 490241 h 664521"/>
-              <a:gd name="connsiteX10" fmla="*/ 947808 w 1989839"/>
-              <a:gd name="connsiteY10" fmla="*/ 387156 h 664521"/>
-              <a:gd name="connsiteX11" fmla="*/ 1316861 w 1989839"/>
-              <a:gd name="connsiteY11" fmla="*/ 394393 h 664521"/>
-              <a:gd name="connsiteX12" fmla="*/ 1667823 w 1989839"/>
-              <a:gd name="connsiteY12" fmla="*/ 332882 h 664521"/>
-              <a:gd name="connsiteX13" fmla="*/ 1600037 w 1989839"/>
-              <a:gd name="connsiteY13" fmla="*/ 236147 h 664521"/>
-              <a:gd name="connsiteX14" fmla="*/ 1479678 w 1989839"/>
-              <a:gd name="connsiteY14" fmla="*/ 238807 h 664521"/>
-              <a:gd name="connsiteX15" fmla="*/ 1219171 w 1989839"/>
-              <a:gd name="connsiteY15" fmla="*/ 253280 h 664521"/>
-              <a:gd name="connsiteX16" fmla="*/ 916131 w 1989839"/>
-              <a:gd name="connsiteY16" fmla="*/ 232900 h 664521"/>
-              <a:gd name="connsiteX17" fmla="*/ 651119 w 1989839"/>
-              <a:gd name="connsiteY17" fmla="*/ 180914 h 664521"/>
-              <a:gd name="connsiteX18" fmla="*/ 448502 w 1989839"/>
-              <a:gd name="connsiteY18" fmla="*/ 75984 h 664521"/>
-              <a:gd name="connsiteX19" fmla="*/ 3468 w 1989839"/>
-              <a:gd name="connsiteY19" fmla="*/ 0 h 664521"/>
-              <a:gd name="connsiteX0" fmla="*/ 3468 w 1989839"/>
-              <a:gd name="connsiteY0" fmla="*/ 0 h 664521"/>
-              <a:gd name="connsiteX1" fmla="*/ 263976 w 1989839"/>
-              <a:gd name="connsiteY1" fmla="*/ 199006 h 664521"/>
-              <a:gd name="connsiteX2" fmla="*/ 665592 w 1989839"/>
-              <a:gd name="connsiteY2" fmla="*/ 412484 h 664521"/>
-              <a:gd name="connsiteX3" fmla="*/ 1128717 w 1989839"/>
-              <a:gd name="connsiteY3" fmla="*/ 575307 h 664521"/>
-              <a:gd name="connsiteX4" fmla="*/ 1505005 w 1989839"/>
-              <a:gd name="connsiteY4" fmla="*/ 644054 h 664521"/>
-              <a:gd name="connsiteX5" fmla="*/ 1917476 w 1989839"/>
-              <a:gd name="connsiteY5" fmla="*/ 651291 h 664521"/>
-              <a:gd name="connsiteX6" fmla="*/ 1989839 w 1989839"/>
-              <a:gd name="connsiteY6" fmla="*/ 618726 h 664521"/>
-              <a:gd name="connsiteX7" fmla="*/ 1911199 w 1989839"/>
-              <a:gd name="connsiteY7" fmla="*/ 541856 h 664521"/>
-              <a:gd name="connsiteX8" fmla="*/ 1718477 w 1989839"/>
-              <a:gd name="connsiteY8" fmla="*/ 542742 h 664521"/>
-              <a:gd name="connsiteX9" fmla="*/ 1309625 w 1989839"/>
-              <a:gd name="connsiteY9" fmla="*/ 490241 h 664521"/>
-              <a:gd name="connsiteX10" fmla="*/ 947808 w 1989839"/>
-              <a:gd name="connsiteY10" fmla="*/ 387156 h 664521"/>
-              <a:gd name="connsiteX11" fmla="*/ 1316861 w 1989839"/>
-              <a:gd name="connsiteY11" fmla="*/ 394393 h 664521"/>
-              <a:gd name="connsiteX12" fmla="*/ 1667823 w 1989839"/>
-              <a:gd name="connsiteY12" fmla="*/ 332882 h 664521"/>
-              <a:gd name="connsiteX13" fmla="*/ 1600037 w 1989839"/>
-              <a:gd name="connsiteY13" fmla="*/ 236147 h 664521"/>
-              <a:gd name="connsiteX14" fmla="*/ 1479678 w 1989839"/>
-              <a:gd name="connsiteY14" fmla="*/ 238807 h 664521"/>
-              <a:gd name="connsiteX15" fmla="*/ 1219171 w 1989839"/>
-              <a:gd name="connsiteY15" fmla="*/ 253280 h 664521"/>
-              <a:gd name="connsiteX16" fmla="*/ 916131 w 1989839"/>
-              <a:gd name="connsiteY16" fmla="*/ 232900 h 664521"/>
-              <a:gd name="connsiteX17" fmla="*/ 651119 w 1989839"/>
-              <a:gd name="connsiteY17" fmla="*/ 180914 h 664521"/>
-              <a:gd name="connsiteX18" fmla="*/ 448502 w 1989839"/>
-              <a:gd name="connsiteY18" fmla="*/ 75984 h 664521"/>
-              <a:gd name="connsiteX19" fmla="*/ 3468 w 1989839"/>
-              <a:gd name="connsiteY19" fmla="*/ 0 h 664521"/>
-              <a:gd name="connsiteX0" fmla="*/ 3468 w 1993120"/>
-              <a:gd name="connsiteY0" fmla="*/ 0 h 654588"/>
-              <a:gd name="connsiteX1" fmla="*/ 263976 w 1993120"/>
-              <a:gd name="connsiteY1" fmla="*/ 199006 h 654588"/>
-              <a:gd name="connsiteX2" fmla="*/ 665592 w 1993120"/>
-              <a:gd name="connsiteY2" fmla="*/ 412484 h 654588"/>
-              <a:gd name="connsiteX3" fmla="*/ 1128717 w 1993120"/>
-              <a:gd name="connsiteY3" fmla="*/ 575307 h 654588"/>
-              <a:gd name="connsiteX4" fmla="*/ 1505005 w 1993120"/>
-              <a:gd name="connsiteY4" fmla="*/ 644054 h 654588"/>
-              <a:gd name="connsiteX5" fmla="*/ 1917476 w 1993120"/>
-              <a:gd name="connsiteY5" fmla="*/ 651291 h 654588"/>
-              <a:gd name="connsiteX6" fmla="*/ 1993120 w 1993120"/>
-              <a:gd name="connsiteY6" fmla="*/ 585909 h 654588"/>
-              <a:gd name="connsiteX7" fmla="*/ 1911199 w 1993120"/>
-              <a:gd name="connsiteY7" fmla="*/ 541856 h 654588"/>
-              <a:gd name="connsiteX8" fmla="*/ 1718477 w 1993120"/>
-              <a:gd name="connsiteY8" fmla="*/ 542742 h 654588"/>
-              <a:gd name="connsiteX9" fmla="*/ 1309625 w 1993120"/>
-              <a:gd name="connsiteY9" fmla="*/ 490241 h 654588"/>
-              <a:gd name="connsiteX10" fmla="*/ 947808 w 1993120"/>
-              <a:gd name="connsiteY10" fmla="*/ 387156 h 654588"/>
-              <a:gd name="connsiteX11" fmla="*/ 1316861 w 1993120"/>
-              <a:gd name="connsiteY11" fmla="*/ 394393 h 654588"/>
-              <a:gd name="connsiteX12" fmla="*/ 1667823 w 1993120"/>
-              <a:gd name="connsiteY12" fmla="*/ 332882 h 654588"/>
-              <a:gd name="connsiteX13" fmla="*/ 1600037 w 1993120"/>
-              <a:gd name="connsiteY13" fmla="*/ 236147 h 654588"/>
-              <a:gd name="connsiteX14" fmla="*/ 1479678 w 1993120"/>
-              <a:gd name="connsiteY14" fmla="*/ 238807 h 654588"/>
-              <a:gd name="connsiteX15" fmla="*/ 1219171 w 1993120"/>
-              <a:gd name="connsiteY15" fmla="*/ 253280 h 654588"/>
-              <a:gd name="connsiteX16" fmla="*/ 916131 w 1993120"/>
-              <a:gd name="connsiteY16" fmla="*/ 232900 h 654588"/>
-              <a:gd name="connsiteX17" fmla="*/ 651119 w 1993120"/>
-              <a:gd name="connsiteY17" fmla="*/ 180914 h 654588"/>
-              <a:gd name="connsiteX18" fmla="*/ 448502 w 1993120"/>
-              <a:gd name="connsiteY18" fmla="*/ 75984 h 654588"/>
-              <a:gd name="connsiteX19" fmla="*/ 3468 w 1993120"/>
-              <a:gd name="connsiteY19" fmla="*/ 0 h 654588"/>
-              <a:gd name="connsiteX0" fmla="*/ 3468 w 2002965"/>
-              <a:gd name="connsiteY0" fmla="*/ 0 h 655980"/>
-              <a:gd name="connsiteX1" fmla="*/ 263976 w 2002965"/>
-              <a:gd name="connsiteY1" fmla="*/ 199006 h 655980"/>
-              <a:gd name="connsiteX2" fmla="*/ 665592 w 2002965"/>
-              <a:gd name="connsiteY2" fmla="*/ 412484 h 655980"/>
-              <a:gd name="connsiteX3" fmla="*/ 1128717 w 2002965"/>
-              <a:gd name="connsiteY3" fmla="*/ 575307 h 655980"/>
-              <a:gd name="connsiteX4" fmla="*/ 1505005 w 2002965"/>
-              <a:gd name="connsiteY4" fmla="*/ 644054 h 655980"/>
-              <a:gd name="connsiteX5" fmla="*/ 1917476 w 2002965"/>
-              <a:gd name="connsiteY5" fmla="*/ 651291 h 655980"/>
-              <a:gd name="connsiteX6" fmla="*/ 2002965 w 2002965"/>
-              <a:gd name="connsiteY6" fmla="*/ 566219 h 655980"/>
-              <a:gd name="connsiteX7" fmla="*/ 1911199 w 2002965"/>
-              <a:gd name="connsiteY7" fmla="*/ 541856 h 655980"/>
-              <a:gd name="connsiteX8" fmla="*/ 1718477 w 2002965"/>
-              <a:gd name="connsiteY8" fmla="*/ 542742 h 655980"/>
-              <a:gd name="connsiteX9" fmla="*/ 1309625 w 2002965"/>
-              <a:gd name="connsiteY9" fmla="*/ 490241 h 655980"/>
-              <a:gd name="connsiteX10" fmla="*/ 947808 w 2002965"/>
-              <a:gd name="connsiteY10" fmla="*/ 387156 h 655980"/>
-              <a:gd name="connsiteX11" fmla="*/ 1316861 w 2002965"/>
-              <a:gd name="connsiteY11" fmla="*/ 394393 h 655980"/>
-              <a:gd name="connsiteX12" fmla="*/ 1667823 w 2002965"/>
-              <a:gd name="connsiteY12" fmla="*/ 332882 h 655980"/>
-              <a:gd name="connsiteX13" fmla="*/ 1600037 w 2002965"/>
-              <a:gd name="connsiteY13" fmla="*/ 236147 h 655980"/>
-              <a:gd name="connsiteX14" fmla="*/ 1479678 w 2002965"/>
-              <a:gd name="connsiteY14" fmla="*/ 238807 h 655980"/>
-              <a:gd name="connsiteX15" fmla="*/ 1219171 w 2002965"/>
-              <a:gd name="connsiteY15" fmla="*/ 253280 h 655980"/>
-              <a:gd name="connsiteX16" fmla="*/ 916131 w 2002965"/>
-              <a:gd name="connsiteY16" fmla="*/ 232900 h 655980"/>
-              <a:gd name="connsiteX17" fmla="*/ 651119 w 2002965"/>
-              <a:gd name="connsiteY17" fmla="*/ 180914 h 655980"/>
-              <a:gd name="connsiteX18" fmla="*/ 448502 w 2002965"/>
-              <a:gd name="connsiteY18" fmla="*/ 75984 h 655980"/>
-              <a:gd name="connsiteX19" fmla="*/ 3468 w 2002965"/>
-              <a:gd name="connsiteY19" fmla="*/ 0 h 655980"/>
-              <a:gd name="connsiteX0" fmla="*/ 3468 w 2002965"/>
-              <a:gd name="connsiteY0" fmla="*/ 0 h 655980"/>
-              <a:gd name="connsiteX1" fmla="*/ 263976 w 2002965"/>
-              <a:gd name="connsiteY1" fmla="*/ 199006 h 655980"/>
-              <a:gd name="connsiteX2" fmla="*/ 665592 w 2002965"/>
-              <a:gd name="connsiteY2" fmla="*/ 412484 h 655980"/>
-              <a:gd name="connsiteX3" fmla="*/ 1128717 w 2002965"/>
-              <a:gd name="connsiteY3" fmla="*/ 575307 h 655980"/>
-              <a:gd name="connsiteX4" fmla="*/ 1505005 w 2002965"/>
-              <a:gd name="connsiteY4" fmla="*/ 644054 h 655980"/>
-              <a:gd name="connsiteX5" fmla="*/ 1917476 w 2002965"/>
-              <a:gd name="connsiteY5" fmla="*/ 651291 h 655980"/>
-              <a:gd name="connsiteX6" fmla="*/ 2002965 w 2002965"/>
-              <a:gd name="connsiteY6" fmla="*/ 566219 h 655980"/>
-              <a:gd name="connsiteX7" fmla="*/ 1924326 w 2002965"/>
-              <a:gd name="connsiteY7" fmla="*/ 541856 h 655980"/>
-              <a:gd name="connsiteX8" fmla="*/ 1718477 w 2002965"/>
-              <a:gd name="connsiteY8" fmla="*/ 542742 h 655980"/>
-              <a:gd name="connsiteX9" fmla="*/ 1309625 w 2002965"/>
-              <a:gd name="connsiteY9" fmla="*/ 490241 h 655980"/>
-              <a:gd name="connsiteX10" fmla="*/ 947808 w 2002965"/>
-              <a:gd name="connsiteY10" fmla="*/ 387156 h 655980"/>
-              <a:gd name="connsiteX11" fmla="*/ 1316861 w 2002965"/>
-              <a:gd name="connsiteY11" fmla="*/ 394393 h 655980"/>
-              <a:gd name="connsiteX12" fmla="*/ 1667823 w 2002965"/>
-              <a:gd name="connsiteY12" fmla="*/ 332882 h 655980"/>
-              <a:gd name="connsiteX13" fmla="*/ 1600037 w 2002965"/>
-              <a:gd name="connsiteY13" fmla="*/ 236147 h 655980"/>
-              <a:gd name="connsiteX14" fmla="*/ 1479678 w 2002965"/>
-              <a:gd name="connsiteY14" fmla="*/ 238807 h 655980"/>
-              <a:gd name="connsiteX15" fmla="*/ 1219171 w 2002965"/>
-              <a:gd name="connsiteY15" fmla="*/ 253280 h 655980"/>
-              <a:gd name="connsiteX16" fmla="*/ 916131 w 2002965"/>
-              <a:gd name="connsiteY16" fmla="*/ 232900 h 655980"/>
-              <a:gd name="connsiteX17" fmla="*/ 651119 w 2002965"/>
-              <a:gd name="connsiteY17" fmla="*/ 180914 h 655980"/>
-              <a:gd name="connsiteX18" fmla="*/ 448502 w 2002965"/>
-              <a:gd name="connsiteY18" fmla="*/ 75984 h 655980"/>
-              <a:gd name="connsiteX19" fmla="*/ 3468 w 2002965"/>
-              <a:gd name="connsiteY19" fmla="*/ 0 h 655980"/>
-              <a:gd name="connsiteX0" fmla="*/ 3468 w 2002965"/>
-              <a:gd name="connsiteY0" fmla="*/ 0 h 656854"/>
-              <a:gd name="connsiteX1" fmla="*/ 263976 w 2002965"/>
-              <a:gd name="connsiteY1" fmla="*/ 199006 h 656854"/>
-              <a:gd name="connsiteX2" fmla="*/ 665592 w 2002965"/>
-              <a:gd name="connsiteY2" fmla="*/ 412484 h 656854"/>
-              <a:gd name="connsiteX3" fmla="*/ 1128717 w 2002965"/>
-              <a:gd name="connsiteY3" fmla="*/ 575307 h 656854"/>
-              <a:gd name="connsiteX4" fmla="*/ 1534540 w 2002965"/>
-              <a:gd name="connsiteY4" fmla="*/ 647335 h 656854"/>
-              <a:gd name="connsiteX5" fmla="*/ 1917476 w 2002965"/>
-              <a:gd name="connsiteY5" fmla="*/ 651291 h 656854"/>
-              <a:gd name="connsiteX6" fmla="*/ 2002965 w 2002965"/>
-              <a:gd name="connsiteY6" fmla="*/ 566219 h 656854"/>
-              <a:gd name="connsiteX7" fmla="*/ 1924326 w 2002965"/>
-              <a:gd name="connsiteY7" fmla="*/ 541856 h 656854"/>
-              <a:gd name="connsiteX8" fmla="*/ 1718477 w 2002965"/>
-              <a:gd name="connsiteY8" fmla="*/ 542742 h 656854"/>
-              <a:gd name="connsiteX9" fmla="*/ 1309625 w 2002965"/>
-              <a:gd name="connsiteY9" fmla="*/ 490241 h 656854"/>
-              <a:gd name="connsiteX10" fmla="*/ 947808 w 2002965"/>
-              <a:gd name="connsiteY10" fmla="*/ 387156 h 656854"/>
-              <a:gd name="connsiteX11" fmla="*/ 1316861 w 2002965"/>
-              <a:gd name="connsiteY11" fmla="*/ 394393 h 656854"/>
-              <a:gd name="connsiteX12" fmla="*/ 1667823 w 2002965"/>
-              <a:gd name="connsiteY12" fmla="*/ 332882 h 656854"/>
-              <a:gd name="connsiteX13" fmla="*/ 1600037 w 2002965"/>
-              <a:gd name="connsiteY13" fmla="*/ 236147 h 656854"/>
-              <a:gd name="connsiteX14" fmla="*/ 1479678 w 2002965"/>
-              <a:gd name="connsiteY14" fmla="*/ 238807 h 656854"/>
-              <a:gd name="connsiteX15" fmla="*/ 1219171 w 2002965"/>
-              <a:gd name="connsiteY15" fmla="*/ 253280 h 656854"/>
-              <a:gd name="connsiteX16" fmla="*/ 916131 w 2002965"/>
-              <a:gd name="connsiteY16" fmla="*/ 232900 h 656854"/>
-              <a:gd name="connsiteX17" fmla="*/ 651119 w 2002965"/>
-              <a:gd name="connsiteY17" fmla="*/ 180914 h 656854"/>
-              <a:gd name="connsiteX18" fmla="*/ 448502 w 2002965"/>
-              <a:gd name="connsiteY18" fmla="*/ 75984 h 656854"/>
-              <a:gd name="connsiteX19" fmla="*/ 3468 w 2002965"/>
-              <a:gd name="connsiteY19" fmla="*/ 0 h 656854"/>
-              <a:gd name="connsiteX0" fmla="*/ 3468 w 2002965"/>
-              <a:gd name="connsiteY0" fmla="*/ 0 h 659277"/>
-              <a:gd name="connsiteX1" fmla="*/ 263976 w 2002965"/>
-              <a:gd name="connsiteY1" fmla="*/ 199006 h 659277"/>
-              <a:gd name="connsiteX2" fmla="*/ 665592 w 2002965"/>
-              <a:gd name="connsiteY2" fmla="*/ 412484 h 659277"/>
-              <a:gd name="connsiteX3" fmla="*/ 1128717 w 2002965"/>
-              <a:gd name="connsiteY3" fmla="*/ 575307 h 659277"/>
-              <a:gd name="connsiteX4" fmla="*/ 1534540 w 2002965"/>
-              <a:gd name="connsiteY4" fmla="*/ 647335 h 659277"/>
-              <a:gd name="connsiteX5" fmla="*/ 1917476 w 2002965"/>
-              <a:gd name="connsiteY5" fmla="*/ 651291 h 659277"/>
-              <a:gd name="connsiteX6" fmla="*/ 2002965 w 2002965"/>
-              <a:gd name="connsiteY6" fmla="*/ 566219 h 659277"/>
-              <a:gd name="connsiteX7" fmla="*/ 1924326 w 2002965"/>
-              <a:gd name="connsiteY7" fmla="*/ 541856 h 659277"/>
-              <a:gd name="connsiteX8" fmla="*/ 1718477 w 2002965"/>
-              <a:gd name="connsiteY8" fmla="*/ 542742 h 659277"/>
-              <a:gd name="connsiteX9" fmla="*/ 1309625 w 2002965"/>
-              <a:gd name="connsiteY9" fmla="*/ 490241 h 659277"/>
-              <a:gd name="connsiteX10" fmla="*/ 947808 w 2002965"/>
-              <a:gd name="connsiteY10" fmla="*/ 387156 h 659277"/>
-              <a:gd name="connsiteX11" fmla="*/ 1316861 w 2002965"/>
-              <a:gd name="connsiteY11" fmla="*/ 394393 h 659277"/>
-              <a:gd name="connsiteX12" fmla="*/ 1667823 w 2002965"/>
-              <a:gd name="connsiteY12" fmla="*/ 332882 h 659277"/>
-              <a:gd name="connsiteX13" fmla="*/ 1600037 w 2002965"/>
-              <a:gd name="connsiteY13" fmla="*/ 236147 h 659277"/>
-              <a:gd name="connsiteX14" fmla="*/ 1479678 w 2002965"/>
-              <a:gd name="connsiteY14" fmla="*/ 238807 h 659277"/>
-              <a:gd name="connsiteX15" fmla="*/ 1219171 w 2002965"/>
-              <a:gd name="connsiteY15" fmla="*/ 253280 h 659277"/>
-              <a:gd name="connsiteX16" fmla="*/ 916131 w 2002965"/>
-              <a:gd name="connsiteY16" fmla="*/ 232900 h 659277"/>
-              <a:gd name="connsiteX17" fmla="*/ 651119 w 2002965"/>
-              <a:gd name="connsiteY17" fmla="*/ 180914 h 659277"/>
-              <a:gd name="connsiteX18" fmla="*/ 448502 w 2002965"/>
-              <a:gd name="connsiteY18" fmla="*/ 75984 h 659277"/>
-              <a:gd name="connsiteX19" fmla="*/ 3468 w 2002965"/>
-              <a:gd name="connsiteY19" fmla="*/ 0 h 659277"/>
-              <a:gd name="connsiteX0" fmla="*/ 3468 w 2002965"/>
-              <a:gd name="connsiteY0" fmla="*/ 0 h 659277"/>
-              <a:gd name="connsiteX1" fmla="*/ 263976 w 2002965"/>
-              <a:gd name="connsiteY1" fmla="*/ 199006 h 659277"/>
-              <a:gd name="connsiteX2" fmla="*/ 665592 w 2002965"/>
-              <a:gd name="connsiteY2" fmla="*/ 412484 h 659277"/>
-              <a:gd name="connsiteX3" fmla="*/ 1128717 w 2002965"/>
-              <a:gd name="connsiteY3" fmla="*/ 575307 h 659277"/>
-              <a:gd name="connsiteX4" fmla="*/ 1534540 w 2002965"/>
-              <a:gd name="connsiteY4" fmla="*/ 647335 h 659277"/>
-              <a:gd name="connsiteX5" fmla="*/ 1917476 w 2002965"/>
-              <a:gd name="connsiteY5" fmla="*/ 651291 h 659277"/>
-              <a:gd name="connsiteX6" fmla="*/ 2002965 w 2002965"/>
-              <a:gd name="connsiteY6" fmla="*/ 566219 h 659277"/>
-              <a:gd name="connsiteX7" fmla="*/ 1924326 w 2002965"/>
-              <a:gd name="connsiteY7" fmla="*/ 541856 h 659277"/>
-              <a:gd name="connsiteX8" fmla="*/ 1718477 w 2002965"/>
-              <a:gd name="connsiteY8" fmla="*/ 542742 h 659277"/>
-              <a:gd name="connsiteX9" fmla="*/ 1309625 w 2002965"/>
-              <a:gd name="connsiteY9" fmla="*/ 490241 h 659277"/>
-              <a:gd name="connsiteX10" fmla="*/ 947808 w 2002965"/>
-              <a:gd name="connsiteY10" fmla="*/ 387156 h 659277"/>
-              <a:gd name="connsiteX11" fmla="*/ 1316861 w 2002965"/>
-              <a:gd name="connsiteY11" fmla="*/ 394393 h 659277"/>
-              <a:gd name="connsiteX12" fmla="*/ 1680949 w 2002965"/>
-              <a:gd name="connsiteY12" fmla="*/ 296783 h 659277"/>
-              <a:gd name="connsiteX13" fmla="*/ 1600037 w 2002965"/>
-              <a:gd name="connsiteY13" fmla="*/ 236147 h 659277"/>
-              <a:gd name="connsiteX14" fmla="*/ 1479678 w 2002965"/>
-              <a:gd name="connsiteY14" fmla="*/ 238807 h 659277"/>
-              <a:gd name="connsiteX15" fmla="*/ 1219171 w 2002965"/>
-              <a:gd name="connsiteY15" fmla="*/ 253280 h 659277"/>
-              <a:gd name="connsiteX16" fmla="*/ 916131 w 2002965"/>
-              <a:gd name="connsiteY16" fmla="*/ 232900 h 659277"/>
-              <a:gd name="connsiteX17" fmla="*/ 651119 w 2002965"/>
-              <a:gd name="connsiteY17" fmla="*/ 180914 h 659277"/>
-              <a:gd name="connsiteX18" fmla="*/ 448502 w 2002965"/>
-              <a:gd name="connsiteY18" fmla="*/ 75984 h 659277"/>
-              <a:gd name="connsiteX19" fmla="*/ 3468 w 2002965"/>
-              <a:gd name="connsiteY19" fmla="*/ 0 h 659277"/>
-              <a:gd name="connsiteX0" fmla="*/ 3468 w 2002965"/>
-              <a:gd name="connsiteY0" fmla="*/ 0 h 659277"/>
-              <a:gd name="connsiteX1" fmla="*/ 263976 w 2002965"/>
-              <a:gd name="connsiteY1" fmla="*/ 199006 h 659277"/>
-              <a:gd name="connsiteX2" fmla="*/ 665592 w 2002965"/>
-              <a:gd name="connsiteY2" fmla="*/ 412484 h 659277"/>
-              <a:gd name="connsiteX3" fmla="*/ 1128717 w 2002965"/>
-              <a:gd name="connsiteY3" fmla="*/ 575307 h 659277"/>
-              <a:gd name="connsiteX4" fmla="*/ 1534540 w 2002965"/>
-              <a:gd name="connsiteY4" fmla="*/ 647335 h 659277"/>
-              <a:gd name="connsiteX5" fmla="*/ 1917476 w 2002965"/>
-              <a:gd name="connsiteY5" fmla="*/ 651291 h 659277"/>
-              <a:gd name="connsiteX6" fmla="*/ 2002965 w 2002965"/>
-              <a:gd name="connsiteY6" fmla="*/ 566219 h 659277"/>
-              <a:gd name="connsiteX7" fmla="*/ 1924326 w 2002965"/>
-              <a:gd name="connsiteY7" fmla="*/ 541856 h 659277"/>
-              <a:gd name="connsiteX8" fmla="*/ 1718477 w 2002965"/>
-              <a:gd name="connsiteY8" fmla="*/ 542742 h 659277"/>
-              <a:gd name="connsiteX9" fmla="*/ 1309625 w 2002965"/>
-              <a:gd name="connsiteY9" fmla="*/ 490241 h 659277"/>
-              <a:gd name="connsiteX10" fmla="*/ 947808 w 2002965"/>
-              <a:gd name="connsiteY10" fmla="*/ 387156 h 659277"/>
-              <a:gd name="connsiteX11" fmla="*/ 1316861 w 2002965"/>
-              <a:gd name="connsiteY11" fmla="*/ 394393 h 659277"/>
-              <a:gd name="connsiteX12" fmla="*/ 1684231 w 2002965"/>
-              <a:gd name="connsiteY12" fmla="*/ 309910 h 659277"/>
-              <a:gd name="connsiteX13" fmla="*/ 1600037 w 2002965"/>
-              <a:gd name="connsiteY13" fmla="*/ 236147 h 659277"/>
-              <a:gd name="connsiteX14" fmla="*/ 1479678 w 2002965"/>
-              <a:gd name="connsiteY14" fmla="*/ 238807 h 659277"/>
-              <a:gd name="connsiteX15" fmla="*/ 1219171 w 2002965"/>
-              <a:gd name="connsiteY15" fmla="*/ 253280 h 659277"/>
-              <a:gd name="connsiteX16" fmla="*/ 916131 w 2002965"/>
-              <a:gd name="connsiteY16" fmla="*/ 232900 h 659277"/>
-              <a:gd name="connsiteX17" fmla="*/ 651119 w 2002965"/>
-              <a:gd name="connsiteY17" fmla="*/ 180914 h 659277"/>
-              <a:gd name="connsiteX18" fmla="*/ 448502 w 2002965"/>
-              <a:gd name="connsiteY18" fmla="*/ 75984 h 659277"/>
-              <a:gd name="connsiteX19" fmla="*/ 3468 w 2002965"/>
-              <a:gd name="connsiteY19" fmla="*/ 0 h 659277"/>
-              <a:gd name="connsiteX0" fmla="*/ 3468 w 2002965"/>
-              <a:gd name="connsiteY0" fmla="*/ 0 h 659277"/>
-              <a:gd name="connsiteX1" fmla="*/ 263976 w 2002965"/>
-              <a:gd name="connsiteY1" fmla="*/ 199006 h 659277"/>
-              <a:gd name="connsiteX2" fmla="*/ 665592 w 2002965"/>
-              <a:gd name="connsiteY2" fmla="*/ 412484 h 659277"/>
-              <a:gd name="connsiteX3" fmla="*/ 1128717 w 2002965"/>
-              <a:gd name="connsiteY3" fmla="*/ 575307 h 659277"/>
-              <a:gd name="connsiteX4" fmla="*/ 1534540 w 2002965"/>
-              <a:gd name="connsiteY4" fmla="*/ 647335 h 659277"/>
-              <a:gd name="connsiteX5" fmla="*/ 1917476 w 2002965"/>
-              <a:gd name="connsiteY5" fmla="*/ 651291 h 659277"/>
-              <a:gd name="connsiteX6" fmla="*/ 2002965 w 2002965"/>
-              <a:gd name="connsiteY6" fmla="*/ 566219 h 659277"/>
-              <a:gd name="connsiteX7" fmla="*/ 1924326 w 2002965"/>
-              <a:gd name="connsiteY7" fmla="*/ 541856 h 659277"/>
-              <a:gd name="connsiteX8" fmla="*/ 1718477 w 2002965"/>
-              <a:gd name="connsiteY8" fmla="*/ 542742 h 659277"/>
-              <a:gd name="connsiteX9" fmla="*/ 1309625 w 2002965"/>
-              <a:gd name="connsiteY9" fmla="*/ 490241 h 659277"/>
-              <a:gd name="connsiteX10" fmla="*/ 947808 w 2002965"/>
-              <a:gd name="connsiteY10" fmla="*/ 387156 h 659277"/>
-              <a:gd name="connsiteX11" fmla="*/ 1316861 w 2002965"/>
-              <a:gd name="connsiteY11" fmla="*/ 381266 h 659277"/>
-              <a:gd name="connsiteX12" fmla="*/ 1684231 w 2002965"/>
-              <a:gd name="connsiteY12" fmla="*/ 309910 h 659277"/>
-              <a:gd name="connsiteX13" fmla="*/ 1600037 w 2002965"/>
-              <a:gd name="connsiteY13" fmla="*/ 236147 h 659277"/>
-              <a:gd name="connsiteX14" fmla="*/ 1479678 w 2002965"/>
-              <a:gd name="connsiteY14" fmla="*/ 238807 h 659277"/>
-              <a:gd name="connsiteX15" fmla="*/ 1219171 w 2002965"/>
-              <a:gd name="connsiteY15" fmla="*/ 253280 h 659277"/>
-              <a:gd name="connsiteX16" fmla="*/ 916131 w 2002965"/>
-              <a:gd name="connsiteY16" fmla="*/ 232900 h 659277"/>
-              <a:gd name="connsiteX17" fmla="*/ 651119 w 2002965"/>
-              <a:gd name="connsiteY17" fmla="*/ 180914 h 659277"/>
-              <a:gd name="connsiteX18" fmla="*/ 448502 w 2002965"/>
-              <a:gd name="connsiteY18" fmla="*/ 75984 h 659277"/>
-              <a:gd name="connsiteX19" fmla="*/ 3468 w 2002965"/>
-              <a:gd name="connsiteY19" fmla="*/ 0 h 659277"/>
-              <a:gd name="connsiteX0" fmla="*/ 3468 w 2002965"/>
-              <a:gd name="connsiteY0" fmla="*/ 0 h 659277"/>
-              <a:gd name="connsiteX1" fmla="*/ 263976 w 2002965"/>
-              <a:gd name="connsiteY1" fmla="*/ 199006 h 659277"/>
-              <a:gd name="connsiteX2" fmla="*/ 665592 w 2002965"/>
-              <a:gd name="connsiteY2" fmla="*/ 412484 h 659277"/>
-              <a:gd name="connsiteX3" fmla="*/ 1128717 w 2002965"/>
-              <a:gd name="connsiteY3" fmla="*/ 575307 h 659277"/>
-              <a:gd name="connsiteX4" fmla="*/ 1534540 w 2002965"/>
-              <a:gd name="connsiteY4" fmla="*/ 647335 h 659277"/>
-              <a:gd name="connsiteX5" fmla="*/ 1917476 w 2002965"/>
-              <a:gd name="connsiteY5" fmla="*/ 651291 h 659277"/>
-              <a:gd name="connsiteX6" fmla="*/ 2002965 w 2002965"/>
-              <a:gd name="connsiteY6" fmla="*/ 566219 h 659277"/>
-              <a:gd name="connsiteX7" fmla="*/ 1924326 w 2002965"/>
-              <a:gd name="connsiteY7" fmla="*/ 541856 h 659277"/>
-              <a:gd name="connsiteX8" fmla="*/ 1718477 w 2002965"/>
-              <a:gd name="connsiteY8" fmla="*/ 542742 h 659277"/>
-              <a:gd name="connsiteX9" fmla="*/ 1309625 w 2002965"/>
-              <a:gd name="connsiteY9" fmla="*/ 490241 h 659277"/>
-              <a:gd name="connsiteX10" fmla="*/ 947808 w 2002965"/>
-              <a:gd name="connsiteY10" fmla="*/ 387156 h 659277"/>
-              <a:gd name="connsiteX11" fmla="*/ 1316861 w 2002965"/>
-              <a:gd name="connsiteY11" fmla="*/ 381266 h 659277"/>
-              <a:gd name="connsiteX12" fmla="*/ 1684231 w 2002965"/>
-              <a:gd name="connsiteY12" fmla="*/ 309910 h 659277"/>
-              <a:gd name="connsiteX13" fmla="*/ 1609882 w 2002965"/>
-              <a:gd name="connsiteY13" fmla="*/ 249274 h 659277"/>
-              <a:gd name="connsiteX14" fmla="*/ 1479678 w 2002965"/>
-              <a:gd name="connsiteY14" fmla="*/ 238807 h 659277"/>
-              <a:gd name="connsiteX15" fmla="*/ 1219171 w 2002965"/>
-              <a:gd name="connsiteY15" fmla="*/ 253280 h 659277"/>
-              <a:gd name="connsiteX16" fmla="*/ 916131 w 2002965"/>
-              <a:gd name="connsiteY16" fmla="*/ 232900 h 659277"/>
-              <a:gd name="connsiteX17" fmla="*/ 651119 w 2002965"/>
-              <a:gd name="connsiteY17" fmla="*/ 180914 h 659277"/>
-              <a:gd name="connsiteX18" fmla="*/ 448502 w 2002965"/>
-              <a:gd name="connsiteY18" fmla="*/ 75984 h 659277"/>
-              <a:gd name="connsiteX19" fmla="*/ 3468 w 2002965"/>
-              <a:gd name="connsiteY19" fmla="*/ 0 h 659277"/>
-              <a:gd name="connsiteX0" fmla="*/ 3468 w 2002965"/>
-              <a:gd name="connsiteY0" fmla="*/ 0 h 659277"/>
-              <a:gd name="connsiteX1" fmla="*/ 263976 w 2002965"/>
-              <a:gd name="connsiteY1" fmla="*/ 199006 h 659277"/>
-              <a:gd name="connsiteX2" fmla="*/ 665592 w 2002965"/>
-              <a:gd name="connsiteY2" fmla="*/ 412484 h 659277"/>
-              <a:gd name="connsiteX3" fmla="*/ 1128717 w 2002965"/>
-              <a:gd name="connsiteY3" fmla="*/ 575307 h 659277"/>
-              <a:gd name="connsiteX4" fmla="*/ 1534540 w 2002965"/>
-              <a:gd name="connsiteY4" fmla="*/ 647335 h 659277"/>
-              <a:gd name="connsiteX5" fmla="*/ 1917476 w 2002965"/>
-              <a:gd name="connsiteY5" fmla="*/ 651291 h 659277"/>
-              <a:gd name="connsiteX6" fmla="*/ 2002965 w 2002965"/>
-              <a:gd name="connsiteY6" fmla="*/ 566219 h 659277"/>
-              <a:gd name="connsiteX7" fmla="*/ 1924326 w 2002965"/>
-              <a:gd name="connsiteY7" fmla="*/ 541856 h 659277"/>
-              <a:gd name="connsiteX8" fmla="*/ 1718477 w 2002965"/>
-              <a:gd name="connsiteY8" fmla="*/ 542742 h 659277"/>
-              <a:gd name="connsiteX9" fmla="*/ 1309625 w 2002965"/>
-              <a:gd name="connsiteY9" fmla="*/ 490241 h 659277"/>
-              <a:gd name="connsiteX10" fmla="*/ 947808 w 2002965"/>
-              <a:gd name="connsiteY10" fmla="*/ 387156 h 659277"/>
-              <a:gd name="connsiteX11" fmla="*/ 1316861 w 2002965"/>
-              <a:gd name="connsiteY11" fmla="*/ 381266 h 659277"/>
-              <a:gd name="connsiteX12" fmla="*/ 1684231 w 2002965"/>
-              <a:gd name="connsiteY12" fmla="*/ 309910 h 659277"/>
-              <a:gd name="connsiteX13" fmla="*/ 1626290 w 2002965"/>
-              <a:gd name="connsiteY13" fmla="*/ 232865 h 659277"/>
-              <a:gd name="connsiteX14" fmla="*/ 1479678 w 2002965"/>
-              <a:gd name="connsiteY14" fmla="*/ 238807 h 659277"/>
-              <a:gd name="connsiteX15" fmla="*/ 1219171 w 2002965"/>
-              <a:gd name="connsiteY15" fmla="*/ 253280 h 659277"/>
-              <a:gd name="connsiteX16" fmla="*/ 916131 w 2002965"/>
-              <a:gd name="connsiteY16" fmla="*/ 232900 h 659277"/>
-              <a:gd name="connsiteX17" fmla="*/ 651119 w 2002965"/>
-              <a:gd name="connsiteY17" fmla="*/ 180914 h 659277"/>
-              <a:gd name="connsiteX18" fmla="*/ 448502 w 2002965"/>
-              <a:gd name="connsiteY18" fmla="*/ 75984 h 659277"/>
-              <a:gd name="connsiteX19" fmla="*/ 3468 w 2002965"/>
-              <a:gd name="connsiteY19" fmla="*/ 0 h 659277"/>
-              <a:gd name="connsiteX0" fmla="*/ 3468 w 2002965"/>
-              <a:gd name="connsiteY0" fmla="*/ 0 h 659277"/>
-              <a:gd name="connsiteX1" fmla="*/ 263976 w 2002965"/>
-              <a:gd name="connsiteY1" fmla="*/ 199006 h 659277"/>
-              <a:gd name="connsiteX2" fmla="*/ 665592 w 2002965"/>
-              <a:gd name="connsiteY2" fmla="*/ 412484 h 659277"/>
-              <a:gd name="connsiteX3" fmla="*/ 1128717 w 2002965"/>
-              <a:gd name="connsiteY3" fmla="*/ 575307 h 659277"/>
-              <a:gd name="connsiteX4" fmla="*/ 1534540 w 2002965"/>
-              <a:gd name="connsiteY4" fmla="*/ 647335 h 659277"/>
-              <a:gd name="connsiteX5" fmla="*/ 1917476 w 2002965"/>
-              <a:gd name="connsiteY5" fmla="*/ 651291 h 659277"/>
-              <a:gd name="connsiteX6" fmla="*/ 2002965 w 2002965"/>
-              <a:gd name="connsiteY6" fmla="*/ 566219 h 659277"/>
-              <a:gd name="connsiteX7" fmla="*/ 1924326 w 2002965"/>
-              <a:gd name="connsiteY7" fmla="*/ 541856 h 659277"/>
-              <a:gd name="connsiteX8" fmla="*/ 1718477 w 2002965"/>
-              <a:gd name="connsiteY8" fmla="*/ 542742 h 659277"/>
-              <a:gd name="connsiteX9" fmla="*/ 1309625 w 2002965"/>
-              <a:gd name="connsiteY9" fmla="*/ 490241 h 659277"/>
-              <a:gd name="connsiteX10" fmla="*/ 947808 w 2002965"/>
-              <a:gd name="connsiteY10" fmla="*/ 387156 h 659277"/>
-              <a:gd name="connsiteX11" fmla="*/ 1316861 w 2002965"/>
-              <a:gd name="connsiteY11" fmla="*/ 381266 h 659277"/>
-              <a:gd name="connsiteX12" fmla="*/ 1674386 w 2002965"/>
-              <a:gd name="connsiteY12" fmla="*/ 293501 h 659277"/>
-              <a:gd name="connsiteX13" fmla="*/ 1626290 w 2002965"/>
-              <a:gd name="connsiteY13" fmla="*/ 232865 h 659277"/>
-              <a:gd name="connsiteX14" fmla="*/ 1479678 w 2002965"/>
-              <a:gd name="connsiteY14" fmla="*/ 238807 h 659277"/>
-              <a:gd name="connsiteX15" fmla="*/ 1219171 w 2002965"/>
-              <a:gd name="connsiteY15" fmla="*/ 253280 h 659277"/>
-              <a:gd name="connsiteX16" fmla="*/ 916131 w 2002965"/>
-              <a:gd name="connsiteY16" fmla="*/ 232900 h 659277"/>
-              <a:gd name="connsiteX17" fmla="*/ 651119 w 2002965"/>
-              <a:gd name="connsiteY17" fmla="*/ 180914 h 659277"/>
-              <a:gd name="connsiteX18" fmla="*/ 448502 w 2002965"/>
-              <a:gd name="connsiteY18" fmla="*/ 75984 h 659277"/>
-              <a:gd name="connsiteX19" fmla="*/ 3468 w 2002965"/>
-              <a:gd name="connsiteY19" fmla="*/ 0 h 659277"/>
-              <a:gd name="connsiteX0" fmla="*/ 3468 w 2002965"/>
-              <a:gd name="connsiteY0" fmla="*/ 0 h 659277"/>
-              <a:gd name="connsiteX1" fmla="*/ 263976 w 2002965"/>
-              <a:gd name="connsiteY1" fmla="*/ 199006 h 659277"/>
-              <a:gd name="connsiteX2" fmla="*/ 665592 w 2002965"/>
-              <a:gd name="connsiteY2" fmla="*/ 412484 h 659277"/>
-              <a:gd name="connsiteX3" fmla="*/ 1128717 w 2002965"/>
-              <a:gd name="connsiteY3" fmla="*/ 575307 h 659277"/>
-              <a:gd name="connsiteX4" fmla="*/ 1534540 w 2002965"/>
-              <a:gd name="connsiteY4" fmla="*/ 647335 h 659277"/>
-              <a:gd name="connsiteX5" fmla="*/ 1917476 w 2002965"/>
-              <a:gd name="connsiteY5" fmla="*/ 651291 h 659277"/>
-              <a:gd name="connsiteX6" fmla="*/ 2002965 w 2002965"/>
-              <a:gd name="connsiteY6" fmla="*/ 566219 h 659277"/>
-              <a:gd name="connsiteX7" fmla="*/ 1924326 w 2002965"/>
-              <a:gd name="connsiteY7" fmla="*/ 541856 h 659277"/>
-              <a:gd name="connsiteX8" fmla="*/ 1718477 w 2002965"/>
-              <a:gd name="connsiteY8" fmla="*/ 542742 h 659277"/>
-              <a:gd name="connsiteX9" fmla="*/ 1309625 w 2002965"/>
-              <a:gd name="connsiteY9" fmla="*/ 490241 h 659277"/>
-              <a:gd name="connsiteX10" fmla="*/ 947808 w 2002965"/>
-              <a:gd name="connsiteY10" fmla="*/ 387156 h 659277"/>
-              <a:gd name="connsiteX11" fmla="*/ 1316861 w 2002965"/>
-              <a:gd name="connsiteY11" fmla="*/ 381266 h 659277"/>
-              <a:gd name="connsiteX12" fmla="*/ 1684231 w 2002965"/>
-              <a:gd name="connsiteY12" fmla="*/ 303346 h 659277"/>
-              <a:gd name="connsiteX13" fmla="*/ 1626290 w 2002965"/>
-              <a:gd name="connsiteY13" fmla="*/ 232865 h 659277"/>
-              <a:gd name="connsiteX14" fmla="*/ 1479678 w 2002965"/>
-              <a:gd name="connsiteY14" fmla="*/ 238807 h 659277"/>
-              <a:gd name="connsiteX15" fmla="*/ 1219171 w 2002965"/>
-              <a:gd name="connsiteY15" fmla="*/ 253280 h 659277"/>
-              <a:gd name="connsiteX16" fmla="*/ 916131 w 2002965"/>
-              <a:gd name="connsiteY16" fmla="*/ 232900 h 659277"/>
-              <a:gd name="connsiteX17" fmla="*/ 651119 w 2002965"/>
-              <a:gd name="connsiteY17" fmla="*/ 180914 h 659277"/>
-              <a:gd name="connsiteX18" fmla="*/ 448502 w 2002965"/>
-              <a:gd name="connsiteY18" fmla="*/ 75984 h 659277"/>
-              <a:gd name="connsiteX19" fmla="*/ 3468 w 2002965"/>
-              <a:gd name="connsiteY19" fmla="*/ 0 h 659277"/>
-            </a:gdLst>
-            <a:ahLst/>
-            <a:cxnLst>
-              <a:cxn ang="0">
-                <a:pos x="connsiteX0" y="connsiteY0"/>
-              </a:cxn>
-              <a:cxn ang="0">
-                <a:pos x="connsiteX1" y="connsiteY1"/>
-              </a:cxn>
-              <a:cxn ang="0">
-                <a:pos x="connsiteX2" y="connsiteY2"/>
-              </a:cxn>
-              <a:cxn ang="0">
-                <a:pos x="connsiteX3" y="connsiteY3"/>
-              </a:cxn>
-              <a:cxn ang="0">
-                <a:pos x="connsiteX4" y="connsiteY4"/>
-              </a:cxn>
-              <a:cxn ang="0">
-                <a:pos x="connsiteX5" y="connsiteY5"/>
-              </a:cxn>
-              <a:cxn ang="0">
-                <a:pos x="connsiteX6" y="connsiteY6"/>
-              </a:cxn>
-              <a:cxn ang="0">
-                <a:pos x="connsiteX7" y="connsiteY7"/>
-              </a:cxn>
-              <a:cxn ang="0">
-                <a:pos x="connsiteX8" y="connsiteY8"/>
-              </a:cxn>
-              <a:cxn ang="0">
-                <a:pos x="connsiteX9" y="connsiteY9"/>
-              </a:cxn>
-              <a:cxn ang="0">
-                <a:pos x="connsiteX10" y="connsiteY10"/>
-              </a:cxn>
-              <a:cxn ang="0">
-                <a:pos x="connsiteX11" y="connsiteY11"/>
-              </a:cxn>
-              <a:cxn ang="0">
-                <a:pos x="connsiteX12" y="connsiteY12"/>
-              </a:cxn>
-              <a:cxn ang="0">
-                <a:pos x="connsiteX13" y="connsiteY13"/>
-              </a:cxn>
-              <a:cxn ang="0">
-                <a:pos x="connsiteX14" y="connsiteY14"/>
-              </a:cxn>
-              <a:cxn ang="0">
-                <a:pos x="connsiteX15" y="connsiteY15"/>
-              </a:cxn>
-              <a:cxn ang="0">
-                <a:pos x="connsiteX16" y="connsiteY16"/>
-              </a:cxn>
-              <a:cxn ang="0">
-                <a:pos x="connsiteX17" y="connsiteY17"/>
-              </a:cxn>
-              <a:cxn ang="0">
-                <a:pos x="connsiteX18" y="connsiteY18"/>
-              </a:cxn>
-              <a:cxn ang="0">
-                <a:pos x="connsiteX19" y="connsiteY19"/>
-              </a:cxn>
-            </a:cxnLst>
-            <a:rect l="l" t="t" r="r" b="b"/>
-            <a:pathLst>
-              <a:path w="2002965" h="659277">
-                <a:moveTo>
-                  <a:pt x="3468" y="0"/>
-                </a:moveTo>
-                <a:cubicBezTo>
-                  <a:pt x="-27286" y="20504"/>
-                  <a:pt x="153622" y="130259"/>
-                  <a:pt x="263976" y="199006"/>
-                </a:cubicBezTo>
-                <a:cubicBezTo>
-                  <a:pt x="374330" y="267753"/>
-                  <a:pt x="521469" y="349767"/>
-                  <a:pt x="665592" y="412484"/>
-                </a:cubicBezTo>
-                <a:cubicBezTo>
-                  <a:pt x="809715" y="475201"/>
-                  <a:pt x="983892" y="536165"/>
-                  <a:pt x="1128717" y="575307"/>
-                </a:cubicBezTo>
-                <a:cubicBezTo>
-                  <a:pt x="1273542" y="614449"/>
-                  <a:pt x="1393769" y="635078"/>
-                  <a:pt x="1534540" y="647335"/>
-                </a:cubicBezTo>
-                <a:cubicBezTo>
-                  <a:pt x="1675311" y="659592"/>
-                  <a:pt x="1839405" y="664810"/>
-                  <a:pt x="1917476" y="651291"/>
-                </a:cubicBezTo>
-                <a:cubicBezTo>
-                  <a:pt x="1995547" y="637772"/>
-                  <a:pt x="1976824" y="598376"/>
-                  <a:pt x="2002965" y="566219"/>
-                </a:cubicBezTo>
-                <a:lnTo>
-                  <a:pt x="1924326" y="541856"/>
-                </a:lnTo>
-                <a:cubicBezTo>
-                  <a:pt x="1879099" y="529192"/>
-                  <a:pt x="1820927" y="551344"/>
-                  <a:pt x="1718477" y="542742"/>
-                </a:cubicBezTo>
-                <a:cubicBezTo>
-                  <a:pt x="1616027" y="534140"/>
-                  <a:pt x="1446106" y="519311"/>
-                  <a:pt x="1309625" y="490241"/>
-                </a:cubicBezTo>
-                <a:cubicBezTo>
-                  <a:pt x="1173144" y="461171"/>
-                  <a:pt x="1068414" y="425751"/>
-                  <a:pt x="947808" y="387156"/>
-                </a:cubicBezTo>
-                <a:cubicBezTo>
-                  <a:pt x="1070826" y="389568"/>
-                  <a:pt x="1194124" y="395234"/>
-                  <a:pt x="1316861" y="381266"/>
-                </a:cubicBezTo>
-                <a:cubicBezTo>
-                  <a:pt x="1439598" y="367298"/>
-                  <a:pt x="1640210" y="332895"/>
-                  <a:pt x="1684231" y="303346"/>
-                </a:cubicBezTo>
-                <a:lnTo>
-                  <a:pt x="1626290" y="232865"/>
-                </a:lnTo>
-                <a:cubicBezTo>
-                  <a:pt x="1594933" y="217186"/>
-                  <a:pt x="1547531" y="235405"/>
-                  <a:pt x="1479678" y="238807"/>
-                </a:cubicBezTo>
-                <a:cubicBezTo>
-                  <a:pt x="1411825" y="242210"/>
-                  <a:pt x="1313095" y="254264"/>
-                  <a:pt x="1219171" y="253280"/>
-                </a:cubicBezTo>
-                <a:cubicBezTo>
-                  <a:pt x="1125247" y="252296"/>
-                  <a:pt x="1017144" y="239693"/>
-                  <a:pt x="916131" y="232900"/>
-                </a:cubicBezTo>
-                <a:cubicBezTo>
-                  <a:pt x="821456" y="220839"/>
-                  <a:pt x="729057" y="207067"/>
-                  <a:pt x="651119" y="180914"/>
-                </a:cubicBezTo>
-                <a:cubicBezTo>
-                  <a:pt x="573181" y="154761"/>
-                  <a:pt x="516041" y="110961"/>
-                  <a:pt x="448502" y="75984"/>
-                </a:cubicBezTo>
-                <a:lnTo>
-                  <a:pt x="3468" y="0"/>
-                </a:lnTo>
-                <a:close/>
-              </a:path>
-            </a:pathLst>
-          </a:custGeom>
-          <a:solidFill>
-            <a:srgbClr val="103869"/>
-          </a:solidFill>
-          <a:ln>
-            <a:noFill/>
-          </a:ln>
-          <a:effectLst/>
-        </p:spPr>
-        <p:style>
-          <a:lnRef idx="1">
-            <a:schemeClr val="accent1"/>
-          </a:lnRef>
-          <a:fillRef idx="3">
-            <a:schemeClr val="accent1"/>
-          </a:fillRef>
-          <a:effectRef idx="2">
-            <a:schemeClr val="accent1"/>
-          </a:effectRef>
-          <a:fontRef idx="minor">
-            <a:schemeClr val="lt1"/>
-          </a:fontRef>
-        </p:style>
-        <p:txBody>
-          <a:bodyPr rtlCol="0" anchor="ctr"/>
-          <a:lstStyle/>
-          <a:p>
-            <a:pPr algn="ctr"/>
-            <a:endParaRPr lang="en-US"/>
-          </a:p>
-        </p:txBody>
-      </p:sp>
-    </p:spTree>
-    <p:extLst>
-      <p:ext uri="{BB962C8B-B14F-4D97-AF65-F5344CB8AC3E}">
-        <p14:creationId xmlns:p14="http://schemas.microsoft.com/office/powerpoint/2010/main" val="1499814115"/>
-      </p:ext>
-    </p:extLst>
-  </p:cSld>
-  <p:clrMapOvr>
-    <a:masterClrMapping/>
-  </p:clrMapOvr>
-</p:sld>
-</file>
-
-<file path=ppt/slides/slide4.xml><?xml version="1.0" encoding="utf-8"?>
-<p:sld xmlns:a="http://schemas.openxmlformats.org/drawingml/2006/main" xmlns:r="http://schemas.openxmlformats.org/officeDocument/2006/relationships" xmlns:p="http://schemas.openxmlformats.org/presentationml/2006/main">
-  <p:cSld>
-    <p:spTree>
-      <p:nvGrpSpPr>
-        <p:cNvPr id="1" name=""/>
-        <p:cNvGrpSpPr/>
-        <p:nvPr/>
-      </p:nvGrpSpPr>
-      <p:grpSpPr>
-        <a:xfrm>
-          <a:off x="0" y="0"/>
-          <a:ext cx="0" cy="0"/>
-          <a:chOff x="0" y="0"/>
-          <a:chExt cx="0" cy="0"/>
-        </a:xfrm>
-      </p:grpSpPr>
-      <p:sp>
-        <p:nvSpPr>
-          <p:cNvPr id="9" name="Oval 8"/>
-          <p:cNvSpPr/>
-          <p:nvPr/>
-        </p:nvSpPr>
-        <p:spPr>
-          <a:xfrm>
-            <a:off x="214054" y="-1307164"/>
-            <a:ext cx="8686800" cy="8686800"/>
-          </a:xfrm>
-          <a:prstGeom prst="ellipse">
-            <a:avLst/>
-          </a:prstGeom>
-          <a:solidFill>
-            <a:schemeClr val="bg1"/>
-          </a:solidFill>
-          <a:ln w="38100" cmpd="sng">
-            <a:solidFill>
-              <a:srgbClr val="103869"/>
-            </a:solidFill>
-          </a:ln>
-        </p:spPr>
-        <p:style>
-          <a:lnRef idx="1">
-            <a:schemeClr val="accent1"/>
-          </a:lnRef>
-          <a:fillRef idx="3">
-            <a:schemeClr val="accent1"/>
-          </a:fillRef>
-          <a:effectRef idx="2">
-            <a:schemeClr val="accent1"/>
-          </a:effectRef>
-          <a:fontRef idx="minor">
-            <a:schemeClr val="lt1"/>
-          </a:fontRef>
-        </p:style>
-        <p:txBody>
-          <a:bodyPr rtlCol="0" anchor="ctr"/>
-          <a:lstStyle/>
-          <a:p>
-            <a:pPr algn="ctr"/>
-            <a:endParaRPr lang="en-US"/>
-          </a:p>
-        </p:txBody>
-      </p:sp>
-      <p:pic>
-        <p:nvPicPr>
-          <p:cNvPr id="4" name="Picture 3" descr="nwb_n_logo.png"/>
-          <p:cNvPicPr>
-            <a:picLocks noChangeAspect="1"/>
-          </p:cNvPicPr>
-          <p:nvPr/>
-        </p:nvPicPr>
-        <p:blipFill>
-          <a:blip r:embed="rId2">
-            <a:extLst>
-              <a:ext uri="{28A0092B-C50C-407E-A947-70E740481C1C}">
-                <a14:useLocalDpi xmlns:a14="http://schemas.microsoft.com/office/drawing/2010/main" val="0"/>
-              </a:ext>
-            </a:extLst>
-          </a:blip>
-          <a:stretch>
-            <a:fillRect/>
-          </a:stretch>
-        </p:blipFill>
-        <p:spPr>
-          <a:xfrm>
-            <a:off x="1114374" y="775922"/>
-            <a:ext cx="6865587" cy="889189"/>
-          </a:xfrm>
-          <a:prstGeom prst="rect">
-            <a:avLst/>
-          </a:prstGeom>
-        </p:spPr>
-      </p:pic>
-      <p:sp>
-        <p:nvSpPr>
-          <p:cNvPr id="5" name="TextBox 4"/>
-          <p:cNvSpPr txBox="1"/>
-          <p:nvPr/>
-        </p:nvSpPr>
-        <p:spPr>
-          <a:xfrm>
-            <a:off x="421016" y="2163725"/>
-            <a:ext cx="8479838" cy="1046440"/>
-          </a:xfrm>
-          <a:prstGeom prst="rect">
-            <a:avLst/>
-          </a:prstGeom>
-          <a:noFill/>
-        </p:spPr>
-        <p:txBody>
-          <a:bodyPr wrap="none" rtlCol="0">
-            <a:spAutoFit/>
-          </a:bodyPr>
-          <a:lstStyle/>
-          <a:p>
             <a:r>
-              <a:rPr lang="en-US" sz="6200" dirty="0" smtClean="0">
+              <a:rPr lang="en-US" sz="7000" dirty="0" smtClean="0">
                 <a:solidFill>
                   <a:srgbClr val="103869"/>
                 </a:solidFill>
                 <a:latin typeface="Chalkduster"/>
                 <a:cs typeface="Chalkduster"/>
               </a:rPr>
-              <a:t>Extension Catalog </a:t>
+              <a:t> Data </a:t>
             </a:r>
-            <a:endParaRPr lang="en-US" sz="6200" dirty="0">
-              <a:solidFill>
-                <a:srgbClr val="103869"/>
-              </a:solidFill>
-              <a:latin typeface="Chalkduster"/>
-              <a:cs typeface="Chalkduster"/>
-            </a:endParaRPr>
           </a:p>
-        </p:txBody>
-      </p:sp>
-      <p:grpSp>
-        <p:nvGrpSpPr>
-          <p:cNvPr id="3" name="Group 2"/>
-          <p:cNvGrpSpPr/>
-          <p:nvPr/>
-        </p:nvGrpSpPr>
-        <p:grpSpPr>
-          <a:xfrm>
-            <a:off x="2229557" y="3306748"/>
-            <a:ext cx="3513666" cy="3490022"/>
-            <a:chOff x="3103094" y="3306749"/>
-            <a:chExt cx="2374775" cy="2783193"/>
-          </a:xfrm>
-        </p:grpSpPr>
-        <p:sp>
-          <p:nvSpPr>
-            <p:cNvPr id="15" name="Rounded Rectangle 14"/>
-            <p:cNvSpPr/>
-            <p:nvPr/>
-          </p:nvSpPr>
-          <p:spPr>
-            <a:xfrm rot="1545911">
-              <a:off x="5079553" y="3551744"/>
-              <a:ext cx="112961" cy="2256640"/>
-            </a:xfrm>
-            <a:prstGeom prst="roundRect">
-              <a:avLst>
-                <a:gd name="adj" fmla="val 50000"/>
-              </a:avLst>
-            </a:prstGeom>
-            <a:solidFill>
-              <a:srgbClr val="103869"/>
-            </a:solidFill>
-            <a:ln>
-              <a:noFill/>
-            </a:ln>
-            <a:effectLst/>
-          </p:spPr>
-          <p:style>
-            <a:lnRef idx="1">
-              <a:schemeClr val="accent1"/>
-            </a:lnRef>
-            <a:fillRef idx="3">
-              <a:schemeClr val="accent1"/>
-            </a:fillRef>
-            <a:effectRef idx="2">
-              <a:schemeClr val="accent1"/>
-            </a:effectRef>
-            <a:fontRef idx="minor">
-              <a:schemeClr val="lt1"/>
-            </a:fontRef>
-          </p:style>
-          <p:txBody>
-            <a:bodyPr rtlCol="0" anchor="ctr"/>
-            <a:lstStyle/>
-            <a:p>
-              <a:pPr algn="ctr"/>
-              <a:endParaRPr lang="en-US"/>
-            </a:p>
-          </p:txBody>
-        </p:sp>
-        <p:sp>
-          <p:nvSpPr>
-            <p:cNvPr id="16" name="Rounded Rectangle 15"/>
-            <p:cNvSpPr/>
-            <p:nvPr/>
-          </p:nvSpPr>
-          <p:spPr>
-            <a:xfrm rot="1545911">
-              <a:off x="5313332" y="4288597"/>
-              <a:ext cx="115819" cy="1801345"/>
-            </a:xfrm>
-            <a:prstGeom prst="roundRect">
-              <a:avLst>
-                <a:gd name="adj" fmla="val 50000"/>
-              </a:avLst>
-            </a:prstGeom>
-            <a:solidFill>
-              <a:srgbClr val="103869"/>
-            </a:solidFill>
-            <a:ln>
-              <a:noFill/>
-            </a:ln>
-            <a:effectLst/>
-          </p:spPr>
-          <p:style>
-            <a:lnRef idx="1">
-              <a:schemeClr val="accent1"/>
-            </a:lnRef>
-            <a:fillRef idx="3">
-              <a:schemeClr val="accent1"/>
-            </a:fillRef>
-            <a:effectRef idx="2">
-              <a:schemeClr val="accent1"/>
-            </a:effectRef>
-            <a:fontRef idx="minor">
-              <a:schemeClr val="lt1"/>
-            </a:fontRef>
-          </p:style>
-          <p:txBody>
-            <a:bodyPr rtlCol="0" anchor="ctr"/>
-            <a:lstStyle/>
-            <a:p>
-              <a:pPr algn="ctr"/>
-              <a:endParaRPr lang="en-US"/>
-            </a:p>
-          </p:txBody>
-        </p:sp>
-        <p:sp>
-          <p:nvSpPr>
-            <p:cNvPr id="17" name="Freeform 16"/>
-            <p:cNvSpPr/>
-            <p:nvPr/>
-          </p:nvSpPr>
-          <p:spPr>
-            <a:xfrm>
-              <a:off x="3103094" y="3306749"/>
-              <a:ext cx="2374775" cy="2180066"/>
-            </a:xfrm>
-            <a:custGeom>
-              <a:avLst/>
-              <a:gdLst>
-                <a:gd name="connsiteX0" fmla="*/ 2356684 w 2356684"/>
-                <a:gd name="connsiteY0" fmla="*/ 69504 h 2179901"/>
-                <a:gd name="connsiteX1" fmla="*/ 2325093 w 2356684"/>
-                <a:gd name="connsiteY1" fmla="*/ 0 h 2179901"/>
-                <a:gd name="connsiteX2" fmla="*/ 1901775 w 2356684"/>
-                <a:gd name="connsiteY2" fmla="*/ 170601 h 2179901"/>
-                <a:gd name="connsiteX3" fmla="*/ 1301547 w 2356684"/>
-                <a:gd name="connsiteY3" fmla="*/ 265379 h 2179901"/>
-                <a:gd name="connsiteX4" fmla="*/ 922455 w 2356684"/>
-                <a:gd name="connsiteY4" fmla="*/ 278016 h 2179901"/>
-                <a:gd name="connsiteX5" fmla="*/ 0 w 2356684"/>
-                <a:gd name="connsiteY5" fmla="*/ 2085122 h 2179901"/>
-                <a:gd name="connsiteX6" fmla="*/ 454909 w 2356684"/>
-                <a:gd name="connsiteY6" fmla="*/ 2160945 h 2179901"/>
-                <a:gd name="connsiteX7" fmla="*/ 852955 w 2356684"/>
-                <a:gd name="connsiteY7" fmla="*/ 2179901 h 2179901"/>
-                <a:gd name="connsiteX8" fmla="*/ 1168865 w 2356684"/>
-                <a:gd name="connsiteY8" fmla="*/ 2129352 h 2179901"/>
-                <a:gd name="connsiteX9" fmla="*/ 1333138 w 2356684"/>
-                <a:gd name="connsiteY9" fmla="*/ 2078804 h 2179901"/>
-                <a:gd name="connsiteX10" fmla="*/ 2356684 w 2356684"/>
-                <a:gd name="connsiteY10" fmla="*/ 69504 h 2179901"/>
-                <a:gd name="connsiteX0" fmla="*/ 2356684 w 2356684"/>
-                <a:gd name="connsiteY0" fmla="*/ 69504 h 2179901"/>
-                <a:gd name="connsiteX1" fmla="*/ 2325093 w 2356684"/>
-                <a:gd name="connsiteY1" fmla="*/ 0 h 2179901"/>
-                <a:gd name="connsiteX2" fmla="*/ 1901775 w 2356684"/>
-                <a:gd name="connsiteY2" fmla="*/ 170601 h 2179901"/>
-                <a:gd name="connsiteX3" fmla="*/ 1301547 w 2356684"/>
-                <a:gd name="connsiteY3" fmla="*/ 265379 h 2179901"/>
-                <a:gd name="connsiteX4" fmla="*/ 922455 w 2356684"/>
-                <a:gd name="connsiteY4" fmla="*/ 278016 h 2179901"/>
-                <a:gd name="connsiteX5" fmla="*/ 0 w 2356684"/>
-                <a:gd name="connsiteY5" fmla="*/ 2085122 h 2179901"/>
-                <a:gd name="connsiteX6" fmla="*/ 454909 w 2356684"/>
-                <a:gd name="connsiteY6" fmla="*/ 2160945 h 2179901"/>
-                <a:gd name="connsiteX7" fmla="*/ 852955 w 2356684"/>
-                <a:gd name="connsiteY7" fmla="*/ 2179901 h 2179901"/>
-                <a:gd name="connsiteX8" fmla="*/ 1168865 w 2356684"/>
-                <a:gd name="connsiteY8" fmla="*/ 2129352 h 2179901"/>
-                <a:gd name="connsiteX9" fmla="*/ 1333138 w 2356684"/>
-                <a:gd name="connsiteY9" fmla="*/ 2078804 h 2179901"/>
-                <a:gd name="connsiteX10" fmla="*/ 2356684 w 2356684"/>
-                <a:gd name="connsiteY10" fmla="*/ 69504 h 2179901"/>
-                <a:gd name="connsiteX0" fmla="*/ 2356684 w 2356684"/>
-                <a:gd name="connsiteY0" fmla="*/ 69504 h 2179901"/>
-                <a:gd name="connsiteX1" fmla="*/ 2325093 w 2356684"/>
-                <a:gd name="connsiteY1" fmla="*/ 0 h 2179901"/>
-                <a:gd name="connsiteX2" fmla="*/ 1901775 w 2356684"/>
-                <a:gd name="connsiteY2" fmla="*/ 170601 h 2179901"/>
-                <a:gd name="connsiteX3" fmla="*/ 1301547 w 2356684"/>
-                <a:gd name="connsiteY3" fmla="*/ 265379 h 2179901"/>
-                <a:gd name="connsiteX4" fmla="*/ 922455 w 2356684"/>
-                <a:gd name="connsiteY4" fmla="*/ 278016 h 2179901"/>
-                <a:gd name="connsiteX5" fmla="*/ 0 w 2356684"/>
-                <a:gd name="connsiteY5" fmla="*/ 2085122 h 2179901"/>
-                <a:gd name="connsiteX6" fmla="*/ 454909 w 2356684"/>
-                <a:gd name="connsiteY6" fmla="*/ 2160945 h 2179901"/>
-                <a:gd name="connsiteX7" fmla="*/ 852955 w 2356684"/>
-                <a:gd name="connsiteY7" fmla="*/ 2179901 h 2179901"/>
-                <a:gd name="connsiteX8" fmla="*/ 1168865 w 2356684"/>
-                <a:gd name="connsiteY8" fmla="*/ 2129352 h 2179901"/>
-                <a:gd name="connsiteX9" fmla="*/ 1333138 w 2356684"/>
-                <a:gd name="connsiteY9" fmla="*/ 2078804 h 2179901"/>
-                <a:gd name="connsiteX10" fmla="*/ 2356684 w 2356684"/>
-                <a:gd name="connsiteY10" fmla="*/ 69504 h 2179901"/>
-                <a:gd name="connsiteX0" fmla="*/ 2366860 w 2366860"/>
-                <a:gd name="connsiteY0" fmla="*/ 69504 h 2242959"/>
-                <a:gd name="connsiteX1" fmla="*/ 2335269 w 2366860"/>
-                <a:gd name="connsiteY1" fmla="*/ 0 h 2242959"/>
-                <a:gd name="connsiteX2" fmla="*/ 1911951 w 2366860"/>
-                <a:gd name="connsiteY2" fmla="*/ 170601 h 2242959"/>
-                <a:gd name="connsiteX3" fmla="*/ 1311723 w 2366860"/>
-                <a:gd name="connsiteY3" fmla="*/ 265379 h 2242959"/>
-                <a:gd name="connsiteX4" fmla="*/ 932631 w 2366860"/>
-                <a:gd name="connsiteY4" fmla="*/ 278016 h 2242959"/>
-                <a:gd name="connsiteX5" fmla="*/ 10176 w 2366860"/>
-                <a:gd name="connsiteY5" fmla="*/ 2085122 h 2242959"/>
-                <a:gd name="connsiteX6" fmla="*/ 465085 w 2366860"/>
-                <a:gd name="connsiteY6" fmla="*/ 2160945 h 2242959"/>
-                <a:gd name="connsiteX7" fmla="*/ 863131 w 2366860"/>
-                <a:gd name="connsiteY7" fmla="*/ 2179901 h 2242959"/>
-                <a:gd name="connsiteX8" fmla="*/ 1179041 w 2366860"/>
-                <a:gd name="connsiteY8" fmla="*/ 2129352 h 2242959"/>
-                <a:gd name="connsiteX9" fmla="*/ 1343314 w 2366860"/>
-                <a:gd name="connsiteY9" fmla="*/ 2078804 h 2242959"/>
-                <a:gd name="connsiteX10" fmla="*/ 2366860 w 2366860"/>
-                <a:gd name="connsiteY10" fmla="*/ 69504 h 2242959"/>
-                <a:gd name="connsiteX0" fmla="*/ 2366860 w 2366860"/>
-                <a:gd name="connsiteY0" fmla="*/ 69504 h 2242959"/>
-                <a:gd name="connsiteX1" fmla="*/ 2335269 w 2366860"/>
-                <a:gd name="connsiteY1" fmla="*/ 0 h 2242959"/>
-                <a:gd name="connsiteX2" fmla="*/ 1911951 w 2366860"/>
-                <a:gd name="connsiteY2" fmla="*/ 170601 h 2242959"/>
-                <a:gd name="connsiteX3" fmla="*/ 1311723 w 2366860"/>
-                <a:gd name="connsiteY3" fmla="*/ 265379 h 2242959"/>
-                <a:gd name="connsiteX4" fmla="*/ 932631 w 2366860"/>
-                <a:gd name="connsiteY4" fmla="*/ 278016 h 2242959"/>
-                <a:gd name="connsiteX5" fmla="*/ 10176 w 2366860"/>
-                <a:gd name="connsiteY5" fmla="*/ 2085122 h 2242959"/>
-                <a:gd name="connsiteX6" fmla="*/ 465085 w 2366860"/>
-                <a:gd name="connsiteY6" fmla="*/ 2160945 h 2242959"/>
-                <a:gd name="connsiteX7" fmla="*/ 863131 w 2366860"/>
-                <a:gd name="connsiteY7" fmla="*/ 2179901 h 2242959"/>
-                <a:gd name="connsiteX8" fmla="*/ 1179041 w 2366860"/>
-                <a:gd name="connsiteY8" fmla="*/ 2129352 h 2242959"/>
-                <a:gd name="connsiteX9" fmla="*/ 1343314 w 2366860"/>
-                <a:gd name="connsiteY9" fmla="*/ 2078804 h 2242959"/>
-                <a:gd name="connsiteX10" fmla="*/ 2366860 w 2366860"/>
-                <a:gd name="connsiteY10" fmla="*/ 69504 h 2242959"/>
-                <a:gd name="connsiteX0" fmla="*/ 2366860 w 2366860"/>
-                <a:gd name="connsiteY0" fmla="*/ 69504 h 2242959"/>
-                <a:gd name="connsiteX1" fmla="*/ 2335269 w 2366860"/>
-                <a:gd name="connsiteY1" fmla="*/ 0 h 2242959"/>
-                <a:gd name="connsiteX2" fmla="*/ 1911951 w 2366860"/>
-                <a:gd name="connsiteY2" fmla="*/ 170601 h 2242959"/>
-                <a:gd name="connsiteX3" fmla="*/ 1311723 w 2366860"/>
-                <a:gd name="connsiteY3" fmla="*/ 265379 h 2242959"/>
-                <a:gd name="connsiteX4" fmla="*/ 932631 w 2366860"/>
-                <a:gd name="connsiteY4" fmla="*/ 278016 h 2242959"/>
-                <a:gd name="connsiteX5" fmla="*/ 10176 w 2366860"/>
-                <a:gd name="connsiteY5" fmla="*/ 2085122 h 2242959"/>
-                <a:gd name="connsiteX6" fmla="*/ 465085 w 2366860"/>
-                <a:gd name="connsiteY6" fmla="*/ 2160945 h 2242959"/>
-                <a:gd name="connsiteX7" fmla="*/ 863131 w 2366860"/>
-                <a:gd name="connsiteY7" fmla="*/ 2179901 h 2242959"/>
-                <a:gd name="connsiteX8" fmla="*/ 1179041 w 2366860"/>
-                <a:gd name="connsiteY8" fmla="*/ 2129352 h 2242959"/>
-                <a:gd name="connsiteX9" fmla="*/ 1343314 w 2366860"/>
-                <a:gd name="connsiteY9" fmla="*/ 2078804 h 2242959"/>
-                <a:gd name="connsiteX10" fmla="*/ 2366860 w 2366860"/>
-                <a:gd name="connsiteY10" fmla="*/ 69504 h 2242959"/>
-                <a:gd name="connsiteX0" fmla="*/ 2356684 w 2356684"/>
-                <a:gd name="connsiteY0" fmla="*/ 69504 h 2181468"/>
-                <a:gd name="connsiteX1" fmla="*/ 2325093 w 2356684"/>
-                <a:gd name="connsiteY1" fmla="*/ 0 h 2181468"/>
-                <a:gd name="connsiteX2" fmla="*/ 1901775 w 2356684"/>
-                <a:gd name="connsiteY2" fmla="*/ 170601 h 2181468"/>
-                <a:gd name="connsiteX3" fmla="*/ 1301547 w 2356684"/>
-                <a:gd name="connsiteY3" fmla="*/ 265379 h 2181468"/>
-                <a:gd name="connsiteX4" fmla="*/ 922455 w 2356684"/>
-                <a:gd name="connsiteY4" fmla="*/ 278016 h 2181468"/>
-                <a:gd name="connsiteX5" fmla="*/ 0 w 2356684"/>
-                <a:gd name="connsiteY5" fmla="*/ 2085122 h 2181468"/>
-                <a:gd name="connsiteX6" fmla="*/ 454909 w 2356684"/>
-                <a:gd name="connsiteY6" fmla="*/ 2160945 h 2181468"/>
-                <a:gd name="connsiteX7" fmla="*/ 852955 w 2356684"/>
-                <a:gd name="connsiteY7" fmla="*/ 2179901 h 2181468"/>
-                <a:gd name="connsiteX8" fmla="*/ 1168865 w 2356684"/>
-                <a:gd name="connsiteY8" fmla="*/ 2129352 h 2181468"/>
-                <a:gd name="connsiteX9" fmla="*/ 1333138 w 2356684"/>
-                <a:gd name="connsiteY9" fmla="*/ 2078804 h 2181468"/>
-                <a:gd name="connsiteX10" fmla="*/ 2356684 w 2356684"/>
-                <a:gd name="connsiteY10" fmla="*/ 69504 h 2181468"/>
-                <a:gd name="connsiteX0" fmla="*/ 2356684 w 2356684"/>
-                <a:gd name="connsiteY0" fmla="*/ 69504 h 2186296"/>
-                <a:gd name="connsiteX1" fmla="*/ 2325093 w 2356684"/>
-                <a:gd name="connsiteY1" fmla="*/ 0 h 2186296"/>
-                <a:gd name="connsiteX2" fmla="*/ 1901775 w 2356684"/>
-                <a:gd name="connsiteY2" fmla="*/ 170601 h 2186296"/>
-                <a:gd name="connsiteX3" fmla="*/ 1301547 w 2356684"/>
-                <a:gd name="connsiteY3" fmla="*/ 265379 h 2186296"/>
-                <a:gd name="connsiteX4" fmla="*/ 922455 w 2356684"/>
-                <a:gd name="connsiteY4" fmla="*/ 278016 h 2186296"/>
-                <a:gd name="connsiteX5" fmla="*/ 0 w 2356684"/>
-                <a:gd name="connsiteY5" fmla="*/ 2085122 h 2186296"/>
-                <a:gd name="connsiteX6" fmla="*/ 454909 w 2356684"/>
-                <a:gd name="connsiteY6" fmla="*/ 2160945 h 2186296"/>
-                <a:gd name="connsiteX7" fmla="*/ 852955 w 2356684"/>
-                <a:gd name="connsiteY7" fmla="*/ 2179901 h 2186296"/>
-                <a:gd name="connsiteX8" fmla="*/ 1168865 w 2356684"/>
-                <a:gd name="connsiteY8" fmla="*/ 2129352 h 2186296"/>
-                <a:gd name="connsiteX9" fmla="*/ 1333138 w 2356684"/>
-                <a:gd name="connsiteY9" fmla="*/ 2078804 h 2186296"/>
-                <a:gd name="connsiteX10" fmla="*/ 2356684 w 2356684"/>
-                <a:gd name="connsiteY10" fmla="*/ 69504 h 2186296"/>
-                <a:gd name="connsiteX0" fmla="*/ 2356684 w 2356684"/>
-                <a:gd name="connsiteY0" fmla="*/ 69504 h 2241416"/>
-                <a:gd name="connsiteX1" fmla="*/ 2325093 w 2356684"/>
-                <a:gd name="connsiteY1" fmla="*/ 0 h 2241416"/>
-                <a:gd name="connsiteX2" fmla="*/ 1901775 w 2356684"/>
-                <a:gd name="connsiteY2" fmla="*/ 170601 h 2241416"/>
-                <a:gd name="connsiteX3" fmla="*/ 1301547 w 2356684"/>
-                <a:gd name="connsiteY3" fmla="*/ 265379 h 2241416"/>
-                <a:gd name="connsiteX4" fmla="*/ 922455 w 2356684"/>
-                <a:gd name="connsiteY4" fmla="*/ 278016 h 2241416"/>
-                <a:gd name="connsiteX5" fmla="*/ 0 w 2356684"/>
-                <a:gd name="connsiteY5" fmla="*/ 2085122 h 2241416"/>
-                <a:gd name="connsiteX6" fmla="*/ 454909 w 2356684"/>
-                <a:gd name="connsiteY6" fmla="*/ 2160945 h 2241416"/>
-                <a:gd name="connsiteX7" fmla="*/ 852955 w 2356684"/>
-                <a:gd name="connsiteY7" fmla="*/ 2179901 h 2241416"/>
-                <a:gd name="connsiteX8" fmla="*/ 1168865 w 2356684"/>
-                <a:gd name="connsiteY8" fmla="*/ 2129352 h 2241416"/>
-                <a:gd name="connsiteX9" fmla="*/ 1333138 w 2356684"/>
-                <a:gd name="connsiteY9" fmla="*/ 2078804 h 2241416"/>
-                <a:gd name="connsiteX10" fmla="*/ 2356684 w 2356684"/>
-                <a:gd name="connsiteY10" fmla="*/ 69504 h 2241416"/>
-                <a:gd name="connsiteX0" fmla="*/ 2356684 w 2356684"/>
-                <a:gd name="connsiteY0" fmla="*/ 69504 h 2186296"/>
-                <a:gd name="connsiteX1" fmla="*/ 2325093 w 2356684"/>
-                <a:gd name="connsiteY1" fmla="*/ 0 h 2186296"/>
-                <a:gd name="connsiteX2" fmla="*/ 1901775 w 2356684"/>
-                <a:gd name="connsiteY2" fmla="*/ 170601 h 2186296"/>
-                <a:gd name="connsiteX3" fmla="*/ 1301547 w 2356684"/>
-                <a:gd name="connsiteY3" fmla="*/ 265379 h 2186296"/>
-                <a:gd name="connsiteX4" fmla="*/ 922455 w 2356684"/>
-                <a:gd name="connsiteY4" fmla="*/ 278016 h 2186296"/>
-                <a:gd name="connsiteX5" fmla="*/ 0 w 2356684"/>
-                <a:gd name="connsiteY5" fmla="*/ 2085122 h 2186296"/>
-                <a:gd name="connsiteX6" fmla="*/ 454909 w 2356684"/>
-                <a:gd name="connsiteY6" fmla="*/ 2160945 h 2186296"/>
-                <a:gd name="connsiteX7" fmla="*/ 852955 w 2356684"/>
-                <a:gd name="connsiteY7" fmla="*/ 2179901 h 2186296"/>
-                <a:gd name="connsiteX8" fmla="*/ 1168865 w 2356684"/>
-                <a:gd name="connsiteY8" fmla="*/ 2129352 h 2186296"/>
-                <a:gd name="connsiteX9" fmla="*/ 1333138 w 2356684"/>
-                <a:gd name="connsiteY9" fmla="*/ 2078804 h 2186296"/>
-                <a:gd name="connsiteX10" fmla="*/ 2356684 w 2356684"/>
-                <a:gd name="connsiteY10" fmla="*/ 69504 h 2186296"/>
-                <a:gd name="connsiteX0" fmla="*/ 2356684 w 2356684"/>
-                <a:gd name="connsiteY0" fmla="*/ 69504 h 2186296"/>
-                <a:gd name="connsiteX1" fmla="*/ 2325093 w 2356684"/>
-                <a:gd name="connsiteY1" fmla="*/ 0 h 2186296"/>
-                <a:gd name="connsiteX2" fmla="*/ 1901775 w 2356684"/>
-                <a:gd name="connsiteY2" fmla="*/ 170601 h 2186296"/>
-                <a:gd name="connsiteX3" fmla="*/ 1301547 w 2356684"/>
-                <a:gd name="connsiteY3" fmla="*/ 265379 h 2186296"/>
-                <a:gd name="connsiteX4" fmla="*/ 897128 w 2356684"/>
-                <a:gd name="connsiteY4" fmla="*/ 278016 h 2186296"/>
-                <a:gd name="connsiteX5" fmla="*/ 0 w 2356684"/>
-                <a:gd name="connsiteY5" fmla="*/ 2085122 h 2186296"/>
-                <a:gd name="connsiteX6" fmla="*/ 454909 w 2356684"/>
-                <a:gd name="connsiteY6" fmla="*/ 2160945 h 2186296"/>
-                <a:gd name="connsiteX7" fmla="*/ 852955 w 2356684"/>
-                <a:gd name="connsiteY7" fmla="*/ 2179901 h 2186296"/>
-                <a:gd name="connsiteX8" fmla="*/ 1168865 w 2356684"/>
-                <a:gd name="connsiteY8" fmla="*/ 2129352 h 2186296"/>
-                <a:gd name="connsiteX9" fmla="*/ 1333138 w 2356684"/>
-                <a:gd name="connsiteY9" fmla="*/ 2078804 h 2186296"/>
-                <a:gd name="connsiteX10" fmla="*/ 2356684 w 2356684"/>
-                <a:gd name="connsiteY10" fmla="*/ 69504 h 2186296"/>
-                <a:gd name="connsiteX0" fmla="*/ 2374775 w 2374775"/>
-                <a:gd name="connsiteY0" fmla="*/ 69504 h 2186393"/>
-                <a:gd name="connsiteX1" fmla="*/ 2343184 w 2374775"/>
-                <a:gd name="connsiteY1" fmla="*/ 0 h 2186393"/>
-                <a:gd name="connsiteX2" fmla="*/ 1919866 w 2374775"/>
-                <a:gd name="connsiteY2" fmla="*/ 170601 h 2186393"/>
-                <a:gd name="connsiteX3" fmla="*/ 1319638 w 2374775"/>
-                <a:gd name="connsiteY3" fmla="*/ 265379 h 2186393"/>
-                <a:gd name="connsiteX4" fmla="*/ 915219 w 2374775"/>
-                <a:gd name="connsiteY4" fmla="*/ 278016 h 2186393"/>
-                <a:gd name="connsiteX5" fmla="*/ 0 w 2374775"/>
-                <a:gd name="connsiteY5" fmla="*/ 2081504 h 2186393"/>
-                <a:gd name="connsiteX6" fmla="*/ 473000 w 2374775"/>
-                <a:gd name="connsiteY6" fmla="*/ 2160945 h 2186393"/>
-                <a:gd name="connsiteX7" fmla="*/ 871046 w 2374775"/>
-                <a:gd name="connsiteY7" fmla="*/ 2179901 h 2186393"/>
-                <a:gd name="connsiteX8" fmla="*/ 1186956 w 2374775"/>
-                <a:gd name="connsiteY8" fmla="*/ 2129352 h 2186393"/>
-                <a:gd name="connsiteX9" fmla="*/ 1351229 w 2374775"/>
-                <a:gd name="connsiteY9" fmla="*/ 2078804 h 2186393"/>
-                <a:gd name="connsiteX10" fmla="*/ 2374775 w 2374775"/>
-                <a:gd name="connsiteY10" fmla="*/ 69504 h 2186393"/>
-                <a:gd name="connsiteX0" fmla="*/ 2374775 w 2374775"/>
-                <a:gd name="connsiteY0" fmla="*/ 69504 h 2186393"/>
-                <a:gd name="connsiteX1" fmla="*/ 2343184 w 2374775"/>
-                <a:gd name="connsiteY1" fmla="*/ 0 h 2186393"/>
-                <a:gd name="connsiteX2" fmla="*/ 1919866 w 2374775"/>
-                <a:gd name="connsiteY2" fmla="*/ 170601 h 2186393"/>
-                <a:gd name="connsiteX3" fmla="*/ 1319638 w 2374775"/>
-                <a:gd name="connsiteY3" fmla="*/ 265379 h 2186393"/>
-                <a:gd name="connsiteX4" fmla="*/ 915219 w 2374775"/>
-                <a:gd name="connsiteY4" fmla="*/ 278016 h 2186393"/>
-                <a:gd name="connsiteX5" fmla="*/ 0 w 2374775"/>
-                <a:gd name="connsiteY5" fmla="*/ 2081504 h 2186393"/>
-                <a:gd name="connsiteX6" fmla="*/ 473000 w 2374775"/>
-                <a:gd name="connsiteY6" fmla="*/ 2160945 h 2186393"/>
-                <a:gd name="connsiteX7" fmla="*/ 871046 w 2374775"/>
-                <a:gd name="connsiteY7" fmla="*/ 2179901 h 2186393"/>
-                <a:gd name="connsiteX8" fmla="*/ 1186956 w 2374775"/>
-                <a:gd name="connsiteY8" fmla="*/ 2129352 h 2186393"/>
-                <a:gd name="connsiteX9" fmla="*/ 1351229 w 2374775"/>
-                <a:gd name="connsiteY9" fmla="*/ 2078804 h 2186393"/>
-                <a:gd name="connsiteX10" fmla="*/ 2374775 w 2374775"/>
-                <a:gd name="connsiteY10" fmla="*/ 69504 h 2186393"/>
-                <a:gd name="connsiteX0" fmla="*/ 2374775 w 2374775"/>
-                <a:gd name="connsiteY0" fmla="*/ 69504 h 2186393"/>
-                <a:gd name="connsiteX1" fmla="*/ 2343184 w 2374775"/>
-                <a:gd name="connsiteY1" fmla="*/ 0 h 2186393"/>
-                <a:gd name="connsiteX2" fmla="*/ 1919866 w 2374775"/>
-                <a:gd name="connsiteY2" fmla="*/ 170601 h 2186393"/>
-                <a:gd name="connsiteX3" fmla="*/ 1319638 w 2374775"/>
-                <a:gd name="connsiteY3" fmla="*/ 265379 h 2186393"/>
-                <a:gd name="connsiteX4" fmla="*/ 915219 w 2374775"/>
-                <a:gd name="connsiteY4" fmla="*/ 278016 h 2186393"/>
-                <a:gd name="connsiteX5" fmla="*/ 0 w 2374775"/>
-                <a:gd name="connsiteY5" fmla="*/ 2081504 h 2186393"/>
-                <a:gd name="connsiteX6" fmla="*/ 473000 w 2374775"/>
-                <a:gd name="connsiteY6" fmla="*/ 2160945 h 2186393"/>
-                <a:gd name="connsiteX7" fmla="*/ 871046 w 2374775"/>
-                <a:gd name="connsiteY7" fmla="*/ 2179901 h 2186393"/>
-                <a:gd name="connsiteX8" fmla="*/ 1186956 w 2374775"/>
-                <a:gd name="connsiteY8" fmla="*/ 2129352 h 2186393"/>
-                <a:gd name="connsiteX9" fmla="*/ 1351229 w 2374775"/>
-                <a:gd name="connsiteY9" fmla="*/ 2078804 h 2186393"/>
-                <a:gd name="connsiteX10" fmla="*/ 2374775 w 2374775"/>
-                <a:gd name="connsiteY10" fmla="*/ 69504 h 2186393"/>
-                <a:gd name="connsiteX0" fmla="*/ 2374775 w 2374775"/>
-                <a:gd name="connsiteY0" fmla="*/ 69504 h 2241416"/>
-                <a:gd name="connsiteX1" fmla="*/ 2343184 w 2374775"/>
-                <a:gd name="connsiteY1" fmla="*/ 0 h 2241416"/>
-                <a:gd name="connsiteX2" fmla="*/ 1919866 w 2374775"/>
-                <a:gd name="connsiteY2" fmla="*/ 170601 h 2241416"/>
-                <a:gd name="connsiteX3" fmla="*/ 1319638 w 2374775"/>
-                <a:gd name="connsiteY3" fmla="*/ 265379 h 2241416"/>
-                <a:gd name="connsiteX4" fmla="*/ 915219 w 2374775"/>
-                <a:gd name="connsiteY4" fmla="*/ 278016 h 2241416"/>
-                <a:gd name="connsiteX5" fmla="*/ 0 w 2374775"/>
-                <a:gd name="connsiteY5" fmla="*/ 2081504 h 2241416"/>
-                <a:gd name="connsiteX6" fmla="*/ 473000 w 2374775"/>
-                <a:gd name="connsiteY6" fmla="*/ 2160945 h 2241416"/>
-                <a:gd name="connsiteX7" fmla="*/ 871046 w 2374775"/>
-                <a:gd name="connsiteY7" fmla="*/ 2179901 h 2241416"/>
-                <a:gd name="connsiteX8" fmla="*/ 1186956 w 2374775"/>
-                <a:gd name="connsiteY8" fmla="*/ 2129352 h 2241416"/>
-                <a:gd name="connsiteX9" fmla="*/ 1351229 w 2374775"/>
-                <a:gd name="connsiteY9" fmla="*/ 2078804 h 2241416"/>
-                <a:gd name="connsiteX10" fmla="*/ 2374775 w 2374775"/>
-                <a:gd name="connsiteY10" fmla="*/ 69504 h 2241416"/>
-                <a:gd name="connsiteX0" fmla="*/ 2374775 w 2374775"/>
-                <a:gd name="connsiteY0" fmla="*/ 69504 h 2186393"/>
-                <a:gd name="connsiteX1" fmla="*/ 2343184 w 2374775"/>
-                <a:gd name="connsiteY1" fmla="*/ 0 h 2186393"/>
-                <a:gd name="connsiteX2" fmla="*/ 1919866 w 2374775"/>
-                <a:gd name="connsiteY2" fmla="*/ 170601 h 2186393"/>
-                <a:gd name="connsiteX3" fmla="*/ 1319638 w 2374775"/>
-                <a:gd name="connsiteY3" fmla="*/ 265379 h 2186393"/>
-                <a:gd name="connsiteX4" fmla="*/ 915219 w 2374775"/>
-                <a:gd name="connsiteY4" fmla="*/ 278016 h 2186393"/>
-                <a:gd name="connsiteX5" fmla="*/ 0 w 2374775"/>
-                <a:gd name="connsiteY5" fmla="*/ 2081504 h 2186393"/>
-                <a:gd name="connsiteX6" fmla="*/ 473000 w 2374775"/>
-                <a:gd name="connsiteY6" fmla="*/ 2160945 h 2186393"/>
-                <a:gd name="connsiteX7" fmla="*/ 871046 w 2374775"/>
-                <a:gd name="connsiteY7" fmla="*/ 2179901 h 2186393"/>
-                <a:gd name="connsiteX8" fmla="*/ 1186956 w 2374775"/>
-                <a:gd name="connsiteY8" fmla="*/ 2129352 h 2186393"/>
-                <a:gd name="connsiteX9" fmla="*/ 1351229 w 2374775"/>
-                <a:gd name="connsiteY9" fmla="*/ 2078804 h 2186393"/>
-                <a:gd name="connsiteX10" fmla="*/ 2374775 w 2374775"/>
-                <a:gd name="connsiteY10" fmla="*/ 69504 h 2186393"/>
-                <a:gd name="connsiteX0" fmla="*/ 2374775 w 2374775"/>
-                <a:gd name="connsiteY0" fmla="*/ 69504 h 2180066"/>
-                <a:gd name="connsiteX1" fmla="*/ 2343184 w 2374775"/>
-                <a:gd name="connsiteY1" fmla="*/ 0 h 2180066"/>
-                <a:gd name="connsiteX2" fmla="*/ 1919866 w 2374775"/>
-                <a:gd name="connsiteY2" fmla="*/ 170601 h 2180066"/>
-                <a:gd name="connsiteX3" fmla="*/ 1319638 w 2374775"/>
-                <a:gd name="connsiteY3" fmla="*/ 265379 h 2180066"/>
-                <a:gd name="connsiteX4" fmla="*/ 915219 w 2374775"/>
-                <a:gd name="connsiteY4" fmla="*/ 278016 h 2180066"/>
-                <a:gd name="connsiteX5" fmla="*/ 0 w 2374775"/>
-                <a:gd name="connsiteY5" fmla="*/ 2081504 h 2180066"/>
-                <a:gd name="connsiteX6" fmla="*/ 473000 w 2374775"/>
-                <a:gd name="connsiteY6" fmla="*/ 2160945 h 2180066"/>
-                <a:gd name="connsiteX7" fmla="*/ 871046 w 2374775"/>
-                <a:gd name="connsiteY7" fmla="*/ 2179901 h 2180066"/>
-                <a:gd name="connsiteX8" fmla="*/ 1197810 w 2374775"/>
-                <a:gd name="connsiteY8" fmla="*/ 2154680 h 2180066"/>
-                <a:gd name="connsiteX9" fmla="*/ 1351229 w 2374775"/>
-                <a:gd name="connsiteY9" fmla="*/ 2078804 h 2180066"/>
-                <a:gd name="connsiteX10" fmla="*/ 2374775 w 2374775"/>
-                <a:gd name="connsiteY10" fmla="*/ 69504 h 2180066"/>
-                <a:gd name="connsiteX0" fmla="*/ 2374775 w 2374775"/>
-                <a:gd name="connsiteY0" fmla="*/ 69504 h 2180066"/>
-                <a:gd name="connsiteX1" fmla="*/ 2343184 w 2374775"/>
-                <a:gd name="connsiteY1" fmla="*/ 0 h 2180066"/>
-                <a:gd name="connsiteX2" fmla="*/ 1919866 w 2374775"/>
-                <a:gd name="connsiteY2" fmla="*/ 170601 h 2180066"/>
-                <a:gd name="connsiteX3" fmla="*/ 1319638 w 2374775"/>
-                <a:gd name="connsiteY3" fmla="*/ 265379 h 2180066"/>
-                <a:gd name="connsiteX4" fmla="*/ 915219 w 2374775"/>
-                <a:gd name="connsiteY4" fmla="*/ 278016 h 2180066"/>
-                <a:gd name="connsiteX5" fmla="*/ 0 w 2374775"/>
-                <a:gd name="connsiteY5" fmla="*/ 2081504 h 2180066"/>
-                <a:gd name="connsiteX6" fmla="*/ 473000 w 2374775"/>
-                <a:gd name="connsiteY6" fmla="*/ 2160945 h 2180066"/>
-                <a:gd name="connsiteX7" fmla="*/ 871046 w 2374775"/>
-                <a:gd name="connsiteY7" fmla="*/ 2179901 h 2180066"/>
-                <a:gd name="connsiteX8" fmla="*/ 1165247 w 2374775"/>
-                <a:gd name="connsiteY8" fmla="*/ 2154680 h 2180066"/>
-                <a:gd name="connsiteX9" fmla="*/ 1351229 w 2374775"/>
-                <a:gd name="connsiteY9" fmla="*/ 2078804 h 2180066"/>
-                <a:gd name="connsiteX10" fmla="*/ 2374775 w 2374775"/>
-                <a:gd name="connsiteY10" fmla="*/ 69504 h 2180066"/>
-                <a:gd name="connsiteX0" fmla="*/ 2374775 w 2374775"/>
-                <a:gd name="connsiteY0" fmla="*/ 69504 h 2180066"/>
-                <a:gd name="connsiteX1" fmla="*/ 2343184 w 2374775"/>
-                <a:gd name="connsiteY1" fmla="*/ 0 h 2180066"/>
-                <a:gd name="connsiteX2" fmla="*/ 1919866 w 2374775"/>
-                <a:gd name="connsiteY2" fmla="*/ 170601 h 2180066"/>
-                <a:gd name="connsiteX3" fmla="*/ 1319638 w 2374775"/>
-                <a:gd name="connsiteY3" fmla="*/ 265379 h 2180066"/>
-                <a:gd name="connsiteX4" fmla="*/ 915219 w 2374775"/>
-                <a:gd name="connsiteY4" fmla="*/ 278016 h 2180066"/>
-                <a:gd name="connsiteX5" fmla="*/ 0 w 2374775"/>
-                <a:gd name="connsiteY5" fmla="*/ 2081504 h 2180066"/>
-                <a:gd name="connsiteX6" fmla="*/ 473000 w 2374775"/>
-                <a:gd name="connsiteY6" fmla="*/ 2160945 h 2180066"/>
-                <a:gd name="connsiteX7" fmla="*/ 871046 w 2374775"/>
-                <a:gd name="connsiteY7" fmla="*/ 2179901 h 2180066"/>
-                <a:gd name="connsiteX8" fmla="*/ 1165247 w 2374775"/>
-                <a:gd name="connsiteY8" fmla="*/ 2154680 h 2180066"/>
-                <a:gd name="connsiteX9" fmla="*/ 1351229 w 2374775"/>
-                <a:gd name="connsiteY9" fmla="*/ 2078804 h 2180066"/>
-                <a:gd name="connsiteX10" fmla="*/ 2374775 w 2374775"/>
-                <a:gd name="connsiteY10" fmla="*/ 69504 h 2180066"/>
-                <a:gd name="connsiteX0" fmla="*/ 2374775 w 2374775"/>
-                <a:gd name="connsiteY0" fmla="*/ 69504 h 2180066"/>
-                <a:gd name="connsiteX1" fmla="*/ 2343184 w 2374775"/>
-                <a:gd name="connsiteY1" fmla="*/ 0 h 2180066"/>
-                <a:gd name="connsiteX2" fmla="*/ 1919866 w 2374775"/>
-                <a:gd name="connsiteY2" fmla="*/ 170601 h 2180066"/>
-                <a:gd name="connsiteX3" fmla="*/ 1319638 w 2374775"/>
-                <a:gd name="connsiteY3" fmla="*/ 265379 h 2180066"/>
-                <a:gd name="connsiteX4" fmla="*/ 915219 w 2374775"/>
-                <a:gd name="connsiteY4" fmla="*/ 278016 h 2180066"/>
-                <a:gd name="connsiteX5" fmla="*/ 0 w 2374775"/>
-                <a:gd name="connsiteY5" fmla="*/ 2081504 h 2180066"/>
-                <a:gd name="connsiteX6" fmla="*/ 473000 w 2374775"/>
-                <a:gd name="connsiteY6" fmla="*/ 2160945 h 2180066"/>
-                <a:gd name="connsiteX7" fmla="*/ 871046 w 2374775"/>
-                <a:gd name="connsiteY7" fmla="*/ 2179901 h 2180066"/>
-                <a:gd name="connsiteX8" fmla="*/ 1165247 w 2374775"/>
-                <a:gd name="connsiteY8" fmla="*/ 2154680 h 2180066"/>
-                <a:gd name="connsiteX9" fmla="*/ 1351229 w 2374775"/>
-                <a:gd name="connsiteY9" fmla="*/ 2078804 h 2180066"/>
-                <a:gd name="connsiteX10" fmla="*/ 2374775 w 2374775"/>
-                <a:gd name="connsiteY10" fmla="*/ 69504 h 2180066"/>
-              </a:gdLst>
-              <a:ahLst/>
-              <a:cxnLst>
-                <a:cxn ang="0">
-                  <a:pos x="connsiteX0" y="connsiteY0"/>
-                </a:cxn>
-                <a:cxn ang="0">
-                  <a:pos x="connsiteX1" y="connsiteY1"/>
-                </a:cxn>
-                <a:cxn ang="0">
-                  <a:pos x="connsiteX2" y="connsiteY2"/>
-                </a:cxn>
-                <a:cxn ang="0">
-                  <a:pos x="connsiteX3" y="connsiteY3"/>
-                </a:cxn>
-                <a:cxn ang="0">
-                  <a:pos x="connsiteX4" y="connsiteY4"/>
-                </a:cxn>
-                <a:cxn ang="0">
-                  <a:pos x="connsiteX5" y="connsiteY5"/>
-                </a:cxn>
-                <a:cxn ang="0">
-                  <a:pos x="connsiteX6" y="connsiteY6"/>
-                </a:cxn>
-                <a:cxn ang="0">
-                  <a:pos x="connsiteX7" y="connsiteY7"/>
-                </a:cxn>
-                <a:cxn ang="0">
-                  <a:pos x="connsiteX8" y="connsiteY8"/>
-                </a:cxn>
-                <a:cxn ang="0">
-                  <a:pos x="connsiteX9" y="connsiteY9"/>
-                </a:cxn>
-                <a:cxn ang="0">
-                  <a:pos x="connsiteX10" y="connsiteY10"/>
-                </a:cxn>
-              </a:cxnLst>
-              <a:rect l="l" t="t" r="r" b="b"/>
-              <a:pathLst>
-                <a:path w="2374775" h="2180066">
-                  <a:moveTo>
-                    <a:pt x="2374775" y="69504"/>
-                  </a:moveTo>
-                  <a:lnTo>
-                    <a:pt x="2343184" y="0"/>
-                  </a:lnTo>
-                  <a:cubicBezTo>
-                    <a:pt x="2267366" y="16850"/>
-                    <a:pt x="2090457" y="126371"/>
-                    <a:pt x="1919866" y="170601"/>
-                  </a:cubicBezTo>
-                  <a:cubicBezTo>
-                    <a:pt x="1749275" y="214831"/>
-                    <a:pt x="1487079" y="247477"/>
-                    <a:pt x="1319638" y="265379"/>
-                  </a:cubicBezTo>
-                  <a:cubicBezTo>
-                    <a:pt x="1152197" y="283281"/>
-                    <a:pt x="1050025" y="273804"/>
-                    <a:pt x="915219" y="278016"/>
-                  </a:cubicBezTo>
-                  <a:cubicBezTo>
-                    <a:pt x="730859" y="606634"/>
-                    <a:pt x="461227" y="1177951"/>
-                    <a:pt x="0" y="2081504"/>
-                  </a:cubicBezTo>
-                  <a:cubicBezTo>
-                    <a:pt x="294747" y="2138427"/>
-                    <a:pt x="327826" y="2144546"/>
-                    <a:pt x="473000" y="2160945"/>
-                  </a:cubicBezTo>
-                  <a:cubicBezTo>
-                    <a:pt x="618174" y="2177344"/>
-                    <a:pt x="755672" y="2180945"/>
-                    <a:pt x="871046" y="2179901"/>
-                  </a:cubicBezTo>
-                  <a:cubicBezTo>
-                    <a:pt x="986420" y="2178857"/>
-                    <a:pt x="1056326" y="2163087"/>
-                    <a:pt x="1165247" y="2154680"/>
-                  </a:cubicBezTo>
-                  <a:cubicBezTo>
-                    <a:pt x="1270550" y="2137830"/>
-                    <a:pt x="1279947" y="2118551"/>
-                    <a:pt x="1351229" y="2078804"/>
-                  </a:cubicBezTo>
-                  <a:lnTo>
-                    <a:pt x="2374775" y="69504"/>
-                  </a:lnTo>
-                  <a:close/>
-                </a:path>
-              </a:pathLst>
-            </a:custGeom>
-            <a:solidFill>
-              <a:srgbClr val="103869"/>
-            </a:solidFill>
-            <a:ln>
-              <a:noFill/>
-            </a:ln>
-            <a:effectLst/>
-          </p:spPr>
-          <p:style>
-            <a:lnRef idx="1">
-              <a:schemeClr val="accent1"/>
-            </a:lnRef>
-            <a:fillRef idx="3">
-              <a:schemeClr val="accent1"/>
-            </a:fillRef>
-            <a:effectRef idx="2">
-              <a:schemeClr val="accent1"/>
-            </a:effectRef>
-            <a:fontRef idx="minor">
-              <a:schemeClr val="lt1"/>
-            </a:fontRef>
-          </p:style>
-          <p:txBody>
-            <a:bodyPr rtlCol="0" anchor="ctr"/>
-            <a:lstStyle/>
-            <a:p>
-              <a:pPr algn="ctr"/>
-              <a:endParaRPr lang="en-US"/>
-            </a:p>
-          </p:txBody>
-        </p:sp>
-        <p:sp>
-          <p:nvSpPr>
-            <p:cNvPr id="18" name="Freeform 17"/>
-            <p:cNvSpPr/>
-            <p:nvPr/>
-          </p:nvSpPr>
-          <p:spPr>
-            <a:xfrm>
-              <a:off x="3104534" y="5380744"/>
-              <a:ext cx="2002965" cy="659277"/>
-            </a:xfrm>
-            <a:custGeom>
-              <a:avLst/>
-              <a:gdLst>
-                <a:gd name="connsiteX0" fmla="*/ 0 w 1986371"/>
-                <a:gd name="connsiteY0" fmla="*/ 0 h 651291"/>
-                <a:gd name="connsiteX1" fmla="*/ 260508 w 1986371"/>
-                <a:gd name="connsiteY1" fmla="*/ 199006 h 651291"/>
-                <a:gd name="connsiteX2" fmla="*/ 662124 w 1986371"/>
-                <a:gd name="connsiteY2" fmla="*/ 412484 h 651291"/>
-                <a:gd name="connsiteX3" fmla="*/ 1125249 w 1986371"/>
-                <a:gd name="connsiteY3" fmla="*/ 557215 h 651291"/>
-                <a:gd name="connsiteX4" fmla="*/ 1497919 w 1986371"/>
-                <a:gd name="connsiteY4" fmla="*/ 629581 h 651291"/>
-                <a:gd name="connsiteX5" fmla="*/ 1914008 w 1986371"/>
-                <a:gd name="connsiteY5" fmla="*/ 651291 h 651291"/>
-                <a:gd name="connsiteX6" fmla="*/ 1986371 w 1986371"/>
-                <a:gd name="connsiteY6" fmla="*/ 618726 h 651291"/>
-                <a:gd name="connsiteX7" fmla="*/ 1888681 w 1986371"/>
-                <a:gd name="connsiteY7" fmla="*/ 535506 h 651291"/>
-                <a:gd name="connsiteX8" fmla="*/ 1715009 w 1986371"/>
-                <a:gd name="connsiteY8" fmla="*/ 542742 h 651291"/>
-                <a:gd name="connsiteX9" fmla="*/ 1306157 w 1986371"/>
-                <a:gd name="connsiteY9" fmla="*/ 502941 h 651291"/>
-                <a:gd name="connsiteX10" fmla="*/ 944340 w 1986371"/>
-                <a:gd name="connsiteY10" fmla="*/ 387156 h 651291"/>
-                <a:gd name="connsiteX11" fmla="*/ 1313393 w 1986371"/>
-                <a:gd name="connsiteY11" fmla="*/ 394393 h 651291"/>
-                <a:gd name="connsiteX12" fmla="*/ 1664355 w 1986371"/>
-                <a:gd name="connsiteY12" fmla="*/ 332882 h 651291"/>
-                <a:gd name="connsiteX13" fmla="*/ 1577519 w 1986371"/>
-                <a:gd name="connsiteY13" fmla="*/ 217097 h 651291"/>
-                <a:gd name="connsiteX14" fmla="*/ 1476210 w 1986371"/>
-                <a:gd name="connsiteY14" fmla="*/ 238807 h 651291"/>
-                <a:gd name="connsiteX15" fmla="*/ 1215703 w 1986371"/>
-                <a:gd name="connsiteY15" fmla="*/ 253280 h 651291"/>
-                <a:gd name="connsiteX16" fmla="*/ 919013 w 1986371"/>
-                <a:gd name="connsiteY16" fmla="*/ 242425 h 651291"/>
-                <a:gd name="connsiteX17" fmla="*/ 647651 w 1986371"/>
-                <a:gd name="connsiteY17" fmla="*/ 180914 h 651291"/>
-                <a:gd name="connsiteX18" fmla="*/ 481216 w 1986371"/>
-                <a:gd name="connsiteY18" fmla="*/ 115785 h 651291"/>
-                <a:gd name="connsiteX19" fmla="*/ 445034 w 1986371"/>
-                <a:gd name="connsiteY19" fmla="*/ 75984 h 651291"/>
-                <a:gd name="connsiteX20" fmla="*/ 0 w 1986371"/>
-                <a:gd name="connsiteY20" fmla="*/ 0 h 651291"/>
-                <a:gd name="connsiteX0" fmla="*/ 3468 w 1989839"/>
-                <a:gd name="connsiteY0" fmla="*/ 0 h 651291"/>
-                <a:gd name="connsiteX1" fmla="*/ 263976 w 1989839"/>
-                <a:gd name="connsiteY1" fmla="*/ 199006 h 651291"/>
-                <a:gd name="connsiteX2" fmla="*/ 665592 w 1989839"/>
-                <a:gd name="connsiteY2" fmla="*/ 412484 h 651291"/>
-                <a:gd name="connsiteX3" fmla="*/ 1128717 w 1989839"/>
-                <a:gd name="connsiteY3" fmla="*/ 557215 h 651291"/>
-                <a:gd name="connsiteX4" fmla="*/ 1501387 w 1989839"/>
-                <a:gd name="connsiteY4" fmla="*/ 629581 h 651291"/>
-                <a:gd name="connsiteX5" fmla="*/ 1917476 w 1989839"/>
-                <a:gd name="connsiteY5" fmla="*/ 651291 h 651291"/>
-                <a:gd name="connsiteX6" fmla="*/ 1989839 w 1989839"/>
-                <a:gd name="connsiteY6" fmla="*/ 618726 h 651291"/>
-                <a:gd name="connsiteX7" fmla="*/ 1892149 w 1989839"/>
-                <a:gd name="connsiteY7" fmla="*/ 535506 h 651291"/>
-                <a:gd name="connsiteX8" fmla="*/ 1718477 w 1989839"/>
-                <a:gd name="connsiteY8" fmla="*/ 542742 h 651291"/>
-                <a:gd name="connsiteX9" fmla="*/ 1309625 w 1989839"/>
-                <a:gd name="connsiteY9" fmla="*/ 502941 h 651291"/>
-                <a:gd name="connsiteX10" fmla="*/ 947808 w 1989839"/>
-                <a:gd name="connsiteY10" fmla="*/ 387156 h 651291"/>
-                <a:gd name="connsiteX11" fmla="*/ 1316861 w 1989839"/>
-                <a:gd name="connsiteY11" fmla="*/ 394393 h 651291"/>
-                <a:gd name="connsiteX12" fmla="*/ 1667823 w 1989839"/>
-                <a:gd name="connsiteY12" fmla="*/ 332882 h 651291"/>
-                <a:gd name="connsiteX13" fmla="*/ 1580987 w 1989839"/>
-                <a:gd name="connsiteY13" fmla="*/ 217097 h 651291"/>
-                <a:gd name="connsiteX14" fmla="*/ 1479678 w 1989839"/>
-                <a:gd name="connsiteY14" fmla="*/ 238807 h 651291"/>
-                <a:gd name="connsiteX15" fmla="*/ 1219171 w 1989839"/>
-                <a:gd name="connsiteY15" fmla="*/ 253280 h 651291"/>
-                <a:gd name="connsiteX16" fmla="*/ 922481 w 1989839"/>
-                <a:gd name="connsiteY16" fmla="*/ 242425 h 651291"/>
-                <a:gd name="connsiteX17" fmla="*/ 651119 w 1989839"/>
-                <a:gd name="connsiteY17" fmla="*/ 180914 h 651291"/>
-                <a:gd name="connsiteX18" fmla="*/ 484684 w 1989839"/>
-                <a:gd name="connsiteY18" fmla="*/ 115785 h 651291"/>
-                <a:gd name="connsiteX19" fmla="*/ 448502 w 1989839"/>
-                <a:gd name="connsiteY19" fmla="*/ 75984 h 651291"/>
-                <a:gd name="connsiteX20" fmla="*/ 3468 w 1989839"/>
-                <a:gd name="connsiteY20" fmla="*/ 0 h 651291"/>
-                <a:gd name="connsiteX0" fmla="*/ 3468 w 1989839"/>
-                <a:gd name="connsiteY0" fmla="*/ 0 h 651291"/>
-                <a:gd name="connsiteX1" fmla="*/ 263976 w 1989839"/>
-                <a:gd name="connsiteY1" fmla="*/ 199006 h 651291"/>
-                <a:gd name="connsiteX2" fmla="*/ 665592 w 1989839"/>
-                <a:gd name="connsiteY2" fmla="*/ 412484 h 651291"/>
-                <a:gd name="connsiteX3" fmla="*/ 1128717 w 1989839"/>
-                <a:gd name="connsiteY3" fmla="*/ 557215 h 651291"/>
-                <a:gd name="connsiteX4" fmla="*/ 1501387 w 1989839"/>
-                <a:gd name="connsiteY4" fmla="*/ 629581 h 651291"/>
-                <a:gd name="connsiteX5" fmla="*/ 1917476 w 1989839"/>
-                <a:gd name="connsiteY5" fmla="*/ 651291 h 651291"/>
-                <a:gd name="connsiteX6" fmla="*/ 1989839 w 1989839"/>
-                <a:gd name="connsiteY6" fmla="*/ 618726 h 651291"/>
-                <a:gd name="connsiteX7" fmla="*/ 1892149 w 1989839"/>
-                <a:gd name="connsiteY7" fmla="*/ 535506 h 651291"/>
-                <a:gd name="connsiteX8" fmla="*/ 1718477 w 1989839"/>
-                <a:gd name="connsiteY8" fmla="*/ 542742 h 651291"/>
-                <a:gd name="connsiteX9" fmla="*/ 1309625 w 1989839"/>
-                <a:gd name="connsiteY9" fmla="*/ 502941 h 651291"/>
-                <a:gd name="connsiteX10" fmla="*/ 947808 w 1989839"/>
-                <a:gd name="connsiteY10" fmla="*/ 387156 h 651291"/>
-                <a:gd name="connsiteX11" fmla="*/ 1316861 w 1989839"/>
-                <a:gd name="connsiteY11" fmla="*/ 394393 h 651291"/>
-                <a:gd name="connsiteX12" fmla="*/ 1667823 w 1989839"/>
-                <a:gd name="connsiteY12" fmla="*/ 332882 h 651291"/>
-                <a:gd name="connsiteX13" fmla="*/ 1580987 w 1989839"/>
-                <a:gd name="connsiteY13" fmla="*/ 217097 h 651291"/>
-                <a:gd name="connsiteX14" fmla="*/ 1479678 w 1989839"/>
-                <a:gd name="connsiteY14" fmla="*/ 238807 h 651291"/>
-                <a:gd name="connsiteX15" fmla="*/ 1219171 w 1989839"/>
-                <a:gd name="connsiteY15" fmla="*/ 253280 h 651291"/>
-                <a:gd name="connsiteX16" fmla="*/ 922481 w 1989839"/>
-                <a:gd name="connsiteY16" fmla="*/ 242425 h 651291"/>
-                <a:gd name="connsiteX17" fmla="*/ 651119 w 1989839"/>
-                <a:gd name="connsiteY17" fmla="*/ 180914 h 651291"/>
-                <a:gd name="connsiteX18" fmla="*/ 484684 w 1989839"/>
-                <a:gd name="connsiteY18" fmla="*/ 115785 h 651291"/>
-                <a:gd name="connsiteX19" fmla="*/ 448502 w 1989839"/>
-                <a:gd name="connsiteY19" fmla="*/ 75984 h 651291"/>
-                <a:gd name="connsiteX20" fmla="*/ 3468 w 1989839"/>
-                <a:gd name="connsiteY20" fmla="*/ 0 h 651291"/>
-                <a:gd name="connsiteX0" fmla="*/ 3468 w 1989839"/>
-                <a:gd name="connsiteY0" fmla="*/ 0 h 651291"/>
-                <a:gd name="connsiteX1" fmla="*/ 263976 w 1989839"/>
-                <a:gd name="connsiteY1" fmla="*/ 199006 h 651291"/>
-                <a:gd name="connsiteX2" fmla="*/ 665592 w 1989839"/>
-                <a:gd name="connsiteY2" fmla="*/ 412484 h 651291"/>
-                <a:gd name="connsiteX3" fmla="*/ 1128717 w 1989839"/>
-                <a:gd name="connsiteY3" fmla="*/ 557215 h 651291"/>
-                <a:gd name="connsiteX4" fmla="*/ 1501387 w 1989839"/>
-                <a:gd name="connsiteY4" fmla="*/ 629581 h 651291"/>
-                <a:gd name="connsiteX5" fmla="*/ 1917476 w 1989839"/>
-                <a:gd name="connsiteY5" fmla="*/ 651291 h 651291"/>
-                <a:gd name="connsiteX6" fmla="*/ 1989839 w 1989839"/>
-                <a:gd name="connsiteY6" fmla="*/ 618726 h 651291"/>
-                <a:gd name="connsiteX7" fmla="*/ 1892149 w 1989839"/>
-                <a:gd name="connsiteY7" fmla="*/ 535506 h 651291"/>
-                <a:gd name="connsiteX8" fmla="*/ 1718477 w 1989839"/>
-                <a:gd name="connsiteY8" fmla="*/ 542742 h 651291"/>
-                <a:gd name="connsiteX9" fmla="*/ 1309625 w 1989839"/>
-                <a:gd name="connsiteY9" fmla="*/ 502941 h 651291"/>
-                <a:gd name="connsiteX10" fmla="*/ 947808 w 1989839"/>
-                <a:gd name="connsiteY10" fmla="*/ 387156 h 651291"/>
-                <a:gd name="connsiteX11" fmla="*/ 1316861 w 1989839"/>
-                <a:gd name="connsiteY11" fmla="*/ 394393 h 651291"/>
-                <a:gd name="connsiteX12" fmla="*/ 1667823 w 1989839"/>
-                <a:gd name="connsiteY12" fmla="*/ 332882 h 651291"/>
-                <a:gd name="connsiteX13" fmla="*/ 1580987 w 1989839"/>
-                <a:gd name="connsiteY13" fmla="*/ 217097 h 651291"/>
-                <a:gd name="connsiteX14" fmla="*/ 1479678 w 1989839"/>
-                <a:gd name="connsiteY14" fmla="*/ 238807 h 651291"/>
-                <a:gd name="connsiteX15" fmla="*/ 1219171 w 1989839"/>
-                <a:gd name="connsiteY15" fmla="*/ 253280 h 651291"/>
-                <a:gd name="connsiteX16" fmla="*/ 922481 w 1989839"/>
-                <a:gd name="connsiteY16" fmla="*/ 242425 h 651291"/>
-                <a:gd name="connsiteX17" fmla="*/ 651119 w 1989839"/>
-                <a:gd name="connsiteY17" fmla="*/ 180914 h 651291"/>
-                <a:gd name="connsiteX18" fmla="*/ 484684 w 1989839"/>
-                <a:gd name="connsiteY18" fmla="*/ 115785 h 651291"/>
-                <a:gd name="connsiteX19" fmla="*/ 448502 w 1989839"/>
-                <a:gd name="connsiteY19" fmla="*/ 75984 h 651291"/>
-                <a:gd name="connsiteX20" fmla="*/ 3468 w 1989839"/>
-                <a:gd name="connsiteY20" fmla="*/ 0 h 651291"/>
-                <a:gd name="connsiteX0" fmla="*/ 3468 w 1989839"/>
-                <a:gd name="connsiteY0" fmla="*/ 0 h 651291"/>
-                <a:gd name="connsiteX1" fmla="*/ 263976 w 1989839"/>
-                <a:gd name="connsiteY1" fmla="*/ 199006 h 651291"/>
-                <a:gd name="connsiteX2" fmla="*/ 665592 w 1989839"/>
-                <a:gd name="connsiteY2" fmla="*/ 412484 h 651291"/>
-                <a:gd name="connsiteX3" fmla="*/ 1128717 w 1989839"/>
-                <a:gd name="connsiteY3" fmla="*/ 575307 h 651291"/>
-                <a:gd name="connsiteX4" fmla="*/ 1501387 w 1989839"/>
-                <a:gd name="connsiteY4" fmla="*/ 629581 h 651291"/>
-                <a:gd name="connsiteX5" fmla="*/ 1917476 w 1989839"/>
-                <a:gd name="connsiteY5" fmla="*/ 651291 h 651291"/>
-                <a:gd name="connsiteX6" fmla="*/ 1989839 w 1989839"/>
-                <a:gd name="connsiteY6" fmla="*/ 618726 h 651291"/>
-                <a:gd name="connsiteX7" fmla="*/ 1892149 w 1989839"/>
-                <a:gd name="connsiteY7" fmla="*/ 535506 h 651291"/>
-                <a:gd name="connsiteX8" fmla="*/ 1718477 w 1989839"/>
-                <a:gd name="connsiteY8" fmla="*/ 542742 h 651291"/>
-                <a:gd name="connsiteX9" fmla="*/ 1309625 w 1989839"/>
-                <a:gd name="connsiteY9" fmla="*/ 502941 h 651291"/>
-                <a:gd name="connsiteX10" fmla="*/ 947808 w 1989839"/>
-                <a:gd name="connsiteY10" fmla="*/ 387156 h 651291"/>
-                <a:gd name="connsiteX11" fmla="*/ 1316861 w 1989839"/>
-                <a:gd name="connsiteY11" fmla="*/ 394393 h 651291"/>
-                <a:gd name="connsiteX12" fmla="*/ 1667823 w 1989839"/>
-                <a:gd name="connsiteY12" fmla="*/ 332882 h 651291"/>
-                <a:gd name="connsiteX13" fmla="*/ 1580987 w 1989839"/>
-                <a:gd name="connsiteY13" fmla="*/ 217097 h 651291"/>
-                <a:gd name="connsiteX14" fmla="*/ 1479678 w 1989839"/>
-                <a:gd name="connsiteY14" fmla="*/ 238807 h 651291"/>
-                <a:gd name="connsiteX15" fmla="*/ 1219171 w 1989839"/>
-                <a:gd name="connsiteY15" fmla="*/ 253280 h 651291"/>
-                <a:gd name="connsiteX16" fmla="*/ 922481 w 1989839"/>
-                <a:gd name="connsiteY16" fmla="*/ 242425 h 651291"/>
-                <a:gd name="connsiteX17" fmla="*/ 651119 w 1989839"/>
-                <a:gd name="connsiteY17" fmla="*/ 180914 h 651291"/>
-                <a:gd name="connsiteX18" fmla="*/ 484684 w 1989839"/>
-                <a:gd name="connsiteY18" fmla="*/ 115785 h 651291"/>
-                <a:gd name="connsiteX19" fmla="*/ 448502 w 1989839"/>
-                <a:gd name="connsiteY19" fmla="*/ 75984 h 651291"/>
-                <a:gd name="connsiteX20" fmla="*/ 3468 w 1989839"/>
-                <a:gd name="connsiteY20" fmla="*/ 0 h 651291"/>
-                <a:gd name="connsiteX0" fmla="*/ 3468 w 1989839"/>
-                <a:gd name="connsiteY0" fmla="*/ 0 h 651291"/>
-                <a:gd name="connsiteX1" fmla="*/ 263976 w 1989839"/>
-                <a:gd name="connsiteY1" fmla="*/ 199006 h 651291"/>
-                <a:gd name="connsiteX2" fmla="*/ 665592 w 1989839"/>
-                <a:gd name="connsiteY2" fmla="*/ 412484 h 651291"/>
-                <a:gd name="connsiteX3" fmla="*/ 1128717 w 1989839"/>
-                <a:gd name="connsiteY3" fmla="*/ 575307 h 651291"/>
-                <a:gd name="connsiteX4" fmla="*/ 1501387 w 1989839"/>
-                <a:gd name="connsiteY4" fmla="*/ 629581 h 651291"/>
-                <a:gd name="connsiteX5" fmla="*/ 1917476 w 1989839"/>
-                <a:gd name="connsiteY5" fmla="*/ 651291 h 651291"/>
-                <a:gd name="connsiteX6" fmla="*/ 1989839 w 1989839"/>
-                <a:gd name="connsiteY6" fmla="*/ 618726 h 651291"/>
-                <a:gd name="connsiteX7" fmla="*/ 1892149 w 1989839"/>
-                <a:gd name="connsiteY7" fmla="*/ 535506 h 651291"/>
-                <a:gd name="connsiteX8" fmla="*/ 1718477 w 1989839"/>
-                <a:gd name="connsiteY8" fmla="*/ 542742 h 651291"/>
-                <a:gd name="connsiteX9" fmla="*/ 1309625 w 1989839"/>
-                <a:gd name="connsiteY9" fmla="*/ 502941 h 651291"/>
-                <a:gd name="connsiteX10" fmla="*/ 947808 w 1989839"/>
-                <a:gd name="connsiteY10" fmla="*/ 387156 h 651291"/>
-                <a:gd name="connsiteX11" fmla="*/ 1316861 w 1989839"/>
-                <a:gd name="connsiteY11" fmla="*/ 394393 h 651291"/>
-                <a:gd name="connsiteX12" fmla="*/ 1667823 w 1989839"/>
-                <a:gd name="connsiteY12" fmla="*/ 332882 h 651291"/>
-                <a:gd name="connsiteX13" fmla="*/ 1580987 w 1989839"/>
-                <a:gd name="connsiteY13" fmla="*/ 217097 h 651291"/>
-                <a:gd name="connsiteX14" fmla="*/ 1479678 w 1989839"/>
-                <a:gd name="connsiteY14" fmla="*/ 238807 h 651291"/>
-                <a:gd name="connsiteX15" fmla="*/ 1219171 w 1989839"/>
-                <a:gd name="connsiteY15" fmla="*/ 253280 h 651291"/>
-                <a:gd name="connsiteX16" fmla="*/ 922481 w 1989839"/>
-                <a:gd name="connsiteY16" fmla="*/ 242425 h 651291"/>
-                <a:gd name="connsiteX17" fmla="*/ 651119 w 1989839"/>
-                <a:gd name="connsiteY17" fmla="*/ 180914 h 651291"/>
-                <a:gd name="connsiteX18" fmla="*/ 484684 w 1989839"/>
-                <a:gd name="connsiteY18" fmla="*/ 115785 h 651291"/>
-                <a:gd name="connsiteX19" fmla="*/ 448502 w 1989839"/>
-                <a:gd name="connsiteY19" fmla="*/ 75984 h 651291"/>
-                <a:gd name="connsiteX20" fmla="*/ 3468 w 1989839"/>
-                <a:gd name="connsiteY20" fmla="*/ 0 h 651291"/>
-                <a:gd name="connsiteX0" fmla="*/ 3468 w 1989839"/>
-                <a:gd name="connsiteY0" fmla="*/ 0 h 651291"/>
-                <a:gd name="connsiteX1" fmla="*/ 263976 w 1989839"/>
-                <a:gd name="connsiteY1" fmla="*/ 199006 h 651291"/>
-                <a:gd name="connsiteX2" fmla="*/ 665592 w 1989839"/>
-                <a:gd name="connsiteY2" fmla="*/ 412484 h 651291"/>
-                <a:gd name="connsiteX3" fmla="*/ 1128717 w 1989839"/>
-                <a:gd name="connsiteY3" fmla="*/ 575307 h 651291"/>
-                <a:gd name="connsiteX4" fmla="*/ 1501387 w 1989839"/>
-                <a:gd name="connsiteY4" fmla="*/ 629581 h 651291"/>
-                <a:gd name="connsiteX5" fmla="*/ 1917476 w 1989839"/>
-                <a:gd name="connsiteY5" fmla="*/ 651291 h 651291"/>
-                <a:gd name="connsiteX6" fmla="*/ 1989839 w 1989839"/>
-                <a:gd name="connsiteY6" fmla="*/ 618726 h 651291"/>
-                <a:gd name="connsiteX7" fmla="*/ 1892149 w 1989839"/>
-                <a:gd name="connsiteY7" fmla="*/ 535506 h 651291"/>
-                <a:gd name="connsiteX8" fmla="*/ 1718477 w 1989839"/>
-                <a:gd name="connsiteY8" fmla="*/ 542742 h 651291"/>
-                <a:gd name="connsiteX9" fmla="*/ 1309625 w 1989839"/>
-                <a:gd name="connsiteY9" fmla="*/ 502941 h 651291"/>
-                <a:gd name="connsiteX10" fmla="*/ 947808 w 1989839"/>
-                <a:gd name="connsiteY10" fmla="*/ 387156 h 651291"/>
-                <a:gd name="connsiteX11" fmla="*/ 1316861 w 1989839"/>
-                <a:gd name="connsiteY11" fmla="*/ 394393 h 651291"/>
-                <a:gd name="connsiteX12" fmla="*/ 1667823 w 1989839"/>
-                <a:gd name="connsiteY12" fmla="*/ 332882 h 651291"/>
-                <a:gd name="connsiteX13" fmla="*/ 1580987 w 1989839"/>
-                <a:gd name="connsiteY13" fmla="*/ 217097 h 651291"/>
-                <a:gd name="connsiteX14" fmla="*/ 1479678 w 1989839"/>
-                <a:gd name="connsiteY14" fmla="*/ 238807 h 651291"/>
-                <a:gd name="connsiteX15" fmla="*/ 1219171 w 1989839"/>
-                <a:gd name="connsiteY15" fmla="*/ 253280 h 651291"/>
-                <a:gd name="connsiteX16" fmla="*/ 922481 w 1989839"/>
-                <a:gd name="connsiteY16" fmla="*/ 242425 h 651291"/>
-                <a:gd name="connsiteX17" fmla="*/ 651119 w 1989839"/>
-                <a:gd name="connsiteY17" fmla="*/ 180914 h 651291"/>
-                <a:gd name="connsiteX18" fmla="*/ 484684 w 1989839"/>
-                <a:gd name="connsiteY18" fmla="*/ 115785 h 651291"/>
-                <a:gd name="connsiteX19" fmla="*/ 448502 w 1989839"/>
-                <a:gd name="connsiteY19" fmla="*/ 75984 h 651291"/>
-                <a:gd name="connsiteX20" fmla="*/ 3468 w 1989839"/>
-                <a:gd name="connsiteY20" fmla="*/ 0 h 651291"/>
-                <a:gd name="connsiteX0" fmla="*/ 3468 w 1989839"/>
-                <a:gd name="connsiteY0" fmla="*/ 0 h 651291"/>
-                <a:gd name="connsiteX1" fmla="*/ 263976 w 1989839"/>
-                <a:gd name="connsiteY1" fmla="*/ 199006 h 651291"/>
-                <a:gd name="connsiteX2" fmla="*/ 665592 w 1989839"/>
-                <a:gd name="connsiteY2" fmla="*/ 412484 h 651291"/>
-                <a:gd name="connsiteX3" fmla="*/ 1128717 w 1989839"/>
-                <a:gd name="connsiteY3" fmla="*/ 575307 h 651291"/>
-                <a:gd name="connsiteX4" fmla="*/ 1505005 w 1989839"/>
-                <a:gd name="connsiteY4" fmla="*/ 644054 h 651291"/>
-                <a:gd name="connsiteX5" fmla="*/ 1917476 w 1989839"/>
-                <a:gd name="connsiteY5" fmla="*/ 651291 h 651291"/>
-                <a:gd name="connsiteX6" fmla="*/ 1989839 w 1989839"/>
-                <a:gd name="connsiteY6" fmla="*/ 618726 h 651291"/>
-                <a:gd name="connsiteX7" fmla="*/ 1892149 w 1989839"/>
-                <a:gd name="connsiteY7" fmla="*/ 535506 h 651291"/>
-                <a:gd name="connsiteX8" fmla="*/ 1718477 w 1989839"/>
-                <a:gd name="connsiteY8" fmla="*/ 542742 h 651291"/>
-                <a:gd name="connsiteX9" fmla="*/ 1309625 w 1989839"/>
-                <a:gd name="connsiteY9" fmla="*/ 502941 h 651291"/>
-                <a:gd name="connsiteX10" fmla="*/ 947808 w 1989839"/>
-                <a:gd name="connsiteY10" fmla="*/ 387156 h 651291"/>
-                <a:gd name="connsiteX11" fmla="*/ 1316861 w 1989839"/>
-                <a:gd name="connsiteY11" fmla="*/ 394393 h 651291"/>
-                <a:gd name="connsiteX12" fmla="*/ 1667823 w 1989839"/>
-                <a:gd name="connsiteY12" fmla="*/ 332882 h 651291"/>
-                <a:gd name="connsiteX13" fmla="*/ 1580987 w 1989839"/>
-                <a:gd name="connsiteY13" fmla="*/ 217097 h 651291"/>
-                <a:gd name="connsiteX14" fmla="*/ 1479678 w 1989839"/>
-                <a:gd name="connsiteY14" fmla="*/ 238807 h 651291"/>
-                <a:gd name="connsiteX15" fmla="*/ 1219171 w 1989839"/>
-                <a:gd name="connsiteY15" fmla="*/ 253280 h 651291"/>
-                <a:gd name="connsiteX16" fmla="*/ 922481 w 1989839"/>
-                <a:gd name="connsiteY16" fmla="*/ 242425 h 651291"/>
-                <a:gd name="connsiteX17" fmla="*/ 651119 w 1989839"/>
-                <a:gd name="connsiteY17" fmla="*/ 180914 h 651291"/>
-                <a:gd name="connsiteX18" fmla="*/ 484684 w 1989839"/>
-                <a:gd name="connsiteY18" fmla="*/ 115785 h 651291"/>
-                <a:gd name="connsiteX19" fmla="*/ 448502 w 1989839"/>
-                <a:gd name="connsiteY19" fmla="*/ 75984 h 651291"/>
-                <a:gd name="connsiteX20" fmla="*/ 3468 w 1989839"/>
-                <a:gd name="connsiteY20" fmla="*/ 0 h 651291"/>
-                <a:gd name="connsiteX0" fmla="*/ 3468 w 2006888"/>
-                <a:gd name="connsiteY0" fmla="*/ 0 h 651536"/>
-                <a:gd name="connsiteX1" fmla="*/ 263976 w 2006888"/>
-                <a:gd name="connsiteY1" fmla="*/ 199006 h 651536"/>
-                <a:gd name="connsiteX2" fmla="*/ 665592 w 2006888"/>
-                <a:gd name="connsiteY2" fmla="*/ 412484 h 651536"/>
-                <a:gd name="connsiteX3" fmla="*/ 1128717 w 2006888"/>
-                <a:gd name="connsiteY3" fmla="*/ 575307 h 651536"/>
-                <a:gd name="connsiteX4" fmla="*/ 1505005 w 2006888"/>
-                <a:gd name="connsiteY4" fmla="*/ 644054 h 651536"/>
-                <a:gd name="connsiteX5" fmla="*/ 1917476 w 2006888"/>
-                <a:gd name="connsiteY5" fmla="*/ 651291 h 651536"/>
-                <a:gd name="connsiteX6" fmla="*/ 1989839 w 2006888"/>
-                <a:gd name="connsiteY6" fmla="*/ 618726 h 651536"/>
-                <a:gd name="connsiteX7" fmla="*/ 1892149 w 2006888"/>
-                <a:gd name="connsiteY7" fmla="*/ 535506 h 651536"/>
-                <a:gd name="connsiteX8" fmla="*/ 1718477 w 2006888"/>
-                <a:gd name="connsiteY8" fmla="*/ 542742 h 651536"/>
-                <a:gd name="connsiteX9" fmla="*/ 1309625 w 2006888"/>
-                <a:gd name="connsiteY9" fmla="*/ 502941 h 651536"/>
-                <a:gd name="connsiteX10" fmla="*/ 947808 w 2006888"/>
-                <a:gd name="connsiteY10" fmla="*/ 387156 h 651536"/>
-                <a:gd name="connsiteX11" fmla="*/ 1316861 w 2006888"/>
-                <a:gd name="connsiteY11" fmla="*/ 394393 h 651536"/>
-                <a:gd name="connsiteX12" fmla="*/ 1667823 w 2006888"/>
-                <a:gd name="connsiteY12" fmla="*/ 332882 h 651536"/>
-                <a:gd name="connsiteX13" fmla="*/ 1580987 w 2006888"/>
-                <a:gd name="connsiteY13" fmla="*/ 217097 h 651536"/>
-                <a:gd name="connsiteX14" fmla="*/ 1479678 w 2006888"/>
-                <a:gd name="connsiteY14" fmla="*/ 238807 h 651536"/>
-                <a:gd name="connsiteX15" fmla="*/ 1219171 w 2006888"/>
-                <a:gd name="connsiteY15" fmla="*/ 253280 h 651536"/>
-                <a:gd name="connsiteX16" fmla="*/ 922481 w 2006888"/>
-                <a:gd name="connsiteY16" fmla="*/ 242425 h 651536"/>
-                <a:gd name="connsiteX17" fmla="*/ 651119 w 2006888"/>
-                <a:gd name="connsiteY17" fmla="*/ 180914 h 651536"/>
-                <a:gd name="connsiteX18" fmla="*/ 484684 w 2006888"/>
-                <a:gd name="connsiteY18" fmla="*/ 115785 h 651536"/>
-                <a:gd name="connsiteX19" fmla="*/ 448502 w 2006888"/>
-                <a:gd name="connsiteY19" fmla="*/ 75984 h 651536"/>
-                <a:gd name="connsiteX20" fmla="*/ 3468 w 2006888"/>
-                <a:gd name="connsiteY20" fmla="*/ 0 h 651536"/>
-                <a:gd name="connsiteX0" fmla="*/ 3468 w 1992322"/>
-                <a:gd name="connsiteY0" fmla="*/ 0 h 651502"/>
-                <a:gd name="connsiteX1" fmla="*/ 263976 w 1992322"/>
-                <a:gd name="connsiteY1" fmla="*/ 199006 h 651502"/>
-                <a:gd name="connsiteX2" fmla="*/ 665592 w 1992322"/>
-                <a:gd name="connsiteY2" fmla="*/ 412484 h 651502"/>
-                <a:gd name="connsiteX3" fmla="*/ 1128717 w 1992322"/>
-                <a:gd name="connsiteY3" fmla="*/ 575307 h 651502"/>
-                <a:gd name="connsiteX4" fmla="*/ 1505005 w 1992322"/>
-                <a:gd name="connsiteY4" fmla="*/ 644054 h 651502"/>
-                <a:gd name="connsiteX5" fmla="*/ 1917476 w 1992322"/>
-                <a:gd name="connsiteY5" fmla="*/ 651291 h 651502"/>
-                <a:gd name="connsiteX6" fmla="*/ 1989839 w 1992322"/>
-                <a:gd name="connsiteY6" fmla="*/ 618726 h 651502"/>
-                <a:gd name="connsiteX7" fmla="*/ 1892149 w 1992322"/>
-                <a:gd name="connsiteY7" fmla="*/ 535506 h 651502"/>
-                <a:gd name="connsiteX8" fmla="*/ 1718477 w 1992322"/>
-                <a:gd name="connsiteY8" fmla="*/ 542742 h 651502"/>
-                <a:gd name="connsiteX9" fmla="*/ 1309625 w 1992322"/>
-                <a:gd name="connsiteY9" fmla="*/ 502941 h 651502"/>
-                <a:gd name="connsiteX10" fmla="*/ 947808 w 1992322"/>
-                <a:gd name="connsiteY10" fmla="*/ 387156 h 651502"/>
-                <a:gd name="connsiteX11" fmla="*/ 1316861 w 1992322"/>
-                <a:gd name="connsiteY11" fmla="*/ 394393 h 651502"/>
-                <a:gd name="connsiteX12" fmla="*/ 1667823 w 1992322"/>
-                <a:gd name="connsiteY12" fmla="*/ 332882 h 651502"/>
-                <a:gd name="connsiteX13" fmla="*/ 1580987 w 1992322"/>
-                <a:gd name="connsiteY13" fmla="*/ 217097 h 651502"/>
-                <a:gd name="connsiteX14" fmla="*/ 1479678 w 1992322"/>
-                <a:gd name="connsiteY14" fmla="*/ 238807 h 651502"/>
-                <a:gd name="connsiteX15" fmla="*/ 1219171 w 1992322"/>
-                <a:gd name="connsiteY15" fmla="*/ 253280 h 651502"/>
-                <a:gd name="connsiteX16" fmla="*/ 922481 w 1992322"/>
-                <a:gd name="connsiteY16" fmla="*/ 242425 h 651502"/>
-                <a:gd name="connsiteX17" fmla="*/ 651119 w 1992322"/>
-                <a:gd name="connsiteY17" fmla="*/ 180914 h 651502"/>
-                <a:gd name="connsiteX18" fmla="*/ 484684 w 1992322"/>
-                <a:gd name="connsiteY18" fmla="*/ 115785 h 651502"/>
-                <a:gd name="connsiteX19" fmla="*/ 448502 w 1992322"/>
-                <a:gd name="connsiteY19" fmla="*/ 75984 h 651502"/>
-                <a:gd name="connsiteX20" fmla="*/ 3468 w 1992322"/>
-                <a:gd name="connsiteY20" fmla="*/ 0 h 651502"/>
-                <a:gd name="connsiteX0" fmla="*/ 3468 w 1989839"/>
-                <a:gd name="connsiteY0" fmla="*/ 0 h 651502"/>
-                <a:gd name="connsiteX1" fmla="*/ 263976 w 1989839"/>
-                <a:gd name="connsiteY1" fmla="*/ 199006 h 651502"/>
-                <a:gd name="connsiteX2" fmla="*/ 665592 w 1989839"/>
-                <a:gd name="connsiteY2" fmla="*/ 412484 h 651502"/>
-                <a:gd name="connsiteX3" fmla="*/ 1128717 w 1989839"/>
-                <a:gd name="connsiteY3" fmla="*/ 575307 h 651502"/>
-                <a:gd name="connsiteX4" fmla="*/ 1505005 w 1989839"/>
-                <a:gd name="connsiteY4" fmla="*/ 644054 h 651502"/>
-                <a:gd name="connsiteX5" fmla="*/ 1917476 w 1989839"/>
-                <a:gd name="connsiteY5" fmla="*/ 651291 h 651502"/>
-                <a:gd name="connsiteX6" fmla="*/ 1989839 w 1989839"/>
-                <a:gd name="connsiteY6" fmla="*/ 618726 h 651502"/>
-                <a:gd name="connsiteX7" fmla="*/ 1892149 w 1989839"/>
-                <a:gd name="connsiteY7" fmla="*/ 535506 h 651502"/>
-                <a:gd name="connsiteX8" fmla="*/ 1718477 w 1989839"/>
-                <a:gd name="connsiteY8" fmla="*/ 542742 h 651502"/>
-                <a:gd name="connsiteX9" fmla="*/ 1309625 w 1989839"/>
-                <a:gd name="connsiteY9" fmla="*/ 502941 h 651502"/>
-                <a:gd name="connsiteX10" fmla="*/ 947808 w 1989839"/>
-                <a:gd name="connsiteY10" fmla="*/ 387156 h 651502"/>
-                <a:gd name="connsiteX11" fmla="*/ 1316861 w 1989839"/>
-                <a:gd name="connsiteY11" fmla="*/ 394393 h 651502"/>
-                <a:gd name="connsiteX12" fmla="*/ 1667823 w 1989839"/>
-                <a:gd name="connsiteY12" fmla="*/ 332882 h 651502"/>
-                <a:gd name="connsiteX13" fmla="*/ 1580987 w 1989839"/>
-                <a:gd name="connsiteY13" fmla="*/ 217097 h 651502"/>
-                <a:gd name="connsiteX14" fmla="*/ 1479678 w 1989839"/>
-                <a:gd name="connsiteY14" fmla="*/ 238807 h 651502"/>
-                <a:gd name="connsiteX15" fmla="*/ 1219171 w 1989839"/>
-                <a:gd name="connsiteY15" fmla="*/ 253280 h 651502"/>
-                <a:gd name="connsiteX16" fmla="*/ 922481 w 1989839"/>
-                <a:gd name="connsiteY16" fmla="*/ 242425 h 651502"/>
-                <a:gd name="connsiteX17" fmla="*/ 651119 w 1989839"/>
-                <a:gd name="connsiteY17" fmla="*/ 180914 h 651502"/>
-                <a:gd name="connsiteX18" fmla="*/ 484684 w 1989839"/>
-                <a:gd name="connsiteY18" fmla="*/ 115785 h 651502"/>
-                <a:gd name="connsiteX19" fmla="*/ 448502 w 1989839"/>
-                <a:gd name="connsiteY19" fmla="*/ 75984 h 651502"/>
-                <a:gd name="connsiteX20" fmla="*/ 3468 w 1989839"/>
-                <a:gd name="connsiteY20" fmla="*/ 0 h 651502"/>
-                <a:gd name="connsiteX0" fmla="*/ 3468 w 1995691"/>
-                <a:gd name="connsiteY0" fmla="*/ 0 h 651949"/>
-                <a:gd name="connsiteX1" fmla="*/ 263976 w 1995691"/>
-                <a:gd name="connsiteY1" fmla="*/ 199006 h 651949"/>
-                <a:gd name="connsiteX2" fmla="*/ 665592 w 1995691"/>
-                <a:gd name="connsiteY2" fmla="*/ 412484 h 651949"/>
-                <a:gd name="connsiteX3" fmla="*/ 1128717 w 1995691"/>
-                <a:gd name="connsiteY3" fmla="*/ 575307 h 651949"/>
-                <a:gd name="connsiteX4" fmla="*/ 1505005 w 1995691"/>
-                <a:gd name="connsiteY4" fmla="*/ 644054 h 651949"/>
-                <a:gd name="connsiteX5" fmla="*/ 1917476 w 1995691"/>
-                <a:gd name="connsiteY5" fmla="*/ 651291 h 651949"/>
-                <a:gd name="connsiteX6" fmla="*/ 1989839 w 1995691"/>
-                <a:gd name="connsiteY6" fmla="*/ 618726 h 651949"/>
-                <a:gd name="connsiteX7" fmla="*/ 1892149 w 1995691"/>
-                <a:gd name="connsiteY7" fmla="*/ 535506 h 651949"/>
-                <a:gd name="connsiteX8" fmla="*/ 1718477 w 1995691"/>
-                <a:gd name="connsiteY8" fmla="*/ 542742 h 651949"/>
-                <a:gd name="connsiteX9" fmla="*/ 1309625 w 1995691"/>
-                <a:gd name="connsiteY9" fmla="*/ 502941 h 651949"/>
-                <a:gd name="connsiteX10" fmla="*/ 947808 w 1995691"/>
-                <a:gd name="connsiteY10" fmla="*/ 387156 h 651949"/>
-                <a:gd name="connsiteX11" fmla="*/ 1316861 w 1995691"/>
-                <a:gd name="connsiteY11" fmla="*/ 394393 h 651949"/>
-                <a:gd name="connsiteX12" fmla="*/ 1667823 w 1995691"/>
-                <a:gd name="connsiteY12" fmla="*/ 332882 h 651949"/>
-                <a:gd name="connsiteX13" fmla="*/ 1580987 w 1995691"/>
-                <a:gd name="connsiteY13" fmla="*/ 217097 h 651949"/>
-                <a:gd name="connsiteX14" fmla="*/ 1479678 w 1995691"/>
-                <a:gd name="connsiteY14" fmla="*/ 238807 h 651949"/>
-                <a:gd name="connsiteX15" fmla="*/ 1219171 w 1995691"/>
-                <a:gd name="connsiteY15" fmla="*/ 253280 h 651949"/>
-                <a:gd name="connsiteX16" fmla="*/ 922481 w 1995691"/>
-                <a:gd name="connsiteY16" fmla="*/ 242425 h 651949"/>
-                <a:gd name="connsiteX17" fmla="*/ 651119 w 1995691"/>
-                <a:gd name="connsiteY17" fmla="*/ 180914 h 651949"/>
-                <a:gd name="connsiteX18" fmla="*/ 484684 w 1995691"/>
-                <a:gd name="connsiteY18" fmla="*/ 115785 h 651949"/>
-                <a:gd name="connsiteX19" fmla="*/ 448502 w 1995691"/>
-                <a:gd name="connsiteY19" fmla="*/ 75984 h 651949"/>
-                <a:gd name="connsiteX20" fmla="*/ 3468 w 1995691"/>
-                <a:gd name="connsiteY20" fmla="*/ 0 h 651949"/>
-                <a:gd name="connsiteX0" fmla="*/ 3468 w 1989839"/>
-                <a:gd name="connsiteY0" fmla="*/ 0 h 664521"/>
-                <a:gd name="connsiteX1" fmla="*/ 263976 w 1989839"/>
-                <a:gd name="connsiteY1" fmla="*/ 199006 h 664521"/>
-                <a:gd name="connsiteX2" fmla="*/ 665592 w 1989839"/>
-                <a:gd name="connsiteY2" fmla="*/ 412484 h 664521"/>
-                <a:gd name="connsiteX3" fmla="*/ 1128717 w 1989839"/>
-                <a:gd name="connsiteY3" fmla="*/ 575307 h 664521"/>
-                <a:gd name="connsiteX4" fmla="*/ 1505005 w 1989839"/>
-                <a:gd name="connsiteY4" fmla="*/ 644054 h 664521"/>
-                <a:gd name="connsiteX5" fmla="*/ 1917476 w 1989839"/>
-                <a:gd name="connsiteY5" fmla="*/ 651291 h 664521"/>
-                <a:gd name="connsiteX6" fmla="*/ 1989839 w 1989839"/>
-                <a:gd name="connsiteY6" fmla="*/ 618726 h 664521"/>
-                <a:gd name="connsiteX7" fmla="*/ 1892149 w 1989839"/>
-                <a:gd name="connsiteY7" fmla="*/ 535506 h 664521"/>
-                <a:gd name="connsiteX8" fmla="*/ 1718477 w 1989839"/>
-                <a:gd name="connsiteY8" fmla="*/ 542742 h 664521"/>
-                <a:gd name="connsiteX9" fmla="*/ 1309625 w 1989839"/>
-                <a:gd name="connsiteY9" fmla="*/ 502941 h 664521"/>
-                <a:gd name="connsiteX10" fmla="*/ 947808 w 1989839"/>
-                <a:gd name="connsiteY10" fmla="*/ 387156 h 664521"/>
-                <a:gd name="connsiteX11" fmla="*/ 1316861 w 1989839"/>
-                <a:gd name="connsiteY11" fmla="*/ 394393 h 664521"/>
-                <a:gd name="connsiteX12" fmla="*/ 1667823 w 1989839"/>
-                <a:gd name="connsiteY12" fmla="*/ 332882 h 664521"/>
-                <a:gd name="connsiteX13" fmla="*/ 1580987 w 1989839"/>
-                <a:gd name="connsiteY13" fmla="*/ 217097 h 664521"/>
-                <a:gd name="connsiteX14" fmla="*/ 1479678 w 1989839"/>
-                <a:gd name="connsiteY14" fmla="*/ 238807 h 664521"/>
-                <a:gd name="connsiteX15" fmla="*/ 1219171 w 1989839"/>
-                <a:gd name="connsiteY15" fmla="*/ 253280 h 664521"/>
-                <a:gd name="connsiteX16" fmla="*/ 922481 w 1989839"/>
-                <a:gd name="connsiteY16" fmla="*/ 242425 h 664521"/>
-                <a:gd name="connsiteX17" fmla="*/ 651119 w 1989839"/>
-                <a:gd name="connsiteY17" fmla="*/ 180914 h 664521"/>
-                <a:gd name="connsiteX18" fmla="*/ 484684 w 1989839"/>
-                <a:gd name="connsiteY18" fmla="*/ 115785 h 664521"/>
-                <a:gd name="connsiteX19" fmla="*/ 448502 w 1989839"/>
-                <a:gd name="connsiteY19" fmla="*/ 75984 h 664521"/>
-                <a:gd name="connsiteX20" fmla="*/ 3468 w 1989839"/>
-                <a:gd name="connsiteY20" fmla="*/ 0 h 664521"/>
-                <a:gd name="connsiteX0" fmla="*/ 3468 w 1989839"/>
-                <a:gd name="connsiteY0" fmla="*/ 0 h 664521"/>
-                <a:gd name="connsiteX1" fmla="*/ 263976 w 1989839"/>
-                <a:gd name="connsiteY1" fmla="*/ 199006 h 664521"/>
-                <a:gd name="connsiteX2" fmla="*/ 665592 w 1989839"/>
-                <a:gd name="connsiteY2" fmla="*/ 412484 h 664521"/>
-                <a:gd name="connsiteX3" fmla="*/ 1128717 w 1989839"/>
-                <a:gd name="connsiteY3" fmla="*/ 575307 h 664521"/>
-                <a:gd name="connsiteX4" fmla="*/ 1505005 w 1989839"/>
-                <a:gd name="connsiteY4" fmla="*/ 644054 h 664521"/>
-                <a:gd name="connsiteX5" fmla="*/ 1917476 w 1989839"/>
-                <a:gd name="connsiteY5" fmla="*/ 651291 h 664521"/>
-                <a:gd name="connsiteX6" fmla="*/ 1989839 w 1989839"/>
-                <a:gd name="connsiteY6" fmla="*/ 618726 h 664521"/>
-                <a:gd name="connsiteX7" fmla="*/ 1892149 w 1989839"/>
-                <a:gd name="connsiteY7" fmla="*/ 535506 h 664521"/>
-                <a:gd name="connsiteX8" fmla="*/ 1718477 w 1989839"/>
-                <a:gd name="connsiteY8" fmla="*/ 542742 h 664521"/>
-                <a:gd name="connsiteX9" fmla="*/ 1309625 w 1989839"/>
-                <a:gd name="connsiteY9" fmla="*/ 502941 h 664521"/>
-                <a:gd name="connsiteX10" fmla="*/ 947808 w 1989839"/>
-                <a:gd name="connsiteY10" fmla="*/ 387156 h 664521"/>
-                <a:gd name="connsiteX11" fmla="*/ 1316861 w 1989839"/>
-                <a:gd name="connsiteY11" fmla="*/ 394393 h 664521"/>
-                <a:gd name="connsiteX12" fmla="*/ 1667823 w 1989839"/>
-                <a:gd name="connsiteY12" fmla="*/ 332882 h 664521"/>
-                <a:gd name="connsiteX13" fmla="*/ 1580987 w 1989839"/>
-                <a:gd name="connsiteY13" fmla="*/ 217097 h 664521"/>
-                <a:gd name="connsiteX14" fmla="*/ 1479678 w 1989839"/>
-                <a:gd name="connsiteY14" fmla="*/ 238807 h 664521"/>
-                <a:gd name="connsiteX15" fmla="*/ 1219171 w 1989839"/>
-                <a:gd name="connsiteY15" fmla="*/ 253280 h 664521"/>
-                <a:gd name="connsiteX16" fmla="*/ 922481 w 1989839"/>
-                <a:gd name="connsiteY16" fmla="*/ 242425 h 664521"/>
-                <a:gd name="connsiteX17" fmla="*/ 651119 w 1989839"/>
-                <a:gd name="connsiteY17" fmla="*/ 180914 h 664521"/>
-                <a:gd name="connsiteX18" fmla="*/ 484684 w 1989839"/>
-                <a:gd name="connsiteY18" fmla="*/ 115785 h 664521"/>
-                <a:gd name="connsiteX19" fmla="*/ 448502 w 1989839"/>
-                <a:gd name="connsiteY19" fmla="*/ 75984 h 664521"/>
-                <a:gd name="connsiteX20" fmla="*/ 3468 w 1989839"/>
-                <a:gd name="connsiteY20" fmla="*/ 0 h 664521"/>
-                <a:gd name="connsiteX0" fmla="*/ 3468 w 1989839"/>
-                <a:gd name="connsiteY0" fmla="*/ 0 h 664521"/>
-                <a:gd name="connsiteX1" fmla="*/ 263976 w 1989839"/>
-                <a:gd name="connsiteY1" fmla="*/ 199006 h 664521"/>
-                <a:gd name="connsiteX2" fmla="*/ 665592 w 1989839"/>
-                <a:gd name="connsiteY2" fmla="*/ 412484 h 664521"/>
-                <a:gd name="connsiteX3" fmla="*/ 1128717 w 1989839"/>
-                <a:gd name="connsiteY3" fmla="*/ 575307 h 664521"/>
-                <a:gd name="connsiteX4" fmla="*/ 1505005 w 1989839"/>
-                <a:gd name="connsiteY4" fmla="*/ 644054 h 664521"/>
-                <a:gd name="connsiteX5" fmla="*/ 1917476 w 1989839"/>
-                <a:gd name="connsiteY5" fmla="*/ 651291 h 664521"/>
-                <a:gd name="connsiteX6" fmla="*/ 1989839 w 1989839"/>
-                <a:gd name="connsiteY6" fmla="*/ 618726 h 664521"/>
-                <a:gd name="connsiteX7" fmla="*/ 1892149 w 1989839"/>
-                <a:gd name="connsiteY7" fmla="*/ 535506 h 664521"/>
-                <a:gd name="connsiteX8" fmla="*/ 1718477 w 1989839"/>
-                <a:gd name="connsiteY8" fmla="*/ 542742 h 664521"/>
-                <a:gd name="connsiteX9" fmla="*/ 1309625 w 1989839"/>
-                <a:gd name="connsiteY9" fmla="*/ 502941 h 664521"/>
-                <a:gd name="connsiteX10" fmla="*/ 947808 w 1989839"/>
-                <a:gd name="connsiteY10" fmla="*/ 387156 h 664521"/>
-                <a:gd name="connsiteX11" fmla="*/ 1316861 w 1989839"/>
-                <a:gd name="connsiteY11" fmla="*/ 394393 h 664521"/>
-                <a:gd name="connsiteX12" fmla="*/ 1667823 w 1989839"/>
-                <a:gd name="connsiteY12" fmla="*/ 332882 h 664521"/>
-                <a:gd name="connsiteX13" fmla="*/ 1580987 w 1989839"/>
-                <a:gd name="connsiteY13" fmla="*/ 217097 h 664521"/>
-                <a:gd name="connsiteX14" fmla="*/ 1479678 w 1989839"/>
-                <a:gd name="connsiteY14" fmla="*/ 238807 h 664521"/>
-                <a:gd name="connsiteX15" fmla="*/ 1219171 w 1989839"/>
-                <a:gd name="connsiteY15" fmla="*/ 253280 h 664521"/>
-                <a:gd name="connsiteX16" fmla="*/ 922481 w 1989839"/>
-                <a:gd name="connsiteY16" fmla="*/ 242425 h 664521"/>
-                <a:gd name="connsiteX17" fmla="*/ 651119 w 1989839"/>
-                <a:gd name="connsiteY17" fmla="*/ 180914 h 664521"/>
-                <a:gd name="connsiteX18" fmla="*/ 484684 w 1989839"/>
-                <a:gd name="connsiteY18" fmla="*/ 115785 h 664521"/>
-                <a:gd name="connsiteX19" fmla="*/ 448502 w 1989839"/>
-                <a:gd name="connsiteY19" fmla="*/ 75984 h 664521"/>
-                <a:gd name="connsiteX20" fmla="*/ 3468 w 1989839"/>
-                <a:gd name="connsiteY20" fmla="*/ 0 h 664521"/>
-                <a:gd name="connsiteX0" fmla="*/ 3468 w 1989839"/>
-                <a:gd name="connsiteY0" fmla="*/ 0 h 664521"/>
-                <a:gd name="connsiteX1" fmla="*/ 263976 w 1989839"/>
-                <a:gd name="connsiteY1" fmla="*/ 199006 h 664521"/>
-                <a:gd name="connsiteX2" fmla="*/ 665592 w 1989839"/>
-                <a:gd name="connsiteY2" fmla="*/ 412484 h 664521"/>
-                <a:gd name="connsiteX3" fmla="*/ 1128717 w 1989839"/>
-                <a:gd name="connsiteY3" fmla="*/ 575307 h 664521"/>
-                <a:gd name="connsiteX4" fmla="*/ 1505005 w 1989839"/>
-                <a:gd name="connsiteY4" fmla="*/ 644054 h 664521"/>
-                <a:gd name="connsiteX5" fmla="*/ 1917476 w 1989839"/>
-                <a:gd name="connsiteY5" fmla="*/ 651291 h 664521"/>
-                <a:gd name="connsiteX6" fmla="*/ 1989839 w 1989839"/>
-                <a:gd name="connsiteY6" fmla="*/ 618726 h 664521"/>
-                <a:gd name="connsiteX7" fmla="*/ 1892149 w 1989839"/>
-                <a:gd name="connsiteY7" fmla="*/ 535506 h 664521"/>
-                <a:gd name="connsiteX8" fmla="*/ 1718477 w 1989839"/>
-                <a:gd name="connsiteY8" fmla="*/ 542742 h 664521"/>
-                <a:gd name="connsiteX9" fmla="*/ 1309625 w 1989839"/>
-                <a:gd name="connsiteY9" fmla="*/ 502941 h 664521"/>
-                <a:gd name="connsiteX10" fmla="*/ 947808 w 1989839"/>
-                <a:gd name="connsiteY10" fmla="*/ 387156 h 664521"/>
-                <a:gd name="connsiteX11" fmla="*/ 1316861 w 1989839"/>
-                <a:gd name="connsiteY11" fmla="*/ 394393 h 664521"/>
-                <a:gd name="connsiteX12" fmla="*/ 1667823 w 1989839"/>
-                <a:gd name="connsiteY12" fmla="*/ 332882 h 664521"/>
-                <a:gd name="connsiteX13" fmla="*/ 1580987 w 1989839"/>
-                <a:gd name="connsiteY13" fmla="*/ 217097 h 664521"/>
-                <a:gd name="connsiteX14" fmla="*/ 1479678 w 1989839"/>
-                <a:gd name="connsiteY14" fmla="*/ 238807 h 664521"/>
-                <a:gd name="connsiteX15" fmla="*/ 1219171 w 1989839"/>
-                <a:gd name="connsiteY15" fmla="*/ 253280 h 664521"/>
-                <a:gd name="connsiteX16" fmla="*/ 922481 w 1989839"/>
-                <a:gd name="connsiteY16" fmla="*/ 242425 h 664521"/>
-                <a:gd name="connsiteX17" fmla="*/ 651119 w 1989839"/>
-                <a:gd name="connsiteY17" fmla="*/ 180914 h 664521"/>
-                <a:gd name="connsiteX18" fmla="*/ 484684 w 1989839"/>
-                <a:gd name="connsiteY18" fmla="*/ 115785 h 664521"/>
-                <a:gd name="connsiteX19" fmla="*/ 448502 w 1989839"/>
-                <a:gd name="connsiteY19" fmla="*/ 75984 h 664521"/>
-                <a:gd name="connsiteX20" fmla="*/ 3468 w 1989839"/>
-                <a:gd name="connsiteY20" fmla="*/ 0 h 664521"/>
-                <a:gd name="connsiteX0" fmla="*/ 3468 w 1989839"/>
-                <a:gd name="connsiteY0" fmla="*/ 0 h 664521"/>
-                <a:gd name="connsiteX1" fmla="*/ 263976 w 1989839"/>
-                <a:gd name="connsiteY1" fmla="*/ 199006 h 664521"/>
-                <a:gd name="connsiteX2" fmla="*/ 665592 w 1989839"/>
-                <a:gd name="connsiteY2" fmla="*/ 412484 h 664521"/>
-                <a:gd name="connsiteX3" fmla="*/ 1128717 w 1989839"/>
-                <a:gd name="connsiteY3" fmla="*/ 575307 h 664521"/>
-                <a:gd name="connsiteX4" fmla="*/ 1505005 w 1989839"/>
-                <a:gd name="connsiteY4" fmla="*/ 644054 h 664521"/>
-                <a:gd name="connsiteX5" fmla="*/ 1917476 w 1989839"/>
-                <a:gd name="connsiteY5" fmla="*/ 651291 h 664521"/>
-                <a:gd name="connsiteX6" fmla="*/ 1989839 w 1989839"/>
-                <a:gd name="connsiteY6" fmla="*/ 618726 h 664521"/>
-                <a:gd name="connsiteX7" fmla="*/ 1892149 w 1989839"/>
-                <a:gd name="connsiteY7" fmla="*/ 535506 h 664521"/>
-                <a:gd name="connsiteX8" fmla="*/ 1718477 w 1989839"/>
-                <a:gd name="connsiteY8" fmla="*/ 542742 h 664521"/>
-                <a:gd name="connsiteX9" fmla="*/ 1309625 w 1989839"/>
-                <a:gd name="connsiteY9" fmla="*/ 502941 h 664521"/>
-                <a:gd name="connsiteX10" fmla="*/ 947808 w 1989839"/>
-                <a:gd name="connsiteY10" fmla="*/ 387156 h 664521"/>
-                <a:gd name="connsiteX11" fmla="*/ 1316861 w 1989839"/>
-                <a:gd name="connsiteY11" fmla="*/ 394393 h 664521"/>
-                <a:gd name="connsiteX12" fmla="*/ 1667823 w 1989839"/>
-                <a:gd name="connsiteY12" fmla="*/ 332882 h 664521"/>
-                <a:gd name="connsiteX13" fmla="*/ 1580987 w 1989839"/>
-                <a:gd name="connsiteY13" fmla="*/ 217097 h 664521"/>
-                <a:gd name="connsiteX14" fmla="*/ 1479678 w 1989839"/>
-                <a:gd name="connsiteY14" fmla="*/ 238807 h 664521"/>
-                <a:gd name="connsiteX15" fmla="*/ 1219171 w 1989839"/>
-                <a:gd name="connsiteY15" fmla="*/ 253280 h 664521"/>
-                <a:gd name="connsiteX16" fmla="*/ 922481 w 1989839"/>
-                <a:gd name="connsiteY16" fmla="*/ 242425 h 664521"/>
-                <a:gd name="connsiteX17" fmla="*/ 651119 w 1989839"/>
-                <a:gd name="connsiteY17" fmla="*/ 180914 h 664521"/>
-                <a:gd name="connsiteX18" fmla="*/ 484684 w 1989839"/>
-                <a:gd name="connsiteY18" fmla="*/ 115785 h 664521"/>
-                <a:gd name="connsiteX19" fmla="*/ 448502 w 1989839"/>
-                <a:gd name="connsiteY19" fmla="*/ 75984 h 664521"/>
-                <a:gd name="connsiteX20" fmla="*/ 3468 w 1989839"/>
-                <a:gd name="connsiteY20" fmla="*/ 0 h 664521"/>
-                <a:gd name="connsiteX0" fmla="*/ 3468 w 1989839"/>
-                <a:gd name="connsiteY0" fmla="*/ 0 h 664521"/>
-                <a:gd name="connsiteX1" fmla="*/ 263976 w 1989839"/>
-                <a:gd name="connsiteY1" fmla="*/ 199006 h 664521"/>
-                <a:gd name="connsiteX2" fmla="*/ 665592 w 1989839"/>
-                <a:gd name="connsiteY2" fmla="*/ 412484 h 664521"/>
-                <a:gd name="connsiteX3" fmla="*/ 1128717 w 1989839"/>
-                <a:gd name="connsiteY3" fmla="*/ 575307 h 664521"/>
-                <a:gd name="connsiteX4" fmla="*/ 1505005 w 1989839"/>
-                <a:gd name="connsiteY4" fmla="*/ 644054 h 664521"/>
-                <a:gd name="connsiteX5" fmla="*/ 1917476 w 1989839"/>
-                <a:gd name="connsiteY5" fmla="*/ 651291 h 664521"/>
-                <a:gd name="connsiteX6" fmla="*/ 1989839 w 1989839"/>
-                <a:gd name="connsiteY6" fmla="*/ 618726 h 664521"/>
-                <a:gd name="connsiteX7" fmla="*/ 1892149 w 1989839"/>
-                <a:gd name="connsiteY7" fmla="*/ 535506 h 664521"/>
-                <a:gd name="connsiteX8" fmla="*/ 1718477 w 1989839"/>
-                <a:gd name="connsiteY8" fmla="*/ 542742 h 664521"/>
-                <a:gd name="connsiteX9" fmla="*/ 1309625 w 1989839"/>
-                <a:gd name="connsiteY9" fmla="*/ 490241 h 664521"/>
-                <a:gd name="connsiteX10" fmla="*/ 947808 w 1989839"/>
-                <a:gd name="connsiteY10" fmla="*/ 387156 h 664521"/>
-                <a:gd name="connsiteX11" fmla="*/ 1316861 w 1989839"/>
-                <a:gd name="connsiteY11" fmla="*/ 394393 h 664521"/>
-                <a:gd name="connsiteX12" fmla="*/ 1667823 w 1989839"/>
-                <a:gd name="connsiteY12" fmla="*/ 332882 h 664521"/>
-                <a:gd name="connsiteX13" fmla="*/ 1580987 w 1989839"/>
-                <a:gd name="connsiteY13" fmla="*/ 217097 h 664521"/>
-                <a:gd name="connsiteX14" fmla="*/ 1479678 w 1989839"/>
-                <a:gd name="connsiteY14" fmla="*/ 238807 h 664521"/>
-                <a:gd name="connsiteX15" fmla="*/ 1219171 w 1989839"/>
-                <a:gd name="connsiteY15" fmla="*/ 253280 h 664521"/>
-                <a:gd name="connsiteX16" fmla="*/ 922481 w 1989839"/>
-                <a:gd name="connsiteY16" fmla="*/ 242425 h 664521"/>
-                <a:gd name="connsiteX17" fmla="*/ 651119 w 1989839"/>
-                <a:gd name="connsiteY17" fmla="*/ 180914 h 664521"/>
-                <a:gd name="connsiteX18" fmla="*/ 484684 w 1989839"/>
-                <a:gd name="connsiteY18" fmla="*/ 115785 h 664521"/>
-                <a:gd name="connsiteX19" fmla="*/ 448502 w 1989839"/>
-                <a:gd name="connsiteY19" fmla="*/ 75984 h 664521"/>
-                <a:gd name="connsiteX20" fmla="*/ 3468 w 1989839"/>
-                <a:gd name="connsiteY20" fmla="*/ 0 h 664521"/>
-                <a:gd name="connsiteX0" fmla="*/ 3468 w 1989839"/>
-                <a:gd name="connsiteY0" fmla="*/ 0 h 664521"/>
-                <a:gd name="connsiteX1" fmla="*/ 263976 w 1989839"/>
-                <a:gd name="connsiteY1" fmla="*/ 199006 h 664521"/>
-                <a:gd name="connsiteX2" fmla="*/ 665592 w 1989839"/>
-                <a:gd name="connsiteY2" fmla="*/ 412484 h 664521"/>
-                <a:gd name="connsiteX3" fmla="*/ 1128717 w 1989839"/>
-                <a:gd name="connsiteY3" fmla="*/ 575307 h 664521"/>
-                <a:gd name="connsiteX4" fmla="*/ 1505005 w 1989839"/>
-                <a:gd name="connsiteY4" fmla="*/ 644054 h 664521"/>
-                <a:gd name="connsiteX5" fmla="*/ 1917476 w 1989839"/>
-                <a:gd name="connsiteY5" fmla="*/ 651291 h 664521"/>
-                <a:gd name="connsiteX6" fmla="*/ 1989839 w 1989839"/>
-                <a:gd name="connsiteY6" fmla="*/ 618726 h 664521"/>
-                <a:gd name="connsiteX7" fmla="*/ 1892149 w 1989839"/>
-                <a:gd name="connsiteY7" fmla="*/ 535506 h 664521"/>
-                <a:gd name="connsiteX8" fmla="*/ 1718477 w 1989839"/>
-                <a:gd name="connsiteY8" fmla="*/ 542742 h 664521"/>
-                <a:gd name="connsiteX9" fmla="*/ 1309625 w 1989839"/>
-                <a:gd name="connsiteY9" fmla="*/ 490241 h 664521"/>
-                <a:gd name="connsiteX10" fmla="*/ 947808 w 1989839"/>
-                <a:gd name="connsiteY10" fmla="*/ 387156 h 664521"/>
-                <a:gd name="connsiteX11" fmla="*/ 1316861 w 1989839"/>
-                <a:gd name="connsiteY11" fmla="*/ 394393 h 664521"/>
-                <a:gd name="connsiteX12" fmla="*/ 1667823 w 1989839"/>
-                <a:gd name="connsiteY12" fmla="*/ 332882 h 664521"/>
-                <a:gd name="connsiteX13" fmla="*/ 1580987 w 1989839"/>
-                <a:gd name="connsiteY13" fmla="*/ 217097 h 664521"/>
-                <a:gd name="connsiteX14" fmla="*/ 1479678 w 1989839"/>
-                <a:gd name="connsiteY14" fmla="*/ 238807 h 664521"/>
-                <a:gd name="connsiteX15" fmla="*/ 1219171 w 1989839"/>
-                <a:gd name="connsiteY15" fmla="*/ 253280 h 664521"/>
-                <a:gd name="connsiteX16" fmla="*/ 922481 w 1989839"/>
-                <a:gd name="connsiteY16" fmla="*/ 242425 h 664521"/>
-                <a:gd name="connsiteX17" fmla="*/ 651119 w 1989839"/>
-                <a:gd name="connsiteY17" fmla="*/ 180914 h 664521"/>
-                <a:gd name="connsiteX18" fmla="*/ 484684 w 1989839"/>
-                <a:gd name="connsiteY18" fmla="*/ 115785 h 664521"/>
-                <a:gd name="connsiteX19" fmla="*/ 448502 w 1989839"/>
-                <a:gd name="connsiteY19" fmla="*/ 75984 h 664521"/>
-                <a:gd name="connsiteX20" fmla="*/ 3468 w 1989839"/>
-                <a:gd name="connsiteY20" fmla="*/ 0 h 664521"/>
-                <a:gd name="connsiteX0" fmla="*/ 3468 w 1989839"/>
-                <a:gd name="connsiteY0" fmla="*/ 0 h 664521"/>
-                <a:gd name="connsiteX1" fmla="*/ 263976 w 1989839"/>
-                <a:gd name="connsiteY1" fmla="*/ 199006 h 664521"/>
-                <a:gd name="connsiteX2" fmla="*/ 665592 w 1989839"/>
-                <a:gd name="connsiteY2" fmla="*/ 412484 h 664521"/>
-                <a:gd name="connsiteX3" fmla="*/ 1128717 w 1989839"/>
-                <a:gd name="connsiteY3" fmla="*/ 575307 h 664521"/>
-                <a:gd name="connsiteX4" fmla="*/ 1505005 w 1989839"/>
-                <a:gd name="connsiteY4" fmla="*/ 644054 h 664521"/>
-                <a:gd name="connsiteX5" fmla="*/ 1917476 w 1989839"/>
-                <a:gd name="connsiteY5" fmla="*/ 651291 h 664521"/>
-                <a:gd name="connsiteX6" fmla="*/ 1989839 w 1989839"/>
-                <a:gd name="connsiteY6" fmla="*/ 618726 h 664521"/>
-                <a:gd name="connsiteX7" fmla="*/ 1892149 w 1989839"/>
-                <a:gd name="connsiteY7" fmla="*/ 535506 h 664521"/>
-                <a:gd name="connsiteX8" fmla="*/ 1718477 w 1989839"/>
-                <a:gd name="connsiteY8" fmla="*/ 542742 h 664521"/>
-                <a:gd name="connsiteX9" fmla="*/ 1309625 w 1989839"/>
-                <a:gd name="connsiteY9" fmla="*/ 490241 h 664521"/>
-                <a:gd name="connsiteX10" fmla="*/ 947808 w 1989839"/>
-                <a:gd name="connsiteY10" fmla="*/ 387156 h 664521"/>
-                <a:gd name="connsiteX11" fmla="*/ 1316861 w 1989839"/>
-                <a:gd name="connsiteY11" fmla="*/ 394393 h 664521"/>
-                <a:gd name="connsiteX12" fmla="*/ 1667823 w 1989839"/>
-                <a:gd name="connsiteY12" fmla="*/ 332882 h 664521"/>
-                <a:gd name="connsiteX13" fmla="*/ 1580987 w 1989839"/>
-                <a:gd name="connsiteY13" fmla="*/ 217097 h 664521"/>
-                <a:gd name="connsiteX14" fmla="*/ 1479678 w 1989839"/>
-                <a:gd name="connsiteY14" fmla="*/ 238807 h 664521"/>
-                <a:gd name="connsiteX15" fmla="*/ 1219171 w 1989839"/>
-                <a:gd name="connsiteY15" fmla="*/ 253280 h 664521"/>
-                <a:gd name="connsiteX16" fmla="*/ 922481 w 1989839"/>
-                <a:gd name="connsiteY16" fmla="*/ 242425 h 664521"/>
-                <a:gd name="connsiteX17" fmla="*/ 651119 w 1989839"/>
-                <a:gd name="connsiteY17" fmla="*/ 180914 h 664521"/>
-                <a:gd name="connsiteX18" fmla="*/ 484684 w 1989839"/>
-                <a:gd name="connsiteY18" fmla="*/ 115785 h 664521"/>
-                <a:gd name="connsiteX19" fmla="*/ 448502 w 1989839"/>
-                <a:gd name="connsiteY19" fmla="*/ 75984 h 664521"/>
-                <a:gd name="connsiteX20" fmla="*/ 3468 w 1989839"/>
-                <a:gd name="connsiteY20" fmla="*/ 0 h 664521"/>
-                <a:gd name="connsiteX0" fmla="*/ 3468 w 1989839"/>
-                <a:gd name="connsiteY0" fmla="*/ 0 h 664521"/>
-                <a:gd name="connsiteX1" fmla="*/ 263976 w 1989839"/>
-                <a:gd name="connsiteY1" fmla="*/ 199006 h 664521"/>
-                <a:gd name="connsiteX2" fmla="*/ 665592 w 1989839"/>
-                <a:gd name="connsiteY2" fmla="*/ 412484 h 664521"/>
-                <a:gd name="connsiteX3" fmla="*/ 1128717 w 1989839"/>
-                <a:gd name="connsiteY3" fmla="*/ 575307 h 664521"/>
-                <a:gd name="connsiteX4" fmla="*/ 1505005 w 1989839"/>
-                <a:gd name="connsiteY4" fmla="*/ 644054 h 664521"/>
-                <a:gd name="connsiteX5" fmla="*/ 1917476 w 1989839"/>
-                <a:gd name="connsiteY5" fmla="*/ 651291 h 664521"/>
-                <a:gd name="connsiteX6" fmla="*/ 1989839 w 1989839"/>
-                <a:gd name="connsiteY6" fmla="*/ 618726 h 664521"/>
-                <a:gd name="connsiteX7" fmla="*/ 1892149 w 1989839"/>
-                <a:gd name="connsiteY7" fmla="*/ 535506 h 664521"/>
-                <a:gd name="connsiteX8" fmla="*/ 1718477 w 1989839"/>
-                <a:gd name="connsiteY8" fmla="*/ 542742 h 664521"/>
-                <a:gd name="connsiteX9" fmla="*/ 1309625 w 1989839"/>
-                <a:gd name="connsiteY9" fmla="*/ 490241 h 664521"/>
-                <a:gd name="connsiteX10" fmla="*/ 947808 w 1989839"/>
-                <a:gd name="connsiteY10" fmla="*/ 387156 h 664521"/>
-                <a:gd name="connsiteX11" fmla="*/ 1316861 w 1989839"/>
-                <a:gd name="connsiteY11" fmla="*/ 394393 h 664521"/>
-                <a:gd name="connsiteX12" fmla="*/ 1667823 w 1989839"/>
-                <a:gd name="connsiteY12" fmla="*/ 332882 h 664521"/>
-                <a:gd name="connsiteX13" fmla="*/ 1580987 w 1989839"/>
-                <a:gd name="connsiteY13" fmla="*/ 217097 h 664521"/>
-                <a:gd name="connsiteX14" fmla="*/ 1479678 w 1989839"/>
-                <a:gd name="connsiteY14" fmla="*/ 238807 h 664521"/>
-                <a:gd name="connsiteX15" fmla="*/ 1219171 w 1989839"/>
-                <a:gd name="connsiteY15" fmla="*/ 253280 h 664521"/>
-                <a:gd name="connsiteX16" fmla="*/ 922481 w 1989839"/>
-                <a:gd name="connsiteY16" fmla="*/ 242425 h 664521"/>
-                <a:gd name="connsiteX17" fmla="*/ 651119 w 1989839"/>
-                <a:gd name="connsiteY17" fmla="*/ 180914 h 664521"/>
-                <a:gd name="connsiteX18" fmla="*/ 484684 w 1989839"/>
-                <a:gd name="connsiteY18" fmla="*/ 115785 h 664521"/>
-                <a:gd name="connsiteX19" fmla="*/ 448502 w 1989839"/>
-                <a:gd name="connsiteY19" fmla="*/ 75984 h 664521"/>
-                <a:gd name="connsiteX20" fmla="*/ 3468 w 1989839"/>
-                <a:gd name="connsiteY20" fmla="*/ 0 h 664521"/>
-                <a:gd name="connsiteX0" fmla="*/ 3468 w 1989839"/>
-                <a:gd name="connsiteY0" fmla="*/ 0 h 664521"/>
-                <a:gd name="connsiteX1" fmla="*/ 263976 w 1989839"/>
-                <a:gd name="connsiteY1" fmla="*/ 199006 h 664521"/>
-                <a:gd name="connsiteX2" fmla="*/ 665592 w 1989839"/>
-                <a:gd name="connsiteY2" fmla="*/ 412484 h 664521"/>
-                <a:gd name="connsiteX3" fmla="*/ 1128717 w 1989839"/>
-                <a:gd name="connsiteY3" fmla="*/ 575307 h 664521"/>
-                <a:gd name="connsiteX4" fmla="*/ 1505005 w 1989839"/>
-                <a:gd name="connsiteY4" fmla="*/ 644054 h 664521"/>
-                <a:gd name="connsiteX5" fmla="*/ 1917476 w 1989839"/>
-                <a:gd name="connsiteY5" fmla="*/ 651291 h 664521"/>
-                <a:gd name="connsiteX6" fmla="*/ 1989839 w 1989839"/>
-                <a:gd name="connsiteY6" fmla="*/ 618726 h 664521"/>
-                <a:gd name="connsiteX7" fmla="*/ 1892149 w 1989839"/>
-                <a:gd name="connsiteY7" fmla="*/ 535506 h 664521"/>
-                <a:gd name="connsiteX8" fmla="*/ 1718477 w 1989839"/>
-                <a:gd name="connsiteY8" fmla="*/ 542742 h 664521"/>
-                <a:gd name="connsiteX9" fmla="*/ 1309625 w 1989839"/>
-                <a:gd name="connsiteY9" fmla="*/ 490241 h 664521"/>
-                <a:gd name="connsiteX10" fmla="*/ 947808 w 1989839"/>
-                <a:gd name="connsiteY10" fmla="*/ 387156 h 664521"/>
-                <a:gd name="connsiteX11" fmla="*/ 1316861 w 1989839"/>
-                <a:gd name="connsiteY11" fmla="*/ 394393 h 664521"/>
-                <a:gd name="connsiteX12" fmla="*/ 1667823 w 1989839"/>
-                <a:gd name="connsiteY12" fmla="*/ 332882 h 664521"/>
-                <a:gd name="connsiteX13" fmla="*/ 1580987 w 1989839"/>
-                <a:gd name="connsiteY13" fmla="*/ 217097 h 664521"/>
-                <a:gd name="connsiteX14" fmla="*/ 1479678 w 1989839"/>
-                <a:gd name="connsiteY14" fmla="*/ 238807 h 664521"/>
-                <a:gd name="connsiteX15" fmla="*/ 1219171 w 1989839"/>
-                <a:gd name="connsiteY15" fmla="*/ 253280 h 664521"/>
-                <a:gd name="connsiteX16" fmla="*/ 922481 w 1989839"/>
-                <a:gd name="connsiteY16" fmla="*/ 242425 h 664521"/>
-                <a:gd name="connsiteX17" fmla="*/ 651119 w 1989839"/>
-                <a:gd name="connsiteY17" fmla="*/ 180914 h 664521"/>
-                <a:gd name="connsiteX18" fmla="*/ 484684 w 1989839"/>
-                <a:gd name="connsiteY18" fmla="*/ 115785 h 664521"/>
-                <a:gd name="connsiteX19" fmla="*/ 448502 w 1989839"/>
-                <a:gd name="connsiteY19" fmla="*/ 75984 h 664521"/>
-                <a:gd name="connsiteX20" fmla="*/ 3468 w 1989839"/>
-                <a:gd name="connsiteY20" fmla="*/ 0 h 664521"/>
-                <a:gd name="connsiteX0" fmla="*/ 3468 w 1989839"/>
-                <a:gd name="connsiteY0" fmla="*/ 0 h 664521"/>
-                <a:gd name="connsiteX1" fmla="*/ 263976 w 1989839"/>
-                <a:gd name="connsiteY1" fmla="*/ 199006 h 664521"/>
-                <a:gd name="connsiteX2" fmla="*/ 665592 w 1989839"/>
-                <a:gd name="connsiteY2" fmla="*/ 412484 h 664521"/>
-                <a:gd name="connsiteX3" fmla="*/ 1128717 w 1989839"/>
-                <a:gd name="connsiteY3" fmla="*/ 575307 h 664521"/>
-                <a:gd name="connsiteX4" fmla="*/ 1505005 w 1989839"/>
-                <a:gd name="connsiteY4" fmla="*/ 644054 h 664521"/>
-                <a:gd name="connsiteX5" fmla="*/ 1917476 w 1989839"/>
-                <a:gd name="connsiteY5" fmla="*/ 651291 h 664521"/>
-                <a:gd name="connsiteX6" fmla="*/ 1989839 w 1989839"/>
-                <a:gd name="connsiteY6" fmla="*/ 618726 h 664521"/>
-                <a:gd name="connsiteX7" fmla="*/ 1892149 w 1989839"/>
-                <a:gd name="connsiteY7" fmla="*/ 535506 h 664521"/>
-                <a:gd name="connsiteX8" fmla="*/ 1718477 w 1989839"/>
-                <a:gd name="connsiteY8" fmla="*/ 542742 h 664521"/>
-                <a:gd name="connsiteX9" fmla="*/ 1309625 w 1989839"/>
-                <a:gd name="connsiteY9" fmla="*/ 490241 h 664521"/>
-                <a:gd name="connsiteX10" fmla="*/ 947808 w 1989839"/>
-                <a:gd name="connsiteY10" fmla="*/ 387156 h 664521"/>
-                <a:gd name="connsiteX11" fmla="*/ 1316861 w 1989839"/>
-                <a:gd name="connsiteY11" fmla="*/ 394393 h 664521"/>
-                <a:gd name="connsiteX12" fmla="*/ 1667823 w 1989839"/>
-                <a:gd name="connsiteY12" fmla="*/ 332882 h 664521"/>
-                <a:gd name="connsiteX13" fmla="*/ 1580987 w 1989839"/>
-                <a:gd name="connsiteY13" fmla="*/ 217097 h 664521"/>
-                <a:gd name="connsiteX14" fmla="*/ 1479678 w 1989839"/>
-                <a:gd name="connsiteY14" fmla="*/ 238807 h 664521"/>
-                <a:gd name="connsiteX15" fmla="*/ 1219171 w 1989839"/>
-                <a:gd name="connsiteY15" fmla="*/ 253280 h 664521"/>
-                <a:gd name="connsiteX16" fmla="*/ 922481 w 1989839"/>
-                <a:gd name="connsiteY16" fmla="*/ 242425 h 664521"/>
-                <a:gd name="connsiteX17" fmla="*/ 651119 w 1989839"/>
-                <a:gd name="connsiteY17" fmla="*/ 180914 h 664521"/>
-                <a:gd name="connsiteX18" fmla="*/ 484684 w 1989839"/>
-                <a:gd name="connsiteY18" fmla="*/ 115785 h 664521"/>
-                <a:gd name="connsiteX19" fmla="*/ 448502 w 1989839"/>
-                <a:gd name="connsiteY19" fmla="*/ 75984 h 664521"/>
-                <a:gd name="connsiteX20" fmla="*/ 3468 w 1989839"/>
-                <a:gd name="connsiteY20" fmla="*/ 0 h 664521"/>
-                <a:gd name="connsiteX0" fmla="*/ 3468 w 1989839"/>
-                <a:gd name="connsiteY0" fmla="*/ 0 h 664521"/>
-                <a:gd name="connsiteX1" fmla="*/ 263976 w 1989839"/>
-                <a:gd name="connsiteY1" fmla="*/ 199006 h 664521"/>
-                <a:gd name="connsiteX2" fmla="*/ 665592 w 1989839"/>
-                <a:gd name="connsiteY2" fmla="*/ 412484 h 664521"/>
-                <a:gd name="connsiteX3" fmla="*/ 1128717 w 1989839"/>
-                <a:gd name="connsiteY3" fmla="*/ 575307 h 664521"/>
-                <a:gd name="connsiteX4" fmla="*/ 1505005 w 1989839"/>
-                <a:gd name="connsiteY4" fmla="*/ 644054 h 664521"/>
-                <a:gd name="connsiteX5" fmla="*/ 1917476 w 1989839"/>
-                <a:gd name="connsiteY5" fmla="*/ 651291 h 664521"/>
-                <a:gd name="connsiteX6" fmla="*/ 1989839 w 1989839"/>
-                <a:gd name="connsiteY6" fmla="*/ 618726 h 664521"/>
-                <a:gd name="connsiteX7" fmla="*/ 1892149 w 1989839"/>
-                <a:gd name="connsiteY7" fmla="*/ 535506 h 664521"/>
-                <a:gd name="connsiteX8" fmla="*/ 1718477 w 1989839"/>
-                <a:gd name="connsiteY8" fmla="*/ 542742 h 664521"/>
-                <a:gd name="connsiteX9" fmla="*/ 1309625 w 1989839"/>
-                <a:gd name="connsiteY9" fmla="*/ 490241 h 664521"/>
-                <a:gd name="connsiteX10" fmla="*/ 947808 w 1989839"/>
-                <a:gd name="connsiteY10" fmla="*/ 387156 h 664521"/>
-                <a:gd name="connsiteX11" fmla="*/ 1316861 w 1989839"/>
-                <a:gd name="connsiteY11" fmla="*/ 394393 h 664521"/>
-                <a:gd name="connsiteX12" fmla="*/ 1667823 w 1989839"/>
-                <a:gd name="connsiteY12" fmla="*/ 332882 h 664521"/>
-                <a:gd name="connsiteX13" fmla="*/ 1580987 w 1989839"/>
-                <a:gd name="connsiteY13" fmla="*/ 217097 h 664521"/>
-                <a:gd name="connsiteX14" fmla="*/ 1479678 w 1989839"/>
-                <a:gd name="connsiteY14" fmla="*/ 238807 h 664521"/>
-                <a:gd name="connsiteX15" fmla="*/ 1219171 w 1989839"/>
-                <a:gd name="connsiteY15" fmla="*/ 253280 h 664521"/>
-                <a:gd name="connsiteX16" fmla="*/ 922481 w 1989839"/>
-                <a:gd name="connsiteY16" fmla="*/ 242425 h 664521"/>
-                <a:gd name="connsiteX17" fmla="*/ 651119 w 1989839"/>
-                <a:gd name="connsiteY17" fmla="*/ 180914 h 664521"/>
-                <a:gd name="connsiteX18" fmla="*/ 448502 w 1989839"/>
-                <a:gd name="connsiteY18" fmla="*/ 75984 h 664521"/>
-                <a:gd name="connsiteX19" fmla="*/ 3468 w 1989839"/>
-                <a:gd name="connsiteY19" fmla="*/ 0 h 664521"/>
-                <a:gd name="connsiteX0" fmla="*/ 3468 w 1989839"/>
-                <a:gd name="connsiteY0" fmla="*/ 0 h 664521"/>
-                <a:gd name="connsiteX1" fmla="*/ 263976 w 1989839"/>
-                <a:gd name="connsiteY1" fmla="*/ 199006 h 664521"/>
-                <a:gd name="connsiteX2" fmla="*/ 665592 w 1989839"/>
-                <a:gd name="connsiteY2" fmla="*/ 412484 h 664521"/>
-                <a:gd name="connsiteX3" fmla="*/ 1128717 w 1989839"/>
-                <a:gd name="connsiteY3" fmla="*/ 575307 h 664521"/>
-                <a:gd name="connsiteX4" fmla="*/ 1505005 w 1989839"/>
-                <a:gd name="connsiteY4" fmla="*/ 644054 h 664521"/>
-                <a:gd name="connsiteX5" fmla="*/ 1917476 w 1989839"/>
-                <a:gd name="connsiteY5" fmla="*/ 651291 h 664521"/>
-                <a:gd name="connsiteX6" fmla="*/ 1989839 w 1989839"/>
-                <a:gd name="connsiteY6" fmla="*/ 618726 h 664521"/>
-                <a:gd name="connsiteX7" fmla="*/ 1892149 w 1989839"/>
-                <a:gd name="connsiteY7" fmla="*/ 535506 h 664521"/>
-                <a:gd name="connsiteX8" fmla="*/ 1718477 w 1989839"/>
-                <a:gd name="connsiteY8" fmla="*/ 542742 h 664521"/>
-                <a:gd name="connsiteX9" fmla="*/ 1309625 w 1989839"/>
-                <a:gd name="connsiteY9" fmla="*/ 490241 h 664521"/>
-                <a:gd name="connsiteX10" fmla="*/ 947808 w 1989839"/>
-                <a:gd name="connsiteY10" fmla="*/ 387156 h 664521"/>
-                <a:gd name="connsiteX11" fmla="*/ 1316861 w 1989839"/>
-                <a:gd name="connsiteY11" fmla="*/ 394393 h 664521"/>
-                <a:gd name="connsiteX12" fmla="*/ 1667823 w 1989839"/>
-                <a:gd name="connsiteY12" fmla="*/ 332882 h 664521"/>
-                <a:gd name="connsiteX13" fmla="*/ 1580987 w 1989839"/>
-                <a:gd name="connsiteY13" fmla="*/ 217097 h 664521"/>
-                <a:gd name="connsiteX14" fmla="*/ 1479678 w 1989839"/>
-                <a:gd name="connsiteY14" fmla="*/ 238807 h 664521"/>
-                <a:gd name="connsiteX15" fmla="*/ 1219171 w 1989839"/>
-                <a:gd name="connsiteY15" fmla="*/ 253280 h 664521"/>
-                <a:gd name="connsiteX16" fmla="*/ 916131 w 1989839"/>
-                <a:gd name="connsiteY16" fmla="*/ 232900 h 664521"/>
-                <a:gd name="connsiteX17" fmla="*/ 651119 w 1989839"/>
-                <a:gd name="connsiteY17" fmla="*/ 180914 h 664521"/>
-                <a:gd name="connsiteX18" fmla="*/ 448502 w 1989839"/>
-                <a:gd name="connsiteY18" fmla="*/ 75984 h 664521"/>
-                <a:gd name="connsiteX19" fmla="*/ 3468 w 1989839"/>
-                <a:gd name="connsiteY19" fmla="*/ 0 h 664521"/>
-                <a:gd name="connsiteX0" fmla="*/ 3468 w 1989839"/>
-                <a:gd name="connsiteY0" fmla="*/ 0 h 664521"/>
-                <a:gd name="connsiteX1" fmla="*/ 263976 w 1989839"/>
-                <a:gd name="connsiteY1" fmla="*/ 199006 h 664521"/>
-                <a:gd name="connsiteX2" fmla="*/ 665592 w 1989839"/>
-                <a:gd name="connsiteY2" fmla="*/ 412484 h 664521"/>
-                <a:gd name="connsiteX3" fmla="*/ 1128717 w 1989839"/>
-                <a:gd name="connsiteY3" fmla="*/ 575307 h 664521"/>
-                <a:gd name="connsiteX4" fmla="*/ 1505005 w 1989839"/>
-                <a:gd name="connsiteY4" fmla="*/ 644054 h 664521"/>
-                <a:gd name="connsiteX5" fmla="*/ 1917476 w 1989839"/>
-                <a:gd name="connsiteY5" fmla="*/ 651291 h 664521"/>
-                <a:gd name="connsiteX6" fmla="*/ 1989839 w 1989839"/>
-                <a:gd name="connsiteY6" fmla="*/ 618726 h 664521"/>
-                <a:gd name="connsiteX7" fmla="*/ 1892149 w 1989839"/>
-                <a:gd name="connsiteY7" fmla="*/ 535506 h 664521"/>
-                <a:gd name="connsiteX8" fmla="*/ 1718477 w 1989839"/>
-                <a:gd name="connsiteY8" fmla="*/ 542742 h 664521"/>
-                <a:gd name="connsiteX9" fmla="*/ 1309625 w 1989839"/>
-                <a:gd name="connsiteY9" fmla="*/ 490241 h 664521"/>
-                <a:gd name="connsiteX10" fmla="*/ 947808 w 1989839"/>
-                <a:gd name="connsiteY10" fmla="*/ 387156 h 664521"/>
-                <a:gd name="connsiteX11" fmla="*/ 1316861 w 1989839"/>
-                <a:gd name="connsiteY11" fmla="*/ 394393 h 664521"/>
-                <a:gd name="connsiteX12" fmla="*/ 1667823 w 1989839"/>
-                <a:gd name="connsiteY12" fmla="*/ 332882 h 664521"/>
-                <a:gd name="connsiteX13" fmla="*/ 1600037 w 1989839"/>
-                <a:gd name="connsiteY13" fmla="*/ 236147 h 664521"/>
-                <a:gd name="connsiteX14" fmla="*/ 1479678 w 1989839"/>
-                <a:gd name="connsiteY14" fmla="*/ 238807 h 664521"/>
-                <a:gd name="connsiteX15" fmla="*/ 1219171 w 1989839"/>
-                <a:gd name="connsiteY15" fmla="*/ 253280 h 664521"/>
-                <a:gd name="connsiteX16" fmla="*/ 916131 w 1989839"/>
-                <a:gd name="connsiteY16" fmla="*/ 232900 h 664521"/>
-                <a:gd name="connsiteX17" fmla="*/ 651119 w 1989839"/>
-                <a:gd name="connsiteY17" fmla="*/ 180914 h 664521"/>
-                <a:gd name="connsiteX18" fmla="*/ 448502 w 1989839"/>
-                <a:gd name="connsiteY18" fmla="*/ 75984 h 664521"/>
-                <a:gd name="connsiteX19" fmla="*/ 3468 w 1989839"/>
-                <a:gd name="connsiteY19" fmla="*/ 0 h 664521"/>
-                <a:gd name="connsiteX0" fmla="*/ 3468 w 1989839"/>
-                <a:gd name="connsiteY0" fmla="*/ 0 h 664521"/>
-                <a:gd name="connsiteX1" fmla="*/ 263976 w 1989839"/>
-                <a:gd name="connsiteY1" fmla="*/ 199006 h 664521"/>
-                <a:gd name="connsiteX2" fmla="*/ 665592 w 1989839"/>
-                <a:gd name="connsiteY2" fmla="*/ 412484 h 664521"/>
-                <a:gd name="connsiteX3" fmla="*/ 1128717 w 1989839"/>
-                <a:gd name="connsiteY3" fmla="*/ 575307 h 664521"/>
-                <a:gd name="connsiteX4" fmla="*/ 1505005 w 1989839"/>
-                <a:gd name="connsiteY4" fmla="*/ 644054 h 664521"/>
-                <a:gd name="connsiteX5" fmla="*/ 1917476 w 1989839"/>
-                <a:gd name="connsiteY5" fmla="*/ 651291 h 664521"/>
-                <a:gd name="connsiteX6" fmla="*/ 1989839 w 1989839"/>
-                <a:gd name="connsiteY6" fmla="*/ 618726 h 664521"/>
-                <a:gd name="connsiteX7" fmla="*/ 1911199 w 1989839"/>
-                <a:gd name="connsiteY7" fmla="*/ 541856 h 664521"/>
-                <a:gd name="connsiteX8" fmla="*/ 1718477 w 1989839"/>
-                <a:gd name="connsiteY8" fmla="*/ 542742 h 664521"/>
-                <a:gd name="connsiteX9" fmla="*/ 1309625 w 1989839"/>
-                <a:gd name="connsiteY9" fmla="*/ 490241 h 664521"/>
-                <a:gd name="connsiteX10" fmla="*/ 947808 w 1989839"/>
-                <a:gd name="connsiteY10" fmla="*/ 387156 h 664521"/>
-                <a:gd name="connsiteX11" fmla="*/ 1316861 w 1989839"/>
-                <a:gd name="connsiteY11" fmla="*/ 394393 h 664521"/>
-                <a:gd name="connsiteX12" fmla="*/ 1667823 w 1989839"/>
-                <a:gd name="connsiteY12" fmla="*/ 332882 h 664521"/>
-                <a:gd name="connsiteX13" fmla="*/ 1600037 w 1989839"/>
-                <a:gd name="connsiteY13" fmla="*/ 236147 h 664521"/>
-                <a:gd name="connsiteX14" fmla="*/ 1479678 w 1989839"/>
-                <a:gd name="connsiteY14" fmla="*/ 238807 h 664521"/>
-                <a:gd name="connsiteX15" fmla="*/ 1219171 w 1989839"/>
-                <a:gd name="connsiteY15" fmla="*/ 253280 h 664521"/>
-                <a:gd name="connsiteX16" fmla="*/ 916131 w 1989839"/>
-                <a:gd name="connsiteY16" fmla="*/ 232900 h 664521"/>
-                <a:gd name="connsiteX17" fmla="*/ 651119 w 1989839"/>
-                <a:gd name="connsiteY17" fmla="*/ 180914 h 664521"/>
-                <a:gd name="connsiteX18" fmla="*/ 448502 w 1989839"/>
-                <a:gd name="connsiteY18" fmla="*/ 75984 h 664521"/>
-                <a:gd name="connsiteX19" fmla="*/ 3468 w 1989839"/>
-                <a:gd name="connsiteY19" fmla="*/ 0 h 664521"/>
-                <a:gd name="connsiteX0" fmla="*/ 3468 w 1993120"/>
-                <a:gd name="connsiteY0" fmla="*/ 0 h 654588"/>
-                <a:gd name="connsiteX1" fmla="*/ 263976 w 1993120"/>
-                <a:gd name="connsiteY1" fmla="*/ 199006 h 654588"/>
-                <a:gd name="connsiteX2" fmla="*/ 665592 w 1993120"/>
-                <a:gd name="connsiteY2" fmla="*/ 412484 h 654588"/>
-                <a:gd name="connsiteX3" fmla="*/ 1128717 w 1993120"/>
-                <a:gd name="connsiteY3" fmla="*/ 575307 h 654588"/>
-                <a:gd name="connsiteX4" fmla="*/ 1505005 w 1993120"/>
-                <a:gd name="connsiteY4" fmla="*/ 644054 h 654588"/>
-                <a:gd name="connsiteX5" fmla="*/ 1917476 w 1993120"/>
-                <a:gd name="connsiteY5" fmla="*/ 651291 h 654588"/>
-                <a:gd name="connsiteX6" fmla="*/ 1993120 w 1993120"/>
-                <a:gd name="connsiteY6" fmla="*/ 585909 h 654588"/>
-                <a:gd name="connsiteX7" fmla="*/ 1911199 w 1993120"/>
-                <a:gd name="connsiteY7" fmla="*/ 541856 h 654588"/>
-                <a:gd name="connsiteX8" fmla="*/ 1718477 w 1993120"/>
-                <a:gd name="connsiteY8" fmla="*/ 542742 h 654588"/>
-                <a:gd name="connsiteX9" fmla="*/ 1309625 w 1993120"/>
-                <a:gd name="connsiteY9" fmla="*/ 490241 h 654588"/>
-                <a:gd name="connsiteX10" fmla="*/ 947808 w 1993120"/>
-                <a:gd name="connsiteY10" fmla="*/ 387156 h 654588"/>
-                <a:gd name="connsiteX11" fmla="*/ 1316861 w 1993120"/>
-                <a:gd name="connsiteY11" fmla="*/ 394393 h 654588"/>
-                <a:gd name="connsiteX12" fmla="*/ 1667823 w 1993120"/>
-                <a:gd name="connsiteY12" fmla="*/ 332882 h 654588"/>
-                <a:gd name="connsiteX13" fmla="*/ 1600037 w 1993120"/>
-                <a:gd name="connsiteY13" fmla="*/ 236147 h 654588"/>
-                <a:gd name="connsiteX14" fmla="*/ 1479678 w 1993120"/>
-                <a:gd name="connsiteY14" fmla="*/ 238807 h 654588"/>
-                <a:gd name="connsiteX15" fmla="*/ 1219171 w 1993120"/>
-                <a:gd name="connsiteY15" fmla="*/ 253280 h 654588"/>
-                <a:gd name="connsiteX16" fmla="*/ 916131 w 1993120"/>
-                <a:gd name="connsiteY16" fmla="*/ 232900 h 654588"/>
-                <a:gd name="connsiteX17" fmla="*/ 651119 w 1993120"/>
-                <a:gd name="connsiteY17" fmla="*/ 180914 h 654588"/>
-                <a:gd name="connsiteX18" fmla="*/ 448502 w 1993120"/>
-                <a:gd name="connsiteY18" fmla="*/ 75984 h 654588"/>
-                <a:gd name="connsiteX19" fmla="*/ 3468 w 1993120"/>
-                <a:gd name="connsiteY19" fmla="*/ 0 h 654588"/>
-                <a:gd name="connsiteX0" fmla="*/ 3468 w 2002965"/>
-                <a:gd name="connsiteY0" fmla="*/ 0 h 655980"/>
-                <a:gd name="connsiteX1" fmla="*/ 263976 w 2002965"/>
-                <a:gd name="connsiteY1" fmla="*/ 199006 h 655980"/>
-                <a:gd name="connsiteX2" fmla="*/ 665592 w 2002965"/>
-                <a:gd name="connsiteY2" fmla="*/ 412484 h 655980"/>
-                <a:gd name="connsiteX3" fmla="*/ 1128717 w 2002965"/>
-                <a:gd name="connsiteY3" fmla="*/ 575307 h 655980"/>
-                <a:gd name="connsiteX4" fmla="*/ 1505005 w 2002965"/>
-                <a:gd name="connsiteY4" fmla="*/ 644054 h 655980"/>
-                <a:gd name="connsiteX5" fmla="*/ 1917476 w 2002965"/>
-                <a:gd name="connsiteY5" fmla="*/ 651291 h 655980"/>
-                <a:gd name="connsiteX6" fmla="*/ 2002965 w 2002965"/>
-                <a:gd name="connsiteY6" fmla="*/ 566219 h 655980"/>
-                <a:gd name="connsiteX7" fmla="*/ 1911199 w 2002965"/>
-                <a:gd name="connsiteY7" fmla="*/ 541856 h 655980"/>
-                <a:gd name="connsiteX8" fmla="*/ 1718477 w 2002965"/>
-                <a:gd name="connsiteY8" fmla="*/ 542742 h 655980"/>
-                <a:gd name="connsiteX9" fmla="*/ 1309625 w 2002965"/>
-                <a:gd name="connsiteY9" fmla="*/ 490241 h 655980"/>
-                <a:gd name="connsiteX10" fmla="*/ 947808 w 2002965"/>
-                <a:gd name="connsiteY10" fmla="*/ 387156 h 655980"/>
-                <a:gd name="connsiteX11" fmla="*/ 1316861 w 2002965"/>
-                <a:gd name="connsiteY11" fmla="*/ 394393 h 655980"/>
-                <a:gd name="connsiteX12" fmla="*/ 1667823 w 2002965"/>
-                <a:gd name="connsiteY12" fmla="*/ 332882 h 655980"/>
-                <a:gd name="connsiteX13" fmla="*/ 1600037 w 2002965"/>
-                <a:gd name="connsiteY13" fmla="*/ 236147 h 655980"/>
-                <a:gd name="connsiteX14" fmla="*/ 1479678 w 2002965"/>
-                <a:gd name="connsiteY14" fmla="*/ 238807 h 655980"/>
-                <a:gd name="connsiteX15" fmla="*/ 1219171 w 2002965"/>
-                <a:gd name="connsiteY15" fmla="*/ 253280 h 655980"/>
-                <a:gd name="connsiteX16" fmla="*/ 916131 w 2002965"/>
-                <a:gd name="connsiteY16" fmla="*/ 232900 h 655980"/>
-                <a:gd name="connsiteX17" fmla="*/ 651119 w 2002965"/>
-                <a:gd name="connsiteY17" fmla="*/ 180914 h 655980"/>
-                <a:gd name="connsiteX18" fmla="*/ 448502 w 2002965"/>
-                <a:gd name="connsiteY18" fmla="*/ 75984 h 655980"/>
-                <a:gd name="connsiteX19" fmla="*/ 3468 w 2002965"/>
-                <a:gd name="connsiteY19" fmla="*/ 0 h 655980"/>
-                <a:gd name="connsiteX0" fmla="*/ 3468 w 2002965"/>
-                <a:gd name="connsiteY0" fmla="*/ 0 h 655980"/>
-                <a:gd name="connsiteX1" fmla="*/ 263976 w 2002965"/>
-                <a:gd name="connsiteY1" fmla="*/ 199006 h 655980"/>
-                <a:gd name="connsiteX2" fmla="*/ 665592 w 2002965"/>
-                <a:gd name="connsiteY2" fmla="*/ 412484 h 655980"/>
-                <a:gd name="connsiteX3" fmla="*/ 1128717 w 2002965"/>
-                <a:gd name="connsiteY3" fmla="*/ 575307 h 655980"/>
-                <a:gd name="connsiteX4" fmla="*/ 1505005 w 2002965"/>
-                <a:gd name="connsiteY4" fmla="*/ 644054 h 655980"/>
-                <a:gd name="connsiteX5" fmla="*/ 1917476 w 2002965"/>
-                <a:gd name="connsiteY5" fmla="*/ 651291 h 655980"/>
-                <a:gd name="connsiteX6" fmla="*/ 2002965 w 2002965"/>
-                <a:gd name="connsiteY6" fmla="*/ 566219 h 655980"/>
-                <a:gd name="connsiteX7" fmla="*/ 1924326 w 2002965"/>
-                <a:gd name="connsiteY7" fmla="*/ 541856 h 655980"/>
-                <a:gd name="connsiteX8" fmla="*/ 1718477 w 2002965"/>
-                <a:gd name="connsiteY8" fmla="*/ 542742 h 655980"/>
-                <a:gd name="connsiteX9" fmla="*/ 1309625 w 2002965"/>
-                <a:gd name="connsiteY9" fmla="*/ 490241 h 655980"/>
-                <a:gd name="connsiteX10" fmla="*/ 947808 w 2002965"/>
-                <a:gd name="connsiteY10" fmla="*/ 387156 h 655980"/>
-                <a:gd name="connsiteX11" fmla="*/ 1316861 w 2002965"/>
-                <a:gd name="connsiteY11" fmla="*/ 394393 h 655980"/>
-                <a:gd name="connsiteX12" fmla="*/ 1667823 w 2002965"/>
-                <a:gd name="connsiteY12" fmla="*/ 332882 h 655980"/>
-                <a:gd name="connsiteX13" fmla="*/ 1600037 w 2002965"/>
-                <a:gd name="connsiteY13" fmla="*/ 236147 h 655980"/>
-                <a:gd name="connsiteX14" fmla="*/ 1479678 w 2002965"/>
-                <a:gd name="connsiteY14" fmla="*/ 238807 h 655980"/>
-                <a:gd name="connsiteX15" fmla="*/ 1219171 w 2002965"/>
-                <a:gd name="connsiteY15" fmla="*/ 253280 h 655980"/>
-                <a:gd name="connsiteX16" fmla="*/ 916131 w 2002965"/>
-                <a:gd name="connsiteY16" fmla="*/ 232900 h 655980"/>
-                <a:gd name="connsiteX17" fmla="*/ 651119 w 2002965"/>
-                <a:gd name="connsiteY17" fmla="*/ 180914 h 655980"/>
-                <a:gd name="connsiteX18" fmla="*/ 448502 w 2002965"/>
-                <a:gd name="connsiteY18" fmla="*/ 75984 h 655980"/>
-                <a:gd name="connsiteX19" fmla="*/ 3468 w 2002965"/>
-                <a:gd name="connsiteY19" fmla="*/ 0 h 655980"/>
-                <a:gd name="connsiteX0" fmla="*/ 3468 w 2002965"/>
-                <a:gd name="connsiteY0" fmla="*/ 0 h 656854"/>
-                <a:gd name="connsiteX1" fmla="*/ 263976 w 2002965"/>
-                <a:gd name="connsiteY1" fmla="*/ 199006 h 656854"/>
-                <a:gd name="connsiteX2" fmla="*/ 665592 w 2002965"/>
-                <a:gd name="connsiteY2" fmla="*/ 412484 h 656854"/>
-                <a:gd name="connsiteX3" fmla="*/ 1128717 w 2002965"/>
-                <a:gd name="connsiteY3" fmla="*/ 575307 h 656854"/>
-                <a:gd name="connsiteX4" fmla="*/ 1534540 w 2002965"/>
-                <a:gd name="connsiteY4" fmla="*/ 647335 h 656854"/>
-                <a:gd name="connsiteX5" fmla="*/ 1917476 w 2002965"/>
-                <a:gd name="connsiteY5" fmla="*/ 651291 h 656854"/>
-                <a:gd name="connsiteX6" fmla="*/ 2002965 w 2002965"/>
-                <a:gd name="connsiteY6" fmla="*/ 566219 h 656854"/>
-                <a:gd name="connsiteX7" fmla="*/ 1924326 w 2002965"/>
-                <a:gd name="connsiteY7" fmla="*/ 541856 h 656854"/>
-                <a:gd name="connsiteX8" fmla="*/ 1718477 w 2002965"/>
-                <a:gd name="connsiteY8" fmla="*/ 542742 h 656854"/>
-                <a:gd name="connsiteX9" fmla="*/ 1309625 w 2002965"/>
-                <a:gd name="connsiteY9" fmla="*/ 490241 h 656854"/>
-                <a:gd name="connsiteX10" fmla="*/ 947808 w 2002965"/>
-                <a:gd name="connsiteY10" fmla="*/ 387156 h 656854"/>
-                <a:gd name="connsiteX11" fmla="*/ 1316861 w 2002965"/>
-                <a:gd name="connsiteY11" fmla="*/ 394393 h 656854"/>
-                <a:gd name="connsiteX12" fmla="*/ 1667823 w 2002965"/>
-                <a:gd name="connsiteY12" fmla="*/ 332882 h 656854"/>
-                <a:gd name="connsiteX13" fmla="*/ 1600037 w 2002965"/>
-                <a:gd name="connsiteY13" fmla="*/ 236147 h 656854"/>
-                <a:gd name="connsiteX14" fmla="*/ 1479678 w 2002965"/>
-                <a:gd name="connsiteY14" fmla="*/ 238807 h 656854"/>
-                <a:gd name="connsiteX15" fmla="*/ 1219171 w 2002965"/>
-                <a:gd name="connsiteY15" fmla="*/ 253280 h 656854"/>
-                <a:gd name="connsiteX16" fmla="*/ 916131 w 2002965"/>
-                <a:gd name="connsiteY16" fmla="*/ 232900 h 656854"/>
-                <a:gd name="connsiteX17" fmla="*/ 651119 w 2002965"/>
-                <a:gd name="connsiteY17" fmla="*/ 180914 h 656854"/>
-                <a:gd name="connsiteX18" fmla="*/ 448502 w 2002965"/>
-                <a:gd name="connsiteY18" fmla="*/ 75984 h 656854"/>
-                <a:gd name="connsiteX19" fmla="*/ 3468 w 2002965"/>
-                <a:gd name="connsiteY19" fmla="*/ 0 h 656854"/>
-                <a:gd name="connsiteX0" fmla="*/ 3468 w 2002965"/>
-                <a:gd name="connsiteY0" fmla="*/ 0 h 659277"/>
-                <a:gd name="connsiteX1" fmla="*/ 263976 w 2002965"/>
-                <a:gd name="connsiteY1" fmla="*/ 199006 h 659277"/>
-                <a:gd name="connsiteX2" fmla="*/ 665592 w 2002965"/>
-                <a:gd name="connsiteY2" fmla="*/ 412484 h 659277"/>
-                <a:gd name="connsiteX3" fmla="*/ 1128717 w 2002965"/>
-                <a:gd name="connsiteY3" fmla="*/ 575307 h 659277"/>
-                <a:gd name="connsiteX4" fmla="*/ 1534540 w 2002965"/>
-                <a:gd name="connsiteY4" fmla="*/ 647335 h 659277"/>
-                <a:gd name="connsiteX5" fmla="*/ 1917476 w 2002965"/>
-                <a:gd name="connsiteY5" fmla="*/ 651291 h 659277"/>
-                <a:gd name="connsiteX6" fmla="*/ 2002965 w 2002965"/>
-                <a:gd name="connsiteY6" fmla="*/ 566219 h 659277"/>
-                <a:gd name="connsiteX7" fmla="*/ 1924326 w 2002965"/>
-                <a:gd name="connsiteY7" fmla="*/ 541856 h 659277"/>
-                <a:gd name="connsiteX8" fmla="*/ 1718477 w 2002965"/>
-                <a:gd name="connsiteY8" fmla="*/ 542742 h 659277"/>
-                <a:gd name="connsiteX9" fmla="*/ 1309625 w 2002965"/>
-                <a:gd name="connsiteY9" fmla="*/ 490241 h 659277"/>
-                <a:gd name="connsiteX10" fmla="*/ 947808 w 2002965"/>
-                <a:gd name="connsiteY10" fmla="*/ 387156 h 659277"/>
-                <a:gd name="connsiteX11" fmla="*/ 1316861 w 2002965"/>
-                <a:gd name="connsiteY11" fmla="*/ 394393 h 659277"/>
-                <a:gd name="connsiteX12" fmla="*/ 1667823 w 2002965"/>
-                <a:gd name="connsiteY12" fmla="*/ 332882 h 659277"/>
-                <a:gd name="connsiteX13" fmla="*/ 1600037 w 2002965"/>
-                <a:gd name="connsiteY13" fmla="*/ 236147 h 659277"/>
-                <a:gd name="connsiteX14" fmla="*/ 1479678 w 2002965"/>
-                <a:gd name="connsiteY14" fmla="*/ 238807 h 659277"/>
-                <a:gd name="connsiteX15" fmla="*/ 1219171 w 2002965"/>
-                <a:gd name="connsiteY15" fmla="*/ 253280 h 659277"/>
-                <a:gd name="connsiteX16" fmla="*/ 916131 w 2002965"/>
-                <a:gd name="connsiteY16" fmla="*/ 232900 h 659277"/>
-                <a:gd name="connsiteX17" fmla="*/ 651119 w 2002965"/>
-                <a:gd name="connsiteY17" fmla="*/ 180914 h 659277"/>
-                <a:gd name="connsiteX18" fmla="*/ 448502 w 2002965"/>
-                <a:gd name="connsiteY18" fmla="*/ 75984 h 659277"/>
-                <a:gd name="connsiteX19" fmla="*/ 3468 w 2002965"/>
-                <a:gd name="connsiteY19" fmla="*/ 0 h 659277"/>
-                <a:gd name="connsiteX0" fmla="*/ 3468 w 2002965"/>
-                <a:gd name="connsiteY0" fmla="*/ 0 h 659277"/>
-                <a:gd name="connsiteX1" fmla="*/ 263976 w 2002965"/>
-                <a:gd name="connsiteY1" fmla="*/ 199006 h 659277"/>
-                <a:gd name="connsiteX2" fmla="*/ 665592 w 2002965"/>
-                <a:gd name="connsiteY2" fmla="*/ 412484 h 659277"/>
-                <a:gd name="connsiteX3" fmla="*/ 1128717 w 2002965"/>
-                <a:gd name="connsiteY3" fmla="*/ 575307 h 659277"/>
-                <a:gd name="connsiteX4" fmla="*/ 1534540 w 2002965"/>
-                <a:gd name="connsiteY4" fmla="*/ 647335 h 659277"/>
-                <a:gd name="connsiteX5" fmla="*/ 1917476 w 2002965"/>
-                <a:gd name="connsiteY5" fmla="*/ 651291 h 659277"/>
-                <a:gd name="connsiteX6" fmla="*/ 2002965 w 2002965"/>
-                <a:gd name="connsiteY6" fmla="*/ 566219 h 659277"/>
-                <a:gd name="connsiteX7" fmla="*/ 1924326 w 2002965"/>
-                <a:gd name="connsiteY7" fmla="*/ 541856 h 659277"/>
-                <a:gd name="connsiteX8" fmla="*/ 1718477 w 2002965"/>
-                <a:gd name="connsiteY8" fmla="*/ 542742 h 659277"/>
-                <a:gd name="connsiteX9" fmla="*/ 1309625 w 2002965"/>
-                <a:gd name="connsiteY9" fmla="*/ 490241 h 659277"/>
-                <a:gd name="connsiteX10" fmla="*/ 947808 w 2002965"/>
-                <a:gd name="connsiteY10" fmla="*/ 387156 h 659277"/>
-                <a:gd name="connsiteX11" fmla="*/ 1316861 w 2002965"/>
-                <a:gd name="connsiteY11" fmla="*/ 394393 h 659277"/>
-                <a:gd name="connsiteX12" fmla="*/ 1680949 w 2002965"/>
-                <a:gd name="connsiteY12" fmla="*/ 296783 h 659277"/>
-                <a:gd name="connsiteX13" fmla="*/ 1600037 w 2002965"/>
-                <a:gd name="connsiteY13" fmla="*/ 236147 h 659277"/>
-                <a:gd name="connsiteX14" fmla="*/ 1479678 w 2002965"/>
-                <a:gd name="connsiteY14" fmla="*/ 238807 h 659277"/>
-                <a:gd name="connsiteX15" fmla="*/ 1219171 w 2002965"/>
-                <a:gd name="connsiteY15" fmla="*/ 253280 h 659277"/>
-                <a:gd name="connsiteX16" fmla="*/ 916131 w 2002965"/>
-                <a:gd name="connsiteY16" fmla="*/ 232900 h 659277"/>
-                <a:gd name="connsiteX17" fmla="*/ 651119 w 2002965"/>
-                <a:gd name="connsiteY17" fmla="*/ 180914 h 659277"/>
-                <a:gd name="connsiteX18" fmla="*/ 448502 w 2002965"/>
-                <a:gd name="connsiteY18" fmla="*/ 75984 h 659277"/>
-                <a:gd name="connsiteX19" fmla="*/ 3468 w 2002965"/>
-                <a:gd name="connsiteY19" fmla="*/ 0 h 659277"/>
-                <a:gd name="connsiteX0" fmla="*/ 3468 w 2002965"/>
-                <a:gd name="connsiteY0" fmla="*/ 0 h 659277"/>
-                <a:gd name="connsiteX1" fmla="*/ 263976 w 2002965"/>
-                <a:gd name="connsiteY1" fmla="*/ 199006 h 659277"/>
-                <a:gd name="connsiteX2" fmla="*/ 665592 w 2002965"/>
-                <a:gd name="connsiteY2" fmla="*/ 412484 h 659277"/>
-                <a:gd name="connsiteX3" fmla="*/ 1128717 w 2002965"/>
-                <a:gd name="connsiteY3" fmla="*/ 575307 h 659277"/>
-                <a:gd name="connsiteX4" fmla="*/ 1534540 w 2002965"/>
-                <a:gd name="connsiteY4" fmla="*/ 647335 h 659277"/>
-                <a:gd name="connsiteX5" fmla="*/ 1917476 w 2002965"/>
-                <a:gd name="connsiteY5" fmla="*/ 651291 h 659277"/>
-                <a:gd name="connsiteX6" fmla="*/ 2002965 w 2002965"/>
-                <a:gd name="connsiteY6" fmla="*/ 566219 h 659277"/>
-                <a:gd name="connsiteX7" fmla="*/ 1924326 w 2002965"/>
-                <a:gd name="connsiteY7" fmla="*/ 541856 h 659277"/>
-                <a:gd name="connsiteX8" fmla="*/ 1718477 w 2002965"/>
-                <a:gd name="connsiteY8" fmla="*/ 542742 h 659277"/>
-                <a:gd name="connsiteX9" fmla="*/ 1309625 w 2002965"/>
-                <a:gd name="connsiteY9" fmla="*/ 490241 h 659277"/>
-                <a:gd name="connsiteX10" fmla="*/ 947808 w 2002965"/>
-                <a:gd name="connsiteY10" fmla="*/ 387156 h 659277"/>
-                <a:gd name="connsiteX11" fmla="*/ 1316861 w 2002965"/>
-                <a:gd name="connsiteY11" fmla="*/ 394393 h 659277"/>
-                <a:gd name="connsiteX12" fmla="*/ 1684231 w 2002965"/>
-                <a:gd name="connsiteY12" fmla="*/ 309910 h 659277"/>
-                <a:gd name="connsiteX13" fmla="*/ 1600037 w 2002965"/>
-                <a:gd name="connsiteY13" fmla="*/ 236147 h 659277"/>
-                <a:gd name="connsiteX14" fmla="*/ 1479678 w 2002965"/>
-                <a:gd name="connsiteY14" fmla="*/ 238807 h 659277"/>
-                <a:gd name="connsiteX15" fmla="*/ 1219171 w 2002965"/>
-                <a:gd name="connsiteY15" fmla="*/ 253280 h 659277"/>
-                <a:gd name="connsiteX16" fmla="*/ 916131 w 2002965"/>
-                <a:gd name="connsiteY16" fmla="*/ 232900 h 659277"/>
-                <a:gd name="connsiteX17" fmla="*/ 651119 w 2002965"/>
-                <a:gd name="connsiteY17" fmla="*/ 180914 h 659277"/>
-                <a:gd name="connsiteX18" fmla="*/ 448502 w 2002965"/>
-                <a:gd name="connsiteY18" fmla="*/ 75984 h 659277"/>
-                <a:gd name="connsiteX19" fmla="*/ 3468 w 2002965"/>
-                <a:gd name="connsiteY19" fmla="*/ 0 h 659277"/>
-                <a:gd name="connsiteX0" fmla="*/ 3468 w 2002965"/>
-                <a:gd name="connsiteY0" fmla="*/ 0 h 659277"/>
-                <a:gd name="connsiteX1" fmla="*/ 263976 w 2002965"/>
-                <a:gd name="connsiteY1" fmla="*/ 199006 h 659277"/>
-                <a:gd name="connsiteX2" fmla="*/ 665592 w 2002965"/>
-                <a:gd name="connsiteY2" fmla="*/ 412484 h 659277"/>
-                <a:gd name="connsiteX3" fmla="*/ 1128717 w 2002965"/>
-                <a:gd name="connsiteY3" fmla="*/ 575307 h 659277"/>
-                <a:gd name="connsiteX4" fmla="*/ 1534540 w 2002965"/>
-                <a:gd name="connsiteY4" fmla="*/ 647335 h 659277"/>
-                <a:gd name="connsiteX5" fmla="*/ 1917476 w 2002965"/>
-                <a:gd name="connsiteY5" fmla="*/ 651291 h 659277"/>
-                <a:gd name="connsiteX6" fmla="*/ 2002965 w 2002965"/>
-                <a:gd name="connsiteY6" fmla="*/ 566219 h 659277"/>
-                <a:gd name="connsiteX7" fmla="*/ 1924326 w 2002965"/>
-                <a:gd name="connsiteY7" fmla="*/ 541856 h 659277"/>
-                <a:gd name="connsiteX8" fmla="*/ 1718477 w 2002965"/>
-                <a:gd name="connsiteY8" fmla="*/ 542742 h 659277"/>
-                <a:gd name="connsiteX9" fmla="*/ 1309625 w 2002965"/>
-                <a:gd name="connsiteY9" fmla="*/ 490241 h 659277"/>
-                <a:gd name="connsiteX10" fmla="*/ 947808 w 2002965"/>
-                <a:gd name="connsiteY10" fmla="*/ 387156 h 659277"/>
-                <a:gd name="connsiteX11" fmla="*/ 1316861 w 2002965"/>
-                <a:gd name="connsiteY11" fmla="*/ 381266 h 659277"/>
-                <a:gd name="connsiteX12" fmla="*/ 1684231 w 2002965"/>
-                <a:gd name="connsiteY12" fmla="*/ 309910 h 659277"/>
-                <a:gd name="connsiteX13" fmla="*/ 1600037 w 2002965"/>
-                <a:gd name="connsiteY13" fmla="*/ 236147 h 659277"/>
-                <a:gd name="connsiteX14" fmla="*/ 1479678 w 2002965"/>
-                <a:gd name="connsiteY14" fmla="*/ 238807 h 659277"/>
-                <a:gd name="connsiteX15" fmla="*/ 1219171 w 2002965"/>
-                <a:gd name="connsiteY15" fmla="*/ 253280 h 659277"/>
-                <a:gd name="connsiteX16" fmla="*/ 916131 w 2002965"/>
-                <a:gd name="connsiteY16" fmla="*/ 232900 h 659277"/>
-                <a:gd name="connsiteX17" fmla="*/ 651119 w 2002965"/>
-                <a:gd name="connsiteY17" fmla="*/ 180914 h 659277"/>
-                <a:gd name="connsiteX18" fmla="*/ 448502 w 2002965"/>
-                <a:gd name="connsiteY18" fmla="*/ 75984 h 659277"/>
-                <a:gd name="connsiteX19" fmla="*/ 3468 w 2002965"/>
-                <a:gd name="connsiteY19" fmla="*/ 0 h 659277"/>
-                <a:gd name="connsiteX0" fmla="*/ 3468 w 2002965"/>
-                <a:gd name="connsiteY0" fmla="*/ 0 h 659277"/>
-                <a:gd name="connsiteX1" fmla="*/ 263976 w 2002965"/>
-                <a:gd name="connsiteY1" fmla="*/ 199006 h 659277"/>
-                <a:gd name="connsiteX2" fmla="*/ 665592 w 2002965"/>
-                <a:gd name="connsiteY2" fmla="*/ 412484 h 659277"/>
-                <a:gd name="connsiteX3" fmla="*/ 1128717 w 2002965"/>
-                <a:gd name="connsiteY3" fmla="*/ 575307 h 659277"/>
-                <a:gd name="connsiteX4" fmla="*/ 1534540 w 2002965"/>
-                <a:gd name="connsiteY4" fmla="*/ 647335 h 659277"/>
-                <a:gd name="connsiteX5" fmla="*/ 1917476 w 2002965"/>
-                <a:gd name="connsiteY5" fmla="*/ 651291 h 659277"/>
-                <a:gd name="connsiteX6" fmla="*/ 2002965 w 2002965"/>
-                <a:gd name="connsiteY6" fmla="*/ 566219 h 659277"/>
-                <a:gd name="connsiteX7" fmla="*/ 1924326 w 2002965"/>
-                <a:gd name="connsiteY7" fmla="*/ 541856 h 659277"/>
-                <a:gd name="connsiteX8" fmla="*/ 1718477 w 2002965"/>
-                <a:gd name="connsiteY8" fmla="*/ 542742 h 659277"/>
-                <a:gd name="connsiteX9" fmla="*/ 1309625 w 2002965"/>
-                <a:gd name="connsiteY9" fmla="*/ 490241 h 659277"/>
-                <a:gd name="connsiteX10" fmla="*/ 947808 w 2002965"/>
-                <a:gd name="connsiteY10" fmla="*/ 387156 h 659277"/>
-                <a:gd name="connsiteX11" fmla="*/ 1316861 w 2002965"/>
-                <a:gd name="connsiteY11" fmla="*/ 381266 h 659277"/>
-                <a:gd name="connsiteX12" fmla="*/ 1684231 w 2002965"/>
-                <a:gd name="connsiteY12" fmla="*/ 309910 h 659277"/>
-                <a:gd name="connsiteX13" fmla="*/ 1609882 w 2002965"/>
-                <a:gd name="connsiteY13" fmla="*/ 249274 h 659277"/>
-                <a:gd name="connsiteX14" fmla="*/ 1479678 w 2002965"/>
-                <a:gd name="connsiteY14" fmla="*/ 238807 h 659277"/>
-                <a:gd name="connsiteX15" fmla="*/ 1219171 w 2002965"/>
-                <a:gd name="connsiteY15" fmla="*/ 253280 h 659277"/>
-                <a:gd name="connsiteX16" fmla="*/ 916131 w 2002965"/>
-                <a:gd name="connsiteY16" fmla="*/ 232900 h 659277"/>
-                <a:gd name="connsiteX17" fmla="*/ 651119 w 2002965"/>
-                <a:gd name="connsiteY17" fmla="*/ 180914 h 659277"/>
-                <a:gd name="connsiteX18" fmla="*/ 448502 w 2002965"/>
-                <a:gd name="connsiteY18" fmla="*/ 75984 h 659277"/>
-                <a:gd name="connsiteX19" fmla="*/ 3468 w 2002965"/>
-                <a:gd name="connsiteY19" fmla="*/ 0 h 659277"/>
-                <a:gd name="connsiteX0" fmla="*/ 3468 w 2002965"/>
-                <a:gd name="connsiteY0" fmla="*/ 0 h 659277"/>
-                <a:gd name="connsiteX1" fmla="*/ 263976 w 2002965"/>
-                <a:gd name="connsiteY1" fmla="*/ 199006 h 659277"/>
-                <a:gd name="connsiteX2" fmla="*/ 665592 w 2002965"/>
-                <a:gd name="connsiteY2" fmla="*/ 412484 h 659277"/>
-                <a:gd name="connsiteX3" fmla="*/ 1128717 w 2002965"/>
-                <a:gd name="connsiteY3" fmla="*/ 575307 h 659277"/>
-                <a:gd name="connsiteX4" fmla="*/ 1534540 w 2002965"/>
-                <a:gd name="connsiteY4" fmla="*/ 647335 h 659277"/>
-                <a:gd name="connsiteX5" fmla="*/ 1917476 w 2002965"/>
-                <a:gd name="connsiteY5" fmla="*/ 651291 h 659277"/>
-                <a:gd name="connsiteX6" fmla="*/ 2002965 w 2002965"/>
-                <a:gd name="connsiteY6" fmla="*/ 566219 h 659277"/>
-                <a:gd name="connsiteX7" fmla="*/ 1924326 w 2002965"/>
-                <a:gd name="connsiteY7" fmla="*/ 541856 h 659277"/>
-                <a:gd name="connsiteX8" fmla="*/ 1718477 w 2002965"/>
-                <a:gd name="connsiteY8" fmla="*/ 542742 h 659277"/>
-                <a:gd name="connsiteX9" fmla="*/ 1309625 w 2002965"/>
-                <a:gd name="connsiteY9" fmla="*/ 490241 h 659277"/>
-                <a:gd name="connsiteX10" fmla="*/ 947808 w 2002965"/>
-                <a:gd name="connsiteY10" fmla="*/ 387156 h 659277"/>
-                <a:gd name="connsiteX11" fmla="*/ 1316861 w 2002965"/>
-                <a:gd name="connsiteY11" fmla="*/ 381266 h 659277"/>
-                <a:gd name="connsiteX12" fmla="*/ 1684231 w 2002965"/>
-                <a:gd name="connsiteY12" fmla="*/ 309910 h 659277"/>
-                <a:gd name="connsiteX13" fmla="*/ 1626290 w 2002965"/>
-                <a:gd name="connsiteY13" fmla="*/ 232865 h 659277"/>
-                <a:gd name="connsiteX14" fmla="*/ 1479678 w 2002965"/>
-                <a:gd name="connsiteY14" fmla="*/ 238807 h 659277"/>
-                <a:gd name="connsiteX15" fmla="*/ 1219171 w 2002965"/>
-                <a:gd name="connsiteY15" fmla="*/ 253280 h 659277"/>
-                <a:gd name="connsiteX16" fmla="*/ 916131 w 2002965"/>
-                <a:gd name="connsiteY16" fmla="*/ 232900 h 659277"/>
-                <a:gd name="connsiteX17" fmla="*/ 651119 w 2002965"/>
-                <a:gd name="connsiteY17" fmla="*/ 180914 h 659277"/>
-                <a:gd name="connsiteX18" fmla="*/ 448502 w 2002965"/>
-                <a:gd name="connsiteY18" fmla="*/ 75984 h 659277"/>
-                <a:gd name="connsiteX19" fmla="*/ 3468 w 2002965"/>
-                <a:gd name="connsiteY19" fmla="*/ 0 h 659277"/>
-                <a:gd name="connsiteX0" fmla="*/ 3468 w 2002965"/>
-                <a:gd name="connsiteY0" fmla="*/ 0 h 659277"/>
-                <a:gd name="connsiteX1" fmla="*/ 263976 w 2002965"/>
-                <a:gd name="connsiteY1" fmla="*/ 199006 h 659277"/>
-                <a:gd name="connsiteX2" fmla="*/ 665592 w 2002965"/>
-                <a:gd name="connsiteY2" fmla="*/ 412484 h 659277"/>
-                <a:gd name="connsiteX3" fmla="*/ 1128717 w 2002965"/>
-                <a:gd name="connsiteY3" fmla="*/ 575307 h 659277"/>
-                <a:gd name="connsiteX4" fmla="*/ 1534540 w 2002965"/>
-                <a:gd name="connsiteY4" fmla="*/ 647335 h 659277"/>
-                <a:gd name="connsiteX5" fmla="*/ 1917476 w 2002965"/>
-                <a:gd name="connsiteY5" fmla="*/ 651291 h 659277"/>
-                <a:gd name="connsiteX6" fmla="*/ 2002965 w 2002965"/>
-                <a:gd name="connsiteY6" fmla="*/ 566219 h 659277"/>
-                <a:gd name="connsiteX7" fmla="*/ 1924326 w 2002965"/>
-                <a:gd name="connsiteY7" fmla="*/ 541856 h 659277"/>
-                <a:gd name="connsiteX8" fmla="*/ 1718477 w 2002965"/>
-                <a:gd name="connsiteY8" fmla="*/ 542742 h 659277"/>
-                <a:gd name="connsiteX9" fmla="*/ 1309625 w 2002965"/>
-                <a:gd name="connsiteY9" fmla="*/ 490241 h 659277"/>
-                <a:gd name="connsiteX10" fmla="*/ 947808 w 2002965"/>
-                <a:gd name="connsiteY10" fmla="*/ 387156 h 659277"/>
-                <a:gd name="connsiteX11" fmla="*/ 1316861 w 2002965"/>
-                <a:gd name="connsiteY11" fmla="*/ 381266 h 659277"/>
-                <a:gd name="connsiteX12" fmla="*/ 1674386 w 2002965"/>
-                <a:gd name="connsiteY12" fmla="*/ 293501 h 659277"/>
-                <a:gd name="connsiteX13" fmla="*/ 1626290 w 2002965"/>
-                <a:gd name="connsiteY13" fmla="*/ 232865 h 659277"/>
-                <a:gd name="connsiteX14" fmla="*/ 1479678 w 2002965"/>
-                <a:gd name="connsiteY14" fmla="*/ 238807 h 659277"/>
-                <a:gd name="connsiteX15" fmla="*/ 1219171 w 2002965"/>
-                <a:gd name="connsiteY15" fmla="*/ 253280 h 659277"/>
-                <a:gd name="connsiteX16" fmla="*/ 916131 w 2002965"/>
-                <a:gd name="connsiteY16" fmla="*/ 232900 h 659277"/>
-                <a:gd name="connsiteX17" fmla="*/ 651119 w 2002965"/>
-                <a:gd name="connsiteY17" fmla="*/ 180914 h 659277"/>
-                <a:gd name="connsiteX18" fmla="*/ 448502 w 2002965"/>
-                <a:gd name="connsiteY18" fmla="*/ 75984 h 659277"/>
-                <a:gd name="connsiteX19" fmla="*/ 3468 w 2002965"/>
-                <a:gd name="connsiteY19" fmla="*/ 0 h 659277"/>
-                <a:gd name="connsiteX0" fmla="*/ 3468 w 2002965"/>
-                <a:gd name="connsiteY0" fmla="*/ 0 h 659277"/>
-                <a:gd name="connsiteX1" fmla="*/ 263976 w 2002965"/>
-                <a:gd name="connsiteY1" fmla="*/ 199006 h 659277"/>
-                <a:gd name="connsiteX2" fmla="*/ 665592 w 2002965"/>
-                <a:gd name="connsiteY2" fmla="*/ 412484 h 659277"/>
-                <a:gd name="connsiteX3" fmla="*/ 1128717 w 2002965"/>
-                <a:gd name="connsiteY3" fmla="*/ 575307 h 659277"/>
-                <a:gd name="connsiteX4" fmla="*/ 1534540 w 2002965"/>
-                <a:gd name="connsiteY4" fmla="*/ 647335 h 659277"/>
-                <a:gd name="connsiteX5" fmla="*/ 1917476 w 2002965"/>
-                <a:gd name="connsiteY5" fmla="*/ 651291 h 659277"/>
-                <a:gd name="connsiteX6" fmla="*/ 2002965 w 2002965"/>
-                <a:gd name="connsiteY6" fmla="*/ 566219 h 659277"/>
-                <a:gd name="connsiteX7" fmla="*/ 1924326 w 2002965"/>
-                <a:gd name="connsiteY7" fmla="*/ 541856 h 659277"/>
-                <a:gd name="connsiteX8" fmla="*/ 1718477 w 2002965"/>
-                <a:gd name="connsiteY8" fmla="*/ 542742 h 659277"/>
-                <a:gd name="connsiteX9" fmla="*/ 1309625 w 2002965"/>
-                <a:gd name="connsiteY9" fmla="*/ 490241 h 659277"/>
-                <a:gd name="connsiteX10" fmla="*/ 947808 w 2002965"/>
-                <a:gd name="connsiteY10" fmla="*/ 387156 h 659277"/>
-                <a:gd name="connsiteX11" fmla="*/ 1316861 w 2002965"/>
-                <a:gd name="connsiteY11" fmla="*/ 381266 h 659277"/>
-                <a:gd name="connsiteX12" fmla="*/ 1684231 w 2002965"/>
-                <a:gd name="connsiteY12" fmla="*/ 303346 h 659277"/>
-                <a:gd name="connsiteX13" fmla="*/ 1626290 w 2002965"/>
-                <a:gd name="connsiteY13" fmla="*/ 232865 h 659277"/>
-                <a:gd name="connsiteX14" fmla="*/ 1479678 w 2002965"/>
-                <a:gd name="connsiteY14" fmla="*/ 238807 h 659277"/>
-                <a:gd name="connsiteX15" fmla="*/ 1219171 w 2002965"/>
-                <a:gd name="connsiteY15" fmla="*/ 253280 h 659277"/>
-                <a:gd name="connsiteX16" fmla="*/ 916131 w 2002965"/>
-                <a:gd name="connsiteY16" fmla="*/ 232900 h 659277"/>
-                <a:gd name="connsiteX17" fmla="*/ 651119 w 2002965"/>
-                <a:gd name="connsiteY17" fmla="*/ 180914 h 659277"/>
-                <a:gd name="connsiteX18" fmla="*/ 448502 w 2002965"/>
-                <a:gd name="connsiteY18" fmla="*/ 75984 h 659277"/>
-                <a:gd name="connsiteX19" fmla="*/ 3468 w 2002965"/>
-                <a:gd name="connsiteY19" fmla="*/ 0 h 659277"/>
-              </a:gdLst>
-              <a:ahLst/>
-              <a:cxnLst>
-                <a:cxn ang="0">
-                  <a:pos x="connsiteX0" y="connsiteY0"/>
-                </a:cxn>
-                <a:cxn ang="0">
-                  <a:pos x="connsiteX1" y="connsiteY1"/>
-                </a:cxn>
-                <a:cxn ang="0">
-                  <a:pos x="connsiteX2" y="connsiteY2"/>
-                </a:cxn>
-                <a:cxn ang="0">
-                  <a:pos x="connsiteX3" y="connsiteY3"/>
-                </a:cxn>
-                <a:cxn ang="0">
-                  <a:pos x="connsiteX4" y="connsiteY4"/>
-                </a:cxn>
-                <a:cxn ang="0">
-                  <a:pos x="connsiteX5" y="connsiteY5"/>
-                </a:cxn>
-                <a:cxn ang="0">
-                  <a:pos x="connsiteX6" y="connsiteY6"/>
-                </a:cxn>
-                <a:cxn ang="0">
-                  <a:pos x="connsiteX7" y="connsiteY7"/>
-                </a:cxn>
-                <a:cxn ang="0">
-                  <a:pos x="connsiteX8" y="connsiteY8"/>
-                </a:cxn>
-                <a:cxn ang="0">
-                  <a:pos x="connsiteX9" y="connsiteY9"/>
-                </a:cxn>
-                <a:cxn ang="0">
-                  <a:pos x="connsiteX10" y="connsiteY10"/>
-                </a:cxn>
-                <a:cxn ang="0">
-                  <a:pos x="connsiteX11" y="connsiteY11"/>
-                </a:cxn>
-                <a:cxn ang="0">
-                  <a:pos x="connsiteX12" y="connsiteY12"/>
-                </a:cxn>
-                <a:cxn ang="0">
-                  <a:pos x="connsiteX13" y="connsiteY13"/>
-                </a:cxn>
-                <a:cxn ang="0">
-                  <a:pos x="connsiteX14" y="connsiteY14"/>
-                </a:cxn>
-                <a:cxn ang="0">
-                  <a:pos x="connsiteX15" y="connsiteY15"/>
-                </a:cxn>
-                <a:cxn ang="0">
-                  <a:pos x="connsiteX16" y="connsiteY16"/>
-                </a:cxn>
-                <a:cxn ang="0">
-                  <a:pos x="connsiteX17" y="connsiteY17"/>
-                </a:cxn>
-                <a:cxn ang="0">
-                  <a:pos x="connsiteX18" y="connsiteY18"/>
-                </a:cxn>
-                <a:cxn ang="0">
-                  <a:pos x="connsiteX19" y="connsiteY19"/>
-                </a:cxn>
-              </a:cxnLst>
-              <a:rect l="l" t="t" r="r" b="b"/>
-              <a:pathLst>
-                <a:path w="2002965" h="659277">
-                  <a:moveTo>
-                    <a:pt x="3468" y="0"/>
-                  </a:moveTo>
-                  <a:cubicBezTo>
-                    <a:pt x="-27286" y="20504"/>
-                    <a:pt x="153622" y="130259"/>
-                    <a:pt x="263976" y="199006"/>
-                  </a:cubicBezTo>
-                  <a:cubicBezTo>
-                    <a:pt x="374330" y="267753"/>
-                    <a:pt x="521469" y="349767"/>
-                    <a:pt x="665592" y="412484"/>
-                  </a:cubicBezTo>
-                  <a:cubicBezTo>
-                    <a:pt x="809715" y="475201"/>
-                    <a:pt x="983892" y="536165"/>
-                    <a:pt x="1128717" y="575307"/>
-                  </a:cubicBezTo>
-                  <a:cubicBezTo>
-                    <a:pt x="1273542" y="614449"/>
-                    <a:pt x="1393769" y="635078"/>
-                    <a:pt x="1534540" y="647335"/>
-                  </a:cubicBezTo>
-                  <a:cubicBezTo>
-                    <a:pt x="1675311" y="659592"/>
-                    <a:pt x="1839405" y="664810"/>
-                    <a:pt x="1917476" y="651291"/>
-                  </a:cubicBezTo>
-                  <a:cubicBezTo>
-                    <a:pt x="1995547" y="637772"/>
-                    <a:pt x="1976824" y="598376"/>
-                    <a:pt x="2002965" y="566219"/>
-                  </a:cubicBezTo>
-                  <a:lnTo>
-                    <a:pt x="1924326" y="541856"/>
-                  </a:lnTo>
-                  <a:cubicBezTo>
-                    <a:pt x="1879099" y="529192"/>
-                    <a:pt x="1820927" y="551344"/>
-                    <a:pt x="1718477" y="542742"/>
-                  </a:cubicBezTo>
-                  <a:cubicBezTo>
-                    <a:pt x="1616027" y="534140"/>
-                    <a:pt x="1446106" y="519311"/>
-                    <a:pt x="1309625" y="490241"/>
-                  </a:cubicBezTo>
-                  <a:cubicBezTo>
-                    <a:pt x="1173144" y="461171"/>
-                    <a:pt x="1068414" y="425751"/>
-                    <a:pt x="947808" y="387156"/>
-                  </a:cubicBezTo>
-                  <a:cubicBezTo>
-                    <a:pt x="1070826" y="389568"/>
-                    <a:pt x="1194124" y="395234"/>
-                    <a:pt x="1316861" y="381266"/>
-                  </a:cubicBezTo>
-                  <a:cubicBezTo>
-                    <a:pt x="1439598" y="367298"/>
-                    <a:pt x="1640210" y="332895"/>
-                    <a:pt x="1684231" y="303346"/>
-                  </a:cubicBezTo>
-                  <a:lnTo>
-                    <a:pt x="1626290" y="232865"/>
-                  </a:lnTo>
-                  <a:cubicBezTo>
-                    <a:pt x="1594933" y="217186"/>
-                    <a:pt x="1547531" y="235405"/>
-                    <a:pt x="1479678" y="238807"/>
-                  </a:cubicBezTo>
-                  <a:cubicBezTo>
-                    <a:pt x="1411825" y="242210"/>
-                    <a:pt x="1313095" y="254264"/>
-                    <a:pt x="1219171" y="253280"/>
-                  </a:cubicBezTo>
-                  <a:cubicBezTo>
-                    <a:pt x="1125247" y="252296"/>
-                    <a:pt x="1017144" y="239693"/>
-                    <a:pt x="916131" y="232900"/>
-                  </a:cubicBezTo>
-                  <a:cubicBezTo>
-                    <a:pt x="821456" y="220839"/>
-                    <a:pt x="729057" y="207067"/>
-                    <a:pt x="651119" y="180914"/>
-                  </a:cubicBezTo>
-                  <a:cubicBezTo>
-                    <a:pt x="573181" y="154761"/>
-                    <a:pt x="516041" y="110961"/>
-                    <a:pt x="448502" y="75984"/>
-                  </a:cubicBezTo>
-                  <a:lnTo>
-                    <a:pt x="3468" y="0"/>
-                  </a:lnTo>
-                  <a:close/>
-                </a:path>
-              </a:pathLst>
-            </a:custGeom>
-            <a:solidFill>
-              <a:srgbClr val="103869"/>
-            </a:solidFill>
-            <a:ln>
-              <a:noFill/>
-            </a:ln>
-            <a:effectLst/>
-          </p:spPr>
-          <p:style>
-            <a:lnRef idx="1">
-              <a:schemeClr val="accent1"/>
-            </a:lnRef>
-            <a:fillRef idx="3">
-              <a:schemeClr val="accent1"/>
-            </a:fillRef>
-            <a:effectRef idx="2">
-              <a:schemeClr val="accent1"/>
-            </a:effectRef>
-            <a:fontRef idx="minor">
-              <a:schemeClr val="lt1"/>
-            </a:fontRef>
-          </p:style>
-          <p:txBody>
-            <a:bodyPr rtlCol="0" anchor="ctr"/>
-            <a:lstStyle/>
-            <a:p>
-              <a:pPr algn="ctr"/>
-              <a:endParaRPr lang="en-US"/>
-            </a:p>
-          </p:txBody>
-        </p:sp>
-      </p:grpSp>
-      <p:sp>
-        <p:nvSpPr>
-          <p:cNvPr id="11" name="TextBox 10"/>
-          <p:cNvSpPr txBox="1"/>
-          <p:nvPr/>
-        </p:nvSpPr>
-        <p:spPr>
-          <a:xfrm>
-            <a:off x="3374725" y="3566547"/>
-            <a:ext cx="1741354" cy="1000274"/>
-          </a:xfrm>
-          <a:prstGeom prst="rect">
-            <a:avLst/>
-          </a:prstGeom>
-          <a:noFill/>
-        </p:spPr>
-        <p:txBody>
-          <a:bodyPr wrap="none" rtlCol="0">
-            <a:spAutoFit/>
-          </a:bodyPr>
-          <a:lstStyle/>
           <a:p>
             <a:r>
-              <a:rPr lang="en-US" sz="5900" dirty="0" smtClean="0">
+              <a:rPr lang="en-US" sz="7000" dirty="0" smtClean="0">
                 <a:solidFill>
-                  <a:srgbClr val="FFFFFF"/>
+                  <a:srgbClr val="103869"/>
                 </a:solidFill>
                 <a:latin typeface="Chalkduster"/>
                 <a:cs typeface="Chalkduster"/>
               </a:rPr>
-              <a:t>NDX</a:t>
+              <a:t>Extensions </a:t>
             </a:r>
-            <a:endParaRPr lang="en-US" sz="5900" dirty="0">
+          </a:p>
+          <a:p>
+            <a:r>
+              <a:rPr lang="en-US" sz="7000" dirty="0" smtClean="0">
+                <a:solidFill>
+                  <a:srgbClr val="C55C1F"/>
+                </a:solidFill>
+                <a:latin typeface="Chalkduster"/>
+                <a:cs typeface="Chalkduster"/>
+              </a:rPr>
+              <a:t>Catalog</a:t>
+            </a:r>
+            <a:endParaRPr lang="en-US" sz="7000" dirty="0" smtClean="0">
               <a:solidFill>
-                <a:srgbClr val="FFFFFF"/>
+                <a:srgbClr val="C55C1F"/>
               </a:solidFill>
               <a:latin typeface="Chalkduster"/>
               <a:cs typeface="Chalkduster"/>
@@ -14352,7 +11736,7 @@
     </p:spTree>
     <p:extLst>
       <p:ext uri="{BB962C8B-B14F-4D97-AF65-F5344CB8AC3E}">
-        <p14:creationId xmlns:p14="http://schemas.microsoft.com/office/powerpoint/2010/main" val="1911949093"/>
+        <p14:creationId xmlns:p14="http://schemas.microsoft.com/office/powerpoint/2010/main" val="2035212732"/>
       </p:ext>
     </p:extLst>
   </p:cSld>

--- a/images/nwb-extensions-catalog-logo.pptx
+++ b/images/nwb-extensions-catalog-logo.pptx
@@ -8,7 +8,7 @@
     <p:notesMasterId r:id="rId5"/>
   </p:notesMasterIdLst>
   <p:sldIdLst>
-    <p:sldId id="258" r:id="rId2"/>
+    <p:sldId id="261" r:id="rId2"/>
     <p:sldId id="260" r:id="rId3"/>
     <p:sldId id="259" r:id="rId4"/>
   </p:sldIdLst>
@@ -3687,8 +3687,8 @@
         </p:blipFill>
         <p:spPr>
           <a:xfrm>
-            <a:off x="2348613" y="1382287"/>
-            <a:ext cx="4135624" cy="535621"/>
+            <a:off x="2479549" y="4571634"/>
+            <a:ext cx="3765713" cy="487712"/>
           </a:xfrm>
           <a:prstGeom prst="rect">
             <a:avLst/>
@@ -3703,7 +3703,7 @@
         </p:nvGrpSpPr>
         <p:grpSpPr>
           <a:xfrm>
-            <a:off x="2449184" y="2154425"/>
+            <a:off x="2331956" y="759860"/>
             <a:ext cx="3513666" cy="3490022"/>
             <a:chOff x="2229557" y="2154425"/>
             <a:chExt cx="3513666" cy="3490022"/>
@@ -6355,7 +6355,7 @@
     </p:spTree>
     <p:extLst>
       <p:ext uri="{BB962C8B-B14F-4D97-AF65-F5344CB8AC3E}">
-        <p14:creationId xmlns:p14="http://schemas.microsoft.com/office/powerpoint/2010/main" val="978007361"/>
+        <p14:creationId xmlns:p14="http://schemas.microsoft.com/office/powerpoint/2010/main" val="691200680"/>
       </p:ext>
     </p:extLst>
   </p:cSld>

--- a/images/nwb-extensions-catalog-logo.pptx
+++ b/images/nwb-extensions-catalog-logo.pptx
@@ -8,7 +8,7 @@
     <p:notesMasterId r:id="rId5"/>
   </p:notesMasterIdLst>
   <p:sldIdLst>
-    <p:sldId id="261" r:id="rId2"/>
+    <p:sldId id="262" r:id="rId2"/>
     <p:sldId id="260" r:id="rId3"/>
     <p:sldId id="259" r:id="rId4"/>
   </p:sldIdLst>
@@ -109,6 +109,22 @@
       </a:defRPr>
     </a:lvl9pPr>
   </p:defaultTextStyle>
+  <p:extLst>
+    <p:ext uri="{EFAFB233-063F-42B5-8137-9DF3F51BA10A}">
+      <p15:sldGuideLst xmlns:p15="http://schemas.microsoft.com/office/powerpoint/2012/main">
+        <p15:guide id="1" orient="horz" pos="2488">
+          <p15:clr>
+            <a:srgbClr val="A4A3A4"/>
+          </p15:clr>
+        </p15:guide>
+        <p15:guide id="2" pos="2785">
+          <p15:clr>
+            <a:srgbClr val="A4A3A4"/>
+          </p15:clr>
+        </p15:guide>
+      </p15:sldGuideLst>
+    </p:ext>
+  </p:extLst>
 </p:presentation>
 </file>
 
@@ -194,7 +210,7 @@
           <a:p>
             <a:fld id="{3B59C6A5-8796-F142-97C9-556B5012A7FF}" type="datetimeFigureOut">
               <a:rPr lang="en-US" smtClean="0"/>
-              <a:t>4/24/19</a:t>
+              <a:t>10/14/2019</a:t>
             </a:fld>
             <a:endParaRPr lang="en-US"/>
           </a:p>
@@ -258,38 +274,37 @@
           <a:p>
             <a:pPr lvl="0"/>
             <a:r>
-              <a:rPr lang="en-US" smtClean="0"/>
+              <a:rPr lang="en-US"/>
               <a:t>Click to edit Master text styles</a:t>
             </a:r>
           </a:p>
           <a:p>
             <a:pPr lvl="1"/>
             <a:r>
-              <a:rPr lang="en-US" smtClean="0"/>
+              <a:rPr lang="en-US"/>
               <a:t>Second level</a:t>
             </a:r>
           </a:p>
           <a:p>
             <a:pPr lvl="2"/>
             <a:r>
-              <a:rPr lang="en-US" smtClean="0"/>
+              <a:rPr lang="en-US"/>
               <a:t>Third level</a:t>
             </a:r>
           </a:p>
           <a:p>
             <a:pPr lvl="3"/>
             <a:r>
-              <a:rPr lang="en-US" smtClean="0"/>
+              <a:rPr lang="en-US"/>
               <a:t>Fourth level</a:t>
             </a:r>
           </a:p>
           <a:p>
             <a:pPr lvl="4"/>
             <a:r>
-              <a:rPr lang="en-US" smtClean="0"/>
+              <a:rPr lang="en-US"/>
               <a:t>Fifth level</a:t>
             </a:r>
-            <a:endParaRPr lang="en-US"/>
           </a:p>
         </p:txBody>
       </p:sp>
@@ -536,7 +551,7 @@
     </p:spTree>
     <p:extLst>
       <p:ext uri="{BB962C8B-B14F-4D97-AF65-F5344CB8AC3E}">
-        <p14:creationId xmlns:p14="http://schemas.microsoft.com/office/powerpoint/2010/main" val="1119076595"/>
+        <p14:creationId xmlns:p14="http://schemas.microsoft.com/office/powerpoint/2010/main" val="1243942134"/>
       </p:ext>
     </p:extLst>
   </p:cSld>
@@ -668,10 +683,9 @@
           <a:lstStyle/>
           <a:p>
             <a:r>
-              <a:rPr lang="en-US" smtClean="0"/>
+              <a:rPr lang="en-US"/>
               <a:t>Click to edit Master title style</a:t>
             </a:r>
-            <a:endParaRPr lang="en-US"/>
           </a:p>
         </p:txBody>
       </p:sp>
@@ -787,10 +801,9 @@
           </a:lstStyle>
           <a:p>
             <a:r>
-              <a:rPr lang="en-US" smtClean="0"/>
+              <a:rPr lang="en-US"/>
               <a:t>Click to edit Master subtitle style</a:t>
             </a:r>
-            <a:endParaRPr lang="en-US"/>
           </a:p>
         </p:txBody>
       </p:sp>
@@ -811,7 +824,7 @@
           <a:p>
             <a:fld id="{3D2E2750-90BD-D745-915F-D98A53A98FED}" type="datetimeFigureOut">
               <a:rPr lang="en-US" smtClean="0"/>
-              <a:t>4/24/19</a:t>
+              <a:t>10/14/2019</a:t>
             </a:fld>
             <a:endParaRPr lang="en-US"/>
           </a:p>
@@ -905,10 +918,9 @@
           <a:lstStyle/>
           <a:p>
             <a:r>
-              <a:rPr lang="en-US" smtClean="0"/>
+              <a:rPr lang="en-US"/>
               <a:t>Click to edit Master title style</a:t>
             </a:r>
-            <a:endParaRPr lang="en-US"/>
           </a:p>
         </p:txBody>
       </p:sp>
@@ -929,38 +941,37 @@
           <a:p>
             <a:pPr lvl="0"/>
             <a:r>
-              <a:rPr lang="en-US" smtClean="0"/>
+              <a:rPr lang="en-US"/>
               <a:t>Click to edit Master text styles</a:t>
             </a:r>
           </a:p>
           <a:p>
             <a:pPr lvl="1"/>
             <a:r>
-              <a:rPr lang="en-US" smtClean="0"/>
+              <a:rPr lang="en-US"/>
               <a:t>Second level</a:t>
             </a:r>
           </a:p>
           <a:p>
             <a:pPr lvl="2"/>
             <a:r>
-              <a:rPr lang="en-US" smtClean="0"/>
+              <a:rPr lang="en-US"/>
               <a:t>Third level</a:t>
             </a:r>
           </a:p>
           <a:p>
             <a:pPr lvl="3"/>
             <a:r>
-              <a:rPr lang="en-US" smtClean="0"/>
+              <a:rPr lang="en-US"/>
               <a:t>Fourth level</a:t>
             </a:r>
           </a:p>
           <a:p>
             <a:pPr lvl="4"/>
             <a:r>
-              <a:rPr lang="en-US" smtClean="0"/>
+              <a:rPr lang="en-US"/>
               <a:t>Fifth level</a:t>
             </a:r>
-            <a:endParaRPr lang="en-US"/>
           </a:p>
         </p:txBody>
       </p:sp>
@@ -981,7 +992,7 @@
           <a:p>
             <a:fld id="{3D2E2750-90BD-D745-915F-D98A53A98FED}" type="datetimeFigureOut">
               <a:rPr lang="en-US" smtClean="0"/>
-              <a:t>4/24/19</a:t>
+              <a:t>10/14/2019</a:t>
             </a:fld>
             <a:endParaRPr lang="en-US"/>
           </a:p>
@@ -1080,10 +1091,9 @@
           <a:lstStyle/>
           <a:p>
             <a:r>
-              <a:rPr lang="en-US" smtClean="0"/>
+              <a:rPr lang="en-US"/>
               <a:t>Click to edit Master title style</a:t>
             </a:r>
-            <a:endParaRPr lang="en-US"/>
           </a:p>
         </p:txBody>
       </p:sp>
@@ -1109,38 +1119,37 @@
           <a:p>
             <a:pPr lvl="0"/>
             <a:r>
-              <a:rPr lang="en-US" smtClean="0"/>
+              <a:rPr lang="en-US"/>
               <a:t>Click to edit Master text styles</a:t>
             </a:r>
           </a:p>
           <a:p>
             <a:pPr lvl="1"/>
             <a:r>
-              <a:rPr lang="en-US" smtClean="0"/>
+              <a:rPr lang="en-US"/>
               <a:t>Second level</a:t>
             </a:r>
           </a:p>
           <a:p>
             <a:pPr lvl="2"/>
             <a:r>
-              <a:rPr lang="en-US" smtClean="0"/>
+              <a:rPr lang="en-US"/>
               <a:t>Third level</a:t>
             </a:r>
           </a:p>
           <a:p>
             <a:pPr lvl="3"/>
             <a:r>
-              <a:rPr lang="en-US" smtClean="0"/>
+              <a:rPr lang="en-US"/>
               <a:t>Fourth level</a:t>
             </a:r>
           </a:p>
           <a:p>
             <a:pPr lvl="4"/>
             <a:r>
-              <a:rPr lang="en-US" smtClean="0"/>
+              <a:rPr lang="en-US"/>
               <a:t>Fifth level</a:t>
             </a:r>
-            <a:endParaRPr lang="en-US"/>
           </a:p>
         </p:txBody>
       </p:sp>
@@ -1161,7 +1170,7 @@
           <a:p>
             <a:fld id="{3D2E2750-90BD-D745-915F-D98A53A98FED}" type="datetimeFigureOut">
               <a:rPr lang="en-US" smtClean="0"/>
-              <a:t>4/24/19</a:t>
+              <a:t>10/14/2019</a:t>
             </a:fld>
             <a:endParaRPr lang="en-US"/>
           </a:p>
@@ -1255,10 +1264,9 @@
           <a:lstStyle/>
           <a:p>
             <a:r>
-              <a:rPr lang="en-US" smtClean="0"/>
+              <a:rPr lang="en-US"/>
               <a:t>Click to edit Master title style</a:t>
             </a:r>
-            <a:endParaRPr lang="en-US"/>
           </a:p>
         </p:txBody>
       </p:sp>
@@ -1279,38 +1287,37 @@
           <a:p>
             <a:pPr lvl="0"/>
             <a:r>
-              <a:rPr lang="en-US" smtClean="0"/>
+              <a:rPr lang="en-US"/>
               <a:t>Click to edit Master text styles</a:t>
             </a:r>
           </a:p>
           <a:p>
             <a:pPr lvl="1"/>
             <a:r>
-              <a:rPr lang="en-US" smtClean="0"/>
+              <a:rPr lang="en-US"/>
               <a:t>Second level</a:t>
             </a:r>
           </a:p>
           <a:p>
             <a:pPr lvl="2"/>
             <a:r>
-              <a:rPr lang="en-US" smtClean="0"/>
+              <a:rPr lang="en-US"/>
               <a:t>Third level</a:t>
             </a:r>
           </a:p>
           <a:p>
             <a:pPr lvl="3"/>
             <a:r>
-              <a:rPr lang="en-US" smtClean="0"/>
+              <a:rPr lang="en-US"/>
               <a:t>Fourth level</a:t>
             </a:r>
           </a:p>
           <a:p>
             <a:pPr lvl="4"/>
             <a:r>
-              <a:rPr lang="en-US" smtClean="0"/>
+              <a:rPr lang="en-US"/>
               <a:t>Fifth level</a:t>
             </a:r>
-            <a:endParaRPr lang="en-US"/>
           </a:p>
         </p:txBody>
       </p:sp>
@@ -1331,7 +1338,7 @@
           <a:p>
             <a:fld id="{3D2E2750-90BD-D745-915F-D98A53A98FED}" type="datetimeFigureOut">
               <a:rPr lang="en-US" smtClean="0"/>
-              <a:t>4/24/19</a:t>
+              <a:t>10/14/2019</a:t>
             </a:fld>
             <a:endParaRPr lang="en-US"/>
           </a:p>
@@ -1434,10 +1441,9 @@
           </a:lstStyle>
           <a:p>
             <a:r>
-              <a:rPr lang="en-US" smtClean="0"/>
+              <a:rPr lang="en-US"/>
               <a:t>Click to edit Master title style</a:t>
             </a:r>
-            <a:endParaRPr lang="en-US"/>
           </a:p>
         </p:txBody>
       </p:sp>
@@ -1554,7 +1560,7 @@
           <a:p>
             <a:pPr lvl="0"/>
             <a:r>
-              <a:rPr lang="en-US" smtClean="0"/>
+              <a:rPr lang="en-US"/>
               <a:t>Click to edit Master text styles</a:t>
             </a:r>
           </a:p>
@@ -1577,7 +1583,7 @@
           <a:p>
             <a:fld id="{3D2E2750-90BD-D745-915F-D98A53A98FED}" type="datetimeFigureOut">
               <a:rPr lang="en-US" smtClean="0"/>
-              <a:t>4/24/19</a:t>
+              <a:t>10/14/2019</a:t>
             </a:fld>
             <a:endParaRPr lang="en-US"/>
           </a:p>
@@ -1671,10 +1677,9 @@
           <a:lstStyle/>
           <a:p>
             <a:r>
-              <a:rPr lang="en-US" smtClean="0"/>
+              <a:rPr lang="en-US"/>
               <a:t>Click to edit Master title style</a:t>
             </a:r>
-            <a:endParaRPr lang="en-US"/>
           </a:p>
         </p:txBody>
       </p:sp>
@@ -1728,38 +1733,37 @@
           <a:p>
             <a:pPr lvl="0"/>
             <a:r>
-              <a:rPr lang="en-US" smtClean="0"/>
+              <a:rPr lang="en-US"/>
               <a:t>Click to edit Master text styles</a:t>
             </a:r>
           </a:p>
           <a:p>
             <a:pPr lvl="1"/>
             <a:r>
-              <a:rPr lang="en-US" smtClean="0"/>
+              <a:rPr lang="en-US"/>
               <a:t>Second level</a:t>
             </a:r>
           </a:p>
           <a:p>
             <a:pPr lvl="2"/>
             <a:r>
-              <a:rPr lang="en-US" smtClean="0"/>
+              <a:rPr lang="en-US"/>
               <a:t>Third level</a:t>
             </a:r>
           </a:p>
           <a:p>
             <a:pPr lvl="3"/>
             <a:r>
-              <a:rPr lang="en-US" smtClean="0"/>
+              <a:rPr lang="en-US"/>
               <a:t>Fourth level</a:t>
             </a:r>
           </a:p>
           <a:p>
             <a:pPr lvl="4"/>
             <a:r>
-              <a:rPr lang="en-US" smtClean="0"/>
+              <a:rPr lang="en-US"/>
               <a:t>Fifth level</a:t>
             </a:r>
-            <a:endParaRPr lang="en-US"/>
           </a:p>
         </p:txBody>
       </p:sp>
@@ -1813,38 +1817,37 @@
           <a:p>
             <a:pPr lvl="0"/>
             <a:r>
-              <a:rPr lang="en-US" smtClean="0"/>
+              <a:rPr lang="en-US"/>
               <a:t>Click to edit Master text styles</a:t>
             </a:r>
           </a:p>
           <a:p>
             <a:pPr lvl="1"/>
             <a:r>
-              <a:rPr lang="en-US" smtClean="0"/>
+              <a:rPr lang="en-US"/>
               <a:t>Second level</a:t>
             </a:r>
           </a:p>
           <a:p>
             <a:pPr lvl="2"/>
             <a:r>
-              <a:rPr lang="en-US" smtClean="0"/>
+              <a:rPr lang="en-US"/>
               <a:t>Third level</a:t>
             </a:r>
           </a:p>
           <a:p>
             <a:pPr lvl="3"/>
             <a:r>
-              <a:rPr lang="en-US" smtClean="0"/>
+              <a:rPr lang="en-US"/>
               <a:t>Fourth level</a:t>
             </a:r>
           </a:p>
           <a:p>
             <a:pPr lvl="4"/>
             <a:r>
-              <a:rPr lang="en-US" smtClean="0"/>
+              <a:rPr lang="en-US"/>
               <a:t>Fifth level</a:t>
             </a:r>
-            <a:endParaRPr lang="en-US"/>
           </a:p>
         </p:txBody>
       </p:sp>
@@ -1865,7 +1868,7 @@
           <a:p>
             <a:fld id="{3D2E2750-90BD-D745-915F-D98A53A98FED}" type="datetimeFigureOut">
               <a:rPr lang="en-US" smtClean="0"/>
-              <a:t>4/24/19</a:t>
+              <a:t>10/14/2019</a:t>
             </a:fld>
             <a:endParaRPr lang="en-US"/>
           </a:p>
@@ -1963,10 +1966,9 @@
           </a:lstStyle>
           <a:p>
             <a:r>
-              <a:rPr lang="en-US" smtClean="0"/>
+              <a:rPr lang="en-US"/>
               <a:t>Click to edit Master title style</a:t>
             </a:r>
-            <a:endParaRPr lang="en-US"/>
           </a:p>
         </p:txBody>
       </p:sp>
@@ -2029,7 +2031,7 @@
           <a:p>
             <a:pPr lvl="0"/>
             <a:r>
-              <a:rPr lang="en-US" smtClean="0"/>
+              <a:rPr lang="en-US"/>
               <a:t>Click to edit Master text styles</a:t>
             </a:r>
           </a:p>
@@ -2085,38 +2087,37 @@
           <a:p>
             <a:pPr lvl="0"/>
             <a:r>
-              <a:rPr lang="en-US" smtClean="0"/>
+              <a:rPr lang="en-US"/>
               <a:t>Click to edit Master text styles</a:t>
             </a:r>
           </a:p>
           <a:p>
             <a:pPr lvl="1"/>
             <a:r>
-              <a:rPr lang="en-US" smtClean="0"/>
+              <a:rPr lang="en-US"/>
               <a:t>Second level</a:t>
             </a:r>
           </a:p>
           <a:p>
             <a:pPr lvl="2"/>
             <a:r>
-              <a:rPr lang="en-US" smtClean="0"/>
+              <a:rPr lang="en-US"/>
               <a:t>Third level</a:t>
             </a:r>
           </a:p>
           <a:p>
             <a:pPr lvl="3"/>
             <a:r>
-              <a:rPr lang="en-US" smtClean="0"/>
+              <a:rPr lang="en-US"/>
               <a:t>Fourth level</a:t>
             </a:r>
           </a:p>
           <a:p>
             <a:pPr lvl="4"/>
             <a:r>
-              <a:rPr lang="en-US" smtClean="0"/>
+              <a:rPr lang="en-US"/>
               <a:t>Fifth level</a:t>
             </a:r>
-            <a:endParaRPr lang="en-US"/>
           </a:p>
         </p:txBody>
       </p:sp>
@@ -2179,7 +2180,7 @@
           <a:p>
             <a:pPr lvl="0"/>
             <a:r>
-              <a:rPr lang="en-US" smtClean="0"/>
+              <a:rPr lang="en-US"/>
               <a:t>Click to edit Master text styles</a:t>
             </a:r>
           </a:p>
@@ -2235,38 +2236,37 @@
           <a:p>
             <a:pPr lvl="0"/>
             <a:r>
-              <a:rPr lang="en-US" smtClean="0"/>
+              <a:rPr lang="en-US"/>
               <a:t>Click to edit Master text styles</a:t>
             </a:r>
           </a:p>
           <a:p>
             <a:pPr lvl="1"/>
             <a:r>
-              <a:rPr lang="en-US" smtClean="0"/>
+              <a:rPr lang="en-US"/>
               <a:t>Second level</a:t>
             </a:r>
           </a:p>
           <a:p>
             <a:pPr lvl="2"/>
             <a:r>
-              <a:rPr lang="en-US" smtClean="0"/>
+              <a:rPr lang="en-US"/>
               <a:t>Third level</a:t>
             </a:r>
           </a:p>
           <a:p>
             <a:pPr lvl="3"/>
             <a:r>
-              <a:rPr lang="en-US" smtClean="0"/>
+              <a:rPr lang="en-US"/>
               <a:t>Fourth level</a:t>
             </a:r>
           </a:p>
           <a:p>
             <a:pPr lvl="4"/>
             <a:r>
-              <a:rPr lang="en-US" smtClean="0"/>
+              <a:rPr lang="en-US"/>
               <a:t>Fifth level</a:t>
             </a:r>
-            <a:endParaRPr lang="en-US"/>
           </a:p>
         </p:txBody>
       </p:sp>
@@ -2287,7 +2287,7 @@
           <a:p>
             <a:fld id="{3D2E2750-90BD-D745-915F-D98A53A98FED}" type="datetimeFigureOut">
               <a:rPr lang="en-US" smtClean="0"/>
-              <a:t>4/24/19</a:t>
+              <a:t>10/14/2019</a:t>
             </a:fld>
             <a:endParaRPr lang="en-US"/>
           </a:p>
@@ -2381,10 +2381,9 @@
           <a:lstStyle/>
           <a:p>
             <a:r>
-              <a:rPr lang="en-US" smtClean="0"/>
+              <a:rPr lang="en-US"/>
               <a:t>Click to edit Master title style</a:t>
             </a:r>
-            <a:endParaRPr lang="en-US"/>
           </a:p>
         </p:txBody>
       </p:sp>
@@ -2405,7 +2404,7 @@
           <a:p>
             <a:fld id="{3D2E2750-90BD-D745-915F-D98A53A98FED}" type="datetimeFigureOut">
               <a:rPr lang="en-US" smtClean="0"/>
-              <a:t>4/24/19</a:t>
+              <a:t>10/14/2019</a:t>
             </a:fld>
             <a:endParaRPr lang="en-US"/>
           </a:p>
@@ -2500,7 +2499,7 @@
           <a:p>
             <a:fld id="{3D2E2750-90BD-D745-915F-D98A53A98FED}" type="datetimeFigureOut">
               <a:rPr lang="en-US" smtClean="0"/>
-              <a:t>4/24/19</a:t>
+              <a:t>10/14/2019</a:t>
             </a:fld>
             <a:endParaRPr lang="en-US"/>
           </a:p>
@@ -2603,10 +2602,9 @@
           </a:lstStyle>
           <a:p>
             <a:r>
-              <a:rPr lang="en-US" smtClean="0"/>
+              <a:rPr lang="en-US"/>
               <a:t>Click to edit Master title style</a:t>
             </a:r>
-            <a:endParaRPr lang="en-US"/>
           </a:p>
         </p:txBody>
       </p:sp>
@@ -2660,38 +2658,37 @@
           <a:p>
             <a:pPr lvl="0"/>
             <a:r>
-              <a:rPr lang="en-US" smtClean="0"/>
+              <a:rPr lang="en-US"/>
               <a:t>Click to edit Master text styles</a:t>
             </a:r>
           </a:p>
           <a:p>
             <a:pPr lvl="1"/>
             <a:r>
-              <a:rPr lang="en-US" smtClean="0"/>
+              <a:rPr lang="en-US"/>
               <a:t>Second level</a:t>
             </a:r>
           </a:p>
           <a:p>
             <a:pPr lvl="2"/>
             <a:r>
-              <a:rPr lang="en-US" smtClean="0"/>
+              <a:rPr lang="en-US"/>
               <a:t>Third level</a:t>
             </a:r>
           </a:p>
           <a:p>
             <a:pPr lvl="3"/>
             <a:r>
-              <a:rPr lang="en-US" smtClean="0"/>
+              <a:rPr lang="en-US"/>
               <a:t>Fourth level</a:t>
             </a:r>
           </a:p>
           <a:p>
             <a:pPr lvl="4"/>
             <a:r>
-              <a:rPr lang="en-US" smtClean="0"/>
+              <a:rPr lang="en-US"/>
               <a:t>Fifth level</a:t>
             </a:r>
-            <a:endParaRPr lang="en-US"/>
           </a:p>
         </p:txBody>
       </p:sp>
@@ -2754,7 +2751,7 @@
           <a:p>
             <a:pPr lvl="0"/>
             <a:r>
-              <a:rPr lang="en-US" smtClean="0"/>
+              <a:rPr lang="en-US"/>
               <a:t>Click to edit Master text styles</a:t>
             </a:r>
           </a:p>
@@ -2777,7 +2774,7 @@
           <a:p>
             <a:fld id="{3D2E2750-90BD-D745-915F-D98A53A98FED}" type="datetimeFigureOut">
               <a:rPr lang="en-US" smtClean="0"/>
-              <a:t>4/24/19</a:t>
+              <a:t>10/14/2019</a:t>
             </a:fld>
             <a:endParaRPr lang="en-US"/>
           </a:p>
@@ -2880,10 +2877,9 @@
           </a:lstStyle>
           <a:p>
             <a:r>
-              <a:rPr lang="en-US" smtClean="0"/>
+              <a:rPr lang="en-US"/>
               <a:t>Click to edit Master title style</a:t>
             </a:r>
-            <a:endParaRPr lang="en-US"/>
           </a:p>
         </p:txBody>
       </p:sp>
@@ -3007,7 +3003,7 @@
           <a:p>
             <a:pPr lvl="0"/>
             <a:r>
-              <a:rPr lang="en-US" smtClean="0"/>
+              <a:rPr lang="en-US"/>
               <a:t>Click to edit Master text styles</a:t>
             </a:r>
           </a:p>
@@ -3030,7 +3026,7 @@
           <a:p>
             <a:fld id="{3D2E2750-90BD-D745-915F-D98A53A98FED}" type="datetimeFigureOut">
               <a:rPr lang="en-US" smtClean="0"/>
-              <a:t>4/24/19</a:t>
+              <a:t>10/14/2019</a:t>
             </a:fld>
             <a:endParaRPr lang="en-US"/>
           </a:p>
@@ -3139,10 +3135,9 @@
           <a:lstStyle/>
           <a:p>
             <a:r>
-              <a:rPr lang="en-US" smtClean="0"/>
+              <a:rPr lang="en-US"/>
               <a:t>Click to edit Master title style</a:t>
             </a:r>
-            <a:endParaRPr lang="en-US"/>
           </a:p>
         </p:txBody>
       </p:sp>
@@ -3173,38 +3168,37 @@
           <a:p>
             <a:pPr lvl="0"/>
             <a:r>
-              <a:rPr lang="en-US" smtClean="0"/>
+              <a:rPr lang="en-US"/>
               <a:t>Click to edit Master text styles</a:t>
             </a:r>
           </a:p>
           <a:p>
             <a:pPr lvl="1"/>
             <a:r>
-              <a:rPr lang="en-US" smtClean="0"/>
+              <a:rPr lang="en-US"/>
               <a:t>Second level</a:t>
             </a:r>
           </a:p>
           <a:p>
             <a:pPr lvl="2"/>
             <a:r>
-              <a:rPr lang="en-US" smtClean="0"/>
+              <a:rPr lang="en-US"/>
               <a:t>Third level</a:t>
             </a:r>
           </a:p>
           <a:p>
             <a:pPr lvl="3"/>
             <a:r>
-              <a:rPr lang="en-US" smtClean="0"/>
+              <a:rPr lang="en-US"/>
               <a:t>Fourth level</a:t>
             </a:r>
           </a:p>
           <a:p>
             <a:pPr lvl="4"/>
             <a:r>
-              <a:rPr lang="en-US" smtClean="0"/>
+              <a:rPr lang="en-US"/>
               <a:t>Fifth level</a:t>
             </a:r>
-            <a:endParaRPr lang="en-US"/>
           </a:p>
         </p:txBody>
       </p:sp>
@@ -3243,7 +3237,7 @@
           <a:p>
             <a:fld id="{3D2E2750-90BD-D745-915F-D98A53A98FED}" type="datetimeFigureOut">
               <a:rPr lang="en-US" smtClean="0"/>
-              <a:t>4/24/19</a:t>
+              <a:t>10/14/2019</a:t>
             </a:fld>
             <a:endParaRPr lang="en-US"/>
           </a:p>
@@ -3618,2598 +3612,4295 @@
           <a:chExt cx="0" cy="0"/>
         </a:xfrm>
       </p:grpSpPr>
-      <p:sp>
-        <p:nvSpPr>
-          <p:cNvPr id="9" name="Oval 8"/>
-          <p:cNvSpPr/>
-          <p:nvPr/>
-        </p:nvSpPr>
-        <p:spPr>
-          <a:xfrm>
-            <a:off x="1545614" y="213720"/>
-            <a:ext cx="5760720" cy="5760720"/>
-          </a:xfrm>
-          <a:prstGeom prst="ellipse">
-            <a:avLst/>
-          </a:prstGeom>
-          <a:solidFill>
-            <a:schemeClr val="bg1"/>
-          </a:solidFill>
-          <a:ln w="38100" cmpd="sng">
-            <a:solidFill>
-              <a:srgbClr val="103869"/>
-            </a:solidFill>
-          </a:ln>
-          <a:effectLst/>
-        </p:spPr>
-        <p:style>
-          <a:lnRef idx="1">
-            <a:schemeClr val="accent1"/>
-          </a:lnRef>
-          <a:fillRef idx="3">
-            <a:schemeClr val="accent1"/>
-          </a:fillRef>
-          <a:effectRef idx="2">
-            <a:schemeClr val="accent1"/>
-          </a:effectRef>
-          <a:fontRef idx="minor">
-            <a:schemeClr val="lt1"/>
-          </a:fontRef>
-        </p:style>
-        <p:txBody>
-          <a:bodyPr rtlCol="0" anchor="ctr"/>
-          <a:lstStyle/>
-          <a:p>
-            <a:pPr algn="ctr"/>
-            <a:endParaRPr lang="en-US" dirty="0"/>
-          </a:p>
-        </p:txBody>
-      </p:sp>
-      <p:pic>
-        <p:nvPicPr>
-          <p:cNvPr id="12" name="Picture 11" descr="nwb_n_logo.png"/>
-          <p:cNvPicPr>
-            <a:picLocks noChangeAspect="1"/>
-          </p:cNvPicPr>
-          <p:nvPr/>
-        </p:nvPicPr>
-        <p:blipFill>
-          <a:blip r:embed="rId3">
+      <p:grpSp>
+        <p:nvGrpSpPr>
+          <p:cNvPr id="33" name="Group 32">
             <a:extLst>
-              <a:ext uri="{28A0092B-C50C-407E-A947-70E740481C1C}">
-                <a14:useLocalDpi xmlns:a14="http://schemas.microsoft.com/office/drawing/2010/main" val="0"/>
+              <a:ext uri="{FF2B5EF4-FFF2-40B4-BE49-F238E27FC236}">
+                <a16:creationId xmlns:a16="http://schemas.microsoft.com/office/drawing/2014/main" id="{827BF71C-CEA1-42F0-A782-EC623BEB0BB5}"/>
               </a:ext>
             </a:extLst>
-          </a:blip>
-          <a:stretch>
-            <a:fillRect/>
-          </a:stretch>
-        </p:blipFill>
-        <p:spPr>
-          <a:xfrm>
-            <a:off x="2479549" y="4571634"/>
-            <a:ext cx="3765713" cy="487712"/>
-          </a:xfrm>
-          <a:prstGeom prst="rect">
-            <a:avLst/>
-          </a:prstGeom>
-        </p:spPr>
-      </p:pic>
-      <p:grpSp>
-        <p:nvGrpSpPr>
-          <p:cNvPr id="8" name="Group 7"/>
+          </p:cNvPr>
           <p:cNvGrpSpPr/>
           <p:nvPr/>
         </p:nvGrpSpPr>
         <p:grpSpPr>
           <a:xfrm>
-            <a:off x="2331956" y="759860"/>
-            <a:ext cx="3513666" cy="3490022"/>
-            <a:chOff x="2229557" y="2154425"/>
-            <a:chExt cx="3513666" cy="3490022"/>
+            <a:off x="2459343" y="1592051"/>
+            <a:ext cx="3482364" cy="3463259"/>
+            <a:chOff x="2291106" y="1229612"/>
+            <a:chExt cx="3482364" cy="3463259"/>
           </a:xfrm>
         </p:grpSpPr>
-        <p:grpSp>
-          <p:nvGrpSpPr>
-            <p:cNvPr id="3" name="Group 2"/>
-            <p:cNvGrpSpPr/>
+        <p:sp>
+          <p:nvSpPr>
+            <p:cNvPr id="15" name="Rounded Rectangle 14"/>
+            <p:cNvSpPr/>
             <p:nvPr/>
-          </p:nvGrpSpPr>
-          <p:grpSpPr>
-            <a:xfrm>
-              <a:off x="2229557" y="2154425"/>
-              <a:ext cx="3513666" cy="3490022"/>
-              <a:chOff x="3103094" y="3306749"/>
-              <a:chExt cx="2374775" cy="2783193"/>
+          </p:nvSpPr>
+          <p:spPr>
+            <a:xfrm rot="1840279">
+              <a:off x="5278679" y="1764352"/>
+              <a:ext cx="151143" cy="2558991"/>
             </a:xfrm>
-          </p:grpSpPr>
-          <p:sp>
-            <p:nvSpPr>
-              <p:cNvPr id="15" name="Rounded Rectangle 14"/>
-              <p:cNvSpPr/>
-              <p:nvPr/>
-            </p:nvSpPr>
-            <p:spPr>
-              <a:xfrm rot="1545911">
-                <a:off x="5079553" y="3551744"/>
-                <a:ext cx="112961" cy="2256640"/>
-              </a:xfrm>
-              <a:prstGeom prst="roundRect">
-                <a:avLst>
-                  <a:gd name="adj" fmla="val 50000"/>
-                </a:avLst>
-              </a:prstGeom>
-              <a:solidFill>
-                <a:srgbClr val="103869"/>
-              </a:solidFill>
-              <a:ln>
-                <a:noFill/>
-              </a:ln>
-              <a:effectLst/>
-            </p:spPr>
-            <p:style>
-              <a:lnRef idx="1">
-                <a:schemeClr val="accent1"/>
-              </a:lnRef>
-              <a:fillRef idx="3">
-                <a:schemeClr val="accent1"/>
-              </a:fillRef>
-              <a:effectRef idx="2">
-                <a:schemeClr val="accent1"/>
-              </a:effectRef>
-              <a:fontRef idx="minor">
-                <a:schemeClr val="lt1"/>
-              </a:fontRef>
-            </p:style>
-            <p:txBody>
-              <a:bodyPr rtlCol="0" anchor="ctr"/>
-              <a:lstStyle/>
-              <a:p>
-                <a:pPr algn="ctr"/>
-                <a:endParaRPr lang="en-US"/>
-              </a:p>
-            </p:txBody>
-          </p:sp>
-          <p:sp>
-            <p:nvSpPr>
-              <p:cNvPr id="16" name="Rounded Rectangle 15"/>
-              <p:cNvSpPr/>
-              <p:nvPr/>
-            </p:nvSpPr>
-            <p:spPr>
-              <a:xfrm rot="1545911">
-                <a:off x="5313332" y="4288597"/>
-                <a:ext cx="115819" cy="1801345"/>
-              </a:xfrm>
-              <a:prstGeom prst="roundRect">
-                <a:avLst>
-                  <a:gd name="adj" fmla="val 50000"/>
-                </a:avLst>
-              </a:prstGeom>
-              <a:solidFill>
-                <a:srgbClr val="103869"/>
-              </a:solidFill>
-              <a:ln>
-                <a:noFill/>
-              </a:ln>
-              <a:effectLst/>
-            </p:spPr>
-            <p:style>
-              <a:lnRef idx="1">
-                <a:schemeClr val="accent1"/>
-              </a:lnRef>
-              <a:fillRef idx="3">
-                <a:schemeClr val="accent1"/>
-              </a:fillRef>
-              <a:effectRef idx="2">
-                <a:schemeClr val="accent1"/>
-              </a:effectRef>
-              <a:fontRef idx="minor">
-                <a:schemeClr val="lt1"/>
-              </a:fontRef>
-            </p:style>
-            <p:txBody>
-              <a:bodyPr rtlCol="0" anchor="ctr"/>
-              <a:lstStyle/>
-              <a:p>
-                <a:pPr algn="ctr"/>
-                <a:endParaRPr lang="en-US"/>
-              </a:p>
-            </p:txBody>
-          </p:sp>
-          <p:sp>
-            <p:nvSpPr>
-              <p:cNvPr id="17" name="Freeform 16"/>
-              <p:cNvSpPr/>
-              <p:nvPr/>
-            </p:nvSpPr>
-            <p:spPr>
-              <a:xfrm>
-                <a:off x="3103094" y="3306749"/>
-                <a:ext cx="2374775" cy="2180066"/>
-              </a:xfrm>
-              <a:custGeom>
-                <a:avLst/>
-                <a:gdLst>
-                  <a:gd name="connsiteX0" fmla="*/ 2356684 w 2356684"/>
-                  <a:gd name="connsiteY0" fmla="*/ 69504 h 2179901"/>
-                  <a:gd name="connsiteX1" fmla="*/ 2325093 w 2356684"/>
-                  <a:gd name="connsiteY1" fmla="*/ 0 h 2179901"/>
-                  <a:gd name="connsiteX2" fmla="*/ 1901775 w 2356684"/>
-                  <a:gd name="connsiteY2" fmla="*/ 170601 h 2179901"/>
-                  <a:gd name="connsiteX3" fmla="*/ 1301547 w 2356684"/>
-                  <a:gd name="connsiteY3" fmla="*/ 265379 h 2179901"/>
-                  <a:gd name="connsiteX4" fmla="*/ 922455 w 2356684"/>
-                  <a:gd name="connsiteY4" fmla="*/ 278016 h 2179901"/>
-                  <a:gd name="connsiteX5" fmla="*/ 0 w 2356684"/>
-                  <a:gd name="connsiteY5" fmla="*/ 2085122 h 2179901"/>
-                  <a:gd name="connsiteX6" fmla="*/ 454909 w 2356684"/>
-                  <a:gd name="connsiteY6" fmla="*/ 2160945 h 2179901"/>
-                  <a:gd name="connsiteX7" fmla="*/ 852955 w 2356684"/>
-                  <a:gd name="connsiteY7" fmla="*/ 2179901 h 2179901"/>
-                  <a:gd name="connsiteX8" fmla="*/ 1168865 w 2356684"/>
-                  <a:gd name="connsiteY8" fmla="*/ 2129352 h 2179901"/>
-                  <a:gd name="connsiteX9" fmla="*/ 1333138 w 2356684"/>
-                  <a:gd name="connsiteY9" fmla="*/ 2078804 h 2179901"/>
-                  <a:gd name="connsiteX10" fmla="*/ 2356684 w 2356684"/>
-                  <a:gd name="connsiteY10" fmla="*/ 69504 h 2179901"/>
-                  <a:gd name="connsiteX0" fmla="*/ 2356684 w 2356684"/>
-                  <a:gd name="connsiteY0" fmla="*/ 69504 h 2179901"/>
-                  <a:gd name="connsiteX1" fmla="*/ 2325093 w 2356684"/>
-                  <a:gd name="connsiteY1" fmla="*/ 0 h 2179901"/>
-                  <a:gd name="connsiteX2" fmla="*/ 1901775 w 2356684"/>
-                  <a:gd name="connsiteY2" fmla="*/ 170601 h 2179901"/>
-                  <a:gd name="connsiteX3" fmla="*/ 1301547 w 2356684"/>
-                  <a:gd name="connsiteY3" fmla="*/ 265379 h 2179901"/>
-                  <a:gd name="connsiteX4" fmla="*/ 922455 w 2356684"/>
-                  <a:gd name="connsiteY4" fmla="*/ 278016 h 2179901"/>
-                  <a:gd name="connsiteX5" fmla="*/ 0 w 2356684"/>
-                  <a:gd name="connsiteY5" fmla="*/ 2085122 h 2179901"/>
-                  <a:gd name="connsiteX6" fmla="*/ 454909 w 2356684"/>
-                  <a:gd name="connsiteY6" fmla="*/ 2160945 h 2179901"/>
-                  <a:gd name="connsiteX7" fmla="*/ 852955 w 2356684"/>
-                  <a:gd name="connsiteY7" fmla="*/ 2179901 h 2179901"/>
-                  <a:gd name="connsiteX8" fmla="*/ 1168865 w 2356684"/>
-                  <a:gd name="connsiteY8" fmla="*/ 2129352 h 2179901"/>
-                  <a:gd name="connsiteX9" fmla="*/ 1333138 w 2356684"/>
-                  <a:gd name="connsiteY9" fmla="*/ 2078804 h 2179901"/>
-                  <a:gd name="connsiteX10" fmla="*/ 2356684 w 2356684"/>
-                  <a:gd name="connsiteY10" fmla="*/ 69504 h 2179901"/>
-                  <a:gd name="connsiteX0" fmla="*/ 2356684 w 2356684"/>
-                  <a:gd name="connsiteY0" fmla="*/ 69504 h 2179901"/>
-                  <a:gd name="connsiteX1" fmla="*/ 2325093 w 2356684"/>
-                  <a:gd name="connsiteY1" fmla="*/ 0 h 2179901"/>
-                  <a:gd name="connsiteX2" fmla="*/ 1901775 w 2356684"/>
-                  <a:gd name="connsiteY2" fmla="*/ 170601 h 2179901"/>
-                  <a:gd name="connsiteX3" fmla="*/ 1301547 w 2356684"/>
-                  <a:gd name="connsiteY3" fmla="*/ 265379 h 2179901"/>
-                  <a:gd name="connsiteX4" fmla="*/ 922455 w 2356684"/>
-                  <a:gd name="connsiteY4" fmla="*/ 278016 h 2179901"/>
-                  <a:gd name="connsiteX5" fmla="*/ 0 w 2356684"/>
-                  <a:gd name="connsiteY5" fmla="*/ 2085122 h 2179901"/>
-                  <a:gd name="connsiteX6" fmla="*/ 454909 w 2356684"/>
-                  <a:gd name="connsiteY6" fmla="*/ 2160945 h 2179901"/>
-                  <a:gd name="connsiteX7" fmla="*/ 852955 w 2356684"/>
-                  <a:gd name="connsiteY7" fmla="*/ 2179901 h 2179901"/>
-                  <a:gd name="connsiteX8" fmla="*/ 1168865 w 2356684"/>
-                  <a:gd name="connsiteY8" fmla="*/ 2129352 h 2179901"/>
-                  <a:gd name="connsiteX9" fmla="*/ 1333138 w 2356684"/>
-                  <a:gd name="connsiteY9" fmla="*/ 2078804 h 2179901"/>
-                  <a:gd name="connsiteX10" fmla="*/ 2356684 w 2356684"/>
-                  <a:gd name="connsiteY10" fmla="*/ 69504 h 2179901"/>
-                  <a:gd name="connsiteX0" fmla="*/ 2366860 w 2366860"/>
-                  <a:gd name="connsiteY0" fmla="*/ 69504 h 2242959"/>
-                  <a:gd name="connsiteX1" fmla="*/ 2335269 w 2366860"/>
-                  <a:gd name="connsiteY1" fmla="*/ 0 h 2242959"/>
-                  <a:gd name="connsiteX2" fmla="*/ 1911951 w 2366860"/>
-                  <a:gd name="connsiteY2" fmla="*/ 170601 h 2242959"/>
-                  <a:gd name="connsiteX3" fmla="*/ 1311723 w 2366860"/>
-                  <a:gd name="connsiteY3" fmla="*/ 265379 h 2242959"/>
-                  <a:gd name="connsiteX4" fmla="*/ 932631 w 2366860"/>
-                  <a:gd name="connsiteY4" fmla="*/ 278016 h 2242959"/>
-                  <a:gd name="connsiteX5" fmla="*/ 10176 w 2366860"/>
-                  <a:gd name="connsiteY5" fmla="*/ 2085122 h 2242959"/>
-                  <a:gd name="connsiteX6" fmla="*/ 465085 w 2366860"/>
-                  <a:gd name="connsiteY6" fmla="*/ 2160945 h 2242959"/>
-                  <a:gd name="connsiteX7" fmla="*/ 863131 w 2366860"/>
-                  <a:gd name="connsiteY7" fmla="*/ 2179901 h 2242959"/>
-                  <a:gd name="connsiteX8" fmla="*/ 1179041 w 2366860"/>
-                  <a:gd name="connsiteY8" fmla="*/ 2129352 h 2242959"/>
-                  <a:gd name="connsiteX9" fmla="*/ 1343314 w 2366860"/>
-                  <a:gd name="connsiteY9" fmla="*/ 2078804 h 2242959"/>
-                  <a:gd name="connsiteX10" fmla="*/ 2366860 w 2366860"/>
-                  <a:gd name="connsiteY10" fmla="*/ 69504 h 2242959"/>
-                  <a:gd name="connsiteX0" fmla="*/ 2366860 w 2366860"/>
-                  <a:gd name="connsiteY0" fmla="*/ 69504 h 2242959"/>
-                  <a:gd name="connsiteX1" fmla="*/ 2335269 w 2366860"/>
-                  <a:gd name="connsiteY1" fmla="*/ 0 h 2242959"/>
-                  <a:gd name="connsiteX2" fmla="*/ 1911951 w 2366860"/>
-                  <a:gd name="connsiteY2" fmla="*/ 170601 h 2242959"/>
-                  <a:gd name="connsiteX3" fmla="*/ 1311723 w 2366860"/>
-                  <a:gd name="connsiteY3" fmla="*/ 265379 h 2242959"/>
-                  <a:gd name="connsiteX4" fmla="*/ 932631 w 2366860"/>
-                  <a:gd name="connsiteY4" fmla="*/ 278016 h 2242959"/>
-                  <a:gd name="connsiteX5" fmla="*/ 10176 w 2366860"/>
-                  <a:gd name="connsiteY5" fmla="*/ 2085122 h 2242959"/>
-                  <a:gd name="connsiteX6" fmla="*/ 465085 w 2366860"/>
-                  <a:gd name="connsiteY6" fmla="*/ 2160945 h 2242959"/>
-                  <a:gd name="connsiteX7" fmla="*/ 863131 w 2366860"/>
-                  <a:gd name="connsiteY7" fmla="*/ 2179901 h 2242959"/>
-                  <a:gd name="connsiteX8" fmla="*/ 1179041 w 2366860"/>
-                  <a:gd name="connsiteY8" fmla="*/ 2129352 h 2242959"/>
-                  <a:gd name="connsiteX9" fmla="*/ 1343314 w 2366860"/>
-                  <a:gd name="connsiteY9" fmla="*/ 2078804 h 2242959"/>
-                  <a:gd name="connsiteX10" fmla="*/ 2366860 w 2366860"/>
-                  <a:gd name="connsiteY10" fmla="*/ 69504 h 2242959"/>
-                  <a:gd name="connsiteX0" fmla="*/ 2366860 w 2366860"/>
-                  <a:gd name="connsiteY0" fmla="*/ 69504 h 2242959"/>
-                  <a:gd name="connsiteX1" fmla="*/ 2335269 w 2366860"/>
-                  <a:gd name="connsiteY1" fmla="*/ 0 h 2242959"/>
-                  <a:gd name="connsiteX2" fmla="*/ 1911951 w 2366860"/>
-                  <a:gd name="connsiteY2" fmla="*/ 170601 h 2242959"/>
-                  <a:gd name="connsiteX3" fmla="*/ 1311723 w 2366860"/>
-                  <a:gd name="connsiteY3" fmla="*/ 265379 h 2242959"/>
-                  <a:gd name="connsiteX4" fmla="*/ 932631 w 2366860"/>
-                  <a:gd name="connsiteY4" fmla="*/ 278016 h 2242959"/>
-                  <a:gd name="connsiteX5" fmla="*/ 10176 w 2366860"/>
-                  <a:gd name="connsiteY5" fmla="*/ 2085122 h 2242959"/>
-                  <a:gd name="connsiteX6" fmla="*/ 465085 w 2366860"/>
-                  <a:gd name="connsiteY6" fmla="*/ 2160945 h 2242959"/>
-                  <a:gd name="connsiteX7" fmla="*/ 863131 w 2366860"/>
-                  <a:gd name="connsiteY7" fmla="*/ 2179901 h 2242959"/>
-                  <a:gd name="connsiteX8" fmla="*/ 1179041 w 2366860"/>
-                  <a:gd name="connsiteY8" fmla="*/ 2129352 h 2242959"/>
-                  <a:gd name="connsiteX9" fmla="*/ 1343314 w 2366860"/>
-                  <a:gd name="connsiteY9" fmla="*/ 2078804 h 2242959"/>
-                  <a:gd name="connsiteX10" fmla="*/ 2366860 w 2366860"/>
-                  <a:gd name="connsiteY10" fmla="*/ 69504 h 2242959"/>
-                  <a:gd name="connsiteX0" fmla="*/ 2356684 w 2356684"/>
-                  <a:gd name="connsiteY0" fmla="*/ 69504 h 2181468"/>
-                  <a:gd name="connsiteX1" fmla="*/ 2325093 w 2356684"/>
-                  <a:gd name="connsiteY1" fmla="*/ 0 h 2181468"/>
-                  <a:gd name="connsiteX2" fmla="*/ 1901775 w 2356684"/>
-                  <a:gd name="connsiteY2" fmla="*/ 170601 h 2181468"/>
-                  <a:gd name="connsiteX3" fmla="*/ 1301547 w 2356684"/>
-                  <a:gd name="connsiteY3" fmla="*/ 265379 h 2181468"/>
-                  <a:gd name="connsiteX4" fmla="*/ 922455 w 2356684"/>
-                  <a:gd name="connsiteY4" fmla="*/ 278016 h 2181468"/>
-                  <a:gd name="connsiteX5" fmla="*/ 0 w 2356684"/>
-                  <a:gd name="connsiteY5" fmla="*/ 2085122 h 2181468"/>
-                  <a:gd name="connsiteX6" fmla="*/ 454909 w 2356684"/>
-                  <a:gd name="connsiteY6" fmla="*/ 2160945 h 2181468"/>
-                  <a:gd name="connsiteX7" fmla="*/ 852955 w 2356684"/>
-                  <a:gd name="connsiteY7" fmla="*/ 2179901 h 2181468"/>
-                  <a:gd name="connsiteX8" fmla="*/ 1168865 w 2356684"/>
-                  <a:gd name="connsiteY8" fmla="*/ 2129352 h 2181468"/>
-                  <a:gd name="connsiteX9" fmla="*/ 1333138 w 2356684"/>
-                  <a:gd name="connsiteY9" fmla="*/ 2078804 h 2181468"/>
-                  <a:gd name="connsiteX10" fmla="*/ 2356684 w 2356684"/>
-                  <a:gd name="connsiteY10" fmla="*/ 69504 h 2181468"/>
-                  <a:gd name="connsiteX0" fmla="*/ 2356684 w 2356684"/>
-                  <a:gd name="connsiteY0" fmla="*/ 69504 h 2186296"/>
-                  <a:gd name="connsiteX1" fmla="*/ 2325093 w 2356684"/>
-                  <a:gd name="connsiteY1" fmla="*/ 0 h 2186296"/>
-                  <a:gd name="connsiteX2" fmla="*/ 1901775 w 2356684"/>
-                  <a:gd name="connsiteY2" fmla="*/ 170601 h 2186296"/>
-                  <a:gd name="connsiteX3" fmla="*/ 1301547 w 2356684"/>
-                  <a:gd name="connsiteY3" fmla="*/ 265379 h 2186296"/>
-                  <a:gd name="connsiteX4" fmla="*/ 922455 w 2356684"/>
-                  <a:gd name="connsiteY4" fmla="*/ 278016 h 2186296"/>
-                  <a:gd name="connsiteX5" fmla="*/ 0 w 2356684"/>
-                  <a:gd name="connsiteY5" fmla="*/ 2085122 h 2186296"/>
-                  <a:gd name="connsiteX6" fmla="*/ 454909 w 2356684"/>
-                  <a:gd name="connsiteY6" fmla="*/ 2160945 h 2186296"/>
-                  <a:gd name="connsiteX7" fmla="*/ 852955 w 2356684"/>
-                  <a:gd name="connsiteY7" fmla="*/ 2179901 h 2186296"/>
-                  <a:gd name="connsiteX8" fmla="*/ 1168865 w 2356684"/>
-                  <a:gd name="connsiteY8" fmla="*/ 2129352 h 2186296"/>
-                  <a:gd name="connsiteX9" fmla="*/ 1333138 w 2356684"/>
-                  <a:gd name="connsiteY9" fmla="*/ 2078804 h 2186296"/>
-                  <a:gd name="connsiteX10" fmla="*/ 2356684 w 2356684"/>
-                  <a:gd name="connsiteY10" fmla="*/ 69504 h 2186296"/>
-                  <a:gd name="connsiteX0" fmla="*/ 2356684 w 2356684"/>
-                  <a:gd name="connsiteY0" fmla="*/ 69504 h 2241416"/>
-                  <a:gd name="connsiteX1" fmla="*/ 2325093 w 2356684"/>
-                  <a:gd name="connsiteY1" fmla="*/ 0 h 2241416"/>
-                  <a:gd name="connsiteX2" fmla="*/ 1901775 w 2356684"/>
-                  <a:gd name="connsiteY2" fmla="*/ 170601 h 2241416"/>
-                  <a:gd name="connsiteX3" fmla="*/ 1301547 w 2356684"/>
-                  <a:gd name="connsiteY3" fmla="*/ 265379 h 2241416"/>
-                  <a:gd name="connsiteX4" fmla="*/ 922455 w 2356684"/>
-                  <a:gd name="connsiteY4" fmla="*/ 278016 h 2241416"/>
-                  <a:gd name="connsiteX5" fmla="*/ 0 w 2356684"/>
-                  <a:gd name="connsiteY5" fmla="*/ 2085122 h 2241416"/>
-                  <a:gd name="connsiteX6" fmla="*/ 454909 w 2356684"/>
-                  <a:gd name="connsiteY6" fmla="*/ 2160945 h 2241416"/>
-                  <a:gd name="connsiteX7" fmla="*/ 852955 w 2356684"/>
-                  <a:gd name="connsiteY7" fmla="*/ 2179901 h 2241416"/>
-                  <a:gd name="connsiteX8" fmla="*/ 1168865 w 2356684"/>
-                  <a:gd name="connsiteY8" fmla="*/ 2129352 h 2241416"/>
-                  <a:gd name="connsiteX9" fmla="*/ 1333138 w 2356684"/>
-                  <a:gd name="connsiteY9" fmla="*/ 2078804 h 2241416"/>
-                  <a:gd name="connsiteX10" fmla="*/ 2356684 w 2356684"/>
-                  <a:gd name="connsiteY10" fmla="*/ 69504 h 2241416"/>
-                  <a:gd name="connsiteX0" fmla="*/ 2356684 w 2356684"/>
-                  <a:gd name="connsiteY0" fmla="*/ 69504 h 2186296"/>
-                  <a:gd name="connsiteX1" fmla="*/ 2325093 w 2356684"/>
-                  <a:gd name="connsiteY1" fmla="*/ 0 h 2186296"/>
-                  <a:gd name="connsiteX2" fmla="*/ 1901775 w 2356684"/>
-                  <a:gd name="connsiteY2" fmla="*/ 170601 h 2186296"/>
-                  <a:gd name="connsiteX3" fmla="*/ 1301547 w 2356684"/>
-                  <a:gd name="connsiteY3" fmla="*/ 265379 h 2186296"/>
-                  <a:gd name="connsiteX4" fmla="*/ 922455 w 2356684"/>
-                  <a:gd name="connsiteY4" fmla="*/ 278016 h 2186296"/>
-                  <a:gd name="connsiteX5" fmla="*/ 0 w 2356684"/>
-                  <a:gd name="connsiteY5" fmla="*/ 2085122 h 2186296"/>
-                  <a:gd name="connsiteX6" fmla="*/ 454909 w 2356684"/>
-                  <a:gd name="connsiteY6" fmla="*/ 2160945 h 2186296"/>
-                  <a:gd name="connsiteX7" fmla="*/ 852955 w 2356684"/>
-                  <a:gd name="connsiteY7" fmla="*/ 2179901 h 2186296"/>
-                  <a:gd name="connsiteX8" fmla="*/ 1168865 w 2356684"/>
-                  <a:gd name="connsiteY8" fmla="*/ 2129352 h 2186296"/>
-                  <a:gd name="connsiteX9" fmla="*/ 1333138 w 2356684"/>
-                  <a:gd name="connsiteY9" fmla="*/ 2078804 h 2186296"/>
-                  <a:gd name="connsiteX10" fmla="*/ 2356684 w 2356684"/>
-                  <a:gd name="connsiteY10" fmla="*/ 69504 h 2186296"/>
-                  <a:gd name="connsiteX0" fmla="*/ 2356684 w 2356684"/>
-                  <a:gd name="connsiteY0" fmla="*/ 69504 h 2186296"/>
-                  <a:gd name="connsiteX1" fmla="*/ 2325093 w 2356684"/>
-                  <a:gd name="connsiteY1" fmla="*/ 0 h 2186296"/>
-                  <a:gd name="connsiteX2" fmla="*/ 1901775 w 2356684"/>
-                  <a:gd name="connsiteY2" fmla="*/ 170601 h 2186296"/>
-                  <a:gd name="connsiteX3" fmla="*/ 1301547 w 2356684"/>
-                  <a:gd name="connsiteY3" fmla="*/ 265379 h 2186296"/>
-                  <a:gd name="connsiteX4" fmla="*/ 897128 w 2356684"/>
-                  <a:gd name="connsiteY4" fmla="*/ 278016 h 2186296"/>
-                  <a:gd name="connsiteX5" fmla="*/ 0 w 2356684"/>
-                  <a:gd name="connsiteY5" fmla="*/ 2085122 h 2186296"/>
-                  <a:gd name="connsiteX6" fmla="*/ 454909 w 2356684"/>
-                  <a:gd name="connsiteY6" fmla="*/ 2160945 h 2186296"/>
-                  <a:gd name="connsiteX7" fmla="*/ 852955 w 2356684"/>
-                  <a:gd name="connsiteY7" fmla="*/ 2179901 h 2186296"/>
-                  <a:gd name="connsiteX8" fmla="*/ 1168865 w 2356684"/>
-                  <a:gd name="connsiteY8" fmla="*/ 2129352 h 2186296"/>
-                  <a:gd name="connsiteX9" fmla="*/ 1333138 w 2356684"/>
-                  <a:gd name="connsiteY9" fmla="*/ 2078804 h 2186296"/>
-                  <a:gd name="connsiteX10" fmla="*/ 2356684 w 2356684"/>
-                  <a:gd name="connsiteY10" fmla="*/ 69504 h 2186296"/>
-                  <a:gd name="connsiteX0" fmla="*/ 2374775 w 2374775"/>
-                  <a:gd name="connsiteY0" fmla="*/ 69504 h 2186393"/>
-                  <a:gd name="connsiteX1" fmla="*/ 2343184 w 2374775"/>
-                  <a:gd name="connsiteY1" fmla="*/ 0 h 2186393"/>
-                  <a:gd name="connsiteX2" fmla="*/ 1919866 w 2374775"/>
-                  <a:gd name="connsiteY2" fmla="*/ 170601 h 2186393"/>
-                  <a:gd name="connsiteX3" fmla="*/ 1319638 w 2374775"/>
-                  <a:gd name="connsiteY3" fmla="*/ 265379 h 2186393"/>
-                  <a:gd name="connsiteX4" fmla="*/ 915219 w 2374775"/>
-                  <a:gd name="connsiteY4" fmla="*/ 278016 h 2186393"/>
-                  <a:gd name="connsiteX5" fmla="*/ 0 w 2374775"/>
-                  <a:gd name="connsiteY5" fmla="*/ 2081504 h 2186393"/>
-                  <a:gd name="connsiteX6" fmla="*/ 473000 w 2374775"/>
-                  <a:gd name="connsiteY6" fmla="*/ 2160945 h 2186393"/>
-                  <a:gd name="connsiteX7" fmla="*/ 871046 w 2374775"/>
-                  <a:gd name="connsiteY7" fmla="*/ 2179901 h 2186393"/>
-                  <a:gd name="connsiteX8" fmla="*/ 1186956 w 2374775"/>
-                  <a:gd name="connsiteY8" fmla="*/ 2129352 h 2186393"/>
-                  <a:gd name="connsiteX9" fmla="*/ 1351229 w 2374775"/>
-                  <a:gd name="connsiteY9" fmla="*/ 2078804 h 2186393"/>
-                  <a:gd name="connsiteX10" fmla="*/ 2374775 w 2374775"/>
-                  <a:gd name="connsiteY10" fmla="*/ 69504 h 2186393"/>
-                  <a:gd name="connsiteX0" fmla="*/ 2374775 w 2374775"/>
-                  <a:gd name="connsiteY0" fmla="*/ 69504 h 2186393"/>
-                  <a:gd name="connsiteX1" fmla="*/ 2343184 w 2374775"/>
-                  <a:gd name="connsiteY1" fmla="*/ 0 h 2186393"/>
-                  <a:gd name="connsiteX2" fmla="*/ 1919866 w 2374775"/>
-                  <a:gd name="connsiteY2" fmla="*/ 170601 h 2186393"/>
-                  <a:gd name="connsiteX3" fmla="*/ 1319638 w 2374775"/>
-                  <a:gd name="connsiteY3" fmla="*/ 265379 h 2186393"/>
-                  <a:gd name="connsiteX4" fmla="*/ 915219 w 2374775"/>
-                  <a:gd name="connsiteY4" fmla="*/ 278016 h 2186393"/>
-                  <a:gd name="connsiteX5" fmla="*/ 0 w 2374775"/>
-                  <a:gd name="connsiteY5" fmla="*/ 2081504 h 2186393"/>
-                  <a:gd name="connsiteX6" fmla="*/ 473000 w 2374775"/>
-                  <a:gd name="connsiteY6" fmla="*/ 2160945 h 2186393"/>
-                  <a:gd name="connsiteX7" fmla="*/ 871046 w 2374775"/>
-                  <a:gd name="connsiteY7" fmla="*/ 2179901 h 2186393"/>
-                  <a:gd name="connsiteX8" fmla="*/ 1186956 w 2374775"/>
-                  <a:gd name="connsiteY8" fmla="*/ 2129352 h 2186393"/>
-                  <a:gd name="connsiteX9" fmla="*/ 1351229 w 2374775"/>
-                  <a:gd name="connsiteY9" fmla="*/ 2078804 h 2186393"/>
-                  <a:gd name="connsiteX10" fmla="*/ 2374775 w 2374775"/>
-                  <a:gd name="connsiteY10" fmla="*/ 69504 h 2186393"/>
-                  <a:gd name="connsiteX0" fmla="*/ 2374775 w 2374775"/>
-                  <a:gd name="connsiteY0" fmla="*/ 69504 h 2186393"/>
-                  <a:gd name="connsiteX1" fmla="*/ 2343184 w 2374775"/>
-                  <a:gd name="connsiteY1" fmla="*/ 0 h 2186393"/>
-                  <a:gd name="connsiteX2" fmla="*/ 1919866 w 2374775"/>
-                  <a:gd name="connsiteY2" fmla="*/ 170601 h 2186393"/>
-                  <a:gd name="connsiteX3" fmla="*/ 1319638 w 2374775"/>
-                  <a:gd name="connsiteY3" fmla="*/ 265379 h 2186393"/>
-                  <a:gd name="connsiteX4" fmla="*/ 915219 w 2374775"/>
-                  <a:gd name="connsiteY4" fmla="*/ 278016 h 2186393"/>
-                  <a:gd name="connsiteX5" fmla="*/ 0 w 2374775"/>
-                  <a:gd name="connsiteY5" fmla="*/ 2081504 h 2186393"/>
-                  <a:gd name="connsiteX6" fmla="*/ 473000 w 2374775"/>
-                  <a:gd name="connsiteY6" fmla="*/ 2160945 h 2186393"/>
-                  <a:gd name="connsiteX7" fmla="*/ 871046 w 2374775"/>
-                  <a:gd name="connsiteY7" fmla="*/ 2179901 h 2186393"/>
-                  <a:gd name="connsiteX8" fmla="*/ 1186956 w 2374775"/>
-                  <a:gd name="connsiteY8" fmla="*/ 2129352 h 2186393"/>
-                  <a:gd name="connsiteX9" fmla="*/ 1351229 w 2374775"/>
-                  <a:gd name="connsiteY9" fmla="*/ 2078804 h 2186393"/>
-                  <a:gd name="connsiteX10" fmla="*/ 2374775 w 2374775"/>
-                  <a:gd name="connsiteY10" fmla="*/ 69504 h 2186393"/>
-                  <a:gd name="connsiteX0" fmla="*/ 2374775 w 2374775"/>
-                  <a:gd name="connsiteY0" fmla="*/ 69504 h 2241416"/>
-                  <a:gd name="connsiteX1" fmla="*/ 2343184 w 2374775"/>
-                  <a:gd name="connsiteY1" fmla="*/ 0 h 2241416"/>
-                  <a:gd name="connsiteX2" fmla="*/ 1919866 w 2374775"/>
-                  <a:gd name="connsiteY2" fmla="*/ 170601 h 2241416"/>
-                  <a:gd name="connsiteX3" fmla="*/ 1319638 w 2374775"/>
-                  <a:gd name="connsiteY3" fmla="*/ 265379 h 2241416"/>
-                  <a:gd name="connsiteX4" fmla="*/ 915219 w 2374775"/>
-                  <a:gd name="connsiteY4" fmla="*/ 278016 h 2241416"/>
-                  <a:gd name="connsiteX5" fmla="*/ 0 w 2374775"/>
-                  <a:gd name="connsiteY5" fmla="*/ 2081504 h 2241416"/>
-                  <a:gd name="connsiteX6" fmla="*/ 473000 w 2374775"/>
-                  <a:gd name="connsiteY6" fmla="*/ 2160945 h 2241416"/>
-                  <a:gd name="connsiteX7" fmla="*/ 871046 w 2374775"/>
-                  <a:gd name="connsiteY7" fmla="*/ 2179901 h 2241416"/>
-                  <a:gd name="connsiteX8" fmla="*/ 1186956 w 2374775"/>
-                  <a:gd name="connsiteY8" fmla="*/ 2129352 h 2241416"/>
-                  <a:gd name="connsiteX9" fmla="*/ 1351229 w 2374775"/>
-                  <a:gd name="connsiteY9" fmla="*/ 2078804 h 2241416"/>
-                  <a:gd name="connsiteX10" fmla="*/ 2374775 w 2374775"/>
-                  <a:gd name="connsiteY10" fmla="*/ 69504 h 2241416"/>
-                  <a:gd name="connsiteX0" fmla="*/ 2374775 w 2374775"/>
-                  <a:gd name="connsiteY0" fmla="*/ 69504 h 2186393"/>
-                  <a:gd name="connsiteX1" fmla="*/ 2343184 w 2374775"/>
-                  <a:gd name="connsiteY1" fmla="*/ 0 h 2186393"/>
-                  <a:gd name="connsiteX2" fmla="*/ 1919866 w 2374775"/>
-                  <a:gd name="connsiteY2" fmla="*/ 170601 h 2186393"/>
-                  <a:gd name="connsiteX3" fmla="*/ 1319638 w 2374775"/>
-                  <a:gd name="connsiteY3" fmla="*/ 265379 h 2186393"/>
-                  <a:gd name="connsiteX4" fmla="*/ 915219 w 2374775"/>
-                  <a:gd name="connsiteY4" fmla="*/ 278016 h 2186393"/>
-                  <a:gd name="connsiteX5" fmla="*/ 0 w 2374775"/>
-                  <a:gd name="connsiteY5" fmla="*/ 2081504 h 2186393"/>
-                  <a:gd name="connsiteX6" fmla="*/ 473000 w 2374775"/>
-                  <a:gd name="connsiteY6" fmla="*/ 2160945 h 2186393"/>
-                  <a:gd name="connsiteX7" fmla="*/ 871046 w 2374775"/>
-                  <a:gd name="connsiteY7" fmla="*/ 2179901 h 2186393"/>
-                  <a:gd name="connsiteX8" fmla="*/ 1186956 w 2374775"/>
-                  <a:gd name="connsiteY8" fmla="*/ 2129352 h 2186393"/>
-                  <a:gd name="connsiteX9" fmla="*/ 1351229 w 2374775"/>
-                  <a:gd name="connsiteY9" fmla="*/ 2078804 h 2186393"/>
-                  <a:gd name="connsiteX10" fmla="*/ 2374775 w 2374775"/>
-                  <a:gd name="connsiteY10" fmla="*/ 69504 h 2186393"/>
-                  <a:gd name="connsiteX0" fmla="*/ 2374775 w 2374775"/>
-                  <a:gd name="connsiteY0" fmla="*/ 69504 h 2180066"/>
-                  <a:gd name="connsiteX1" fmla="*/ 2343184 w 2374775"/>
-                  <a:gd name="connsiteY1" fmla="*/ 0 h 2180066"/>
-                  <a:gd name="connsiteX2" fmla="*/ 1919866 w 2374775"/>
-                  <a:gd name="connsiteY2" fmla="*/ 170601 h 2180066"/>
-                  <a:gd name="connsiteX3" fmla="*/ 1319638 w 2374775"/>
-                  <a:gd name="connsiteY3" fmla="*/ 265379 h 2180066"/>
-                  <a:gd name="connsiteX4" fmla="*/ 915219 w 2374775"/>
-                  <a:gd name="connsiteY4" fmla="*/ 278016 h 2180066"/>
-                  <a:gd name="connsiteX5" fmla="*/ 0 w 2374775"/>
-                  <a:gd name="connsiteY5" fmla="*/ 2081504 h 2180066"/>
-                  <a:gd name="connsiteX6" fmla="*/ 473000 w 2374775"/>
-                  <a:gd name="connsiteY6" fmla="*/ 2160945 h 2180066"/>
-                  <a:gd name="connsiteX7" fmla="*/ 871046 w 2374775"/>
-                  <a:gd name="connsiteY7" fmla="*/ 2179901 h 2180066"/>
-                  <a:gd name="connsiteX8" fmla="*/ 1197810 w 2374775"/>
-                  <a:gd name="connsiteY8" fmla="*/ 2154680 h 2180066"/>
-                  <a:gd name="connsiteX9" fmla="*/ 1351229 w 2374775"/>
-                  <a:gd name="connsiteY9" fmla="*/ 2078804 h 2180066"/>
-                  <a:gd name="connsiteX10" fmla="*/ 2374775 w 2374775"/>
-                  <a:gd name="connsiteY10" fmla="*/ 69504 h 2180066"/>
-                  <a:gd name="connsiteX0" fmla="*/ 2374775 w 2374775"/>
-                  <a:gd name="connsiteY0" fmla="*/ 69504 h 2180066"/>
-                  <a:gd name="connsiteX1" fmla="*/ 2343184 w 2374775"/>
-                  <a:gd name="connsiteY1" fmla="*/ 0 h 2180066"/>
-                  <a:gd name="connsiteX2" fmla="*/ 1919866 w 2374775"/>
-                  <a:gd name="connsiteY2" fmla="*/ 170601 h 2180066"/>
-                  <a:gd name="connsiteX3" fmla="*/ 1319638 w 2374775"/>
-                  <a:gd name="connsiteY3" fmla="*/ 265379 h 2180066"/>
-                  <a:gd name="connsiteX4" fmla="*/ 915219 w 2374775"/>
-                  <a:gd name="connsiteY4" fmla="*/ 278016 h 2180066"/>
-                  <a:gd name="connsiteX5" fmla="*/ 0 w 2374775"/>
-                  <a:gd name="connsiteY5" fmla="*/ 2081504 h 2180066"/>
-                  <a:gd name="connsiteX6" fmla="*/ 473000 w 2374775"/>
-                  <a:gd name="connsiteY6" fmla="*/ 2160945 h 2180066"/>
-                  <a:gd name="connsiteX7" fmla="*/ 871046 w 2374775"/>
-                  <a:gd name="connsiteY7" fmla="*/ 2179901 h 2180066"/>
-                  <a:gd name="connsiteX8" fmla="*/ 1165247 w 2374775"/>
-                  <a:gd name="connsiteY8" fmla="*/ 2154680 h 2180066"/>
-                  <a:gd name="connsiteX9" fmla="*/ 1351229 w 2374775"/>
-                  <a:gd name="connsiteY9" fmla="*/ 2078804 h 2180066"/>
-                  <a:gd name="connsiteX10" fmla="*/ 2374775 w 2374775"/>
-                  <a:gd name="connsiteY10" fmla="*/ 69504 h 2180066"/>
-                  <a:gd name="connsiteX0" fmla="*/ 2374775 w 2374775"/>
-                  <a:gd name="connsiteY0" fmla="*/ 69504 h 2180066"/>
-                  <a:gd name="connsiteX1" fmla="*/ 2343184 w 2374775"/>
-                  <a:gd name="connsiteY1" fmla="*/ 0 h 2180066"/>
-                  <a:gd name="connsiteX2" fmla="*/ 1919866 w 2374775"/>
-                  <a:gd name="connsiteY2" fmla="*/ 170601 h 2180066"/>
-                  <a:gd name="connsiteX3" fmla="*/ 1319638 w 2374775"/>
-                  <a:gd name="connsiteY3" fmla="*/ 265379 h 2180066"/>
-                  <a:gd name="connsiteX4" fmla="*/ 915219 w 2374775"/>
-                  <a:gd name="connsiteY4" fmla="*/ 278016 h 2180066"/>
-                  <a:gd name="connsiteX5" fmla="*/ 0 w 2374775"/>
-                  <a:gd name="connsiteY5" fmla="*/ 2081504 h 2180066"/>
-                  <a:gd name="connsiteX6" fmla="*/ 473000 w 2374775"/>
-                  <a:gd name="connsiteY6" fmla="*/ 2160945 h 2180066"/>
-                  <a:gd name="connsiteX7" fmla="*/ 871046 w 2374775"/>
-                  <a:gd name="connsiteY7" fmla="*/ 2179901 h 2180066"/>
-                  <a:gd name="connsiteX8" fmla="*/ 1165247 w 2374775"/>
-                  <a:gd name="connsiteY8" fmla="*/ 2154680 h 2180066"/>
-                  <a:gd name="connsiteX9" fmla="*/ 1351229 w 2374775"/>
-                  <a:gd name="connsiteY9" fmla="*/ 2078804 h 2180066"/>
-                  <a:gd name="connsiteX10" fmla="*/ 2374775 w 2374775"/>
-                  <a:gd name="connsiteY10" fmla="*/ 69504 h 2180066"/>
-                  <a:gd name="connsiteX0" fmla="*/ 2374775 w 2374775"/>
-                  <a:gd name="connsiteY0" fmla="*/ 69504 h 2180066"/>
-                  <a:gd name="connsiteX1" fmla="*/ 2343184 w 2374775"/>
-                  <a:gd name="connsiteY1" fmla="*/ 0 h 2180066"/>
-                  <a:gd name="connsiteX2" fmla="*/ 1919866 w 2374775"/>
-                  <a:gd name="connsiteY2" fmla="*/ 170601 h 2180066"/>
-                  <a:gd name="connsiteX3" fmla="*/ 1319638 w 2374775"/>
-                  <a:gd name="connsiteY3" fmla="*/ 265379 h 2180066"/>
-                  <a:gd name="connsiteX4" fmla="*/ 915219 w 2374775"/>
-                  <a:gd name="connsiteY4" fmla="*/ 278016 h 2180066"/>
-                  <a:gd name="connsiteX5" fmla="*/ 0 w 2374775"/>
-                  <a:gd name="connsiteY5" fmla="*/ 2081504 h 2180066"/>
-                  <a:gd name="connsiteX6" fmla="*/ 473000 w 2374775"/>
-                  <a:gd name="connsiteY6" fmla="*/ 2160945 h 2180066"/>
-                  <a:gd name="connsiteX7" fmla="*/ 871046 w 2374775"/>
-                  <a:gd name="connsiteY7" fmla="*/ 2179901 h 2180066"/>
-                  <a:gd name="connsiteX8" fmla="*/ 1165247 w 2374775"/>
-                  <a:gd name="connsiteY8" fmla="*/ 2154680 h 2180066"/>
-                  <a:gd name="connsiteX9" fmla="*/ 1351229 w 2374775"/>
-                  <a:gd name="connsiteY9" fmla="*/ 2078804 h 2180066"/>
-                  <a:gd name="connsiteX10" fmla="*/ 2374775 w 2374775"/>
-                  <a:gd name="connsiteY10" fmla="*/ 69504 h 2180066"/>
-                </a:gdLst>
-                <a:ahLst/>
-                <a:cxnLst>
-                  <a:cxn ang="0">
-                    <a:pos x="connsiteX0" y="connsiteY0"/>
-                  </a:cxn>
-                  <a:cxn ang="0">
-                    <a:pos x="connsiteX1" y="connsiteY1"/>
-                  </a:cxn>
-                  <a:cxn ang="0">
-                    <a:pos x="connsiteX2" y="connsiteY2"/>
-                  </a:cxn>
-                  <a:cxn ang="0">
-                    <a:pos x="connsiteX3" y="connsiteY3"/>
-                  </a:cxn>
-                  <a:cxn ang="0">
-                    <a:pos x="connsiteX4" y="connsiteY4"/>
-                  </a:cxn>
-                  <a:cxn ang="0">
-                    <a:pos x="connsiteX5" y="connsiteY5"/>
-                  </a:cxn>
-                  <a:cxn ang="0">
-                    <a:pos x="connsiteX6" y="connsiteY6"/>
-                  </a:cxn>
-                  <a:cxn ang="0">
-                    <a:pos x="connsiteX7" y="connsiteY7"/>
-                  </a:cxn>
-                  <a:cxn ang="0">
-                    <a:pos x="connsiteX8" y="connsiteY8"/>
-                  </a:cxn>
-                  <a:cxn ang="0">
-                    <a:pos x="connsiteX9" y="connsiteY9"/>
-                  </a:cxn>
-                  <a:cxn ang="0">
-                    <a:pos x="connsiteX10" y="connsiteY10"/>
-                  </a:cxn>
-                </a:cxnLst>
-                <a:rect l="l" t="t" r="r" b="b"/>
-                <a:pathLst>
-                  <a:path w="2374775" h="2180066">
-                    <a:moveTo>
-                      <a:pt x="2374775" y="69504"/>
-                    </a:moveTo>
-                    <a:lnTo>
-                      <a:pt x="2343184" y="0"/>
-                    </a:lnTo>
-                    <a:cubicBezTo>
-                      <a:pt x="2267366" y="16850"/>
-                      <a:pt x="2090457" y="126371"/>
-                      <a:pt x="1919866" y="170601"/>
-                    </a:cubicBezTo>
-                    <a:cubicBezTo>
-                      <a:pt x="1749275" y="214831"/>
-                      <a:pt x="1487079" y="247477"/>
-                      <a:pt x="1319638" y="265379"/>
-                    </a:cubicBezTo>
-                    <a:cubicBezTo>
-                      <a:pt x="1152197" y="283281"/>
-                      <a:pt x="1050025" y="273804"/>
-                      <a:pt x="915219" y="278016"/>
-                    </a:cubicBezTo>
-                    <a:cubicBezTo>
-                      <a:pt x="730859" y="606634"/>
-                      <a:pt x="461227" y="1177951"/>
-                      <a:pt x="0" y="2081504"/>
-                    </a:cubicBezTo>
-                    <a:cubicBezTo>
-                      <a:pt x="294747" y="2138427"/>
-                      <a:pt x="327826" y="2144546"/>
-                      <a:pt x="473000" y="2160945"/>
-                    </a:cubicBezTo>
-                    <a:cubicBezTo>
-                      <a:pt x="618174" y="2177344"/>
-                      <a:pt x="755672" y="2180945"/>
-                      <a:pt x="871046" y="2179901"/>
-                    </a:cubicBezTo>
-                    <a:cubicBezTo>
-                      <a:pt x="986420" y="2178857"/>
-                      <a:pt x="1056326" y="2163087"/>
-                      <a:pt x="1165247" y="2154680"/>
-                    </a:cubicBezTo>
-                    <a:cubicBezTo>
-                      <a:pt x="1270550" y="2137830"/>
-                      <a:pt x="1279947" y="2118551"/>
-                      <a:pt x="1351229" y="2078804"/>
-                    </a:cubicBezTo>
-                    <a:lnTo>
-                      <a:pt x="2374775" y="69504"/>
-                    </a:lnTo>
-                    <a:close/>
-                  </a:path>
-                </a:pathLst>
-              </a:custGeom>
-              <a:solidFill>
-                <a:srgbClr val="103869"/>
-              </a:solidFill>
-              <a:ln>
-                <a:noFill/>
-              </a:ln>
-              <a:effectLst/>
-            </p:spPr>
-            <p:style>
-              <a:lnRef idx="1">
-                <a:schemeClr val="accent1"/>
-              </a:lnRef>
-              <a:fillRef idx="3">
-                <a:schemeClr val="accent1"/>
-              </a:fillRef>
-              <a:effectRef idx="2">
-                <a:schemeClr val="accent1"/>
-              </a:effectRef>
-              <a:fontRef idx="minor">
-                <a:schemeClr val="lt1"/>
-              </a:fontRef>
-            </p:style>
-            <p:txBody>
-              <a:bodyPr rtlCol="0" anchor="ctr"/>
-              <a:lstStyle/>
-              <a:p>
-                <a:pPr algn="ctr"/>
-                <a:endParaRPr lang="en-US"/>
-              </a:p>
-            </p:txBody>
-          </p:sp>
-          <p:sp>
-            <p:nvSpPr>
-              <p:cNvPr id="18" name="Freeform 17"/>
-              <p:cNvSpPr/>
-              <p:nvPr/>
-            </p:nvSpPr>
-            <p:spPr>
-              <a:xfrm>
-                <a:off x="3104534" y="5380744"/>
-                <a:ext cx="2002965" cy="659277"/>
-              </a:xfrm>
-              <a:custGeom>
-                <a:avLst/>
-                <a:gdLst>
-                  <a:gd name="connsiteX0" fmla="*/ 0 w 1986371"/>
-                  <a:gd name="connsiteY0" fmla="*/ 0 h 651291"/>
-                  <a:gd name="connsiteX1" fmla="*/ 260508 w 1986371"/>
-                  <a:gd name="connsiteY1" fmla="*/ 199006 h 651291"/>
-                  <a:gd name="connsiteX2" fmla="*/ 662124 w 1986371"/>
-                  <a:gd name="connsiteY2" fmla="*/ 412484 h 651291"/>
-                  <a:gd name="connsiteX3" fmla="*/ 1125249 w 1986371"/>
-                  <a:gd name="connsiteY3" fmla="*/ 557215 h 651291"/>
-                  <a:gd name="connsiteX4" fmla="*/ 1497919 w 1986371"/>
-                  <a:gd name="connsiteY4" fmla="*/ 629581 h 651291"/>
-                  <a:gd name="connsiteX5" fmla="*/ 1914008 w 1986371"/>
-                  <a:gd name="connsiteY5" fmla="*/ 651291 h 651291"/>
-                  <a:gd name="connsiteX6" fmla="*/ 1986371 w 1986371"/>
-                  <a:gd name="connsiteY6" fmla="*/ 618726 h 651291"/>
-                  <a:gd name="connsiteX7" fmla="*/ 1888681 w 1986371"/>
-                  <a:gd name="connsiteY7" fmla="*/ 535506 h 651291"/>
-                  <a:gd name="connsiteX8" fmla="*/ 1715009 w 1986371"/>
-                  <a:gd name="connsiteY8" fmla="*/ 542742 h 651291"/>
-                  <a:gd name="connsiteX9" fmla="*/ 1306157 w 1986371"/>
-                  <a:gd name="connsiteY9" fmla="*/ 502941 h 651291"/>
-                  <a:gd name="connsiteX10" fmla="*/ 944340 w 1986371"/>
-                  <a:gd name="connsiteY10" fmla="*/ 387156 h 651291"/>
-                  <a:gd name="connsiteX11" fmla="*/ 1313393 w 1986371"/>
-                  <a:gd name="connsiteY11" fmla="*/ 394393 h 651291"/>
-                  <a:gd name="connsiteX12" fmla="*/ 1664355 w 1986371"/>
-                  <a:gd name="connsiteY12" fmla="*/ 332882 h 651291"/>
-                  <a:gd name="connsiteX13" fmla="*/ 1577519 w 1986371"/>
-                  <a:gd name="connsiteY13" fmla="*/ 217097 h 651291"/>
-                  <a:gd name="connsiteX14" fmla="*/ 1476210 w 1986371"/>
-                  <a:gd name="connsiteY14" fmla="*/ 238807 h 651291"/>
-                  <a:gd name="connsiteX15" fmla="*/ 1215703 w 1986371"/>
-                  <a:gd name="connsiteY15" fmla="*/ 253280 h 651291"/>
-                  <a:gd name="connsiteX16" fmla="*/ 919013 w 1986371"/>
-                  <a:gd name="connsiteY16" fmla="*/ 242425 h 651291"/>
-                  <a:gd name="connsiteX17" fmla="*/ 647651 w 1986371"/>
-                  <a:gd name="connsiteY17" fmla="*/ 180914 h 651291"/>
-                  <a:gd name="connsiteX18" fmla="*/ 481216 w 1986371"/>
-                  <a:gd name="connsiteY18" fmla="*/ 115785 h 651291"/>
-                  <a:gd name="connsiteX19" fmla="*/ 445034 w 1986371"/>
-                  <a:gd name="connsiteY19" fmla="*/ 75984 h 651291"/>
-                  <a:gd name="connsiteX20" fmla="*/ 0 w 1986371"/>
-                  <a:gd name="connsiteY20" fmla="*/ 0 h 651291"/>
-                  <a:gd name="connsiteX0" fmla="*/ 3468 w 1989839"/>
-                  <a:gd name="connsiteY0" fmla="*/ 0 h 651291"/>
-                  <a:gd name="connsiteX1" fmla="*/ 263976 w 1989839"/>
-                  <a:gd name="connsiteY1" fmla="*/ 199006 h 651291"/>
-                  <a:gd name="connsiteX2" fmla="*/ 665592 w 1989839"/>
-                  <a:gd name="connsiteY2" fmla="*/ 412484 h 651291"/>
-                  <a:gd name="connsiteX3" fmla="*/ 1128717 w 1989839"/>
-                  <a:gd name="connsiteY3" fmla="*/ 557215 h 651291"/>
-                  <a:gd name="connsiteX4" fmla="*/ 1501387 w 1989839"/>
-                  <a:gd name="connsiteY4" fmla="*/ 629581 h 651291"/>
-                  <a:gd name="connsiteX5" fmla="*/ 1917476 w 1989839"/>
-                  <a:gd name="connsiteY5" fmla="*/ 651291 h 651291"/>
-                  <a:gd name="connsiteX6" fmla="*/ 1989839 w 1989839"/>
-                  <a:gd name="connsiteY6" fmla="*/ 618726 h 651291"/>
-                  <a:gd name="connsiteX7" fmla="*/ 1892149 w 1989839"/>
-                  <a:gd name="connsiteY7" fmla="*/ 535506 h 651291"/>
-                  <a:gd name="connsiteX8" fmla="*/ 1718477 w 1989839"/>
-                  <a:gd name="connsiteY8" fmla="*/ 542742 h 651291"/>
-                  <a:gd name="connsiteX9" fmla="*/ 1309625 w 1989839"/>
-                  <a:gd name="connsiteY9" fmla="*/ 502941 h 651291"/>
-                  <a:gd name="connsiteX10" fmla="*/ 947808 w 1989839"/>
-                  <a:gd name="connsiteY10" fmla="*/ 387156 h 651291"/>
-                  <a:gd name="connsiteX11" fmla="*/ 1316861 w 1989839"/>
-                  <a:gd name="connsiteY11" fmla="*/ 394393 h 651291"/>
-                  <a:gd name="connsiteX12" fmla="*/ 1667823 w 1989839"/>
-                  <a:gd name="connsiteY12" fmla="*/ 332882 h 651291"/>
-                  <a:gd name="connsiteX13" fmla="*/ 1580987 w 1989839"/>
-                  <a:gd name="connsiteY13" fmla="*/ 217097 h 651291"/>
-                  <a:gd name="connsiteX14" fmla="*/ 1479678 w 1989839"/>
-                  <a:gd name="connsiteY14" fmla="*/ 238807 h 651291"/>
-                  <a:gd name="connsiteX15" fmla="*/ 1219171 w 1989839"/>
-                  <a:gd name="connsiteY15" fmla="*/ 253280 h 651291"/>
-                  <a:gd name="connsiteX16" fmla="*/ 922481 w 1989839"/>
-                  <a:gd name="connsiteY16" fmla="*/ 242425 h 651291"/>
-                  <a:gd name="connsiteX17" fmla="*/ 651119 w 1989839"/>
-                  <a:gd name="connsiteY17" fmla="*/ 180914 h 651291"/>
-                  <a:gd name="connsiteX18" fmla="*/ 484684 w 1989839"/>
-                  <a:gd name="connsiteY18" fmla="*/ 115785 h 651291"/>
-                  <a:gd name="connsiteX19" fmla="*/ 448502 w 1989839"/>
-                  <a:gd name="connsiteY19" fmla="*/ 75984 h 651291"/>
-                  <a:gd name="connsiteX20" fmla="*/ 3468 w 1989839"/>
-                  <a:gd name="connsiteY20" fmla="*/ 0 h 651291"/>
-                  <a:gd name="connsiteX0" fmla="*/ 3468 w 1989839"/>
-                  <a:gd name="connsiteY0" fmla="*/ 0 h 651291"/>
-                  <a:gd name="connsiteX1" fmla="*/ 263976 w 1989839"/>
-                  <a:gd name="connsiteY1" fmla="*/ 199006 h 651291"/>
-                  <a:gd name="connsiteX2" fmla="*/ 665592 w 1989839"/>
-                  <a:gd name="connsiteY2" fmla="*/ 412484 h 651291"/>
-                  <a:gd name="connsiteX3" fmla="*/ 1128717 w 1989839"/>
-                  <a:gd name="connsiteY3" fmla="*/ 557215 h 651291"/>
-                  <a:gd name="connsiteX4" fmla="*/ 1501387 w 1989839"/>
-                  <a:gd name="connsiteY4" fmla="*/ 629581 h 651291"/>
-                  <a:gd name="connsiteX5" fmla="*/ 1917476 w 1989839"/>
-                  <a:gd name="connsiteY5" fmla="*/ 651291 h 651291"/>
-                  <a:gd name="connsiteX6" fmla="*/ 1989839 w 1989839"/>
-                  <a:gd name="connsiteY6" fmla="*/ 618726 h 651291"/>
-                  <a:gd name="connsiteX7" fmla="*/ 1892149 w 1989839"/>
-                  <a:gd name="connsiteY7" fmla="*/ 535506 h 651291"/>
-                  <a:gd name="connsiteX8" fmla="*/ 1718477 w 1989839"/>
-                  <a:gd name="connsiteY8" fmla="*/ 542742 h 651291"/>
-                  <a:gd name="connsiteX9" fmla="*/ 1309625 w 1989839"/>
-                  <a:gd name="connsiteY9" fmla="*/ 502941 h 651291"/>
-                  <a:gd name="connsiteX10" fmla="*/ 947808 w 1989839"/>
-                  <a:gd name="connsiteY10" fmla="*/ 387156 h 651291"/>
-                  <a:gd name="connsiteX11" fmla="*/ 1316861 w 1989839"/>
-                  <a:gd name="connsiteY11" fmla="*/ 394393 h 651291"/>
-                  <a:gd name="connsiteX12" fmla="*/ 1667823 w 1989839"/>
-                  <a:gd name="connsiteY12" fmla="*/ 332882 h 651291"/>
-                  <a:gd name="connsiteX13" fmla="*/ 1580987 w 1989839"/>
-                  <a:gd name="connsiteY13" fmla="*/ 217097 h 651291"/>
-                  <a:gd name="connsiteX14" fmla="*/ 1479678 w 1989839"/>
-                  <a:gd name="connsiteY14" fmla="*/ 238807 h 651291"/>
-                  <a:gd name="connsiteX15" fmla="*/ 1219171 w 1989839"/>
-                  <a:gd name="connsiteY15" fmla="*/ 253280 h 651291"/>
-                  <a:gd name="connsiteX16" fmla="*/ 922481 w 1989839"/>
-                  <a:gd name="connsiteY16" fmla="*/ 242425 h 651291"/>
-                  <a:gd name="connsiteX17" fmla="*/ 651119 w 1989839"/>
-                  <a:gd name="connsiteY17" fmla="*/ 180914 h 651291"/>
-                  <a:gd name="connsiteX18" fmla="*/ 484684 w 1989839"/>
-                  <a:gd name="connsiteY18" fmla="*/ 115785 h 651291"/>
-                  <a:gd name="connsiteX19" fmla="*/ 448502 w 1989839"/>
-                  <a:gd name="connsiteY19" fmla="*/ 75984 h 651291"/>
-                  <a:gd name="connsiteX20" fmla="*/ 3468 w 1989839"/>
-                  <a:gd name="connsiteY20" fmla="*/ 0 h 651291"/>
-                  <a:gd name="connsiteX0" fmla="*/ 3468 w 1989839"/>
-                  <a:gd name="connsiteY0" fmla="*/ 0 h 651291"/>
-                  <a:gd name="connsiteX1" fmla="*/ 263976 w 1989839"/>
-                  <a:gd name="connsiteY1" fmla="*/ 199006 h 651291"/>
-                  <a:gd name="connsiteX2" fmla="*/ 665592 w 1989839"/>
-                  <a:gd name="connsiteY2" fmla="*/ 412484 h 651291"/>
-                  <a:gd name="connsiteX3" fmla="*/ 1128717 w 1989839"/>
-                  <a:gd name="connsiteY3" fmla="*/ 557215 h 651291"/>
-                  <a:gd name="connsiteX4" fmla="*/ 1501387 w 1989839"/>
-                  <a:gd name="connsiteY4" fmla="*/ 629581 h 651291"/>
-                  <a:gd name="connsiteX5" fmla="*/ 1917476 w 1989839"/>
-                  <a:gd name="connsiteY5" fmla="*/ 651291 h 651291"/>
-                  <a:gd name="connsiteX6" fmla="*/ 1989839 w 1989839"/>
-                  <a:gd name="connsiteY6" fmla="*/ 618726 h 651291"/>
-                  <a:gd name="connsiteX7" fmla="*/ 1892149 w 1989839"/>
-                  <a:gd name="connsiteY7" fmla="*/ 535506 h 651291"/>
-                  <a:gd name="connsiteX8" fmla="*/ 1718477 w 1989839"/>
-                  <a:gd name="connsiteY8" fmla="*/ 542742 h 651291"/>
-                  <a:gd name="connsiteX9" fmla="*/ 1309625 w 1989839"/>
-                  <a:gd name="connsiteY9" fmla="*/ 502941 h 651291"/>
-                  <a:gd name="connsiteX10" fmla="*/ 947808 w 1989839"/>
-                  <a:gd name="connsiteY10" fmla="*/ 387156 h 651291"/>
-                  <a:gd name="connsiteX11" fmla="*/ 1316861 w 1989839"/>
-                  <a:gd name="connsiteY11" fmla="*/ 394393 h 651291"/>
-                  <a:gd name="connsiteX12" fmla="*/ 1667823 w 1989839"/>
-                  <a:gd name="connsiteY12" fmla="*/ 332882 h 651291"/>
-                  <a:gd name="connsiteX13" fmla="*/ 1580987 w 1989839"/>
-                  <a:gd name="connsiteY13" fmla="*/ 217097 h 651291"/>
-                  <a:gd name="connsiteX14" fmla="*/ 1479678 w 1989839"/>
-                  <a:gd name="connsiteY14" fmla="*/ 238807 h 651291"/>
-                  <a:gd name="connsiteX15" fmla="*/ 1219171 w 1989839"/>
-                  <a:gd name="connsiteY15" fmla="*/ 253280 h 651291"/>
-                  <a:gd name="connsiteX16" fmla="*/ 922481 w 1989839"/>
-                  <a:gd name="connsiteY16" fmla="*/ 242425 h 651291"/>
-                  <a:gd name="connsiteX17" fmla="*/ 651119 w 1989839"/>
-                  <a:gd name="connsiteY17" fmla="*/ 180914 h 651291"/>
-                  <a:gd name="connsiteX18" fmla="*/ 484684 w 1989839"/>
-                  <a:gd name="connsiteY18" fmla="*/ 115785 h 651291"/>
-                  <a:gd name="connsiteX19" fmla="*/ 448502 w 1989839"/>
-                  <a:gd name="connsiteY19" fmla="*/ 75984 h 651291"/>
-                  <a:gd name="connsiteX20" fmla="*/ 3468 w 1989839"/>
-                  <a:gd name="connsiteY20" fmla="*/ 0 h 651291"/>
-                  <a:gd name="connsiteX0" fmla="*/ 3468 w 1989839"/>
-                  <a:gd name="connsiteY0" fmla="*/ 0 h 651291"/>
-                  <a:gd name="connsiteX1" fmla="*/ 263976 w 1989839"/>
-                  <a:gd name="connsiteY1" fmla="*/ 199006 h 651291"/>
-                  <a:gd name="connsiteX2" fmla="*/ 665592 w 1989839"/>
-                  <a:gd name="connsiteY2" fmla="*/ 412484 h 651291"/>
-                  <a:gd name="connsiteX3" fmla="*/ 1128717 w 1989839"/>
-                  <a:gd name="connsiteY3" fmla="*/ 575307 h 651291"/>
-                  <a:gd name="connsiteX4" fmla="*/ 1501387 w 1989839"/>
-                  <a:gd name="connsiteY4" fmla="*/ 629581 h 651291"/>
-                  <a:gd name="connsiteX5" fmla="*/ 1917476 w 1989839"/>
-                  <a:gd name="connsiteY5" fmla="*/ 651291 h 651291"/>
-                  <a:gd name="connsiteX6" fmla="*/ 1989839 w 1989839"/>
-                  <a:gd name="connsiteY6" fmla="*/ 618726 h 651291"/>
-                  <a:gd name="connsiteX7" fmla="*/ 1892149 w 1989839"/>
-                  <a:gd name="connsiteY7" fmla="*/ 535506 h 651291"/>
-                  <a:gd name="connsiteX8" fmla="*/ 1718477 w 1989839"/>
-                  <a:gd name="connsiteY8" fmla="*/ 542742 h 651291"/>
-                  <a:gd name="connsiteX9" fmla="*/ 1309625 w 1989839"/>
-                  <a:gd name="connsiteY9" fmla="*/ 502941 h 651291"/>
-                  <a:gd name="connsiteX10" fmla="*/ 947808 w 1989839"/>
-                  <a:gd name="connsiteY10" fmla="*/ 387156 h 651291"/>
-                  <a:gd name="connsiteX11" fmla="*/ 1316861 w 1989839"/>
-                  <a:gd name="connsiteY11" fmla="*/ 394393 h 651291"/>
-                  <a:gd name="connsiteX12" fmla="*/ 1667823 w 1989839"/>
-                  <a:gd name="connsiteY12" fmla="*/ 332882 h 651291"/>
-                  <a:gd name="connsiteX13" fmla="*/ 1580987 w 1989839"/>
-                  <a:gd name="connsiteY13" fmla="*/ 217097 h 651291"/>
-                  <a:gd name="connsiteX14" fmla="*/ 1479678 w 1989839"/>
-                  <a:gd name="connsiteY14" fmla="*/ 238807 h 651291"/>
-                  <a:gd name="connsiteX15" fmla="*/ 1219171 w 1989839"/>
-                  <a:gd name="connsiteY15" fmla="*/ 253280 h 651291"/>
-                  <a:gd name="connsiteX16" fmla="*/ 922481 w 1989839"/>
-                  <a:gd name="connsiteY16" fmla="*/ 242425 h 651291"/>
-                  <a:gd name="connsiteX17" fmla="*/ 651119 w 1989839"/>
-                  <a:gd name="connsiteY17" fmla="*/ 180914 h 651291"/>
-                  <a:gd name="connsiteX18" fmla="*/ 484684 w 1989839"/>
-                  <a:gd name="connsiteY18" fmla="*/ 115785 h 651291"/>
-                  <a:gd name="connsiteX19" fmla="*/ 448502 w 1989839"/>
-                  <a:gd name="connsiteY19" fmla="*/ 75984 h 651291"/>
-                  <a:gd name="connsiteX20" fmla="*/ 3468 w 1989839"/>
-                  <a:gd name="connsiteY20" fmla="*/ 0 h 651291"/>
-                  <a:gd name="connsiteX0" fmla="*/ 3468 w 1989839"/>
-                  <a:gd name="connsiteY0" fmla="*/ 0 h 651291"/>
-                  <a:gd name="connsiteX1" fmla="*/ 263976 w 1989839"/>
-                  <a:gd name="connsiteY1" fmla="*/ 199006 h 651291"/>
-                  <a:gd name="connsiteX2" fmla="*/ 665592 w 1989839"/>
-                  <a:gd name="connsiteY2" fmla="*/ 412484 h 651291"/>
-                  <a:gd name="connsiteX3" fmla="*/ 1128717 w 1989839"/>
-                  <a:gd name="connsiteY3" fmla="*/ 575307 h 651291"/>
-                  <a:gd name="connsiteX4" fmla="*/ 1501387 w 1989839"/>
-                  <a:gd name="connsiteY4" fmla="*/ 629581 h 651291"/>
-                  <a:gd name="connsiteX5" fmla="*/ 1917476 w 1989839"/>
-                  <a:gd name="connsiteY5" fmla="*/ 651291 h 651291"/>
-                  <a:gd name="connsiteX6" fmla="*/ 1989839 w 1989839"/>
-                  <a:gd name="connsiteY6" fmla="*/ 618726 h 651291"/>
-                  <a:gd name="connsiteX7" fmla="*/ 1892149 w 1989839"/>
-                  <a:gd name="connsiteY7" fmla="*/ 535506 h 651291"/>
-                  <a:gd name="connsiteX8" fmla="*/ 1718477 w 1989839"/>
-                  <a:gd name="connsiteY8" fmla="*/ 542742 h 651291"/>
-                  <a:gd name="connsiteX9" fmla="*/ 1309625 w 1989839"/>
-                  <a:gd name="connsiteY9" fmla="*/ 502941 h 651291"/>
-                  <a:gd name="connsiteX10" fmla="*/ 947808 w 1989839"/>
-                  <a:gd name="connsiteY10" fmla="*/ 387156 h 651291"/>
-                  <a:gd name="connsiteX11" fmla="*/ 1316861 w 1989839"/>
-                  <a:gd name="connsiteY11" fmla="*/ 394393 h 651291"/>
-                  <a:gd name="connsiteX12" fmla="*/ 1667823 w 1989839"/>
-                  <a:gd name="connsiteY12" fmla="*/ 332882 h 651291"/>
-                  <a:gd name="connsiteX13" fmla="*/ 1580987 w 1989839"/>
-                  <a:gd name="connsiteY13" fmla="*/ 217097 h 651291"/>
-                  <a:gd name="connsiteX14" fmla="*/ 1479678 w 1989839"/>
-                  <a:gd name="connsiteY14" fmla="*/ 238807 h 651291"/>
-                  <a:gd name="connsiteX15" fmla="*/ 1219171 w 1989839"/>
-                  <a:gd name="connsiteY15" fmla="*/ 253280 h 651291"/>
-                  <a:gd name="connsiteX16" fmla="*/ 922481 w 1989839"/>
-                  <a:gd name="connsiteY16" fmla="*/ 242425 h 651291"/>
-                  <a:gd name="connsiteX17" fmla="*/ 651119 w 1989839"/>
-                  <a:gd name="connsiteY17" fmla="*/ 180914 h 651291"/>
-                  <a:gd name="connsiteX18" fmla="*/ 484684 w 1989839"/>
-                  <a:gd name="connsiteY18" fmla="*/ 115785 h 651291"/>
-                  <a:gd name="connsiteX19" fmla="*/ 448502 w 1989839"/>
-                  <a:gd name="connsiteY19" fmla="*/ 75984 h 651291"/>
-                  <a:gd name="connsiteX20" fmla="*/ 3468 w 1989839"/>
-                  <a:gd name="connsiteY20" fmla="*/ 0 h 651291"/>
-                  <a:gd name="connsiteX0" fmla="*/ 3468 w 1989839"/>
-                  <a:gd name="connsiteY0" fmla="*/ 0 h 651291"/>
-                  <a:gd name="connsiteX1" fmla="*/ 263976 w 1989839"/>
-                  <a:gd name="connsiteY1" fmla="*/ 199006 h 651291"/>
-                  <a:gd name="connsiteX2" fmla="*/ 665592 w 1989839"/>
-                  <a:gd name="connsiteY2" fmla="*/ 412484 h 651291"/>
-                  <a:gd name="connsiteX3" fmla="*/ 1128717 w 1989839"/>
-                  <a:gd name="connsiteY3" fmla="*/ 575307 h 651291"/>
-                  <a:gd name="connsiteX4" fmla="*/ 1501387 w 1989839"/>
-                  <a:gd name="connsiteY4" fmla="*/ 629581 h 651291"/>
-                  <a:gd name="connsiteX5" fmla="*/ 1917476 w 1989839"/>
-                  <a:gd name="connsiteY5" fmla="*/ 651291 h 651291"/>
-                  <a:gd name="connsiteX6" fmla="*/ 1989839 w 1989839"/>
-                  <a:gd name="connsiteY6" fmla="*/ 618726 h 651291"/>
-                  <a:gd name="connsiteX7" fmla="*/ 1892149 w 1989839"/>
-                  <a:gd name="connsiteY7" fmla="*/ 535506 h 651291"/>
-                  <a:gd name="connsiteX8" fmla="*/ 1718477 w 1989839"/>
-                  <a:gd name="connsiteY8" fmla="*/ 542742 h 651291"/>
-                  <a:gd name="connsiteX9" fmla="*/ 1309625 w 1989839"/>
-                  <a:gd name="connsiteY9" fmla="*/ 502941 h 651291"/>
-                  <a:gd name="connsiteX10" fmla="*/ 947808 w 1989839"/>
-                  <a:gd name="connsiteY10" fmla="*/ 387156 h 651291"/>
-                  <a:gd name="connsiteX11" fmla="*/ 1316861 w 1989839"/>
-                  <a:gd name="connsiteY11" fmla="*/ 394393 h 651291"/>
-                  <a:gd name="connsiteX12" fmla="*/ 1667823 w 1989839"/>
-                  <a:gd name="connsiteY12" fmla="*/ 332882 h 651291"/>
-                  <a:gd name="connsiteX13" fmla="*/ 1580987 w 1989839"/>
-                  <a:gd name="connsiteY13" fmla="*/ 217097 h 651291"/>
-                  <a:gd name="connsiteX14" fmla="*/ 1479678 w 1989839"/>
-                  <a:gd name="connsiteY14" fmla="*/ 238807 h 651291"/>
-                  <a:gd name="connsiteX15" fmla="*/ 1219171 w 1989839"/>
-                  <a:gd name="connsiteY15" fmla="*/ 253280 h 651291"/>
-                  <a:gd name="connsiteX16" fmla="*/ 922481 w 1989839"/>
-                  <a:gd name="connsiteY16" fmla="*/ 242425 h 651291"/>
-                  <a:gd name="connsiteX17" fmla="*/ 651119 w 1989839"/>
-                  <a:gd name="connsiteY17" fmla="*/ 180914 h 651291"/>
-                  <a:gd name="connsiteX18" fmla="*/ 484684 w 1989839"/>
-                  <a:gd name="connsiteY18" fmla="*/ 115785 h 651291"/>
-                  <a:gd name="connsiteX19" fmla="*/ 448502 w 1989839"/>
-                  <a:gd name="connsiteY19" fmla="*/ 75984 h 651291"/>
-                  <a:gd name="connsiteX20" fmla="*/ 3468 w 1989839"/>
-                  <a:gd name="connsiteY20" fmla="*/ 0 h 651291"/>
-                  <a:gd name="connsiteX0" fmla="*/ 3468 w 1989839"/>
-                  <a:gd name="connsiteY0" fmla="*/ 0 h 651291"/>
-                  <a:gd name="connsiteX1" fmla="*/ 263976 w 1989839"/>
-                  <a:gd name="connsiteY1" fmla="*/ 199006 h 651291"/>
-                  <a:gd name="connsiteX2" fmla="*/ 665592 w 1989839"/>
-                  <a:gd name="connsiteY2" fmla="*/ 412484 h 651291"/>
-                  <a:gd name="connsiteX3" fmla="*/ 1128717 w 1989839"/>
-                  <a:gd name="connsiteY3" fmla="*/ 575307 h 651291"/>
-                  <a:gd name="connsiteX4" fmla="*/ 1505005 w 1989839"/>
-                  <a:gd name="connsiteY4" fmla="*/ 644054 h 651291"/>
-                  <a:gd name="connsiteX5" fmla="*/ 1917476 w 1989839"/>
-                  <a:gd name="connsiteY5" fmla="*/ 651291 h 651291"/>
-                  <a:gd name="connsiteX6" fmla="*/ 1989839 w 1989839"/>
-                  <a:gd name="connsiteY6" fmla="*/ 618726 h 651291"/>
-                  <a:gd name="connsiteX7" fmla="*/ 1892149 w 1989839"/>
-                  <a:gd name="connsiteY7" fmla="*/ 535506 h 651291"/>
-                  <a:gd name="connsiteX8" fmla="*/ 1718477 w 1989839"/>
-                  <a:gd name="connsiteY8" fmla="*/ 542742 h 651291"/>
-                  <a:gd name="connsiteX9" fmla="*/ 1309625 w 1989839"/>
-                  <a:gd name="connsiteY9" fmla="*/ 502941 h 651291"/>
-                  <a:gd name="connsiteX10" fmla="*/ 947808 w 1989839"/>
-                  <a:gd name="connsiteY10" fmla="*/ 387156 h 651291"/>
-                  <a:gd name="connsiteX11" fmla="*/ 1316861 w 1989839"/>
-                  <a:gd name="connsiteY11" fmla="*/ 394393 h 651291"/>
-                  <a:gd name="connsiteX12" fmla="*/ 1667823 w 1989839"/>
-                  <a:gd name="connsiteY12" fmla="*/ 332882 h 651291"/>
-                  <a:gd name="connsiteX13" fmla="*/ 1580987 w 1989839"/>
-                  <a:gd name="connsiteY13" fmla="*/ 217097 h 651291"/>
-                  <a:gd name="connsiteX14" fmla="*/ 1479678 w 1989839"/>
-                  <a:gd name="connsiteY14" fmla="*/ 238807 h 651291"/>
-                  <a:gd name="connsiteX15" fmla="*/ 1219171 w 1989839"/>
-                  <a:gd name="connsiteY15" fmla="*/ 253280 h 651291"/>
-                  <a:gd name="connsiteX16" fmla="*/ 922481 w 1989839"/>
-                  <a:gd name="connsiteY16" fmla="*/ 242425 h 651291"/>
-                  <a:gd name="connsiteX17" fmla="*/ 651119 w 1989839"/>
-                  <a:gd name="connsiteY17" fmla="*/ 180914 h 651291"/>
-                  <a:gd name="connsiteX18" fmla="*/ 484684 w 1989839"/>
-                  <a:gd name="connsiteY18" fmla="*/ 115785 h 651291"/>
-                  <a:gd name="connsiteX19" fmla="*/ 448502 w 1989839"/>
-                  <a:gd name="connsiteY19" fmla="*/ 75984 h 651291"/>
-                  <a:gd name="connsiteX20" fmla="*/ 3468 w 1989839"/>
-                  <a:gd name="connsiteY20" fmla="*/ 0 h 651291"/>
-                  <a:gd name="connsiteX0" fmla="*/ 3468 w 2006888"/>
-                  <a:gd name="connsiteY0" fmla="*/ 0 h 651536"/>
-                  <a:gd name="connsiteX1" fmla="*/ 263976 w 2006888"/>
-                  <a:gd name="connsiteY1" fmla="*/ 199006 h 651536"/>
-                  <a:gd name="connsiteX2" fmla="*/ 665592 w 2006888"/>
-                  <a:gd name="connsiteY2" fmla="*/ 412484 h 651536"/>
-                  <a:gd name="connsiteX3" fmla="*/ 1128717 w 2006888"/>
-                  <a:gd name="connsiteY3" fmla="*/ 575307 h 651536"/>
-                  <a:gd name="connsiteX4" fmla="*/ 1505005 w 2006888"/>
-                  <a:gd name="connsiteY4" fmla="*/ 644054 h 651536"/>
-                  <a:gd name="connsiteX5" fmla="*/ 1917476 w 2006888"/>
-                  <a:gd name="connsiteY5" fmla="*/ 651291 h 651536"/>
-                  <a:gd name="connsiteX6" fmla="*/ 1989839 w 2006888"/>
-                  <a:gd name="connsiteY6" fmla="*/ 618726 h 651536"/>
-                  <a:gd name="connsiteX7" fmla="*/ 1892149 w 2006888"/>
-                  <a:gd name="connsiteY7" fmla="*/ 535506 h 651536"/>
-                  <a:gd name="connsiteX8" fmla="*/ 1718477 w 2006888"/>
-                  <a:gd name="connsiteY8" fmla="*/ 542742 h 651536"/>
-                  <a:gd name="connsiteX9" fmla="*/ 1309625 w 2006888"/>
-                  <a:gd name="connsiteY9" fmla="*/ 502941 h 651536"/>
-                  <a:gd name="connsiteX10" fmla="*/ 947808 w 2006888"/>
-                  <a:gd name="connsiteY10" fmla="*/ 387156 h 651536"/>
-                  <a:gd name="connsiteX11" fmla="*/ 1316861 w 2006888"/>
-                  <a:gd name="connsiteY11" fmla="*/ 394393 h 651536"/>
-                  <a:gd name="connsiteX12" fmla="*/ 1667823 w 2006888"/>
-                  <a:gd name="connsiteY12" fmla="*/ 332882 h 651536"/>
-                  <a:gd name="connsiteX13" fmla="*/ 1580987 w 2006888"/>
-                  <a:gd name="connsiteY13" fmla="*/ 217097 h 651536"/>
-                  <a:gd name="connsiteX14" fmla="*/ 1479678 w 2006888"/>
-                  <a:gd name="connsiteY14" fmla="*/ 238807 h 651536"/>
-                  <a:gd name="connsiteX15" fmla="*/ 1219171 w 2006888"/>
-                  <a:gd name="connsiteY15" fmla="*/ 253280 h 651536"/>
-                  <a:gd name="connsiteX16" fmla="*/ 922481 w 2006888"/>
-                  <a:gd name="connsiteY16" fmla="*/ 242425 h 651536"/>
-                  <a:gd name="connsiteX17" fmla="*/ 651119 w 2006888"/>
-                  <a:gd name="connsiteY17" fmla="*/ 180914 h 651536"/>
-                  <a:gd name="connsiteX18" fmla="*/ 484684 w 2006888"/>
-                  <a:gd name="connsiteY18" fmla="*/ 115785 h 651536"/>
-                  <a:gd name="connsiteX19" fmla="*/ 448502 w 2006888"/>
-                  <a:gd name="connsiteY19" fmla="*/ 75984 h 651536"/>
-                  <a:gd name="connsiteX20" fmla="*/ 3468 w 2006888"/>
-                  <a:gd name="connsiteY20" fmla="*/ 0 h 651536"/>
-                  <a:gd name="connsiteX0" fmla="*/ 3468 w 1992322"/>
-                  <a:gd name="connsiteY0" fmla="*/ 0 h 651502"/>
-                  <a:gd name="connsiteX1" fmla="*/ 263976 w 1992322"/>
-                  <a:gd name="connsiteY1" fmla="*/ 199006 h 651502"/>
-                  <a:gd name="connsiteX2" fmla="*/ 665592 w 1992322"/>
-                  <a:gd name="connsiteY2" fmla="*/ 412484 h 651502"/>
-                  <a:gd name="connsiteX3" fmla="*/ 1128717 w 1992322"/>
-                  <a:gd name="connsiteY3" fmla="*/ 575307 h 651502"/>
-                  <a:gd name="connsiteX4" fmla="*/ 1505005 w 1992322"/>
-                  <a:gd name="connsiteY4" fmla="*/ 644054 h 651502"/>
-                  <a:gd name="connsiteX5" fmla="*/ 1917476 w 1992322"/>
-                  <a:gd name="connsiteY5" fmla="*/ 651291 h 651502"/>
-                  <a:gd name="connsiteX6" fmla="*/ 1989839 w 1992322"/>
-                  <a:gd name="connsiteY6" fmla="*/ 618726 h 651502"/>
-                  <a:gd name="connsiteX7" fmla="*/ 1892149 w 1992322"/>
-                  <a:gd name="connsiteY7" fmla="*/ 535506 h 651502"/>
-                  <a:gd name="connsiteX8" fmla="*/ 1718477 w 1992322"/>
-                  <a:gd name="connsiteY8" fmla="*/ 542742 h 651502"/>
-                  <a:gd name="connsiteX9" fmla="*/ 1309625 w 1992322"/>
-                  <a:gd name="connsiteY9" fmla="*/ 502941 h 651502"/>
-                  <a:gd name="connsiteX10" fmla="*/ 947808 w 1992322"/>
-                  <a:gd name="connsiteY10" fmla="*/ 387156 h 651502"/>
-                  <a:gd name="connsiteX11" fmla="*/ 1316861 w 1992322"/>
-                  <a:gd name="connsiteY11" fmla="*/ 394393 h 651502"/>
-                  <a:gd name="connsiteX12" fmla="*/ 1667823 w 1992322"/>
-                  <a:gd name="connsiteY12" fmla="*/ 332882 h 651502"/>
-                  <a:gd name="connsiteX13" fmla="*/ 1580987 w 1992322"/>
-                  <a:gd name="connsiteY13" fmla="*/ 217097 h 651502"/>
-                  <a:gd name="connsiteX14" fmla="*/ 1479678 w 1992322"/>
-                  <a:gd name="connsiteY14" fmla="*/ 238807 h 651502"/>
-                  <a:gd name="connsiteX15" fmla="*/ 1219171 w 1992322"/>
-                  <a:gd name="connsiteY15" fmla="*/ 253280 h 651502"/>
-                  <a:gd name="connsiteX16" fmla="*/ 922481 w 1992322"/>
-                  <a:gd name="connsiteY16" fmla="*/ 242425 h 651502"/>
-                  <a:gd name="connsiteX17" fmla="*/ 651119 w 1992322"/>
-                  <a:gd name="connsiteY17" fmla="*/ 180914 h 651502"/>
-                  <a:gd name="connsiteX18" fmla="*/ 484684 w 1992322"/>
-                  <a:gd name="connsiteY18" fmla="*/ 115785 h 651502"/>
-                  <a:gd name="connsiteX19" fmla="*/ 448502 w 1992322"/>
-                  <a:gd name="connsiteY19" fmla="*/ 75984 h 651502"/>
-                  <a:gd name="connsiteX20" fmla="*/ 3468 w 1992322"/>
-                  <a:gd name="connsiteY20" fmla="*/ 0 h 651502"/>
-                  <a:gd name="connsiteX0" fmla="*/ 3468 w 1989839"/>
-                  <a:gd name="connsiteY0" fmla="*/ 0 h 651502"/>
-                  <a:gd name="connsiteX1" fmla="*/ 263976 w 1989839"/>
-                  <a:gd name="connsiteY1" fmla="*/ 199006 h 651502"/>
-                  <a:gd name="connsiteX2" fmla="*/ 665592 w 1989839"/>
-                  <a:gd name="connsiteY2" fmla="*/ 412484 h 651502"/>
-                  <a:gd name="connsiteX3" fmla="*/ 1128717 w 1989839"/>
-                  <a:gd name="connsiteY3" fmla="*/ 575307 h 651502"/>
-                  <a:gd name="connsiteX4" fmla="*/ 1505005 w 1989839"/>
-                  <a:gd name="connsiteY4" fmla="*/ 644054 h 651502"/>
-                  <a:gd name="connsiteX5" fmla="*/ 1917476 w 1989839"/>
-                  <a:gd name="connsiteY5" fmla="*/ 651291 h 651502"/>
-                  <a:gd name="connsiteX6" fmla="*/ 1989839 w 1989839"/>
-                  <a:gd name="connsiteY6" fmla="*/ 618726 h 651502"/>
-                  <a:gd name="connsiteX7" fmla="*/ 1892149 w 1989839"/>
-                  <a:gd name="connsiteY7" fmla="*/ 535506 h 651502"/>
-                  <a:gd name="connsiteX8" fmla="*/ 1718477 w 1989839"/>
-                  <a:gd name="connsiteY8" fmla="*/ 542742 h 651502"/>
-                  <a:gd name="connsiteX9" fmla="*/ 1309625 w 1989839"/>
-                  <a:gd name="connsiteY9" fmla="*/ 502941 h 651502"/>
-                  <a:gd name="connsiteX10" fmla="*/ 947808 w 1989839"/>
-                  <a:gd name="connsiteY10" fmla="*/ 387156 h 651502"/>
-                  <a:gd name="connsiteX11" fmla="*/ 1316861 w 1989839"/>
-                  <a:gd name="connsiteY11" fmla="*/ 394393 h 651502"/>
-                  <a:gd name="connsiteX12" fmla="*/ 1667823 w 1989839"/>
-                  <a:gd name="connsiteY12" fmla="*/ 332882 h 651502"/>
-                  <a:gd name="connsiteX13" fmla="*/ 1580987 w 1989839"/>
-                  <a:gd name="connsiteY13" fmla="*/ 217097 h 651502"/>
-                  <a:gd name="connsiteX14" fmla="*/ 1479678 w 1989839"/>
-                  <a:gd name="connsiteY14" fmla="*/ 238807 h 651502"/>
-                  <a:gd name="connsiteX15" fmla="*/ 1219171 w 1989839"/>
-                  <a:gd name="connsiteY15" fmla="*/ 253280 h 651502"/>
-                  <a:gd name="connsiteX16" fmla="*/ 922481 w 1989839"/>
-                  <a:gd name="connsiteY16" fmla="*/ 242425 h 651502"/>
-                  <a:gd name="connsiteX17" fmla="*/ 651119 w 1989839"/>
-                  <a:gd name="connsiteY17" fmla="*/ 180914 h 651502"/>
-                  <a:gd name="connsiteX18" fmla="*/ 484684 w 1989839"/>
-                  <a:gd name="connsiteY18" fmla="*/ 115785 h 651502"/>
-                  <a:gd name="connsiteX19" fmla="*/ 448502 w 1989839"/>
-                  <a:gd name="connsiteY19" fmla="*/ 75984 h 651502"/>
-                  <a:gd name="connsiteX20" fmla="*/ 3468 w 1989839"/>
-                  <a:gd name="connsiteY20" fmla="*/ 0 h 651502"/>
-                  <a:gd name="connsiteX0" fmla="*/ 3468 w 1995691"/>
-                  <a:gd name="connsiteY0" fmla="*/ 0 h 651949"/>
-                  <a:gd name="connsiteX1" fmla="*/ 263976 w 1995691"/>
-                  <a:gd name="connsiteY1" fmla="*/ 199006 h 651949"/>
-                  <a:gd name="connsiteX2" fmla="*/ 665592 w 1995691"/>
-                  <a:gd name="connsiteY2" fmla="*/ 412484 h 651949"/>
-                  <a:gd name="connsiteX3" fmla="*/ 1128717 w 1995691"/>
-                  <a:gd name="connsiteY3" fmla="*/ 575307 h 651949"/>
-                  <a:gd name="connsiteX4" fmla="*/ 1505005 w 1995691"/>
-                  <a:gd name="connsiteY4" fmla="*/ 644054 h 651949"/>
-                  <a:gd name="connsiteX5" fmla="*/ 1917476 w 1995691"/>
-                  <a:gd name="connsiteY5" fmla="*/ 651291 h 651949"/>
-                  <a:gd name="connsiteX6" fmla="*/ 1989839 w 1995691"/>
-                  <a:gd name="connsiteY6" fmla="*/ 618726 h 651949"/>
-                  <a:gd name="connsiteX7" fmla="*/ 1892149 w 1995691"/>
-                  <a:gd name="connsiteY7" fmla="*/ 535506 h 651949"/>
-                  <a:gd name="connsiteX8" fmla="*/ 1718477 w 1995691"/>
-                  <a:gd name="connsiteY8" fmla="*/ 542742 h 651949"/>
-                  <a:gd name="connsiteX9" fmla="*/ 1309625 w 1995691"/>
-                  <a:gd name="connsiteY9" fmla="*/ 502941 h 651949"/>
-                  <a:gd name="connsiteX10" fmla="*/ 947808 w 1995691"/>
-                  <a:gd name="connsiteY10" fmla="*/ 387156 h 651949"/>
-                  <a:gd name="connsiteX11" fmla="*/ 1316861 w 1995691"/>
-                  <a:gd name="connsiteY11" fmla="*/ 394393 h 651949"/>
-                  <a:gd name="connsiteX12" fmla="*/ 1667823 w 1995691"/>
-                  <a:gd name="connsiteY12" fmla="*/ 332882 h 651949"/>
-                  <a:gd name="connsiteX13" fmla="*/ 1580987 w 1995691"/>
-                  <a:gd name="connsiteY13" fmla="*/ 217097 h 651949"/>
-                  <a:gd name="connsiteX14" fmla="*/ 1479678 w 1995691"/>
-                  <a:gd name="connsiteY14" fmla="*/ 238807 h 651949"/>
-                  <a:gd name="connsiteX15" fmla="*/ 1219171 w 1995691"/>
-                  <a:gd name="connsiteY15" fmla="*/ 253280 h 651949"/>
-                  <a:gd name="connsiteX16" fmla="*/ 922481 w 1995691"/>
-                  <a:gd name="connsiteY16" fmla="*/ 242425 h 651949"/>
-                  <a:gd name="connsiteX17" fmla="*/ 651119 w 1995691"/>
-                  <a:gd name="connsiteY17" fmla="*/ 180914 h 651949"/>
-                  <a:gd name="connsiteX18" fmla="*/ 484684 w 1995691"/>
-                  <a:gd name="connsiteY18" fmla="*/ 115785 h 651949"/>
-                  <a:gd name="connsiteX19" fmla="*/ 448502 w 1995691"/>
-                  <a:gd name="connsiteY19" fmla="*/ 75984 h 651949"/>
-                  <a:gd name="connsiteX20" fmla="*/ 3468 w 1995691"/>
-                  <a:gd name="connsiteY20" fmla="*/ 0 h 651949"/>
-                  <a:gd name="connsiteX0" fmla="*/ 3468 w 1989839"/>
-                  <a:gd name="connsiteY0" fmla="*/ 0 h 664521"/>
-                  <a:gd name="connsiteX1" fmla="*/ 263976 w 1989839"/>
-                  <a:gd name="connsiteY1" fmla="*/ 199006 h 664521"/>
-                  <a:gd name="connsiteX2" fmla="*/ 665592 w 1989839"/>
-                  <a:gd name="connsiteY2" fmla="*/ 412484 h 664521"/>
-                  <a:gd name="connsiteX3" fmla="*/ 1128717 w 1989839"/>
-                  <a:gd name="connsiteY3" fmla="*/ 575307 h 664521"/>
-                  <a:gd name="connsiteX4" fmla="*/ 1505005 w 1989839"/>
-                  <a:gd name="connsiteY4" fmla="*/ 644054 h 664521"/>
-                  <a:gd name="connsiteX5" fmla="*/ 1917476 w 1989839"/>
-                  <a:gd name="connsiteY5" fmla="*/ 651291 h 664521"/>
-                  <a:gd name="connsiteX6" fmla="*/ 1989839 w 1989839"/>
-                  <a:gd name="connsiteY6" fmla="*/ 618726 h 664521"/>
-                  <a:gd name="connsiteX7" fmla="*/ 1892149 w 1989839"/>
-                  <a:gd name="connsiteY7" fmla="*/ 535506 h 664521"/>
-                  <a:gd name="connsiteX8" fmla="*/ 1718477 w 1989839"/>
-                  <a:gd name="connsiteY8" fmla="*/ 542742 h 664521"/>
-                  <a:gd name="connsiteX9" fmla="*/ 1309625 w 1989839"/>
-                  <a:gd name="connsiteY9" fmla="*/ 502941 h 664521"/>
-                  <a:gd name="connsiteX10" fmla="*/ 947808 w 1989839"/>
-                  <a:gd name="connsiteY10" fmla="*/ 387156 h 664521"/>
-                  <a:gd name="connsiteX11" fmla="*/ 1316861 w 1989839"/>
-                  <a:gd name="connsiteY11" fmla="*/ 394393 h 664521"/>
-                  <a:gd name="connsiteX12" fmla="*/ 1667823 w 1989839"/>
-                  <a:gd name="connsiteY12" fmla="*/ 332882 h 664521"/>
-                  <a:gd name="connsiteX13" fmla="*/ 1580987 w 1989839"/>
-                  <a:gd name="connsiteY13" fmla="*/ 217097 h 664521"/>
-                  <a:gd name="connsiteX14" fmla="*/ 1479678 w 1989839"/>
-                  <a:gd name="connsiteY14" fmla="*/ 238807 h 664521"/>
-                  <a:gd name="connsiteX15" fmla="*/ 1219171 w 1989839"/>
-                  <a:gd name="connsiteY15" fmla="*/ 253280 h 664521"/>
-                  <a:gd name="connsiteX16" fmla="*/ 922481 w 1989839"/>
-                  <a:gd name="connsiteY16" fmla="*/ 242425 h 664521"/>
-                  <a:gd name="connsiteX17" fmla="*/ 651119 w 1989839"/>
-                  <a:gd name="connsiteY17" fmla="*/ 180914 h 664521"/>
-                  <a:gd name="connsiteX18" fmla="*/ 484684 w 1989839"/>
-                  <a:gd name="connsiteY18" fmla="*/ 115785 h 664521"/>
-                  <a:gd name="connsiteX19" fmla="*/ 448502 w 1989839"/>
-                  <a:gd name="connsiteY19" fmla="*/ 75984 h 664521"/>
-                  <a:gd name="connsiteX20" fmla="*/ 3468 w 1989839"/>
-                  <a:gd name="connsiteY20" fmla="*/ 0 h 664521"/>
-                  <a:gd name="connsiteX0" fmla="*/ 3468 w 1989839"/>
-                  <a:gd name="connsiteY0" fmla="*/ 0 h 664521"/>
-                  <a:gd name="connsiteX1" fmla="*/ 263976 w 1989839"/>
-                  <a:gd name="connsiteY1" fmla="*/ 199006 h 664521"/>
-                  <a:gd name="connsiteX2" fmla="*/ 665592 w 1989839"/>
-                  <a:gd name="connsiteY2" fmla="*/ 412484 h 664521"/>
-                  <a:gd name="connsiteX3" fmla="*/ 1128717 w 1989839"/>
-                  <a:gd name="connsiteY3" fmla="*/ 575307 h 664521"/>
-                  <a:gd name="connsiteX4" fmla="*/ 1505005 w 1989839"/>
-                  <a:gd name="connsiteY4" fmla="*/ 644054 h 664521"/>
-                  <a:gd name="connsiteX5" fmla="*/ 1917476 w 1989839"/>
-                  <a:gd name="connsiteY5" fmla="*/ 651291 h 664521"/>
-                  <a:gd name="connsiteX6" fmla="*/ 1989839 w 1989839"/>
-                  <a:gd name="connsiteY6" fmla="*/ 618726 h 664521"/>
-                  <a:gd name="connsiteX7" fmla="*/ 1892149 w 1989839"/>
-                  <a:gd name="connsiteY7" fmla="*/ 535506 h 664521"/>
-                  <a:gd name="connsiteX8" fmla="*/ 1718477 w 1989839"/>
-                  <a:gd name="connsiteY8" fmla="*/ 542742 h 664521"/>
-                  <a:gd name="connsiteX9" fmla="*/ 1309625 w 1989839"/>
-                  <a:gd name="connsiteY9" fmla="*/ 502941 h 664521"/>
-                  <a:gd name="connsiteX10" fmla="*/ 947808 w 1989839"/>
-                  <a:gd name="connsiteY10" fmla="*/ 387156 h 664521"/>
-                  <a:gd name="connsiteX11" fmla="*/ 1316861 w 1989839"/>
-                  <a:gd name="connsiteY11" fmla="*/ 394393 h 664521"/>
-                  <a:gd name="connsiteX12" fmla="*/ 1667823 w 1989839"/>
-                  <a:gd name="connsiteY12" fmla="*/ 332882 h 664521"/>
-                  <a:gd name="connsiteX13" fmla="*/ 1580987 w 1989839"/>
-                  <a:gd name="connsiteY13" fmla="*/ 217097 h 664521"/>
-                  <a:gd name="connsiteX14" fmla="*/ 1479678 w 1989839"/>
-                  <a:gd name="connsiteY14" fmla="*/ 238807 h 664521"/>
-                  <a:gd name="connsiteX15" fmla="*/ 1219171 w 1989839"/>
-                  <a:gd name="connsiteY15" fmla="*/ 253280 h 664521"/>
-                  <a:gd name="connsiteX16" fmla="*/ 922481 w 1989839"/>
-                  <a:gd name="connsiteY16" fmla="*/ 242425 h 664521"/>
-                  <a:gd name="connsiteX17" fmla="*/ 651119 w 1989839"/>
-                  <a:gd name="connsiteY17" fmla="*/ 180914 h 664521"/>
-                  <a:gd name="connsiteX18" fmla="*/ 484684 w 1989839"/>
-                  <a:gd name="connsiteY18" fmla="*/ 115785 h 664521"/>
-                  <a:gd name="connsiteX19" fmla="*/ 448502 w 1989839"/>
-                  <a:gd name="connsiteY19" fmla="*/ 75984 h 664521"/>
-                  <a:gd name="connsiteX20" fmla="*/ 3468 w 1989839"/>
-                  <a:gd name="connsiteY20" fmla="*/ 0 h 664521"/>
-                  <a:gd name="connsiteX0" fmla="*/ 3468 w 1989839"/>
-                  <a:gd name="connsiteY0" fmla="*/ 0 h 664521"/>
-                  <a:gd name="connsiteX1" fmla="*/ 263976 w 1989839"/>
-                  <a:gd name="connsiteY1" fmla="*/ 199006 h 664521"/>
-                  <a:gd name="connsiteX2" fmla="*/ 665592 w 1989839"/>
-                  <a:gd name="connsiteY2" fmla="*/ 412484 h 664521"/>
-                  <a:gd name="connsiteX3" fmla="*/ 1128717 w 1989839"/>
-                  <a:gd name="connsiteY3" fmla="*/ 575307 h 664521"/>
-                  <a:gd name="connsiteX4" fmla="*/ 1505005 w 1989839"/>
-                  <a:gd name="connsiteY4" fmla="*/ 644054 h 664521"/>
-                  <a:gd name="connsiteX5" fmla="*/ 1917476 w 1989839"/>
-                  <a:gd name="connsiteY5" fmla="*/ 651291 h 664521"/>
-                  <a:gd name="connsiteX6" fmla="*/ 1989839 w 1989839"/>
-                  <a:gd name="connsiteY6" fmla="*/ 618726 h 664521"/>
-                  <a:gd name="connsiteX7" fmla="*/ 1892149 w 1989839"/>
-                  <a:gd name="connsiteY7" fmla="*/ 535506 h 664521"/>
-                  <a:gd name="connsiteX8" fmla="*/ 1718477 w 1989839"/>
-                  <a:gd name="connsiteY8" fmla="*/ 542742 h 664521"/>
-                  <a:gd name="connsiteX9" fmla="*/ 1309625 w 1989839"/>
-                  <a:gd name="connsiteY9" fmla="*/ 502941 h 664521"/>
-                  <a:gd name="connsiteX10" fmla="*/ 947808 w 1989839"/>
-                  <a:gd name="connsiteY10" fmla="*/ 387156 h 664521"/>
-                  <a:gd name="connsiteX11" fmla="*/ 1316861 w 1989839"/>
-                  <a:gd name="connsiteY11" fmla="*/ 394393 h 664521"/>
-                  <a:gd name="connsiteX12" fmla="*/ 1667823 w 1989839"/>
-                  <a:gd name="connsiteY12" fmla="*/ 332882 h 664521"/>
-                  <a:gd name="connsiteX13" fmla="*/ 1580987 w 1989839"/>
-                  <a:gd name="connsiteY13" fmla="*/ 217097 h 664521"/>
-                  <a:gd name="connsiteX14" fmla="*/ 1479678 w 1989839"/>
-                  <a:gd name="connsiteY14" fmla="*/ 238807 h 664521"/>
-                  <a:gd name="connsiteX15" fmla="*/ 1219171 w 1989839"/>
-                  <a:gd name="connsiteY15" fmla="*/ 253280 h 664521"/>
-                  <a:gd name="connsiteX16" fmla="*/ 922481 w 1989839"/>
-                  <a:gd name="connsiteY16" fmla="*/ 242425 h 664521"/>
-                  <a:gd name="connsiteX17" fmla="*/ 651119 w 1989839"/>
-                  <a:gd name="connsiteY17" fmla="*/ 180914 h 664521"/>
-                  <a:gd name="connsiteX18" fmla="*/ 484684 w 1989839"/>
-                  <a:gd name="connsiteY18" fmla="*/ 115785 h 664521"/>
-                  <a:gd name="connsiteX19" fmla="*/ 448502 w 1989839"/>
-                  <a:gd name="connsiteY19" fmla="*/ 75984 h 664521"/>
-                  <a:gd name="connsiteX20" fmla="*/ 3468 w 1989839"/>
-                  <a:gd name="connsiteY20" fmla="*/ 0 h 664521"/>
-                  <a:gd name="connsiteX0" fmla="*/ 3468 w 1989839"/>
-                  <a:gd name="connsiteY0" fmla="*/ 0 h 664521"/>
-                  <a:gd name="connsiteX1" fmla="*/ 263976 w 1989839"/>
-                  <a:gd name="connsiteY1" fmla="*/ 199006 h 664521"/>
-                  <a:gd name="connsiteX2" fmla="*/ 665592 w 1989839"/>
-                  <a:gd name="connsiteY2" fmla="*/ 412484 h 664521"/>
-                  <a:gd name="connsiteX3" fmla="*/ 1128717 w 1989839"/>
-                  <a:gd name="connsiteY3" fmla="*/ 575307 h 664521"/>
-                  <a:gd name="connsiteX4" fmla="*/ 1505005 w 1989839"/>
-                  <a:gd name="connsiteY4" fmla="*/ 644054 h 664521"/>
-                  <a:gd name="connsiteX5" fmla="*/ 1917476 w 1989839"/>
-                  <a:gd name="connsiteY5" fmla="*/ 651291 h 664521"/>
-                  <a:gd name="connsiteX6" fmla="*/ 1989839 w 1989839"/>
-                  <a:gd name="connsiteY6" fmla="*/ 618726 h 664521"/>
-                  <a:gd name="connsiteX7" fmla="*/ 1892149 w 1989839"/>
-                  <a:gd name="connsiteY7" fmla="*/ 535506 h 664521"/>
-                  <a:gd name="connsiteX8" fmla="*/ 1718477 w 1989839"/>
-                  <a:gd name="connsiteY8" fmla="*/ 542742 h 664521"/>
-                  <a:gd name="connsiteX9" fmla="*/ 1309625 w 1989839"/>
-                  <a:gd name="connsiteY9" fmla="*/ 502941 h 664521"/>
-                  <a:gd name="connsiteX10" fmla="*/ 947808 w 1989839"/>
-                  <a:gd name="connsiteY10" fmla="*/ 387156 h 664521"/>
-                  <a:gd name="connsiteX11" fmla="*/ 1316861 w 1989839"/>
-                  <a:gd name="connsiteY11" fmla="*/ 394393 h 664521"/>
-                  <a:gd name="connsiteX12" fmla="*/ 1667823 w 1989839"/>
-                  <a:gd name="connsiteY12" fmla="*/ 332882 h 664521"/>
-                  <a:gd name="connsiteX13" fmla="*/ 1580987 w 1989839"/>
-                  <a:gd name="connsiteY13" fmla="*/ 217097 h 664521"/>
-                  <a:gd name="connsiteX14" fmla="*/ 1479678 w 1989839"/>
-                  <a:gd name="connsiteY14" fmla="*/ 238807 h 664521"/>
-                  <a:gd name="connsiteX15" fmla="*/ 1219171 w 1989839"/>
-                  <a:gd name="connsiteY15" fmla="*/ 253280 h 664521"/>
-                  <a:gd name="connsiteX16" fmla="*/ 922481 w 1989839"/>
-                  <a:gd name="connsiteY16" fmla="*/ 242425 h 664521"/>
-                  <a:gd name="connsiteX17" fmla="*/ 651119 w 1989839"/>
-                  <a:gd name="connsiteY17" fmla="*/ 180914 h 664521"/>
-                  <a:gd name="connsiteX18" fmla="*/ 484684 w 1989839"/>
-                  <a:gd name="connsiteY18" fmla="*/ 115785 h 664521"/>
-                  <a:gd name="connsiteX19" fmla="*/ 448502 w 1989839"/>
-                  <a:gd name="connsiteY19" fmla="*/ 75984 h 664521"/>
-                  <a:gd name="connsiteX20" fmla="*/ 3468 w 1989839"/>
-                  <a:gd name="connsiteY20" fmla="*/ 0 h 664521"/>
-                  <a:gd name="connsiteX0" fmla="*/ 3468 w 1989839"/>
-                  <a:gd name="connsiteY0" fmla="*/ 0 h 664521"/>
-                  <a:gd name="connsiteX1" fmla="*/ 263976 w 1989839"/>
-                  <a:gd name="connsiteY1" fmla="*/ 199006 h 664521"/>
-                  <a:gd name="connsiteX2" fmla="*/ 665592 w 1989839"/>
-                  <a:gd name="connsiteY2" fmla="*/ 412484 h 664521"/>
-                  <a:gd name="connsiteX3" fmla="*/ 1128717 w 1989839"/>
-                  <a:gd name="connsiteY3" fmla="*/ 575307 h 664521"/>
-                  <a:gd name="connsiteX4" fmla="*/ 1505005 w 1989839"/>
-                  <a:gd name="connsiteY4" fmla="*/ 644054 h 664521"/>
-                  <a:gd name="connsiteX5" fmla="*/ 1917476 w 1989839"/>
-                  <a:gd name="connsiteY5" fmla="*/ 651291 h 664521"/>
-                  <a:gd name="connsiteX6" fmla="*/ 1989839 w 1989839"/>
-                  <a:gd name="connsiteY6" fmla="*/ 618726 h 664521"/>
-                  <a:gd name="connsiteX7" fmla="*/ 1892149 w 1989839"/>
-                  <a:gd name="connsiteY7" fmla="*/ 535506 h 664521"/>
-                  <a:gd name="connsiteX8" fmla="*/ 1718477 w 1989839"/>
-                  <a:gd name="connsiteY8" fmla="*/ 542742 h 664521"/>
-                  <a:gd name="connsiteX9" fmla="*/ 1309625 w 1989839"/>
-                  <a:gd name="connsiteY9" fmla="*/ 502941 h 664521"/>
-                  <a:gd name="connsiteX10" fmla="*/ 947808 w 1989839"/>
-                  <a:gd name="connsiteY10" fmla="*/ 387156 h 664521"/>
-                  <a:gd name="connsiteX11" fmla="*/ 1316861 w 1989839"/>
-                  <a:gd name="connsiteY11" fmla="*/ 394393 h 664521"/>
-                  <a:gd name="connsiteX12" fmla="*/ 1667823 w 1989839"/>
-                  <a:gd name="connsiteY12" fmla="*/ 332882 h 664521"/>
-                  <a:gd name="connsiteX13" fmla="*/ 1580987 w 1989839"/>
-                  <a:gd name="connsiteY13" fmla="*/ 217097 h 664521"/>
-                  <a:gd name="connsiteX14" fmla="*/ 1479678 w 1989839"/>
-                  <a:gd name="connsiteY14" fmla="*/ 238807 h 664521"/>
-                  <a:gd name="connsiteX15" fmla="*/ 1219171 w 1989839"/>
-                  <a:gd name="connsiteY15" fmla="*/ 253280 h 664521"/>
-                  <a:gd name="connsiteX16" fmla="*/ 922481 w 1989839"/>
-                  <a:gd name="connsiteY16" fmla="*/ 242425 h 664521"/>
-                  <a:gd name="connsiteX17" fmla="*/ 651119 w 1989839"/>
-                  <a:gd name="connsiteY17" fmla="*/ 180914 h 664521"/>
-                  <a:gd name="connsiteX18" fmla="*/ 484684 w 1989839"/>
-                  <a:gd name="connsiteY18" fmla="*/ 115785 h 664521"/>
-                  <a:gd name="connsiteX19" fmla="*/ 448502 w 1989839"/>
-                  <a:gd name="connsiteY19" fmla="*/ 75984 h 664521"/>
-                  <a:gd name="connsiteX20" fmla="*/ 3468 w 1989839"/>
-                  <a:gd name="connsiteY20" fmla="*/ 0 h 664521"/>
-                  <a:gd name="connsiteX0" fmla="*/ 3468 w 1989839"/>
-                  <a:gd name="connsiteY0" fmla="*/ 0 h 664521"/>
-                  <a:gd name="connsiteX1" fmla="*/ 263976 w 1989839"/>
-                  <a:gd name="connsiteY1" fmla="*/ 199006 h 664521"/>
-                  <a:gd name="connsiteX2" fmla="*/ 665592 w 1989839"/>
-                  <a:gd name="connsiteY2" fmla="*/ 412484 h 664521"/>
-                  <a:gd name="connsiteX3" fmla="*/ 1128717 w 1989839"/>
-                  <a:gd name="connsiteY3" fmla="*/ 575307 h 664521"/>
-                  <a:gd name="connsiteX4" fmla="*/ 1505005 w 1989839"/>
-                  <a:gd name="connsiteY4" fmla="*/ 644054 h 664521"/>
-                  <a:gd name="connsiteX5" fmla="*/ 1917476 w 1989839"/>
-                  <a:gd name="connsiteY5" fmla="*/ 651291 h 664521"/>
-                  <a:gd name="connsiteX6" fmla="*/ 1989839 w 1989839"/>
-                  <a:gd name="connsiteY6" fmla="*/ 618726 h 664521"/>
-                  <a:gd name="connsiteX7" fmla="*/ 1892149 w 1989839"/>
-                  <a:gd name="connsiteY7" fmla="*/ 535506 h 664521"/>
-                  <a:gd name="connsiteX8" fmla="*/ 1718477 w 1989839"/>
-                  <a:gd name="connsiteY8" fmla="*/ 542742 h 664521"/>
-                  <a:gd name="connsiteX9" fmla="*/ 1309625 w 1989839"/>
-                  <a:gd name="connsiteY9" fmla="*/ 490241 h 664521"/>
-                  <a:gd name="connsiteX10" fmla="*/ 947808 w 1989839"/>
-                  <a:gd name="connsiteY10" fmla="*/ 387156 h 664521"/>
-                  <a:gd name="connsiteX11" fmla="*/ 1316861 w 1989839"/>
-                  <a:gd name="connsiteY11" fmla="*/ 394393 h 664521"/>
-                  <a:gd name="connsiteX12" fmla="*/ 1667823 w 1989839"/>
-                  <a:gd name="connsiteY12" fmla="*/ 332882 h 664521"/>
-                  <a:gd name="connsiteX13" fmla="*/ 1580987 w 1989839"/>
-                  <a:gd name="connsiteY13" fmla="*/ 217097 h 664521"/>
-                  <a:gd name="connsiteX14" fmla="*/ 1479678 w 1989839"/>
-                  <a:gd name="connsiteY14" fmla="*/ 238807 h 664521"/>
-                  <a:gd name="connsiteX15" fmla="*/ 1219171 w 1989839"/>
-                  <a:gd name="connsiteY15" fmla="*/ 253280 h 664521"/>
-                  <a:gd name="connsiteX16" fmla="*/ 922481 w 1989839"/>
-                  <a:gd name="connsiteY16" fmla="*/ 242425 h 664521"/>
-                  <a:gd name="connsiteX17" fmla="*/ 651119 w 1989839"/>
-                  <a:gd name="connsiteY17" fmla="*/ 180914 h 664521"/>
-                  <a:gd name="connsiteX18" fmla="*/ 484684 w 1989839"/>
-                  <a:gd name="connsiteY18" fmla="*/ 115785 h 664521"/>
-                  <a:gd name="connsiteX19" fmla="*/ 448502 w 1989839"/>
-                  <a:gd name="connsiteY19" fmla="*/ 75984 h 664521"/>
-                  <a:gd name="connsiteX20" fmla="*/ 3468 w 1989839"/>
-                  <a:gd name="connsiteY20" fmla="*/ 0 h 664521"/>
-                  <a:gd name="connsiteX0" fmla="*/ 3468 w 1989839"/>
-                  <a:gd name="connsiteY0" fmla="*/ 0 h 664521"/>
-                  <a:gd name="connsiteX1" fmla="*/ 263976 w 1989839"/>
-                  <a:gd name="connsiteY1" fmla="*/ 199006 h 664521"/>
-                  <a:gd name="connsiteX2" fmla="*/ 665592 w 1989839"/>
-                  <a:gd name="connsiteY2" fmla="*/ 412484 h 664521"/>
-                  <a:gd name="connsiteX3" fmla="*/ 1128717 w 1989839"/>
-                  <a:gd name="connsiteY3" fmla="*/ 575307 h 664521"/>
-                  <a:gd name="connsiteX4" fmla="*/ 1505005 w 1989839"/>
-                  <a:gd name="connsiteY4" fmla="*/ 644054 h 664521"/>
-                  <a:gd name="connsiteX5" fmla="*/ 1917476 w 1989839"/>
-                  <a:gd name="connsiteY5" fmla="*/ 651291 h 664521"/>
-                  <a:gd name="connsiteX6" fmla="*/ 1989839 w 1989839"/>
-                  <a:gd name="connsiteY6" fmla="*/ 618726 h 664521"/>
-                  <a:gd name="connsiteX7" fmla="*/ 1892149 w 1989839"/>
-                  <a:gd name="connsiteY7" fmla="*/ 535506 h 664521"/>
-                  <a:gd name="connsiteX8" fmla="*/ 1718477 w 1989839"/>
-                  <a:gd name="connsiteY8" fmla="*/ 542742 h 664521"/>
-                  <a:gd name="connsiteX9" fmla="*/ 1309625 w 1989839"/>
-                  <a:gd name="connsiteY9" fmla="*/ 490241 h 664521"/>
-                  <a:gd name="connsiteX10" fmla="*/ 947808 w 1989839"/>
-                  <a:gd name="connsiteY10" fmla="*/ 387156 h 664521"/>
-                  <a:gd name="connsiteX11" fmla="*/ 1316861 w 1989839"/>
-                  <a:gd name="connsiteY11" fmla="*/ 394393 h 664521"/>
-                  <a:gd name="connsiteX12" fmla="*/ 1667823 w 1989839"/>
-                  <a:gd name="connsiteY12" fmla="*/ 332882 h 664521"/>
-                  <a:gd name="connsiteX13" fmla="*/ 1580987 w 1989839"/>
-                  <a:gd name="connsiteY13" fmla="*/ 217097 h 664521"/>
-                  <a:gd name="connsiteX14" fmla="*/ 1479678 w 1989839"/>
-                  <a:gd name="connsiteY14" fmla="*/ 238807 h 664521"/>
-                  <a:gd name="connsiteX15" fmla="*/ 1219171 w 1989839"/>
-                  <a:gd name="connsiteY15" fmla="*/ 253280 h 664521"/>
-                  <a:gd name="connsiteX16" fmla="*/ 922481 w 1989839"/>
-                  <a:gd name="connsiteY16" fmla="*/ 242425 h 664521"/>
-                  <a:gd name="connsiteX17" fmla="*/ 651119 w 1989839"/>
-                  <a:gd name="connsiteY17" fmla="*/ 180914 h 664521"/>
-                  <a:gd name="connsiteX18" fmla="*/ 484684 w 1989839"/>
-                  <a:gd name="connsiteY18" fmla="*/ 115785 h 664521"/>
-                  <a:gd name="connsiteX19" fmla="*/ 448502 w 1989839"/>
-                  <a:gd name="connsiteY19" fmla="*/ 75984 h 664521"/>
-                  <a:gd name="connsiteX20" fmla="*/ 3468 w 1989839"/>
-                  <a:gd name="connsiteY20" fmla="*/ 0 h 664521"/>
-                  <a:gd name="connsiteX0" fmla="*/ 3468 w 1989839"/>
-                  <a:gd name="connsiteY0" fmla="*/ 0 h 664521"/>
-                  <a:gd name="connsiteX1" fmla="*/ 263976 w 1989839"/>
-                  <a:gd name="connsiteY1" fmla="*/ 199006 h 664521"/>
-                  <a:gd name="connsiteX2" fmla="*/ 665592 w 1989839"/>
-                  <a:gd name="connsiteY2" fmla="*/ 412484 h 664521"/>
-                  <a:gd name="connsiteX3" fmla="*/ 1128717 w 1989839"/>
-                  <a:gd name="connsiteY3" fmla="*/ 575307 h 664521"/>
-                  <a:gd name="connsiteX4" fmla="*/ 1505005 w 1989839"/>
-                  <a:gd name="connsiteY4" fmla="*/ 644054 h 664521"/>
-                  <a:gd name="connsiteX5" fmla="*/ 1917476 w 1989839"/>
-                  <a:gd name="connsiteY5" fmla="*/ 651291 h 664521"/>
-                  <a:gd name="connsiteX6" fmla="*/ 1989839 w 1989839"/>
-                  <a:gd name="connsiteY6" fmla="*/ 618726 h 664521"/>
-                  <a:gd name="connsiteX7" fmla="*/ 1892149 w 1989839"/>
-                  <a:gd name="connsiteY7" fmla="*/ 535506 h 664521"/>
-                  <a:gd name="connsiteX8" fmla="*/ 1718477 w 1989839"/>
-                  <a:gd name="connsiteY8" fmla="*/ 542742 h 664521"/>
-                  <a:gd name="connsiteX9" fmla="*/ 1309625 w 1989839"/>
-                  <a:gd name="connsiteY9" fmla="*/ 490241 h 664521"/>
-                  <a:gd name="connsiteX10" fmla="*/ 947808 w 1989839"/>
-                  <a:gd name="connsiteY10" fmla="*/ 387156 h 664521"/>
-                  <a:gd name="connsiteX11" fmla="*/ 1316861 w 1989839"/>
-                  <a:gd name="connsiteY11" fmla="*/ 394393 h 664521"/>
-                  <a:gd name="connsiteX12" fmla="*/ 1667823 w 1989839"/>
-                  <a:gd name="connsiteY12" fmla="*/ 332882 h 664521"/>
-                  <a:gd name="connsiteX13" fmla="*/ 1580987 w 1989839"/>
-                  <a:gd name="connsiteY13" fmla="*/ 217097 h 664521"/>
-                  <a:gd name="connsiteX14" fmla="*/ 1479678 w 1989839"/>
-                  <a:gd name="connsiteY14" fmla="*/ 238807 h 664521"/>
-                  <a:gd name="connsiteX15" fmla="*/ 1219171 w 1989839"/>
-                  <a:gd name="connsiteY15" fmla="*/ 253280 h 664521"/>
-                  <a:gd name="connsiteX16" fmla="*/ 922481 w 1989839"/>
-                  <a:gd name="connsiteY16" fmla="*/ 242425 h 664521"/>
-                  <a:gd name="connsiteX17" fmla="*/ 651119 w 1989839"/>
-                  <a:gd name="connsiteY17" fmla="*/ 180914 h 664521"/>
-                  <a:gd name="connsiteX18" fmla="*/ 484684 w 1989839"/>
-                  <a:gd name="connsiteY18" fmla="*/ 115785 h 664521"/>
-                  <a:gd name="connsiteX19" fmla="*/ 448502 w 1989839"/>
-                  <a:gd name="connsiteY19" fmla="*/ 75984 h 664521"/>
-                  <a:gd name="connsiteX20" fmla="*/ 3468 w 1989839"/>
-                  <a:gd name="connsiteY20" fmla="*/ 0 h 664521"/>
-                  <a:gd name="connsiteX0" fmla="*/ 3468 w 1989839"/>
-                  <a:gd name="connsiteY0" fmla="*/ 0 h 664521"/>
-                  <a:gd name="connsiteX1" fmla="*/ 263976 w 1989839"/>
-                  <a:gd name="connsiteY1" fmla="*/ 199006 h 664521"/>
-                  <a:gd name="connsiteX2" fmla="*/ 665592 w 1989839"/>
-                  <a:gd name="connsiteY2" fmla="*/ 412484 h 664521"/>
-                  <a:gd name="connsiteX3" fmla="*/ 1128717 w 1989839"/>
-                  <a:gd name="connsiteY3" fmla="*/ 575307 h 664521"/>
-                  <a:gd name="connsiteX4" fmla="*/ 1505005 w 1989839"/>
-                  <a:gd name="connsiteY4" fmla="*/ 644054 h 664521"/>
-                  <a:gd name="connsiteX5" fmla="*/ 1917476 w 1989839"/>
-                  <a:gd name="connsiteY5" fmla="*/ 651291 h 664521"/>
-                  <a:gd name="connsiteX6" fmla="*/ 1989839 w 1989839"/>
-                  <a:gd name="connsiteY6" fmla="*/ 618726 h 664521"/>
-                  <a:gd name="connsiteX7" fmla="*/ 1892149 w 1989839"/>
-                  <a:gd name="connsiteY7" fmla="*/ 535506 h 664521"/>
-                  <a:gd name="connsiteX8" fmla="*/ 1718477 w 1989839"/>
-                  <a:gd name="connsiteY8" fmla="*/ 542742 h 664521"/>
-                  <a:gd name="connsiteX9" fmla="*/ 1309625 w 1989839"/>
-                  <a:gd name="connsiteY9" fmla="*/ 490241 h 664521"/>
-                  <a:gd name="connsiteX10" fmla="*/ 947808 w 1989839"/>
-                  <a:gd name="connsiteY10" fmla="*/ 387156 h 664521"/>
-                  <a:gd name="connsiteX11" fmla="*/ 1316861 w 1989839"/>
-                  <a:gd name="connsiteY11" fmla="*/ 394393 h 664521"/>
-                  <a:gd name="connsiteX12" fmla="*/ 1667823 w 1989839"/>
-                  <a:gd name="connsiteY12" fmla="*/ 332882 h 664521"/>
-                  <a:gd name="connsiteX13" fmla="*/ 1580987 w 1989839"/>
-                  <a:gd name="connsiteY13" fmla="*/ 217097 h 664521"/>
-                  <a:gd name="connsiteX14" fmla="*/ 1479678 w 1989839"/>
-                  <a:gd name="connsiteY14" fmla="*/ 238807 h 664521"/>
-                  <a:gd name="connsiteX15" fmla="*/ 1219171 w 1989839"/>
-                  <a:gd name="connsiteY15" fmla="*/ 253280 h 664521"/>
-                  <a:gd name="connsiteX16" fmla="*/ 922481 w 1989839"/>
-                  <a:gd name="connsiteY16" fmla="*/ 242425 h 664521"/>
-                  <a:gd name="connsiteX17" fmla="*/ 651119 w 1989839"/>
-                  <a:gd name="connsiteY17" fmla="*/ 180914 h 664521"/>
-                  <a:gd name="connsiteX18" fmla="*/ 484684 w 1989839"/>
-                  <a:gd name="connsiteY18" fmla="*/ 115785 h 664521"/>
-                  <a:gd name="connsiteX19" fmla="*/ 448502 w 1989839"/>
-                  <a:gd name="connsiteY19" fmla="*/ 75984 h 664521"/>
-                  <a:gd name="connsiteX20" fmla="*/ 3468 w 1989839"/>
-                  <a:gd name="connsiteY20" fmla="*/ 0 h 664521"/>
-                  <a:gd name="connsiteX0" fmla="*/ 3468 w 1989839"/>
-                  <a:gd name="connsiteY0" fmla="*/ 0 h 664521"/>
-                  <a:gd name="connsiteX1" fmla="*/ 263976 w 1989839"/>
-                  <a:gd name="connsiteY1" fmla="*/ 199006 h 664521"/>
-                  <a:gd name="connsiteX2" fmla="*/ 665592 w 1989839"/>
-                  <a:gd name="connsiteY2" fmla="*/ 412484 h 664521"/>
-                  <a:gd name="connsiteX3" fmla="*/ 1128717 w 1989839"/>
-                  <a:gd name="connsiteY3" fmla="*/ 575307 h 664521"/>
-                  <a:gd name="connsiteX4" fmla="*/ 1505005 w 1989839"/>
-                  <a:gd name="connsiteY4" fmla="*/ 644054 h 664521"/>
-                  <a:gd name="connsiteX5" fmla="*/ 1917476 w 1989839"/>
-                  <a:gd name="connsiteY5" fmla="*/ 651291 h 664521"/>
-                  <a:gd name="connsiteX6" fmla="*/ 1989839 w 1989839"/>
-                  <a:gd name="connsiteY6" fmla="*/ 618726 h 664521"/>
-                  <a:gd name="connsiteX7" fmla="*/ 1892149 w 1989839"/>
-                  <a:gd name="connsiteY7" fmla="*/ 535506 h 664521"/>
-                  <a:gd name="connsiteX8" fmla="*/ 1718477 w 1989839"/>
-                  <a:gd name="connsiteY8" fmla="*/ 542742 h 664521"/>
-                  <a:gd name="connsiteX9" fmla="*/ 1309625 w 1989839"/>
-                  <a:gd name="connsiteY9" fmla="*/ 490241 h 664521"/>
-                  <a:gd name="connsiteX10" fmla="*/ 947808 w 1989839"/>
-                  <a:gd name="connsiteY10" fmla="*/ 387156 h 664521"/>
-                  <a:gd name="connsiteX11" fmla="*/ 1316861 w 1989839"/>
-                  <a:gd name="connsiteY11" fmla="*/ 394393 h 664521"/>
-                  <a:gd name="connsiteX12" fmla="*/ 1667823 w 1989839"/>
-                  <a:gd name="connsiteY12" fmla="*/ 332882 h 664521"/>
-                  <a:gd name="connsiteX13" fmla="*/ 1580987 w 1989839"/>
-                  <a:gd name="connsiteY13" fmla="*/ 217097 h 664521"/>
-                  <a:gd name="connsiteX14" fmla="*/ 1479678 w 1989839"/>
-                  <a:gd name="connsiteY14" fmla="*/ 238807 h 664521"/>
-                  <a:gd name="connsiteX15" fmla="*/ 1219171 w 1989839"/>
-                  <a:gd name="connsiteY15" fmla="*/ 253280 h 664521"/>
-                  <a:gd name="connsiteX16" fmla="*/ 922481 w 1989839"/>
-                  <a:gd name="connsiteY16" fmla="*/ 242425 h 664521"/>
-                  <a:gd name="connsiteX17" fmla="*/ 651119 w 1989839"/>
-                  <a:gd name="connsiteY17" fmla="*/ 180914 h 664521"/>
-                  <a:gd name="connsiteX18" fmla="*/ 484684 w 1989839"/>
-                  <a:gd name="connsiteY18" fmla="*/ 115785 h 664521"/>
-                  <a:gd name="connsiteX19" fmla="*/ 448502 w 1989839"/>
-                  <a:gd name="connsiteY19" fmla="*/ 75984 h 664521"/>
-                  <a:gd name="connsiteX20" fmla="*/ 3468 w 1989839"/>
-                  <a:gd name="connsiteY20" fmla="*/ 0 h 664521"/>
-                  <a:gd name="connsiteX0" fmla="*/ 3468 w 1989839"/>
-                  <a:gd name="connsiteY0" fmla="*/ 0 h 664521"/>
-                  <a:gd name="connsiteX1" fmla="*/ 263976 w 1989839"/>
-                  <a:gd name="connsiteY1" fmla="*/ 199006 h 664521"/>
-                  <a:gd name="connsiteX2" fmla="*/ 665592 w 1989839"/>
-                  <a:gd name="connsiteY2" fmla="*/ 412484 h 664521"/>
-                  <a:gd name="connsiteX3" fmla="*/ 1128717 w 1989839"/>
-                  <a:gd name="connsiteY3" fmla="*/ 575307 h 664521"/>
-                  <a:gd name="connsiteX4" fmla="*/ 1505005 w 1989839"/>
-                  <a:gd name="connsiteY4" fmla="*/ 644054 h 664521"/>
-                  <a:gd name="connsiteX5" fmla="*/ 1917476 w 1989839"/>
-                  <a:gd name="connsiteY5" fmla="*/ 651291 h 664521"/>
-                  <a:gd name="connsiteX6" fmla="*/ 1989839 w 1989839"/>
-                  <a:gd name="connsiteY6" fmla="*/ 618726 h 664521"/>
-                  <a:gd name="connsiteX7" fmla="*/ 1892149 w 1989839"/>
-                  <a:gd name="connsiteY7" fmla="*/ 535506 h 664521"/>
-                  <a:gd name="connsiteX8" fmla="*/ 1718477 w 1989839"/>
-                  <a:gd name="connsiteY8" fmla="*/ 542742 h 664521"/>
-                  <a:gd name="connsiteX9" fmla="*/ 1309625 w 1989839"/>
-                  <a:gd name="connsiteY9" fmla="*/ 490241 h 664521"/>
-                  <a:gd name="connsiteX10" fmla="*/ 947808 w 1989839"/>
-                  <a:gd name="connsiteY10" fmla="*/ 387156 h 664521"/>
-                  <a:gd name="connsiteX11" fmla="*/ 1316861 w 1989839"/>
-                  <a:gd name="connsiteY11" fmla="*/ 394393 h 664521"/>
-                  <a:gd name="connsiteX12" fmla="*/ 1667823 w 1989839"/>
-                  <a:gd name="connsiteY12" fmla="*/ 332882 h 664521"/>
-                  <a:gd name="connsiteX13" fmla="*/ 1580987 w 1989839"/>
-                  <a:gd name="connsiteY13" fmla="*/ 217097 h 664521"/>
-                  <a:gd name="connsiteX14" fmla="*/ 1479678 w 1989839"/>
-                  <a:gd name="connsiteY14" fmla="*/ 238807 h 664521"/>
-                  <a:gd name="connsiteX15" fmla="*/ 1219171 w 1989839"/>
-                  <a:gd name="connsiteY15" fmla="*/ 253280 h 664521"/>
-                  <a:gd name="connsiteX16" fmla="*/ 922481 w 1989839"/>
-                  <a:gd name="connsiteY16" fmla="*/ 242425 h 664521"/>
-                  <a:gd name="connsiteX17" fmla="*/ 651119 w 1989839"/>
-                  <a:gd name="connsiteY17" fmla="*/ 180914 h 664521"/>
-                  <a:gd name="connsiteX18" fmla="*/ 484684 w 1989839"/>
-                  <a:gd name="connsiteY18" fmla="*/ 115785 h 664521"/>
-                  <a:gd name="connsiteX19" fmla="*/ 448502 w 1989839"/>
-                  <a:gd name="connsiteY19" fmla="*/ 75984 h 664521"/>
-                  <a:gd name="connsiteX20" fmla="*/ 3468 w 1989839"/>
-                  <a:gd name="connsiteY20" fmla="*/ 0 h 664521"/>
-                  <a:gd name="connsiteX0" fmla="*/ 3468 w 1989839"/>
-                  <a:gd name="connsiteY0" fmla="*/ 0 h 664521"/>
-                  <a:gd name="connsiteX1" fmla="*/ 263976 w 1989839"/>
-                  <a:gd name="connsiteY1" fmla="*/ 199006 h 664521"/>
-                  <a:gd name="connsiteX2" fmla="*/ 665592 w 1989839"/>
-                  <a:gd name="connsiteY2" fmla="*/ 412484 h 664521"/>
-                  <a:gd name="connsiteX3" fmla="*/ 1128717 w 1989839"/>
-                  <a:gd name="connsiteY3" fmla="*/ 575307 h 664521"/>
-                  <a:gd name="connsiteX4" fmla="*/ 1505005 w 1989839"/>
-                  <a:gd name="connsiteY4" fmla="*/ 644054 h 664521"/>
-                  <a:gd name="connsiteX5" fmla="*/ 1917476 w 1989839"/>
-                  <a:gd name="connsiteY5" fmla="*/ 651291 h 664521"/>
-                  <a:gd name="connsiteX6" fmla="*/ 1989839 w 1989839"/>
-                  <a:gd name="connsiteY6" fmla="*/ 618726 h 664521"/>
-                  <a:gd name="connsiteX7" fmla="*/ 1892149 w 1989839"/>
-                  <a:gd name="connsiteY7" fmla="*/ 535506 h 664521"/>
-                  <a:gd name="connsiteX8" fmla="*/ 1718477 w 1989839"/>
-                  <a:gd name="connsiteY8" fmla="*/ 542742 h 664521"/>
-                  <a:gd name="connsiteX9" fmla="*/ 1309625 w 1989839"/>
-                  <a:gd name="connsiteY9" fmla="*/ 490241 h 664521"/>
-                  <a:gd name="connsiteX10" fmla="*/ 947808 w 1989839"/>
-                  <a:gd name="connsiteY10" fmla="*/ 387156 h 664521"/>
-                  <a:gd name="connsiteX11" fmla="*/ 1316861 w 1989839"/>
-                  <a:gd name="connsiteY11" fmla="*/ 394393 h 664521"/>
-                  <a:gd name="connsiteX12" fmla="*/ 1667823 w 1989839"/>
-                  <a:gd name="connsiteY12" fmla="*/ 332882 h 664521"/>
-                  <a:gd name="connsiteX13" fmla="*/ 1580987 w 1989839"/>
-                  <a:gd name="connsiteY13" fmla="*/ 217097 h 664521"/>
-                  <a:gd name="connsiteX14" fmla="*/ 1479678 w 1989839"/>
-                  <a:gd name="connsiteY14" fmla="*/ 238807 h 664521"/>
-                  <a:gd name="connsiteX15" fmla="*/ 1219171 w 1989839"/>
-                  <a:gd name="connsiteY15" fmla="*/ 253280 h 664521"/>
-                  <a:gd name="connsiteX16" fmla="*/ 922481 w 1989839"/>
-                  <a:gd name="connsiteY16" fmla="*/ 242425 h 664521"/>
-                  <a:gd name="connsiteX17" fmla="*/ 651119 w 1989839"/>
-                  <a:gd name="connsiteY17" fmla="*/ 180914 h 664521"/>
-                  <a:gd name="connsiteX18" fmla="*/ 448502 w 1989839"/>
-                  <a:gd name="connsiteY18" fmla="*/ 75984 h 664521"/>
-                  <a:gd name="connsiteX19" fmla="*/ 3468 w 1989839"/>
-                  <a:gd name="connsiteY19" fmla="*/ 0 h 664521"/>
-                  <a:gd name="connsiteX0" fmla="*/ 3468 w 1989839"/>
-                  <a:gd name="connsiteY0" fmla="*/ 0 h 664521"/>
-                  <a:gd name="connsiteX1" fmla="*/ 263976 w 1989839"/>
-                  <a:gd name="connsiteY1" fmla="*/ 199006 h 664521"/>
-                  <a:gd name="connsiteX2" fmla="*/ 665592 w 1989839"/>
-                  <a:gd name="connsiteY2" fmla="*/ 412484 h 664521"/>
-                  <a:gd name="connsiteX3" fmla="*/ 1128717 w 1989839"/>
-                  <a:gd name="connsiteY3" fmla="*/ 575307 h 664521"/>
-                  <a:gd name="connsiteX4" fmla="*/ 1505005 w 1989839"/>
-                  <a:gd name="connsiteY4" fmla="*/ 644054 h 664521"/>
-                  <a:gd name="connsiteX5" fmla="*/ 1917476 w 1989839"/>
-                  <a:gd name="connsiteY5" fmla="*/ 651291 h 664521"/>
-                  <a:gd name="connsiteX6" fmla="*/ 1989839 w 1989839"/>
-                  <a:gd name="connsiteY6" fmla="*/ 618726 h 664521"/>
-                  <a:gd name="connsiteX7" fmla="*/ 1892149 w 1989839"/>
-                  <a:gd name="connsiteY7" fmla="*/ 535506 h 664521"/>
-                  <a:gd name="connsiteX8" fmla="*/ 1718477 w 1989839"/>
-                  <a:gd name="connsiteY8" fmla="*/ 542742 h 664521"/>
-                  <a:gd name="connsiteX9" fmla="*/ 1309625 w 1989839"/>
-                  <a:gd name="connsiteY9" fmla="*/ 490241 h 664521"/>
-                  <a:gd name="connsiteX10" fmla="*/ 947808 w 1989839"/>
-                  <a:gd name="connsiteY10" fmla="*/ 387156 h 664521"/>
-                  <a:gd name="connsiteX11" fmla="*/ 1316861 w 1989839"/>
-                  <a:gd name="connsiteY11" fmla="*/ 394393 h 664521"/>
-                  <a:gd name="connsiteX12" fmla="*/ 1667823 w 1989839"/>
-                  <a:gd name="connsiteY12" fmla="*/ 332882 h 664521"/>
-                  <a:gd name="connsiteX13" fmla="*/ 1580987 w 1989839"/>
-                  <a:gd name="connsiteY13" fmla="*/ 217097 h 664521"/>
-                  <a:gd name="connsiteX14" fmla="*/ 1479678 w 1989839"/>
-                  <a:gd name="connsiteY14" fmla="*/ 238807 h 664521"/>
-                  <a:gd name="connsiteX15" fmla="*/ 1219171 w 1989839"/>
-                  <a:gd name="connsiteY15" fmla="*/ 253280 h 664521"/>
-                  <a:gd name="connsiteX16" fmla="*/ 916131 w 1989839"/>
-                  <a:gd name="connsiteY16" fmla="*/ 232900 h 664521"/>
-                  <a:gd name="connsiteX17" fmla="*/ 651119 w 1989839"/>
-                  <a:gd name="connsiteY17" fmla="*/ 180914 h 664521"/>
-                  <a:gd name="connsiteX18" fmla="*/ 448502 w 1989839"/>
-                  <a:gd name="connsiteY18" fmla="*/ 75984 h 664521"/>
-                  <a:gd name="connsiteX19" fmla="*/ 3468 w 1989839"/>
-                  <a:gd name="connsiteY19" fmla="*/ 0 h 664521"/>
-                  <a:gd name="connsiteX0" fmla="*/ 3468 w 1989839"/>
-                  <a:gd name="connsiteY0" fmla="*/ 0 h 664521"/>
-                  <a:gd name="connsiteX1" fmla="*/ 263976 w 1989839"/>
-                  <a:gd name="connsiteY1" fmla="*/ 199006 h 664521"/>
-                  <a:gd name="connsiteX2" fmla="*/ 665592 w 1989839"/>
-                  <a:gd name="connsiteY2" fmla="*/ 412484 h 664521"/>
-                  <a:gd name="connsiteX3" fmla="*/ 1128717 w 1989839"/>
-                  <a:gd name="connsiteY3" fmla="*/ 575307 h 664521"/>
-                  <a:gd name="connsiteX4" fmla="*/ 1505005 w 1989839"/>
-                  <a:gd name="connsiteY4" fmla="*/ 644054 h 664521"/>
-                  <a:gd name="connsiteX5" fmla="*/ 1917476 w 1989839"/>
-                  <a:gd name="connsiteY5" fmla="*/ 651291 h 664521"/>
-                  <a:gd name="connsiteX6" fmla="*/ 1989839 w 1989839"/>
-                  <a:gd name="connsiteY6" fmla="*/ 618726 h 664521"/>
-                  <a:gd name="connsiteX7" fmla="*/ 1892149 w 1989839"/>
-                  <a:gd name="connsiteY7" fmla="*/ 535506 h 664521"/>
-                  <a:gd name="connsiteX8" fmla="*/ 1718477 w 1989839"/>
-                  <a:gd name="connsiteY8" fmla="*/ 542742 h 664521"/>
-                  <a:gd name="connsiteX9" fmla="*/ 1309625 w 1989839"/>
-                  <a:gd name="connsiteY9" fmla="*/ 490241 h 664521"/>
-                  <a:gd name="connsiteX10" fmla="*/ 947808 w 1989839"/>
-                  <a:gd name="connsiteY10" fmla="*/ 387156 h 664521"/>
-                  <a:gd name="connsiteX11" fmla="*/ 1316861 w 1989839"/>
-                  <a:gd name="connsiteY11" fmla="*/ 394393 h 664521"/>
-                  <a:gd name="connsiteX12" fmla="*/ 1667823 w 1989839"/>
-                  <a:gd name="connsiteY12" fmla="*/ 332882 h 664521"/>
-                  <a:gd name="connsiteX13" fmla="*/ 1600037 w 1989839"/>
-                  <a:gd name="connsiteY13" fmla="*/ 236147 h 664521"/>
-                  <a:gd name="connsiteX14" fmla="*/ 1479678 w 1989839"/>
-                  <a:gd name="connsiteY14" fmla="*/ 238807 h 664521"/>
-                  <a:gd name="connsiteX15" fmla="*/ 1219171 w 1989839"/>
-                  <a:gd name="connsiteY15" fmla="*/ 253280 h 664521"/>
-                  <a:gd name="connsiteX16" fmla="*/ 916131 w 1989839"/>
-                  <a:gd name="connsiteY16" fmla="*/ 232900 h 664521"/>
-                  <a:gd name="connsiteX17" fmla="*/ 651119 w 1989839"/>
-                  <a:gd name="connsiteY17" fmla="*/ 180914 h 664521"/>
-                  <a:gd name="connsiteX18" fmla="*/ 448502 w 1989839"/>
-                  <a:gd name="connsiteY18" fmla="*/ 75984 h 664521"/>
-                  <a:gd name="connsiteX19" fmla="*/ 3468 w 1989839"/>
-                  <a:gd name="connsiteY19" fmla="*/ 0 h 664521"/>
-                  <a:gd name="connsiteX0" fmla="*/ 3468 w 1989839"/>
-                  <a:gd name="connsiteY0" fmla="*/ 0 h 664521"/>
-                  <a:gd name="connsiteX1" fmla="*/ 263976 w 1989839"/>
-                  <a:gd name="connsiteY1" fmla="*/ 199006 h 664521"/>
-                  <a:gd name="connsiteX2" fmla="*/ 665592 w 1989839"/>
-                  <a:gd name="connsiteY2" fmla="*/ 412484 h 664521"/>
-                  <a:gd name="connsiteX3" fmla="*/ 1128717 w 1989839"/>
-                  <a:gd name="connsiteY3" fmla="*/ 575307 h 664521"/>
-                  <a:gd name="connsiteX4" fmla="*/ 1505005 w 1989839"/>
-                  <a:gd name="connsiteY4" fmla="*/ 644054 h 664521"/>
-                  <a:gd name="connsiteX5" fmla="*/ 1917476 w 1989839"/>
-                  <a:gd name="connsiteY5" fmla="*/ 651291 h 664521"/>
-                  <a:gd name="connsiteX6" fmla="*/ 1989839 w 1989839"/>
-                  <a:gd name="connsiteY6" fmla="*/ 618726 h 664521"/>
-                  <a:gd name="connsiteX7" fmla="*/ 1911199 w 1989839"/>
-                  <a:gd name="connsiteY7" fmla="*/ 541856 h 664521"/>
-                  <a:gd name="connsiteX8" fmla="*/ 1718477 w 1989839"/>
-                  <a:gd name="connsiteY8" fmla="*/ 542742 h 664521"/>
-                  <a:gd name="connsiteX9" fmla="*/ 1309625 w 1989839"/>
-                  <a:gd name="connsiteY9" fmla="*/ 490241 h 664521"/>
-                  <a:gd name="connsiteX10" fmla="*/ 947808 w 1989839"/>
-                  <a:gd name="connsiteY10" fmla="*/ 387156 h 664521"/>
-                  <a:gd name="connsiteX11" fmla="*/ 1316861 w 1989839"/>
-                  <a:gd name="connsiteY11" fmla="*/ 394393 h 664521"/>
-                  <a:gd name="connsiteX12" fmla="*/ 1667823 w 1989839"/>
-                  <a:gd name="connsiteY12" fmla="*/ 332882 h 664521"/>
-                  <a:gd name="connsiteX13" fmla="*/ 1600037 w 1989839"/>
-                  <a:gd name="connsiteY13" fmla="*/ 236147 h 664521"/>
-                  <a:gd name="connsiteX14" fmla="*/ 1479678 w 1989839"/>
-                  <a:gd name="connsiteY14" fmla="*/ 238807 h 664521"/>
-                  <a:gd name="connsiteX15" fmla="*/ 1219171 w 1989839"/>
-                  <a:gd name="connsiteY15" fmla="*/ 253280 h 664521"/>
-                  <a:gd name="connsiteX16" fmla="*/ 916131 w 1989839"/>
-                  <a:gd name="connsiteY16" fmla="*/ 232900 h 664521"/>
-                  <a:gd name="connsiteX17" fmla="*/ 651119 w 1989839"/>
-                  <a:gd name="connsiteY17" fmla="*/ 180914 h 664521"/>
-                  <a:gd name="connsiteX18" fmla="*/ 448502 w 1989839"/>
-                  <a:gd name="connsiteY18" fmla="*/ 75984 h 664521"/>
-                  <a:gd name="connsiteX19" fmla="*/ 3468 w 1989839"/>
-                  <a:gd name="connsiteY19" fmla="*/ 0 h 664521"/>
-                  <a:gd name="connsiteX0" fmla="*/ 3468 w 1993120"/>
-                  <a:gd name="connsiteY0" fmla="*/ 0 h 654588"/>
-                  <a:gd name="connsiteX1" fmla="*/ 263976 w 1993120"/>
-                  <a:gd name="connsiteY1" fmla="*/ 199006 h 654588"/>
-                  <a:gd name="connsiteX2" fmla="*/ 665592 w 1993120"/>
-                  <a:gd name="connsiteY2" fmla="*/ 412484 h 654588"/>
-                  <a:gd name="connsiteX3" fmla="*/ 1128717 w 1993120"/>
-                  <a:gd name="connsiteY3" fmla="*/ 575307 h 654588"/>
-                  <a:gd name="connsiteX4" fmla="*/ 1505005 w 1993120"/>
-                  <a:gd name="connsiteY4" fmla="*/ 644054 h 654588"/>
-                  <a:gd name="connsiteX5" fmla="*/ 1917476 w 1993120"/>
-                  <a:gd name="connsiteY5" fmla="*/ 651291 h 654588"/>
-                  <a:gd name="connsiteX6" fmla="*/ 1993120 w 1993120"/>
-                  <a:gd name="connsiteY6" fmla="*/ 585909 h 654588"/>
-                  <a:gd name="connsiteX7" fmla="*/ 1911199 w 1993120"/>
-                  <a:gd name="connsiteY7" fmla="*/ 541856 h 654588"/>
-                  <a:gd name="connsiteX8" fmla="*/ 1718477 w 1993120"/>
-                  <a:gd name="connsiteY8" fmla="*/ 542742 h 654588"/>
-                  <a:gd name="connsiteX9" fmla="*/ 1309625 w 1993120"/>
-                  <a:gd name="connsiteY9" fmla="*/ 490241 h 654588"/>
-                  <a:gd name="connsiteX10" fmla="*/ 947808 w 1993120"/>
-                  <a:gd name="connsiteY10" fmla="*/ 387156 h 654588"/>
-                  <a:gd name="connsiteX11" fmla="*/ 1316861 w 1993120"/>
-                  <a:gd name="connsiteY11" fmla="*/ 394393 h 654588"/>
-                  <a:gd name="connsiteX12" fmla="*/ 1667823 w 1993120"/>
-                  <a:gd name="connsiteY12" fmla="*/ 332882 h 654588"/>
-                  <a:gd name="connsiteX13" fmla="*/ 1600037 w 1993120"/>
-                  <a:gd name="connsiteY13" fmla="*/ 236147 h 654588"/>
-                  <a:gd name="connsiteX14" fmla="*/ 1479678 w 1993120"/>
-                  <a:gd name="connsiteY14" fmla="*/ 238807 h 654588"/>
-                  <a:gd name="connsiteX15" fmla="*/ 1219171 w 1993120"/>
-                  <a:gd name="connsiteY15" fmla="*/ 253280 h 654588"/>
-                  <a:gd name="connsiteX16" fmla="*/ 916131 w 1993120"/>
-                  <a:gd name="connsiteY16" fmla="*/ 232900 h 654588"/>
-                  <a:gd name="connsiteX17" fmla="*/ 651119 w 1993120"/>
-                  <a:gd name="connsiteY17" fmla="*/ 180914 h 654588"/>
-                  <a:gd name="connsiteX18" fmla="*/ 448502 w 1993120"/>
-                  <a:gd name="connsiteY18" fmla="*/ 75984 h 654588"/>
-                  <a:gd name="connsiteX19" fmla="*/ 3468 w 1993120"/>
-                  <a:gd name="connsiteY19" fmla="*/ 0 h 654588"/>
-                  <a:gd name="connsiteX0" fmla="*/ 3468 w 2002965"/>
-                  <a:gd name="connsiteY0" fmla="*/ 0 h 655980"/>
-                  <a:gd name="connsiteX1" fmla="*/ 263976 w 2002965"/>
-                  <a:gd name="connsiteY1" fmla="*/ 199006 h 655980"/>
-                  <a:gd name="connsiteX2" fmla="*/ 665592 w 2002965"/>
-                  <a:gd name="connsiteY2" fmla="*/ 412484 h 655980"/>
-                  <a:gd name="connsiteX3" fmla="*/ 1128717 w 2002965"/>
-                  <a:gd name="connsiteY3" fmla="*/ 575307 h 655980"/>
-                  <a:gd name="connsiteX4" fmla="*/ 1505005 w 2002965"/>
-                  <a:gd name="connsiteY4" fmla="*/ 644054 h 655980"/>
-                  <a:gd name="connsiteX5" fmla="*/ 1917476 w 2002965"/>
-                  <a:gd name="connsiteY5" fmla="*/ 651291 h 655980"/>
-                  <a:gd name="connsiteX6" fmla="*/ 2002965 w 2002965"/>
-                  <a:gd name="connsiteY6" fmla="*/ 566219 h 655980"/>
-                  <a:gd name="connsiteX7" fmla="*/ 1911199 w 2002965"/>
-                  <a:gd name="connsiteY7" fmla="*/ 541856 h 655980"/>
-                  <a:gd name="connsiteX8" fmla="*/ 1718477 w 2002965"/>
-                  <a:gd name="connsiteY8" fmla="*/ 542742 h 655980"/>
-                  <a:gd name="connsiteX9" fmla="*/ 1309625 w 2002965"/>
-                  <a:gd name="connsiteY9" fmla="*/ 490241 h 655980"/>
-                  <a:gd name="connsiteX10" fmla="*/ 947808 w 2002965"/>
-                  <a:gd name="connsiteY10" fmla="*/ 387156 h 655980"/>
-                  <a:gd name="connsiteX11" fmla="*/ 1316861 w 2002965"/>
-                  <a:gd name="connsiteY11" fmla="*/ 394393 h 655980"/>
-                  <a:gd name="connsiteX12" fmla="*/ 1667823 w 2002965"/>
-                  <a:gd name="connsiteY12" fmla="*/ 332882 h 655980"/>
-                  <a:gd name="connsiteX13" fmla="*/ 1600037 w 2002965"/>
-                  <a:gd name="connsiteY13" fmla="*/ 236147 h 655980"/>
-                  <a:gd name="connsiteX14" fmla="*/ 1479678 w 2002965"/>
-                  <a:gd name="connsiteY14" fmla="*/ 238807 h 655980"/>
-                  <a:gd name="connsiteX15" fmla="*/ 1219171 w 2002965"/>
-                  <a:gd name="connsiteY15" fmla="*/ 253280 h 655980"/>
-                  <a:gd name="connsiteX16" fmla="*/ 916131 w 2002965"/>
-                  <a:gd name="connsiteY16" fmla="*/ 232900 h 655980"/>
-                  <a:gd name="connsiteX17" fmla="*/ 651119 w 2002965"/>
-                  <a:gd name="connsiteY17" fmla="*/ 180914 h 655980"/>
-                  <a:gd name="connsiteX18" fmla="*/ 448502 w 2002965"/>
-                  <a:gd name="connsiteY18" fmla="*/ 75984 h 655980"/>
-                  <a:gd name="connsiteX19" fmla="*/ 3468 w 2002965"/>
-                  <a:gd name="connsiteY19" fmla="*/ 0 h 655980"/>
-                  <a:gd name="connsiteX0" fmla="*/ 3468 w 2002965"/>
-                  <a:gd name="connsiteY0" fmla="*/ 0 h 655980"/>
-                  <a:gd name="connsiteX1" fmla="*/ 263976 w 2002965"/>
-                  <a:gd name="connsiteY1" fmla="*/ 199006 h 655980"/>
-                  <a:gd name="connsiteX2" fmla="*/ 665592 w 2002965"/>
-                  <a:gd name="connsiteY2" fmla="*/ 412484 h 655980"/>
-                  <a:gd name="connsiteX3" fmla="*/ 1128717 w 2002965"/>
-                  <a:gd name="connsiteY3" fmla="*/ 575307 h 655980"/>
-                  <a:gd name="connsiteX4" fmla="*/ 1505005 w 2002965"/>
-                  <a:gd name="connsiteY4" fmla="*/ 644054 h 655980"/>
-                  <a:gd name="connsiteX5" fmla="*/ 1917476 w 2002965"/>
-                  <a:gd name="connsiteY5" fmla="*/ 651291 h 655980"/>
-                  <a:gd name="connsiteX6" fmla="*/ 2002965 w 2002965"/>
-                  <a:gd name="connsiteY6" fmla="*/ 566219 h 655980"/>
-                  <a:gd name="connsiteX7" fmla="*/ 1924326 w 2002965"/>
-                  <a:gd name="connsiteY7" fmla="*/ 541856 h 655980"/>
-                  <a:gd name="connsiteX8" fmla="*/ 1718477 w 2002965"/>
-                  <a:gd name="connsiteY8" fmla="*/ 542742 h 655980"/>
-                  <a:gd name="connsiteX9" fmla="*/ 1309625 w 2002965"/>
-                  <a:gd name="connsiteY9" fmla="*/ 490241 h 655980"/>
-                  <a:gd name="connsiteX10" fmla="*/ 947808 w 2002965"/>
-                  <a:gd name="connsiteY10" fmla="*/ 387156 h 655980"/>
-                  <a:gd name="connsiteX11" fmla="*/ 1316861 w 2002965"/>
-                  <a:gd name="connsiteY11" fmla="*/ 394393 h 655980"/>
-                  <a:gd name="connsiteX12" fmla="*/ 1667823 w 2002965"/>
-                  <a:gd name="connsiteY12" fmla="*/ 332882 h 655980"/>
-                  <a:gd name="connsiteX13" fmla="*/ 1600037 w 2002965"/>
-                  <a:gd name="connsiteY13" fmla="*/ 236147 h 655980"/>
-                  <a:gd name="connsiteX14" fmla="*/ 1479678 w 2002965"/>
-                  <a:gd name="connsiteY14" fmla="*/ 238807 h 655980"/>
-                  <a:gd name="connsiteX15" fmla="*/ 1219171 w 2002965"/>
-                  <a:gd name="connsiteY15" fmla="*/ 253280 h 655980"/>
-                  <a:gd name="connsiteX16" fmla="*/ 916131 w 2002965"/>
-                  <a:gd name="connsiteY16" fmla="*/ 232900 h 655980"/>
-                  <a:gd name="connsiteX17" fmla="*/ 651119 w 2002965"/>
-                  <a:gd name="connsiteY17" fmla="*/ 180914 h 655980"/>
-                  <a:gd name="connsiteX18" fmla="*/ 448502 w 2002965"/>
-                  <a:gd name="connsiteY18" fmla="*/ 75984 h 655980"/>
-                  <a:gd name="connsiteX19" fmla="*/ 3468 w 2002965"/>
-                  <a:gd name="connsiteY19" fmla="*/ 0 h 655980"/>
-                  <a:gd name="connsiteX0" fmla="*/ 3468 w 2002965"/>
-                  <a:gd name="connsiteY0" fmla="*/ 0 h 656854"/>
-                  <a:gd name="connsiteX1" fmla="*/ 263976 w 2002965"/>
-                  <a:gd name="connsiteY1" fmla="*/ 199006 h 656854"/>
-                  <a:gd name="connsiteX2" fmla="*/ 665592 w 2002965"/>
-                  <a:gd name="connsiteY2" fmla="*/ 412484 h 656854"/>
-                  <a:gd name="connsiteX3" fmla="*/ 1128717 w 2002965"/>
-                  <a:gd name="connsiteY3" fmla="*/ 575307 h 656854"/>
-                  <a:gd name="connsiteX4" fmla="*/ 1534540 w 2002965"/>
-                  <a:gd name="connsiteY4" fmla="*/ 647335 h 656854"/>
-                  <a:gd name="connsiteX5" fmla="*/ 1917476 w 2002965"/>
-                  <a:gd name="connsiteY5" fmla="*/ 651291 h 656854"/>
-                  <a:gd name="connsiteX6" fmla="*/ 2002965 w 2002965"/>
-                  <a:gd name="connsiteY6" fmla="*/ 566219 h 656854"/>
-                  <a:gd name="connsiteX7" fmla="*/ 1924326 w 2002965"/>
-                  <a:gd name="connsiteY7" fmla="*/ 541856 h 656854"/>
-                  <a:gd name="connsiteX8" fmla="*/ 1718477 w 2002965"/>
-                  <a:gd name="connsiteY8" fmla="*/ 542742 h 656854"/>
-                  <a:gd name="connsiteX9" fmla="*/ 1309625 w 2002965"/>
-                  <a:gd name="connsiteY9" fmla="*/ 490241 h 656854"/>
-                  <a:gd name="connsiteX10" fmla="*/ 947808 w 2002965"/>
-                  <a:gd name="connsiteY10" fmla="*/ 387156 h 656854"/>
-                  <a:gd name="connsiteX11" fmla="*/ 1316861 w 2002965"/>
-                  <a:gd name="connsiteY11" fmla="*/ 394393 h 656854"/>
-                  <a:gd name="connsiteX12" fmla="*/ 1667823 w 2002965"/>
-                  <a:gd name="connsiteY12" fmla="*/ 332882 h 656854"/>
-                  <a:gd name="connsiteX13" fmla="*/ 1600037 w 2002965"/>
-                  <a:gd name="connsiteY13" fmla="*/ 236147 h 656854"/>
-                  <a:gd name="connsiteX14" fmla="*/ 1479678 w 2002965"/>
-                  <a:gd name="connsiteY14" fmla="*/ 238807 h 656854"/>
-                  <a:gd name="connsiteX15" fmla="*/ 1219171 w 2002965"/>
-                  <a:gd name="connsiteY15" fmla="*/ 253280 h 656854"/>
-                  <a:gd name="connsiteX16" fmla="*/ 916131 w 2002965"/>
-                  <a:gd name="connsiteY16" fmla="*/ 232900 h 656854"/>
-                  <a:gd name="connsiteX17" fmla="*/ 651119 w 2002965"/>
-                  <a:gd name="connsiteY17" fmla="*/ 180914 h 656854"/>
-                  <a:gd name="connsiteX18" fmla="*/ 448502 w 2002965"/>
-                  <a:gd name="connsiteY18" fmla="*/ 75984 h 656854"/>
-                  <a:gd name="connsiteX19" fmla="*/ 3468 w 2002965"/>
-                  <a:gd name="connsiteY19" fmla="*/ 0 h 656854"/>
-                  <a:gd name="connsiteX0" fmla="*/ 3468 w 2002965"/>
-                  <a:gd name="connsiteY0" fmla="*/ 0 h 659277"/>
-                  <a:gd name="connsiteX1" fmla="*/ 263976 w 2002965"/>
-                  <a:gd name="connsiteY1" fmla="*/ 199006 h 659277"/>
-                  <a:gd name="connsiteX2" fmla="*/ 665592 w 2002965"/>
-                  <a:gd name="connsiteY2" fmla="*/ 412484 h 659277"/>
-                  <a:gd name="connsiteX3" fmla="*/ 1128717 w 2002965"/>
-                  <a:gd name="connsiteY3" fmla="*/ 575307 h 659277"/>
-                  <a:gd name="connsiteX4" fmla="*/ 1534540 w 2002965"/>
-                  <a:gd name="connsiteY4" fmla="*/ 647335 h 659277"/>
-                  <a:gd name="connsiteX5" fmla="*/ 1917476 w 2002965"/>
-                  <a:gd name="connsiteY5" fmla="*/ 651291 h 659277"/>
-                  <a:gd name="connsiteX6" fmla="*/ 2002965 w 2002965"/>
-                  <a:gd name="connsiteY6" fmla="*/ 566219 h 659277"/>
-                  <a:gd name="connsiteX7" fmla="*/ 1924326 w 2002965"/>
-                  <a:gd name="connsiteY7" fmla="*/ 541856 h 659277"/>
-                  <a:gd name="connsiteX8" fmla="*/ 1718477 w 2002965"/>
-                  <a:gd name="connsiteY8" fmla="*/ 542742 h 659277"/>
-                  <a:gd name="connsiteX9" fmla="*/ 1309625 w 2002965"/>
-                  <a:gd name="connsiteY9" fmla="*/ 490241 h 659277"/>
-                  <a:gd name="connsiteX10" fmla="*/ 947808 w 2002965"/>
-                  <a:gd name="connsiteY10" fmla="*/ 387156 h 659277"/>
-                  <a:gd name="connsiteX11" fmla="*/ 1316861 w 2002965"/>
-                  <a:gd name="connsiteY11" fmla="*/ 394393 h 659277"/>
-                  <a:gd name="connsiteX12" fmla="*/ 1667823 w 2002965"/>
-                  <a:gd name="connsiteY12" fmla="*/ 332882 h 659277"/>
-                  <a:gd name="connsiteX13" fmla="*/ 1600037 w 2002965"/>
-                  <a:gd name="connsiteY13" fmla="*/ 236147 h 659277"/>
-                  <a:gd name="connsiteX14" fmla="*/ 1479678 w 2002965"/>
-                  <a:gd name="connsiteY14" fmla="*/ 238807 h 659277"/>
-                  <a:gd name="connsiteX15" fmla="*/ 1219171 w 2002965"/>
-                  <a:gd name="connsiteY15" fmla="*/ 253280 h 659277"/>
-                  <a:gd name="connsiteX16" fmla="*/ 916131 w 2002965"/>
-                  <a:gd name="connsiteY16" fmla="*/ 232900 h 659277"/>
-                  <a:gd name="connsiteX17" fmla="*/ 651119 w 2002965"/>
-                  <a:gd name="connsiteY17" fmla="*/ 180914 h 659277"/>
-                  <a:gd name="connsiteX18" fmla="*/ 448502 w 2002965"/>
-                  <a:gd name="connsiteY18" fmla="*/ 75984 h 659277"/>
-                  <a:gd name="connsiteX19" fmla="*/ 3468 w 2002965"/>
-                  <a:gd name="connsiteY19" fmla="*/ 0 h 659277"/>
-                  <a:gd name="connsiteX0" fmla="*/ 3468 w 2002965"/>
-                  <a:gd name="connsiteY0" fmla="*/ 0 h 659277"/>
-                  <a:gd name="connsiteX1" fmla="*/ 263976 w 2002965"/>
-                  <a:gd name="connsiteY1" fmla="*/ 199006 h 659277"/>
-                  <a:gd name="connsiteX2" fmla="*/ 665592 w 2002965"/>
-                  <a:gd name="connsiteY2" fmla="*/ 412484 h 659277"/>
-                  <a:gd name="connsiteX3" fmla="*/ 1128717 w 2002965"/>
-                  <a:gd name="connsiteY3" fmla="*/ 575307 h 659277"/>
-                  <a:gd name="connsiteX4" fmla="*/ 1534540 w 2002965"/>
-                  <a:gd name="connsiteY4" fmla="*/ 647335 h 659277"/>
-                  <a:gd name="connsiteX5" fmla="*/ 1917476 w 2002965"/>
-                  <a:gd name="connsiteY5" fmla="*/ 651291 h 659277"/>
-                  <a:gd name="connsiteX6" fmla="*/ 2002965 w 2002965"/>
-                  <a:gd name="connsiteY6" fmla="*/ 566219 h 659277"/>
-                  <a:gd name="connsiteX7" fmla="*/ 1924326 w 2002965"/>
-                  <a:gd name="connsiteY7" fmla="*/ 541856 h 659277"/>
-                  <a:gd name="connsiteX8" fmla="*/ 1718477 w 2002965"/>
-                  <a:gd name="connsiteY8" fmla="*/ 542742 h 659277"/>
-                  <a:gd name="connsiteX9" fmla="*/ 1309625 w 2002965"/>
-                  <a:gd name="connsiteY9" fmla="*/ 490241 h 659277"/>
-                  <a:gd name="connsiteX10" fmla="*/ 947808 w 2002965"/>
-                  <a:gd name="connsiteY10" fmla="*/ 387156 h 659277"/>
-                  <a:gd name="connsiteX11" fmla="*/ 1316861 w 2002965"/>
-                  <a:gd name="connsiteY11" fmla="*/ 394393 h 659277"/>
-                  <a:gd name="connsiteX12" fmla="*/ 1680949 w 2002965"/>
-                  <a:gd name="connsiteY12" fmla="*/ 296783 h 659277"/>
-                  <a:gd name="connsiteX13" fmla="*/ 1600037 w 2002965"/>
-                  <a:gd name="connsiteY13" fmla="*/ 236147 h 659277"/>
-                  <a:gd name="connsiteX14" fmla="*/ 1479678 w 2002965"/>
-                  <a:gd name="connsiteY14" fmla="*/ 238807 h 659277"/>
-                  <a:gd name="connsiteX15" fmla="*/ 1219171 w 2002965"/>
-                  <a:gd name="connsiteY15" fmla="*/ 253280 h 659277"/>
-                  <a:gd name="connsiteX16" fmla="*/ 916131 w 2002965"/>
-                  <a:gd name="connsiteY16" fmla="*/ 232900 h 659277"/>
-                  <a:gd name="connsiteX17" fmla="*/ 651119 w 2002965"/>
-                  <a:gd name="connsiteY17" fmla="*/ 180914 h 659277"/>
-                  <a:gd name="connsiteX18" fmla="*/ 448502 w 2002965"/>
-                  <a:gd name="connsiteY18" fmla="*/ 75984 h 659277"/>
-                  <a:gd name="connsiteX19" fmla="*/ 3468 w 2002965"/>
-                  <a:gd name="connsiteY19" fmla="*/ 0 h 659277"/>
-                  <a:gd name="connsiteX0" fmla="*/ 3468 w 2002965"/>
-                  <a:gd name="connsiteY0" fmla="*/ 0 h 659277"/>
-                  <a:gd name="connsiteX1" fmla="*/ 263976 w 2002965"/>
-                  <a:gd name="connsiteY1" fmla="*/ 199006 h 659277"/>
-                  <a:gd name="connsiteX2" fmla="*/ 665592 w 2002965"/>
-                  <a:gd name="connsiteY2" fmla="*/ 412484 h 659277"/>
-                  <a:gd name="connsiteX3" fmla="*/ 1128717 w 2002965"/>
-                  <a:gd name="connsiteY3" fmla="*/ 575307 h 659277"/>
-                  <a:gd name="connsiteX4" fmla="*/ 1534540 w 2002965"/>
-                  <a:gd name="connsiteY4" fmla="*/ 647335 h 659277"/>
-                  <a:gd name="connsiteX5" fmla="*/ 1917476 w 2002965"/>
-                  <a:gd name="connsiteY5" fmla="*/ 651291 h 659277"/>
-                  <a:gd name="connsiteX6" fmla="*/ 2002965 w 2002965"/>
-                  <a:gd name="connsiteY6" fmla="*/ 566219 h 659277"/>
-                  <a:gd name="connsiteX7" fmla="*/ 1924326 w 2002965"/>
-                  <a:gd name="connsiteY7" fmla="*/ 541856 h 659277"/>
-                  <a:gd name="connsiteX8" fmla="*/ 1718477 w 2002965"/>
-                  <a:gd name="connsiteY8" fmla="*/ 542742 h 659277"/>
-                  <a:gd name="connsiteX9" fmla="*/ 1309625 w 2002965"/>
-                  <a:gd name="connsiteY9" fmla="*/ 490241 h 659277"/>
-                  <a:gd name="connsiteX10" fmla="*/ 947808 w 2002965"/>
-                  <a:gd name="connsiteY10" fmla="*/ 387156 h 659277"/>
-                  <a:gd name="connsiteX11" fmla="*/ 1316861 w 2002965"/>
-                  <a:gd name="connsiteY11" fmla="*/ 394393 h 659277"/>
-                  <a:gd name="connsiteX12" fmla="*/ 1684231 w 2002965"/>
-                  <a:gd name="connsiteY12" fmla="*/ 309910 h 659277"/>
-                  <a:gd name="connsiteX13" fmla="*/ 1600037 w 2002965"/>
-                  <a:gd name="connsiteY13" fmla="*/ 236147 h 659277"/>
-                  <a:gd name="connsiteX14" fmla="*/ 1479678 w 2002965"/>
-                  <a:gd name="connsiteY14" fmla="*/ 238807 h 659277"/>
-                  <a:gd name="connsiteX15" fmla="*/ 1219171 w 2002965"/>
-                  <a:gd name="connsiteY15" fmla="*/ 253280 h 659277"/>
-                  <a:gd name="connsiteX16" fmla="*/ 916131 w 2002965"/>
-                  <a:gd name="connsiteY16" fmla="*/ 232900 h 659277"/>
-                  <a:gd name="connsiteX17" fmla="*/ 651119 w 2002965"/>
-                  <a:gd name="connsiteY17" fmla="*/ 180914 h 659277"/>
-                  <a:gd name="connsiteX18" fmla="*/ 448502 w 2002965"/>
-                  <a:gd name="connsiteY18" fmla="*/ 75984 h 659277"/>
-                  <a:gd name="connsiteX19" fmla="*/ 3468 w 2002965"/>
-                  <a:gd name="connsiteY19" fmla="*/ 0 h 659277"/>
-                  <a:gd name="connsiteX0" fmla="*/ 3468 w 2002965"/>
-                  <a:gd name="connsiteY0" fmla="*/ 0 h 659277"/>
-                  <a:gd name="connsiteX1" fmla="*/ 263976 w 2002965"/>
-                  <a:gd name="connsiteY1" fmla="*/ 199006 h 659277"/>
-                  <a:gd name="connsiteX2" fmla="*/ 665592 w 2002965"/>
-                  <a:gd name="connsiteY2" fmla="*/ 412484 h 659277"/>
-                  <a:gd name="connsiteX3" fmla="*/ 1128717 w 2002965"/>
-                  <a:gd name="connsiteY3" fmla="*/ 575307 h 659277"/>
-                  <a:gd name="connsiteX4" fmla="*/ 1534540 w 2002965"/>
-                  <a:gd name="connsiteY4" fmla="*/ 647335 h 659277"/>
-                  <a:gd name="connsiteX5" fmla="*/ 1917476 w 2002965"/>
-                  <a:gd name="connsiteY5" fmla="*/ 651291 h 659277"/>
-                  <a:gd name="connsiteX6" fmla="*/ 2002965 w 2002965"/>
-                  <a:gd name="connsiteY6" fmla="*/ 566219 h 659277"/>
-                  <a:gd name="connsiteX7" fmla="*/ 1924326 w 2002965"/>
-                  <a:gd name="connsiteY7" fmla="*/ 541856 h 659277"/>
-                  <a:gd name="connsiteX8" fmla="*/ 1718477 w 2002965"/>
-                  <a:gd name="connsiteY8" fmla="*/ 542742 h 659277"/>
-                  <a:gd name="connsiteX9" fmla="*/ 1309625 w 2002965"/>
-                  <a:gd name="connsiteY9" fmla="*/ 490241 h 659277"/>
-                  <a:gd name="connsiteX10" fmla="*/ 947808 w 2002965"/>
-                  <a:gd name="connsiteY10" fmla="*/ 387156 h 659277"/>
-                  <a:gd name="connsiteX11" fmla="*/ 1316861 w 2002965"/>
-                  <a:gd name="connsiteY11" fmla="*/ 381266 h 659277"/>
-                  <a:gd name="connsiteX12" fmla="*/ 1684231 w 2002965"/>
-                  <a:gd name="connsiteY12" fmla="*/ 309910 h 659277"/>
-                  <a:gd name="connsiteX13" fmla="*/ 1600037 w 2002965"/>
-                  <a:gd name="connsiteY13" fmla="*/ 236147 h 659277"/>
-                  <a:gd name="connsiteX14" fmla="*/ 1479678 w 2002965"/>
-                  <a:gd name="connsiteY14" fmla="*/ 238807 h 659277"/>
-                  <a:gd name="connsiteX15" fmla="*/ 1219171 w 2002965"/>
-                  <a:gd name="connsiteY15" fmla="*/ 253280 h 659277"/>
-                  <a:gd name="connsiteX16" fmla="*/ 916131 w 2002965"/>
-                  <a:gd name="connsiteY16" fmla="*/ 232900 h 659277"/>
-                  <a:gd name="connsiteX17" fmla="*/ 651119 w 2002965"/>
-                  <a:gd name="connsiteY17" fmla="*/ 180914 h 659277"/>
-                  <a:gd name="connsiteX18" fmla="*/ 448502 w 2002965"/>
-                  <a:gd name="connsiteY18" fmla="*/ 75984 h 659277"/>
-                  <a:gd name="connsiteX19" fmla="*/ 3468 w 2002965"/>
-                  <a:gd name="connsiteY19" fmla="*/ 0 h 659277"/>
-                  <a:gd name="connsiteX0" fmla="*/ 3468 w 2002965"/>
-                  <a:gd name="connsiteY0" fmla="*/ 0 h 659277"/>
-                  <a:gd name="connsiteX1" fmla="*/ 263976 w 2002965"/>
-                  <a:gd name="connsiteY1" fmla="*/ 199006 h 659277"/>
-                  <a:gd name="connsiteX2" fmla="*/ 665592 w 2002965"/>
-                  <a:gd name="connsiteY2" fmla="*/ 412484 h 659277"/>
-                  <a:gd name="connsiteX3" fmla="*/ 1128717 w 2002965"/>
-                  <a:gd name="connsiteY3" fmla="*/ 575307 h 659277"/>
-                  <a:gd name="connsiteX4" fmla="*/ 1534540 w 2002965"/>
-                  <a:gd name="connsiteY4" fmla="*/ 647335 h 659277"/>
-                  <a:gd name="connsiteX5" fmla="*/ 1917476 w 2002965"/>
-                  <a:gd name="connsiteY5" fmla="*/ 651291 h 659277"/>
-                  <a:gd name="connsiteX6" fmla="*/ 2002965 w 2002965"/>
-                  <a:gd name="connsiteY6" fmla="*/ 566219 h 659277"/>
-                  <a:gd name="connsiteX7" fmla="*/ 1924326 w 2002965"/>
-                  <a:gd name="connsiteY7" fmla="*/ 541856 h 659277"/>
-                  <a:gd name="connsiteX8" fmla="*/ 1718477 w 2002965"/>
-                  <a:gd name="connsiteY8" fmla="*/ 542742 h 659277"/>
-                  <a:gd name="connsiteX9" fmla="*/ 1309625 w 2002965"/>
-                  <a:gd name="connsiteY9" fmla="*/ 490241 h 659277"/>
-                  <a:gd name="connsiteX10" fmla="*/ 947808 w 2002965"/>
-                  <a:gd name="connsiteY10" fmla="*/ 387156 h 659277"/>
-                  <a:gd name="connsiteX11" fmla="*/ 1316861 w 2002965"/>
-                  <a:gd name="connsiteY11" fmla="*/ 381266 h 659277"/>
-                  <a:gd name="connsiteX12" fmla="*/ 1684231 w 2002965"/>
-                  <a:gd name="connsiteY12" fmla="*/ 309910 h 659277"/>
-                  <a:gd name="connsiteX13" fmla="*/ 1609882 w 2002965"/>
-                  <a:gd name="connsiteY13" fmla="*/ 249274 h 659277"/>
-                  <a:gd name="connsiteX14" fmla="*/ 1479678 w 2002965"/>
-                  <a:gd name="connsiteY14" fmla="*/ 238807 h 659277"/>
-                  <a:gd name="connsiteX15" fmla="*/ 1219171 w 2002965"/>
-                  <a:gd name="connsiteY15" fmla="*/ 253280 h 659277"/>
-                  <a:gd name="connsiteX16" fmla="*/ 916131 w 2002965"/>
-                  <a:gd name="connsiteY16" fmla="*/ 232900 h 659277"/>
-                  <a:gd name="connsiteX17" fmla="*/ 651119 w 2002965"/>
-                  <a:gd name="connsiteY17" fmla="*/ 180914 h 659277"/>
-                  <a:gd name="connsiteX18" fmla="*/ 448502 w 2002965"/>
-                  <a:gd name="connsiteY18" fmla="*/ 75984 h 659277"/>
-                  <a:gd name="connsiteX19" fmla="*/ 3468 w 2002965"/>
-                  <a:gd name="connsiteY19" fmla="*/ 0 h 659277"/>
-                  <a:gd name="connsiteX0" fmla="*/ 3468 w 2002965"/>
-                  <a:gd name="connsiteY0" fmla="*/ 0 h 659277"/>
-                  <a:gd name="connsiteX1" fmla="*/ 263976 w 2002965"/>
-                  <a:gd name="connsiteY1" fmla="*/ 199006 h 659277"/>
-                  <a:gd name="connsiteX2" fmla="*/ 665592 w 2002965"/>
-                  <a:gd name="connsiteY2" fmla="*/ 412484 h 659277"/>
-                  <a:gd name="connsiteX3" fmla="*/ 1128717 w 2002965"/>
-                  <a:gd name="connsiteY3" fmla="*/ 575307 h 659277"/>
-                  <a:gd name="connsiteX4" fmla="*/ 1534540 w 2002965"/>
-                  <a:gd name="connsiteY4" fmla="*/ 647335 h 659277"/>
-                  <a:gd name="connsiteX5" fmla="*/ 1917476 w 2002965"/>
-                  <a:gd name="connsiteY5" fmla="*/ 651291 h 659277"/>
-                  <a:gd name="connsiteX6" fmla="*/ 2002965 w 2002965"/>
-                  <a:gd name="connsiteY6" fmla="*/ 566219 h 659277"/>
-                  <a:gd name="connsiteX7" fmla="*/ 1924326 w 2002965"/>
-                  <a:gd name="connsiteY7" fmla="*/ 541856 h 659277"/>
-                  <a:gd name="connsiteX8" fmla="*/ 1718477 w 2002965"/>
-                  <a:gd name="connsiteY8" fmla="*/ 542742 h 659277"/>
-                  <a:gd name="connsiteX9" fmla="*/ 1309625 w 2002965"/>
-                  <a:gd name="connsiteY9" fmla="*/ 490241 h 659277"/>
-                  <a:gd name="connsiteX10" fmla="*/ 947808 w 2002965"/>
-                  <a:gd name="connsiteY10" fmla="*/ 387156 h 659277"/>
-                  <a:gd name="connsiteX11" fmla="*/ 1316861 w 2002965"/>
-                  <a:gd name="connsiteY11" fmla="*/ 381266 h 659277"/>
-                  <a:gd name="connsiteX12" fmla="*/ 1684231 w 2002965"/>
-                  <a:gd name="connsiteY12" fmla="*/ 309910 h 659277"/>
-                  <a:gd name="connsiteX13" fmla="*/ 1626290 w 2002965"/>
-                  <a:gd name="connsiteY13" fmla="*/ 232865 h 659277"/>
-                  <a:gd name="connsiteX14" fmla="*/ 1479678 w 2002965"/>
-                  <a:gd name="connsiteY14" fmla="*/ 238807 h 659277"/>
-                  <a:gd name="connsiteX15" fmla="*/ 1219171 w 2002965"/>
-                  <a:gd name="connsiteY15" fmla="*/ 253280 h 659277"/>
-                  <a:gd name="connsiteX16" fmla="*/ 916131 w 2002965"/>
-                  <a:gd name="connsiteY16" fmla="*/ 232900 h 659277"/>
-                  <a:gd name="connsiteX17" fmla="*/ 651119 w 2002965"/>
-                  <a:gd name="connsiteY17" fmla="*/ 180914 h 659277"/>
-                  <a:gd name="connsiteX18" fmla="*/ 448502 w 2002965"/>
-                  <a:gd name="connsiteY18" fmla="*/ 75984 h 659277"/>
-                  <a:gd name="connsiteX19" fmla="*/ 3468 w 2002965"/>
-                  <a:gd name="connsiteY19" fmla="*/ 0 h 659277"/>
-                  <a:gd name="connsiteX0" fmla="*/ 3468 w 2002965"/>
-                  <a:gd name="connsiteY0" fmla="*/ 0 h 659277"/>
-                  <a:gd name="connsiteX1" fmla="*/ 263976 w 2002965"/>
-                  <a:gd name="connsiteY1" fmla="*/ 199006 h 659277"/>
-                  <a:gd name="connsiteX2" fmla="*/ 665592 w 2002965"/>
-                  <a:gd name="connsiteY2" fmla="*/ 412484 h 659277"/>
-                  <a:gd name="connsiteX3" fmla="*/ 1128717 w 2002965"/>
-                  <a:gd name="connsiteY3" fmla="*/ 575307 h 659277"/>
-                  <a:gd name="connsiteX4" fmla="*/ 1534540 w 2002965"/>
-                  <a:gd name="connsiteY4" fmla="*/ 647335 h 659277"/>
-                  <a:gd name="connsiteX5" fmla="*/ 1917476 w 2002965"/>
-                  <a:gd name="connsiteY5" fmla="*/ 651291 h 659277"/>
-                  <a:gd name="connsiteX6" fmla="*/ 2002965 w 2002965"/>
-                  <a:gd name="connsiteY6" fmla="*/ 566219 h 659277"/>
-                  <a:gd name="connsiteX7" fmla="*/ 1924326 w 2002965"/>
-                  <a:gd name="connsiteY7" fmla="*/ 541856 h 659277"/>
-                  <a:gd name="connsiteX8" fmla="*/ 1718477 w 2002965"/>
-                  <a:gd name="connsiteY8" fmla="*/ 542742 h 659277"/>
-                  <a:gd name="connsiteX9" fmla="*/ 1309625 w 2002965"/>
-                  <a:gd name="connsiteY9" fmla="*/ 490241 h 659277"/>
-                  <a:gd name="connsiteX10" fmla="*/ 947808 w 2002965"/>
-                  <a:gd name="connsiteY10" fmla="*/ 387156 h 659277"/>
-                  <a:gd name="connsiteX11" fmla="*/ 1316861 w 2002965"/>
-                  <a:gd name="connsiteY11" fmla="*/ 381266 h 659277"/>
-                  <a:gd name="connsiteX12" fmla="*/ 1674386 w 2002965"/>
-                  <a:gd name="connsiteY12" fmla="*/ 293501 h 659277"/>
-                  <a:gd name="connsiteX13" fmla="*/ 1626290 w 2002965"/>
-                  <a:gd name="connsiteY13" fmla="*/ 232865 h 659277"/>
-                  <a:gd name="connsiteX14" fmla="*/ 1479678 w 2002965"/>
-                  <a:gd name="connsiteY14" fmla="*/ 238807 h 659277"/>
-                  <a:gd name="connsiteX15" fmla="*/ 1219171 w 2002965"/>
-                  <a:gd name="connsiteY15" fmla="*/ 253280 h 659277"/>
-                  <a:gd name="connsiteX16" fmla="*/ 916131 w 2002965"/>
-                  <a:gd name="connsiteY16" fmla="*/ 232900 h 659277"/>
-                  <a:gd name="connsiteX17" fmla="*/ 651119 w 2002965"/>
-                  <a:gd name="connsiteY17" fmla="*/ 180914 h 659277"/>
-                  <a:gd name="connsiteX18" fmla="*/ 448502 w 2002965"/>
-                  <a:gd name="connsiteY18" fmla="*/ 75984 h 659277"/>
-                  <a:gd name="connsiteX19" fmla="*/ 3468 w 2002965"/>
-                  <a:gd name="connsiteY19" fmla="*/ 0 h 659277"/>
-                  <a:gd name="connsiteX0" fmla="*/ 3468 w 2002965"/>
-                  <a:gd name="connsiteY0" fmla="*/ 0 h 659277"/>
-                  <a:gd name="connsiteX1" fmla="*/ 263976 w 2002965"/>
-                  <a:gd name="connsiteY1" fmla="*/ 199006 h 659277"/>
-                  <a:gd name="connsiteX2" fmla="*/ 665592 w 2002965"/>
-                  <a:gd name="connsiteY2" fmla="*/ 412484 h 659277"/>
-                  <a:gd name="connsiteX3" fmla="*/ 1128717 w 2002965"/>
-                  <a:gd name="connsiteY3" fmla="*/ 575307 h 659277"/>
-                  <a:gd name="connsiteX4" fmla="*/ 1534540 w 2002965"/>
-                  <a:gd name="connsiteY4" fmla="*/ 647335 h 659277"/>
-                  <a:gd name="connsiteX5" fmla="*/ 1917476 w 2002965"/>
-                  <a:gd name="connsiteY5" fmla="*/ 651291 h 659277"/>
-                  <a:gd name="connsiteX6" fmla="*/ 2002965 w 2002965"/>
-                  <a:gd name="connsiteY6" fmla="*/ 566219 h 659277"/>
-                  <a:gd name="connsiteX7" fmla="*/ 1924326 w 2002965"/>
-                  <a:gd name="connsiteY7" fmla="*/ 541856 h 659277"/>
-                  <a:gd name="connsiteX8" fmla="*/ 1718477 w 2002965"/>
-                  <a:gd name="connsiteY8" fmla="*/ 542742 h 659277"/>
-                  <a:gd name="connsiteX9" fmla="*/ 1309625 w 2002965"/>
-                  <a:gd name="connsiteY9" fmla="*/ 490241 h 659277"/>
-                  <a:gd name="connsiteX10" fmla="*/ 947808 w 2002965"/>
-                  <a:gd name="connsiteY10" fmla="*/ 387156 h 659277"/>
-                  <a:gd name="connsiteX11" fmla="*/ 1316861 w 2002965"/>
-                  <a:gd name="connsiteY11" fmla="*/ 381266 h 659277"/>
-                  <a:gd name="connsiteX12" fmla="*/ 1684231 w 2002965"/>
-                  <a:gd name="connsiteY12" fmla="*/ 303346 h 659277"/>
-                  <a:gd name="connsiteX13" fmla="*/ 1626290 w 2002965"/>
-                  <a:gd name="connsiteY13" fmla="*/ 232865 h 659277"/>
-                  <a:gd name="connsiteX14" fmla="*/ 1479678 w 2002965"/>
-                  <a:gd name="connsiteY14" fmla="*/ 238807 h 659277"/>
-                  <a:gd name="connsiteX15" fmla="*/ 1219171 w 2002965"/>
-                  <a:gd name="connsiteY15" fmla="*/ 253280 h 659277"/>
-                  <a:gd name="connsiteX16" fmla="*/ 916131 w 2002965"/>
-                  <a:gd name="connsiteY16" fmla="*/ 232900 h 659277"/>
-                  <a:gd name="connsiteX17" fmla="*/ 651119 w 2002965"/>
-                  <a:gd name="connsiteY17" fmla="*/ 180914 h 659277"/>
-                  <a:gd name="connsiteX18" fmla="*/ 448502 w 2002965"/>
-                  <a:gd name="connsiteY18" fmla="*/ 75984 h 659277"/>
-                  <a:gd name="connsiteX19" fmla="*/ 3468 w 2002965"/>
-                  <a:gd name="connsiteY19" fmla="*/ 0 h 659277"/>
-                </a:gdLst>
-                <a:ahLst/>
-                <a:cxnLst>
-                  <a:cxn ang="0">
-                    <a:pos x="connsiteX0" y="connsiteY0"/>
-                  </a:cxn>
-                  <a:cxn ang="0">
-                    <a:pos x="connsiteX1" y="connsiteY1"/>
-                  </a:cxn>
-                  <a:cxn ang="0">
-                    <a:pos x="connsiteX2" y="connsiteY2"/>
-                  </a:cxn>
-                  <a:cxn ang="0">
-                    <a:pos x="connsiteX3" y="connsiteY3"/>
-                  </a:cxn>
-                  <a:cxn ang="0">
-                    <a:pos x="connsiteX4" y="connsiteY4"/>
-                  </a:cxn>
-                  <a:cxn ang="0">
-                    <a:pos x="connsiteX5" y="connsiteY5"/>
-                  </a:cxn>
-                  <a:cxn ang="0">
-                    <a:pos x="connsiteX6" y="connsiteY6"/>
-                  </a:cxn>
-                  <a:cxn ang="0">
-                    <a:pos x="connsiteX7" y="connsiteY7"/>
-                  </a:cxn>
-                  <a:cxn ang="0">
-                    <a:pos x="connsiteX8" y="connsiteY8"/>
-                  </a:cxn>
-                  <a:cxn ang="0">
-                    <a:pos x="connsiteX9" y="connsiteY9"/>
-                  </a:cxn>
-                  <a:cxn ang="0">
-                    <a:pos x="connsiteX10" y="connsiteY10"/>
-                  </a:cxn>
-                  <a:cxn ang="0">
-                    <a:pos x="connsiteX11" y="connsiteY11"/>
-                  </a:cxn>
-                  <a:cxn ang="0">
-                    <a:pos x="connsiteX12" y="connsiteY12"/>
-                  </a:cxn>
-                  <a:cxn ang="0">
-                    <a:pos x="connsiteX13" y="connsiteY13"/>
-                  </a:cxn>
-                  <a:cxn ang="0">
-                    <a:pos x="connsiteX14" y="connsiteY14"/>
-                  </a:cxn>
-                  <a:cxn ang="0">
-                    <a:pos x="connsiteX15" y="connsiteY15"/>
-                  </a:cxn>
-                  <a:cxn ang="0">
-                    <a:pos x="connsiteX16" y="connsiteY16"/>
-                  </a:cxn>
-                  <a:cxn ang="0">
-                    <a:pos x="connsiteX17" y="connsiteY17"/>
-                  </a:cxn>
-                  <a:cxn ang="0">
-                    <a:pos x="connsiteX18" y="connsiteY18"/>
-                  </a:cxn>
-                  <a:cxn ang="0">
-                    <a:pos x="connsiteX19" y="connsiteY19"/>
-                  </a:cxn>
-                </a:cxnLst>
-                <a:rect l="l" t="t" r="r" b="b"/>
-                <a:pathLst>
-                  <a:path w="2002965" h="659277">
-                    <a:moveTo>
-                      <a:pt x="3468" y="0"/>
-                    </a:moveTo>
-                    <a:cubicBezTo>
-                      <a:pt x="-27286" y="20504"/>
-                      <a:pt x="153622" y="130259"/>
-                      <a:pt x="263976" y="199006"/>
-                    </a:cubicBezTo>
-                    <a:cubicBezTo>
-                      <a:pt x="374330" y="267753"/>
-                      <a:pt x="521469" y="349767"/>
-                      <a:pt x="665592" y="412484"/>
-                    </a:cubicBezTo>
-                    <a:cubicBezTo>
-                      <a:pt x="809715" y="475201"/>
-                      <a:pt x="983892" y="536165"/>
-                      <a:pt x="1128717" y="575307"/>
-                    </a:cubicBezTo>
-                    <a:cubicBezTo>
-                      <a:pt x="1273542" y="614449"/>
-                      <a:pt x="1393769" y="635078"/>
-                      <a:pt x="1534540" y="647335"/>
-                    </a:cubicBezTo>
-                    <a:cubicBezTo>
-                      <a:pt x="1675311" y="659592"/>
-                      <a:pt x="1839405" y="664810"/>
-                      <a:pt x="1917476" y="651291"/>
-                    </a:cubicBezTo>
-                    <a:cubicBezTo>
-                      <a:pt x="1995547" y="637772"/>
-                      <a:pt x="1976824" y="598376"/>
-                      <a:pt x="2002965" y="566219"/>
-                    </a:cubicBezTo>
-                    <a:lnTo>
-                      <a:pt x="1924326" y="541856"/>
-                    </a:lnTo>
-                    <a:cubicBezTo>
-                      <a:pt x="1879099" y="529192"/>
-                      <a:pt x="1820927" y="551344"/>
-                      <a:pt x="1718477" y="542742"/>
-                    </a:cubicBezTo>
-                    <a:cubicBezTo>
-                      <a:pt x="1616027" y="534140"/>
-                      <a:pt x="1446106" y="519311"/>
-                      <a:pt x="1309625" y="490241"/>
-                    </a:cubicBezTo>
-                    <a:cubicBezTo>
-                      <a:pt x="1173144" y="461171"/>
-                      <a:pt x="1068414" y="425751"/>
-                      <a:pt x="947808" y="387156"/>
-                    </a:cubicBezTo>
-                    <a:cubicBezTo>
-                      <a:pt x="1070826" y="389568"/>
-                      <a:pt x="1194124" y="395234"/>
-                      <a:pt x="1316861" y="381266"/>
-                    </a:cubicBezTo>
-                    <a:cubicBezTo>
-                      <a:pt x="1439598" y="367298"/>
-                      <a:pt x="1640210" y="332895"/>
-                      <a:pt x="1684231" y="303346"/>
-                    </a:cubicBezTo>
-                    <a:lnTo>
-                      <a:pt x="1626290" y="232865"/>
-                    </a:lnTo>
-                    <a:cubicBezTo>
-                      <a:pt x="1594933" y="217186"/>
-                      <a:pt x="1547531" y="235405"/>
-                      <a:pt x="1479678" y="238807"/>
-                    </a:cubicBezTo>
-                    <a:cubicBezTo>
-                      <a:pt x="1411825" y="242210"/>
-                      <a:pt x="1313095" y="254264"/>
-                      <a:pt x="1219171" y="253280"/>
-                    </a:cubicBezTo>
-                    <a:cubicBezTo>
-                      <a:pt x="1125247" y="252296"/>
-                      <a:pt x="1017144" y="239693"/>
-                      <a:pt x="916131" y="232900"/>
-                    </a:cubicBezTo>
-                    <a:cubicBezTo>
-                      <a:pt x="821456" y="220839"/>
-                      <a:pt x="729057" y="207067"/>
-                      <a:pt x="651119" y="180914"/>
-                    </a:cubicBezTo>
-                    <a:cubicBezTo>
-                      <a:pt x="573181" y="154761"/>
-                      <a:pt x="516041" y="110961"/>
-                      <a:pt x="448502" y="75984"/>
-                    </a:cubicBezTo>
-                    <a:lnTo>
-                      <a:pt x="3468" y="0"/>
-                    </a:lnTo>
-                    <a:close/>
-                  </a:path>
-                </a:pathLst>
-              </a:custGeom>
-              <a:solidFill>
-                <a:srgbClr val="103869"/>
-              </a:solidFill>
-              <a:ln>
-                <a:noFill/>
-              </a:ln>
-              <a:effectLst/>
-            </p:spPr>
-            <p:style>
-              <a:lnRef idx="1">
-                <a:schemeClr val="accent1"/>
-              </a:lnRef>
-              <a:fillRef idx="3">
-                <a:schemeClr val="accent1"/>
-              </a:fillRef>
-              <a:effectRef idx="2">
-                <a:schemeClr val="accent1"/>
-              </a:effectRef>
-              <a:fontRef idx="minor">
-                <a:schemeClr val="lt1"/>
-              </a:fontRef>
-            </p:style>
-            <p:txBody>
-              <a:bodyPr rtlCol="0" anchor="ctr"/>
-              <a:lstStyle/>
-              <a:p>
-                <a:pPr algn="ctr"/>
-                <a:endParaRPr lang="en-US"/>
-              </a:p>
-            </p:txBody>
-          </p:sp>
-        </p:grpSp>
+            <a:prstGeom prst="roundRect">
+              <a:avLst>
+                <a:gd name="adj" fmla="val 50000"/>
+              </a:avLst>
+            </a:prstGeom>
+            <a:solidFill>
+              <a:srgbClr val="A2BFE2"/>
+            </a:solidFill>
+            <a:ln>
+              <a:noFill/>
+            </a:ln>
+            <a:effectLst/>
+          </p:spPr>
+          <p:style>
+            <a:lnRef idx="1">
+              <a:schemeClr val="accent1"/>
+            </a:lnRef>
+            <a:fillRef idx="3">
+              <a:schemeClr val="accent1"/>
+            </a:fillRef>
+            <a:effectRef idx="2">
+              <a:schemeClr val="accent1"/>
+            </a:effectRef>
+            <a:fontRef idx="minor">
+              <a:schemeClr val="lt1"/>
+            </a:fontRef>
+          </p:style>
+          <p:txBody>
+            <a:bodyPr rtlCol="0" anchor="ctr"/>
+            <a:lstStyle/>
+            <a:p>
+              <a:pPr algn="ctr"/>
+              <a:endParaRPr lang="en-US"/>
+            </a:p>
+          </p:txBody>
+        </p:sp>
+        <p:sp>
+          <p:nvSpPr>
+            <p:cNvPr id="16" name="Rounded Rectangle 15"/>
+            <p:cNvSpPr/>
+            <p:nvPr/>
+          </p:nvSpPr>
+          <p:spPr>
+            <a:xfrm rot="1799382">
+              <a:off x="5602107" y="2434051"/>
+              <a:ext cx="171363" cy="2258820"/>
+            </a:xfrm>
+            <a:prstGeom prst="roundRect">
+              <a:avLst>
+                <a:gd name="adj" fmla="val 50000"/>
+              </a:avLst>
+            </a:prstGeom>
+            <a:solidFill>
+              <a:srgbClr val="A2BFE2"/>
+            </a:solidFill>
+            <a:ln>
+              <a:noFill/>
+            </a:ln>
+            <a:effectLst/>
+          </p:spPr>
+          <p:style>
+            <a:lnRef idx="1">
+              <a:schemeClr val="accent1"/>
+            </a:lnRef>
+            <a:fillRef idx="3">
+              <a:schemeClr val="accent1"/>
+            </a:fillRef>
+            <a:effectRef idx="2">
+              <a:schemeClr val="accent1"/>
+            </a:effectRef>
+            <a:fontRef idx="minor">
+              <a:schemeClr val="lt1"/>
+            </a:fontRef>
+          </p:style>
+          <p:txBody>
+            <a:bodyPr rtlCol="0" anchor="ctr"/>
+            <a:lstStyle/>
+            <a:p>
+              <a:pPr algn="ctr"/>
+              <a:endParaRPr lang="en-US"/>
+            </a:p>
+          </p:txBody>
+        </p:sp>
+        <p:sp>
+          <p:nvSpPr>
+            <p:cNvPr id="17" name="Freeform 16"/>
+            <p:cNvSpPr/>
+            <p:nvPr/>
+          </p:nvSpPr>
+          <p:spPr>
+            <a:xfrm rot="80500">
+              <a:off x="2327079" y="1379308"/>
+              <a:ext cx="3406301" cy="2453789"/>
+            </a:xfrm>
+            <a:custGeom>
+              <a:avLst/>
+              <a:gdLst>
+                <a:gd name="connsiteX0" fmla="*/ 2356684 w 2356684"/>
+                <a:gd name="connsiteY0" fmla="*/ 69504 h 2179901"/>
+                <a:gd name="connsiteX1" fmla="*/ 2325093 w 2356684"/>
+                <a:gd name="connsiteY1" fmla="*/ 0 h 2179901"/>
+                <a:gd name="connsiteX2" fmla="*/ 1901775 w 2356684"/>
+                <a:gd name="connsiteY2" fmla="*/ 170601 h 2179901"/>
+                <a:gd name="connsiteX3" fmla="*/ 1301547 w 2356684"/>
+                <a:gd name="connsiteY3" fmla="*/ 265379 h 2179901"/>
+                <a:gd name="connsiteX4" fmla="*/ 922455 w 2356684"/>
+                <a:gd name="connsiteY4" fmla="*/ 278016 h 2179901"/>
+                <a:gd name="connsiteX5" fmla="*/ 0 w 2356684"/>
+                <a:gd name="connsiteY5" fmla="*/ 2085122 h 2179901"/>
+                <a:gd name="connsiteX6" fmla="*/ 454909 w 2356684"/>
+                <a:gd name="connsiteY6" fmla="*/ 2160945 h 2179901"/>
+                <a:gd name="connsiteX7" fmla="*/ 852955 w 2356684"/>
+                <a:gd name="connsiteY7" fmla="*/ 2179901 h 2179901"/>
+                <a:gd name="connsiteX8" fmla="*/ 1168865 w 2356684"/>
+                <a:gd name="connsiteY8" fmla="*/ 2129352 h 2179901"/>
+                <a:gd name="connsiteX9" fmla="*/ 1333138 w 2356684"/>
+                <a:gd name="connsiteY9" fmla="*/ 2078804 h 2179901"/>
+                <a:gd name="connsiteX10" fmla="*/ 2356684 w 2356684"/>
+                <a:gd name="connsiteY10" fmla="*/ 69504 h 2179901"/>
+                <a:gd name="connsiteX0" fmla="*/ 2356684 w 2356684"/>
+                <a:gd name="connsiteY0" fmla="*/ 69504 h 2179901"/>
+                <a:gd name="connsiteX1" fmla="*/ 2325093 w 2356684"/>
+                <a:gd name="connsiteY1" fmla="*/ 0 h 2179901"/>
+                <a:gd name="connsiteX2" fmla="*/ 1901775 w 2356684"/>
+                <a:gd name="connsiteY2" fmla="*/ 170601 h 2179901"/>
+                <a:gd name="connsiteX3" fmla="*/ 1301547 w 2356684"/>
+                <a:gd name="connsiteY3" fmla="*/ 265379 h 2179901"/>
+                <a:gd name="connsiteX4" fmla="*/ 922455 w 2356684"/>
+                <a:gd name="connsiteY4" fmla="*/ 278016 h 2179901"/>
+                <a:gd name="connsiteX5" fmla="*/ 0 w 2356684"/>
+                <a:gd name="connsiteY5" fmla="*/ 2085122 h 2179901"/>
+                <a:gd name="connsiteX6" fmla="*/ 454909 w 2356684"/>
+                <a:gd name="connsiteY6" fmla="*/ 2160945 h 2179901"/>
+                <a:gd name="connsiteX7" fmla="*/ 852955 w 2356684"/>
+                <a:gd name="connsiteY7" fmla="*/ 2179901 h 2179901"/>
+                <a:gd name="connsiteX8" fmla="*/ 1168865 w 2356684"/>
+                <a:gd name="connsiteY8" fmla="*/ 2129352 h 2179901"/>
+                <a:gd name="connsiteX9" fmla="*/ 1333138 w 2356684"/>
+                <a:gd name="connsiteY9" fmla="*/ 2078804 h 2179901"/>
+                <a:gd name="connsiteX10" fmla="*/ 2356684 w 2356684"/>
+                <a:gd name="connsiteY10" fmla="*/ 69504 h 2179901"/>
+                <a:gd name="connsiteX0" fmla="*/ 2356684 w 2356684"/>
+                <a:gd name="connsiteY0" fmla="*/ 69504 h 2179901"/>
+                <a:gd name="connsiteX1" fmla="*/ 2325093 w 2356684"/>
+                <a:gd name="connsiteY1" fmla="*/ 0 h 2179901"/>
+                <a:gd name="connsiteX2" fmla="*/ 1901775 w 2356684"/>
+                <a:gd name="connsiteY2" fmla="*/ 170601 h 2179901"/>
+                <a:gd name="connsiteX3" fmla="*/ 1301547 w 2356684"/>
+                <a:gd name="connsiteY3" fmla="*/ 265379 h 2179901"/>
+                <a:gd name="connsiteX4" fmla="*/ 922455 w 2356684"/>
+                <a:gd name="connsiteY4" fmla="*/ 278016 h 2179901"/>
+                <a:gd name="connsiteX5" fmla="*/ 0 w 2356684"/>
+                <a:gd name="connsiteY5" fmla="*/ 2085122 h 2179901"/>
+                <a:gd name="connsiteX6" fmla="*/ 454909 w 2356684"/>
+                <a:gd name="connsiteY6" fmla="*/ 2160945 h 2179901"/>
+                <a:gd name="connsiteX7" fmla="*/ 852955 w 2356684"/>
+                <a:gd name="connsiteY7" fmla="*/ 2179901 h 2179901"/>
+                <a:gd name="connsiteX8" fmla="*/ 1168865 w 2356684"/>
+                <a:gd name="connsiteY8" fmla="*/ 2129352 h 2179901"/>
+                <a:gd name="connsiteX9" fmla="*/ 1333138 w 2356684"/>
+                <a:gd name="connsiteY9" fmla="*/ 2078804 h 2179901"/>
+                <a:gd name="connsiteX10" fmla="*/ 2356684 w 2356684"/>
+                <a:gd name="connsiteY10" fmla="*/ 69504 h 2179901"/>
+                <a:gd name="connsiteX0" fmla="*/ 2366860 w 2366860"/>
+                <a:gd name="connsiteY0" fmla="*/ 69504 h 2242959"/>
+                <a:gd name="connsiteX1" fmla="*/ 2335269 w 2366860"/>
+                <a:gd name="connsiteY1" fmla="*/ 0 h 2242959"/>
+                <a:gd name="connsiteX2" fmla="*/ 1911951 w 2366860"/>
+                <a:gd name="connsiteY2" fmla="*/ 170601 h 2242959"/>
+                <a:gd name="connsiteX3" fmla="*/ 1311723 w 2366860"/>
+                <a:gd name="connsiteY3" fmla="*/ 265379 h 2242959"/>
+                <a:gd name="connsiteX4" fmla="*/ 932631 w 2366860"/>
+                <a:gd name="connsiteY4" fmla="*/ 278016 h 2242959"/>
+                <a:gd name="connsiteX5" fmla="*/ 10176 w 2366860"/>
+                <a:gd name="connsiteY5" fmla="*/ 2085122 h 2242959"/>
+                <a:gd name="connsiteX6" fmla="*/ 465085 w 2366860"/>
+                <a:gd name="connsiteY6" fmla="*/ 2160945 h 2242959"/>
+                <a:gd name="connsiteX7" fmla="*/ 863131 w 2366860"/>
+                <a:gd name="connsiteY7" fmla="*/ 2179901 h 2242959"/>
+                <a:gd name="connsiteX8" fmla="*/ 1179041 w 2366860"/>
+                <a:gd name="connsiteY8" fmla="*/ 2129352 h 2242959"/>
+                <a:gd name="connsiteX9" fmla="*/ 1343314 w 2366860"/>
+                <a:gd name="connsiteY9" fmla="*/ 2078804 h 2242959"/>
+                <a:gd name="connsiteX10" fmla="*/ 2366860 w 2366860"/>
+                <a:gd name="connsiteY10" fmla="*/ 69504 h 2242959"/>
+                <a:gd name="connsiteX0" fmla="*/ 2366860 w 2366860"/>
+                <a:gd name="connsiteY0" fmla="*/ 69504 h 2242959"/>
+                <a:gd name="connsiteX1" fmla="*/ 2335269 w 2366860"/>
+                <a:gd name="connsiteY1" fmla="*/ 0 h 2242959"/>
+                <a:gd name="connsiteX2" fmla="*/ 1911951 w 2366860"/>
+                <a:gd name="connsiteY2" fmla="*/ 170601 h 2242959"/>
+                <a:gd name="connsiteX3" fmla="*/ 1311723 w 2366860"/>
+                <a:gd name="connsiteY3" fmla="*/ 265379 h 2242959"/>
+                <a:gd name="connsiteX4" fmla="*/ 932631 w 2366860"/>
+                <a:gd name="connsiteY4" fmla="*/ 278016 h 2242959"/>
+                <a:gd name="connsiteX5" fmla="*/ 10176 w 2366860"/>
+                <a:gd name="connsiteY5" fmla="*/ 2085122 h 2242959"/>
+                <a:gd name="connsiteX6" fmla="*/ 465085 w 2366860"/>
+                <a:gd name="connsiteY6" fmla="*/ 2160945 h 2242959"/>
+                <a:gd name="connsiteX7" fmla="*/ 863131 w 2366860"/>
+                <a:gd name="connsiteY7" fmla="*/ 2179901 h 2242959"/>
+                <a:gd name="connsiteX8" fmla="*/ 1179041 w 2366860"/>
+                <a:gd name="connsiteY8" fmla="*/ 2129352 h 2242959"/>
+                <a:gd name="connsiteX9" fmla="*/ 1343314 w 2366860"/>
+                <a:gd name="connsiteY9" fmla="*/ 2078804 h 2242959"/>
+                <a:gd name="connsiteX10" fmla="*/ 2366860 w 2366860"/>
+                <a:gd name="connsiteY10" fmla="*/ 69504 h 2242959"/>
+                <a:gd name="connsiteX0" fmla="*/ 2366860 w 2366860"/>
+                <a:gd name="connsiteY0" fmla="*/ 69504 h 2242959"/>
+                <a:gd name="connsiteX1" fmla="*/ 2335269 w 2366860"/>
+                <a:gd name="connsiteY1" fmla="*/ 0 h 2242959"/>
+                <a:gd name="connsiteX2" fmla="*/ 1911951 w 2366860"/>
+                <a:gd name="connsiteY2" fmla="*/ 170601 h 2242959"/>
+                <a:gd name="connsiteX3" fmla="*/ 1311723 w 2366860"/>
+                <a:gd name="connsiteY3" fmla="*/ 265379 h 2242959"/>
+                <a:gd name="connsiteX4" fmla="*/ 932631 w 2366860"/>
+                <a:gd name="connsiteY4" fmla="*/ 278016 h 2242959"/>
+                <a:gd name="connsiteX5" fmla="*/ 10176 w 2366860"/>
+                <a:gd name="connsiteY5" fmla="*/ 2085122 h 2242959"/>
+                <a:gd name="connsiteX6" fmla="*/ 465085 w 2366860"/>
+                <a:gd name="connsiteY6" fmla="*/ 2160945 h 2242959"/>
+                <a:gd name="connsiteX7" fmla="*/ 863131 w 2366860"/>
+                <a:gd name="connsiteY7" fmla="*/ 2179901 h 2242959"/>
+                <a:gd name="connsiteX8" fmla="*/ 1179041 w 2366860"/>
+                <a:gd name="connsiteY8" fmla="*/ 2129352 h 2242959"/>
+                <a:gd name="connsiteX9" fmla="*/ 1343314 w 2366860"/>
+                <a:gd name="connsiteY9" fmla="*/ 2078804 h 2242959"/>
+                <a:gd name="connsiteX10" fmla="*/ 2366860 w 2366860"/>
+                <a:gd name="connsiteY10" fmla="*/ 69504 h 2242959"/>
+                <a:gd name="connsiteX0" fmla="*/ 2356684 w 2356684"/>
+                <a:gd name="connsiteY0" fmla="*/ 69504 h 2181468"/>
+                <a:gd name="connsiteX1" fmla="*/ 2325093 w 2356684"/>
+                <a:gd name="connsiteY1" fmla="*/ 0 h 2181468"/>
+                <a:gd name="connsiteX2" fmla="*/ 1901775 w 2356684"/>
+                <a:gd name="connsiteY2" fmla="*/ 170601 h 2181468"/>
+                <a:gd name="connsiteX3" fmla="*/ 1301547 w 2356684"/>
+                <a:gd name="connsiteY3" fmla="*/ 265379 h 2181468"/>
+                <a:gd name="connsiteX4" fmla="*/ 922455 w 2356684"/>
+                <a:gd name="connsiteY4" fmla="*/ 278016 h 2181468"/>
+                <a:gd name="connsiteX5" fmla="*/ 0 w 2356684"/>
+                <a:gd name="connsiteY5" fmla="*/ 2085122 h 2181468"/>
+                <a:gd name="connsiteX6" fmla="*/ 454909 w 2356684"/>
+                <a:gd name="connsiteY6" fmla="*/ 2160945 h 2181468"/>
+                <a:gd name="connsiteX7" fmla="*/ 852955 w 2356684"/>
+                <a:gd name="connsiteY7" fmla="*/ 2179901 h 2181468"/>
+                <a:gd name="connsiteX8" fmla="*/ 1168865 w 2356684"/>
+                <a:gd name="connsiteY8" fmla="*/ 2129352 h 2181468"/>
+                <a:gd name="connsiteX9" fmla="*/ 1333138 w 2356684"/>
+                <a:gd name="connsiteY9" fmla="*/ 2078804 h 2181468"/>
+                <a:gd name="connsiteX10" fmla="*/ 2356684 w 2356684"/>
+                <a:gd name="connsiteY10" fmla="*/ 69504 h 2181468"/>
+                <a:gd name="connsiteX0" fmla="*/ 2356684 w 2356684"/>
+                <a:gd name="connsiteY0" fmla="*/ 69504 h 2186296"/>
+                <a:gd name="connsiteX1" fmla="*/ 2325093 w 2356684"/>
+                <a:gd name="connsiteY1" fmla="*/ 0 h 2186296"/>
+                <a:gd name="connsiteX2" fmla="*/ 1901775 w 2356684"/>
+                <a:gd name="connsiteY2" fmla="*/ 170601 h 2186296"/>
+                <a:gd name="connsiteX3" fmla="*/ 1301547 w 2356684"/>
+                <a:gd name="connsiteY3" fmla="*/ 265379 h 2186296"/>
+                <a:gd name="connsiteX4" fmla="*/ 922455 w 2356684"/>
+                <a:gd name="connsiteY4" fmla="*/ 278016 h 2186296"/>
+                <a:gd name="connsiteX5" fmla="*/ 0 w 2356684"/>
+                <a:gd name="connsiteY5" fmla="*/ 2085122 h 2186296"/>
+                <a:gd name="connsiteX6" fmla="*/ 454909 w 2356684"/>
+                <a:gd name="connsiteY6" fmla="*/ 2160945 h 2186296"/>
+                <a:gd name="connsiteX7" fmla="*/ 852955 w 2356684"/>
+                <a:gd name="connsiteY7" fmla="*/ 2179901 h 2186296"/>
+                <a:gd name="connsiteX8" fmla="*/ 1168865 w 2356684"/>
+                <a:gd name="connsiteY8" fmla="*/ 2129352 h 2186296"/>
+                <a:gd name="connsiteX9" fmla="*/ 1333138 w 2356684"/>
+                <a:gd name="connsiteY9" fmla="*/ 2078804 h 2186296"/>
+                <a:gd name="connsiteX10" fmla="*/ 2356684 w 2356684"/>
+                <a:gd name="connsiteY10" fmla="*/ 69504 h 2186296"/>
+                <a:gd name="connsiteX0" fmla="*/ 2356684 w 2356684"/>
+                <a:gd name="connsiteY0" fmla="*/ 69504 h 2241416"/>
+                <a:gd name="connsiteX1" fmla="*/ 2325093 w 2356684"/>
+                <a:gd name="connsiteY1" fmla="*/ 0 h 2241416"/>
+                <a:gd name="connsiteX2" fmla="*/ 1901775 w 2356684"/>
+                <a:gd name="connsiteY2" fmla="*/ 170601 h 2241416"/>
+                <a:gd name="connsiteX3" fmla="*/ 1301547 w 2356684"/>
+                <a:gd name="connsiteY3" fmla="*/ 265379 h 2241416"/>
+                <a:gd name="connsiteX4" fmla="*/ 922455 w 2356684"/>
+                <a:gd name="connsiteY4" fmla="*/ 278016 h 2241416"/>
+                <a:gd name="connsiteX5" fmla="*/ 0 w 2356684"/>
+                <a:gd name="connsiteY5" fmla="*/ 2085122 h 2241416"/>
+                <a:gd name="connsiteX6" fmla="*/ 454909 w 2356684"/>
+                <a:gd name="connsiteY6" fmla="*/ 2160945 h 2241416"/>
+                <a:gd name="connsiteX7" fmla="*/ 852955 w 2356684"/>
+                <a:gd name="connsiteY7" fmla="*/ 2179901 h 2241416"/>
+                <a:gd name="connsiteX8" fmla="*/ 1168865 w 2356684"/>
+                <a:gd name="connsiteY8" fmla="*/ 2129352 h 2241416"/>
+                <a:gd name="connsiteX9" fmla="*/ 1333138 w 2356684"/>
+                <a:gd name="connsiteY9" fmla="*/ 2078804 h 2241416"/>
+                <a:gd name="connsiteX10" fmla="*/ 2356684 w 2356684"/>
+                <a:gd name="connsiteY10" fmla="*/ 69504 h 2241416"/>
+                <a:gd name="connsiteX0" fmla="*/ 2356684 w 2356684"/>
+                <a:gd name="connsiteY0" fmla="*/ 69504 h 2186296"/>
+                <a:gd name="connsiteX1" fmla="*/ 2325093 w 2356684"/>
+                <a:gd name="connsiteY1" fmla="*/ 0 h 2186296"/>
+                <a:gd name="connsiteX2" fmla="*/ 1901775 w 2356684"/>
+                <a:gd name="connsiteY2" fmla="*/ 170601 h 2186296"/>
+                <a:gd name="connsiteX3" fmla="*/ 1301547 w 2356684"/>
+                <a:gd name="connsiteY3" fmla="*/ 265379 h 2186296"/>
+                <a:gd name="connsiteX4" fmla="*/ 922455 w 2356684"/>
+                <a:gd name="connsiteY4" fmla="*/ 278016 h 2186296"/>
+                <a:gd name="connsiteX5" fmla="*/ 0 w 2356684"/>
+                <a:gd name="connsiteY5" fmla="*/ 2085122 h 2186296"/>
+                <a:gd name="connsiteX6" fmla="*/ 454909 w 2356684"/>
+                <a:gd name="connsiteY6" fmla="*/ 2160945 h 2186296"/>
+                <a:gd name="connsiteX7" fmla="*/ 852955 w 2356684"/>
+                <a:gd name="connsiteY7" fmla="*/ 2179901 h 2186296"/>
+                <a:gd name="connsiteX8" fmla="*/ 1168865 w 2356684"/>
+                <a:gd name="connsiteY8" fmla="*/ 2129352 h 2186296"/>
+                <a:gd name="connsiteX9" fmla="*/ 1333138 w 2356684"/>
+                <a:gd name="connsiteY9" fmla="*/ 2078804 h 2186296"/>
+                <a:gd name="connsiteX10" fmla="*/ 2356684 w 2356684"/>
+                <a:gd name="connsiteY10" fmla="*/ 69504 h 2186296"/>
+                <a:gd name="connsiteX0" fmla="*/ 2356684 w 2356684"/>
+                <a:gd name="connsiteY0" fmla="*/ 69504 h 2186296"/>
+                <a:gd name="connsiteX1" fmla="*/ 2325093 w 2356684"/>
+                <a:gd name="connsiteY1" fmla="*/ 0 h 2186296"/>
+                <a:gd name="connsiteX2" fmla="*/ 1901775 w 2356684"/>
+                <a:gd name="connsiteY2" fmla="*/ 170601 h 2186296"/>
+                <a:gd name="connsiteX3" fmla="*/ 1301547 w 2356684"/>
+                <a:gd name="connsiteY3" fmla="*/ 265379 h 2186296"/>
+                <a:gd name="connsiteX4" fmla="*/ 897128 w 2356684"/>
+                <a:gd name="connsiteY4" fmla="*/ 278016 h 2186296"/>
+                <a:gd name="connsiteX5" fmla="*/ 0 w 2356684"/>
+                <a:gd name="connsiteY5" fmla="*/ 2085122 h 2186296"/>
+                <a:gd name="connsiteX6" fmla="*/ 454909 w 2356684"/>
+                <a:gd name="connsiteY6" fmla="*/ 2160945 h 2186296"/>
+                <a:gd name="connsiteX7" fmla="*/ 852955 w 2356684"/>
+                <a:gd name="connsiteY7" fmla="*/ 2179901 h 2186296"/>
+                <a:gd name="connsiteX8" fmla="*/ 1168865 w 2356684"/>
+                <a:gd name="connsiteY8" fmla="*/ 2129352 h 2186296"/>
+                <a:gd name="connsiteX9" fmla="*/ 1333138 w 2356684"/>
+                <a:gd name="connsiteY9" fmla="*/ 2078804 h 2186296"/>
+                <a:gd name="connsiteX10" fmla="*/ 2356684 w 2356684"/>
+                <a:gd name="connsiteY10" fmla="*/ 69504 h 2186296"/>
+                <a:gd name="connsiteX0" fmla="*/ 2374775 w 2374775"/>
+                <a:gd name="connsiteY0" fmla="*/ 69504 h 2186393"/>
+                <a:gd name="connsiteX1" fmla="*/ 2343184 w 2374775"/>
+                <a:gd name="connsiteY1" fmla="*/ 0 h 2186393"/>
+                <a:gd name="connsiteX2" fmla="*/ 1919866 w 2374775"/>
+                <a:gd name="connsiteY2" fmla="*/ 170601 h 2186393"/>
+                <a:gd name="connsiteX3" fmla="*/ 1319638 w 2374775"/>
+                <a:gd name="connsiteY3" fmla="*/ 265379 h 2186393"/>
+                <a:gd name="connsiteX4" fmla="*/ 915219 w 2374775"/>
+                <a:gd name="connsiteY4" fmla="*/ 278016 h 2186393"/>
+                <a:gd name="connsiteX5" fmla="*/ 0 w 2374775"/>
+                <a:gd name="connsiteY5" fmla="*/ 2081504 h 2186393"/>
+                <a:gd name="connsiteX6" fmla="*/ 473000 w 2374775"/>
+                <a:gd name="connsiteY6" fmla="*/ 2160945 h 2186393"/>
+                <a:gd name="connsiteX7" fmla="*/ 871046 w 2374775"/>
+                <a:gd name="connsiteY7" fmla="*/ 2179901 h 2186393"/>
+                <a:gd name="connsiteX8" fmla="*/ 1186956 w 2374775"/>
+                <a:gd name="connsiteY8" fmla="*/ 2129352 h 2186393"/>
+                <a:gd name="connsiteX9" fmla="*/ 1351229 w 2374775"/>
+                <a:gd name="connsiteY9" fmla="*/ 2078804 h 2186393"/>
+                <a:gd name="connsiteX10" fmla="*/ 2374775 w 2374775"/>
+                <a:gd name="connsiteY10" fmla="*/ 69504 h 2186393"/>
+                <a:gd name="connsiteX0" fmla="*/ 2374775 w 2374775"/>
+                <a:gd name="connsiteY0" fmla="*/ 69504 h 2186393"/>
+                <a:gd name="connsiteX1" fmla="*/ 2343184 w 2374775"/>
+                <a:gd name="connsiteY1" fmla="*/ 0 h 2186393"/>
+                <a:gd name="connsiteX2" fmla="*/ 1919866 w 2374775"/>
+                <a:gd name="connsiteY2" fmla="*/ 170601 h 2186393"/>
+                <a:gd name="connsiteX3" fmla="*/ 1319638 w 2374775"/>
+                <a:gd name="connsiteY3" fmla="*/ 265379 h 2186393"/>
+                <a:gd name="connsiteX4" fmla="*/ 915219 w 2374775"/>
+                <a:gd name="connsiteY4" fmla="*/ 278016 h 2186393"/>
+                <a:gd name="connsiteX5" fmla="*/ 0 w 2374775"/>
+                <a:gd name="connsiteY5" fmla="*/ 2081504 h 2186393"/>
+                <a:gd name="connsiteX6" fmla="*/ 473000 w 2374775"/>
+                <a:gd name="connsiteY6" fmla="*/ 2160945 h 2186393"/>
+                <a:gd name="connsiteX7" fmla="*/ 871046 w 2374775"/>
+                <a:gd name="connsiteY7" fmla="*/ 2179901 h 2186393"/>
+                <a:gd name="connsiteX8" fmla="*/ 1186956 w 2374775"/>
+                <a:gd name="connsiteY8" fmla="*/ 2129352 h 2186393"/>
+                <a:gd name="connsiteX9" fmla="*/ 1351229 w 2374775"/>
+                <a:gd name="connsiteY9" fmla="*/ 2078804 h 2186393"/>
+                <a:gd name="connsiteX10" fmla="*/ 2374775 w 2374775"/>
+                <a:gd name="connsiteY10" fmla="*/ 69504 h 2186393"/>
+                <a:gd name="connsiteX0" fmla="*/ 2374775 w 2374775"/>
+                <a:gd name="connsiteY0" fmla="*/ 69504 h 2186393"/>
+                <a:gd name="connsiteX1" fmla="*/ 2343184 w 2374775"/>
+                <a:gd name="connsiteY1" fmla="*/ 0 h 2186393"/>
+                <a:gd name="connsiteX2" fmla="*/ 1919866 w 2374775"/>
+                <a:gd name="connsiteY2" fmla="*/ 170601 h 2186393"/>
+                <a:gd name="connsiteX3" fmla="*/ 1319638 w 2374775"/>
+                <a:gd name="connsiteY3" fmla="*/ 265379 h 2186393"/>
+                <a:gd name="connsiteX4" fmla="*/ 915219 w 2374775"/>
+                <a:gd name="connsiteY4" fmla="*/ 278016 h 2186393"/>
+                <a:gd name="connsiteX5" fmla="*/ 0 w 2374775"/>
+                <a:gd name="connsiteY5" fmla="*/ 2081504 h 2186393"/>
+                <a:gd name="connsiteX6" fmla="*/ 473000 w 2374775"/>
+                <a:gd name="connsiteY6" fmla="*/ 2160945 h 2186393"/>
+                <a:gd name="connsiteX7" fmla="*/ 871046 w 2374775"/>
+                <a:gd name="connsiteY7" fmla="*/ 2179901 h 2186393"/>
+                <a:gd name="connsiteX8" fmla="*/ 1186956 w 2374775"/>
+                <a:gd name="connsiteY8" fmla="*/ 2129352 h 2186393"/>
+                <a:gd name="connsiteX9" fmla="*/ 1351229 w 2374775"/>
+                <a:gd name="connsiteY9" fmla="*/ 2078804 h 2186393"/>
+                <a:gd name="connsiteX10" fmla="*/ 2374775 w 2374775"/>
+                <a:gd name="connsiteY10" fmla="*/ 69504 h 2186393"/>
+                <a:gd name="connsiteX0" fmla="*/ 2374775 w 2374775"/>
+                <a:gd name="connsiteY0" fmla="*/ 69504 h 2241416"/>
+                <a:gd name="connsiteX1" fmla="*/ 2343184 w 2374775"/>
+                <a:gd name="connsiteY1" fmla="*/ 0 h 2241416"/>
+                <a:gd name="connsiteX2" fmla="*/ 1919866 w 2374775"/>
+                <a:gd name="connsiteY2" fmla="*/ 170601 h 2241416"/>
+                <a:gd name="connsiteX3" fmla="*/ 1319638 w 2374775"/>
+                <a:gd name="connsiteY3" fmla="*/ 265379 h 2241416"/>
+                <a:gd name="connsiteX4" fmla="*/ 915219 w 2374775"/>
+                <a:gd name="connsiteY4" fmla="*/ 278016 h 2241416"/>
+                <a:gd name="connsiteX5" fmla="*/ 0 w 2374775"/>
+                <a:gd name="connsiteY5" fmla="*/ 2081504 h 2241416"/>
+                <a:gd name="connsiteX6" fmla="*/ 473000 w 2374775"/>
+                <a:gd name="connsiteY6" fmla="*/ 2160945 h 2241416"/>
+                <a:gd name="connsiteX7" fmla="*/ 871046 w 2374775"/>
+                <a:gd name="connsiteY7" fmla="*/ 2179901 h 2241416"/>
+                <a:gd name="connsiteX8" fmla="*/ 1186956 w 2374775"/>
+                <a:gd name="connsiteY8" fmla="*/ 2129352 h 2241416"/>
+                <a:gd name="connsiteX9" fmla="*/ 1351229 w 2374775"/>
+                <a:gd name="connsiteY9" fmla="*/ 2078804 h 2241416"/>
+                <a:gd name="connsiteX10" fmla="*/ 2374775 w 2374775"/>
+                <a:gd name="connsiteY10" fmla="*/ 69504 h 2241416"/>
+                <a:gd name="connsiteX0" fmla="*/ 2374775 w 2374775"/>
+                <a:gd name="connsiteY0" fmla="*/ 69504 h 2186393"/>
+                <a:gd name="connsiteX1" fmla="*/ 2343184 w 2374775"/>
+                <a:gd name="connsiteY1" fmla="*/ 0 h 2186393"/>
+                <a:gd name="connsiteX2" fmla="*/ 1919866 w 2374775"/>
+                <a:gd name="connsiteY2" fmla="*/ 170601 h 2186393"/>
+                <a:gd name="connsiteX3" fmla="*/ 1319638 w 2374775"/>
+                <a:gd name="connsiteY3" fmla="*/ 265379 h 2186393"/>
+                <a:gd name="connsiteX4" fmla="*/ 915219 w 2374775"/>
+                <a:gd name="connsiteY4" fmla="*/ 278016 h 2186393"/>
+                <a:gd name="connsiteX5" fmla="*/ 0 w 2374775"/>
+                <a:gd name="connsiteY5" fmla="*/ 2081504 h 2186393"/>
+                <a:gd name="connsiteX6" fmla="*/ 473000 w 2374775"/>
+                <a:gd name="connsiteY6" fmla="*/ 2160945 h 2186393"/>
+                <a:gd name="connsiteX7" fmla="*/ 871046 w 2374775"/>
+                <a:gd name="connsiteY7" fmla="*/ 2179901 h 2186393"/>
+                <a:gd name="connsiteX8" fmla="*/ 1186956 w 2374775"/>
+                <a:gd name="connsiteY8" fmla="*/ 2129352 h 2186393"/>
+                <a:gd name="connsiteX9" fmla="*/ 1351229 w 2374775"/>
+                <a:gd name="connsiteY9" fmla="*/ 2078804 h 2186393"/>
+                <a:gd name="connsiteX10" fmla="*/ 2374775 w 2374775"/>
+                <a:gd name="connsiteY10" fmla="*/ 69504 h 2186393"/>
+                <a:gd name="connsiteX0" fmla="*/ 2374775 w 2374775"/>
+                <a:gd name="connsiteY0" fmla="*/ 69504 h 2180066"/>
+                <a:gd name="connsiteX1" fmla="*/ 2343184 w 2374775"/>
+                <a:gd name="connsiteY1" fmla="*/ 0 h 2180066"/>
+                <a:gd name="connsiteX2" fmla="*/ 1919866 w 2374775"/>
+                <a:gd name="connsiteY2" fmla="*/ 170601 h 2180066"/>
+                <a:gd name="connsiteX3" fmla="*/ 1319638 w 2374775"/>
+                <a:gd name="connsiteY3" fmla="*/ 265379 h 2180066"/>
+                <a:gd name="connsiteX4" fmla="*/ 915219 w 2374775"/>
+                <a:gd name="connsiteY4" fmla="*/ 278016 h 2180066"/>
+                <a:gd name="connsiteX5" fmla="*/ 0 w 2374775"/>
+                <a:gd name="connsiteY5" fmla="*/ 2081504 h 2180066"/>
+                <a:gd name="connsiteX6" fmla="*/ 473000 w 2374775"/>
+                <a:gd name="connsiteY6" fmla="*/ 2160945 h 2180066"/>
+                <a:gd name="connsiteX7" fmla="*/ 871046 w 2374775"/>
+                <a:gd name="connsiteY7" fmla="*/ 2179901 h 2180066"/>
+                <a:gd name="connsiteX8" fmla="*/ 1197810 w 2374775"/>
+                <a:gd name="connsiteY8" fmla="*/ 2154680 h 2180066"/>
+                <a:gd name="connsiteX9" fmla="*/ 1351229 w 2374775"/>
+                <a:gd name="connsiteY9" fmla="*/ 2078804 h 2180066"/>
+                <a:gd name="connsiteX10" fmla="*/ 2374775 w 2374775"/>
+                <a:gd name="connsiteY10" fmla="*/ 69504 h 2180066"/>
+                <a:gd name="connsiteX0" fmla="*/ 2374775 w 2374775"/>
+                <a:gd name="connsiteY0" fmla="*/ 69504 h 2180066"/>
+                <a:gd name="connsiteX1" fmla="*/ 2343184 w 2374775"/>
+                <a:gd name="connsiteY1" fmla="*/ 0 h 2180066"/>
+                <a:gd name="connsiteX2" fmla="*/ 1919866 w 2374775"/>
+                <a:gd name="connsiteY2" fmla="*/ 170601 h 2180066"/>
+                <a:gd name="connsiteX3" fmla="*/ 1319638 w 2374775"/>
+                <a:gd name="connsiteY3" fmla="*/ 265379 h 2180066"/>
+                <a:gd name="connsiteX4" fmla="*/ 915219 w 2374775"/>
+                <a:gd name="connsiteY4" fmla="*/ 278016 h 2180066"/>
+                <a:gd name="connsiteX5" fmla="*/ 0 w 2374775"/>
+                <a:gd name="connsiteY5" fmla="*/ 2081504 h 2180066"/>
+                <a:gd name="connsiteX6" fmla="*/ 473000 w 2374775"/>
+                <a:gd name="connsiteY6" fmla="*/ 2160945 h 2180066"/>
+                <a:gd name="connsiteX7" fmla="*/ 871046 w 2374775"/>
+                <a:gd name="connsiteY7" fmla="*/ 2179901 h 2180066"/>
+                <a:gd name="connsiteX8" fmla="*/ 1165247 w 2374775"/>
+                <a:gd name="connsiteY8" fmla="*/ 2154680 h 2180066"/>
+                <a:gd name="connsiteX9" fmla="*/ 1351229 w 2374775"/>
+                <a:gd name="connsiteY9" fmla="*/ 2078804 h 2180066"/>
+                <a:gd name="connsiteX10" fmla="*/ 2374775 w 2374775"/>
+                <a:gd name="connsiteY10" fmla="*/ 69504 h 2180066"/>
+                <a:gd name="connsiteX0" fmla="*/ 2374775 w 2374775"/>
+                <a:gd name="connsiteY0" fmla="*/ 69504 h 2180066"/>
+                <a:gd name="connsiteX1" fmla="*/ 2343184 w 2374775"/>
+                <a:gd name="connsiteY1" fmla="*/ 0 h 2180066"/>
+                <a:gd name="connsiteX2" fmla="*/ 1919866 w 2374775"/>
+                <a:gd name="connsiteY2" fmla="*/ 170601 h 2180066"/>
+                <a:gd name="connsiteX3" fmla="*/ 1319638 w 2374775"/>
+                <a:gd name="connsiteY3" fmla="*/ 265379 h 2180066"/>
+                <a:gd name="connsiteX4" fmla="*/ 915219 w 2374775"/>
+                <a:gd name="connsiteY4" fmla="*/ 278016 h 2180066"/>
+                <a:gd name="connsiteX5" fmla="*/ 0 w 2374775"/>
+                <a:gd name="connsiteY5" fmla="*/ 2081504 h 2180066"/>
+                <a:gd name="connsiteX6" fmla="*/ 473000 w 2374775"/>
+                <a:gd name="connsiteY6" fmla="*/ 2160945 h 2180066"/>
+                <a:gd name="connsiteX7" fmla="*/ 871046 w 2374775"/>
+                <a:gd name="connsiteY7" fmla="*/ 2179901 h 2180066"/>
+                <a:gd name="connsiteX8" fmla="*/ 1165247 w 2374775"/>
+                <a:gd name="connsiteY8" fmla="*/ 2154680 h 2180066"/>
+                <a:gd name="connsiteX9" fmla="*/ 1351229 w 2374775"/>
+                <a:gd name="connsiteY9" fmla="*/ 2078804 h 2180066"/>
+                <a:gd name="connsiteX10" fmla="*/ 2374775 w 2374775"/>
+                <a:gd name="connsiteY10" fmla="*/ 69504 h 2180066"/>
+                <a:gd name="connsiteX0" fmla="*/ 2374775 w 2374775"/>
+                <a:gd name="connsiteY0" fmla="*/ 69504 h 2180066"/>
+                <a:gd name="connsiteX1" fmla="*/ 2343184 w 2374775"/>
+                <a:gd name="connsiteY1" fmla="*/ 0 h 2180066"/>
+                <a:gd name="connsiteX2" fmla="*/ 1919866 w 2374775"/>
+                <a:gd name="connsiteY2" fmla="*/ 170601 h 2180066"/>
+                <a:gd name="connsiteX3" fmla="*/ 1319638 w 2374775"/>
+                <a:gd name="connsiteY3" fmla="*/ 265379 h 2180066"/>
+                <a:gd name="connsiteX4" fmla="*/ 915219 w 2374775"/>
+                <a:gd name="connsiteY4" fmla="*/ 278016 h 2180066"/>
+                <a:gd name="connsiteX5" fmla="*/ 0 w 2374775"/>
+                <a:gd name="connsiteY5" fmla="*/ 2081504 h 2180066"/>
+                <a:gd name="connsiteX6" fmla="*/ 473000 w 2374775"/>
+                <a:gd name="connsiteY6" fmla="*/ 2160945 h 2180066"/>
+                <a:gd name="connsiteX7" fmla="*/ 871046 w 2374775"/>
+                <a:gd name="connsiteY7" fmla="*/ 2179901 h 2180066"/>
+                <a:gd name="connsiteX8" fmla="*/ 1165247 w 2374775"/>
+                <a:gd name="connsiteY8" fmla="*/ 2154680 h 2180066"/>
+                <a:gd name="connsiteX9" fmla="*/ 1351229 w 2374775"/>
+                <a:gd name="connsiteY9" fmla="*/ 2078804 h 2180066"/>
+                <a:gd name="connsiteX10" fmla="*/ 2374775 w 2374775"/>
+                <a:gd name="connsiteY10" fmla="*/ 69504 h 2180066"/>
+                <a:gd name="connsiteX0" fmla="*/ 2374775 w 2374775"/>
+                <a:gd name="connsiteY0" fmla="*/ 69504 h 2180066"/>
+                <a:gd name="connsiteX1" fmla="*/ 2343184 w 2374775"/>
+                <a:gd name="connsiteY1" fmla="*/ 0 h 2180066"/>
+                <a:gd name="connsiteX2" fmla="*/ 1916331 w 2374775"/>
+                <a:gd name="connsiteY2" fmla="*/ 200696 h 2180066"/>
+                <a:gd name="connsiteX3" fmla="*/ 1319638 w 2374775"/>
+                <a:gd name="connsiteY3" fmla="*/ 265379 h 2180066"/>
+                <a:gd name="connsiteX4" fmla="*/ 915219 w 2374775"/>
+                <a:gd name="connsiteY4" fmla="*/ 278016 h 2180066"/>
+                <a:gd name="connsiteX5" fmla="*/ 0 w 2374775"/>
+                <a:gd name="connsiteY5" fmla="*/ 2081504 h 2180066"/>
+                <a:gd name="connsiteX6" fmla="*/ 473000 w 2374775"/>
+                <a:gd name="connsiteY6" fmla="*/ 2160945 h 2180066"/>
+                <a:gd name="connsiteX7" fmla="*/ 871046 w 2374775"/>
+                <a:gd name="connsiteY7" fmla="*/ 2179901 h 2180066"/>
+                <a:gd name="connsiteX8" fmla="*/ 1165247 w 2374775"/>
+                <a:gd name="connsiteY8" fmla="*/ 2154680 h 2180066"/>
+                <a:gd name="connsiteX9" fmla="*/ 1351229 w 2374775"/>
+                <a:gd name="connsiteY9" fmla="*/ 2078804 h 2180066"/>
+                <a:gd name="connsiteX10" fmla="*/ 2374775 w 2374775"/>
+                <a:gd name="connsiteY10" fmla="*/ 69504 h 2180066"/>
+                <a:gd name="connsiteX0" fmla="*/ 2374775 w 2374775"/>
+                <a:gd name="connsiteY0" fmla="*/ 0 h 2110562"/>
+                <a:gd name="connsiteX1" fmla="*/ 2245388 w 2374775"/>
+                <a:gd name="connsiteY1" fmla="*/ 80655 h 2110562"/>
+                <a:gd name="connsiteX2" fmla="*/ 1916331 w 2374775"/>
+                <a:gd name="connsiteY2" fmla="*/ 131192 h 2110562"/>
+                <a:gd name="connsiteX3" fmla="*/ 1319638 w 2374775"/>
+                <a:gd name="connsiteY3" fmla="*/ 195875 h 2110562"/>
+                <a:gd name="connsiteX4" fmla="*/ 915219 w 2374775"/>
+                <a:gd name="connsiteY4" fmla="*/ 208512 h 2110562"/>
+                <a:gd name="connsiteX5" fmla="*/ 0 w 2374775"/>
+                <a:gd name="connsiteY5" fmla="*/ 2012000 h 2110562"/>
+                <a:gd name="connsiteX6" fmla="*/ 473000 w 2374775"/>
+                <a:gd name="connsiteY6" fmla="*/ 2091441 h 2110562"/>
+                <a:gd name="connsiteX7" fmla="*/ 871046 w 2374775"/>
+                <a:gd name="connsiteY7" fmla="*/ 2110397 h 2110562"/>
+                <a:gd name="connsiteX8" fmla="*/ 1165247 w 2374775"/>
+                <a:gd name="connsiteY8" fmla="*/ 2085176 h 2110562"/>
+                <a:gd name="connsiteX9" fmla="*/ 1351229 w 2374775"/>
+                <a:gd name="connsiteY9" fmla="*/ 2009300 h 2110562"/>
+                <a:gd name="connsiteX10" fmla="*/ 2374775 w 2374775"/>
+                <a:gd name="connsiteY10" fmla="*/ 0 h 2110562"/>
+                <a:gd name="connsiteX0" fmla="*/ 2310861 w 2310861"/>
+                <a:gd name="connsiteY0" fmla="*/ 39258 h 2029907"/>
+                <a:gd name="connsiteX1" fmla="*/ 2245388 w 2310861"/>
+                <a:gd name="connsiteY1" fmla="*/ 0 h 2029907"/>
+                <a:gd name="connsiteX2" fmla="*/ 1916331 w 2310861"/>
+                <a:gd name="connsiteY2" fmla="*/ 50537 h 2029907"/>
+                <a:gd name="connsiteX3" fmla="*/ 1319638 w 2310861"/>
+                <a:gd name="connsiteY3" fmla="*/ 115220 h 2029907"/>
+                <a:gd name="connsiteX4" fmla="*/ 915219 w 2310861"/>
+                <a:gd name="connsiteY4" fmla="*/ 127857 h 2029907"/>
+                <a:gd name="connsiteX5" fmla="*/ 0 w 2310861"/>
+                <a:gd name="connsiteY5" fmla="*/ 1931345 h 2029907"/>
+                <a:gd name="connsiteX6" fmla="*/ 473000 w 2310861"/>
+                <a:gd name="connsiteY6" fmla="*/ 2010786 h 2029907"/>
+                <a:gd name="connsiteX7" fmla="*/ 871046 w 2310861"/>
+                <a:gd name="connsiteY7" fmla="*/ 2029742 h 2029907"/>
+                <a:gd name="connsiteX8" fmla="*/ 1165247 w 2310861"/>
+                <a:gd name="connsiteY8" fmla="*/ 2004521 h 2029907"/>
+                <a:gd name="connsiteX9" fmla="*/ 1351229 w 2310861"/>
+                <a:gd name="connsiteY9" fmla="*/ 1928645 h 2029907"/>
+                <a:gd name="connsiteX10" fmla="*/ 2310861 w 2310861"/>
+                <a:gd name="connsiteY10" fmla="*/ 39258 h 2029907"/>
+                <a:gd name="connsiteX0" fmla="*/ 2310861 w 2310861"/>
+                <a:gd name="connsiteY0" fmla="*/ 22049 h 2012698"/>
+                <a:gd name="connsiteX1" fmla="*/ 2241201 w 2310861"/>
+                <a:gd name="connsiteY1" fmla="*/ 0 h 2012698"/>
+                <a:gd name="connsiteX2" fmla="*/ 1916331 w 2310861"/>
+                <a:gd name="connsiteY2" fmla="*/ 33328 h 2012698"/>
+                <a:gd name="connsiteX3" fmla="*/ 1319638 w 2310861"/>
+                <a:gd name="connsiteY3" fmla="*/ 98011 h 2012698"/>
+                <a:gd name="connsiteX4" fmla="*/ 915219 w 2310861"/>
+                <a:gd name="connsiteY4" fmla="*/ 110648 h 2012698"/>
+                <a:gd name="connsiteX5" fmla="*/ 0 w 2310861"/>
+                <a:gd name="connsiteY5" fmla="*/ 1914136 h 2012698"/>
+                <a:gd name="connsiteX6" fmla="*/ 473000 w 2310861"/>
+                <a:gd name="connsiteY6" fmla="*/ 1993577 h 2012698"/>
+                <a:gd name="connsiteX7" fmla="*/ 871046 w 2310861"/>
+                <a:gd name="connsiteY7" fmla="*/ 2012533 h 2012698"/>
+                <a:gd name="connsiteX8" fmla="*/ 1165247 w 2310861"/>
+                <a:gd name="connsiteY8" fmla="*/ 1987312 h 2012698"/>
+                <a:gd name="connsiteX9" fmla="*/ 1351229 w 2310861"/>
+                <a:gd name="connsiteY9" fmla="*/ 1911436 h 2012698"/>
+                <a:gd name="connsiteX10" fmla="*/ 2310861 w 2310861"/>
+                <a:gd name="connsiteY10" fmla="*/ 22049 h 2012698"/>
+                <a:gd name="connsiteX0" fmla="*/ 2310861 w 2310861"/>
+                <a:gd name="connsiteY0" fmla="*/ 22049 h 2012698"/>
+                <a:gd name="connsiteX1" fmla="*/ 2241201 w 2310861"/>
+                <a:gd name="connsiteY1" fmla="*/ 0 h 2012698"/>
+                <a:gd name="connsiteX2" fmla="*/ 1916331 w 2310861"/>
+                <a:gd name="connsiteY2" fmla="*/ 33328 h 2012698"/>
+                <a:gd name="connsiteX3" fmla="*/ 1319638 w 2310861"/>
+                <a:gd name="connsiteY3" fmla="*/ 98011 h 2012698"/>
+                <a:gd name="connsiteX4" fmla="*/ 915219 w 2310861"/>
+                <a:gd name="connsiteY4" fmla="*/ 110648 h 2012698"/>
+                <a:gd name="connsiteX5" fmla="*/ 0 w 2310861"/>
+                <a:gd name="connsiteY5" fmla="*/ 1914136 h 2012698"/>
+                <a:gd name="connsiteX6" fmla="*/ 473000 w 2310861"/>
+                <a:gd name="connsiteY6" fmla="*/ 1993577 h 2012698"/>
+                <a:gd name="connsiteX7" fmla="*/ 871046 w 2310861"/>
+                <a:gd name="connsiteY7" fmla="*/ 2012533 h 2012698"/>
+                <a:gd name="connsiteX8" fmla="*/ 1165247 w 2310861"/>
+                <a:gd name="connsiteY8" fmla="*/ 1987312 h 2012698"/>
+                <a:gd name="connsiteX9" fmla="*/ 1351229 w 2310861"/>
+                <a:gd name="connsiteY9" fmla="*/ 1911436 h 2012698"/>
+                <a:gd name="connsiteX10" fmla="*/ 2310861 w 2310861"/>
+                <a:gd name="connsiteY10" fmla="*/ 22049 h 2012698"/>
+                <a:gd name="connsiteX0" fmla="*/ 2310861 w 2310861"/>
+                <a:gd name="connsiteY0" fmla="*/ 22049 h 2012698"/>
+                <a:gd name="connsiteX1" fmla="*/ 2241201 w 2310861"/>
+                <a:gd name="connsiteY1" fmla="*/ 0 h 2012698"/>
+                <a:gd name="connsiteX2" fmla="*/ 1916331 w 2310861"/>
+                <a:gd name="connsiteY2" fmla="*/ 33328 h 2012698"/>
+                <a:gd name="connsiteX3" fmla="*/ 1319638 w 2310861"/>
+                <a:gd name="connsiteY3" fmla="*/ 98011 h 2012698"/>
+                <a:gd name="connsiteX4" fmla="*/ 915219 w 2310861"/>
+                <a:gd name="connsiteY4" fmla="*/ 110648 h 2012698"/>
+                <a:gd name="connsiteX5" fmla="*/ 0 w 2310861"/>
+                <a:gd name="connsiteY5" fmla="*/ 1914136 h 2012698"/>
+                <a:gd name="connsiteX6" fmla="*/ 473000 w 2310861"/>
+                <a:gd name="connsiteY6" fmla="*/ 1993577 h 2012698"/>
+                <a:gd name="connsiteX7" fmla="*/ 871046 w 2310861"/>
+                <a:gd name="connsiteY7" fmla="*/ 2012533 h 2012698"/>
+                <a:gd name="connsiteX8" fmla="*/ 1165247 w 2310861"/>
+                <a:gd name="connsiteY8" fmla="*/ 1987312 h 2012698"/>
+                <a:gd name="connsiteX9" fmla="*/ 1351229 w 2310861"/>
+                <a:gd name="connsiteY9" fmla="*/ 1911436 h 2012698"/>
+                <a:gd name="connsiteX10" fmla="*/ 2310861 w 2310861"/>
+                <a:gd name="connsiteY10" fmla="*/ 22049 h 2012698"/>
+                <a:gd name="connsiteX0" fmla="*/ 2310861 w 2310861"/>
+                <a:gd name="connsiteY0" fmla="*/ 22049 h 2012698"/>
+                <a:gd name="connsiteX1" fmla="*/ 2241201 w 2310861"/>
+                <a:gd name="connsiteY1" fmla="*/ 0 h 2012698"/>
+                <a:gd name="connsiteX2" fmla="*/ 1859067 w 2310861"/>
+                <a:gd name="connsiteY2" fmla="*/ 59749 h 2012698"/>
+                <a:gd name="connsiteX3" fmla="*/ 1319638 w 2310861"/>
+                <a:gd name="connsiteY3" fmla="*/ 98011 h 2012698"/>
+                <a:gd name="connsiteX4" fmla="*/ 915219 w 2310861"/>
+                <a:gd name="connsiteY4" fmla="*/ 110648 h 2012698"/>
+                <a:gd name="connsiteX5" fmla="*/ 0 w 2310861"/>
+                <a:gd name="connsiteY5" fmla="*/ 1914136 h 2012698"/>
+                <a:gd name="connsiteX6" fmla="*/ 473000 w 2310861"/>
+                <a:gd name="connsiteY6" fmla="*/ 1993577 h 2012698"/>
+                <a:gd name="connsiteX7" fmla="*/ 871046 w 2310861"/>
+                <a:gd name="connsiteY7" fmla="*/ 2012533 h 2012698"/>
+                <a:gd name="connsiteX8" fmla="*/ 1165247 w 2310861"/>
+                <a:gd name="connsiteY8" fmla="*/ 1987312 h 2012698"/>
+                <a:gd name="connsiteX9" fmla="*/ 1351229 w 2310861"/>
+                <a:gd name="connsiteY9" fmla="*/ 1911436 h 2012698"/>
+                <a:gd name="connsiteX10" fmla="*/ 2310861 w 2310861"/>
+                <a:gd name="connsiteY10" fmla="*/ 22049 h 2012698"/>
+                <a:gd name="connsiteX0" fmla="*/ 2310861 w 2310861"/>
+                <a:gd name="connsiteY0" fmla="*/ 2970 h 1993619"/>
+                <a:gd name="connsiteX1" fmla="*/ 2225796 w 2310861"/>
+                <a:gd name="connsiteY1" fmla="*/ 1407 h 1993619"/>
+                <a:gd name="connsiteX2" fmla="*/ 1859067 w 2310861"/>
+                <a:gd name="connsiteY2" fmla="*/ 40670 h 1993619"/>
+                <a:gd name="connsiteX3" fmla="*/ 1319638 w 2310861"/>
+                <a:gd name="connsiteY3" fmla="*/ 78932 h 1993619"/>
+                <a:gd name="connsiteX4" fmla="*/ 915219 w 2310861"/>
+                <a:gd name="connsiteY4" fmla="*/ 91569 h 1993619"/>
+                <a:gd name="connsiteX5" fmla="*/ 0 w 2310861"/>
+                <a:gd name="connsiteY5" fmla="*/ 1895057 h 1993619"/>
+                <a:gd name="connsiteX6" fmla="*/ 473000 w 2310861"/>
+                <a:gd name="connsiteY6" fmla="*/ 1974498 h 1993619"/>
+                <a:gd name="connsiteX7" fmla="*/ 871046 w 2310861"/>
+                <a:gd name="connsiteY7" fmla="*/ 1993454 h 1993619"/>
+                <a:gd name="connsiteX8" fmla="*/ 1165247 w 2310861"/>
+                <a:gd name="connsiteY8" fmla="*/ 1968233 h 1993619"/>
+                <a:gd name="connsiteX9" fmla="*/ 1351229 w 2310861"/>
+                <a:gd name="connsiteY9" fmla="*/ 1892357 h 1993619"/>
+                <a:gd name="connsiteX10" fmla="*/ 2310861 w 2310861"/>
+                <a:gd name="connsiteY10" fmla="*/ 2970 h 1993619"/>
+                <a:gd name="connsiteX0" fmla="*/ 2310861 w 2310861"/>
+                <a:gd name="connsiteY0" fmla="*/ 2970 h 1993619"/>
+                <a:gd name="connsiteX1" fmla="*/ 2225796 w 2310861"/>
+                <a:gd name="connsiteY1" fmla="*/ 1407 h 1993619"/>
+                <a:gd name="connsiteX2" fmla="*/ 1859067 w 2310861"/>
+                <a:gd name="connsiteY2" fmla="*/ 40670 h 1993619"/>
+                <a:gd name="connsiteX3" fmla="*/ 1319638 w 2310861"/>
+                <a:gd name="connsiteY3" fmla="*/ 78932 h 1993619"/>
+                <a:gd name="connsiteX4" fmla="*/ 915219 w 2310861"/>
+                <a:gd name="connsiteY4" fmla="*/ 91569 h 1993619"/>
+                <a:gd name="connsiteX5" fmla="*/ 0 w 2310861"/>
+                <a:gd name="connsiteY5" fmla="*/ 1895057 h 1993619"/>
+                <a:gd name="connsiteX6" fmla="*/ 473000 w 2310861"/>
+                <a:gd name="connsiteY6" fmla="*/ 1974498 h 1993619"/>
+                <a:gd name="connsiteX7" fmla="*/ 871046 w 2310861"/>
+                <a:gd name="connsiteY7" fmla="*/ 1993454 h 1993619"/>
+                <a:gd name="connsiteX8" fmla="*/ 1165247 w 2310861"/>
+                <a:gd name="connsiteY8" fmla="*/ 1968233 h 1993619"/>
+                <a:gd name="connsiteX9" fmla="*/ 1351229 w 2310861"/>
+                <a:gd name="connsiteY9" fmla="*/ 1892357 h 1993619"/>
+                <a:gd name="connsiteX10" fmla="*/ 2310861 w 2310861"/>
+                <a:gd name="connsiteY10" fmla="*/ 2970 h 1993619"/>
+                <a:gd name="connsiteX0" fmla="*/ 2290258 w 2290258"/>
+                <a:gd name="connsiteY0" fmla="*/ 10974 h 1992212"/>
+                <a:gd name="connsiteX1" fmla="*/ 2225796 w 2290258"/>
+                <a:gd name="connsiteY1" fmla="*/ 0 h 1992212"/>
+                <a:gd name="connsiteX2" fmla="*/ 1859067 w 2290258"/>
+                <a:gd name="connsiteY2" fmla="*/ 39263 h 1992212"/>
+                <a:gd name="connsiteX3" fmla="*/ 1319638 w 2290258"/>
+                <a:gd name="connsiteY3" fmla="*/ 77525 h 1992212"/>
+                <a:gd name="connsiteX4" fmla="*/ 915219 w 2290258"/>
+                <a:gd name="connsiteY4" fmla="*/ 90162 h 1992212"/>
+                <a:gd name="connsiteX5" fmla="*/ 0 w 2290258"/>
+                <a:gd name="connsiteY5" fmla="*/ 1893650 h 1992212"/>
+                <a:gd name="connsiteX6" fmla="*/ 473000 w 2290258"/>
+                <a:gd name="connsiteY6" fmla="*/ 1973091 h 1992212"/>
+                <a:gd name="connsiteX7" fmla="*/ 871046 w 2290258"/>
+                <a:gd name="connsiteY7" fmla="*/ 1992047 h 1992212"/>
+                <a:gd name="connsiteX8" fmla="*/ 1165247 w 2290258"/>
+                <a:gd name="connsiteY8" fmla="*/ 1966826 h 1992212"/>
+                <a:gd name="connsiteX9" fmla="*/ 1351229 w 2290258"/>
+                <a:gd name="connsiteY9" fmla="*/ 1890950 h 1992212"/>
+                <a:gd name="connsiteX10" fmla="*/ 2290258 w 2290258"/>
+                <a:gd name="connsiteY10" fmla="*/ 10974 h 1992212"/>
+                <a:gd name="connsiteX0" fmla="*/ 2290258 w 2290258"/>
+                <a:gd name="connsiteY0" fmla="*/ 10974 h 1992212"/>
+                <a:gd name="connsiteX1" fmla="*/ 2225796 w 2290258"/>
+                <a:gd name="connsiteY1" fmla="*/ 0 h 1992212"/>
+                <a:gd name="connsiteX2" fmla="*/ 1859067 w 2290258"/>
+                <a:gd name="connsiteY2" fmla="*/ 39263 h 1992212"/>
+                <a:gd name="connsiteX3" fmla="*/ 1319638 w 2290258"/>
+                <a:gd name="connsiteY3" fmla="*/ 77525 h 1992212"/>
+                <a:gd name="connsiteX4" fmla="*/ 915219 w 2290258"/>
+                <a:gd name="connsiteY4" fmla="*/ 90162 h 1992212"/>
+                <a:gd name="connsiteX5" fmla="*/ 0 w 2290258"/>
+                <a:gd name="connsiteY5" fmla="*/ 1893650 h 1992212"/>
+                <a:gd name="connsiteX6" fmla="*/ 473000 w 2290258"/>
+                <a:gd name="connsiteY6" fmla="*/ 1973091 h 1992212"/>
+                <a:gd name="connsiteX7" fmla="*/ 871046 w 2290258"/>
+                <a:gd name="connsiteY7" fmla="*/ 1992047 h 1992212"/>
+                <a:gd name="connsiteX8" fmla="*/ 1165247 w 2290258"/>
+                <a:gd name="connsiteY8" fmla="*/ 1966826 h 1992212"/>
+                <a:gd name="connsiteX9" fmla="*/ 1351229 w 2290258"/>
+                <a:gd name="connsiteY9" fmla="*/ 1890950 h 1992212"/>
+                <a:gd name="connsiteX10" fmla="*/ 2290258 w 2290258"/>
+                <a:gd name="connsiteY10" fmla="*/ 10974 h 1992212"/>
+                <a:gd name="connsiteX0" fmla="*/ 2302128 w 2302128"/>
+                <a:gd name="connsiteY0" fmla="*/ 20584 h 1992212"/>
+                <a:gd name="connsiteX1" fmla="*/ 2225796 w 2302128"/>
+                <a:gd name="connsiteY1" fmla="*/ 0 h 1992212"/>
+                <a:gd name="connsiteX2" fmla="*/ 1859067 w 2302128"/>
+                <a:gd name="connsiteY2" fmla="*/ 39263 h 1992212"/>
+                <a:gd name="connsiteX3" fmla="*/ 1319638 w 2302128"/>
+                <a:gd name="connsiteY3" fmla="*/ 77525 h 1992212"/>
+                <a:gd name="connsiteX4" fmla="*/ 915219 w 2302128"/>
+                <a:gd name="connsiteY4" fmla="*/ 90162 h 1992212"/>
+                <a:gd name="connsiteX5" fmla="*/ 0 w 2302128"/>
+                <a:gd name="connsiteY5" fmla="*/ 1893650 h 1992212"/>
+                <a:gd name="connsiteX6" fmla="*/ 473000 w 2302128"/>
+                <a:gd name="connsiteY6" fmla="*/ 1973091 h 1992212"/>
+                <a:gd name="connsiteX7" fmla="*/ 871046 w 2302128"/>
+                <a:gd name="connsiteY7" fmla="*/ 1992047 h 1992212"/>
+                <a:gd name="connsiteX8" fmla="*/ 1165247 w 2302128"/>
+                <a:gd name="connsiteY8" fmla="*/ 1966826 h 1992212"/>
+                <a:gd name="connsiteX9" fmla="*/ 1351229 w 2302128"/>
+                <a:gd name="connsiteY9" fmla="*/ 1890950 h 1992212"/>
+                <a:gd name="connsiteX10" fmla="*/ 2302128 w 2302128"/>
+                <a:gd name="connsiteY10" fmla="*/ 20584 h 1992212"/>
+                <a:gd name="connsiteX0" fmla="*/ 2302128 w 2302128"/>
+                <a:gd name="connsiteY0" fmla="*/ 20584 h 1992224"/>
+                <a:gd name="connsiteX1" fmla="*/ 2225796 w 2302128"/>
+                <a:gd name="connsiteY1" fmla="*/ 0 h 1992224"/>
+                <a:gd name="connsiteX2" fmla="*/ 1859067 w 2302128"/>
+                <a:gd name="connsiteY2" fmla="*/ 39263 h 1992224"/>
+                <a:gd name="connsiteX3" fmla="*/ 1319638 w 2302128"/>
+                <a:gd name="connsiteY3" fmla="*/ 77525 h 1992224"/>
+                <a:gd name="connsiteX4" fmla="*/ 915219 w 2302128"/>
+                <a:gd name="connsiteY4" fmla="*/ 90162 h 1992224"/>
+                <a:gd name="connsiteX5" fmla="*/ 0 w 2302128"/>
+                <a:gd name="connsiteY5" fmla="*/ 1893650 h 1992224"/>
+                <a:gd name="connsiteX6" fmla="*/ 490757 w 2302128"/>
+                <a:gd name="connsiteY6" fmla="*/ 1953555 h 1992224"/>
+                <a:gd name="connsiteX7" fmla="*/ 871046 w 2302128"/>
+                <a:gd name="connsiteY7" fmla="*/ 1992047 h 1992224"/>
+                <a:gd name="connsiteX8" fmla="*/ 1165247 w 2302128"/>
+                <a:gd name="connsiteY8" fmla="*/ 1966826 h 1992224"/>
+                <a:gd name="connsiteX9" fmla="*/ 1351229 w 2302128"/>
+                <a:gd name="connsiteY9" fmla="*/ 1890950 h 1992224"/>
+                <a:gd name="connsiteX10" fmla="*/ 2302128 w 2302128"/>
+                <a:gd name="connsiteY10" fmla="*/ 20584 h 1992224"/>
+                <a:gd name="connsiteX0" fmla="*/ 2302128 w 2302128"/>
+                <a:gd name="connsiteY0" fmla="*/ 20584 h 1969224"/>
+                <a:gd name="connsiteX1" fmla="*/ 2225796 w 2302128"/>
+                <a:gd name="connsiteY1" fmla="*/ 0 h 1969224"/>
+                <a:gd name="connsiteX2" fmla="*/ 1859067 w 2302128"/>
+                <a:gd name="connsiteY2" fmla="*/ 39263 h 1969224"/>
+                <a:gd name="connsiteX3" fmla="*/ 1319638 w 2302128"/>
+                <a:gd name="connsiteY3" fmla="*/ 77525 h 1969224"/>
+                <a:gd name="connsiteX4" fmla="*/ 915219 w 2302128"/>
+                <a:gd name="connsiteY4" fmla="*/ 90162 h 1969224"/>
+                <a:gd name="connsiteX5" fmla="*/ 0 w 2302128"/>
+                <a:gd name="connsiteY5" fmla="*/ 1893650 h 1969224"/>
+                <a:gd name="connsiteX6" fmla="*/ 490757 w 2302128"/>
+                <a:gd name="connsiteY6" fmla="*/ 1953555 h 1969224"/>
+                <a:gd name="connsiteX7" fmla="*/ 876385 w 2302128"/>
+                <a:gd name="connsiteY7" fmla="*/ 1956798 h 1969224"/>
+                <a:gd name="connsiteX8" fmla="*/ 1165247 w 2302128"/>
+                <a:gd name="connsiteY8" fmla="*/ 1966826 h 1969224"/>
+                <a:gd name="connsiteX9" fmla="*/ 1351229 w 2302128"/>
+                <a:gd name="connsiteY9" fmla="*/ 1890950 h 1969224"/>
+                <a:gd name="connsiteX10" fmla="*/ 2302128 w 2302128"/>
+                <a:gd name="connsiteY10" fmla="*/ 20584 h 1969224"/>
+                <a:gd name="connsiteX0" fmla="*/ 2302128 w 2302128"/>
+                <a:gd name="connsiteY0" fmla="*/ 20584 h 1969224"/>
+                <a:gd name="connsiteX1" fmla="*/ 2225796 w 2302128"/>
+                <a:gd name="connsiteY1" fmla="*/ 0 h 1969224"/>
+                <a:gd name="connsiteX2" fmla="*/ 1859067 w 2302128"/>
+                <a:gd name="connsiteY2" fmla="*/ 39263 h 1969224"/>
+                <a:gd name="connsiteX3" fmla="*/ 1319638 w 2302128"/>
+                <a:gd name="connsiteY3" fmla="*/ 77525 h 1969224"/>
+                <a:gd name="connsiteX4" fmla="*/ 915219 w 2302128"/>
+                <a:gd name="connsiteY4" fmla="*/ 90162 h 1969224"/>
+                <a:gd name="connsiteX5" fmla="*/ 0 w 2302128"/>
+                <a:gd name="connsiteY5" fmla="*/ 1893650 h 1969224"/>
+                <a:gd name="connsiteX6" fmla="*/ 490757 w 2302128"/>
+                <a:gd name="connsiteY6" fmla="*/ 1953555 h 1969224"/>
+                <a:gd name="connsiteX7" fmla="*/ 876385 w 2302128"/>
+                <a:gd name="connsiteY7" fmla="*/ 1956798 h 1969224"/>
+                <a:gd name="connsiteX8" fmla="*/ 1165247 w 2302128"/>
+                <a:gd name="connsiteY8" fmla="*/ 1966826 h 1969224"/>
+                <a:gd name="connsiteX9" fmla="*/ 1328135 w 2302128"/>
+                <a:gd name="connsiteY9" fmla="*/ 1945734 h 1969224"/>
+                <a:gd name="connsiteX10" fmla="*/ 2302128 w 2302128"/>
+                <a:gd name="connsiteY10" fmla="*/ 20584 h 1969224"/>
+                <a:gd name="connsiteX0" fmla="*/ 2302128 w 2302128"/>
+                <a:gd name="connsiteY0" fmla="*/ 20584 h 1969224"/>
+                <a:gd name="connsiteX1" fmla="*/ 2225796 w 2302128"/>
+                <a:gd name="connsiteY1" fmla="*/ 0 h 1969224"/>
+                <a:gd name="connsiteX2" fmla="*/ 1859067 w 2302128"/>
+                <a:gd name="connsiteY2" fmla="*/ 39263 h 1969224"/>
+                <a:gd name="connsiteX3" fmla="*/ 1319638 w 2302128"/>
+                <a:gd name="connsiteY3" fmla="*/ 77525 h 1969224"/>
+                <a:gd name="connsiteX4" fmla="*/ 915219 w 2302128"/>
+                <a:gd name="connsiteY4" fmla="*/ 90162 h 1969224"/>
+                <a:gd name="connsiteX5" fmla="*/ 0 w 2302128"/>
+                <a:gd name="connsiteY5" fmla="*/ 1893650 h 1969224"/>
+                <a:gd name="connsiteX6" fmla="*/ 490757 w 2302128"/>
+                <a:gd name="connsiteY6" fmla="*/ 1953555 h 1969224"/>
+                <a:gd name="connsiteX7" fmla="*/ 876385 w 2302128"/>
+                <a:gd name="connsiteY7" fmla="*/ 1956798 h 1969224"/>
+                <a:gd name="connsiteX8" fmla="*/ 1165247 w 2302128"/>
+                <a:gd name="connsiteY8" fmla="*/ 1966826 h 1969224"/>
+                <a:gd name="connsiteX9" fmla="*/ 1328135 w 2302128"/>
+                <a:gd name="connsiteY9" fmla="*/ 1945734 h 1969224"/>
+                <a:gd name="connsiteX10" fmla="*/ 2302128 w 2302128"/>
+                <a:gd name="connsiteY10" fmla="*/ 20584 h 1969224"/>
+                <a:gd name="connsiteX0" fmla="*/ 2302128 w 2302128"/>
+                <a:gd name="connsiteY0" fmla="*/ 20584 h 1959481"/>
+                <a:gd name="connsiteX1" fmla="*/ 2225796 w 2302128"/>
+                <a:gd name="connsiteY1" fmla="*/ 0 h 1959481"/>
+                <a:gd name="connsiteX2" fmla="*/ 1859067 w 2302128"/>
+                <a:gd name="connsiteY2" fmla="*/ 39263 h 1959481"/>
+                <a:gd name="connsiteX3" fmla="*/ 1319638 w 2302128"/>
+                <a:gd name="connsiteY3" fmla="*/ 77525 h 1959481"/>
+                <a:gd name="connsiteX4" fmla="*/ 915219 w 2302128"/>
+                <a:gd name="connsiteY4" fmla="*/ 90162 h 1959481"/>
+                <a:gd name="connsiteX5" fmla="*/ 0 w 2302128"/>
+                <a:gd name="connsiteY5" fmla="*/ 1893650 h 1959481"/>
+                <a:gd name="connsiteX6" fmla="*/ 490757 w 2302128"/>
+                <a:gd name="connsiteY6" fmla="*/ 1953555 h 1959481"/>
+                <a:gd name="connsiteX7" fmla="*/ 876385 w 2302128"/>
+                <a:gd name="connsiteY7" fmla="*/ 1956798 h 1959481"/>
+                <a:gd name="connsiteX8" fmla="*/ 1105649 w 2302128"/>
+                <a:gd name="connsiteY8" fmla="*/ 1949168 h 1959481"/>
+                <a:gd name="connsiteX9" fmla="*/ 1328135 w 2302128"/>
+                <a:gd name="connsiteY9" fmla="*/ 1945734 h 1959481"/>
+                <a:gd name="connsiteX10" fmla="*/ 2302128 w 2302128"/>
+                <a:gd name="connsiteY10" fmla="*/ 20584 h 1959481"/>
+                <a:gd name="connsiteX0" fmla="*/ 2302128 w 2302128"/>
+                <a:gd name="connsiteY0" fmla="*/ 20584 h 1959481"/>
+                <a:gd name="connsiteX1" fmla="*/ 2225796 w 2302128"/>
+                <a:gd name="connsiteY1" fmla="*/ 0 h 1959481"/>
+                <a:gd name="connsiteX2" fmla="*/ 1859067 w 2302128"/>
+                <a:gd name="connsiteY2" fmla="*/ 39263 h 1959481"/>
+                <a:gd name="connsiteX3" fmla="*/ 1319638 w 2302128"/>
+                <a:gd name="connsiteY3" fmla="*/ 77525 h 1959481"/>
+                <a:gd name="connsiteX4" fmla="*/ 915219 w 2302128"/>
+                <a:gd name="connsiteY4" fmla="*/ 90162 h 1959481"/>
+                <a:gd name="connsiteX5" fmla="*/ 0 w 2302128"/>
+                <a:gd name="connsiteY5" fmla="*/ 1893650 h 1959481"/>
+                <a:gd name="connsiteX6" fmla="*/ 490757 w 2302128"/>
+                <a:gd name="connsiteY6" fmla="*/ 1953555 h 1959481"/>
+                <a:gd name="connsiteX7" fmla="*/ 876385 w 2302128"/>
+                <a:gd name="connsiteY7" fmla="*/ 1956798 h 1959481"/>
+                <a:gd name="connsiteX8" fmla="*/ 1105649 w 2302128"/>
+                <a:gd name="connsiteY8" fmla="*/ 1949168 h 1959481"/>
+                <a:gd name="connsiteX9" fmla="*/ 1328135 w 2302128"/>
+                <a:gd name="connsiteY9" fmla="*/ 1945734 h 1959481"/>
+                <a:gd name="connsiteX10" fmla="*/ 2302128 w 2302128"/>
+                <a:gd name="connsiteY10" fmla="*/ 20584 h 1959481"/>
+                <a:gd name="connsiteX0" fmla="*/ 2302128 w 2302128"/>
+                <a:gd name="connsiteY0" fmla="*/ 20584 h 1957019"/>
+                <a:gd name="connsiteX1" fmla="*/ 2225796 w 2302128"/>
+                <a:gd name="connsiteY1" fmla="*/ 0 h 1957019"/>
+                <a:gd name="connsiteX2" fmla="*/ 1859067 w 2302128"/>
+                <a:gd name="connsiteY2" fmla="*/ 39263 h 1957019"/>
+                <a:gd name="connsiteX3" fmla="*/ 1319638 w 2302128"/>
+                <a:gd name="connsiteY3" fmla="*/ 77525 h 1957019"/>
+                <a:gd name="connsiteX4" fmla="*/ 915219 w 2302128"/>
+                <a:gd name="connsiteY4" fmla="*/ 90162 h 1957019"/>
+                <a:gd name="connsiteX5" fmla="*/ 0 w 2302128"/>
+                <a:gd name="connsiteY5" fmla="*/ 1893650 h 1957019"/>
+                <a:gd name="connsiteX6" fmla="*/ 490983 w 2302128"/>
+                <a:gd name="connsiteY6" fmla="*/ 1945963 h 1957019"/>
+                <a:gd name="connsiteX7" fmla="*/ 876385 w 2302128"/>
+                <a:gd name="connsiteY7" fmla="*/ 1956798 h 1957019"/>
+                <a:gd name="connsiteX8" fmla="*/ 1105649 w 2302128"/>
+                <a:gd name="connsiteY8" fmla="*/ 1949168 h 1957019"/>
+                <a:gd name="connsiteX9" fmla="*/ 1328135 w 2302128"/>
+                <a:gd name="connsiteY9" fmla="*/ 1945734 h 1957019"/>
+                <a:gd name="connsiteX10" fmla="*/ 2302128 w 2302128"/>
+                <a:gd name="connsiteY10" fmla="*/ 20584 h 1957019"/>
+                <a:gd name="connsiteX0" fmla="*/ 2302128 w 2302128"/>
+                <a:gd name="connsiteY0" fmla="*/ 20584 h 1957019"/>
+                <a:gd name="connsiteX1" fmla="*/ 2225796 w 2302128"/>
+                <a:gd name="connsiteY1" fmla="*/ 0 h 1957019"/>
+                <a:gd name="connsiteX2" fmla="*/ 1859067 w 2302128"/>
+                <a:gd name="connsiteY2" fmla="*/ 39263 h 1957019"/>
+                <a:gd name="connsiteX3" fmla="*/ 1319638 w 2302128"/>
+                <a:gd name="connsiteY3" fmla="*/ 77525 h 1957019"/>
+                <a:gd name="connsiteX4" fmla="*/ 915219 w 2302128"/>
+                <a:gd name="connsiteY4" fmla="*/ 90162 h 1957019"/>
+                <a:gd name="connsiteX5" fmla="*/ 0 w 2302128"/>
+                <a:gd name="connsiteY5" fmla="*/ 1893650 h 1957019"/>
+                <a:gd name="connsiteX6" fmla="*/ 490983 w 2302128"/>
+                <a:gd name="connsiteY6" fmla="*/ 1945963 h 1957019"/>
+                <a:gd name="connsiteX7" fmla="*/ 876385 w 2302128"/>
+                <a:gd name="connsiteY7" fmla="*/ 1956798 h 1957019"/>
+                <a:gd name="connsiteX8" fmla="*/ 1105649 w 2302128"/>
+                <a:gd name="connsiteY8" fmla="*/ 1949168 h 1957019"/>
+                <a:gd name="connsiteX9" fmla="*/ 1328135 w 2302128"/>
+                <a:gd name="connsiteY9" fmla="*/ 1945734 h 1957019"/>
+                <a:gd name="connsiteX10" fmla="*/ 2302128 w 2302128"/>
+                <a:gd name="connsiteY10" fmla="*/ 20584 h 1957019"/>
+                <a:gd name="connsiteX0" fmla="*/ 2302128 w 2302128"/>
+                <a:gd name="connsiteY0" fmla="*/ 20584 h 1958704"/>
+                <a:gd name="connsiteX1" fmla="*/ 2225796 w 2302128"/>
+                <a:gd name="connsiteY1" fmla="*/ 0 h 1958704"/>
+                <a:gd name="connsiteX2" fmla="*/ 1859067 w 2302128"/>
+                <a:gd name="connsiteY2" fmla="*/ 39263 h 1958704"/>
+                <a:gd name="connsiteX3" fmla="*/ 1319638 w 2302128"/>
+                <a:gd name="connsiteY3" fmla="*/ 77525 h 1958704"/>
+                <a:gd name="connsiteX4" fmla="*/ 915219 w 2302128"/>
+                <a:gd name="connsiteY4" fmla="*/ 90162 h 1958704"/>
+                <a:gd name="connsiteX5" fmla="*/ 0 w 2302128"/>
+                <a:gd name="connsiteY5" fmla="*/ 1893650 h 1958704"/>
+                <a:gd name="connsiteX6" fmla="*/ 490983 w 2302128"/>
+                <a:gd name="connsiteY6" fmla="*/ 1945963 h 1958704"/>
+                <a:gd name="connsiteX7" fmla="*/ 876385 w 2302128"/>
+                <a:gd name="connsiteY7" fmla="*/ 1956798 h 1958704"/>
+                <a:gd name="connsiteX8" fmla="*/ 1105649 w 2302128"/>
+                <a:gd name="connsiteY8" fmla="*/ 1949168 h 1958704"/>
+                <a:gd name="connsiteX9" fmla="*/ 1328135 w 2302128"/>
+                <a:gd name="connsiteY9" fmla="*/ 1945734 h 1958704"/>
+                <a:gd name="connsiteX10" fmla="*/ 2302128 w 2302128"/>
+                <a:gd name="connsiteY10" fmla="*/ 20584 h 1958704"/>
+                <a:gd name="connsiteX0" fmla="*/ 2302128 w 2302128"/>
+                <a:gd name="connsiteY0" fmla="*/ 20584 h 1956283"/>
+                <a:gd name="connsiteX1" fmla="*/ 2225796 w 2302128"/>
+                <a:gd name="connsiteY1" fmla="*/ 0 h 1956283"/>
+                <a:gd name="connsiteX2" fmla="*/ 1859067 w 2302128"/>
+                <a:gd name="connsiteY2" fmla="*/ 39263 h 1956283"/>
+                <a:gd name="connsiteX3" fmla="*/ 1319638 w 2302128"/>
+                <a:gd name="connsiteY3" fmla="*/ 77525 h 1956283"/>
+                <a:gd name="connsiteX4" fmla="*/ 915219 w 2302128"/>
+                <a:gd name="connsiteY4" fmla="*/ 90162 h 1956283"/>
+                <a:gd name="connsiteX5" fmla="*/ 0 w 2302128"/>
+                <a:gd name="connsiteY5" fmla="*/ 1893650 h 1956283"/>
+                <a:gd name="connsiteX6" fmla="*/ 490983 w 2302128"/>
+                <a:gd name="connsiteY6" fmla="*/ 1945963 h 1956283"/>
+                <a:gd name="connsiteX7" fmla="*/ 870063 w 2302128"/>
+                <a:gd name="connsiteY7" fmla="*/ 1952738 h 1956283"/>
+                <a:gd name="connsiteX8" fmla="*/ 1105649 w 2302128"/>
+                <a:gd name="connsiteY8" fmla="*/ 1949168 h 1956283"/>
+                <a:gd name="connsiteX9" fmla="*/ 1328135 w 2302128"/>
+                <a:gd name="connsiteY9" fmla="*/ 1945734 h 1956283"/>
+                <a:gd name="connsiteX10" fmla="*/ 2302128 w 2302128"/>
+                <a:gd name="connsiteY10" fmla="*/ 20584 h 1956283"/>
+                <a:gd name="connsiteX0" fmla="*/ 2302128 w 2302128"/>
+                <a:gd name="connsiteY0" fmla="*/ 20584 h 1954431"/>
+                <a:gd name="connsiteX1" fmla="*/ 2225796 w 2302128"/>
+                <a:gd name="connsiteY1" fmla="*/ 0 h 1954431"/>
+                <a:gd name="connsiteX2" fmla="*/ 1859067 w 2302128"/>
+                <a:gd name="connsiteY2" fmla="*/ 39263 h 1954431"/>
+                <a:gd name="connsiteX3" fmla="*/ 1319638 w 2302128"/>
+                <a:gd name="connsiteY3" fmla="*/ 77525 h 1954431"/>
+                <a:gd name="connsiteX4" fmla="*/ 915219 w 2302128"/>
+                <a:gd name="connsiteY4" fmla="*/ 90162 h 1954431"/>
+                <a:gd name="connsiteX5" fmla="*/ 0 w 2302128"/>
+                <a:gd name="connsiteY5" fmla="*/ 1893650 h 1954431"/>
+                <a:gd name="connsiteX6" fmla="*/ 490983 w 2302128"/>
+                <a:gd name="connsiteY6" fmla="*/ 1945963 h 1954431"/>
+                <a:gd name="connsiteX7" fmla="*/ 870063 w 2302128"/>
+                <a:gd name="connsiteY7" fmla="*/ 1952738 h 1954431"/>
+                <a:gd name="connsiteX8" fmla="*/ 1105649 w 2302128"/>
+                <a:gd name="connsiteY8" fmla="*/ 1949168 h 1954431"/>
+                <a:gd name="connsiteX9" fmla="*/ 1328135 w 2302128"/>
+                <a:gd name="connsiteY9" fmla="*/ 1945734 h 1954431"/>
+                <a:gd name="connsiteX10" fmla="*/ 2302128 w 2302128"/>
+                <a:gd name="connsiteY10" fmla="*/ 20584 h 1954431"/>
+                <a:gd name="connsiteX0" fmla="*/ 2302128 w 2302128"/>
+                <a:gd name="connsiteY0" fmla="*/ 20584 h 1951121"/>
+                <a:gd name="connsiteX1" fmla="*/ 2225796 w 2302128"/>
+                <a:gd name="connsiteY1" fmla="*/ 0 h 1951121"/>
+                <a:gd name="connsiteX2" fmla="*/ 1859067 w 2302128"/>
+                <a:gd name="connsiteY2" fmla="*/ 39263 h 1951121"/>
+                <a:gd name="connsiteX3" fmla="*/ 1319638 w 2302128"/>
+                <a:gd name="connsiteY3" fmla="*/ 77525 h 1951121"/>
+                <a:gd name="connsiteX4" fmla="*/ 915219 w 2302128"/>
+                <a:gd name="connsiteY4" fmla="*/ 90162 h 1951121"/>
+                <a:gd name="connsiteX5" fmla="*/ 0 w 2302128"/>
+                <a:gd name="connsiteY5" fmla="*/ 1893650 h 1951121"/>
+                <a:gd name="connsiteX6" fmla="*/ 490983 w 2302128"/>
+                <a:gd name="connsiteY6" fmla="*/ 1945963 h 1951121"/>
+                <a:gd name="connsiteX7" fmla="*/ 1105649 w 2302128"/>
+                <a:gd name="connsiteY7" fmla="*/ 1949168 h 1951121"/>
+                <a:gd name="connsiteX8" fmla="*/ 1328135 w 2302128"/>
+                <a:gd name="connsiteY8" fmla="*/ 1945734 h 1951121"/>
+                <a:gd name="connsiteX9" fmla="*/ 2302128 w 2302128"/>
+                <a:gd name="connsiteY9" fmla="*/ 20584 h 1951121"/>
+                <a:gd name="connsiteX0" fmla="*/ 2302128 w 2302128"/>
+                <a:gd name="connsiteY0" fmla="*/ 20584 h 1954801"/>
+                <a:gd name="connsiteX1" fmla="*/ 2225796 w 2302128"/>
+                <a:gd name="connsiteY1" fmla="*/ 0 h 1954801"/>
+                <a:gd name="connsiteX2" fmla="*/ 1859067 w 2302128"/>
+                <a:gd name="connsiteY2" fmla="*/ 39263 h 1954801"/>
+                <a:gd name="connsiteX3" fmla="*/ 1319638 w 2302128"/>
+                <a:gd name="connsiteY3" fmla="*/ 77525 h 1954801"/>
+                <a:gd name="connsiteX4" fmla="*/ 915219 w 2302128"/>
+                <a:gd name="connsiteY4" fmla="*/ 90162 h 1954801"/>
+                <a:gd name="connsiteX5" fmla="*/ 0 w 2302128"/>
+                <a:gd name="connsiteY5" fmla="*/ 1893650 h 1954801"/>
+                <a:gd name="connsiteX6" fmla="*/ 490983 w 2302128"/>
+                <a:gd name="connsiteY6" fmla="*/ 1945963 h 1954801"/>
+                <a:gd name="connsiteX7" fmla="*/ 963769 w 2302128"/>
+                <a:gd name="connsiteY7" fmla="*/ 1954718 h 1954801"/>
+                <a:gd name="connsiteX8" fmla="*/ 1328135 w 2302128"/>
+                <a:gd name="connsiteY8" fmla="*/ 1945734 h 1954801"/>
+                <a:gd name="connsiteX9" fmla="*/ 2302128 w 2302128"/>
+                <a:gd name="connsiteY9" fmla="*/ 20584 h 1954801"/>
+                <a:gd name="connsiteX0" fmla="*/ 2302128 w 2302128"/>
+                <a:gd name="connsiteY0" fmla="*/ 20584 h 1954890"/>
+                <a:gd name="connsiteX1" fmla="*/ 2225796 w 2302128"/>
+                <a:gd name="connsiteY1" fmla="*/ 0 h 1954890"/>
+                <a:gd name="connsiteX2" fmla="*/ 1859067 w 2302128"/>
+                <a:gd name="connsiteY2" fmla="*/ 39263 h 1954890"/>
+                <a:gd name="connsiteX3" fmla="*/ 1319638 w 2302128"/>
+                <a:gd name="connsiteY3" fmla="*/ 77525 h 1954890"/>
+                <a:gd name="connsiteX4" fmla="*/ 915219 w 2302128"/>
+                <a:gd name="connsiteY4" fmla="*/ 90162 h 1954890"/>
+                <a:gd name="connsiteX5" fmla="*/ 0 w 2302128"/>
+                <a:gd name="connsiteY5" fmla="*/ 1893650 h 1954890"/>
+                <a:gd name="connsiteX6" fmla="*/ 490983 w 2302128"/>
+                <a:gd name="connsiteY6" fmla="*/ 1945963 h 1954890"/>
+                <a:gd name="connsiteX7" fmla="*/ 963769 w 2302128"/>
+                <a:gd name="connsiteY7" fmla="*/ 1954718 h 1954890"/>
+                <a:gd name="connsiteX8" fmla="*/ 1285910 w 2302128"/>
+                <a:gd name="connsiteY8" fmla="*/ 1946957 h 1954890"/>
+                <a:gd name="connsiteX9" fmla="*/ 1328135 w 2302128"/>
+                <a:gd name="connsiteY9" fmla="*/ 1945734 h 1954890"/>
+                <a:gd name="connsiteX10" fmla="*/ 2302128 w 2302128"/>
+                <a:gd name="connsiteY10" fmla="*/ 20584 h 1954890"/>
+                <a:gd name="connsiteX0" fmla="*/ 2302128 w 2302128"/>
+                <a:gd name="connsiteY0" fmla="*/ 20584 h 1954890"/>
+                <a:gd name="connsiteX1" fmla="*/ 2225796 w 2302128"/>
+                <a:gd name="connsiteY1" fmla="*/ 0 h 1954890"/>
+                <a:gd name="connsiteX2" fmla="*/ 1859067 w 2302128"/>
+                <a:gd name="connsiteY2" fmla="*/ 39263 h 1954890"/>
+                <a:gd name="connsiteX3" fmla="*/ 1319638 w 2302128"/>
+                <a:gd name="connsiteY3" fmla="*/ 77525 h 1954890"/>
+                <a:gd name="connsiteX4" fmla="*/ 915219 w 2302128"/>
+                <a:gd name="connsiteY4" fmla="*/ 90162 h 1954890"/>
+                <a:gd name="connsiteX5" fmla="*/ 0 w 2302128"/>
+                <a:gd name="connsiteY5" fmla="*/ 1893650 h 1954890"/>
+                <a:gd name="connsiteX6" fmla="*/ 490983 w 2302128"/>
+                <a:gd name="connsiteY6" fmla="*/ 1945963 h 1954890"/>
+                <a:gd name="connsiteX7" fmla="*/ 963769 w 2302128"/>
+                <a:gd name="connsiteY7" fmla="*/ 1954718 h 1954890"/>
+                <a:gd name="connsiteX8" fmla="*/ 1285910 w 2302128"/>
+                <a:gd name="connsiteY8" fmla="*/ 1946957 h 1954890"/>
+                <a:gd name="connsiteX9" fmla="*/ 1340123 w 2302128"/>
+                <a:gd name="connsiteY9" fmla="*/ 1919815 h 1954890"/>
+                <a:gd name="connsiteX10" fmla="*/ 2302128 w 2302128"/>
+                <a:gd name="connsiteY10" fmla="*/ 20584 h 1954890"/>
+                <a:gd name="connsiteX0" fmla="*/ 2302128 w 2302128"/>
+                <a:gd name="connsiteY0" fmla="*/ 20584 h 1954890"/>
+                <a:gd name="connsiteX1" fmla="*/ 2225796 w 2302128"/>
+                <a:gd name="connsiteY1" fmla="*/ 0 h 1954890"/>
+                <a:gd name="connsiteX2" fmla="*/ 1859067 w 2302128"/>
+                <a:gd name="connsiteY2" fmla="*/ 39263 h 1954890"/>
+                <a:gd name="connsiteX3" fmla="*/ 1319638 w 2302128"/>
+                <a:gd name="connsiteY3" fmla="*/ 77525 h 1954890"/>
+                <a:gd name="connsiteX4" fmla="*/ 915219 w 2302128"/>
+                <a:gd name="connsiteY4" fmla="*/ 90162 h 1954890"/>
+                <a:gd name="connsiteX5" fmla="*/ 0 w 2302128"/>
+                <a:gd name="connsiteY5" fmla="*/ 1893650 h 1954890"/>
+                <a:gd name="connsiteX6" fmla="*/ 490983 w 2302128"/>
+                <a:gd name="connsiteY6" fmla="*/ 1945963 h 1954890"/>
+                <a:gd name="connsiteX7" fmla="*/ 963769 w 2302128"/>
+                <a:gd name="connsiteY7" fmla="*/ 1954718 h 1954890"/>
+                <a:gd name="connsiteX8" fmla="*/ 1285910 w 2302128"/>
+                <a:gd name="connsiteY8" fmla="*/ 1946957 h 1954890"/>
+                <a:gd name="connsiteX9" fmla="*/ 1340123 w 2302128"/>
+                <a:gd name="connsiteY9" fmla="*/ 1919815 h 1954890"/>
+                <a:gd name="connsiteX10" fmla="*/ 2302128 w 2302128"/>
+                <a:gd name="connsiteY10" fmla="*/ 20584 h 1954890"/>
+                <a:gd name="connsiteX0" fmla="*/ 2302128 w 2302128"/>
+                <a:gd name="connsiteY0" fmla="*/ 20584 h 1954890"/>
+                <a:gd name="connsiteX1" fmla="*/ 2225796 w 2302128"/>
+                <a:gd name="connsiteY1" fmla="*/ 0 h 1954890"/>
+                <a:gd name="connsiteX2" fmla="*/ 1859067 w 2302128"/>
+                <a:gd name="connsiteY2" fmla="*/ 39263 h 1954890"/>
+                <a:gd name="connsiteX3" fmla="*/ 1319638 w 2302128"/>
+                <a:gd name="connsiteY3" fmla="*/ 77525 h 1954890"/>
+                <a:gd name="connsiteX4" fmla="*/ 915219 w 2302128"/>
+                <a:gd name="connsiteY4" fmla="*/ 90162 h 1954890"/>
+                <a:gd name="connsiteX5" fmla="*/ 0 w 2302128"/>
+                <a:gd name="connsiteY5" fmla="*/ 1893650 h 1954890"/>
+                <a:gd name="connsiteX6" fmla="*/ 490983 w 2302128"/>
+                <a:gd name="connsiteY6" fmla="*/ 1945963 h 1954890"/>
+                <a:gd name="connsiteX7" fmla="*/ 963769 w 2302128"/>
+                <a:gd name="connsiteY7" fmla="*/ 1954718 h 1954890"/>
+                <a:gd name="connsiteX8" fmla="*/ 1285910 w 2302128"/>
+                <a:gd name="connsiteY8" fmla="*/ 1946957 h 1954890"/>
+                <a:gd name="connsiteX9" fmla="*/ 1340123 w 2302128"/>
+                <a:gd name="connsiteY9" fmla="*/ 1919815 h 1954890"/>
+                <a:gd name="connsiteX10" fmla="*/ 2302128 w 2302128"/>
+                <a:gd name="connsiteY10" fmla="*/ 20584 h 1954890"/>
+                <a:gd name="connsiteX0" fmla="*/ 2302128 w 2302128"/>
+                <a:gd name="connsiteY0" fmla="*/ 17876 h 1952182"/>
+                <a:gd name="connsiteX1" fmla="*/ 2248441 w 2302128"/>
+                <a:gd name="connsiteY1" fmla="*/ 0 h 1952182"/>
+                <a:gd name="connsiteX2" fmla="*/ 1859067 w 2302128"/>
+                <a:gd name="connsiteY2" fmla="*/ 36555 h 1952182"/>
+                <a:gd name="connsiteX3" fmla="*/ 1319638 w 2302128"/>
+                <a:gd name="connsiteY3" fmla="*/ 74817 h 1952182"/>
+                <a:gd name="connsiteX4" fmla="*/ 915219 w 2302128"/>
+                <a:gd name="connsiteY4" fmla="*/ 87454 h 1952182"/>
+                <a:gd name="connsiteX5" fmla="*/ 0 w 2302128"/>
+                <a:gd name="connsiteY5" fmla="*/ 1890942 h 1952182"/>
+                <a:gd name="connsiteX6" fmla="*/ 490983 w 2302128"/>
+                <a:gd name="connsiteY6" fmla="*/ 1943255 h 1952182"/>
+                <a:gd name="connsiteX7" fmla="*/ 963769 w 2302128"/>
+                <a:gd name="connsiteY7" fmla="*/ 1952010 h 1952182"/>
+                <a:gd name="connsiteX8" fmla="*/ 1285910 w 2302128"/>
+                <a:gd name="connsiteY8" fmla="*/ 1944249 h 1952182"/>
+                <a:gd name="connsiteX9" fmla="*/ 1340123 w 2302128"/>
+                <a:gd name="connsiteY9" fmla="*/ 1917107 h 1952182"/>
+                <a:gd name="connsiteX10" fmla="*/ 2302128 w 2302128"/>
+                <a:gd name="connsiteY10" fmla="*/ 17876 h 1952182"/>
+                <a:gd name="connsiteX0" fmla="*/ 2302128 w 2302128"/>
+                <a:gd name="connsiteY0" fmla="*/ 17876 h 1952182"/>
+                <a:gd name="connsiteX1" fmla="*/ 2248441 w 2302128"/>
+                <a:gd name="connsiteY1" fmla="*/ 0 h 1952182"/>
+                <a:gd name="connsiteX2" fmla="*/ 1859067 w 2302128"/>
+                <a:gd name="connsiteY2" fmla="*/ 36555 h 1952182"/>
+                <a:gd name="connsiteX3" fmla="*/ 1319638 w 2302128"/>
+                <a:gd name="connsiteY3" fmla="*/ 74817 h 1952182"/>
+                <a:gd name="connsiteX4" fmla="*/ 915219 w 2302128"/>
+                <a:gd name="connsiteY4" fmla="*/ 87454 h 1952182"/>
+                <a:gd name="connsiteX5" fmla="*/ 0 w 2302128"/>
+                <a:gd name="connsiteY5" fmla="*/ 1890942 h 1952182"/>
+                <a:gd name="connsiteX6" fmla="*/ 490983 w 2302128"/>
+                <a:gd name="connsiteY6" fmla="*/ 1943255 h 1952182"/>
+                <a:gd name="connsiteX7" fmla="*/ 963769 w 2302128"/>
+                <a:gd name="connsiteY7" fmla="*/ 1952010 h 1952182"/>
+                <a:gd name="connsiteX8" fmla="*/ 1285910 w 2302128"/>
+                <a:gd name="connsiteY8" fmla="*/ 1944249 h 1952182"/>
+                <a:gd name="connsiteX9" fmla="*/ 1340123 w 2302128"/>
+                <a:gd name="connsiteY9" fmla="*/ 1917107 h 1952182"/>
+                <a:gd name="connsiteX10" fmla="*/ 2302128 w 2302128"/>
+                <a:gd name="connsiteY10" fmla="*/ 17876 h 1952182"/>
+                <a:gd name="connsiteX0" fmla="*/ 2302128 w 2302128"/>
+                <a:gd name="connsiteY0" fmla="*/ 10597 h 1944903"/>
+                <a:gd name="connsiteX1" fmla="*/ 2255136 w 2302128"/>
+                <a:gd name="connsiteY1" fmla="*/ 0 h 1944903"/>
+                <a:gd name="connsiteX2" fmla="*/ 1859067 w 2302128"/>
+                <a:gd name="connsiteY2" fmla="*/ 29276 h 1944903"/>
+                <a:gd name="connsiteX3" fmla="*/ 1319638 w 2302128"/>
+                <a:gd name="connsiteY3" fmla="*/ 67538 h 1944903"/>
+                <a:gd name="connsiteX4" fmla="*/ 915219 w 2302128"/>
+                <a:gd name="connsiteY4" fmla="*/ 80175 h 1944903"/>
+                <a:gd name="connsiteX5" fmla="*/ 0 w 2302128"/>
+                <a:gd name="connsiteY5" fmla="*/ 1883663 h 1944903"/>
+                <a:gd name="connsiteX6" fmla="*/ 490983 w 2302128"/>
+                <a:gd name="connsiteY6" fmla="*/ 1935976 h 1944903"/>
+                <a:gd name="connsiteX7" fmla="*/ 963769 w 2302128"/>
+                <a:gd name="connsiteY7" fmla="*/ 1944731 h 1944903"/>
+                <a:gd name="connsiteX8" fmla="*/ 1285910 w 2302128"/>
+                <a:gd name="connsiteY8" fmla="*/ 1936970 h 1944903"/>
+                <a:gd name="connsiteX9" fmla="*/ 1340123 w 2302128"/>
+                <a:gd name="connsiteY9" fmla="*/ 1909828 h 1944903"/>
+                <a:gd name="connsiteX10" fmla="*/ 2302128 w 2302128"/>
+                <a:gd name="connsiteY10" fmla="*/ 10597 h 1944903"/>
+                <a:gd name="connsiteX0" fmla="*/ 2302128 w 2302128"/>
+                <a:gd name="connsiteY0" fmla="*/ 10597 h 1944903"/>
+                <a:gd name="connsiteX1" fmla="*/ 2255136 w 2302128"/>
+                <a:gd name="connsiteY1" fmla="*/ 0 h 1944903"/>
+                <a:gd name="connsiteX2" fmla="*/ 1859067 w 2302128"/>
+                <a:gd name="connsiteY2" fmla="*/ 29276 h 1944903"/>
+                <a:gd name="connsiteX3" fmla="*/ 1319638 w 2302128"/>
+                <a:gd name="connsiteY3" fmla="*/ 67538 h 1944903"/>
+                <a:gd name="connsiteX4" fmla="*/ 915219 w 2302128"/>
+                <a:gd name="connsiteY4" fmla="*/ 80175 h 1944903"/>
+                <a:gd name="connsiteX5" fmla="*/ 0 w 2302128"/>
+                <a:gd name="connsiteY5" fmla="*/ 1883663 h 1944903"/>
+                <a:gd name="connsiteX6" fmla="*/ 490983 w 2302128"/>
+                <a:gd name="connsiteY6" fmla="*/ 1935976 h 1944903"/>
+                <a:gd name="connsiteX7" fmla="*/ 963769 w 2302128"/>
+                <a:gd name="connsiteY7" fmla="*/ 1944731 h 1944903"/>
+                <a:gd name="connsiteX8" fmla="*/ 1285910 w 2302128"/>
+                <a:gd name="connsiteY8" fmla="*/ 1936970 h 1944903"/>
+                <a:gd name="connsiteX9" fmla="*/ 1340123 w 2302128"/>
+                <a:gd name="connsiteY9" fmla="*/ 1909828 h 1944903"/>
+                <a:gd name="connsiteX10" fmla="*/ 2302128 w 2302128"/>
+                <a:gd name="connsiteY10" fmla="*/ 10597 h 1944903"/>
+                <a:gd name="connsiteX0" fmla="*/ 2302128 w 2302128"/>
+                <a:gd name="connsiteY0" fmla="*/ 14392 h 1948698"/>
+                <a:gd name="connsiteX1" fmla="*/ 2255005 w 2302128"/>
+                <a:gd name="connsiteY1" fmla="*/ 0 h 1948698"/>
+                <a:gd name="connsiteX2" fmla="*/ 1859067 w 2302128"/>
+                <a:gd name="connsiteY2" fmla="*/ 33071 h 1948698"/>
+                <a:gd name="connsiteX3" fmla="*/ 1319638 w 2302128"/>
+                <a:gd name="connsiteY3" fmla="*/ 71333 h 1948698"/>
+                <a:gd name="connsiteX4" fmla="*/ 915219 w 2302128"/>
+                <a:gd name="connsiteY4" fmla="*/ 83970 h 1948698"/>
+                <a:gd name="connsiteX5" fmla="*/ 0 w 2302128"/>
+                <a:gd name="connsiteY5" fmla="*/ 1887458 h 1948698"/>
+                <a:gd name="connsiteX6" fmla="*/ 490983 w 2302128"/>
+                <a:gd name="connsiteY6" fmla="*/ 1939771 h 1948698"/>
+                <a:gd name="connsiteX7" fmla="*/ 963769 w 2302128"/>
+                <a:gd name="connsiteY7" fmla="*/ 1948526 h 1948698"/>
+                <a:gd name="connsiteX8" fmla="*/ 1285910 w 2302128"/>
+                <a:gd name="connsiteY8" fmla="*/ 1940765 h 1948698"/>
+                <a:gd name="connsiteX9" fmla="*/ 1340123 w 2302128"/>
+                <a:gd name="connsiteY9" fmla="*/ 1913623 h 1948698"/>
+                <a:gd name="connsiteX10" fmla="*/ 2302128 w 2302128"/>
+                <a:gd name="connsiteY10" fmla="*/ 14392 h 1948698"/>
+                <a:gd name="connsiteX0" fmla="*/ 2302128 w 2302128"/>
+                <a:gd name="connsiteY0" fmla="*/ 14392 h 1948698"/>
+                <a:gd name="connsiteX1" fmla="*/ 2255005 w 2302128"/>
+                <a:gd name="connsiteY1" fmla="*/ 0 h 1948698"/>
+                <a:gd name="connsiteX2" fmla="*/ 1859067 w 2302128"/>
+                <a:gd name="connsiteY2" fmla="*/ 33071 h 1948698"/>
+                <a:gd name="connsiteX3" fmla="*/ 1319638 w 2302128"/>
+                <a:gd name="connsiteY3" fmla="*/ 71333 h 1948698"/>
+                <a:gd name="connsiteX4" fmla="*/ 915219 w 2302128"/>
+                <a:gd name="connsiteY4" fmla="*/ 83970 h 1948698"/>
+                <a:gd name="connsiteX5" fmla="*/ 0 w 2302128"/>
+                <a:gd name="connsiteY5" fmla="*/ 1887458 h 1948698"/>
+                <a:gd name="connsiteX6" fmla="*/ 490983 w 2302128"/>
+                <a:gd name="connsiteY6" fmla="*/ 1939771 h 1948698"/>
+                <a:gd name="connsiteX7" fmla="*/ 963769 w 2302128"/>
+                <a:gd name="connsiteY7" fmla="*/ 1948526 h 1948698"/>
+                <a:gd name="connsiteX8" fmla="*/ 1285910 w 2302128"/>
+                <a:gd name="connsiteY8" fmla="*/ 1940765 h 1948698"/>
+                <a:gd name="connsiteX9" fmla="*/ 1340123 w 2302128"/>
+                <a:gd name="connsiteY9" fmla="*/ 1913623 h 1948698"/>
+                <a:gd name="connsiteX10" fmla="*/ 2302128 w 2302128"/>
+                <a:gd name="connsiteY10" fmla="*/ 14392 h 1948698"/>
+                <a:gd name="connsiteX0" fmla="*/ 2302128 w 2304401"/>
+                <a:gd name="connsiteY0" fmla="*/ 19705 h 1954011"/>
+                <a:gd name="connsiteX1" fmla="*/ 2255005 w 2304401"/>
+                <a:gd name="connsiteY1" fmla="*/ 5313 h 1954011"/>
+                <a:gd name="connsiteX2" fmla="*/ 1859067 w 2304401"/>
+                <a:gd name="connsiteY2" fmla="*/ 38384 h 1954011"/>
+                <a:gd name="connsiteX3" fmla="*/ 1319638 w 2304401"/>
+                <a:gd name="connsiteY3" fmla="*/ 76646 h 1954011"/>
+                <a:gd name="connsiteX4" fmla="*/ 915219 w 2304401"/>
+                <a:gd name="connsiteY4" fmla="*/ 89283 h 1954011"/>
+                <a:gd name="connsiteX5" fmla="*/ 0 w 2304401"/>
+                <a:gd name="connsiteY5" fmla="*/ 1892771 h 1954011"/>
+                <a:gd name="connsiteX6" fmla="*/ 490983 w 2304401"/>
+                <a:gd name="connsiteY6" fmla="*/ 1945084 h 1954011"/>
+                <a:gd name="connsiteX7" fmla="*/ 963769 w 2304401"/>
+                <a:gd name="connsiteY7" fmla="*/ 1953839 h 1954011"/>
+                <a:gd name="connsiteX8" fmla="*/ 1285910 w 2304401"/>
+                <a:gd name="connsiteY8" fmla="*/ 1946078 h 1954011"/>
+                <a:gd name="connsiteX9" fmla="*/ 1340123 w 2304401"/>
+                <a:gd name="connsiteY9" fmla="*/ 1918936 h 1954011"/>
+                <a:gd name="connsiteX10" fmla="*/ 2302128 w 2304401"/>
+                <a:gd name="connsiteY10" fmla="*/ 19705 h 1954011"/>
+                <a:gd name="connsiteX0" fmla="*/ 2302128 w 2316652"/>
+                <a:gd name="connsiteY0" fmla="*/ 17137 h 1951443"/>
+                <a:gd name="connsiteX1" fmla="*/ 2255005 w 2316652"/>
+                <a:gd name="connsiteY1" fmla="*/ 2745 h 1951443"/>
+                <a:gd name="connsiteX2" fmla="*/ 1859067 w 2316652"/>
+                <a:gd name="connsiteY2" fmla="*/ 35816 h 1951443"/>
+                <a:gd name="connsiteX3" fmla="*/ 1319638 w 2316652"/>
+                <a:gd name="connsiteY3" fmla="*/ 74078 h 1951443"/>
+                <a:gd name="connsiteX4" fmla="*/ 915219 w 2316652"/>
+                <a:gd name="connsiteY4" fmla="*/ 86715 h 1951443"/>
+                <a:gd name="connsiteX5" fmla="*/ 0 w 2316652"/>
+                <a:gd name="connsiteY5" fmla="*/ 1890203 h 1951443"/>
+                <a:gd name="connsiteX6" fmla="*/ 490983 w 2316652"/>
+                <a:gd name="connsiteY6" fmla="*/ 1942516 h 1951443"/>
+                <a:gd name="connsiteX7" fmla="*/ 963769 w 2316652"/>
+                <a:gd name="connsiteY7" fmla="*/ 1951271 h 1951443"/>
+                <a:gd name="connsiteX8" fmla="*/ 1285910 w 2316652"/>
+                <a:gd name="connsiteY8" fmla="*/ 1943510 h 1951443"/>
+                <a:gd name="connsiteX9" fmla="*/ 1340123 w 2316652"/>
+                <a:gd name="connsiteY9" fmla="*/ 1916368 h 1951443"/>
+                <a:gd name="connsiteX10" fmla="*/ 2302128 w 2316652"/>
+                <a:gd name="connsiteY10" fmla="*/ 17137 h 1951443"/>
+                <a:gd name="connsiteX0" fmla="*/ 2302128 w 2312038"/>
+                <a:gd name="connsiteY0" fmla="*/ 20192 h 1954498"/>
+                <a:gd name="connsiteX1" fmla="*/ 2255005 w 2312038"/>
+                <a:gd name="connsiteY1" fmla="*/ 5800 h 1954498"/>
+                <a:gd name="connsiteX2" fmla="*/ 1859067 w 2312038"/>
+                <a:gd name="connsiteY2" fmla="*/ 38871 h 1954498"/>
+                <a:gd name="connsiteX3" fmla="*/ 1319638 w 2312038"/>
+                <a:gd name="connsiteY3" fmla="*/ 77133 h 1954498"/>
+                <a:gd name="connsiteX4" fmla="*/ 915219 w 2312038"/>
+                <a:gd name="connsiteY4" fmla="*/ 89770 h 1954498"/>
+                <a:gd name="connsiteX5" fmla="*/ 0 w 2312038"/>
+                <a:gd name="connsiteY5" fmla="*/ 1893258 h 1954498"/>
+                <a:gd name="connsiteX6" fmla="*/ 490983 w 2312038"/>
+                <a:gd name="connsiteY6" fmla="*/ 1945571 h 1954498"/>
+                <a:gd name="connsiteX7" fmla="*/ 963769 w 2312038"/>
+                <a:gd name="connsiteY7" fmla="*/ 1954326 h 1954498"/>
+                <a:gd name="connsiteX8" fmla="*/ 1285910 w 2312038"/>
+                <a:gd name="connsiteY8" fmla="*/ 1946565 h 1954498"/>
+                <a:gd name="connsiteX9" fmla="*/ 1340123 w 2312038"/>
+                <a:gd name="connsiteY9" fmla="*/ 1919423 h 1954498"/>
+                <a:gd name="connsiteX10" fmla="*/ 2302128 w 2312038"/>
+                <a:gd name="connsiteY10" fmla="*/ 20192 h 1954498"/>
+                <a:gd name="connsiteX0" fmla="*/ 2302129 w 2312039"/>
+                <a:gd name="connsiteY0" fmla="*/ 20192 h 1954498"/>
+                <a:gd name="connsiteX1" fmla="*/ 2255005 w 2312039"/>
+                <a:gd name="connsiteY1" fmla="*/ 5800 h 1954498"/>
+                <a:gd name="connsiteX2" fmla="*/ 1859067 w 2312039"/>
+                <a:gd name="connsiteY2" fmla="*/ 38871 h 1954498"/>
+                <a:gd name="connsiteX3" fmla="*/ 1319638 w 2312039"/>
+                <a:gd name="connsiteY3" fmla="*/ 77133 h 1954498"/>
+                <a:gd name="connsiteX4" fmla="*/ 915219 w 2312039"/>
+                <a:gd name="connsiteY4" fmla="*/ 89770 h 1954498"/>
+                <a:gd name="connsiteX5" fmla="*/ 0 w 2312039"/>
+                <a:gd name="connsiteY5" fmla="*/ 1893258 h 1954498"/>
+                <a:gd name="connsiteX6" fmla="*/ 490983 w 2312039"/>
+                <a:gd name="connsiteY6" fmla="*/ 1945571 h 1954498"/>
+                <a:gd name="connsiteX7" fmla="*/ 963769 w 2312039"/>
+                <a:gd name="connsiteY7" fmla="*/ 1954326 h 1954498"/>
+                <a:gd name="connsiteX8" fmla="*/ 1285910 w 2312039"/>
+                <a:gd name="connsiteY8" fmla="*/ 1946565 h 1954498"/>
+                <a:gd name="connsiteX9" fmla="*/ 1340123 w 2312039"/>
+                <a:gd name="connsiteY9" fmla="*/ 1919423 h 1954498"/>
+                <a:gd name="connsiteX10" fmla="*/ 2302129 w 2312039"/>
+                <a:gd name="connsiteY10" fmla="*/ 20192 h 1954498"/>
+                <a:gd name="connsiteX0" fmla="*/ 2293138 w 2304446"/>
+                <a:gd name="connsiteY0" fmla="*/ 35096 h 1949963"/>
+                <a:gd name="connsiteX1" fmla="*/ 2255005 w 2304446"/>
+                <a:gd name="connsiteY1" fmla="*/ 1265 h 1949963"/>
+                <a:gd name="connsiteX2" fmla="*/ 1859067 w 2304446"/>
+                <a:gd name="connsiteY2" fmla="*/ 34336 h 1949963"/>
+                <a:gd name="connsiteX3" fmla="*/ 1319638 w 2304446"/>
+                <a:gd name="connsiteY3" fmla="*/ 72598 h 1949963"/>
+                <a:gd name="connsiteX4" fmla="*/ 915219 w 2304446"/>
+                <a:gd name="connsiteY4" fmla="*/ 85235 h 1949963"/>
+                <a:gd name="connsiteX5" fmla="*/ 0 w 2304446"/>
+                <a:gd name="connsiteY5" fmla="*/ 1888723 h 1949963"/>
+                <a:gd name="connsiteX6" fmla="*/ 490983 w 2304446"/>
+                <a:gd name="connsiteY6" fmla="*/ 1941036 h 1949963"/>
+                <a:gd name="connsiteX7" fmla="*/ 963769 w 2304446"/>
+                <a:gd name="connsiteY7" fmla="*/ 1949791 h 1949963"/>
+                <a:gd name="connsiteX8" fmla="*/ 1285910 w 2304446"/>
+                <a:gd name="connsiteY8" fmla="*/ 1942030 h 1949963"/>
+                <a:gd name="connsiteX9" fmla="*/ 1340123 w 2304446"/>
+                <a:gd name="connsiteY9" fmla="*/ 1914888 h 1949963"/>
+                <a:gd name="connsiteX10" fmla="*/ 2293138 w 2304446"/>
+                <a:gd name="connsiteY10" fmla="*/ 35096 h 1949963"/>
+                <a:gd name="connsiteX0" fmla="*/ 2293138 w 2303585"/>
+                <a:gd name="connsiteY0" fmla="*/ 36438 h 1951305"/>
+                <a:gd name="connsiteX1" fmla="*/ 2255005 w 2303585"/>
+                <a:gd name="connsiteY1" fmla="*/ 2607 h 1951305"/>
+                <a:gd name="connsiteX2" fmla="*/ 1859067 w 2303585"/>
+                <a:gd name="connsiteY2" fmla="*/ 35678 h 1951305"/>
+                <a:gd name="connsiteX3" fmla="*/ 1319638 w 2303585"/>
+                <a:gd name="connsiteY3" fmla="*/ 73940 h 1951305"/>
+                <a:gd name="connsiteX4" fmla="*/ 915219 w 2303585"/>
+                <a:gd name="connsiteY4" fmla="*/ 86577 h 1951305"/>
+                <a:gd name="connsiteX5" fmla="*/ 0 w 2303585"/>
+                <a:gd name="connsiteY5" fmla="*/ 1890065 h 1951305"/>
+                <a:gd name="connsiteX6" fmla="*/ 490983 w 2303585"/>
+                <a:gd name="connsiteY6" fmla="*/ 1942378 h 1951305"/>
+                <a:gd name="connsiteX7" fmla="*/ 963769 w 2303585"/>
+                <a:gd name="connsiteY7" fmla="*/ 1951133 h 1951305"/>
+                <a:gd name="connsiteX8" fmla="*/ 1285910 w 2303585"/>
+                <a:gd name="connsiteY8" fmla="*/ 1943372 h 1951305"/>
+                <a:gd name="connsiteX9" fmla="*/ 1340123 w 2303585"/>
+                <a:gd name="connsiteY9" fmla="*/ 1916230 h 1951305"/>
+                <a:gd name="connsiteX10" fmla="*/ 2293138 w 2303585"/>
+                <a:gd name="connsiteY10" fmla="*/ 36438 h 1951305"/>
+                <a:gd name="connsiteX0" fmla="*/ 2293138 w 2303585"/>
+                <a:gd name="connsiteY0" fmla="*/ 86628 h 2001495"/>
+                <a:gd name="connsiteX1" fmla="*/ 2255005 w 2303585"/>
+                <a:gd name="connsiteY1" fmla="*/ 52797 h 2001495"/>
+                <a:gd name="connsiteX2" fmla="*/ 1859067 w 2303585"/>
+                <a:gd name="connsiteY2" fmla="*/ 85868 h 2001495"/>
+                <a:gd name="connsiteX3" fmla="*/ 1319638 w 2303585"/>
+                <a:gd name="connsiteY3" fmla="*/ 124130 h 2001495"/>
+                <a:gd name="connsiteX4" fmla="*/ 938665 w 2303585"/>
+                <a:gd name="connsiteY4" fmla="*/ 123056 h 2001495"/>
+                <a:gd name="connsiteX5" fmla="*/ 915219 w 2303585"/>
+                <a:gd name="connsiteY5" fmla="*/ 136767 h 2001495"/>
+                <a:gd name="connsiteX6" fmla="*/ 0 w 2303585"/>
+                <a:gd name="connsiteY6" fmla="*/ 1940255 h 2001495"/>
+                <a:gd name="connsiteX7" fmla="*/ 490983 w 2303585"/>
+                <a:gd name="connsiteY7" fmla="*/ 1992568 h 2001495"/>
+                <a:gd name="connsiteX8" fmla="*/ 963769 w 2303585"/>
+                <a:gd name="connsiteY8" fmla="*/ 2001323 h 2001495"/>
+                <a:gd name="connsiteX9" fmla="*/ 1285910 w 2303585"/>
+                <a:gd name="connsiteY9" fmla="*/ 1993562 h 2001495"/>
+                <a:gd name="connsiteX10" fmla="*/ 1340123 w 2303585"/>
+                <a:gd name="connsiteY10" fmla="*/ 1966420 h 2001495"/>
+                <a:gd name="connsiteX11" fmla="*/ 2293138 w 2303585"/>
+                <a:gd name="connsiteY11" fmla="*/ 86628 h 2001495"/>
+                <a:gd name="connsiteX0" fmla="*/ 2293138 w 2303585"/>
+                <a:gd name="connsiteY0" fmla="*/ 88649 h 2003516"/>
+                <a:gd name="connsiteX1" fmla="*/ 2255005 w 2303585"/>
+                <a:gd name="connsiteY1" fmla="*/ 54818 h 2003516"/>
+                <a:gd name="connsiteX2" fmla="*/ 1859067 w 2303585"/>
+                <a:gd name="connsiteY2" fmla="*/ 87889 h 2003516"/>
+                <a:gd name="connsiteX3" fmla="*/ 1319638 w 2303585"/>
+                <a:gd name="connsiteY3" fmla="*/ 126151 h 2003516"/>
+                <a:gd name="connsiteX4" fmla="*/ 938665 w 2303585"/>
+                <a:gd name="connsiteY4" fmla="*/ 125077 h 2003516"/>
+                <a:gd name="connsiteX5" fmla="*/ 915219 w 2303585"/>
+                <a:gd name="connsiteY5" fmla="*/ 138788 h 2003516"/>
+                <a:gd name="connsiteX6" fmla="*/ 0 w 2303585"/>
+                <a:gd name="connsiteY6" fmla="*/ 1942276 h 2003516"/>
+                <a:gd name="connsiteX7" fmla="*/ 490983 w 2303585"/>
+                <a:gd name="connsiteY7" fmla="*/ 1994589 h 2003516"/>
+                <a:gd name="connsiteX8" fmla="*/ 963769 w 2303585"/>
+                <a:gd name="connsiteY8" fmla="*/ 2003344 h 2003516"/>
+                <a:gd name="connsiteX9" fmla="*/ 1285910 w 2303585"/>
+                <a:gd name="connsiteY9" fmla="*/ 1995583 h 2003516"/>
+                <a:gd name="connsiteX10" fmla="*/ 1340123 w 2303585"/>
+                <a:gd name="connsiteY10" fmla="*/ 1968441 h 2003516"/>
+                <a:gd name="connsiteX11" fmla="*/ 2293138 w 2303585"/>
+                <a:gd name="connsiteY11" fmla="*/ 88649 h 2003516"/>
+                <a:gd name="connsiteX0" fmla="*/ 2293138 w 2303585"/>
+                <a:gd name="connsiteY0" fmla="*/ 65450 h 1980317"/>
+                <a:gd name="connsiteX1" fmla="*/ 2255005 w 2303585"/>
+                <a:gd name="connsiteY1" fmla="*/ 31619 h 1980317"/>
+                <a:gd name="connsiteX2" fmla="*/ 1859067 w 2303585"/>
+                <a:gd name="connsiteY2" fmla="*/ 64690 h 1980317"/>
+                <a:gd name="connsiteX3" fmla="*/ 1319638 w 2303585"/>
+                <a:gd name="connsiteY3" fmla="*/ 102952 h 1980317"/>
+                <a:gd name="connsiteX4" fmla="*/ 938665 w 2303585"/>
+                <a:gd name="connsiteY4" fmla="*/ 101878 h 1980317"/>
+                <a:gd name="connsiteX5" fmla="*/ 900256 w 2303585"/>
+                <a:gd name="connsiteY5" fmla="*/ 148620 h 1980317"/>
+                <a:gd name="connsiteX6" fmla="*/ 0 w 2303585"/>
+                <a:gd name="connsiteY6" fmla="*/ 1919077 h 1980317"/>
+                <a:gd name="connsiteX7" fmla="*/ 490983 w 2303585"/>
+                <a:gd name="connsiteY7" fmla="*/ 1971390 h 1980317"/>
+                <a:gd name="connsiteX8" fmla="*/ 963769 w 2303585"/>
+                <a:gd name="connsiteY8" fmla="*/ 1980145 h 1980317"/>
+                <a:gd name="connsiteX9" fmla="*/ 1285910 w 2303585"/>
+                <a:gd name="connsiteY9" fmla="*/ 1972384 h 1980317"/>
+                <a:gd name="connsiteX10" fmla="*/ 1340123 w 2303585"/>
+                <a:gd name="connsiteY10" fmla="*/ 1945242 h 1980317"/>
+                <a:gd name="connsiteX11" fmla="*/ 2293138 w 2303585"/>
+                <a:gd name="connsiteY11" fmla="*/ 65450 h 1980317"/>
+                <a:gd name="connsiteX0" fmla="*/ 2293138 w 2303585"/>
+                <a:gd name="connsiteY0" fmla="*/ 65450 h 1980317"/>
+                <a:gd name="connsiteX1" fmla="*/ 2255005 w 2303585"/>
+                <a:gd name="connsiteY1" fmla="*/ 31619 h 1980317"/>
+                <a:gd name="connsiteX2" fmla="*/ 1859067 w 2303585"/>
+                <a:gd name="connsiteY2" fmla="*/ 64690 h 1980317"/>
+                <a:gd name="connsiteX3" fmla="*/ 1319638 w 2303585"/>
+                <a:gd name="connsiteY3" fmla="*/ 102952 h 1980317"/>
+                <a:gd name="connsiteX4" fmla="*/ 938665 w 2303585"/>
+                <a:gd name="connsiteY4" fmla="*/ 101878 h 1980317"/>
+                <a:gd name="connsiteX5" fmla="*/ 900256 w 2303585"/>
+                <a:gd name="connsiteY5" fmla="*/ 148620 h 1980317"/>
+                <a:gd name="connsiteX6" fmla="*/ 0 w 2303585"/>
+                <a:gd name="connsiteY6" fmla="*/ 1919077 h 1980317"/>
+                <a:gd name="connsiteX7" fmla="*/ 490983 w 2303585"/>
+                <a:gd name="connsiteY7" fmla="*/ 1971390 h 1980317"/>
+                <a:gd name="connsiteX8" fmla="*/ 963769 w 2303585"/>
+                <a:gd name="connsiteY8" fmla="*/ 1980145 h 1980317"/>
+                <a:gd name="connsiteX9" fmla="*/ 1285910 w 2303585"/>
+                <a:gd name="connsiteY9" fmla="*/ 1972384 h 1980317"/>
+                <a:gd name="connsiteX10" fmla="*/ 1340123 w 2303585"/>
+                <a:gd name="connsiteY10" fmla="*/ 1945242 h 1980317"/>
+                <a:gd name="connsiteX11" fmla="*/ 2293138 w 2303585"/>
+                <a:gd name="connsiteY11" fmla="*/ 65450 h 1980317"/>
+                <a:gd name="connsiteX0" fmla="*/ 2293138 w 2303585"/>
+                <a:gd name="connsiteY0" fmla="*/ 36439 h 1951306"/>
+                <a:gd name="connsiteX1" fmla="*/ 2255005 w 2303585"/>
+                <a:gd name="connsiteY1" fmla="*/ 2608 h 1951306"/>
+                <a:gd name="connsiteX2" fmla="*/ 1859067 w 2303585"/>
+                <a:gd name="connsiteY2" fmla="*/ 35679 h 1951306"/>
+                <a:gd name="connsiteX3" fmla="*/ 1319638 w 2303585"/>
+                <a:gd name="connsiteY3" fmla="*/ 73941 h 1951306"/>
+                <a:gd name="connsiteX4" fmla="*/ 938665 w 2303585"/>
+                <a:gd name="connsiteY4" fmla="*/ 72867 h 1951306"/>
+                <a:gd name="connsiteX5" fmla="*/ 900256 w 2303585"/>
+                <a:gd name="connsiteY5" fmla="*/ 119609 h 1951306"/>
+                <a:gd name="connsiteX6" fmla="*/ 0 w 2303585"/>
+                <a:gd name="connsiteY6" fmla="*/ 1890066 h 1951306"/>
+                <a:gd name="connsiteX7" fmla="*/ 490983 w 2303585"/>
+                <a:gd name="connsiteY7" fmla="*/ 1942379 h 1951306"/>
+                <a:gd name="connsiteX8" fmla="*/ 963769 w 2303585"/>
+                <a:gd name="connsiteY8" fmla="*/ 1951134 h 1951306"/>
+                <a:gd name="connsiteX9" fmla="*/ 1285910 w 2303585"/>
+                <a:gd name="connsiteY9" fmla="*/ 1943373 h 1951306"/>
+                <a:gd name="connsiteX10" fmla="*/ 1340123 w 2303585"/>
+                <a:gd name="connsiteY10" fmla="*/ 1916231 h 1951306"/>
+                <a:gd name="connsiteX11" fmla="*/ 2293138 w 2303585"/>
+                <a:gd name="connsiteY11" fmla="*/ 36439 h 1951306"/>
+                <a:gd name="connsiteX0" fmla="*/ 2293138 w 2303585"/>
+                <a:gd name="connsiteY0" fmla="*/ 36439 h 1951306"/>
+                <a:gd name="connsiteX1" fmla="*/ 2255005 w 2303585"/>
+                <a:gd name="connsiteY1" fmla="*/ 2608 h 1951306"/>
+                <a:gd name="connsiteX2" fmla="*/ 1859067 w 2303585"/>
+                <a:gd name="connsiteY2" fmla="*/ 35679 h 1951306"/>
+                <a:gd name="connsiteX3" fmla="*/ 1319638 w 2303585"/>
+                <a:gd name="connsiteY3" fmla="*/ 73941 h 1951306"/>
+                <a:gd name="connsiteX4" fmla="*/ 938665 w 2303585"/>
+                <a:gd name="connsiteY4" fmla="*/ 72867 h 1951306"/>
+                <a:gd name="connsiteX5" fmla="*/ 900256 w 2303585"/>
+                <a:gd name="connsiteY5" fmla="*/ 119609 h 1951306"/>
+                <a:gd name="connsiteX6" fmla="*/ 0 w 2303585"/>
+                <a:gd name="connsiteY6" fmla="*/ 1890066 h 1951306"/>
+                <a:gd name="connsiteX7" fmla="*/ 490983 w 2303585"/>
+                <a:gd name="connsiteY7" fmla="*/ 1942379 h 1951306"/>
+                <a:gd name="connsiteX8" fmla="*/ 963769 w 2303585"/>
+                <a:gd name="connsiteY8" fmla="*/ 1951134 h 1951306"/>
+                <a:gd name="connsiteX9" fmla="*/ 1285910 w 2303585"/>
+                <a:gd name="connsiteY9" fmla="*/ 1943373 h 1951306"/>
+                <a:gd name="connsiteX10" fmla="*/ 1340123 w 2303585"/>
+                <a:gd name="connsiteY10" fmla="*/ 1916231 h 1951306"/>
+                <a:gd name="connsiteX11" fmla="*/ 2293138 w 2303585"/>
+                <a:gd name="connsiteY11" fmla="*/ 36439 h 1951306"/>
+                <a:gd name="connsiteX0" fmla="*/ 2293138 w 2303585"/>
+                <a:gd name="connsiteY0" fmla="*/ 36439 h 1951306"/>
+                <a:gd name="connsiteX1" fmla="*/ 2255005 w 2303585"/>
+                <a:gd name="connsiteY1" fmla="*/ 2608 h 1951306"/>
+                <a:gd name="connsiteX2" fmla="*/ 1859067 w 2303585"/>
+                <a:gd name="connsiteY2" fmla="*/ 35679 h 1951306"/>
+                <a:gd name="connsiteX3" fmla="*/ 1319638 w 2303585"/>
+                <a:gd name="connsiteY3" fmla="*/ 73941 h 1951306"/>
+                <a:gd name="connsiteX4" fmla="*/ 938665 w 2303585"/>
+                <a:gd name="connsiteY4" fmla="*/ 72867 h 1951306"/>
+                <a:gd name="connsiteX5" fmla="*/ 900256 w 2303585"/>
+                <a:gd name="connsiteY5" fmla="*/ 119609 h 1951306"/>
+                <a:gd name="connsiteX6" fmla="*/ 0 w 2303585"/>
+                <a:gd name="connsiteY6" fmla="*/ 1890066 h 1951306"/>
+                <a:gd name="connsiteX7" fmla="*/ 490983 w 2303585"/>
+                <a:gd name="connsiteY7" fmla="*/ 1942379 h 1951306"/>
+                <a:gd name="connsiteX8" fmla="*/ 963769 w 2303585"/>
+                <a:gd name="connsiteY8" fmla="*/ 1951134 h 1951306"/>
+                <a:gd name="connsiteX9" fmla="*/ 1285910 w 2303585"/>
+                <a:gd name="connsiteY9" fmla="*/ 1943373 h 1951306"/>
+                <a:gd name="connsiteX10" fmla="*/ 1340123 w 2303585"/>
+                <a:gd name="connsiteY10" fmla="*/ 1916231 h 1951306"/>
+                <a:gd name="connsiteX11" fmla="*/ 2293138 w 2303585"/>
+                <a:gd name="connsiteY11" fmla="*/ 36439 h 1951306"/>
+                <a:gd name="connsiteX0" fmla="*/ 2293138 w 2303585"/>
+                <a:gd name="connsiteY0" fmla="*/ 36439 h 1951306"/>
+                <a:gd name="connsiteX1" fmla="*/ 2255005 w 2303585"/>
+                <a:gd name="connsiteY1" fmla="*/ 2608 h 1951306"/>
+                <a:gd name="connsiteX2" fmla="*/ 1859067 w 2303585"/>
+                <a:gd name="connsiteY2" fmla="*/ 35679 h 1951306"/>
+                <a:gd name="connsiteX3" fmla="*/ 1319638 w 2303585"/>
+                <a:gd name="connsiteY3" fmla="*/ 73941 h 1951306"/>
+                <a:gd name="connsiteX4" fmla="*/ 958028 w 2303585"/>
+                <a:gd name="connsiteY4" fmla="*/ 73833 h 1951306"/>
+                <a:gd name="connsiteX5" fmla="*/ 900256 w 2303585"/>
+                <a:gd name="connsiteY5" fmla="*/ 119609 h 1951306"/>
+                <a:gd name="connsiteX6" fmla="*/ 0 w 2303585"/>
+                <a:gd name="connsiteY6" fmla="*/ 1890066 h 1951306"/>
+                <a:gd name="connsiteX7" fmla="*/ 490983 w 2303585"/>
+                <a:gd name="connsiteY7" fmla="*/ 1942379 h 1951306"/>
+                <a:gd name="connsiteX8" fmla="*/ 963769 w 2303585"/>
+                <a:gd name="connsiteY8" fmla="*/ 1951134 h 1951306"/>
+                <a:gd name="connsiteX9" fmla="*/ 1285910 w 2303585"/>
+                <a:gd name="connsiteY9" fmla="*/ 1943373 h 1951306"/>
+                <a:gd name="connsiteX10" fmla="*/ 1340123 w 2303585"/>
+                <a:gd name="connsiteY10" fmla="*/ 1916231 h 1951306"/>
+                <a:gd name="connsiteX11" fmla="*/ 2293138 w 2303585"/>
+                <a:gd name="connsiteY11" fmla="*/ 36439 h 1951306"/>
+                <a:gd name="connsiteX0" fmla="*/ 2293138 w 2303585"/>
+                <a:gd name="connsiteY0" fmla="*/ 36439 h 1951306"/>
+                <a:gd name="connsiteX1" fmla="*/ 2255005 w 2303585"/>
+                <a:gd name="connsiteY1" fmla="*/ 2608 h 1951306"/>
+                <a:gd name="connsiteX2" fmla="*/ 1859067 w 2303585"/>
+                <a:gd name="connsiteY2" fmla="*/ 35679 h 1951306"/>
+                <a:gd name="connsiteX3" fmla="*/ 1319638 w 2303585"/>
+                <a:gd name="connsiteY3" fmla="*/ 73941 h 1951306"/>
+                <a:gd name="connsiteX4" fmla="*/ 958160 w 2303585"/>
+                <a:gd name="connsiteY4" fmla="*/ 77628 h 1951306"/>
+                <a:gd name="connsiteX5" fmla="*/ 900256 w 2303585"/>
+                <a:gd name="connsiteY5" fmla="*/ 119609 h 1951306"/>
+                <a:gd name="connsiteX6" fmla="*/ 0 w 2303585"/>
+                <a:gd name="connsiteY6" fmla="*/ 1890066 h 1951306"/>
+                <a:gd name="connsiteX7" fmla="*/ 490983 w 2303585"/>
+                <a:gd name="connsiteY7" fmla="*/ 1942379 h 1951306"/>
+                <a:gd name="connsiteX8" fmla="*/ 963769 w 2303585"/>
+                <a:gd name="connsiteY8" fmla="*/ 1951134 h 1951306"/>
+                <a:gd name="connsiteX9" fmla="*/ 1285910 w 2303585"/>
+                <a:gd name="connsiteY9" fmla="*/ 1943373 h 1951306"/>
+                <a:gd name="connsiteX10" fmla="*/ 1340123 w 2303585"/>
+                <a:gd name="connsiteY10" fmla="*/ 1916231 h 1951306"/>
+                <a:gd name="connsiteX11" fmla="*/ 2293138 w 2303585"/>
+                <a:gd name="connsiteY11" fmla="*/ 36439 h 1951306"/>
+                <a:gd name="connsiteX0" fmla="*/ 2356465 w 2366912"/>
+                <a:gd name="connsiteY0" fmla="*/ 36439 h 1951306"/>
+                <a:gd name="connsiteX1" fmla="*/ 2318332 w 2366912"/>
+                <a:gd name="connsiteY1" fmla="*/ 2608 h 1951306"/>
+                <a:gd name="connsiteX2" fmla="*/ 1922394 w 2366912"/>
+                <a:gd name="connsiteY2" fmla="*/ 35679 h 1951306"/>
+                <a:gd name="connsiteX3" fmla="*/ 1382965 w 2366912"/>
+                <a:gd name="connsiteY3" fmla="*/ 73941 h 1951306"/>
+                <a:gd name="connsiteX4" fmla="*/ 1021487 w 2366912"/>
+                <a:gd name="connsiteY4" fmla="*/ 77628 h 1951306"/>
+                <a:gd name="connsiteX5" fmla="*/ 963583 w 2366912"/>
+                <a:gd name="connsiteY5" fmla="*/ 119609 h 1951306"/>
+                <a:gd name="connsiteX6" fmla="*/ 104798 w 2366912"/>
+                <a:gd name="connsiteY6" fmla="*/ 1792454 h 1951306"/>
+                <a:gd name="connsiteX7" fmla="*/ 63327 w 2366912"/>
+                <a:gd name="connsiteY7" fmla="*/ 1890066 h 1951306"/>
+                <a:gd name="connsiteX8" fmla="*/ 554310 w 2366912"/>
+                <a:gd name="connsiteY8" fmla="*/ 1942379 h 1951306"/>
+                <a:gd name="connsiteX9" fmla="*/ 1027096 w 2366912"/>
+                <a:gd name="connsiteY9" fmla="*/ 1951134 h 1951306"/>
+                <a:gd name="connsiteX10" fmla="*/ 1349237 w 2366912"/>
+                <a:gd name="connsiteY10" fmla="*/ 1943373 h 1951306"/>
+                <a:gd name="connsiteX11" fmla="*/ 1403450 w 2366912"/>
+                <a:gd name="connsiteY11" fmla="*/ 1916231 h 1951306"/>
+                <a:gd name="connsiteX12" fmla="*/ 2356465 w 2366912"/>
+                <a:gd name="connsiteY12" fmla="*/ 36439 h 1951306"/>
+                <a:gd name="connsiteX0" fmla="*/ 2324321 w 2334768"/>
+                <a:gd name="connsiteY0" fmla="*/ 36439 h 1953181"/>
+                <a:gd name="connsiteX1" fmla="*/ 2286188 w 2334768"/>
+                <a:gd name="connsiteY1" fmla="*/ 2608 h 1953181"/>
+                <a:gd name="connsiteX2" fmla="*/ 1890250 w 2334768"/>
+                <a:gd name="connsiteY2" fmla="*/ 35679 h 1953181"/>
+                <a:gd name="connsiteX3" fmla="*/ 1350821 w 2334768"/>
+                <a:gd name="connsiteY3" fmla="*/ 73941 h 1953181"/>
+                <a:gd name="connsiteX4" fmla="*/ 989343 w 2334768"/>
+                <a:gd name="connsiteY4" fmla="*/ 77628 h 1953181"/>
+                <a:gd name="connsiteX5" fmla="*/ 931439 w 2334768"/>
+                <a:gd name="connsiteY5" fmla="*/ 119609 h 1953181"/>
+                <a:gd name="connsiteX6" fmla="*/ 72654 w 2334768"/>
+                <a:gd name="connsiteY6" fmla="*/ 1792454 h 1953181"/>
+                <a:gd name="connsiteX7" fmla="*/ 113853 w 2334768"/>
+                <a:gd name="connsiteY7" fmla="*/ 1905082 h 1953181"/>
+                <a:gd name="connsiteX8" fmla="*/ 522166 w 2334768"/>
+                <a:gd name="connsiteY8" fmla="*/ 1942379 h 1953181"/>
+                <a:gd name="connsiteX9" fmla="*/ 994952 w 2334768"/>
+                <a:gd name="connsiteY9" fmla="*/ 1951134 h 1953181"/>
+                <a:gd name="connsiteX10" fmla="*/ 1317093 w 2334768"/>
+                <a:gd name="connsiteY10" fmla="*/ 1943373 h 1953181"/>
+                <a:gd name="connsiteX11" fmla="*/ 1371306 w 2334768"/>
+                <a:gd name="connsiteY11" fmla="*/ 1916231 h 1953181"/>
+                <a:gd name="connsiteX12" fmla="*/ 2324321 w 2334768"/>
+                <a:gd name="connsiteY12" fmla="*/ 36439 h 1953181"/>
+                <a:gd name="connsiteX0" fmla="*/ 2324321 w 2334768"/>
+                <a:gd name="connsiteY0" fmla="*/ 36439 h 1953181"/>
+                <a:gd name="connsiteX1" fmla="*/ 2286188 w 2334768"/>
+                <a:gd name="connsiteY1" fmla="*/ 2608 h 1953181"/>
+                <a:gd name="connsiteX2" fmla="*/ 1890250 w 2334768"/>
+                <a:gd name="connsiteY2" fmla="*/ 35679 h 1953181"/>
+                <a:gd name="connsiteX3" fmla="*/ 1350821 w 2334768"/>
+                <a:gd name="connsiteY3" fmla="*/ 73941 h 1953181"/>
+                <a:gd name="connsiteX4" fmla="*/ 989343 w 2334768"/>
+                <a:gd name="connsiteY4" fmla="*/ 77628 h 1953181"/>
+                <a:gd name="connsiteX5" fmla="*/ 931439 w 2334768"/>
+                <a:gd name="connsiteY5" fmla="*/ 119609 h 1953181"/>
+                <a:gd name="connsiteX6" fmla="*/ 72654 w 2334768"/>
+                <a:gd name="connsiteY6" fmla="*/ 1792454 h 1953181"/>
+                <a:gd name="connsiteX7" fmla="*/ 113853 w 2334768"/>
+                <a:gd name="connsiteY7" fmla="*/ 1905082 h 1953181"/>
+                <a:gd name="connsiteX8" fmla="*/ 522166 w 2334768"/>
+                <a:gd name="connsiteY8" fmla="*/ 1942379 h 1953181"/>
+                <a:gd name="connsiteX9" fmla="*/ 994952 w 2334768"/>
+                <a:gd name="connsiteY9" fmla="*/ 1951134 h 1953181"/>
+                <a:gd name="connsiteX10" fmla="*/ 1317093 w 2334768"/>
+                <a:gd name="connsiteY10" fmla="*/ 1943373 h 1953181"/>
+                <a:gd name="connsiteX11" fmla="*/ 1371306 w 2334768"/>
+                <a:gd name="connsiteY11" fmla="*/ 1916231 h 1953181"/>
+                <a:gd name="connsiteX12" fmla="*/ 2324321 w 2334768"/>
+                <a:gd name="connsiteY12" fmla="*/ 36439 h 1953181"/>
+                <a:gd name="connsiteX0" fmla="*/ 2318077 w 2328524"/>
+                <a:gd name="connsiteY0" fmla="*/ 36439 h 1953363"/>
+                <a:gd name="connsiteX1" fmla="*/ 2279944 w 2328524"/>
+                <a:gd name="connsiteY1" fmla="*/ 2608 h 1953363"/>
+                <a:gd name="connsiteX2" fmla="*/ 1884006 w 2328524"/>
+                <a:gd name="connsiteY2" fmla="*/ 35679 h 1953363"/>
+                <a:gd name="connsiteX3" fmla="*/ 1344577 w 2328524"/>
+                <a:gd name="connsiteY3" fmla="*/ 73941 h 1953363"/>
+                <a:gd name="connsiteX4" fmla="*/ 983099 w 2328524"/>
+                <a:gd name="connsiteY4" fmla="*/ 77628 h 1953363"/>
+                <a:gd name="connsiteX5" fmla="*/ 925195 w 2328524"/>
+                <a:gd name="connsiteY5" fmla="*/ 119609 h 1953363"/>
+                <a:gd name="connsiteX6" fmla="*/ 66410 w 2328524"/>
+                <a:gd name="connsiteY6" fmla="*/ 1792454 h 1953363"/>
+                <a:gd name="connsiteX7" fmla="*/ 107609 w 2328524"/>
+                <a:gd name="connsiteY7" fmla="*/ 1905082 h 1953363"/>
+                <a:gd name="connsiteX8" fmla="*/ 515922 w 2328524"/>
+                <a:gd name="connsiteY8" fmla="*/ 1942379 h 1953363"/>
+                <a:gd name="connsiteX9" fmla="*/ 988708 w 2328524"/>
+                <a:gd name="connsiteY9" fmla="*/ 1951134 h 1953363"/>
+                <a:gd name="connsiteX10" fmla="*/ 1310849 w 2328524"/>
+                <a:gd name="connsiteY10" fmla="*/ 1943373 h 1953363"/>
+                <a:gd name="connsiteX11" fmla="*/ 1365062 w 2328524"/>
+                <a:gd name="connsiteY11" fmla="*/ 1916231 h 1953363"/>
+                <a:gd name="connsiteX12" fmla="*/ 2318077 w 2328524"/>
+                <a:gd name="connsiteY12" fmla="*/ 36439 h 1953363"/>
+                <a:gd name="connsiteX0" fmla="*/ 2285219 w 2295666"/>
+                <a:gd name="connsiteY0" fmla="*/ 36439 h 1951162"/>
+                <a:gd name="connsiteX1" fmla="*/ 2247086 w 2295666"/>
+                <a:gd name="connsiteY1" fmla="*/ 2608 h 1951162"/>
+                <a:gd name="connsiteX2" fmla="*/ 1851148 w 2295666"/>
+                <a:gd name="connsiteY2" fmla="*/ 35679 h 1951162"/>
+                <a:gd name="connsiteX3" fmla="*/ 1311719 w 2295666"/>
+                <a:gd name="connsiteY3" fmla="*/ 73941 h 1951162"/>
+                <a:gd name="connsiteX4" fmla="*/ 950241 w 2295666"/>
+                <a:gd name="connsiteY4" fmla="*/ 77628 h 1951162"/>
+                <a:gd name="connsiteX5" fmla="*/ 892337 w 2295666"/>
+                <a:gd name="connsiteY5" fmla="*/ 119609 h 1951162"/>
+                <a:gd name="connsiteX6" fmla="*/ 33552 w 2295666"/>
+                <a:gd name="connsiteY6" fmla="*/ 1792454 h 1951162"/>
+                <a:gd name="connsiteX7" fmla="*/ 74751 w 2295666"/>
+                <a:gd name="connsiteY7" fmla="*/ 1905082 h 1951162"/>
+                <a:gd name="connsiteX8" fmla="*/ 483064 w 2295666"/>
+                <a:gd name="connsiteY8" fmla="*/ 1942379 h 1951162"/>
+                <a:gd name="connsiteX9" fmla="*/ 955850 w 2295666"/>
+                <a:gd name="connsiteY9" fmla="*/ 1951134 h 1951162"/>
+                <a:gd name="connsiteX10" fmla="*/ 1277991 w 2295666"/>
+                <a:gd name="connsiteY10" fmla="*/ 1943373 h 1951162"/>
+                <a:gd name="connsiteX11" fmla="*/ 1332204 w 2295666"/>
+                <a:gd name="connsiteY11" fmla="*/ 1916231 h 1951162"/>
+                <a:gd name="connsiteX12" fmla="*/ 2285219 w 2295666"/>
+                <a:gd name="connsiteY12" fmla="*/ 36439 h 1951162"/>
+                <a:gd name="connsiteX0" fmla="*/ 2291438 w 2301885"/>
+                <a:gd name="connsiteY0" fmla="*/ 36439 h 1951162"/>
+                <a:gd name="connsiteX1" fmla="*/ 2253305 w 2301885"/>
+                <a:gd name="connsiteY1" fmla="*/ 2608 h 1951162"/>
+                <a:gd name="connsiteX2" fmla="*/ 1857367 w 2301885"/>
+                <a:gd name="connsiteY2" fmla="*/ 35679 h 1951162"/>
+                <a:gd name="connsiteX3" fmla="*/ 1317938 w 2301885"/>
+                <a:gd name="connsiteY3" fmla="*/ 73941 h 1951162"/>
+                <a:gd name="connsiteX4" fmla="*/ 956460 w 2301885"/>
+                <a:gd name="connsiteY4" fmla="*/ 77628 h 1951162"/>
+                <a:gd name="connsiteX5" fmla="*/ 898556 w 2301885"/>
+                <a:gd name="connsiteY5" fmla="*/ 119609 h 1951162"/>
+                <a:gd name="connsiteX6" fmla="*/ 39771 w 2301885"/>
+                <a:gd name="connsiteY6" fmla="*/ 1792454 h 1951162"/>
+                <a:gd name="connsiteX7" fmla="*/ 80970 w 2301885"/>
+                <a:gd name="connsiteY7" fmla="*/ 1905082 h 1951162"/>
+                <a:gd name="connsiteX8" fmla="*/ 489283 w 2301885"/>
+                <a:gd name="connsiteY8" fmla="*/ 1942379 h 1951162"/>
+                <a:gd name="connsiteX9" fmla="*/ 962069 w 2301885"/>
+                <a:gd name="connsiteY9" fmla="*/ 1951134 h 1951162"/>
+                <a:gd name="connsiteX10" fmla="*/ 1284210 w 2301885"/>
+                <a:gd name="connsiteY10" fmla="*/ 1943373 h 1951162"/>
+                <a:gd name="connsiteX11" fmla="*/ 1338423 w 2301885"/>
+                <a:gd name="connsiteY11" fmla="*/ 1916231 h 1951162"/>
+                <a:gd name="connsiteX12" fmla="*/ 2291438 w 2301885"/>
+                <a:gd name="connsiteY12" fmla="*/ 36439 h 1951162"/>
+                <a:gd name="connsiteX0" fmla="*/ 2263419 w 2273866"/>
+                <a:gd name="connsiteY0" fmla="*/ 36439 h 1951162"/>
+                <a:gd name="connsiteX1" fmla="*/ 2225286 w 2273866"/>
+                <a:gd name="connsiteY1" fmla="*/ 2608 h 1951162"/>
+                <a:gd name="connsiteX2" fmla="*/ 1829348 w 2273866"/>
+                <a:gd name="connsiteY2" fmla="*/ 35679 h 1951162"/>
+                <a:gd name="connsiteX3" fmla="*/ 1289919 w 2273866"/>
+                <a:gd name="connsiteY3" fmla="*/ 73941 h 1951162"/>
+                <a:gd name="connsiteX4" fmla="*/ 928441 w 2273866"/>
+                <a:gd name="connsiteY4" fmla="*/ 77628 h 1951162"/>
+                <a:gd name="connsiteX5" fmla="*/ 870537 w 2273866"/>
+                <a:gd name="connsiteY5" fmla="*/ 119609 h 1951162"/>
+                <a:gd name="connsiteX6" fmla="*/ 11752 w 2273866"/>
+                <a:gd name="connsiteY6" fmla="*/ 1792454 h 1951162"/>
+                <a:gd name="connsiteX7" fmla="*/ 52951 w 2273866"/>
+                <a:gd name="connsiteY7" fmla="*/ 1905082 h 1951162"/>
+                <a:gd name="connsiteX8" fmla="*/ 461264 w 2273866"/>
+                <a:gd name="connsiteY8" fmla="*/ 1942379 h 1951162"/>
+                <a:gd name="connsiteX9" fmla="*/ 934050 w 2273866"/>
+                <a:gd name="connsiteY9" fmla="*/ 1951134 h 1951162"/>
+                <a:gd name="connsiteX10" fmla="*/ 1256191 w 2273866"/>
+                <a:gd name="connsiteY10" fmla="*/ 1943373 h 1951162"/>
+                <a:gd name="connsiteX11" fmla="*/ 1310404 w 2273866"/>
+                <a:gd name="connsiteY11" fmla="*/ 1916231 h 1951162"/>
+                <a:gd name="connsiteX12" fmla="*/ 2263419 w 2273866"/>
+                <a:gd name="connsiteY12" fmla="*/ 36439 h 1951162"/>
+                <a:gd name="connsiteX0" fmla="*/ 2292331 w 2302778"/>
+                <a:gd name="connsiteY0" fmla="*/ 36439 h 1951162"/>
+                <a:gd name="connsiteX1" fmla="*/ 2254198 w 2302778"/>
+                <a:gd name="connsiteY1" fmla="*/ 2608 h 1951162"/>
+                <a:gd name="connsiteX2" fmla="*/ 1858260 w 2302778"/>
+                <a:gd name="connsiteY2" fmla="*/ 35679 h 1951162"/>
+                <a:gd name="connsiteX3" fmla="*/ 1318831 w 2302778"/>
+                <a:gd name="connsiteY3" fmla="*/ 73941 h 1951162"/>
+                <a:gd name="connsiteX4" fmla="*/ 957353 w 2302778"/>
+                <a:gd name="connsiteY4" fmla="*/ 77628 h 1951162"/>
+                <a:gd name="connsiteX5" fmla="*/ 899449 w 2302778"/>
+                <a:gd name="connsiteY5" fmla="*/ 119609 h 1951162"/>
+                <a:gd name="connsiteX6" fmla="*/ 7062 w 2302778"/>
+                <a:gd name="connsiteY6" fmla="*/ 1845390 h 1951162"/>
+                <a:gd name="connsiteX7" fmla="*/ 81863 w 2302778"/>
+                <a:gd name="connsiteY7" fmla="*/ 1905082 h 1951162"/>
+                <a:gd name="connsiteX8" fmla="*/ 490176 w 2302778"/>
+                <a:gd name="connsiteY8" fmla="*/ 1942379 h 1951162"/>
+                <a:gd name="connsiteX9" fmla="*/ 962962 w 2302778"/>
+                <a:gd name="connsiteY9" fmla="*/ 1951134 h 1951162"/>
+                <a:gd name="connsiteX10" fmla="*/ 1285103 w 2302778"/>
+                <a:gd name="connsiteY10" fmla="*/ 1943373 h 1951162"/>
+                <a:gd name="connsiteX11" fmla="*/ 1339316 w 2302778"/>
+                <a:gd name="connsiteY11" fmla="*/ 1916231 h 1951162"/>
+                <a:gd name="connsiteX12" fmla="*/ 2292331 w 2302778"/>
+                <a:gd name="connsiteY12" fmla="*/ 36439 h 1951162"/>
+                <a:gd name="connsiteX0" fmla="*/ 2291764 w 2302211"/>
+                <a:gd name="connsiteY0" fmla="*/ 36439 h 1951145"/>
+                <a:gd name="connsiteX1" fmla="*/ 2253631 w 2302211"/>
+                <a:gd name="connsiteY1" fmla="*/ 2608 h 1951145"/>
+                <a:gd name="connsiteX2" fmla="*/ 1857693 w 2302211"/>
+                <a:gd name="connsiteY2" fmla="*/ 35679 h 1951145"/>
+                <a:gd name="connsiteX3" fmla="*/ 1318264 w 2302211"/>
+                <a:gd name="connsiteY3" fmla="*/ 73941 h 1951145"/>
+                <a:gd name="connsiteX4" fmla="*/ 956786 w 2302211"/>
+                <a:gd name="connsiteY4" fmla="*/ 77628 h 1951145"/>
+                <a:gd name="connsiteX5" fmla="*/ 898882 w 2302211"/>
+                <a:gd name="connsiteY5" fmla="*/ 119609 h 1951145"/>
+                <a:gd name="connsiteX6" fmla="*/ 6495 w 2302211"/>
+                <a:gd name="connsiteY6" fmla="*/ 1845390 h 1951145"/>
+                <a:gd name="connsiteX7" fmla="*/ 88321 w 2302211"/>
+                <a:gd name="connsiteY7" fmla="*/ 1921847 h 1951145"/>
+                <a:gd name="connsiteX8" fmla="*/ 489609 w 2302211"/>
+                <a:gd name="connsiteY8" fmla="*/ 1942379 h 1951145"/>
+                <a:gd name="connsiteX9" fmla="*/ 962395 w 2302211"/>
+                <a:gd name="connsiteY9" fmla="*/ 1951134 h 1951145"/>
+                <a:gd name="connsiteX10" fmla="*/ 1284536 w 2302211"/>
+                <a:gd name="connsiteY10" fmla="*/ 1943373 h 1951145"/>
+                <a:gd name="connsiteX11" fmla="*/ 1338749 w 2302211"/>
+                <a:gd name="connsiteY11" fmla="*/ 1916231 h 1951145"/>
+                <a:gd name="connsiteX12" fmla="*/ 2291764 w 2302211"/>
+                <a:gd name="connsiteY12" fmla="*/ 36439 h 1951145"/>
+                <a:gd name="connsiteX0" fmla="*/ 2291764 w 2302211"/>
+                <a:gd name="connsiteY0" fmla="*/ 36439 h 1951145"/>
+                <a:gd name="connsiteX1" fmla="*/ 2253631 w 2302211"/>
+                <a:gd name="connsiteY1" fmla="*/ 2608 h 1951145"/>
+                <a:gd name="connsiteX2" fmla="*/ 1857693 w 2302211"/>
+                <a:gd name="connsiteY2" fmla="*/ 35679 h 1951145"/>
+                <a:gd name="connsiteX3" fmla="*/ 1318264 w 2302211"/>
+                <a:gd name="connsiteY3" fmla="*/ 73941 h 1951145"/>
+                <a:gd name="connsiteX4" fmla="*/ 956786 w 2302211"/>
+                <a:gd name="connsiteY4" fmla="*/ 77628 h 1951145"/>
+                <a:gd name="connsiteX5" fmla="*/ 898882 w 2302211"/>
+                <a:gd name="connsiteY5" fmla="*/ 119609 h 1951145"/>
+                <a:gd name="connsiteX6" fmla="*/ 6495 w 2302211"/>
+                <a:gd name="connsiteY6" fmla="*/ 1845390 h 1951145"/>
+                <a:gd name="connsiteX7" fmla="*/ 88321 w 2302211"/>
+                <a:gd name="connsiteY7" fmla="*/ 1921847 h 1951145"/>
+                <a:gd name="connsiteX8" fmla="*/ 489609 w 2302211"/>
+                <a:gd name="connsiteY8" fmla="*/ 1942379 h 1951145"/>
+                <a:gd name="connsiteX9" fmla="*/ 962395 w 2302211"/>
+                <a:gd name="connsiteY9" fmla="*/ 1951134 h 1951145"/>
+                <a:gd name="connsiteX10" fmla="*/ 1320985 w 2302211"/>
+                <a:gd name="connsiteY10" fmla="*/ 1941614 h 1951145"/>
+                <a:gd name="connsiteX11" fmla="*/ 1338749 w 2302211"/>
+                <a:gd name="connsiteY11" fmla="*/ 1916231 h 1951145"/>
+                <a:gd name="connsiteX12" fmla="*/ 2291764 w 2302211"/>
+                <a:gd name="connsiteY12" fmla="*/ 36439 h 1951145"/>
+                <a:gd name="connsiteX0" fmla="*/ 2291764 w 2302211"/>
+                <a:gd name="connsiteY0" fmla="*/ 36439 h 1951145"/>
+                <a:gd name="connsiteX1" fmla="*/ 2253631 w 2302211"/>
+                <a:gd name="connsiteY1" fmla="*/ 2608 h 1951145"/>
+                <a:gd name="connsiteX2" fmla="*/ 1857693 w 2302211"/>
+                <a:gd name="connsiteY2" fmla="*/ 35679 h 1951145"/>
+                <a:gd name="connsiteX3" fmla="*/ 1318264 w 2302211"/>
+                <a:gd name="connsiteY3" fmla="*/ 73941 h 1951145"/>
+                <a:gd name="connsiteX4" fmla="*/ 956786 w 2302211"/>
+                <a:gd name="connsiteY4" fmla="*/ 77628 h 1951145"/>
+                <a:gd name="connsiteX5" fmla="*/ 898882 w 2302211"/>
+                <a:gd name="connsiteY5" fmla="*/ 119609 h 1951145"/>
+                <a:gd name="connsiteX6" fmla="*/ 6495 w 2302211"/>
+                <a:gd name="connsiteY6" fmla="*/ 1845390 h 1951145"/>
+                <a:gd name="connsiteX7" fmla="*/ 88321 w 2302211"/>
+                <a:gd name="connsiteY7" fmla="*/ 1921847 h 1951145"/>
+                <a:gd name="connsiteX8" fmla="*/ 489609 w 2302211"/>
+                <a:gd name="connsiteY8" fmla="*/ 1942379 h 1951145"/>
+                <a:gd name="connsiteX9" fmla="*/ 962395 w 2302211"/>
+                <a:gd name="connsiteY9" fmla="*/ 1951134 h 1951145"/>
+                <a:gd name="connsiteX10" fmla="*/ 1320985 w 2302211"/>
+                <a:gd name="connsiteY10" fmla="*/ 1941614 h 1951145"/>
+                <a:gd name="connsiteX11" fmla="*/ 1377168 w 2302211"/>
+                <a:gd name="connsiteY11" fmla="*/ 1909309 h 1951145"/>
+                <a:gd name="connsiteX12" fmla="*/ 2291764 w 2302211"/>
+                <a:gd name="connsiteY12" fmla="*/ 36439 h 1951145"/>
+                <a:gd name="connsiteX0" fmla="*/ 2291764 w 2302211"/>
+                <a:gd name="connsiteY0" fmla="*/ 36439 h 1951145"/>
+                <a:gd name="connsiteX1" fmla="*/ 2253631 w 2302211"/>
+                <a:gd name="connsiteY1" fmla="*/ 2608 h 1951145"/>
+                <a:gd name="connsiteX2" fmla="*/ 1857693 w 2302211"/>
+                <a:gd name="connsiteY2" fmla="*/ 35679 h 1951145"/>
+                <a:gd name="connsiteX3" fmla="*/ 1318264 w 2302211"/>
+                <a:gd name="connsiteY3" fmla="*/ 73941 h 1951145"/>
+                <a:gd name="connsiteX4" fmla="*/ 956786 w 2302211"/>
+                <a:gd name="connsiteY4" fmla="*/ 77628 h 1951145"/>
+                <a:gd name="connsiteX5" fmla="*/ 898882 w 2302211"/>
+                <a:gd name="connsiteY5" fmla="*/ 119609 h 1951145"/>
+                <a:gd name="connsiteX6" fmla="*/ 6495 w 2302211"/>
+                <a:gd name="connsiteY6" fmla="*/ 1845390 h 1951145"/>
+                <a:gd name="connsiteX7" fmla="*/ 88321 w 2302211"/>
+                <a:gd name="connsiteY7" fmla="*/ 1921847 h 1951145"/>
+                <a:gd name="connsiteX8" fmla="*/ 489609 w 2302211"/>
+                <a:gd name="connsiteY8" fmla="*/ 1942379 h 1951145"/>
+                <a:gd name="connsiteX9" fmla="*/ 962395 w 2302211"/>
+                <a:gd name="connsiteY9" fmla="*/ 1951134 h 1951145"/>
+                <a:gd name="connsiteX10" fmla="*/ 1320985 w 2302211"/>
+                <a:gd name="connsiteY10" fmla="*/ 1941614 h 1951145"/>
+                <a:gd name="connsiteX11" fmla="*/ 1393970 w 2302211"/>
+                <a:gd name="connsiteY11" fmla="*/ 1898361 h 1951145"/>
+                <a:gd name="connsiteX12" fmla="*/ 2291764 w 2302211"/>
+                <a:gd name="connsiteY12" fmla="*/ 36439 h 1951145"/>
+                <a:gd name="connsiteX0" fmla="*/ 2291764 w 2302211"/>
+                <a:gd name="connsiteY0" fmla="*/ 36439 h 1951145"/>
+                <a:gd name="connsiteX1" fmla="*/ 2253631 w 2302211"/>
+                <a:gd name="connsiteY1" fmla="*/ 2608 h 1951145"/>
+                <a:gd name="connsiteX2" fmla="*/ 1857693 w 2302211"/>
+                <a:gd name="connsiteY2" fmla="*/ 35679 h 1951145"/>
+                <a:gd name="connsiteX3" fmla="*/ 1318264 w 2302211"/>
+                <a:gd name="connsiteY3" fmla="*/ 73941 h 1951145"/>
+                <a:gd name="connsiteX4" fmla="*/ 956786 w 2302211"/>
+                <a:gd name="connsiteY4" fmla="*/ 77628 h 1951145"/>
+                <a:gd name="connsiteX5" fmla="*/ 898882 w 2302211"/>
+                <a:gd name="connsiteY5" fmla="*/ 119609 h 1951145"/>
+                <a:gd name="connsiteX6" fmla="*/ 6495 w 2302211"/>
+                <a:gd name="connsiteY6" fmla="*/ 1845390 h 1951145"/>
+                <a:gd name="connsiteX7" fmla="*/ 88321 w 2302211"/>
+                <a:gd name="connsiteY7" fmla="*/ 1921847 h 1951145"/>
+                <a:gd name="connsiteX8" fmla="*/ 489609 w 2302211"/>
+                <a:gd name="connsiteY8" fmla="*/ 1942379 h 1951145"/>
+                <a:gd name="connsiteX9" fmla="*/ 962395 w 2302211"/>
+                <a:gd name="connsiteY9" fmla="*/ 1951134 h 1951145"/>
+                <a:gd name="connsiteX10" fmla="*/ 1320985 w 2302211"/>
+                <a:gd name="connsiteY10" fmla="*/ 1941614 h 1951145"/>
+                <a:gd name="connsiteX11" fmla="*/ 1396377 w 2302211"/>
+                <a:gd name="connsiteY11" fmla="*/ 1905847 h 1951145"/>
+                <a:gd name="connsiteX12" fmla="*/ 2291764 w 2302211"/>
+                <a:gd name="connsiteY12" fmla="*/ 36439 h 1951145"/>
+                <a:gd name="connsiteX0" fmla="*/ 2291764 w 2302211"/>
+                <a:gd name="connsiteY0" fmla="*/ 36439 h 1951145"/>
+                <a:gd name="connsiteX1" fmla="*/ 2253631 w 2302211"/>
+                <a:gd name="connsiteY1" fmla="*/ 2608 h 1951145"/>
+                <a:gd name="connsiteX2" fmla="*/ 1857693 w 2302211"/>
+                <a:gd name="connsiteY2" fmla="*/ 35679 h 1951145"/>
+                <a:gd name="connsiteX3" fmla="*/ 1318264 w 2302211"/>
+                <a:gd name="connsiteY3" fmla="*/ 73941 h 1951145"/>
+                <a:gd name="connsiteX4" fmla="*/ 956786 w 2302211"/>
+                <a:gd name="connsiteY4" fmla="*/ 77628 h 1951145"/>
+                <a:gd name="connsiteX5" fmla="*/ 898882 w 2302211"/>
+                <a:gd name="connsiteY5" fmla="*/ 119609 h 1951145"/>
+                <a:gd name="connsiteX6" fmla="*/ 6495 w 2302211"/>
+                <a:gd name="connsiteY6" fmla="*/ 1845390 h 1951145"/>
+                <a:gd name="connsiteX7" fmla="*/ 88321 w 2302211"/>
+                <a:gd name="connsiteY7" fmla="*/ 1921847 h 1951145"/>
+                <a:gd name="connsiteX8" fmla="*/ 489609 w 2302211"/>
+                <a:gd name="connsiteY8" fmla="*/ 1942379 h 1951145"/>
+                <a:gd name="connsiteX9" fmla="*/ 962395 w 2302211"/>
+                <a:gd name="connsiteY9" fmla="*/ 1951134 h 1951145"/>
+                <a:gd name="connsiteX10" fmla="*/ 1338937 w 2302211"/>
+                <a:gd name="connsiteY10" fmla="*/ 1948350 h 1951145"/>
+                <a:gd name="connsiteX11" fmla="*/ 1396377 w 2302211"/>
+                <a:gd name="connsiteY11" fmla="*/ 1905847 h 1951145"/>
+                <a:gd name="connsiteX12" fmla="*/ 2291764 w 2302211"/>
+                <a:gd name="connsiteY12" fmla="*/ 36439 h 1951145"/>
+                <a:gd name="connsiteX0" fmla="*/ 2291764 w 2302211"/>
+                <a:gd name="connsiteY0" fmla="*/ 36439 h 1951145"/>
+                <a:gd name="connsiteX1" fmla="*/ 2253631 w 2302211"/>
+                <a:gd name="connsiteY1" fmla="*/ 2608 h 1951145"/>
+                <a:gd name="connsiteX2" fmla="*/ 1857693 w 2302211"/>
+                <a:gd name="connsiteY2" fmla="*/ 35679 h 1951145"/>
+                <a:gd name="connsiteX3" fmla="*/ 1318264 w 2302211"/>
+                <a:gd name="connsiteY3" fmla="*/ 73941 h 1951145"/>
+                <a:gd name="connsiteX4" fmla="*/ 956786 w 2302211"/>
+                <a:gd name="connsiteY4" fmla="*/ 77628 h 1951145"/>
+                <a:gd name="connsiteX5" fmla="*/ 898882 w 2302211"/>
+                <a:gd name="connsiteY5" fmla="*/ 119609 h 1951145"/>
+                <a:gd name="connsiteX6" fmla="*/ 6495 w 2302211"/>
+                <a:gd name="connsiteY6" fmla="*/ 1845390 h 1951145"/>
+                <a:gd name="connsiteX7" fmla="*/ 88321 w 2302211"/>
+                <a:gd name="connsiteY7" fmla="*/ 1921847 h 1951145"/>
+                <a:gd name="connsiteX8" fmla="*/ 489609 w 2302211"/>
+                <a:gd name="connsiteY8" fmla="*/ 1942379 h 1951145"/>
+                <a:gd name="connsiteX9" fmla="*/ 962395 w 2302211"/>
+                <a:gd name="connsiteY9" fmla="*/ 1951134 h 1951145"/>
+                <a:gd name="connsiteX10" fmla="*/ 1363189 w 2302211"/>
+                <a:gd name="connsiteY10" fmla="*/ 1950980 h 1951145"/>
+                <a:gd name="connsiteX11" fmla="*/ 1396377 w 2302211"/>
+                <a:gd name="connsiteY11" fmla="*/ 1905847 h 1951145"/>
+                <a:gd name="connsiteX12" fmla="*/ 2291764 w 2302211"/>
+                <a:gd name="connsiteY12" fmla="*/ 36439 h 1951145"/>
+                <a:gd name="connsiteX0" fmla="*/ 2291764 w 2302211"/>
+                <a:gd name="connsiteY0" fmla="*/ 36439 h 1951145"/>
+                <a:gd name="connsiteX1" fmla="*/ 2253631 w 2302211"/>
+                <a:gd name="connsiteY1" fmla="*/ 2608 h 1951145"/>
+                <a:gd name="connsiteX2" fmla="*/ 1857693 w 2302211"/>
+                <a:gd name="connsiteY2" fmla="*/ 35679 h 1951145"/>
+                <a:gd name="connsiteX3" fmla="*/ 1318264 w 2302211"/>
+                <a:gd name="connsiteY3" fmla="*/ 73941 h 1951145"/>
+                <a:gd name="connsiteX4" fmla="*/ 956786 w 2302211"/>
+                <a:gd name="connsiteY4" fmla="*/ 77628 h 1951145"/>
+                <a:gd name="connsiteX5" fmla="*/ 898882 w 2302211"/>
+                <a:gd name="connsiteY5" fmla="*/ 119609 h 1951145"/>
+                <a:gd name="connsiteX6" fmla="*/ 6495 w 2302211"/>
+                <a:gd name="connsiteY6" fmla="*/ 1845390 h 1951145"/>
+                <a:gd name="connsiteX7" fmla="*/ 88321 w 2302211"/>
+                <a:gd name="connsiteY7" fmla="*/ 1921847 h 1951145"/>
+                <a:gd name="connsiteX8" fmla="*/ 489609 w 2302211"/>
+                <a:gd name="connsiteY8" fmla="*/ 1942379 h 1951145"/>
+                <a:gd name="connsiteX9" fmla="*/ 962395 w 2302211"/>
+                <a:gd name="connsiteY9" fmla="*/ 1951134 h 1951145"/>
+                <a:gd name="connsiteX10" fmla="*/ 1363189 w 2302211"/>
+                <a:gd name="connsiteY10" fmla="*/ 1950980 h 1951145"/>
+                <a:gd name="connsiteX11" fmla="*/ 1396377 w 2302211"/>
+                <a:gd name="connsiteY11" fmla="*/ 1905847 h 1951145"/>
+                <a:gd name="connsiteX12" fmla="*/ 2291764 w 2302211"/>
+                <a:gd name="connsiteY12" fmla="*/ 36439 h 1951145"/>
+                <a:gd name="connsiteX0" fmla="*/ 2291764 w 2302211"/>
+                <a:gd name="connsiteY0" fmla="*/ 36439 h 1951145"/>
+                <a:gd name="connsiteX1" fmla="*/ 2253631 w 2302211"/>
+                <a:gd name="connsiteY1" fmla="*/ 2608 h 1951145"/>
+                <a:gd name="connsiteX2" fmla="*/ 1857693 w 2302211"/>
+                <a:gd name="connsiteY2" fmla="*/ 35679 h 1951145"/>
+                <a:gd name="connsiteX3" fmla="*/ 1318264 w 2302211"/>
+                <a:gd name="connsiteY3" fmla="*/ 73941 h 1951145"/>
+                <a:gd name="connsiteX4" fmla="*/ 956786 w 2302211"/>
+                <a:gd name="connsiteY4" fmla="*/ 77628 h 1951145"/>
+                <a:gd name="connsiteX5" fmla="*/ 898882 w 2302211"/>
+                <a:gd name="connsiteY5" fmla="*/ 119609 h 1951145"/>
+                <a:gd name="connsiteX6" fmla="*/ 6495 w 2302211"/>
+                <a:gd name="connsiteY6" fmla="*/ 1845390 h 1951145"/>
+                <a:gd name="connsiteX7" fmla="*/ 88321 w 2302211"/>
+                <a:gd name="connsiteY7" fmla="*/ 1921847 h 1951145"/>
+                <a:gd name="connsiteX8" fmla="*/ 489609 w 2302211"/>
+                <a:gd name="connsiteY8" fmla="*/ 1942379 h 1951145"/>
+                <a:gd name="connsiteX9" fmla="*/ 962395 w 2302211"/>
+                <a:gd name="connsiteY9" fmla="*/ 1951134 h 1951145"/>
+                <a:gd name="connsiteX10" fmla="*/ 1363189 w 2302211"/>
+                <a:gd name="connsiteY10" fmla="*/ 1950980 h 1951145"/>
+                <a:gd name="connsiteX11" fmla="*/ 1405762 w 2302211"/>
+                <a:gd name="connsiteY11" fmla="*/ 1897792 h 1951145"/>
+                <a:gd name="connsiteX12" fmla="*/ 2291764 w 2302211"/>
+                <a:gd name="connsiteY12" fmla="*/ 36439 h 1951145"/>
+                <a:gd name="connsiteX0" fmla="*/ 2291764 w 2302211"/>
+                <a:gd name="connsiteY0" fmla="*/ 36439 h 1954852"/>
+                <a:gd name="connsiteX1" fmla="*/ 2253631 w 2302211"/>
+                <a:gd name="connsiteY1" fmla="*/ 2608 h 1954852"/>
+                <a:gd name="connsiteX2" fmla="*/ 1857693 w 2302211"/>
+                <a:gd name="connsiteY2" fmla="*/ 35679 h 1954852"/>
+                <a:gd name="connsiteX3" fmla="*/ 1318264 w 2302211"/>
+                <a:gd name="connsiteY3" fmla="*/ 73941 h 1954852"/>
+                <a:gd name="connsiteX4" fmla="*/ 956786 w 2302211"/>
+                <a:gd name="connsiteY4" fmla="*/ 77628 h 1954852"/>
+                <a:gd name="connsiteX5" fmla="*/ 898882 w 2302211"/>
+                <a:gd name="connsiteY5" fmla="*/ 119609 h 1954852"/>
+                <a:gd name="connsiteX6" fmla="*/ 6495 w 2302211"/>
+                <a:gd name="connsiteY6" fmla="*/ 1845390 h 1954852"/>
+                <a:gd name="connsiteX7" fmla="*/ 88321 w 2302211"/>
+                <a:gd name="connsiteY7" fmla="*/ 1921847 h 1954852"/>
+                <a:gd name="connsiteX8" fmla="*/ 489609 w 2302211"/>
+                <a:gd name="connsiteY8" fmla="*/ 1942379 h 1954852"/>
+                <a:gd name="connsiteX9" fmla="*/ 962395 w 2302211"/>
+                <a:gd name="connsiteY9" fmla="*/ 1951134 h 1954852"/>
+                <a:gd name="connsiteX10" fmla="*/ 1361713 w 2302211"/>
+                <a:gd name="connsiteY10" fmla="*/ 1954852 h 1954852"/>
+                <a:gd name="connsiteX11" fmla="*/ 1405762 w 2302211"/>
+                <a:gd name="connsiteY11" fmla="*/ 1897792 h 1954852"/>
+                <a:gd name="connsiteX12" fmla="*/ 2291764 w 2302211"/>
+                <a:gd name="connsiteY12" fmla="*/ 36439 h 1954852"/>
+                <a:gd name="connsiteX0" fmla="*/ 2291764 w 2302211"/>
+                <a:gd name="connsiteY0" fmla="*/ 36439 h 1953498"/>
+                <a:gd name="connsiteX1" fmla="*/ 2253631 w 2302211"/>
+                <a:gd name="connsiteY1" fmla="*/ 2608 h 1953498"/>
+                <a:gd name="connsiteX2" fmla="*/ 1857693 w 2302211"/>
+                <a:gd name="connsiteY2" fmla="*/ 35679 h 1953498"/>
+                <a:gd name="connsiteX3" fmla="*/ 1318264 w 2302211"/>
+                <a:gd name="connsiteY3" fmla="*/ 73941 h 1953498"/>
+                <a:gd name="connsiteX4" fmla="*/ 956786 w 2302211"/>
+                <a:gd name="connsiteY4" fmla="*/ 77628 h 1953498"/>
+                <a:gd name="connsiteX5" fmla="*/ 898882 w 2302211"/>
+                <a:gd name="connsiteY5" fmla="*/ 119609 h 1953498"/>
+                <a:gd name="connsiteX6" fmla="*/ 6495 w 2302211"/>
+                <a:gd name="connsiteY6" fmla="*/ 1845390 h 1953498"/>
+                <a:gd name="connsiteX7" fmla="*/ 88321 w 2302211"/>
+                <a:gd name="connsiteY7" fmla="*/ 1921847 h 1953498"/>
+                <a:gd name="connsiteX8" fmla="*/ 489609 w 2302211"/>
+                <a:gd name="connsiteY8" fmla="*/ 1942379 h 1953498"/>
+                <a:gd name="connsiteX9" fmla="*/ 962395 w 2302211"/>
+                <a:gd name="connsiteY9" fmla="*/ 1951134 h 1953498"/>
+                <a:gd name="connsiteX10" fmla="*/ 1350391 w 2302211"/>
+                <a:gd name="connsiteY10" fmla="*/ 1953498 h 1953498"/>
+                <a:gd name="connsiteX11" fmla="*/ 1405762 w 2302211"/>
+                <a:gd name="connsiteY11" fmla="*/ 1897792 h 1953498"/>
+                <a:gd name="connsiteX12" fmla="*/ 2291764 w 2302211"/>
+                <a:gd name="connsiteY12" fmla="*/ 36439 h 1953498"/>
+                <a:gd name="connsiteX0" fmla="*/ 2291764 w 2302211"/>
+                <a:gd name="connsiteY0" fmla="*/ 36439 h 1956826"/>
+                <a:gd name="connsiteX1" fmla="*/ 2253631 w 2302211"/>
+                <a:gd name="connsiteY1" fmla="*/ 2608 h 1956826"/>
+                <a:gd name="connsiteX2" fmla="*/ 1857693 w 2302211"/>
+                <a:gd name="connsiteY2" fmla="*/ 35679 h 1956826"/>
+                <a:gd name="connsiteX3" fmla="*/ 1318264 w 2302211"/>
+                <a:gd name="connsiteY3" fmla="*/ 73941 h 1956826"/>
+                <a:gd name="connsiteX4" fmla="*/ 956786 w 2302211"/>
+                <a:gd name="connsiteY4" fmla="*/ 77628 h 1956826"/>
+                <a:gd name="connsiteX5" fmla="*/ 898882 w 2302211"/>
+                <a:gd name="connsiteY5" fmla="*/ 119609 h 1956826"/>
+                <a:gd name="connsiteX6" fmla="*/ 6495 w 2302211"/>
+                <a:gd name="connsiteY6" fmla="*/ 1845390 h 1956826"/>
+                <a:gd name="connsiteX7" fmla="*/ 88321 w 2302211"/>
+                <a:gd name="connsiteY7" fmla="*/ 1921847 h 1956826"/>
+                <a:gd name="connsiteX8" fmla="*/ 489609 w 2302211"/>
+                <a:gd name="connsiteY8" fmla="*/ 1942379 h 1956826"/>
+                <a:gd name="connsiteX9" fmla="*/ 962395 w 2302211"/>
+                <a:gd name="connsiteY9" fmla="*/ 1951134 h 1956826"/>
+                <a:gd name="connsiteX10" fmla="*/ 1360171 w 2302211"/>
+                <a:gd name="connsiteY10" fmla="*/ 1956826 h 1956826"/>
+                <a:gd name="connsiteX11" fmla="*/ 1405762 w 2302211"/>
+                <a:gd name="connsiteY11" fmla="*/ 1897792 h 1956826"/>
+                <a:gd name="connsiteX12" fmla="*/ 2291764 w 2302211"/>
+                <a:gd name="connsiteY12" fmla="*/ 36439 h 1956826"/>
+              </a:gdLst>
+              <a:ahLst/>
+              <a:cxnLst>
+                <a:cxn ang="0">
+                  <a:pos x="connsiteX0" y="connsiteY0"/>
+                </a:cxn>
+                <a:cxn ang="0">
+                  <a:pos x="connsiteX1" y="connsiteY1"/>
+                </a:cxn>
+                <a:cxn ang="0">
+                  <a:pos x="connsiteX2" y="connsiteY2"/>
+                </a:cxn>
+                <a:cxn ang="0">
+                  <a:pos x="connsiteX3" y="connsiteY3"/>
+                </a:cxn>
+                <a:cxn ang="0">
+                  <a:pos x="connsiteX4" y="connsiteY4"/>
+                </a:cxn>
+                <a:cxn ang="0">
+                  <a:pos x="connsiteX5" y="connsiteY5"/>
+                </a:cxn>
+                <a:cxn ang="0">
+                  <a:pos x="connsiteX6" y="connsiteY6"/>
+                </a:cxn>
+                <a:cxn ang="0">
+                  <a:pos x="connsiteX7" y="connsiteY7"/>
+                </a:cxn>
+                <a:cxn ang="0">
+                  <a:pos x="connsiteX8" y="connsiteY8"/>
+                </a:cxn>
+                <a:cxn ang="0">
+                  <a:pos x="connsiteX9" y="connsiteY9"/>
+                </a:cxn>
+                <a:cxn ang="0">
+                  <a:pos x="connsiteX10" y="connsiteY10"/>
+                </a:cxn>
+                <a:cxn ang="0">
+                  <a:pos x="connsiteX11" y="connsiteY11"/>
+                </a:cxn>
+                <a:cxn ang="0">
+                  <a:pos x="connsiteX12" y="connsiteY12"/>
+                </a:cxn>
+              </a:cxnLst>
+              <a:rect l="l" t="t" r="r" b="b"/>
+              <a:pathLst>
+                <a:path w="2302211" h="1956826">
+                  <a:moveTo>
+                    <a:pt x="2291764" y="36439"/>
+                  </a:moveTo>
+                  <a:cubicBezTo>
+                    <a:pt x="2319641" y="-4459"/>
+                    <a:pt x="2286498" y="-2331"/>
+                    <a:pt x="2253631" y="2608"/>
+                  </a:cubicBezTo>
+                  <a:cubicBezTo>
+                    <a:pt x="2177419" y="8073"/>
+                    <a:pt x="2013588" y="23790"/>
+                    <a:pt x="1857693" y="35679"/>
+                  </a:cubicBezTo>
+                  <a:lnTo>
+                    <a:pt x="1318264" y="73941"/>
+                  </a:lnTo>
+                  <a:cubicBezTo>
+                    <a:pt x="1168113" y="80932"/>
+                    <a:pt x="1024189" y="75522"/>
+                    <a:pt x="956786" y="77628"/>
+                  </a:cubicBezTo>
+                  <a:cubicBezTo>
+                    <a:pt x="937690" y="79304"/>
+                    <a:pt x="920293" y="80152"/>
+                    <a:pt x="898882" y="119609"/>
+                  </a:cubicBezTo>
+                  <a:cubicBezTo>
+                    <a:pt x="746948" y="406640"/>
+                    <a:pt x="156538" y="1550314"/>
+                    <a:pt x="6495" y="1845390"/>
+                  </a:cubicBezTo>
+                  <a:cubicBezTo>
+                    <a:pt x="-20331" y="1931160"/>
+                    <a:pt x="41653" y="1898664"/>
+                    <a:pt x="88321" y="1921847"/>
+                  </a:cubicBezTo>
+                  <a:cubicBezTo>
+                    <a:pt x="407942" y="1952863"/>
+                    <a:pt x="343930" y="1937498"/>
+                    <a:pt x="489609" y="1942379"/>
+                  </a:cubicBezTo>
+                  <a:cubicBezTo>
+                    <a:pt x="635288" y="1947260"/>
+                    <a:pt x="829922" y="1951390"/>
+                    <a:pt x="962395" y="1951134"/>
+                  </a:cubicBezTo>
+                  <a:lnTo>
+                    <a:pt x="1360171" y="1956826"/>
+                  </a:lnTo>
+                  <a:cubicBezTo>
+                    <a:pt x="1384872" y="1953161"/>
+                    <a:pt x="1393173" y="1925579"/>
+                    <a:pt x="1405762" y="1897792"/>
+                  </a:cubicBezTo>
+                  <a:lnTo>
+                    <a:pt x="2291764" y="36439"/>
+                  </a:lnTo>
+                  <a:close/>
+                </a:path>
+              </a:pathLst>
+            </a:custGeom>
+            <a:solidFill>
+              <a:srgbClr val="A2BFE2"/>
+            </a:solidFill>
+            <a:ln>
+              <a:noFill/>
+            </a:ln>
+            <a:effectLst/>
+          </p:spPr>
+          <p:style>
+            <a:lnRef idx="1">
+              <a:schemeClr val="accent1"/>
+            </a:lnRef>
+            <a:fillRef idx="3">
+              <a:schemeClr val="accent1"/>
+            </a:fillRef>
+            <a:effectRef idx="2">
+              <a:schemeClr val="accent1"/>
+            </a:effectRef>
+            <a:fontRef idx="minor">
+              <a:schemeClr val="lt1"/>
+            </a:fontRef>
+          </p:style>
+          <p:txBody>
+            <a:bodyPr rtlCol="0" anchor="ctr"/>
+            <a:lstStyle/>
+            <a:p>
+              <a:pPr algn="ctr"/>
+              <a:endParaRPr lang="en-US" dirty="0"/>
+            </a:p>
+          </p:txBody>
+        </p:sp>
+        <p:sp>
+          <p:nvSpPr>
+            <p:cNvPr id="18" name="Freeform 17"/>
+            <p:cNvSpPr/>
+            <p:nvPr/>
+          </p:nvSpPr>
+          <p:spPr>
+            <a:xfrm rot="80500">
+              <a:off x="2291106" y="3739836"/>
+              <a:ext cx="2963544" cy="826709"/>
+            </a:xfrm>
+            <a:custGeom>
+              <a:avLst/>
+              <a:gdLst>
+                <a:gd name="connsiteX0" fmla="*/ 0 w 1986371"/>
+                <a:gd name="connsiteY0" fmla="*/ 0 h 651291"/>
+                <a:gd name="connsiteX1" fmla="*/ 260508 w 1986371"/>
+                <a:gd name="connsiteY1" fmla="*/ 199006 h 651291"/>
+                <a:gd name="connsiteX2" fmla="*/ 662124 w 1986371"/>
+                <a:gd name="connsiteY2" fmla="*/ 412484 h 651291"/>
+                <a:gd name="connsiteX3" fmla="*/ 1125249 w 1986371"/>
+                <a:gd name="connsiteY3" fmla="*/ 557215 h 651291"/>
+                <a:gd name="connsiteX4" fmla="*/ 1497919 w 1986371"/>
+                <a:gd name="connsiteY4" fmla="*/ 629581 h 651291"/>
+                <a:gd name="connsiteX5" fmla="*/ 1914008 w 1986371"/>
+                <a:gd name="connsiteY5" fmla="*/ 651291 h 651291"/>
+                <a:gd name="connsiteX6" fmla="*/ 1986371 w 1986371"/>
+                <a:gd name="connsiteY6" fmla="*/ 618726 h 651291"/>
+                <a:gd name="connsiteX7" fmla="*/ 1888681 w 1986371"/>
+                <a:gd name="connsiteY7" fmla="*/ 535506 h 651291"/>
+                <a:gd name="connsiteX8" fmla="*/ 1715009 w 1986371"/>
+                <a:gd name="connsiteY8" fmla="*/ 542742 h 651291"/>
+                <a:gd name="connsiteX9" fmla="*/ 1306157 w 1986371"/>
+                <a:gd name="connsiteY9" fmla="*/ 502941 h 651291"/>
+                <a:gd name="connsiteX10" fmla="*/ 944340 w 1986371"/>
+                <a:gd name="connsiteY10" fmla="*/ 387156 h 651291"/>
+                <a:gd name="connsiteX11" fmla="*/ 1313393 w 1986371"/>
+                <a:gd name="connsiteY11" fmla="*/ 394393 h 651291"/>
+                <a:gd name="connsiteX12" fmla="*/ 1664355 w 1986371"/>
+                <a:gd name="connsiteY12" fmla="*/ 332882 h 651291"/>
+                <a:gd name="connsiteX13" fmla="*/ 1577519 w 1986371"/>
+                <a:gd name="connsiteY13" fmla="*/ 217097 h 651291"/>
+                <a:gd name="connsiteX14" fmla="*/ 1476210 w 1986371"/>
+                <a:gd name="connsiteY14" fmla="*/ 238807 h 651291"/>
+                <a:gd name="connsiteX15" fmla="*/ 1215703 w 1986371"/>
+                <a:gd name="connsiteY15" fmla="*/ 253280 h 651291"/>
+                <a:gd name="connsiteX16" fmla="*/ 919013 w 1986371"/>
+                <a:gd name="connsiteY16" fmla="*/ 242425 h 651291"/>
+                <a:gd name="connsiteX17" fmla="*/ 647651 w 1986371"/>
+                <a:gd name="connsiteY17" fmla="*/ 180914 h 651291"/>
+                <a:gd name="connsiteX18" fmla="*/ 481216 w 1986371"/>
+                <a:gd name="connsiteY18" fmla="*/ 115785 h 651291"/>
+                <a:gd name="connsiteX19" fmla="*/ 445034 w 1986371"/>
+                <a:gd name="connsiteY19" fmla="*/ 75984 h 651291"/>
+                <a:gd name="connsiteX20" fmla="*/ 0 w 1986371"/>
+                <a:gd name="connsiteY20" fmla="*/ 0 h 651291"/>
+                <a:gd name="connsiteX0" fmla="*/ 3468 w 1989839"/>
+                <a:gd name="connsiteY0" fmla="*/ 0 h 651291"/>
+                <a:gd name="connsiteX1" fmla="*/ 263976 w 1989839"/>
+                <a:gd name="connsiteY1" fmla="*/ 199006 h 651291"/>
+                <a:gd name="connsiteX2" fmla="*/ 665592 w 1989839"/>
+                <a:gd name="connsiteY2" fmla="*/ 412484 h 651291"/>
+                <a:gd name="connsiteX3" fmla="*/ 1128717 w 1989839"/>
+                <a:gd name="connsiteY3" fmla="*/ 557215 h 651291"/>
+                <a:gd name="connsiteX4" fmla="*/ 1501387 w 1989839"/>
+                <a:gd name="connsiteY4" fmla="*/ 629581 h 651291"/>
+                <a:gd name="connsiteX5" fmla="*/ 1917476 w 1989839"/>
+                <a:gd name="connsiteY5" fmla="*/ 651291 h 651291"/>
+                <a:gd name="connsiteX6" fmla="*/ 1989839 w 1989839"/>
+                <a:gd name="connsiteY6" fmla="*/ 618726 h 651291"/>
+                <a:gd name="connsiteX7" fmla="*/ 1892149 w 1989839"/>
+                <a:gd name="connsiteY7" fmla="*/ 535506 h 651291"/>
+                <a:gd name="connsiteX8" fmla="*/ 1718477 w 1989839"/>
+                <a:gd name="connsiteY8" fmla="*/ 542742 h 651291"/>
+                <a:gd name="connsiteX9" fmla="*/ 1309625 w 1989839"/>
+                <a:gd name="connsiteY9" fmla="*/ 502941 h 651291"/>
+                <a:gd name="connsiteX10" fmla="*/ 947808 w 1989839"/>
+                <a:gd name="connsiteY10" fmla="*/ 387156 h 651291"/>
+                <a:gd name="connsiteX11" fmla="*/ 1316861 w 1989839"/>
+                <a:gd name="connsiteY11" fmla="*/ 394393 h 651291"/>
+                <a:gd name="connsiteX12" fmla="*/ 1667823 w 1989839"/>
+                <a:gd name="connsiteY12" fmla="*/ 332882 h 651291"/>
+                <a:gd name="connsiteX13" fmla="*/ 1580987 w 1989839"/>
+                <a:gd name="connsiteY13" fmla="*/ 217097 h 651291"/>
+                <a:gd name="connsiteX14" fmla="*/ 1479678 w 1989839"/>
+                <a:gd name="connsiteY14" fmla="*/ 238807 h 651291"/>
+                <a:gd name="connsiteX15" fmla="*/ 1219171 w 1989839"/>
+                <a:gd name="connsiteY15" fmla="*/ 253280 h 651291"/>
+                <a:gd name="connsiteX16" fmla="*/ 922481 w 1989839"/>
+                <a:gd name="connsiteY16" fmla="*/ 242425 h 651291"/>
+                <a:gd name="connsiteX17" fmla="*/ 651119 w 1989839"/>
+                <a:gd name="connsiteY17" fmla="*/ 180914 h 651291"/>
+                <a:gd name="connsiteX18" fmla="*/ 484684 w 1989839"/>
+                <a:gd name="connsiteY18" fmla="*/ 115785 h 651291"/>
+                <a:gd name="connsiteX19" fmla="*/ 448502 w 1989839"/>
+                <a:gd name="connsiteY19" fmla="*/ 75984 h 651291"/>
+                <a:gd name="connsiteX20" fmla="*/ 3468 w 1989839"/>
+                <a:gd name="connsiteY20" fmla="*/ 0 h 651291"/>
+                <a:gd name="connsiteX0" fmla="*/ 3468 w 1989839"/>
+                <a:gd name="connsiteY0" fmla="*/ 0 h 651291"/>
+                <a:gd name="connsiteX1" fmla="*/ 263976 w 1989839"/>
+                <a:gd name="connsiteY1" fmla="*/ 199006 h 651291"/>
+                <a:gd name="connsiteX2" fmla="*/ 665592 w 1989839"/>
+                <a:gd name="connsiteY2" fmla="*/ 412484 h 651291"/>
+                <a:gd name="connsiteX3" fmla="*/ 1128717 w 1989839"/>
+                <a:gd name="connsiteY3" fmla="*/ 557215 h 651291"/>
+                <a:gd name="connsiteX4" fmla="*/ 1501387 w 1989839"/>
+                <a:gd name="connsiteY4" fmla="*/ 629581 h 651291"/>
+                <a:gd name="connsiteX5" fmla="*/ 1917476 w 1989839"/>
+                <a:gd name="connsiteY5" fmla="*/ 651291 h 651291"/>
+                <a:gd name="connsiteX6" fmla="*/ 1989839 w 1989839"/>
+                <a:gd name="connsiteY6" fmla="*/ 618726 h 651291"/>
+                <a:gd name="connsiteX7" fmla="*/ 1892149 w 1989839"/>
+                <a:gd name="connsiteY7" fmla="*/ 535506 h 651291"/>
+                <a:gd name="connsiteX8" fmla="*/ 1718477 w 1989839"/>
+                <a:gd name="connsiteY8" fmla="*/ 542742 h 651291"/>
+                <a:gd name="connsiteX9" fmla="*/ 1309625 w 1989839"/>
+                <a:gd name="connsiteY9" fmla="*/ 502941 h 651291"/>
+                <a:gd name="connsiteX10" fmla="*/ 947808 w 1989839"/>
+                <a:gd name="connsiteY10" fmla="*/ 387156 h 651291"/>
+                <a:gd name="connsiteX11" fmla="*/ 1316861 w 1989839"/>
+                <a:gd name="connsiteY11" fmla="*/ 394393 h 651291"/>
+                <a:gd name="connsiteX12" fmla="*/ 1667823 w 1989839"/>
+                <a:gd name="connsiteY12" fmla="*/ 332882 h 651291"/>
+                <a:gd name="connsiteX13" fmla="*/ 1580987 w 1989839"/>
+                <a:gd name="connsiteY13" fmla="*/ 217097 h 651291"/>
+                <a:gd name="connsiteX14" fmla="*/ 1479678 w 1989839"/>
+                <a:gd name="connsiteY14" fmla="*/ 238807 h 651291"/>
+                <a:gd name="connsiteX15" fmla="*/ 1219171 w 1989839"/>
+                <a:gd name="connsiteY15" fmla="*/ 253280 h 651291"/>
+                <a:gd name="connsiteX16" fmla="*/ 922481 w 1989839"/>
+                <a:gd name="connsiteY16" fmla="*/ 242425 h 651291"/>
+                <a:gd name="connsiteX17" fmla="*/ 651119 w 1989839"/>
+                <a:gd name="connsiteY17" fmla="*/ 180914 h 651291"/>
+                <a:gd name="connsiteX18" fmla="*/ 484684 w 1989839"/>
+                <a:gd name="connsiteY18" fmla="*/ 115785 h 651291"/>
+                <a:gd name="connsiteX19" fmla="*/ 448502 w 1989839"/>
+                <a:gd name="connsiteY19" fmla="*/ 75984 h 651291"/>
+                <a:gd name="connsiteX20" fmla="*/ 3468 w 1989839"/>
+                <a:gd name="connsiteY20" fmla="*/ 0 h 651291"/>
+                <a:gd name="connsiteX0" fmla="*/ 3468 w 1989839"/>
+                <a:gd name="connsiteY0" fmla="*/ 0 h 651291"/>
+                <a:gd name="connsiteX1" fmla="*/ 263976 w 1989839"/>
+                <a:gd name="connsiteY1" fmla="*/ 199006 h 651291"/>
+                <a:gd name="connsiteX2" fmla="*/ 665592 w 1989839"/>
+                <a:gd name="connsiteY2" fmla="*/ 412484 h 651291"/>
+                <a:gd name="connsiteX3" fmla="*/ 1128717 w 1989839"/>
+                <a:gd name="connsiteY3" fmla="*/ 557215 h 651291"/>
+                <a:gd name="connsiteX4" fmla="*/ 1501387 w 1989839"/>
+                <a:gd name="connsiteY4" fmla="*/ 629581 h 651291"/>
+                <a:gd name="connsiteX5" fmla="*/ 1917476 w 1989839"/>
+                <a:gd name="connsiteY5" fmla="*/ 651291 h 651291"/>
+                <a:gd name="connsiteX6" fmla="*/ 1989839 w 1989839"/>
+                <a:gd name="connsiteY6" fmla="*/ 618726 h 651291"/>
+                <a:gd name="connsiteX7" fmla="*/ 1892149 w 1989839"/>
+                <a:gd name="connsiteY7" fmla="*/ 535506 h 651291"/>
+                <a:gd name="connsiteX8" fmla="*/ 1718477 w 1989839"/>
+                <a:gd name="connsiteY8" fmla="*/ 542742 h 651291"/>
+                <a:gd name="connsiteX9" fmla="*/ 1309625 w 1989839"/>
+                <a:gd name="connsiteY9" fmla="*/ 502941 h 651291"/>
+                <a:gd name="connsiteX10" fmla="*/ 947808 w 1989839"/>
+                <a:gd name="connsiteY10" fmla="*/ 387156 h 651291"/>
+                <a:gd name="connsiteX11" fmla="*/ 1316861 w 1989839"/>
+                <a:gd name="connsiteY11" fmla="*/ 394393 h 651291"/>
+                <a:gd name="connsiteX12" fmla="*/ 1667823 w 1989839"/>
+                <a:gd name="connsiteY12" fmla="*/ 332882 h 651291"/>
+                <a:gd name="connsiteX13" fmla="*/ 1580987 w 1989839"/>
+                <a:gd name="connsiteY13" fmla="*/ 217097 h 651291"/>
+                <a:gd name="connsiteX14" fmla="*/ 1479678 w 1989839"/>
+                <a:gd name="connsiteY14" fmla="*/ 238807 h 651291"/>
+                <a:gd name="connsiteX15" fmla="*/ 1219171 w 1989839"/>
+                <a:gd name="connsiteY15" fmla="*/ 253280 h 651291"/>
+                <a:gd name="connsiteX16" fmla="*/ 922481 w 1989839"/>
+                <a:gd name="connsiteY16" fmla="*/ 242425 h 651291"/>
+                <a:gd name="connsiteX17" fmla="*/ 651119 w 1989839"/>
+                <a:gd name="connsiteY17" fmla="*/ 180914 h 651291"/>
+                <a:gd name="connsiteX18" fmla="*/ 484684 w 1989839"/>
+                <a:gd name="connsiteY18" fmla="*/ 115785 h 651291"/>
+                <a:gd name="connsiteX19" fmla="*/ 448502 w 1989839"/>
+                <a:gd name="connsiteY19" fmla="*/ 75984 h 651291"/>
+                <a:gd name="connsiteX20" fmla="*/ 3468 w 1989839"/>
+                <a:gd name="connsiteY20" fmla="*/ 0 h 651291"/>
+                <a:gd name="connsiteX0" fmla="*/ 3468 w 1989839"/>
+                <a:gd name="connsiteY0" fmla="*/ 0 h 651291"/>
+                <a:gd name="connsiteX1" fmla="*/ 263976 w 1989839"/>
+                <a:gd name="connsiteY1" fmla="*/ 199006 h 651291"/>
+                <a:gd name="connsiteX2" fmla="*/ 665592 w 1989839"/>
+                <a:gd name="connsiteY2" fmla="*/ 412484 h 651291"/>
+                <a:gd name="connsiteX3" fmla="*/ 1128717 w 1989839"/>
+                <a:gd name="connsiteY3" fmla="*/ 575307 h 651291"/>
+                <a:gd name="connsiteX4" fmla="*/ 1501387 w 1989839"/>
+                <a:gd name="connsiteY4" fmla="*/ 629581 h 651291"/>
+                <a:gd name="connsiteX5" fmla="*/ 1917476 w 1989839"/>
+                <a:gd name="connsiteY5" fmla="*/ 651291 h 651291"/>
+                <a:gd name="connsiteX6" fmla="*/ 1989839 w 1989839"/>
+                <a:gd name="connsiteY6" fmla="*/ 618726 h 651291"/>
+                <a:gd name="connsiteX7" fmla="*/ 1892149 w 1989839"/>
+                <a:gd name="connsiteY7" fmla="*/ 535506 h 651291"/>
+                <a:gd name="connsiteX8" fmla="*/ 1718477 w 1989839"/>
+                <a:gd name="connsiteY8" fmla="*/ 542742 h 651291"/>
+                <a:gd name="connsiteX9" fmla="*/ 1309625 w 1989839"/>
+                <a:gd name="connsiteY9" fmla="*/ 502941 h 651291"/>
+                <a:gd name="connsiteX10" fmla="*/ 947808 w 1989839"/>
+                <a:gd name="connsiteY10" fmla="*/ 387156 h 651291"/>
+                <a:gd name="connsiteX11" fmla="*/ 1316861 w 1989839"/>
+                <a:gd name="connsiteY11" fmla="*/ 394393 h 651291"/>
+                <a:gd name="connsiteX12" fmla="*/ 1667823 w 1989839"/>
+                <a:gd name="connsiteY12" fmla="*/ 332882 h 651291"/>
+                <a:gd name="connsiteX13" fmla="*/ 1580987 w 1989839"/>
+                <a:gd name="connsiteY13" fmla="*/ 217097 h 651291"/>
+                <a:gd name="connsiteX14" fmla="*/ 1479678 w 1989839"/>
+                <a:gd name="connsiteY14" fmla="*/ 238807 h 651291"/>
+                <a:gd name="connsiteX15" fmla="*/ 1219171 w 1989839"/>
+                <a:gd name="connsiteY15" fmla="*/ 253280 h 651291"/>
+                <a:gd name="connsiteX16" fmla="*/ 922481 w 1989839"/>
+                <a:gd name="connsiteY16" fmla="*/ 242425 h 651291"/>
+                <a:gd name="connsiteX17" fmla="*/ 651119 w 1989839"/>
+                <a:gd name="connsiteY17" fmla="*/ 180914 h 651291"/>
+                <a:gd name="connsiteX18" fmla="*/ 484684 w 1989839"/>
+                <a:gd name="connsiteY18" fmla="*/ 115785 h 651291"/>
+                <a:gd name="connsiteX19" fmla="*/ 448502 w 1989839"/>
+                <a:gd name="connsiteY19" fmla="*/ 75984 h 651291"/>
+                <a:gd name="connsiteX20" fmla="*/ 3468 w 1989839"/>
+                <a:gd name="connsiteY20" fmla="*/ 0 h 651291"/>
+                <a:gd name="connsiteX0" fmla="*/ 3468 w 1989839"/>
+                <a:gd name="connsiteY0" fmla="*/ 0 h 651291"/>
+                <a:gd name="connsiteX1" fmla="*/ 263976 w 1989839"/>
+                <a:gd name="connsiteY1" fmla="*/ 199006 h 651291"/>
+                <a:gd name="connsiteX2" fmla="*/ 665592 w 1989839"/>
+                <a:gd name="connsiteY2" fmla="*/ 412484 h 651291"/>
+                <a:gd name="connsiteX3" fmla="*/ 1128717 w 1989839"/>
+                <a:gd name="connsiteY3" fmla="*/ 575307 h 651291"/>
+                <a:gd name="connsiteX4" fmla="*/ 1501387 w 1989839"/>
+                <a:gd name="connsiteY4" fmla="*/ 629581 h 651291"/>
+                <a:gd name="connsiteX5" fmla="*/ 1917476 w 1989839"/>
+                <a:gd name="connsiteY5" fmla="*/ 651291 h 651291"/>
+                <a:gd name="connsiteX6" fmla="*/ 1989839 w 1989839"/>
+                <a:gd name="connsiteY6" fmla="*/ 618726 h 651291"/>
+                <a:gd name="connsiteX7" fmla="*/ 1892149 w 1989839"/>
+                <a:gd name="connsiteY7" fmla="*/ 535506 h 651291"/>
+                <a:gd name="connsiteX8" fmla="*/ 1718477 w 1989839"/>
+                <a:gd name="connsiteY8" fmla="*/ 542742 h 651291"/>
+                <a:gd name="connsiteX9" fmla="*/ 1309625 w 1989839"/>
+                <a:gd name="connsiteY9" fmla="*/ 502941 h 651291"/>
+                <a:gd name="connsiteX10" fmla="*/ 947808 w 1989839"/>
+                <a:gd name="connsiteY10" fmla="*/ 387156 h 651291"/>
+                <a:gd name="connsiteX11" fmla="*/ 1316861 w 1989839"/>
+                <a:gd name="connsiteY11" fmla="*/ 394393 h 651291"/>
+                <a:gd name="connsiteX12" fmla="*/ 1667823 w 1989839"/>
+                <a:gd name="connsiteY12" fmla="*/ 332882 h 651291"/>
+                <a:gd name="connsiteX13" fmla="*/ 1580987 w 1989839"/>
+                <a:gd name="connsiteY13" fmla="*/ 217097 h 651291"/>
+                <a:gd name="connsiteX14" fmla="*/ 1479678 w 1989839"/>
+                <a:gd name="connsiteY14" fmla="*/ 238807 h 651291"/>
+                <a:gd name="connsiteX15" fmla="*/ 1219171 w 1989839"/>
+                <a:gd name="connsiteY15" fmla="*/ 253280 h 651291"/>
+                <a:gd name="connsiteX16" fmla="*/ 922481 w 1989839"/>
+                <a:gd name="connsiteY16" fmla="*/ 242425 h 651291"/>
+                <a:gd name="connsiteX17" fmla="*/ 651119 w 1989839"/>
+                <a:gd name="connsiteY17" fmla="*/ 180914 h 651291"/>
+                <a:gd name="connsiteX18" fmla="*/ 484684 w 1989839"/>
+                <a:gd name="connsiteY18" fmla="*/ 115785 h 651291"/>
+                <a:gd name="connsiteX19" fmla="*/ 448502 w 1989839"/>
+                <a:gd name="connsiteY19" fmla="*/ 75984 h 651291"/>
+                <a:gd name="connsiteX20" fmla="*/ 3468 w 1989839"/>
+                <a:gd name="connsiteY20" fmla="*/ 0 h 651291"/>
+                <a:gd name="connsiteX0" fmla="*/ 3468 w 1989839"/>
+                <a:gd name="connsiteY0" fmla="*/ 0 h 651291"/>
+                <a:gd name="connsiteX1" fmla="*/ 263976 w 1989839"/>
+                <a:gd name="connsiteY1" fmla="*/ 199006 h 651291"/>
+                <a:gd name="connsiteX2" fmla="*/ 665592 w 1989839"/>
+                <a:gd name="connsiteY2" fmla="*/ 412484 h 651291"/>
+                <a:gd name="connsiteX3" fmla="*/ 1128717 w 1989839"/>
+                <a:gd name="connsiteY3" fmla="*/ 575307 h 651291"/>
+                <a:gd name="connsiteX4" fmla="*/ 1501387 w 1989839"/>
+                <a:gd name="connsiteY4" fmla="*/ 629581 h 651291"/>
+                <a:gd name="connsiteX5" fmla="*/ 1917476 w 1989839"/>
+                <a:gd name="connsiteY5" fmla="*/ 651291 h 651291"/>
+                <a:gd name="connsiteX6" fmla="*/ 1989839 w 1989839"/>
+                <a:gd name="connsiteY6" fmla="*/ 618726 h 651291"/>
+                <a:gd name="connsiteX7" fmla="*/ 1892149 w 1989839"/>
+                <a:gd name="connsiteY7" fmla="*/ 535506 h 651291"/>
+                <a:gd name="connsiteX8" fmla="*/ 1718477 w 1989839"/>
+                <a:gd name="connsiteY8" fmla="*/ 542742 h 651291"/>
+                <a:gd name="connsiteX9" fmla="*/ 1309625 w 1989839"/>
+                <a:gd name="connsiteY9" fmla="*/ 502941 h 651291"/>
+                <a:gd name="connsiteX10" fmla="*/ 947808 w 1989839"/>
+                <a:gd name="connsiteY10" fmla="*/ 387156 h 651291"/>
+                <a:gd name="connsiteX11" fmla="*/ 1316861 w 1989839"/>
+                <a:gd name="connsiteY11" fmla="*/ 394393 h 651291"/>
+                <a:gd name="connsiteX12" fmla="*/ 1667823 w 1989839"/>
+                <a:gd name="connsiteY12" fmla="*/ 332882 h 651291"/>
+                <a:gd name="connsiteX13" fmla="*/ 1580987 w 1989839"/>
+                <a:gd name="connsiteY13" fmla="*/ 217097 h 651291"/>
+                <a:gd name="connsiteX14" fmla="*/ 1479678 w 1989839"/>
+                <a:gd name="connsiteY14" fmla="*/ 238807 h 651291"/>
+                <a:gd name="connsiteX15" fmla="*/ 1219171 w 1989839"/>
+                <a:gd name="connsiteY15" fmla="*/ 253280 h 651291"/>
+                <a:gd name="connsiteX16" fmla="*/ 922481 w 1989839"/>
+                <a:gd name="connsiteY16" fmla="*/ 242425 h 651291"/>
+                <a:gd name="connsiteX17" fmla="*/ 651119 w 1989839"/>
+                <a:gd name="connsiteY17" fmla="*/ 180914 h 651291"/>
+                <a:gd name="connsiteX18" fmla="*/ 484684 w 1989839"/>
+                <a:gd name="connsiteY18" fmla="*/ 115785 h 651291"/>
+                <a:gd name="connsiteX19" fmla="*/ 448502 w 1989839"/>
+                <a:gd name="connsiteY19" fmla="*/ 75984 h 651291"/>
+                <a:gd name="connsiteX20" fmla="*/ 3468 w 1989839"/>
+                <a:gd name="connsiteY20" fmla="*/ 0 h 651291"/>
+                <a:gd name="connsiteX0" fmla="*/ 3468 w 1989839"/>
+                <a:gd name="connsiteY0" fmla="*/ 0 h 651291"/>
+                <a:gd name="connsiteX1" fmla="*/ 263976 w 1989839"/>
+                <a:gd name="connsiteY1" fmla="*/ 199006 h 651291"/>
+                <a:gd name="connsiteX2" fmla="*/ 665592 w 1989839"/>
+                <a:gd name="connsiteY2" fmla="*/ 412484 h 651291"/>
+                <a:gd name="connsiteX3" fmla="*/ 1128717 w 1989839"/>
+                <a:gd name="connsiteY3" fmla="*/ 575307 h 651291"/>
+                <a:gd name="connsiteX4" fmla="*/ 1505005 w 1989839"/>
+                <a:gd name="connsiteY4" fmla="*/ 644054 h 651291"/>
+                <a:gd name="connsiteX5" fmla="*/ 1917476 w 1989839"/>
+                <a:gd name="connsiteY5" fmla="*/ 651291 h 651291"/>
+                <a:gd name="connsiteX6" fmla="*/ 1989839 w 1989839"/>
+                <a:gd name="connsiteY6" fmla="*/ 618726 h 651291"/>
+                <a:gd name="connsiteX7" fmla="*/ 1892149 w 1989839"/>
+                <a:gd name="connsiteY7" fmla="*/ 535506 h 651291"/>
+                <a:gd name="connsiteX8" fmla="*/ 1718477 w 1989839"/>
+                <a:gd name="connsiteY8" fmla="*/ 542742 h 651291"/>
+                <a:gd name="connsiteX9" fmla="*/ 1309625 w 1989839"/>
+                <a:gd name="connsiteY9" fmla="*/ 502941 h 651291"/>
+                <a:gd name="connsiteX10" fmla="*/ 947808 w 1989839"/>
+                <a:gd name="connsiteY10" fmla="*/ 387156 h 651291"/>
+                <a:gd name="connsiteX11" fmla="*/ 1316861 w 1989839"/>
+                <a:gd name="connsiteY11" fmla="*/ 394393 h 651291"/>
+                <a:gd name="connsiteX12" fmla="*/ 1667823 w 1989839"/>
+                <a:gd name="connsiteY12" fmla="*/ 332882 h 651291"/>
+                <a:gd name="connsiteX13" fmla="*/ 1580987 w 1989839"/>
+                <a:gd name="connsiteY13" fmla="*/ 217097 h 651291"/>
+                <a:gd name="connsiteX14" fmla="*/ 1479678 w 1989839"/>
+                <a:gd name="connsiteY14" fmla="*/ 238807 h 651291"/>
+                <a:gd name="connsiteX15" fmla="*/ 1219171 w 1989839"/>
+                <a:gd name="connsiteY15" fmla="*/ 253280 h 651291"/>
+                <a:gd name="connsiteX16" fmla="*/ 922481 w 1989839"/>
+                <a:gd name="connsiteY16" fmla="*/ 242425 h 651291"/>
+                <a:gd name="connsiteX17" fmla="*/ 651119 w 1989839"/>
+                <a:gd name="connsiteY17" fmla="*/ 180914 h 651291"/>
+                <a:gd name="connsiteX18" fmla="*/ 484684 w 1989839"/>
+                <a:gd name="connsiteY18" fmla="*/ 115785 h 651291"/>
+                <a:gd name="connsiteX19" fmla="*/ 448502 w 1989839"/>
+                <a:gd name="connsiteY19" fmla="*/ 75984 h 651291"/>
+                <a:gd name="connsiteX20" fmla="*/ 3468 w 1989839"/>
+                <a:gd name="connsiteY20" fmla="*/ 0 h 651291"/>
+                <a:gd name="connsiteX0" fmla="*/ 3468 w 2006888"/>
+                <a:gd name="connsiteY0" fmla="*/ 0 h 651536"/>
+                <a:gd name="connsiteX1" fmla="*/ 263976 w 2006888"/>
+                <a:gd name="connsiteY1" fmla="*/ 199006 h 651536"/>
+                <a:gd name="connsiteX2" fmla="*/ 665592 w 2006888"/>
+                <a:gd name="connsiteY2" fmla="*/ 412484 h 651536"/>
+                <a:gd name="connsiteX3" fmla="*/ 1128717 w 2006888"/>
+                <a:gd name="connsiteY3" fmla="*/ 575307 h 651536"/>
+                <a:gd name="connsiteX4" fmla="*/ 1505005 w 2006888"/>
+                <a:gd name="connsiteY4" fmla="*/ 644054 h 651536"/>
+                <a:gd name="connsiteX5" fmla="*/ 1917476 w 2006888"/>
+                <a:gd name="connsiteY5" fmla="*/ 651291 h 651536"/>
+                <a:gd name="connsiteX6" fmla="*/ 1989839 w 2006888"/>
+                <a:gd name="connsiteY6" fmla="*/ 618726 h 651536"/>
+                <a:gd name="connsiteX7" fmla="*/ 1892149 w 2006888"/>
+                <a:gd name="connsiteY7" fmla="*/ 535506 h 651536"/>
+                <a:gd name="connsiteX8" fmla="*/ 1718477 w 2006888"/>
+                <a:gd name="connsiteY8" fmla="*/ 542742 h 651536"/>
+                <a:gd name="connsiteX9" fmla="*/ 1309625 w 2006888"/>
+                <a:gd name="connsiteY9" fmla="*/ 502941 h 651536"/>
+                <a:gd name="connsiteX10" fmla="*/ 947808 w 2006888"/>
+                <a:gd name="connsiteY10" fmla="*/ 387156 h 651536"/>
+                <a:gd name="connsiteX11" fmla="*/ 1316861 w 2006888"/>
+                <a:gd name="connsiteY11" fmla="*/ 394393 h 651536"/>
+                <a:gd name="connsiteX12" fmla="*/ 1667823 w 2006888"/>
+                <a:gd name="connsiteY12" fmla="*/ 332882 h 651536"/>
+                <a:gd name="connsiteX13" fmla="*/ 1580987 w 2006888"/>
+                <a:gd name="connsiteY13" fmla="*/ 217097 h 651536"/>
+                <a:gd name="connsiteX14" fmla="*/ 1479678 w 2006888"/>
+                <a:gd name="connsiteY14" fmla="*/ 238807 h 651536"/>
+                <a:gd name="connsiteX15" fmla="*/ 1219171 w 2006888"/>
+                <a:gd name="connsiteY15" fmla="*/ 253280 h 651536"/>
+                <a:gd name="connsiteX16" fmla="*/ 922481 w 2006888"/>
+                <a:gd name="connsiteY16" fmla="*/ 242425 h 651536"/>
+                <a:gd name="connsiteX17" fmla="*/ 651119 w 2006888"/>
+                <a:gd name="connsiteY17" fmla="*/ 180914 h 651536"/>
+                <a:gd name="connsiteX18" fmla="*/ 484684 w 2006888"/>
+                <a:gd name="connsiteY18" fmla="*/ 115785 h 651536"/>
+                <a:gd name="connsiteX19" fmla="*/ 448502 w 2006888"/>
+                <a:gd name="connsiteY19" fmla="*/ 75984 h 651536"/>
+                <a:gd name="connsiteX20" fmla="*/ 3468 w 2006888"/>
+                <a:gd name="connsiteY20" fmla="*/ 0 h 651536"/>
+                <a:gd name="connsiteX0" fmla="*/ 3468 w 1992322"/>
+                <a:gd name="connsiteY0" fmla="*/ 0 h 651502"/>
+                <a:gd name="connsiteX1" fmla="*/ 263976 w 1992322"/>
+                <a:gd name="connsiteY1" fmla="*/ 199006 h 651502"/>
+                <a:gd name="connsiteX2" fmla="*/ 665592 w 1992322"/>
+                <a:gd name="connsiteY2" fmla="*/ 412484 h 651502"/>
+                <a:gd name="connsiteX3" fmla="*/ 1128717 w 1992322"/>
+                <a:gd name="connsiteY3" fmla="*/ 575307 h 651502"/>
+                <a:gd name="connsiteX4" fmla="*/ 1505005 w 1992322"/>
+                <a:gd name="connsiteY4" fmla="*/ 644054 h 651502"/>
+                <a:gd name="connsiteX5" fmla="*/ 1917476 w 1992322"/>
+                <a:gd name="connsiteY5" fmla="*/ 651291 h 651502"/>
+                <a:gd name="connsiteX6" fmla="*/ 1989839 w 1992322"/>
+                <a:gd name="connsiteY6" fmla="*/ 618726 h 651502"/>
+                <a:gd name="connsiteX7" fmla="*/ 1892149 w 1992322"/>
+                <a:gd name="connsiteY7" fmla="*/ 535506 h 651502"/>
+                <a:gd name="connsiteX8" fmla="*/ 1718477 w 1992322"/>
+                <a:gd name="connsiteY8" fmla="*/ 542742 h 651502"/>
+                <a:gd name="connsiteX9" fmla="*/ 1309625 w 1992322"/>
+                <a:gd name="connsiteY9" fmla="*/ 502941 h 651502"/>
+                <a:gd name="connsiteX10" fmla="*/ 947808 w 1992322"/>
+                <a:gd name="connsiteY10" fmla="*/ 387156 h 651502"/>
+                <a:gd name="connsiteX11" fmla="*/ 1316861 w 1992322"/>
+                <a:gd name="connsiteY11" fmla="*/ 394393 h 651502"/>
+                <a:gd name="connsiteX12" fmla="*/ 1667823 w 1992322"/>
+                <a:gd name="connsiteY12" fmla="*/ 332882 h 651502"/>
+                <a:gd name="connsiteX13" fmla="*/ 1580987 w 1992322"/>
+                <a:gd name="connsiteY13" fmla="*/ 217097 h 651502"/>
+                <a:gd name="connsiteX14" fmla="*/ 1479678 w 1992322"/>
+                <a:gd name="connsiteY14" fmla="*/ 238807 h 651502"/>
+                <a:gd name="connsiteX15" fmla="*/ 1219171 w 1992322"/>
+                <a:gd name="connsiteY15" fmla="*/ 253280 h 651502"/>
+                <a:gd name="connsiteX16" fmla="*/ 922481 w 1992322"/>
+                <a:gd name="connsiteY16" fmla="*/ 242425 h 651502"/>
+                <a:gd name="connsiteX17" fmla="*/ 651119 w 1992322"/>
+                <a:gd name="connsiteY17" fmla="*/ 180914 h 651502"/>
+                <a:gd name="connsiteX18" fmla="*/ 484684 w 1992322"/>
+                <a:gd name="connsiteY18" fmla="*/ 115785 h 651502"/>
+                <a:gd name="connsiteX19" fmla="*/ 448502 w 1992322"/>
+                <a:gd name="connsiteY19" fmla="*/ 75984 h 651502"/>
+                <a:gd name="connsiteX20" fmla="*/ 3468 w 1992322"/>
+                <a:gd name="connsiteY20" fmla="*/ 0 h 651502"/>
+                <a:gd name="connsiteX0" fmla="*/ 3468 w 1989839"/>
+                <a:gd name="connsiteY0" fmla="*/ 0 h 651502"/>
+                <a:gd name="connsiteX1" fmla="*/ 263976 w 1989839"/>
+                <a:gd name="connsiteY1" fmla="*/ 199006 h 651502"/>
+                <a:gd name="connsiteX2" fmla="*/ 665592 w 1989839"/>
+                <a:gd name="connsiteY2" fmla="*/ 412484 h 651502"/>
+                <a:gd name="connsiteX3" fmla="*/ 1128717 w 1989839"/>
+                <a:gd name="connsiteY3" fmla="*/ 575307 h 651502"/>
+                <a:gd name="connsiteX4" fmla="*/ 1505005 w 1989839"/>
+                <a:gd name="connsiteY4" fmla="*/ 644054 h 651502"/>
+                <a:gd name="connsiteX5" fmla="*/ 1917476 w 1989839"/>
+                <a:gd name="connsiteY5" fmla="*/ 651291 h 651502"/>
+                <a:gd name="connsiteX6" fmla="*/ 1989839 w 1989839"/>
+                <a:gd name="connsiteY6" fmla="*/ 618726 h 651502"/>
+                <a:gd name="connsiteX7" fmla="*/ 1892149 w 1989839"/>
+                <a:gd name="connsiteY7" fmla="*/ 535506 h 651502"/>
+                <a:gd name="connsiteX8" fmla="*/ 1718477 w 1989839"/>
+                <a:gd name="connsiteY8" fmla="*/ 542742 h 651502"/>
+                <a:gd name="connsiteX9" fmla="*/ 1309625 w 1989839"/>
+                <a:gd name="connsiteY9" fmla="*/ 502941 h 651502"/>
+                <a:gd name="connsiteX10" fmla="*/ 947808 w 1989839"/>
+                <a:gd name="connsiteY10" fmla="*/ 387156 h 651502"/>
+                <a:gd name="connsiteX11" fmla="*/ 1316861 w 1989839"/>
+                <a:gd name="connsiteY11" fmla="*/ 394393 h 651502"/>
+                <a:gd name="connsiteX12" fmla="*/ 1667823 w 1989839"/>
+                <a:gd name="connsiteY12" fmla="*/ 332882 h 651502"/>
+                <a:gd name="connsiteX13" fmla="*/ 1580987 w 1989839"/>
+                <a:gd name="connsiteY13" fmla="*/ 217097 h 651502"/>
+                <a:gd name="connsiteX14" fmla="*/ 1479678 w 1989839"/>
+                <a:gd name="connsiteY14" fmla="*/ 238807 h 651502"/>
+                <a:gd name="connsiteX15" fmla="*/ 1219171 w 1989839"/>
+                <a:gd name="connsiteY15" fmla="*/ 253280 h 651502"/>
+                <a:gd name="connsiteX16" fmla="*/ 922481 w 1989839"/>
+                <a:gd name="connsiteY16" fmla="*/ 242425 h 651502"/>
+                <a:gd name="connsiteX17" fmla="*/ 651119 w 1989839"/>
+                <a:gd name="connsiteY17" fmla="*/ 180914 h 651502"/>
+                <a:gd name="connsiteX18" fmla="*/ 484684 w 1989839"/>
+                <a:gd name="connsiteY18" fmla="*/ 115785 h 651502"/>
+                <a:gd name="connsiteX19" fmla="*/ 448502 w 1989839"/>
+                <a:gd name="connsiteY19" fmla="*/ 75984 h 651502"/>
+                <a:gd name="connsiteX20" fmla="*/ 3468 w 1989839"/>
+                <a:gd name="connsiteY20" fmla="*/ 0 h 651502"/>
+                <a:gd name="connsiteX0" fmla="*/ 3468 w 1995691"/>
+                <a:gd name="connsiteY0" fmla="*/ 0 h 651949"/>
+                <a:gd name="connsiteX1" fmla="*/ 263976 w 1995691"/>
+                <a:gd name="connsiteY1" fmla="*/ 199006 h 651949"/>
+                <a:gd name="connsiteX2" fmla="*/ 665592 w 1995691"/>
+                <a:gd name="connsiteY2" fmla="*/ 412484 h 651949"/>
+                <a:gd name="connsiteX3" fmla="*/ 1128717 w 1995691"/>
+                <a:gd name="connsiteY3" fmla="*/ 575307 h 651949"/>
+                <a:gd name="connsiteX4" fmla="*/ 1505005 w 1995691"/>
+                <a:gd name="connsiteY4" fmla="*/ 644054 h 651949"/>
+                <a:gd name="connsiteX5" fmla="*/ 1917476 w 1995691"/>
+                <a:gd name="connsiteY5" fmla="*/ 651291 h 651949"/>
+                <a:gd name="connsiteX6" fmla="*/ 1989839 w 1995691"/>
+                <a:gd name="connsiteY6" fmla="*/ 618726 h 651949"/>
+                <a:gd name="connsiteX7" fmla="*/ 1892149 w 1995691"/>
+                <a:gd name="connsiteY7" fmla="*/ 535506 h 651949"/>
+                <a:gd name="connsiteX8" fmla="*/ 1718477 w 1995691"/>
+                <a:gd name="connsiteY8" fmla="*/ 542742 h 651949"/>
+                <a:gd name="connsiteX9" fmla="*/ 1309625 w 1995691"/>
+                <a:gd name="connsiteY9" fmla="*/ 502941 h 651949"/>
+                <a:gd name="connsiteX10" fmla="*/ 947808 w 1995691"/>
+                <a:gd name="connsiteY10" fmla="*/ 387156 h 651949"/>
+                <a:gd name="connsiteX11" fmla="*/ 1316861 w 1995691"/>
+                <a:gd name="connsiteY11" fmla="*/ 394393 h 651949"/>
+                <a:gd name="connsiteX12" fmla="*/ 1667823 w 1995691"/>
+                <a:gd name="connsiteY12" fmla="*/ 332882 h 651949"/>
+                <a:gd name="connsiteX13" fmla="*/ 1580987 w 1995691"/>
+                <a:gd name="connsiteY13" fmla="*/ 217097 h 651949"/>
+                <a:gd name="connsiteX14" fmla="*/ 1479678 w 1995691"/>
+                <a:gd name="connsiteY14" fmla="*/ 238807 h 651949"/>
+                <a:gd name="connsiteX15" fmla="*/ 1219171 w 1995691"/>
+                <a:gd name="connsiteY15" fmla="*/ 253280 h 651949"/>
+                <a:gd name="connsiteX16" fmla="*/ 922481 w 1995691"/>
+                <a:gd name="connsiteY16" fmla="*/ 242425 h 651949"/>
+                <a:gd name="connsiteX17" fmla="*/ 651119 w 1995691"/>
+                <a:gd name="connsiteY17" fmla="*/ 180914 h 651949"/>
+                <a:gd name="connsiteX18" fmla="*/ 484684 w 1995691"/>
+                <a:gd name="connsiteY18" fmla="*/ 115785 h 651949"/>
+                <a:gd name="connsiteX19" fmla="*/ 448502 w 1995691"/>
+                <a:gd name="connsiteY19" fmla="*/ 75984 h 651949"/>
+                <a:gd name="connsiteX20" fmla="*/ 3468 w 1995691"/>
+                <a:gd name="connsiteY20" fmla="*/ 0 h 651949"/>
+                <a:gd name="connsiteX0" fmla="*/ 3468 w 1989839"/>
+                <a:gd name="connsiteY0" fmla="*/ 0 h 664521"/>
+                <a:gd name="connsiteX1" fmla="*/ 263976 w 1989839"/>
+                <a:gd name="connsiteY1" fmla="*/ 199006 h 664521"/>
+                <a:gd name="connsiteX2" fmla="*/ 665592 w 1989839"/>
+                <a:gd name="connsiteY2" fmla="*/ 412484 h 664521"/>
+                <a:gd name="connsiteX3" fmla="*/ 1128717 w 1989839"/>
+                <a:gd name="connsiteY3" fmla="*/ 575307 h 664521"/>
+                <a:gd name="connsiteX4" fmla="*/ 1505005 w 1989839"/>
+                <a:gd name="connsiteY4" fmla="*/ 644054 h 664521"/>
+                <a:gd name="connsiteX5" fmla="*/ 1917476 w 1989839"/>
+                <a:gd name="connsiteY5" fmla="*/ 651291 h 664521"/>
+                <a:gd name="connsiteX6" fmla="*/ 1989839 w 1989839"/>
+                <a:gd name="connsiteY6" fmla="*/ 618726 h 664521"/>
+                <a:gd name="connsiteX7" fmla="*/ 1892149 w 1989839"/>
+                <a:gd name="connsiteY7" fmla="*/ 535506 h 664521"/>
+                <a:gd name="connsiteX8" fmla="*/ 1718477 w 1989839"/>
+                <a:gd name="connsiteY8" fmla="*/ 542742 h 664521"/>
+                <a:gd name="connsiteX9" fmla="*/ 1309625 w 1989839"/>
+                <a:gd name="connsiteY9" fmla="*/ 502941 h 664521"/>
+                <a:gd name="connsiteX10" fmla="*/ 947808 w 1989839"/>
+                <a:gd name="connsiteY10" fmla="*/ 387156 h 664521"/>
+                <a:gd name="connsiteX11" fmla="*/ 1316861 w 1989839"/>
+                <a:gd name="connsiteY11" fmla="*/ 394393 h 664521"/>
+                <a:gd name="connsiteX12" fmla="*/ 1667823 w 1989839"/>
+                <a:gd name="connsiteY12" fmla="*/ 332882 h 664521"/>
+                <a:gd name="connsiteX13" fmla="*/ 1580987 w 1989839"/>
+                <a:gd name="connsiteY13" fmla="*/ 217097 h 664521"/>
+                <a:gd name="connsiteX14" fmla="*/ 1479678 w 1989839"/>
+                <a:gd name="connsiteY14" fmla="*/ 238807 h 664521"/>
+                <a:gd name="connsiteX15" fmla="*/ 1219171 w 1989839"/>
+                <a:gd name="connsiteY15" fmla="*/ 253280 h 664521"/>
+                <a:gd name="connsiteX16" fmla="*/ 922481 w 1989839"/>
+                <a:gd name="connsiteY16" fmla="*/ 242425 h 664521"/>
+                <a:gd name="connsiteX17" fmla="*/ 651119 w 1989839"/>
+                <a:gd name="connsiteY17" fmla="*/ 180914 h 664521"/>
+                <a:gd name="connsiteX18" fmla="*/ 484684 w 1989839"/>
+                <a:gd name="connsiteY18" fmla="*/ 115785 h 664521"/>
+                <a:gd name="connsiteX19" fmla="*/ 448502 w 1989839"/>
+                <a:gd name="connsiteY19" fmla="*/ 75984 h 664521"/>
+                <a:gd name="connsiteX20" fmla="*/ 3468 w 1989839"/>
+                <a:gd name="connsiteY20" fmla="*/ 0 h 664521"/>
+                <a:gd name="connsiteX0" fmla="*/ 3468 w 1989839"/>
+                <a:gd name="connsiteY0" fmla="*/ 0 h 664521"/>
+                <a:gd name="connsiteX1" fmla="*/ 263976 w 1989839"/>
+                <a:gd name="connsiteY1" fmla="*/ 199006 h 664521"/>
+                <a:gd name="connsiteX2" fmla="*/ 665592 w 1989839"/>
+                <a:gd name="connsiteY2" fmla="*/ 412484 h 664521"/>
+                <a:gd name="connsiteX3" fmla="*/ 1128717 w 1989839"/>
+                <a:gd name="connsiteY3" fmla="*/ 575307 h 664521"/>
+                <a:gd name="connsiteX4" fmla="*/ 1505005 w 1989839"/>
+                <a:gd name="connsiteY4" fmla="*/ 644054 h 664521"/>
+                <a:gd name="connsiteX5" fmla="*/ 1917476 w 1989839"/>
+                <a:gd name="connsiteY5" fmla="*/ 651291 h 664521"/>
+                <a:gd name="connsiteX6" fmla="*/ 1989839 w 1989839"/>
+                <a:gd name="connsiteY6" fmla="*/ 618726 h 664521"/>
+                <a:gd name="connsiteX7" fmla="*/ 1892149 w 1989839"/>
+                <a:gd name="connsiteY7" fmla="*/ 535506 h 664521"/>
+                <a:gd name="connsiteX8" fmla="*/ 1718477 w 1989839"/>
+                <a:gd name="connsiteY8" fmla="*/ 542742 h 664521"/>
+                <a:gd name="connsiteX9" fmla="*/ 1309625 w 1989839"/>
+                <a:gd name="connsiteY9" fmla="*/ 502941 h 664521"/>
+                <a:gd name="connsiteX10" fmla="*/ 947808 w 1989839"/>
+                <a:gd name="connsiteY10" fmla="*/ 387156 h 664521"/>
+                <a:gd name="connsiteX11" fmla="*/ 1316861 w 1989839"/>
+                <a:gd name="connsiteY11" fmla="*/ 394393 h 664521"/>
+                <a:gd name="connsiteX12" fmla="*/ 1667823 w 1989839"/>
+                <a:gd name="connsiteY12" fmla="*/ 332882 h 664521"/>
+                <a:gd name="connsiteX13" fmla="*/ 1580987 w 1989839"/>
+                <a:gd name="connsiteY13" fmla="*/ 217097 h 664521"/>
+                <a:gd name="connsiteX14" fmla="*/ 1479678 w 1989839"/>
+                <a:gd name="connsiteY14" fmla="*/ 238807 h 664521"/>
+                <a:gd name="connsiteX15" fmla="*/ 1219171 w 1989839"/>
+                <a:gd name="connsiteY15" fmla="*/ 253280 h 664521"/>
+                <a:gd name="connsiteX16" fmla="*/ 922481 w 1989839"/>
+                <a:gd name="connsiteY16" fmla="*/ 242425 h 664521"/>
+                <a:gd name="connsiteX17" fmla="*/ 651119 w 1989839"/>
+                <a:gd name="connsiteY17" fmla="*/ 180914 h 664521"/>
+                <a:gd name="connsiteX18" fmla="*/ 484684 w 1989839"/>
+                <a:gd name="connsiteY18" fmla="*/ 115785 h 664521"/>
+                <a:gd name="connsiteX19" fmla="*/ 448502 w 1989839"/>
+                <a:gd name="connsiteY19" fmla="*/ 75984 h 664521"/>
+                <a:gd name="connsiteX20" fmla="*/ 3468 w 1989839"/>
+                <a:gd name="connsiteY20" fmla="*/ 0 h 664521"/>
+                <a:gd name="connsiteX0" fmla="*/ 3468 w 1989839"/>
+                <a:gd name="connsiteY0" fmla="*/ 0 h 664521"/>
+                <a:gd name="connsiteX1" fmla="*/ 263976 w 1989839"/>
+                <a:gd name="connsiteY1" fmla="*/ 199006 h 664521"/>
+                <a:gd name="connsiteX2" fmla="*/ 665592 w 1989839"/>
+                <a:gd name="connsiteY2" fmla="*/ 412484 h 664521"/>
+                <a:gd name="connsiteX3" fmla="*/ 1128717 w 1989839"/>
+                <a:gd name="connsiteY3" fmla="*/ 575307 h 664521"/>
+                <a:gd name="connsiteX4" fmla="*/ 1505005 w 1989839"/>
+                <a:gd name="connsiteY4" fmla="*/ 644054 h 664521"/>
+                <a:gd name="connsiteX5" fmla="*/ 1917476 w 1989839"/>
+                <a:gd name="connsiteY5" fmla="*/ 651291 h 664521"/>
+                <a:gd name="connsiteX6" fmla="*/ 1989839 w 1989839"/>
+                <a:gd name="connsiteY6" fmla="*/ 618726 h 664521"/>
+                <a:gd name="connsiteX7" fmla="*/ 1892149 w 1989839"/>
+                <a:gd name="connsiteY7" fmla="*/ 535506 h 664521"/>
+                <a:gd name="connsiteX8" fmla="*/ 1718477 w 1989839"/>
+                <a:gd name="connsiteY8" fmla="*/ 542742 h 664521"/>
+                <a:gd name="connsiteX9" fmla="*/ 1309625 w 1989839"/>
+                <a:gd name="connsiteY9" fmla="*/ 502941 h 664521"/>
+                <a:gd name="connsiteX10" fmla="*/ 947808 w 1989839"/>
+                <a:gd name="connsiteY10" fmla="*/ 387156 h 664521"/>
+                <a:gd name="connsiteX11" fmla="*/ 1316861 w 1989839"/>
+                <a:gd name="connsiteY11" fmla="*/ 394393 h 664521"/>
+                <a:gd name="connsiteX12" fmla="*/ 1667823 w 1989839"/>
+                <a:gd name="connsiteY12" fmla="*/ 332882 h 664521"/>
+                <a:gd name="connsiteX13" fmla="*/ 1580987 w 1989839"/>
+                <a:gd name="connsiteY13" fmla="*/ 217097 h 664521"/>
+                <a:gd name="connsiteX14" fmla="*/ 1479678 w 1989839"/>
+                <a:gd name="connsiteY14" fmla="*/ 238807 h 664521"/>
+                <a:gd name="connsiteX15" fmla="*/ 1219171 w 1989839"/>
+                <a:gd name="connsiteY15" fmla="*/ 253280 h 664521"/>
+                <a:gd name="connsiteX16" fmla="*/ 922481 w 1989839"/>
+                <a:gd name="connsiteY16" fmla="*/ 242425 h 664521"/>
+                <a:gd name="connsiteX17" fmla="*/ 651119 w 1989839"/>
+                <a:gd name="connsiteY17" fmla="*/ 180914 h 664521"/>
+                <a:gd name="connsiteX18" fmla="*/ 484684 w 1989839"/>
+                <a:gd name="connsiteY18" fmla="*/ 115785 h 664521"/>
+                <a:gd name="connsiteX19" fmla="*/ 448502 w 1989839"/>
+                <a:gd name="connsiteY19" fmla="*/ 75984 h 664521"/>
+                <a:gd name="connsiteX20" fmla="*/ 3468 w 1989839"/>
+                <a:gd name="connsiteY20" fmla="*/ 0 h 664521"/>
+                <a:gd name="connsiteX0" fmla="*/ 3468 w 1989839"/>
+                <a:gd name="connsiteY0" fmla="*/ 0 h 664521"/>
+                <a:gd name="connsiteX1" fmla="*/ 263976 w 1989839"/>
+                <a:gd name="connsiteY1" fmla="*/ 199006 h 664521"/>
+                <a:gd name="connsiteX2" fmla="*/ 665592 w 1989839"/>
+                <a:gd name="connsiteY2" fmla="*/ 412484 h 664521"/>
+                <a:gd name="connsiteX3" fmla="*/ 1128717 w 1989839"/>
+                <a:gd name="connsiteY3" fmla="*/ 575307 h 664521"/>
+                <a:gd name="connsiteX4" fmla="*/ 1505005 w 1989839"/>
+                <a:gd name="connsiteY4" fmla="*/ 644054 h 664521"/>
+                <a:gd name="connsiteX5" fmla="*/ 1917476 w 1989839"/>
+                <a:gd name="connsiteY5" fmla="*/ 651291 h 664521"/>
+                <a:gd name="connsiteX6" fmla="*/ 1989839 w 1989839"/>
+                <a:gd name="connsiteY6" fmla="*/ 618726 h 664521"/>
+                <a:gd name="connsiteX7" fmla="*/ 1892149 w 1989839"/>
+                <a:gd name="connsiteY7" fmla="*/ 535506 h 664521"/>
+                <a:gd name="connsiteX8" fmla="*/ 1718477 w 1989839"/>
+                <a:gd name="connsiteY8" fmla="*/ 542742 h 664521"/>
+                <a:gd name="connsiteX9" fmla="*/ 1309625 w 1989839"/>
+                <a:gd name="connsiteY9" fmla="*/ 502941 h 664521"/>
+                <a:gd name="connsiteX10" fmla="*/ 947808 w 1989839"/>
+                <a:gd name="connsiteY10" fmla="*/ 387156 h 664521"/>
+                <a:gd name="connsiteX11" fmla="*/ 1316861 w 1989839"/>
+                <a:gd name="connsiteY11" fmla="*/ 394393 h 664521"/>
+                <a:gd name="connsiteX12" fmla="*/ 1667823 w 1989839"/>
+                <a:gd name="connsiteY12" fmla="*/ 332882 h 664521"/>
+                <a:gd name="connsiteX13" fmla="*/ 1580987 w 1989839"/>
+                <a:gd name="connsiteY13" fmla="*/ 217097 h 664521"/>
+                <a:gd name="connsiteX14" fmla="*/ 1479678 w 1989839"/>
+                <a:gd name="connsiteY14" fmla="*/ 238807 h 664521"/>
+                <a:gd name="connsiteX15" fmla="*/ 1219171 w 1989839"/>
+                <a:gd name="connsiteY15" fmla="*/ 253280 h 664521"/>
+                <a:gd name="connsiteX16" fmla="*/ 922481 w 1989839"/>
+                <a:gd name="connsiteY16" fmla="*/ 242425 h 664521"/>
+                <a:gd name="connsiteX17" fmla="*/ 651119 w 1989839"/>
+                <a:gd name="connsiteY17" fmla="*/ 180914 h 664521"/>
+                <a:gd name="connsiteX18" fmla="*/ 484684 w 1989839"/>
+                <a:gd name="connsiteY18" fmla="*/ 115785 h 664521"/>
+                <a:gd name="connsiteX19" fmla="*/ 448502 w 1989839"/>
+                <a:gd name="connsiteY19" fmla="*/ 75984 h 664521"/>
+                <a:gd name="connsiteX20" fmla="*/ 3468 w 1989839"/>
+                <a:gd name="connsiteY20" fmla="*/ 0 h 664521"/>
+                <a:gd name="connsiteX0" fmla="*/ 3468 w 1989839"/>
+                <a:gd name="connsiteY0" fmla="*/ 0 h 664521"/>
+                <a:gd name="connsiteX1" fmla="*/ 263976 w 1989839"/>
+                <a:gd name="connsiteY1" fmla="*/ 199006 h 664521"/>
+                <a:gd name="connsiteX2" fmla="*/ 665592 w 1989839"/>
+                <a:gd name="connsiteY2" fmla="*/ 412484 h 664521"/>
+                <a:gd name="connsiteX3" fmla="*/ 1128717 w 1989839"/>
+                <a:gd name="connsiteY3" fmla="*/ 575307 h 664521"/>
+                <a:gd name="connsiteX4" fmla="*/ 1505005 w 1989839"/>
+                <a:gd name="connsiteY4" fmla="*/ 644054 h 664521"/>
+                <a:gd name="connsiteX5" fmla="*/ 1917476 w 1989839"/>
+                <a:gd name="connsiteY5" fmla="*/ 651291 h 664521"/>
+                <a:gd name="connsiteX6" fmla="*/ 1989839 w 1989839"/>
+                <a:gd name="connsiteY6" fmla="*/ 618726 h 664521"/>
+                <a:gd name="connsiteX7" fmla="*/ 1892149 w 1989839"/>
+                <a:gd name="connsiteY7" fmla="*/ 535506 h 664521"/>
+                <a:gd name="connsiteX8" fmla="*/ 1718477 w 1989839"/>
+                <a:gd name="connsiteY8" fmla="*/ 542742 h 664521"/>
+                <a:gd name="connsiteX9" fmla="*/ 1309625 w 1989839"/>
+                <a:gd name="connsiteY9" fmla="*/ 502941 h 664521"/>
+                <a:gd name="connsiteX10" fmla="*/ 947808 w 1989839"/>
+                <a:gd name="connsiteY10" fmla="*/ 387156 h 664521"/>
+                <a:gd name="connsiteX11" fmla="*/ 1316861 w 1989839"/>
+                <a:gd name="connsiteY11" fmla="*/ 394393 h 664521"/>
+                <a:gd name="connsiteX12" fmla="*/ 1667823 w 1989839"/>
+                <a:gd name="connsiteY12" fmla="*/ 332882 h 664521"/>
+                <a:gd name="connsiteX13" fmla="*/ 1580987 w 1989839"/>
+                <a:gd name="connsiteY13" fmla="*/ 217097 h 664521"/>
+                <a:gd name="connsiteX14" fmla="*/ 1479678 w 1989839"/>
+                <a:gd name="connsiteY14" fmla="*/ 238807 h 664521"/>
+                <a:gd name="connsiteX15" fmla="*/ 1219171 w 1989839"/>
+                <a:gd name="connsiteY15" fmla="*/ 253280 h 664521"/>
+                <a:gd name="connsiteX16" fmla="*/ 922481 w 1989839"/>
+                <a:gd name="connsiteY16" fmla="*/ 242425 h 664521"/>
+                <a:gd name="connsiteX17" fmla="*/ 651119 w 1989839"/>
+                <a:gd name="connsiteY17" fmla="*/ 180914 h 664521"/>
+                <a:gd name="connsiteX18" fmla="*/ 484684 w 1989839"/>
+                <a:gd name="connsiteY18" fmla="*/ 115785 h 664521"/>
+                <a:gd name="connsiteX19" fmla="*/ 448502 w 1989839"/>
+                <a:gd name="connsiteY19" fmla="*/ 75984 h 664521"/>
+                <a:gd name="connsiteX20" fmla="*/ 3468 w 1989839"/>
+                <a:gd name="connsiteY20" fmla="*/ 0 h 664521"/>
+                <a:gd name="connsiteX0" fmla="*/ 3468 w 1989839"/>
+                <a:gd name="connsiteY0" fmla="*/ 0 h 664521"/>
+                <a:gd name="connsiteX1" fmla="*/ 263976 w 1989839"/>
+                <a:gd name="connsiteY1" fmla="*/ 199006 h 664521"/>
+                <a:gd name="connsiteX2" fmla="*/ 665592 w 1989839"/>
+                <a:gd name="connsiteY2" fmla="*/ 412484 h 664521"/>
+                <a:gd name="connsiteX3" fmla="*/ 1128717 w 1989839"/>
+                <a:gd name="connsiteY3" fmla="*/ 575307 h 664521"/>
+                <a:gd name="connsiteX4" fmla="*/ 1505005 w 1989839"/>
+                <a:gd name="connsiteY4" fmla="*/ 644054 h 664521"/>
+                <a:gd name="connsiteX5" fmla="*/ 1917476 w 1989839"/>
+                <a:gd name="connsiteY5" fmla="*/ 651291 h 664521"/>
+                <a:gd name="connsiteX6" fmla="*/ 1989839 w 1989839"/>
+                <a:gd name="connsiteY6" fmla="*/ 618726 h 664521"/>
+                <a:gd name="connsiteX7" fmla="*/ 1892149 w 1989839"/>
+                <a:gd name="connsiteY7" fmla="*/ 535506 h 664521"/>
+                <a:gd name="connsiteX8" fmla="*/ 1718477 w 1989839"/>
+                <a:gd name="connsiteY8" fmla="*/ 542742 h 664521"/>
+                <a:gd name="connsiteX9" fmla="*/ 1309625 w 1989839"/>
+                <a:gd name="connsiteY9" fmla="*/ 490241 h 664521"/>
+                <a:gd name="connsiteX10" fmla="*/ 947808 w 1989839"/>
+                <a:gd name="connsiteY10" fmla="*/ 387156 h 664521"/>
+                <a:gd name="connsiteX11" fmla="*/ 1316861 w 1989839"/>
+                <a:gd name="connsiteY11" fmla="*/ 394393 h 664521"/>
+                <a:gd name="connsiteX12" fmla="*/ 1667823 w 1989839"/>
+                <a:gd name="connsiteY12" fmla="*/ 332882 h 664521"/>
+                <a:gd name="connsiteX13" fmla="*/ 1580987 w 1989839"/>
+                <a:gd name="connsiteY13" fmla="*/ 217097 h 664521"/>
+                <a:gd name="connsiteX14" fmla="*/ 1479678 w 1989839"/>
+                <a:gd name="connsiteY14" fmla="*/ 238807 h 664521"/>
+                <a:gd name="connsiteX15" fmla="*/ 1219171 w 1989839"/>
+                <a:gd name="connsiteY15" fmla="*/ 253280 h 664521"/>
+                <a:gd name="connsiteX16" fmla="*/ 922481 w 1989839"/>
+                <a:gd name="connsiteY16" fmla="*/ 242425 h 664521"/>
+                <a:gd name="connsiteX17" fmla="*/ 651119 w 1989839"/>
+                <a:gd name="connsiteY17" fmla="*/ 180914 h 664521"/>
+                <a:gd name="connsiteX18" fmla="*/ 484684 w 1989839"/>
+                <a:gd name="connsiteY18" fmla="*/ 115785 h 664521"/>
+                <a:gd name="connsiteX19" fmla="*/ 448502 w 1989839"/>
+                <a:gd name="connsiteY19" fmla="*/ 75984 h 664521"/>
+                <a:gd name="connsiteX20" fmla="*/ 3468 w 1989839"/>
+                <a:gd name="connsiteY20" fmla="*/ 0 h 664521"/>
+                <a:gd name="connsiteX0" fmla="*/ 3468 w 1989839"/>
+                <a:gd name="connsiteY0" fmla="*/ 0 h 664521"/>
+                <a:gd name="connsiteX1" fmla="*/ 263976 w 1989839"/>
+                <a:gd name="connsiteY1" fmla="*/ 199006 h 664521"/>
+                <a:gd name="connsiteX2" fmla="*/ 665592 w 1989839"/>
+                <a:gd name="connsiteY2" fmla="*/ 412484 h 664521"/>
+                <a:gd name="connsiteX3" fmla="*/ 1128717 w 1989839"/>
+                <a:gd name="connsiteY3" fmla="*/ 575307 h 664521"/>
+                <a:gd name="connsiteX4" fmla="*/ 1505005 w 1989839"/>
+                <a:gd name="connsiteY4" fmla="*/ 644054 h 664521"/>
+                <a:gd name="connsiteX5" fmla="*/ 1917476 w 1989839"/>
+                <a:gd name="connsiteY5" fmla="*/ 651291 h 664521"/>
+                <a:gd name="connsiteX6" fmla="*/ 1989839 w 1989839"/>
+                <a:gd name="connsiteY6" fmla="*/ 618726 h 664521"/>
+                <a:gd name="connsiteX7" fmla="*/ 1892149 w 1989839"/>
+                <a:gd name="connsiteY7" fmla="*/ 535506 h 664521"/>
+                <a:gd name="connsiteX8" fmla="*/ 1718477 w 1989839"/>
+                <a:gd name="connsiteY8" fmla="*/ 542742 h 664521"/>
+                <a:gd name="connsiteX9" fmla="*/ 1309625 w 1989839"/>
+                <a:gd name="connsiteY9" fmla="*/ 490241 h 664521"/>
+                <a:gd name="connsiteX10" fmla="*/ 947808 w 1989839"/>
+                <a:gd name="connsiteY10" fmla="*/ 387156 h 664521"/>
+                <a:gd name="connsiteX11" fmla="*/ 1316861 w 1989839"/>
+                <a:gd name="connsiteY11" fmla="*/ 394393 h 664521"/>
+                <a:gd name="connsiteX12" fmla="*/ 1667823 w 1989839"/>
+                <a:gd name="connsiteY12" fmla="*/ 332882 h 664521"/>
+                <a:gd name="connsiteX13" fmla="*/ 1580987 w 1989839"/>
+                <a:gd name="connsiteY13" fmla="*/ 217097 h 664521"/>
+                <a:gd name="connsiteX14" fmla="*/ 1479678 w 1989839"/>
+                <a:gd name="connsiteY14" fmla="*/ 238807 h 664521"/>
+                <a:gd name="connsiteX15" fmla="*/ 1219171 w 1989839"/>
+                <a:gd name="connsiteY15" fmla="*/ 253280 h 664521"/>
+                <a:gd name="connsiteX16" fmla="*/ 922481 w 1989839"/>
+                <a:gd name="connsiteY16" fmla="*/ 242425 h 664521"/>
+                <a:gd name="connsiteX17" fmla="*/ 651119 w 1989839"/>
+                <a:gd name="connsiteY17" fmla="*/ 180914 h 664521"/>
+                <a:gd name="connsiteX18" fmla="*/ 484684 w 1989839"/>
+                <a:gd name="connsiteY18" fmla="*/ 115785 h 664521"/>
+                <a:gd name="connsiteX19" fmla="*/ 448502 w 1989839"/>
+                <a:gd name="connsiteY19" fmla="*/ 75984 h 664521"/>
+                <a:gd name="connsiteX20" fmla="*/ 3468 w 1989839"/>
+                <a:gd name="connsiteY20" fmla="*/ 0 h 664521"/>
+                <a:gd name="connsiteX0" fmla="*/ 3468 w 1989839"/>
+                <a:gd name="connsiteY0" fmla="*/ 0 h 664521"/>
+                <a:gd name="connsiteX1" fmla="*/ 263976 w 1989839"/>
+                <a:gd name="connsiteY1" fmla="*/ 199006 h 664521"/>
+                <a:gd name="connsiteX2" fmla="*/ 665592 w 1989839"/>
+                <a:gd name="connsiteY2" fmla="*/ 412484 h 664521"/>
+                <a:gd name="connsiteX3" fmla="*/ 1128717 w 1989839"/>
+                <a:gd name="connsiteY3" fmla="*/ 575307 h 664521"/>
+                <a:gd name="connsiteX4" fmla="*/ 1505005 w 1989839"/>
+                <a:gd name="connsiteY4" fmla="*/ 644054 h 664521"/>
+                <a:gd name="connsiteX5" fmla="*/ 1917476 w 1989839"/>
+                <a:gd name="connsiteY5" fmla="*/ 651291 h 664521"/>
+                <a:gd name="connsiteX6" fmla="*/ 1989839 w 1989839"/>
+                <a:gd name="connsiteY6" fmla="*/ 618726 h 664521"/>
+                <a:gd name="connsiteX7" fmla="*/ 1892149 w 1989839"/>
+                <a:gd name="connsiteY7" fmla="*/ 535506 h 664521"/>
+                <a:gd name="connsiteX8" fmla="*/ 1718477 w 1989839"/>
+                <a:gd name="connsiteY8" fmla="*/ 542742 h 664521"/>
+                <a:gd name="connsiteX9" fmla="*/ 1309625 w 1989839"/>
+                <a:gd name="connsiteY9" fmla="*/ 490241 h 664521"/>
+                <a:gd name="connsiteX10" fmla="*/ 947808 w 1989839"/>
+                <a:gd name="connsiteY10" fmla="*/ 387156 h 664521"/>
+                <a:gd name="connsiteX11" fmla="*/ 1316861 w 1989839"/>
+                <a:gd name="connsiteY11" fmla="*/ 394393 h 664521"/>
+                <a:gd name="connsiteX12" fmla="*/ 1667823 w 1989839"/>
+                <a:gd name="connsiteY12" fmla="*/ 332882 h 664521"/>
+                <a:gd name="connsiteX13" fmla="*/ 1580987 w 1989839"/>
+                <a:gd name="connsiteY13" fmla="*/ 217097 h 664521"/>
+                <a:gd name="connsiteX14" fmla="*/ 1479678 w 1989839"/>
+                <a:gd name="connsiteY14" fmla="*/ 238807 h 664521"/>
+                <a:gd name="connsiteX15" fmla="*/ 1219171 w 1989839"/>
+                <a:gd name="connsiteY15" fmla="*/ 253280 h 664521"/>
+                <a:gd name="connsiteX16" fmla="*/ 922481 w 1989839"/>
+                <a:gd name="connsiteY16" fmla="*/ 242425 h 664521"/>
+                <a:gd name="connsiteX17" fmla="*/ 651119 w 1989839"/>
+                <a:gd name="connsiteY17" fmla="*/ 180914 h 664521"/>
+                <a:gd name="connsiteX18" fmla="*/ 484684 w 1989839"/>
+                <a:gd name="connsiteY18" fmla="*/ 115785 h 664521"/>
+                <a:gd name="connsiteX19" fmla="*/ 448502 w 1989839"/>
+                <a:gd name="connsiteY19" fmla="*/ 75984 h 664521"/>
+                <a:gd name="connsiteX20" fmla="*/ 3468 w 1989839"/>
+                <a:gd name="connsiteY20" fmla="*/ 0 h 664521"/>
+                <a:gd name="connsiteX0" fmla="*/ 3468 w 1989839"/>
+                <a:gd name="connsiteY0" fmla="*/ 0 h 664521"/>
+                <a:gd name="connsiteX1" fmla="*/ 263976 w 1989839"/>
+                <a:gd name="connsiteY1" fmla="*/ 199006 h 664521"/>
+                <a:gd name="connsiteX2" fmla="*/ 665592 w 1989839"/>
+                <a:gd name="connsiteY2" fmla="*/ 412484 h 664521"/>
+                <a:gd name="connsiteX3" fmla="*/ 1128717 w 1989839"/>
+                <a:gd name="connsiteY3" fmla="*/ 575307 h 664521"/>
+                <a:gd name="connsiteX4" fmla="*/ 1505005 w 1989839"/>
+                <a:gd name="connsiteY4" fmla="*/ 644054 h 664521"/>
+                <a:gd name="connsiteX5" fmla="*/ 1917476 w 1989839"/>
+                <a:gd name="connsiteY5" fmla="*/ 651291 h 664521"/>
+                <a:gd name="connsiteX6" fmla="*/ 1989839 w 1989839"/>
+                <a:gd name="connsiteY6" fmla="*/ 618726 h 664521"/>
+                <a:gd name="connsiteX7" fmla="*/ 1892149 w 1989839"/>
+                <a:gd name="connsiteY7" fmla="*/ 535506 h 664521"/>
+                <a:gd name="connsiteX8" fmla="*/ 1718477 w 1989839"/>
+                <a:gd name="connsiteY8" fmla="*/ 542742 h 664521"/>
+                <a:gd name="connsiteX9" fmla="*/ 1309625 w 1989839"/>
+                <a:gd name="connsiteY9" fmla="*/ 490241 h 664521"/>
+                <a:gd name="connsiteX10" fmla="*/ 947808 w 1989839"/>
+                <a:gd name="connsiteY10" fmla="*/ 387156 h 664521"/>
+                <a:gd name="connsiteX11" fmla="*/ 1316861 w 1989839"/>
+                <a:gd name="connsiteY11" fmla="*/ 394393 h 664521"/>
+                <a:gd name="connsiteX12" fmla="*/ 1667823 w 1989839"/>
+                <a:gd name="connsiteY12" fmla="*/ 332882 h 664521"/>
+                <a:gd name="connsiteX13" fmla="*/ 1580987 w 1989839"/>
+                <a:gd name="connsiteY13" fmla="*/ 217097 h 664521"/>
+                <a:gd name="connsiteX14" fmla="*/ 1479678 w 1989839"/>
+                <a:gd name="connsiteY14" fmla="*/ 238807 h 664521"/>
+                <a:gd name="connsiteX15" fmla="*/ 1219171 w 1989839"/>
+                <a:gd name="connsiteY15" fmla="*/ 253280 h 664521"/>
+                <a:gd name="connsiteX16" fmla="*/ 922481 w 1989839"/>
+                <a:gd name="connsiteY16" fmla="*/ 242425 h 664521"/>
+                <a:gd name="connsiteX17" fmla="*/ 651119 w 1989839"/>
+                <a:gd name="connsiteY17" fmla="*/ 180914 h 664521"/>
+                <a:gd name="connsiteX18" fmla="*/ 484684 w 1989839"/>
+                <a:gd name="connsiteY18" fmla="*/ 115785 h 664521"/>
+                <a:gd name="connsiteX19" fmla="*/ 448502 w 1989839"/>
+                <a:gd name="connsiteY19" fmla="*/ 75984 h 664521"/>
+                <a:gd name="connsiteX20" fmla="*/ 3468 w 1989839"/>
+                <a:gd name="connsiteY20" fmla="*/ 0 h 664521"/>
+                <a:gd name="connsiteX0" fmla="*/ 3468 w 1989839"/>
+                <a:gd name="connsiteY0" fmla="*/ 0 h 664521"/>
+                <a:gd name="connsiteX1" fmla="*/ 263976 w 1989839"/>
+                <a:gd name="connsiteY1" fmla="*/ 199006 h 664521"/>
+                <a:gd name="connsiteX2" fmla="*/ 665592 w 1989839"/>
+                <a:gd name="connsiteY2" fmla="*/ 412484 h 664521"/>
+                <a:gd name="connsiteX3" fmla="*/ 1128717 w 1989839"/>
+                <a:gd name="connsiteY3" fmla="*/ 575307 h 664521"/>
+                <a:gd name="connsiteX4" fmla="*/ 1505005 w 1989839"/>
+                <a:gd name="connsiteY4" fmla="*/ 644054 h 664521"/>
+                <a:gd name="connsiteX5" fmla="*/ 1917476 w 1989839"/>
+                <a:gd name="connsiteY5" fmla="*/ 651291 h 664521"/>
+                <a:gd name="connsiteX6" fmla="*/ 1989839 w 1989839"/>
+                <a:gd name="connsiteY6" fmla="*/ 618726 h 664521"/>
+                <a:gd name="connsiteX7" fmla="*/ 1892149 w 1989839"/>
+                <a:gd name="connsiteY7" fmla="*/ 535506 h 664521"/>
+                <a:gd name="connsiteX8" fmla="*/ 1718477 w 1989839"/>
+                <a:gd name="connsiteY8" fmla="*/ 542742 h 664521"/>
+                <a:gd name="connsiteX9" fmla="*/ 1309625 w 1989839"/>
+                <a:gd name="connsiteY9" fmla="*/ 490241 h 664521"/>
+                <a:gd name="connsiteX10" fmla="*/ 947808 w 1989839"/>
+                <a:gd name="connsiteY10" fmla="*/ 387156 h 664521"/>
+                <a:gd name="connsiteX11" fmla="*/ 1316861 w 1989839"/>
+                <a:gd name="connsiteY11" fmla="*/ 394393 h 664521"/>
+                <a:gd name="connsiteX12" fmla="*/ 1667823 w 1989839"/>
+                <a:gd name="connsiteY12" fmla="*/ 332882 h 664521"/>
+                <a:gd name="connsiteX13" fmla="*/ 1580987 w 1989839"/>
+                <a:gd name="connsiteY13" fmla="*/ 217097 h 664521"/>
+                <a:gd name="connsiteX14" fmla="*/ 1479678 w 1989839"/>
+                <a:gd name="connsiteY14" fmla="*/ 238807 h 664521"/>
+                <a:gd name="connsiteX15" fmla="*/ 1219171 w 1989839"/>
+                <a:gd name="connsiteY15" fmla="*/ 253280 h 664521"/>
+                <a:gd name="connsiteX16" fmla="*/ 922481 w 1989839"/>
+                <a:gd name="connsiteY16" fmla="*/ 242425 h 664521"/>
+                <a:gd name="connsiteX17" fmla="*/ 651119 w 1989839"/>
+                <a:gd name="connsiteY17" fmla="*/ 180914 h 664521"/>
+                <a:gd name="connsiteX18" fmla="*/ 484684 w 1989839"/>
+                <a:gd name="connsiteY18" fmla="*/ 115785 h 664521"/>
+                <a:gd name="connsiteX19" fmla="*/ 448502 w 1989839"/>
+                <a:gd name="connsiteY19" fmla="*/ 75984 h 664521"/>
+                <a:gd name="connsiteX20" fmla="*/ 3468 w 1989839"/>
+                <a:gd name="connsiteY20" fmla="*/ 0 h 664521"/>
+                <a:gd name="connsiteX0" fmla="*/ 3468 w 1989839"/>
+                <a:gd name="connsiteY0" fmla="*/ 0 h 664521"/>
+                <a:gd name="connsiteX1" fmla="*/ 263976 w 1989839"/>
+                <a:gd name="connsiteY1" fmla="*/ 199006 h 664521"/>
+                <a:gd name="connsiteX2" fmla="*/ 665592 w 1989839"/>
+                <a:gd name="connsiteY2" fmla="*/ 412484 h 664521"/>
+                <a:gd name="connsiteX3" fmla="*/ 1128717 w 1989839"/>
+                <a:gd name="connsiteY3" fmla="*/ 575307 h 664521"/>
+                <a:gd name="connsiteX4" fmla="*/ 1505005 w 1989839"/>
+                <a:gd name="connsiteY4" fmla="*/ 644054 h 664521"/>
+                <a:gd name="connsiteX5" fmla="*/ 1917476 w 1989839"/>
+                <a:gd name="connsiteY5" fmla="*/ 651291 h 664521"/>
+                <a:gd name="connsiteX6" fmla="*/ 1989839 w 1989839"/>
+                <a:gd name="connsiteY6" fmla="*/ 618726 h 664521"/>
+                <a:gd name="connsiteX7" fmla="*/ 1892149 w 1989839"/>
+                <a:gd name="connsiteY7" fmla="*/ 535506 h 664521"/>
+                <a:gd name="connsiteX8" fmla="*/ 1718477 w 1989839"/>
+                <a:gd name="connsiteY8" fmla="*/ 542742 h 664521"/>
+                <a:gd name="connsiteX9" fmla="*/ 1309625 w 1989839"/>
+                <a:gd name="connsiteY9" fmla="*/ 490241 h 664521"/>
+                <a:gd name="connsiteX10" fmla="*/ 947808 w 1989839"/>
+                <a:gd name="connsiteY10" fmla="*/ 387156 h 664521"/>
+                <a:gd name="connsiteX11" fmla="*/ 1316861 w 1989839"/>
+                <a:gd name="connsiteY11" fmla="*/ 394393 h 664521"/>
+                <a:gd name="connsiteX12" fmla="*/ 1667823 w 1989839"/>
+                <a:gd name="connsiteY12" fmla="*/ 332882 h 664521"/>
+                <a:gd name="connsiteX13" fmla="*/ 1580987 w 1989839"/>
+                <a:gd name="connsiteY13" fmla="*/ 217097 h 664521"/>
+                <a:gd name="connsiteX14" fmla="*/ 1479678 w 1989839"/>
+                <a:gd name="connsiteY14" fmla="*/ 238807 h 664521"/>
+                <a:gd name="connsiteX15" fmla="*/ 1219171 w 1989839"/>
+                <a:gd name="connsiteY15" fmla="*/ 253280 h 664521"/>
+                <a:gd name="connsiteX16" fmla="*/ 922481 w 1989839"/>
+                <a:gd name="connsiteY16" fmla="*/ 242425 h 664521"/>
+                <a:gd name="connsiteX17" fmla="*/ 651119 w 1989839"/>
+                <a:gd name="connsiteY17" fmla="*/ 180914 h 664521"/>
+                <a:gd name="connsiteX18" fmla="*/ 484684 w 1989839"/>
+                <a:gd name="connsiteY18" fmla="*/ 115785 h 664521"/>
+                <a:gd name="connsiteX19" fmla="*/ 448502 w 1989839"/>
+                <a:gd name="connsiteY19" fmla="*/ 75984 h 664521"/>
+                <a:gd name="connsiteX20" fmla="*/ 3468 w 1989839"/>
+                <a:gd name="connsiteY20" fmla="*/ 0 h 664521"/>
+                <a:gd name="connsiteX0" fmla="*/ 3468 w 1989839"/>
+                <a:gd name="connsiteY0" fmla="*/ 0 h 664521"/>
+                <a:gd name="connsiteX1" fmla="*/ 263976 w 1989839"/>
+                <a:gd name="connsiteY1" fmla="*/ 199006 h 664521"/>
+                <a:gd name="connsiteX2" fmla="*/ 665592 w 1989839"/>
+                <a:gd name="connsiteY2" fmla="*/ 412484 h 664521"/>
+                <a:gd name="connsiteX3" fmla="*/ 1128717 w 1989839"/>
+                <a:gd name="connsiteY3" fmla="*/ 575307 h 664521"/>
+                <a:gd name="connsiteX4" fmla="*/ 1505005 w 1989839"/>
+                <a:gd name="connsiteY4" fmla="*/ 644054 h 664521"/>
+                <a:gd name="connsiteX5" fmla="*/ 1917476 w 1989839"/>
+                <a:gd name="connsiteY5" fmla="*/ 651291 h 664521"/>
+                <a:gd name="connsiteX6" fmla="*/ 1989839 w 1989839"/>
+                <a:gd name="connsiteY6" fmla="*/ 618726 h 664521"/>
+                <a:gd name="connsiteX7" fmla="*/ 1892149 w 1989839"/>
+                <a:gd name="connsiteY7" fmla="*/ 535506 h 664521"/>
+                <a:gd name="connsiteX8" fmla="*/ 1718477 w 1989839"/>
+                <a:gd name="connsiteY8" fmla="*/ 542742 h 664521"/>
+                <a:gd name="connsiteX9" fmla="*/ 1309625 w 1989839"/>
+                <a:gd name="connsiteY9" fmla="*/ 490241 h 664521"/>
+                <a:gd name="connsiteX10" fmla="*/ 947808 w 1989839"/>
+                <a:gd name="connsiteY10" fmla="*/ 387156 h 664521"/>
+                <a:gd name="connsiteX11" fmla="*/ 1316861 w 1989839"/>
+                <a:gd name="connsiteY11" fmla="*/ 394393 h 664521"/>
+                <a:gd name="connsiteX12" fmla="*/ 1667823 w 1989839"/>
+                <a:gd name="connsiteY12" fmla="*/ 332882 h 664521"/>
+                <a:gd name="connsiteX13" fmla="*/ 1580987 w 1989839"/>
+                <a:gd name="connsiteY13" fmla="*/ 217097 h 664521"/>
+                <a:gd name="connsiteX14" fmla="*/ 1479678 w 1989839"/>
+                <a:gd name="connsiteY14" fmla="*/ 238807 h 664521"/>
+                <a:gd name="connsiteX15" fmla="*/ 1219171 w 1989839"/>
+                <a:gd name="connsiteY15" fmla="*/ 253280 h 664521"/>
+                <a:gd name="connsiteX16" fmla="*/ 922481 w 1989839"/>
+                <a:gd name="connsiteY16" fmla="*/ 242425 h 664521"/>
+                <a:gd name="connsiteX17" fmla="*/ 651119 w 1989839"/>
+                <a:gd name="connsiteY17" fmla="*/ 180914 h 664521"/>
+                <a:gd name="connsiteX18" fmla="*/ 448502 w 1989839"/>
+                <a:gd name="connsiteY18" fmla="*/ 75984 h 664521"/>
+                <a:gd name="connsiteX19" fmla="*/ 3468 w 1989839"/>
+                <a:gd name="connsiteY19" fmla="*/ 0 h 664521"/>
+                <a:gd name="connsiteX0" fmla="*/ 3468 w 1989839"/>
+                <a:gd name="connsiteY0" fmla="*/ 0 h 664521"/>
+                <a:gd name="connsiteX1" fmla="*/ 263976 w 1989839"/>
+                <a:gd name="connsiteY1" fmla="*/ 199006 h 664521"/>
+                <a:gd name="connsiteX2" fmla="*/ 665592 w 1989839"/>
+                <a:gd name="connsiteY2" fmla="*/ 412484 h 664521"/>
+                <a:gd name="connsiteX3" fmla="*/ 1128717 w 1989839"/>
+                <a:gd name="connsiteY3" fmla="*/ 575307 h 664521"/>
+                <a:gd name="connsiteX4" fmla="*/ 1505005 w 1989839"/>
+                <a:gd name="connsiteY4" fmla="*/ 644054 h 664521"/>
+                <a:gd name="connsiteX5" fmla="*/ 1917476 w 1989839"/>
+                <a:gd name="connsiteY5" fmla="*/ 651291 h 664521"/>
+                <a:gd name="connsiteX6" fmla="*/ 1989839 w 1989839"/>
+                <a:gd name="connsiteY6" fmla="*/ 618726 h 664521"/>
+                <a:gd name="connsiteX7" fmla="*/ 1892149 w 1989839"/>
+                <a:gd name="connsiteY7" fmla="*/ 535506 h 664521"/>
+                <a:gd name="connsiteX8" fmla="*/ 1718477 w 1989839"/>
+                <a:gd name="connsiteY8" fmla="*/ 542742 h 664521"/>
+                <a:gd name="connsiteX9" fmla="*/ 1309625 w 1989839"/>
+                <a:gd name="connsiteY9" fmla="*/ 490241 h 664521"/>
+                <a:gd name="connsiteX10" fmla="*/ 947808 w 1989839"/>
+                <a:gd name="connsiteY10" fmla="*/ 387156 h 664521"/>
+                <a:gd name="connsiteX11" fmla="*/ 1316861 w 1989839"/>
+                <a:gd name="connsiteY11" fmla="*/ 394393 h 664521"/>
+                <a:gd name="connsiteX12" fmla="*/ 1667823 w 1989839"/>
+                <a:gd name="connsiteY12" fmla="*/ 332882 h 664521"/>
+                <a:gd name="connsiteX13" fmla="*/ 1580987 w 1989839"/>
+                <a:gd name="connsiteY13" fmla="*/ 217097 h 664521"/>
+                <a:gd name="connsiteX14" fmla="*/ 1479678 w 1989839"/>
+                <a:gd name="connsiteY14" fmla="*/ 238807 h 664521"/>
+                <a:gd name="connsiteX15" fmla="*/ 1219171 w 1989839"/>
+                <a:gd name="connsiteY15" fmla="*/ 253280 h 664521"/>
+                <a:gd name="connsiteX16" fmla="*/ 916131 w 1989839"/>
+                <a:gd name="connsiteY16" fmla="*/ 232900 h 664521"/>
+                <a:gd name="connsiteX17" fmla="*/ 651119 w 1989839"/>
+                <a:gd name="connsiteY17" fmla="*/ 180914 h 664521"/>
+                <a:gd name="connsiteX18" fmla="*/ 448502 w 1989839"/>
+                <a:gd name="connsiteY18" fmla="*/ 75984 h 664521"/>
+                <a:gd name="connsiteX19" fmla="*/ 3468 w 1989839"/>
+                <a:gd name="connsiteY19" fmla="*/ 0 h 664521"/>
+                <a:gd name="connsiteX0" fmla="*/ 3468 w 1989839"/>
+                <a:gd name="connsiteY0" fmla="*/ 0 h 664521"/>
+                <a:gd name="connsiteX1" fmla="*/ 263976 w 1989839"/>
+                <a:gd name="connsiteY1" fmla="*/ 199006 h 664521"/>
+                <a:gd name="connsiteX2" fmla="*/ 665592 w 1989839"/>
+                <a:gd name="connsiteY2" fmla="*/ 412484 h 664521"/>
+                <a:gd name="connsiteX3" fmla="*/ 1128717 w 1989839"/>
+                <a:gd name="connsiteY3" fmla="*/ 575307 h 664521"/>
+                <a:gd name="connsiteX4" fmla="*/ 1505005 w 1989839"/>
+                <a:gd name="connsiteY4" fmla="*/ 644054 h 664521"/>
+                <a:gd name="connsiteX5" fmla="*/ 1917476 w 1989839"/>
+                <a:gd name="connsiteY5" fmla="*/ 651291 h 664521"/>
+                <a:gd name="connsiteX6" fmla="*/ 1989839 w 1989839"/>
+                <a:gd name="connsiteY6" fmla="*/ 618726 h 664521"/>
+                <a:gd name="connsiteX7" fmla="*/ 1892149 w 1989839"/>
+                <a:gd name="connsiteY7" fmla="*/ 535506 h 664521"/>
+                <a:gd name="connsiteX8" fmla="*/ 1718477 w 1989839"/>
+                <a:gd name="connsiteY8" fmla="*/ 542742 h 664521"/>
+                <a:gd name="connsiteX9" fmla="*/ 1309625 w 1989839"/>
+                <a:gd name="connsiteY9" fmla="*/ 490241 h 664521"/>
+                <a:gd name="connsiteX10" fmla="*/ 947808 w 1989839"/>
+                <a:gd name="connsiteY10" fmla="*/ 387156 h 664521"/>
+                <a:gd name="connsiteX11" fmla="*/ 1316861 w 1989839"/>
+                <a:gd name="connsiteY11" fmla="*/ 394393 h 664521"/>
+                <a:gd name="connsiteX12" fmla="*/ 1667823 w 1989839"/>
+                <a:gd name="connsiteY12" fmla="*/ 332882 h 664521"/>
+                <a:gd name="connsiteX13" fmla="*/ 1600037 w 1989839"/>
+                <a:gd name="connsiteY13" fmla="*/ 236147 h 664521"/>
+                <a:gd name="connsiteX14" fmla="*/ 1479678 w 1989839"/>
+                <a:gd name="connsiteY14" fmla="*/ 238807 h 664521"/>
+                <a:gd name="connsiteX15" fmla="*/ 1219171 w 1989839"/>
+                <a:gd name="connsiteY15" fmla="*/ 253280 h 664521"/>
+                <a:gd name="connsiteX16" fmla="*/ 916131 w 1989839"/>
+                <a:gd name="connsiteY16" fmla="*/ 232900 h 664521"/>
+                <a:gd name="connsiteX17" fmla="*/ 651119 w 1989839"/>
+                <a:gd name="connsiteY17" fmla="*/ 180914 h 664521"/>
+                <a:gd name="connsiteX18" fmla="*/ 448502 w 1989839"/>
+                <a:gd name="connsiteY18" fmla="*/ 75984 h 664521"/>
+                <a:gd name="connsiteX19" fmla="*/ 3468 w 1989839"/>
+                <a:gd name="connsiteY19" fmla="*/ 0 h 664521"/>
+                <a:gd name="connsiteX0" fmla="*/ 3468 w 1989839"/>
+                <a:gd name="connsiteY0" fmla="*/ 0 h 664521"/>
+                <a:gd name="connsiteX1" fmla="*/ 263976 w 1989839"/>
+                <a:gd name="connsiteY1" fmla="*/ 199006 h 664521"/>
+                <a:gd name="connsiteX2" fmla="*/ 665592 w 1989839"/>
+                <a:gd name="connsiteY2" fmla="*/ 412484 h 664521"/>
+                <a:gd name="connsiteX3" fmla="*/ 1128717 w 1989839"/>
+                <a:gd name="connsiteY3" fmla="*/ 575307 h 664521"/>
+                <a:gd name="connsiteX4" fmla="*/ 1505005 w 1989839"/>
+                <a:gd name="connsiteY4" fmla="*/ 644054 h 664521"/>
+                <a:gd name="connsiteX5" fmla="*/ 1917476 w 1989839"/>
+                <a:gd name="connsiteY5" fmla="*/ 651291 h 664521"/>
+                <a:gd name="connsiteX6" fmla="*/ 1989839 w 1989839"/>
+                <a:gd name="connsiteY6" fmla="*/ 618726 h 664521"/>
+                <a:gd name="connsiteX7" fmla="*/ 1911199 w 1989839"/>
+                <a:gd name="connsiteY7" fmla="*/ 541856 h 664521"/>
+                <a:gd name="connsiteX8" fmla="*/ 1718477 w 1989839"/>
+                <a:gd name="connsiteY8" fmla="*/ 542742 h 664521"/>
+                <a:gd name="connsiteX9" fmla="*/ 1309625 w 1989839"/>
+                <a:gd name="connsiteY9" fmla="*/ 490241 h 664521"/>
+                <a:gd name="connsiteX10" fmla="*/ 947808 w 1989839"/>
+                <a:gd name="connsiteY10" fmla="*/ 387156 h 664521"/>
+                <a:gd name="connsiteX11" fmla="*/ 1316861 w 1989839"/>
+                <a:gd name="connsiteY11" fmla="*/ 394393 h 664521"/>
+                <a:gd name="connsiteX12" fmla="*/ 1667823 w 1989839"/>
+                <a:gd name="connsiteY12" fmla="*/ 332882 h 664521"/>
+                <a:gd name="connsiteX13" fmla="*/ 1600037 w 1989839"/>
+                <a:gd name="connsiteY13" fmla="*/ 236147 h 664521"/>
+                <a:gd name="connsiteX14" fmla="*/ 1479678 w 1989839"/>
+                <a:gd name="connsiteY14" fmla="*/ 238807 h 664521"/>
+                <a:gd name="connsiteX15" fmla="*/ 1219171 w 1989839"/>
+                <a:gd name="connsiteY15" fmla="*/ 253280 h 664521"/>
+                <a:gd name="connsiteX16" fmla="*/ 916131 w 1989839"/>
+                <a:gd name="connsiteY16" fmla="*/ 232900 h 664521"/>
+                <a:gd name="connsiteX17" fmla="*/ 651119 w 1989839"/>
+                <a:gd name="connsiteY17" fmla="*/ 180914 h 664521"/>
+                <a:gd name="connsiteX18" fmla="*/ 448502 w 1989839"/>
+                <a:gd name="connsiteY18" fmla="*/ 75984 h 664521"/>
+                <a:gd name="connsiteX19" fmla="*/ 3468 w 1989839"/>
+                <a:gd name="connsiteY19" fmla="*/ 0 h 664521"/>
+                <a:gd name="connsiteX0" fmla="*/ 3468 w 1993120"/>
+                <a:gd name="connsiteY0" fmla="*/ 0 h 654588"/>
+                <a:gd name="connsiteX1" fmla="*/ 263976 w 1993120"/>
+                <a:gd name="connsiteY1" fmla="*/ 199006 h 654588"/>
+                <a:gd name="connsiteX2" fmla="*/ 665592 w 1993120"/>
+                <a:gd name="connsiteY2" fmla="*/ 412484 h 654588"/>
+                <a:gd name="connsiteX3" fmla="*/ 1128717 w 1993120"/>
+                <a:gd name="connsiteY3" fmla="*/ 575307 h 654588"/>
+                <a:gd name="connsiteX4" fmla="*/ 1505005 w 1993120"/>
+                <a:gd name="connsiteY4" fmla="*/ 644054 h 654588"/>
+                <a:gd name="connsiteX5" fmla="*/ 1917476 w 1993120"/>
+                <a:gd name="connsiteY5" fmla="*/ 651291 h 654588"/>
+                <a:gd name="connsiteX6" fmla="*/ 1993120 w 1993120"/>
+                <a:gd name="connsiteY6" fmla="*/ 585909 h 654588"/>
+                <a:gd name="connsiteX7" fmla="*/ 1911199 w 1993120"/>
+                <a:gd name="connsiteY7" fmla="*/ 541856 h 654588"/>
+                <a:gd name="connsiteX8" fmla="*/ 1718477 w 1993120"/>
+                <a:gd name="connsiteY8" fmla="*/ 542742 h 654588"/>
+                <a:gd name="connsiteX9" fmla="*/ 1309625 w 1993120"/>
+                <a:gd name="connsiteY9" fmla="*/ 490241 h 654588"/>
+                <a:gd name="connsiteX10" fmla="*/ 947808 w 1993120"/>
+                <a:gd name="connsiteY10" fmla="*/ 387156 h 654588"/>
+                <a:gd name="connsiteX11" fmla="*/ 1316861 w 1993120"/>
+                <a:gd name="connsiteY11" fmla="*/ 394393 h 654588"/>
+                <a:gd name="connsiteX12" fmla="*/ 1667823 w 1993120"/>
+                <a:gd name="connsiteY12" fmla="*/ 332882 h 654588"/>
+                <a:gd name="connsiteX13" fmla="*/ 1600037 w 1993120"/>
+                <a:gd name="connsiteY13" fmla="*/ 236147 h 654588"/>
+                <a:gd name="connsiteX14" fmla="*/ 1479678 w 1993120"/>
+                <a:gd name="connsiteY14" fmla="*/ 238807 h 654588"/>
+                <a:gd name="connsiteX15" fmla="*/ 1219171 w 1993120"/>
+                <a:gd name="connsiteY15" fmla="*/ 253280 h 654588"/>
+                <a:gd name="connsiteX16" fmla="*/ 916131 w 1993120"/>
+                <a:gd name="connsiteY16" fmla="*/ 232900 h 654588"/>
+                <a:gd name="connsiteX17" fmla="*/ 651119 w 1993120"/>
+                <a:gd name="connsiteY17" fmla="*/ 180914 h 654588"/>
+                <a:gd name="connsiteX18" fmla="*/ 448502 w 1993120"/>
+                <a:gd name="connsiteY18" fmla="*/ 75984 h 654588"/>
+                <a:gd name="connsiteX19" fmla="*/ 3468 w 1993120"/>
+                <a:gd name="connsiteY19" fmla="*/ 0 h 654588"/>
+                <a:gd name="connsiteX0" fmla="*/ 3468 w 2002965"/>
+                <a:gd name="connsiteY0" fmla="*/ 0 h 655980"/>
+                <a:gd name="connsiteX1" fmla="*/ 263976 w 2002965"/>
+                <a:gd name="connsiteY1" fmla="*/ 199006 h 655980"/>
+                <a:gd name="connsiteX2" fmla="*/ 665592 w 2002965"/>
+                <a:gd name="connsiteY2" fmla="*/ 412484 h 655980"/>
+                <a:gd name="connsiteX3" fmla="*/ 1128717 w 2002965"/>
+                <a:gd name="connsiteY3" fmla="*/ 575307 h 655980"/>
+                <a:gd name="connsiteX4" fmla="*/ 1505005 w 2002965"/>
+                <a:gd name="connsiteY4" fmla="*/ 644054 h 655980"/>
+                <a:gd name="connsiteX5" fmla="*/ 1917476 w 2002965"/>
+                <a:gd name="connsiteY5" fmla="*/ 651291 h 655980"/>
+                <a:gd name="connsiteX6" fmla="*/ 2002965 w 2002965"/>
+                <a:gd name="connsiteY6" fmla="*/ 566219 h 655980"/>
+                <a:gd name="connsiteX7" fmla="*/ 1911199 w 2002965"/>
+                <a:gd name="connsiteY7" fmla="*/ 541856 h 655980"/>
+                <a:gd name="connsiteX8" fmla="*/ 1718477 w 2002965"/>
+                <a:gd name="connsiteY8" fmla="*/ 542742 h 655980"/>
+                <a:gd name="connsiteX9" fmla="*/ 1309625 w 2002965"/>
+                <a:gd name="connsiteY9" fmla="*/ 490241 h 655980"/>
+                <a:gd name="connsiteX10" fmla="*/ 947808 w 2002965"/>
+                <a:gd name="connsiteY10" fmla="*/ 387156 h 655980"/>
+                <a:gd name="connsiteX11" fmla="*/ 1316861 w 2002965"/>
+                <a:gd name="connsiteY11" fmla="*/ 394393 h 655980"/>
+                <a:gd name="connsiteX12" fmla="*/ 1667823 w 2002965"/>
+                <a:gd name="connsiteY12" fmla="*/ 332882 h 655980"/>
+                <a:gd name="connsiteX13" fmla="*/ 1600037 w 2002965"/>
+                <a:gd name="connsiteY13" fmla="*/ 236147 h 655980"/>
+                <a:gd name="connsiteX14" fmla="*/ 1479678 w 2002965"/>
+                <a:gd name="connsiteY14" fmla="*/ 238807 h 655980"/>
+                <a:gd name="connsiteX15" fmla="*/ 1219171 w 2002965"/>
+                <a:gd name="connsiteY15" fmla="*/ 253280 h 655980"/>
+                <a:gd name="connsiteX16" fmla="*/ 916131 w 2002965"/>
+                <a:gd name="connsiteY16" fmla="*/ 232900 h 655980"/>
+                <a:gd name="connsiteX17" fmla="*/ 651119 w 2002965"/>
+                <a:gd name="connsiteY17" fmla="*/ 180914 h 655980"/>
+                <a:gd name="connsiteX18" fmla="*/ 448502 w 2002965"/>
+                <a:gd name="connsiteY18" fmla="*/ 75984 h 655980"/>
+                <a:gd name="connsiteX19" fmla="*/ 3468 w 2002965"/>
+                <a:gd name="connsiteY19" fmla="*/ 0 h 655980"/>
+                <a:gd name="connsiteX0" fmla="*/ 3468 w 2002965"/>
+                <a:gd name="connsiteY0" fmla="*/ 0 h 655980"/>
+                <a:gd name="connsiteX1" fmla="*/ 263976 w 2002965"/>
+                <a:gd name="connsiteY1" fmla="*/ 199006 h 655980"/>
+                <a:gd name="connsiteX2" fmla="*/ 665592 w 2002965"/>
+                <a:gd name="connsiteY2" fmla="*/ 412484 h 655980"/>
+                <a:gd name="connsiteX3" fmla="*/ 1128717 w 2002965"/>
+                <a:gd name="connsiteY3" fmla="*/ 575307 h 655980"/>
+                <a:gd name="connsiteX4" fmla="*/ 1505005 w 2002965"/>
+                <a:gd name="connsiteY4" fmla="*/ 644054 h 655980"/>
+                <a:gd name="connsiteX5" fmla="*/ 1917476 w 2002965"/>
+                <a:gd name="connsiteY5" fmla="*/ 651291 h 655980"/>
+                <a:gd name="connsiteX6" fmla="*/ 2002965 w 2002965"/>
+                <a:gd name="connsiteY6" fmla="*/ 566219 h 655980"/>
+                <a:gd name="connsiteX7" fmla="*/ 1924326 w 2002965"/>
+                <a:gd name="connsiteY7" fmla="*/ 541856 h 655980"/>
+                <a:gd name="connsiteX8" fmla="*/ 1718477 w 2002965"/>
+                <a:gd name="connsiteY8" fmla="*/ 542742 h 655980"/>
+                <a:gd name="connsiteX9" fmla="*/ 1309625 w 2002965"/>
+                <a:gd name="connsiteY9" fmla="*/ 490241 h 655980"/>
+                <a:gd name="connsiteX10" fmla="*/ 947808 w 2002965"/>
+                <a:gd name="connsiteY10" fmla="*/ 387156 h 655980"/>
+                <a:gd name="connsiteX11" fmla="*/ 1316861 w 2002965"/>
+                <a:gd name="connsiteY11" fmla="*/ 394393 h 655980"/>
+                <a:gd name="connsiteX12" fmla="*/ 1667823 w 2002965"/>
+                <a:gd name="connsiteY12" fmla="*/ 332882 h 655980"/>
+                <a:gd name="connsiteX13" fmla="*/ 1600037 w 2002965"/>
+                <a:gd name="connsiteY13" fmla="*/ 236147 h 655980"/>
+                <a:gd name="connsiteX14" fmla="*/ 1479678 w 2002965"/>
+                <a:gd name="connsiteY14" fmla="*/ 238807 h 655980"/>
+                <a:gd name="connsiteX15" fmla="*/ 1219171 w 2002965"/>
+                <a:gd name="connsiteY15" fmla="*/ 253280 h 655980"/>
+                <a:gd name="connsiteX16" fmla="*/ 916131 w 2002965"/>
+                <a:gd name="connsiteY16" fmla="*/ 232900 h 655980"/>
+                <a:gd name="connsiteX17" fmla="*/ 651119 w 2002965"/>
+                <a:gd name="connsiteY17" fmla="*/ 180914 h 655980"/>
+                <a:gd name="connsiteX18" fmla="*/ 448502 w 2002965"/>
+                <a:gd name="connsiteY18" fmla="*/ 75984 h 655980"/>
+                <a:gd name="connsiteX19" fmla="*/ 3468 w 2002965"/>
+                <a:gd name="connsiteY19" fmla="*/ 0 h 655980"/>
+                <a:gd name="connsiteX0" fmla="*/ 3468 w 2002965"/>
+                <a:gd name="connsiteY0" fmla="*/ 0 h 656854"/>
+                <a:gd name="connsiteX1" fmla="*/ 263976 w 2002965"/>
+                <a:gd name="connsiteY1" fmla="*/ 199006 h 656854"/>
+                <a:gd name="connsiteX2" fmla="*/ 665592 w 2002965"/>
+                <a:gd name="connsiteY2" fmla="*/ 412484 h 656854"/>
+                <a:gd name="connsiteX3" fmla="*/ 1128717 w 2002965"/>
+                <a:gd name="connsiteY3" fmla="*/ 575307 h 656854"/>
+                <a:gd name="connsiteX4" fmla="*/ 1534540 w 2002965"/>
+                <a:gd name="connsiteY4" fmla="*/ 647335 h 656854"/>
+                <a:gd name="connsiteX5" fmla="*/ 1917476 w 2002965"/>
+                <a:gd name="connsiteY5" fmla="*/ 651291 h 656854"/>
+                <a:gd name="connsiteX6" fmla="*/ 2002965 w 2002965"/>
+                <a:gd name="connsiteY6" fmla="*/ 566219 h 656854"/>
+                <a:gd name="connsiteX7" fmla="*/ 1924326 w 2002965"/>
+                <a:gd name="connsiteY7" fmla="*/ 541856 h 656854"/>
+                <a:gd name="connsiteX8" fmla="*/ 1718477 w 2002965"/>
+                <a:gd name="connsiteY8" fmla="*/ 542742 h 656854"/>
+                <a:gd name="connsiteX9" fmla="*/ 1309625 w 2002965"/>
+                <a:gd name="connsiteY9" fmla="*/ 490241 h 656854"/>
+                <a:gd name="connsiteX10" fmla="*/ 947808 w 2002965"/>
+                <a:gd name="connsiteY10" fmla="*/ 387156 h 656854"/>
+                <a:gd name="connsiteX11" fmla="*/ 1316861 w 2002965"/>
+                <a:gd name="connsiteY11" fmla="*/ 394393 h 656854"/>
+                <a:gd name="connsiteX12" fmla="*/ 1667823 w 2002965"/>
+                <a:gd name="connsiteY12" fmla="*/ 332882 h 656854"/>
+                <a:gd name="connsiteX13" fmla="*/ 1600037 w 2002965"/>
+                <a:gd name="connsiteY13" fmla="*/ 236147 h 656854"/>
+                <a:gd name="connsiteX14" fmla="*/ 1479678 w 2002965"/>
+                <a:gd name="connsiteY14" fmla="*/ 238807 h 656854"/>
+                <a:gd name="connsiteX15" fmla="*/ 1219171 w 2002965"/>
+                <a:gd name="connsiteY15" fmla="*/ 253280 h 656854"/>
+                <a:gd name="connsiteX16" fmla="*/ 916131 w 2002965"/>
+                <a:gd name="connsiteY16" fmla="*/ 232900 h 656854"/>
+                <a:gd name="connsiteX17" fmla="*/ 651119 w 2002965"/>
+                <a:gd name="connsiteY17" fmla="*/ 180914 h 656854"/>
+                <a:gd name="connsiteX18" fmla="*/ 448502 w 2002965"/>
+                <a:gd name="connsiteY18" fmla="*/ 75984 h 656854"/>
+                <a:gd name="connsiteX19" fmla="*/ 3468 w 2002965"/>
+                <a:gd name="connsiteY19" fmla="*/ 0 h 656854"/>
+                <a:gd name="connsiteX0" fmla="*/ 3468 w 2002965"/>
+                <a:gd name="connsiteY0" fmla="*/ 0 h 659277"/>
+                <a:gd name="connsiteX1" fmla="*/ 263976 w 2002965"/>
+                <a:gd name="connsiteY1" fmla="*/ 199006 h 659277"/>
+                <a:gd name="connsiteX2" fmla="*/ 665592 w 2002965"/>
+                <a:gd name="connsiteY2" fmla="*/ 412484 h 659277"/>
+                <a:gd name="connsiteX3" fmla="*/ 1128717 w 2002965"/>
+                <a:gd name="connsiteY3" fmla="*/ 575307 h 659277"/>
+                <a:gd name="connsiteX4" fmla="*/ 1534540 w 2002965"/>
+                <a:gd name="connsiteY4" fmla="*/ 647335 h 659277"/>
+                <a:gd name="connsiteX5" fmla="*/ 1917476 w 2002965"/>
+                <a:gd name="connsiteY5" fmla="*/ 651291 h 659277"/>
+                <a:gd name="connsiteX6" fmla="*/ 2002965 w 2002965"/>
+                <a:gd name="connsiteY6" fmla="*/ 566219 h 659277"/>
+                <a:gd name="connsiteX7" fmla="*/ 1924326 w 2002965"/>
+                <a:gd name="connsiteY7" fmla="*/ 541856 h 659277"/>
+                <a:gd name="connsiteX8" fmla="*/ 1718477 w 2002965"/>
+                <a:gd name="connsiteY8" fmla="*/ 542742 h 659277"/>
+                <a:gd name="connsiteX9" fmla="*/ 1309625 w 2002965"/>
+                <a:gd name="connsiteY9" fmla="*/ 490241 h 659277"/>
+                <a:gd name="connsiteX10" fmla="*/ 947808 w 2002965"/>
+                <a:gd name="connsiteY10" fmla="*/ 387156 h 659277"/>
+                <a:gd name="connsiteX11" fmla="*/ 1316861 w 2002965"/>
+                <a:gd name="connsiteY11" fmla="*/ 394393 h 659277"/>
+                <a:gd name="connsiteX12" fmla="*/ 1667823 w 2002965"/>
+                <a:gd name="connsiteY12" fmla="*/ 332882 h 659277"/>
+                <a:gd name="connsiteX13" fmla="*/ 1600037 w 2002965"/>
+                <a:gd name="connsiteY13" fmla="*/ 236147 h 659277"/>
+                <a:gd name="connsiteX14" fmla="*/ 1479678 w 2002965"/>
+                <a:gd name="connsiteY14" fmla="*/ 238807 h 659277"/>
+                <a:gd name="connsiteX15" fmla="*/ 1219171 w 2002965"/>
+                <a:gd name="connsiteY15" fmla="*/ 253280 h 659277"/>
+                <a:gd name="connsiteX16" fmla="*/ 916131 w 2002965"/>
+                <a:gd name="connsiteY16" fmla="*/ 232900 h 659277"/>
+                <a:gd name="connsiteX17" fmla="*/ 651119 w 2002965"/>
+                <a:gd name="connsiteY17" fmla="*/ 180914 h 659277"/>
+                <a:gd name="connsiteX18" fmla="*/ 448502 w 2002965"/>
+                <a:gd name="connsiteY18" fmla="*/ 75984 h 659277"/>
+                <a:gd name="connsiteX19" fmla="*/ 3468 w 2002965"/>
+                <a:gd name="connsiteY19" fmla="*/ 0 h 659277"/>
+                <a:gd name="connsiteX0" fmla="*/ 3468 w 2002965"/>
+                <a:gd name="connsiteY0" fmla="*/ 0 h 659277"/>
+                <a:gd name="connsiteX1" fmla="*/ 263976 w 2002965"/>
+                <a:gd name="connsiteY1" fmla="*/ 199006 h 659277"/>
+                <a:gd name="connsiteX2" fmla="*/ 665592 w 2002965"/>
+                <a:gd name="connsiteY2" fmla="*/ 412484 h 659277"/>
+                <a:gd name="connsiteX3" fmla="*/ 1128717 w 2002965"/>
+                <a:gd name="connsiteY3" fmla="*/ 575307 h 659277"/>
+                <a:gd name="connsiteX4" fmla="*/ 1534540 w 2002965"/>
+                <a:gd name="connsiteY4" fmla="*/ 647335 h 659277"/>
+                <a:gd name="connsiteX5" fmla="*/ 1917476 w 2002965"/>
+                <a:gd name="connsiteY5" fmla="*/ 651291 h 659277"/>
+                <a:gd name="connsiteX6" fmla="*/ 2002965 w 2002965"/>
+                <a:gd name="connsiteY6" fmla="*/ 566219 h 659277"/>
+                <a:gd name="connsiteX7" fmla="*/ 1924326 w 2002965"/>
+                <a:gd name="connsiteY7" fmla="*/ 541856 h 659277"/>
+                <a:gd name="connsiteX8" fmla="*/ 1718477 w 2002965"/>
+                <a:gd name="connsiteY8" fmla="*/ 542742 h 659277"/>
+                <a:gd name="connsiteX9" fmla="*/ 1309625 w 2002965"/>
+                <a:gd name="connsiteY9" fmla="*/ 490241 h 659277"/>
+                <a:gd name="connsiteX10" fmla="*/ 947808 w 2002965"/>
+                <a:gd name="connsiteY10" fmla="*/ 387156 h 659277"/>
+                <a:gd name="connsiteX11" fmla="*/ 1316861 w 2002965"/>
+                <a:gd name="connsiteY11" fmla="*/ 394393 h 659277"/>
+                <a:gd name="connsiteX12" fmla="*/ 1680949 w 2002965"/>
+                <a:gd name="connsiteY12" fmla="*/ 296783 h 659277"/>
+                <a:gd name="connsiteX13" fmla="*/ 1600037 w 2002965"/>
+                <a:gd name="connsiteY13" fmla="*/ 236147 h 659277"/>
+                <a:gd name="connsiteX14" fmla="*/ 1479678 w 2002965"/>
+                <a:gd name="connsiteY14" fmla="*/ 238807 h 659277"/>
+                <a:gd name="connsiteX15" fmla="*/ 1219171 w 2002965"/>
+                <a:gd name="connsiteY15" fmla="*/ 253280 h 659277"/>
+                <a:gd name="connsiteX16" fmla="*/ 916131 w 2002965"/>
+                <a:gd name="connsiteY16" fmla="*/ 232900 h 659277"/>
+                <a:gd name="connsiteX17" fmla="*/ 651119 w 2002965"/>
+                <a:gd name="connsiteY17" fmla="*/ 180914 h 659277"/>
+                <a:gd name="connsiteX18" fmla="*/ 448502 w 2002965"/>
+                <a:gd name="connsiteY18" fmla="*/ 75984 h 659277"/>
+                <a:gd name="connsiteX19" fmla="*/ 3468 w 2002965"/>
+                <a:gd name="connsiteY19" fmla="*/ 0 h 659277"/>
+                <a:gd name="connsiteX0" fmla="*/ 3468 w 2002965"/>
+                <a:gd name="connsiteY0" fmla="*/ 0 h 659277"/>
+                <a:gd name="connsiteX1" fmla="*/ 263976 w 2002965"/>
+                <a:gd name="connsiteY1" fmla="*/ 199006 h 659277"/>
+                <a:gd name="connsiteX2" fmla="*/ 665592 w 2002965"/>
+                <a:gd name="connsiteY2" fmla="*/ 412484 h 659277"/>
+                <a:gd name="connsiteX3" fmla="*/ 1128717 w 2002965"/>
+                <a:gd name="connsiteY3" fmla="*/ 575307 h 659277"/>
+                <a:gd name="connsiteX4" fmla="*/ 1534540 w 2002965"/>
+                <a:gd name="connsiteY4" fmla="*/ 647335 h 659277"/>
+                <a:gd name="connsiteX5" fmla="*/ 1917476 w 2002965"/>
+                <a:gd name="connsiteY5" fmla="*/ 651291 h 659277"/>
+                <a:gd name="connsiteX6" fmla="*/ 2002965 w 2002965"/>
+                <a:gd name="connsiteY6" fmla="*/ 566219 h 659277"/>
+                <a:gd name="connsiteX7" fmla="*/ 1924326 w 2002965"/>
+                <a:gd name="connsiteY7" fmla="*/ 541856 h 659277"/>
+                <a:gd name="connsiteX8" fmla="*/ 1718477 w 2002965"/>
+                <a:gd name="connsiteY8" fmla="*/ 542742 h 659277"/>
+                <a:gd name="connsiteX9" fmla="*/ 1309625 w 2002965"/>
+                <a:gd name="connsiteY9" fmla="*/ 490241 h 659277"/>
+                <a:gd name="connsiteX10" fmla="*/ 947808 w 2002965"/>
+                <a:gd name="connsiteY10" fmla="*/ 387156 h 659277"/>
+                <a:gd name="connsiteX11" fmla="*/ 1316861 w 2002965"/>
+                <a:gd name="connsiteY11" fmla="*/ 394393 h 659277"/>
+                <a:gd name="connsiteX12" fmla="*/ 1684231 w 2002965"/>
+                <a:gd name="connsiteY12" fmla="*/ 309910 h 659277"/>
+                <a:gd name="connsiteX13" fmla="*/ 1600037 w 2002965"/>
+                <a:gd name="connsiteY13" fmla="*/ 236147 h 659277"/>
+                <a:gd name="connsiteX14" fmla="*/ 1479678 w 2002965"/>
+                <a:gd name="connsiteY14" fmla="*/ 238807 h 659277"/>
+                <a:gd name="connsiteX15" fmla="*/ 1219171 w 2002965"/>
+                <a:gd name="connsiteY15" fmla="*/ 253280 h 659277"/>
+                <a:gd name="connsiteX16" fmla="*/ 916131 w 2002965"/>
+                <a:gd name="connsiteY16" fmla="*/ 232900 h 659277"/>
+                <a:gd name="connsiteX17" fmla="*/ 651119 w 2002965"/>
+                <a:gd name="connsiteY17" fmla="*/ 180914 h 659277"/>
+                <a:gd name="connsiteX18" fmla="*/ 448502 w 2002965"/>
+                <a:gd name="connsiteY18" fmla="*/ 75984 h 659277"/>
+                <a:gd name="connsiteX19" fmla="*/ 3468 w 2002965"/>
+                <a:gd name="connsiteY19" fmla="*/ 0 h 659277"/>
+                <a:gd name="connsiteX0" fmla="*/ 3468 w 2002965"/>
+                <a:gd name="connsiteY0" fmla="*/ 0 h 659277"/>
+                <a:gd name="connsiteX1" fmla="*/ 263976 w 2002965"/>
+                <a:gd name="connsiteY1" fmla="*/ 199006 h 659277"/>
+                <a:gd name="connsiteX2" fmla="*/ 665592 w 2002965"/>
+                <a:gd name="connsiteY2" fmla="*/ 412484 h 659277"/>
+                <a:gd name="connsiteX3" fmla="*/ 1128717 w 2002965"/>
+                <a:gd name="connsiteY3" fmla="*/ 575307 h 659277"/>
+                <a:gd name="connsiteX4" fmla="*/ 1534540 w 2002965"/>
+                <a:gd name="connsiteY4" fmla="*/ 647335 h 659277"/>
+                <a:gd name="connsiteX5" fmla="*/ 1917476 w 2002965"/>
+                <a:gd name="connsiteY5" fmla="*/ 651291 h 659277"/>
+                <a:gd name="connsiteX6" fmla="*/ 2002965 w 2002965"/>
+                <a:gd name="connsiteY6" fmla="*/ 566219 h 659277"/>
+                <a:gd name="connsiteX7" fmla="*/ 1924326 w 2002965"/>
+                <a:gd name="connsiteY7" fmla="*/ 541856 h 659277"/>
+                <a:gd name="connsiteX8" fmla="*/ 1718477 w 2002965"/>
+                <a:gd name="connsiteY8" fmla="*/ 542742 h 659277"/>
+                <a:gd name="connsiteX9" fmla="*/ 1309625 w 2002965"/>
+                <a:gd name="connsiteY9" fmla="*/ 490241 h 659277"/>
+                <a:gd name="connsiteX10" fmla="*/ 947808 w 2002965"/>
+                <a:gd name="connsiteY10" fmla="*/ 387156 h 659277"/>
+                <a:gd name="connsiteX11" fmla="*/ 1316861 w 2002965"/>
+                <a:gd name="connsiteY11" fmla="*/ 381266 h 659277"/>
+                <a:gd name="connsiteX12" fmla="*/ 1684231 w 2002965"/>
+                <a:gd name="connsiteY12" fmla="*/ 309910 h 659277"/>
+                <a:gd name="connsiteX13" fmla="*/ 1600037 w 2002965"/>
+                <a:gd name="connsiteY13" fmla="*/ 236147 h 659277"/>
+                <a:gd name="connsiteX14" fmla="*/ 1479678 w 2002965"/>
+                <a:gd name="connsiteY14" fmla="*/ 238807 h 659277"/>
+                <a:gd name="connsiteX15" fmla="*/ 1219171 w 2002965"/>
+                <a:gd name="connsiteY15" fmla="*/ 253280 h 659277"/>
+                <a:gd name="connsiteX16" fmla="*/ 916131 w 2002965"/>
+                <a:gd name="connsiteY16" fmla="*/ 232900 h 659277"/>
+                <a:gd name="connsiteX17" fmla="*/ 651119 w 2002965"/>
+                <a:gd name="connsiteY17" fmla="*/ 180914 h 659277"/>
+                <a:gd name="connsiteX18" fmla="*/ 448502 w 2002965"/>
+                <a:gd name="connsiteY18" fmla="*/ 75984 h 659277"/>
+                <a:gd name="connsiteX19" fmla="*/ 3468 w 2002965"/>
+                <a:gd name="connsiteY19" fmla="*/ 0 h 659277"/>
+                <a:gd name="connsiteX0" fmla="*/ 3468 w 2002965"/>
+                <a:gd name="connsiteY0" fmla="*/ 0 h 659277"/>
+                <a:gd name="connsiteX1" fmla="*/ 263976 w 2002965"/>
+                <a:gd name="connsiteY1" fmla="*/ 199006 h 659277"/>
+                <a:gd name="connsiteX2" fmla="*/ 665592 w 2002965"/>
+                <a:gd name="connsiteY2" fmla="*/ 412484 h 659277"/>
+                <a:gd name="connsiteX3" fmla="*/ 1128717 w 2002965"/>
+                <a:gd name="connsiteY3" fmla="*/ 575307 h 659277"/>
+                <a:gd name="connsiteX4" fmla="*/ 1534540 w 2002965"/>
+                <a:gd name="connsiteY4" fmla="*/ 647335 h 659277"/>
+                <a:gd name="connsiteX5" fmla="*/ 1917476 w 2002965"/>
+                <a:gd name="connsiteY5" fmla="*/ 651291 h 659277"/>
+                <a:gd name="connsiteX6" fmla="*/ 2002965 w 2002965"/>
+                <a:gd name="connsiteY6" fmla="*/ 566219 h 659277"/>
+                <a:gd name="connsiteX7" fmla="*/ 1924326 w 2002965"/>
+                <a:gd name="connsiteY7" fmla="*/ 541856 h 659277"/>
+                <a:gd name="connsiteX8" fmla="*/ 1718477 w 2002965"/>
+                <a:gd name="connsiteY8" fmla="*/ 542742 h 659277"/>
+                <a:gd name="connsiteX9" fmla="*/ 1309625 w 2002965"/>
+                <a:gd name="connsiteY9" fmla="*/ 490241 h 659277"/>
+                <a:gd name="connsiteX10" fmla="*/ 947808 w 2002965"/>
+                <a:gd name="connsiteY10" fmla="*/ 387156 h 659277"/>
+                <a:gd name="connsiteX11" fmla="*/ 1316861 w 2002965"/>
+                <a:gd name="connsiteY11" fmla="*/ 381266 h 659277"/>
+                <a:gd name="connsiteX12" fmla="*/ 1684231 w 2002965"/>
+                <a:gd name="connsiteY12" fmla="*/ 309910 h 659277"/>
+                <a:gd name="connsiteX13" fmla="*/ 1609882 w 2002965"/>
+                <a:gd name="connsiteY13" fmla="*/ 249274 h 659277"/>
+                <a:gd name="connsiteX14" fmla="*/ 1479678 w 2002965"/>
+                <a:gd name="connsiteY14" fmla="*/ 238807 h 659277"/>
+                <a:gd name="connsiteX15" fmla="*/ 1219171 w 2002965"/>
+                <a:gd name="connsiteY15" fmla="*/ 253280 h 659277"/>
+                <a:gd name="connsiteX16" fmla="*/ 916131 w 2002965"/>
+                <a:gd name="connsiteY16" fmla="*/ 232900 h 659277"/>
+                <a:gd name="connsiteX17" fmla="*/ 651119 w 2002965"/>
+                <a:gd name="connsiteY17" fmla="*/ 180914 h 659277"/>
+                <a:gd name="connsiteX18" fmla="*/ 448502 w 2002965"/>
+                <a:gd name="connsiteY18" fmla="*/ 75984 h 659277"/>
+                <a:gd name="connsiteX19" fmla="*/ 3468 w 2002965"/>
+                <a:gd name="connsiteY19" fmla="*/ 0 h 659277"/>
+                <a:gd name="connsiteX0" fmla="*/ 3468 w 2002965"/>
+                <a:gd name="connsiteY0" fmla="*/ 0 h 659277"/>
+                <a:gd name="connsiteX1" fmla="*/ 263976 w 2002965"/>
+                <a:gd name="connsiteY1" fmla="*/ 199006 h 659277"/>
+                <a:gd name="connsiteX2" fmla="*/ 665592 w 2002965"/>
+                <a:gd name="connsiteY2" fmla="*/ 412484 h 659277"/>
+                <a:gd name="connsiteX3" fmla="*/ 1128717 w 2002965"/>
+                <a:gd name="connsiteY3" fmla="*/ 575307 h 659277"/>
+                <a:gd name="connsiteX4" fmla="*/ 1534540 w 2002965"/>
+                <a:gd name="connsiteY4" fmla="*/ 647335 h 659277"/>
+                <a:gd name="connsiteX5" fmla="*/ 1917476 w 2002965"/>
+                <a:gd name="connsiteY5" fmla="*/ 651291 h 659277"/>
+                <a:gd name="connsiteX6" fmla="*/ 2002965 w 2002965"/>
+                <a:gd name="connsiteY6" fmla="*/ 566219 h 659277"/>
+                <a:gd name="connsiteX7" fmla="*/ 1924326 w 2002965"/>
+                <a:gd name="connsiteY7" fmla="*/ 541856 h 659277"/>
+                <a:gd name="connsiteX8" fmla="*/ 1718477 w 2002965"/>
+                <a:gd name="connsiteY8" fmla="*/ 542742 h 659277"/>
+                <a:gd name="connsiteX9" fmla="*/ 1309625 w 2002965"/>
+                <a:gd name="connsiteY9" fmla="*/ 490241 h 659277"/>
+                <a:gd name="connsiteX10" fmla="*/ 947808 w 2002965"/>
+                <a:gd name="connsiteY10" fmla="*/ 387156 h 659277"/>
+                <a:gd name="connsiteX11" fmla="*/ 1316861 w 2002965"/>
+                <a:gd name="connsiteY11" fmla="*/ 381266 h 659277"/>
+                <a:gd name="connsiteX12" fmla="*/ 1684231 w 2002965"/>
+                <a:gd name="connsiteY12" fmla="*/ 309910 h 659277"/>
+                <a:gd name="connsiteX13" fmla="*/ 1626290 w 2002965"/>
+                <a:gd name="connsiteY13" fmla="*/ 232865 h 659277"/>
+                <a:gd name="connsiteX14" fmla="*/ 1479678 w 2002965"/>
+                <a:gd name="connsiteY14" fmla="*/ 238807 h 659277"/>
+                <a:gd name="connsiteX15" fmla="*/ 1219171 w 2002965"/>
+                <a:gd name="connsiteY15" fmla="*/ 253280 h 659277"/>
+                <a:gd name="connsiteX16" fmla="*/ 916131 w 2002965"/>
+                <a:gd name="connsiteY16" fmla="*/ 232900 h 659277"/>
+                <a:gd name="connsiteX17" fmla="*/ 651119 w 2002965"/>
+                <a:gd name="connsiteY17" fmla="*/ 180914 h 659277"/>
+                <a:gd name="connsiteX18" fmla="*/ 448502 w 2002965"/>
+                <a:gd name="connsiteY18" fmla="*/ 75984 h 659277"/>
+                <a:gd name="connsiteX19" fmla="*/ 3468 w 2002965"/>
+                <a:gd name="connsiteY19" fmla="*/ 0 h 659277"/>
+                <a:gd name="connsiteX0" fmla="*/ 3468 w 2002965"/>
+                <a:gd name="connsiteY0" fmla="*/ 0 h 659277"/>
+                <a:gd name="connsiteX1" fmla="*/ 263976 w 2002965"/>
+                <a:gd name="connsiteY1" fmla="*/ 199006 h 659277"/>
+                <a:gd name="connsiteX2" fmla="*/ 665592 w 2002965"/>
+                <a:gd name="connsiteY2" fmla="*/ 412484 h 659277"/>
+                <a:gd name="connsiteX3" fmla="*/ 1128717 w 2002965"/>
+                <a:gd name="connsiteY3" fmla="*/ 575307 h 659277"/>
+                <a:gd name="connsiteX4" fmla="*/ 1534540 w 2002965"/>
+                <a:gd name="connsiteY4" fmla="*/ 647335 h 659277"/>
+                <a:gd name="connsiteX5" fmla="*/ 1917476 w 2002965"/>
+                <a:gd name="connsiteY5" fmla="*/ 651291 h 659277"/>
+                <a:gd name="connsiteX6" fmla="*/ 2002965 w 2002965"/>
+                <a:gd name="connsiteY6" fmla="*/ 566219 h 659277"/>
+                <a:gd name="connsiteX7" fmla="*/ 1924326 w 2002965"/>
+                <a:gd name="connsiteY7" fmla="*/ 541856 h 659277"/>
+                <a:gd name="connsiteX8" fmla="*/ 1718477 w 2002965"/>
+                <a:gd name="connsiteY8" fmla="*/ 542742 h 659277"/>
+                <a:gd name="connsiteX9" fmla="*/ 1309625 w 2002965"/>
+                <a:gd name="connsiteY9" fmla="*/ 490241 h 659277"/>
+                <a:gd name="connsiteX10" fmla="*/ 947808 w 2002965"/>
+                <a:gd name="connsiteY10" fmla="*/ 387156 h 659277"/>
+                <a:gd name="connsiteX11" fmla="*/ 1316861 w 2002965"/>
+                <a:gd name="connsiteY11" fmla="*/ 381266 h 659277"/>
+                <a:gd name="connsiteX12" fmla="*/ 1674386 w 2002965"/>
+                <a:gd name="connsiteY12" fmla="*/ 293501 h 659277"/>
+                <a:gd name="connsiteX13" fmla="*/ 1626290 w 2002965"/>
+                <a:gd name="connsiteY13" fmla="*/ 232865 h 659277"/>
+                <a:gd name="connsiteX14" fmla="*/ 1479678 w 2002965"/>
+                <a:gd name="connsiteY14" fmla="*/ 238807 h 659277"/>
+                <a:gd name="connsiteX15" fmla="*/ 1219171 w 2002965"/>
+                <a:gd name="connsiteY15" fmla="*/ 253280 h 659277"/>
+                <a:gd name="connsiteX16" fmla="*/ 916131 w 2002965"/>
+                <a:gd name="connsiteY16" fmla="*/ 232900 h 659277"/>
+                <a:gd name="connsiteX17" fmla="*/ 651119 w 2002965"/>
+                <a:gd name="connsiteY17" fmla="*/ 180914 h 659277"/>
+                <a:gd name="connsiteX18" fmla="*/ 448502 w 2002965"/>
+                <a:gd name="connsiteY18" fmla="*/ 75984 h 659277"/>
+                <a:gd name="connsiteX19" fmla="*/ 3468 w 2002965"/>
+                <a:gd name="connsiteY19" fmla="*/ 0 h 659277"/>
+                <a:gd name="connsiteX0" fmla="*/ 3468 w 2002965"/>
+                <a:gd name="connsiteY0" fmla="*/ 0 h 659277"/>
+                <a:gd name="connsiteX1" fmla="*/ 263976 w 2002965"/>
+                <a:gd name="connsiteY1" fmla="*/ 199006 h 659277"/>
+                <a:gd name="connsiteX2" fmla="*/ 665592 w 2002965"/>
+                <a:gd name="connsiteY2" fmla="*/ 412484 h 659277"/>
+                <a:gd name="connsiteX3" fmla="*/ 1128717 w 2002965"/>
+                <a:gd name="connsiteY3" fmla="*/ 575307 h 659277"/>
+                <a:gd name="connsiteX4" fmla="*/ 1534540 w 2002965"/>
+                <a:gd name="connsiteY4" fmla="*/ 647335 h 659277"/>
+                <a:gd name="connsiteX5" fmla="*/ 1917476 w 2002965"/>
+                <a:gd name="connsiteY5" fmla="*/ 651291 h 659277"/>
+                <a:gd name="connsiteX6" fmla="*/ 2002965 w 2002965"/>
+                <a:gd name="connsiteY6" fmla="*/ 566219 h 659277"/>
+                <a:gd name="connsiteX7" fmla="*/ 1924326 w 2002965"/>
+                <a:gd name="connsiteY7" fmla="*/ 541856 h 659277"/>
+                <a:gd name="connsiteX8" fmla="*/ 1718477 w 2002965"/>
+                <a:gd name="connsiteY8" fmla="*/ 542742 h 659277"/>
+                <a:gd name="connsiteX9" fmla="*/ 1309625 w 2002965"/>
+                <a:gd name="connsiteY9" fmla="*/ 490241 h 659277"/>
+                <a:gd name="connsiteX10" fmla="*/ 947808 w 2002965"/>
+                <a:gd name="connsiteY10" fmla="*/ 387156 h 659277"/>
+                <a:gd name="connsiteX11" fmla="*/ 1316861 w 2002965"/>
+                <a:gd name="connsiteY11" fmla="*/ 381266 h 659277"/>
+                <a:gd name="connsiteX12" fmla="*/ 1684231 w 2002965"/>
+                <a:gd name="connsiteY12" fmla="*/ 303346 h 659277"/>
+                <a:gd name="connsiteX13" fmla="*/ 1626290 w 2002965"/>
+                <a:gd name="connsiteY13" fmla="*/ 232865 h 659277"/>
+                <a:gd name="connsiteX14" fmla="*/ 1479678 w 2002965"/>
+                <a:gd name="connsiteY14" fmla="*/ 238807 h 659277"/>
+                <a:gd name="connsiteX15" fmla="*/ 1219171 w 2002965"/>
+                <a:gd name="connsiteY15" fmla="*/ 253280 h 659277"/>
+                <a:gd name="connsiteX16" fmla="*/ 916131 w 2002965"/>
+                <a:gd name="connsiteY16" fmla="*/ 232900 h 659277"/>
+                <a:gd name="connsiteX17" fmla="*/ 651119 w 2002965"/>
+                <a:gd name="connsiteY17" fmla="*/ 180914 h 659277"/>
+                <a:gd name="connsiteX18" fmla="*/ 448502 w 2002965"/>
+                <a:gd name="connsiteY18" fmla="*/ 75984 h 659277"/>
+                <a:gd name="connsiteX19" fmla="*/ 3468 w 2002965"/>
+                <a:gd name="connsiteY19" fmla="*/ 0 h 659277"/>
+                <a:gd name="connsiteX0" fmla="*/ 3468 w 2002965"/>
+                <a:gd name="connsiteY0" fmla="*/ 0 h 659277"/>
+                <a:gd name="connsiteX1" fmla="*/ 263976 w 2002965"/>
+                <a:gd name="connsiteY1" fmla="*/ 199006 h 659277"/>
+                <a:gd name="connsiteX2" fmla="*/ 665592 w 2002965"/>
+                <a:gd name="connsiteY2" fmla="*/ 412484 h 659277"/>
+                <a:gd name="connsiteX3" fmla="*/ 1128717 w 2002965"/>
+                <a:gd name="connsiteY3" fmla="*/ 575307 h 659277"/>
+                <a:gd name="connsiteX4" fmla="*/ 1534540 w 2002965"/>
+                <a:gd name="connsiteY4" fmla="*/ 647335 h 659277"/>
+                <a:gd name="connsiteX5" fmla="*/ 1917476 w 2002965"/>
+                <a:gd name="connsiteY5" fmla="*/ 651291 h 659277"/>
+                <a:gd name="connsiteX6" fmla="*/ 2002965 w 2002965"/>
+                <a:gd name="connsiteY6" fmla="*/ 566219 h 659277"/>
+                <a:gd name="connsiteX7" fmla="*/ 1924326 w 2002965"/>
+                <a:gd name="connsiteY7" fmla="*/ 541856 h 659277"/>
+                <a:gd name="connsiteX8" fmla="*/ 1718477 w 2002965"/>
+                <a:gd name="connsiteY8" fmla="*/ 542742 h 659277"/>
+                <a:gd name="connsiteX9" fmla="*/ 1309625 w 2002965"/>
+                <a:gd name="connsiteY9" fmla="*/ 490241 h 659277"/>
+                <a:gd name="connsiteX10" fmla="*/ 947808 w 2002965"/>
+                <a:gd name="connsiteY10" fmla="*/ 387156 h 659277"/>
+                <a:gd name="connsiteX11" fmla="*/ 1316861 w 2002965"/>
+                <a:gd name="connsiteY11" fmla="*/ 381266 h 659277"/>
+                <a:gd name="connsiteX12" fmla="*/ 1684231 w 2002965"/>
+                <a:gd name="connsiteY12" fmla="*/ 303346 h 659277"/>
+                <a:gd name="connsiteX13" fmla="*/ 1626290 w 2002965"/>
+                <a:gd name="connsiteY13" fmla="*/ 232865 h 659277"/>
+                <a:gd name="connsiteX14" fmla="*/ 1479678 w 2002965"/>
+                <a:gd name="connsiteY14" fmla="*/ 238807 h 659277"/>
+                <a:gd name="connsiteX15" fmla="*/ 1219171 w 2002965"/>
+                <a:gd name="connsiteY15" fmla="*/ 253280 h 659277"/>
+                <a:gd name="connsiteX16" fmla="*/ 916131 w 2002965"/>
+                <a:gd name="connsiteY16" fmla="*/ 232900 h 659277"/>
+                <a:gd name="connsiteX17" fmla="*/ 651119 w 2002965"/>
+                <a:gd name="connsiteY17" fmla="*/ 180914 h 659277"/>
+                <a:gd name="connsiteX18" fmla="*/ 420282 w 2002965"/>
+                <a:gd name="connsiteY18" fmla="*/ 50118 h 659277"/>
+                <a:gd name="connsiteX19" fmla="*/ 3468 w 2002965"/>
+                <a:gd name="connsiteY19" fmla="*/ 0 h 659277"/>
+                <a:gd name="connsiteX0" fmla="*/ 3468 w 2002965"/>
+                <a:gd name="connsiteY0" fmla="*/ 0 h 659277"/>
+                <a:gd name="connsiteX1" fmla="*/ 263976 w 2002965"/>
+                <a:gd name="connsiteY1" fmla="*/ 199006 h 659277"/>
+                <a:gd name="connsiteX2" fmla="*/ 665592 w 2002965"/>
+                <a:gd name="connsiteY2" fmla="*/ 412484 h 659277"/>
+                <a:gd name="connsiteX3" fmla="*/ 1128717 w 2002965"/>
+                <a:gd name="connsiteY3" fmla="*/ 575307 h 659277"/>
+                <a:gd name="connsiteX4" fmla="*/ 1534540 w 2002965"/>
+                <a:gd name="connsiteY4" fmla="*/ 647335 h 659277"/>
+                <a:gd name="connsiteX5" fmla="*/ 1917476 w 2002965"/>
+                <a:gd name="connsiteY5" fmla="*/ 651291 h 659277"/>
+                <a:gd name="connsiteX6" fmla="*/ 2002965 w 2002965"/>
+                <a:gd name="connsiteY6" fmla="*/ 566219 h 659277"/>
+                <a:gd name="connsiteX7" fmla="*/ 1924326 w 2002965"/>
+                <a:gd name="connsiteY7" fmla="*/ 541856 h 659277"/>
+                <a:gd name="connsiteX8" fmla="*/ 1718477 w 2002965"/>
+                <a:gd name="connsiteY8" fmla="*/ 542742 h 659277"/>
+                <a:gd name="connsiteX9" fmla="*/ 1309625 w 2002965"/>
+                <a:gd name="connsiteY9" fmla="*/ 490241 h 659277"/>
+                <a:gd name="connsiteX10" fmla="*/ 947808 w 2002965"/>
+                <a:gd name="connsiteY10" fmla="*/ 387156 h 659277"/>
+                <a:gd name="connsiteX11" fmla="*/ 1316861 w 2002965"/>
+                <a:gd name="connsiteY11" fmla="*/ 381266 h 659277"/>
+                <a:gd name="connsiteX12" fmla="*/ 1684231 w 2002965"/>
+                <a:gd name="connsiteY12" fmla="*/ 303346 h 659277"/>
+                <a:gd name="connsiteX13" fmla="*/ 1626290 w 2002965"/>
+                <a:gd name="connsiteY13" fmla="*/ 232865 h 659277"/>
+                <a:gd name="connsiteX14" fmla="*/ 1479678 w 2002965"/>
+                <a:gd name="connsiteY14" fmla="*/ 238807 h 659277"/>
+                <a:gd name="connsiteX15" fmla="*/ 1219171 w 2002965"/>
+                <a:gd name="connsiteY15" fmla="*/ 253280 h 659277"/>
+                <a:gd name="connsiteX16" fmla="*/ 916131 w 2002965"/>
+                <a:gd name="connsiteY16" fmla="*/ 232900 h 659277"/>
+                <a:gd name="connsiteX17" fmla="*/ 651119 w 2002965"/>
+                <a:gd name="connsiteY17" fmla="*/ 180914 h 659277"/>
+                <a:gd name="connsiteX18" fmla="*/ 420282 w 2002965"/>
+                <a:gd name="connsiteY18" fmla="*/ 50118 h 659277"/>
+                <a:gd name="connsiteX19" fmla="*/ 3468 w 2002965"/>
+                <a:gd name="connsiteY19" fmla="*/ 0 h 659277"/>
+              </a:gdLst>
+              <a:ahLst/>
+              <a:cxnLst>
+                <a:cxn ang="0">
+                  <a:pos x="connsiteX0" y="connsiteY0"/>
+                </a:cxn>
+                <a:cxn ang="0">
+                  <a:pos x="connsiteX1" y="connsiteY1"/>
+                </a:cxn>
+                <a:cxn ang="0">
+                  <a:pos x="connsiteX2" y="connsiteY2"/>
+                </a:cxn>
+                <a:cxn ang="0">
+                  <a:pos x="connsiteX3" y="connsiteY3"/>
+                </a:cxn>
+                <a:cxn ang="0">
+                  <a:pos x="connsiteX4" y="connsiteY4"/>
+                </a:cxn>
+                <a:cxn ang="0">
+                  <a:pos x="connsiteX5" y="connsiteY5"/>
+                </a:cxn>
+                <a:cxn ang="0">
+                  <a:pos x="connsiteX6" y="connsiteY6"/>
+                </a:cxn>
+                <a:cxn ang="0">
+                  <a:pos x="connsiteX7" y="connsiteY7"/>
+                </a:cxn>
+                <a:cxn ang="0">
+                  <a:pos x="connsiteX8" y="connsiteY8"/>
+                </a:cxn>
+                <a:cxn ang="0">
+                  <a:pos x="connsiteX9" y="connsiteY9"/>
+                </a:cxn>
+                <a:cxn ang="0">
+                  <a:pos x="connsiteX10" y="connsiteY10"/>
+                </a:cxn>
+                <a:cxn ang="0">
+                  <a:pos x="connsiteX11" y="connsiteY11"/>
+                </a:cxn>
+                <a:cxn ang="0">
+                  <a:pos x="connsiteX12" y="connsiteY12"/>
+                </a:cxn>
+                <a:cxn ang="0">
+                  <a:pos x="connsiteX13" y="connsiteY13"/>
+                </a:cxn>
+                <a:cxn ang="0">
+                  <a:pos x="connsiteX14" y="connsiteY14"/>
+                </a:cxn>
+                <a:cxn ang="0">
+                  <a:pos x="connsiteX15" y="connsiteY15"/>
+                </a:cxn>
+                <a:cxn ang="0">
+                  <a:pos x="connsiteX16" y="connsiteY16"/>
+                </a:cxn>
+                <a:cxn ang="0">
+                  <a:pos x="connsiteX17" y="connsiteY17"/>
+                </a:cxn>
+                <a:cxn ang="0">
+                  <a:pos x="connsiteX18" y="connsiteY18"/>
+                </a:cxn>
+                <a:cxn ang="0">
+                  <a:pos x="connsiteX19" y="connsiteY19"/>
+                </a:cxn>
+              </a:cxnLst>
+              <a:rect l="l" t="t" r="r" b="b"/>
+              <a:pathLst>
+                <a:path w="2002965" h="659277">
+                  <a:moveTo>
+                    <a:pt x="3468" y="0"/>
+                  </a:moveTo>
+                  <a:cubicBezTo>
+                    <a:pt x="-27286" y="20504"/>
+                    <a:pt x="153622" y="130259"/>
+                    <a:pt x="263976" y="199006"/>
+                  </a:cubicBezTo>
+                  <a:cubicBezTo>
+                    <a:pt x="374330" y="267753"/>
+                    <a:pt x="521469" y="349767"/>
+                    <a:pt x="665592" y="412484"/>
+                  </a:cubicBezTo>
+                  <a:cubicBezTo>
+                    <a:pt x="809715" y="475201"/>
+                    <a:pt x="983892" y="536165"/>
+                    <a:pt x="1128717" y="575307"/>
+                  </a:cubicBezTo>
+                  <a:cubicBezTo>
+                    <a:pt x="1273542" y="614449"/>
+                    <a:pt x="1393769" y="635078"/>
+                    <a:pt x="1534540" y="647335"/>
+                  </a:cubicBezTo>
+                  <a:cubicBezTo>
+                    <a:pt x="1675311" y="659592"/>
+                    <a:pt x="1839405" y="664810"/>
+                    <a:pt x="1917476" y="651291"/>
+                  </a:cubicBezTo>
+                  <a:cubicBezTo>
+                    <a:pt x="1995547" y="637772"/>
+                    <a:pt x="1976824" y="598376"/>
+                    <a:pt x="2002965" y="566219"/>
+                  </a:cubicBezTo>
+                  <a:lnTo>
+                    <a:pt x="1924326" y="541856"/>
+                  </a:lnTo>
+                  <a:cubicBezTo>
+                    <a:pt x="1879099" y="529192"/>
+                    <a:pt x="1820927" y="551344"/>
+                    <a:pt x="1718477" y="542742"/>
+                  </a:cubicBezTo>
+                  <a:cubicBezTo>
+                    <a:pt x="1616027" y="534140"/>
+                    <a:pt x="1446106" y="519311"/>
+                    <a:pt x="1309625" y="490241"/>
+                  </a:cubicBezTo>
+                  <a:cubicBezTo>
+                    <a:pt x="1173144" y="461171"/>
+                    <a:pt x="1068414" y="425751"/>
+                    <a:pt x="947808" y="387156"/>
+                  </a:cubicBezTo>
+                  <a:cubicBezTo>
+                    <a:pt x="1070826" y="389568"/>
+                    <a:pt x="1194124" y="395234"/>
+                    <a:pt x="1316861" y="381266"/>
+                  </a:cubicBezTo>
+                  <a:cubicBezTo>
+                    <a:pt x="1439598" y="367298"/>
+                    <a:pt x="1640210" y="332895"/>
+                    <a:pt x="1684231" y="303346"/>
+                  </a:cubicBezTo>
+                  <a:lnTo>
+                    <a:pt x="1626290" y="232865"/>
+                  </a:lnTo>
+                  <a:cubicBezTo>
+                    <a:pt x="1594933" y="217186"/>
+                    <a:pt x="1547531" y="235405"/>
+                    <a:pt x="1479678" y="238807"/>
+                  </a:cubicBezTo>
+                  <a:cubicBezTo>
+                    <a:pt x="1411825" y="242210"/>
+                    <a:pt x="1313095" y="254264"/>
+                    <a:pt x="1219171" y="253280"/>
+                  </a:cubicBezTo>
+                  <a:cubicBezTo>
+                    <a:pt x="1125247" y="252296"/>
+                    <a:pt x="1017144" y="239693"/>
+                    <a:pt x="916131" y="232900"/>
+                  </a:cubicBezTo>
+                  <a:cubicBezTo>
+                    <a:pt x="821456" y="220839"/>
+                    <a:pt x="729057" y="207067"/>
+                    <a:pt x="651119" y="180914"/>
+                  </a:cubicBezTo>
+                  <a:cubicBezTo>
+                    <a:pt x="573181" y="154761"/>
+                    <a:pt x="489093" y="96547"/>
+                    <a:pt x="420282" y="50118"/>
+                  </a:cubicBezTo>
+                  <a:cubicBezTo>
+                    <a:pt x="271937" y="24790"/>
+                    <a:pt x="151813" y="25328"/>
+                    <a:pt x="3468" y="0"/>
+                  </a:cubicBezTo>
+                  <a:close/>
+                </a:path>
+              </a:pathLst>
+            </a:custGeom>
+            <a:solidFill>
+              <a:srgbClr val="A2BFE2"/>
+            </a:solidFill>
+            <a:ln>
+              <a:noFill/>
+            </a:ln>
+            <a:effectLst/>
+          </p:spPr>
+          <p:style>
+            <a:lnRef idx="1">
+              <a:schemeClr val="accent1"/>
+            </a:lnRef>
+            <a:fillRef idx="3">
+              <a:schemeClr val="accent1"/>
+            </a:fillRef>
+            <a:effectRef idx="2">
+              <a:schemeClr val="accent1"/>
+            </a:effectRef>
+            <a:fontRef idx="minor">
+              <a:schemeClr val="lt1"/>
+            </a:fontRef>
+          </p:style>
+          <p:txBody>
+            <a:bodyPr rtlCol="0" anchor="ctr"/>
+            <a:lstStyle/>
+            <a:p>
+              <a:pPr algn="ctr"/>
+              <a:endParaRPr lang="en-US"/>
+            </a:p>
+          </p:txBody>
+        </p:sp>
+        <p:sp>
+          <p:nvSpPr>
+            <p:cNvPr id="20" name="Rounded Rectangle 14">
+              <a:extLst>
+                <a:ext uri="{FF2B5EF4-FFF2-40B4-BE49-F238E27FC236}">
+                  <a16:creationId xmlns:a16="http://schemas.microsoft.com/office/drawing/2014/main" id="{88B54D8D-6DD6-44BE-AA7B-A15A5B436F02}"/>
+                </a:ext>
+              </a:extLst>
+            </p:cNvPr>
+            <p:cNvSpPr/>
+            <p:nvPr/>
+          </p:nvSpPr>
+          <p:spPr>
+            <a:xfrm rot="1840279">
+              <a:off x="4997866" y="1229612"/>
+              <a:ext cx="75372" cy="2798064"/>
+            </a:xfrm>
+            <a:prstGeom prst="roundRect">
+              <a:avLst>
+                <a:gd name="adj" fmla="val 50000"/>
+              </a:avLst>
+            </a:prstGeom>
+            <a:solidFill>
+              <a:srgbClr val="A2BFE2"/>
+            </a:solidFill>
+            <a:ln>
+              <a:noFill/>
+            </a:ln>
+            <a:effectLst/>
+          </p:spPr>
+          <p:style>
+            <a:lnRef idx="1">
+              <a:schemeClr val="accent1"/>
+            </a:lnRef>
+            <a:fillRef idx="3">
+              <a:schemeClr val="accent1"/>
+            </a:fillRef>
+            <a:effectRef idx="2">
+              <a:schemeClr val="accent1"/>
+            </a:effectRef>
+            <a:fontRef idx="minor">
+              <a:schemeClr val="lt1"/>
+            </a:fontRef>
+          </p:style>
+          <p:txBody>
+            <a:bodyPr rtlCol="0" anchor="ctr"/>
+            <a:lstStyle/>
+            <a:p>
+              <a:pPr algn="ctr"/>
+              <a:endParaRPr lang="en-US"/>
+            </a:p>
+          </p:txBody>
+        </p:sp>
         <p:sp>
           <p:nvSpPr>
             <p:cNvPr id="11" name="TextBox 10"/>
@@ -6218,8 +7909,8 @@
           </p:nvSpPr>
           <p:spPr>
             <a:xfrm>
-              <a:off x="3374725" y="2414224"/>
-              <a:ext cx="1741354" cy="1000274"/>
+              <a:off x="4596152" y="1632826"/>
+              <a:ext cx="641522" cy="707886"/>
             </a:xfrm>
             <a:prstGeom prst="rect">
               <a:avLst/>
@@ -6233,129 +7924,126 @@
             <a:lstStyle/>
             <a:p>
               <a:r>
-                <a:rPr lang="en-US" sz="5900" dirty="0" smtClean="0">
+                <a:rPr lang="en-US" sz="4000" dirty="0">
                   <a:solidFill>
-                    <a:srgbClr val="FFFFFF"/>
+                    <a:srgbClr val="114B7C"/>
                   </a:solidFill>
-                  <a:latin typeface="Chalkduster"/>
+                  <a:latin typeface="Conthrax Sb" panose="020B0707020201080204" pitchFamily="34" charset="0"/>
                   <a:cs typeface="Chalkduster"/>
                 </a:rPr>
-                <a:t>NDX</a:t>
+                <a:t>X</a:t>
               </a:r>
-              <a:endParaRPr lang="en-US" sz="1400" dirty="0" smtClean="0">
-                <a:solidFill>
-                  <a:srgbClr val="FFFFFF"/>
-                </a:solidFill>
-                <a:latin typeface="Chalkduster"/>
-                <a:cs typeface="Chalkduster"/>
-              </a:endParaRPr>
             </a:p>
           </p:txBody>
         </p:sp>
-        <p:sp>
-          <p:nvSpPr>
-            <p:cNvPr id="2" name="Rectangle 1"/>
-            <p:cNvSpPr/>
+        <p:pic>
+          <p:nvPicPr>
+            <p:cNvPr id="10" name="Picture 9">
+              <a:extLst>
+                <a:ext uri="{FF2B5EF4-FFF2-40B4-BE49-F238E27FC236}">
+                  <a16:creationId xmlns:a16="http://schemas.microsoft.com/office/drawing/2014/main" id="{F36FE30B-A2FC-4698-9B42-1E1D569E76F9}"/>
+                </a:ext>
+              </a:extLst>
+            </p:cNvPr>
+            <p:cNvPicPr>
+              <a:picLocks noChangeAspect="1"/>
+            </p:cNvPicPr>
             <p:nvPr/>
-          </p:nvSpPr>
+          </p:nvPicPr>
+          <p:blipFill>
+            <a:blip r:embed="rId3"/>
+            <a:stretch>
+              <a:fillRect/>
+            </a:stretch>
+          </p:blipFill>
           <p:spPr>
             <a:xfrm>
-              <a:off x="2657847" y="3974274"/>
-              <a:ext cx="1697901" cy="384721"/>
+              <a:off x="3064876" y="2439775"/>
+              <a:ext cx="1435373" cy="1196602"/>
             </a:xfrm>
             <a:prstGeom prst="rect">
               <a:avLst/>
             </a:prstGeom>
-            <a:scene3d>
-              <a:camera prst="orthographicFront">
-                <a:rot lat="2640000" lon="20820000" rev="21018000"/>
-              </a:camera>
-              <a:lightRig rig="threePt" dir="t"/>
-            </a:scene3d>
+            <a:effectLst/>
           </p:spPr>
-          <p:txBody>
-            <a:bodyPr wrap="none">
-              <a:spAutoFit/>
-            </a:bodyPr>
-            <a:lstStyle/>
-            <a:p>
-              <a:pPr lvl="0"/>
-              <a:r>
-                <a:rPr lang="en-US" sz="1900" dirty="0" err="1">
-                  <a:solidFill>
-                    <a:srgbClr val="FFFFFF"/>
-                  </a:solidFill>
-                  <a:latin typeface="Chalkduster"/>
-                  <a:cs typeface="Chalkduster"/>
-                </a:rPr>
-                <a:t>Neuro</a:t>
-              </a:r>
-              <a:r>
-                <a:rPr lang="en-US" sz="1900" dirty="0">
-                  <a:solidFill>
-                    <a:srgbClr val="FFFFFF"/>
-                  </a:solidFill>
-                  <a:latin typeface="Chalkduster"/>
-                  <a:cs typeface="Chalkduster"/>
-                </a:rPr>
-                <a:t> Data </a:t>
-              </a:r>
-              <a:endParaRPr lang="en-US" sz="1900" dirty="0" smtClean="0">
-                <a:solidFill>
-                  <a:srgbClr val="FFFFFF"/>
-                </a:solidFill>
-                <a:latin typeface="Chalkduster"/>
-                <a:cs typeface="Chalkduster"/>
-              </a:endParaRPr>
-            </a:p>
-          </p:txBody>
-        </p:sp>
-        <p:sp>
-          <p:nvSpPr>
-            <p:cNvPr id="19" name="Rectangle 18"/>
-            <p:cNvSpPr/>
+        </p:pic>
+        <p:pic>
+          <p:nvPicPr>
+            <p:cNvPr id="24" name="Graphic 23">
+              <a:extLst>
+                <a:ext uri="{FF2B5EF4-FFF2-40B4-BE49-F238E27FC236}">
+                  <a16:creationId xmlns:a16="http://schemas.microsoft.com/office/drawing/2014/main" id="{35C150EF-5E7B-49BC-BF34-C56E58F04AB0}"/>
+                </a:ext>
+              </a:extLst>
+            </p:cNvPr>
+            <p:cNvPicPr>
+              <a:picLocks noChangeAspect="1"/>
+            </p:cNvPicPr>
             <p:nvPr/>
-          </p:nvSpPr>
+          </p:nvPicPr>
+          <p:blipFill>
+            <a:blip r:embed="rId4">
+              <a:extLst>
+                <a:ext uri="{96DAC541-7B7A-43D3-8B79-37D633B846F1}">
+                  <asvg:svgBlip xmlns:asvg="http://schemas.microsoft.com/office/drawing/2016/SVG/main" r:embed="rId5"/>
+                </a:ext>
+              </a:extLst>
+            </a:blip>
+            <a:stretch>
+              <a:fillRect/>
+            </a:stretch>
+          </p:blipFill>
           <p:spPr>
             <a:xfrm>
-              <a:off x="2543223" y="4201037"/>
-              <a:ext cx="1663004" cy="384721"/>
+              <a:off x="4261143" y="1783206"/>
+              <a:ext cx="402336" cy="366732"/>
             </a:xfrm>
             <a:prstGeom prst="rect">
               <a:avLst/>
             </a:prstGeom>
-            <a:scene3d>
-              <a:camera prst="orthographicFront">
-                <a:rot lat="2640000" lon="20820000" rev="21018000"/>
-              </a:camera>
-              <a:lightRig rig="threePt" dir="t"/>
-            </a:scene3d>
           </p:spPr>
-          <p:txBody>
-            <a:bodyPr wrap="none">
-              <a:spAutoFit/>
-            </a:bodyPr>
-            <a:lstStyle/>
-            <a:p>
-              <a:pPr lvl="0"/>
-              <a:r>
-                <a:rPr lang="en-US" sz="1900" dirty="0" smtClean="0">
-                  <a:solidFill>
-                    <a:srgbClr val="FFFFFF"/>
-                  </a:solidFill>
-                  <a:latin typeface="Chalkduster"/>
-                  <a:cs typeface="Chalkduster"/>
-                </a:rPr>
-                <a:t>Extensions</a:t>
-              </a:r>
-            </a:p>
-          </p:txBody>
-        </p:sp>
+        </p:pic>
+        <p:pic>
+          <p:nvPicPr>
+            <p:cNvPr id="26" name="Graphic 25">
+              <a:extLst>
+                <a:ext uri="{FF2B5EF4-FFF2-40B4-BE49-F238E27FC236}">
+                  <a16:creationId xmlns:a16="http://schemas.microsoft.com/office/drawing/2014/main" id="{DB6FFBB2-DEEF-4B97-928F-B662F3973C05}"/>
+                </a:ext>
+              </a:extLst>
+            </p:cNvPr>
+            <p:cNvPicPr>
+              <a:picLocks noChangeAspect="1"/>
+            </p:cNvPicPr>
+            <p:nvPr/>
+          </p:nvPicPr>
+          <p:blipFill>
+            <a:blip r:embed="rId6">
+              <a:extLst>
+                <a:ext uri="{96DAC541-7B7A-43D3-8B79-37D633B846F1}">
+                  <asvg:svgBlip xmlns:asvg="http://schemas.microsoft.com/office/drawing/2016/SVG/main" r:embed="rId7"/>
+                </a:ext>
+              </a:extLst>
+            </a:blip>
+            <a:stretch>
+              <a:fillRect/>
+            </a:stretch>
+          </p:blipFill>
+          <p:spPr>
+            <a:xfrm>
+              <a:off x="3765064" y="1785193"/>
+              <a:ext cx="402336" cy="363198"/>
+            </a:xfrm>
+            <a:prstGeom prst="rect">
+              <a:avLst/>
+            </a:prstGeom>
+          </p:spPr>
+        </p:pic>
       </p:grpSp>
     </p:spTree>
     <p:extLst>
       <p:ext uri="{BB962C8B-B14F-4D97-AF65-F5344CB8AC3E}">
-        <p14:creationId xmlns:p14="http://schemas.microsoft.com/office/powerpoint/2010/main" val="691200680"/>
+        <p14:creationId xmlns:p14="http://schemas.microsoft.com/office/powerpoint/2010/main" val="1685358783"/>
       </p:ext>
     </p:extLst>
   </p:cSld>
@@ -8950,7 +10638,7 @@
             <a:lstStyle/>
             <a:p>
               <a:r>
-                <a:rPr lang="en-US" sz="5900" dirty="0" smtClean="0">
+                <a:rPr lang="en-US" sz="5900" dirty="0">
                   <a:solidFill>
                     <a:srgbClr val="FFFFFF"/>
                   </a:solidFill>
@@ -8959,7 +10647,7 @@
                 </a:rPr>
                 <a:t>NDX</a:t>
               </a:r>
-              <a:endParaRPr lang="en-US" sz="1400" dirty="0" smtClean="0">
+              <a:endParaRPr lang="en-US" sz="1400" dirty="0">
                 <a:solidFill>
                   <a:srgbClr val="FFFFFF"/>
                 </a:solidFill>
@@ -9017,13 +10705,6 @@
                 </a:rPr>
                 <a:t> Data </a:t>
               </a:r>
-              <a:endParaRPr lang="en-US" sz="1900" dirty="0" smtClean="0">
-                <a:solidFill>
-                  <a:srgbClr val="FFFFFF"/>
-                </a:solidFill>
-                <a:latin typeface="Chalkduster"/>
-                <a:cs typeface="Chalkduster"/>
-              </a:endParaRPr>
             </a:p>
           </p:txBody>
         </p:sp>
@@ -9056,7 +10737,7 @@
             <a:p>
               <a:pPr lvl="0"/>
               <a:r>
-                <a:rPr lang="en-US" sz="1900" dirty="0" smtClean="0">
+                <a:rPr lang="en-US" sz="1900" dirty="0">
                   <a:solidFill>
                     <a:srgbClr val="FFFFFF"/>
                   </a:solidFill>
@@ -11637,7 +13318,7 @@
             <a:lstStyle/>
             <a:p>
               <a:r>
-                <a:rPr lang="en-US" sz="5900" dirty="0" smtClean="0">
+                <a:rPr lang="en-US" sz="5900" dirty="0">
                   <a:solidFill>
                     <a:srgbClr val="FFFFFF"/>
                   </a:solidFill>
@@ -11646,7 +13327,7 @@
                 </a:rPr>
                 <a:t>NDX</a:t>
               </a:r>
-              <a:endParaRPr lang="en-US" sz="1400" dirty="0" smtClean="0">
+              <a:endParaRPr lang="en-US" sz="1400" dirty="0">
                 <a:solidFill>
                   <a:srgbClr val="FFFFFF"/>
                 </a:solidFill>
@@ -11680,7 +13361,7 @@
           <a:lstStyle/>
           <a:p>
             <a:r>
-              <a:rPr lang="en-US" sz="7000" dirty="0" err="1" smtClean="0">
+              <a:rPr lang="en-US" sz="7000" dirty="0" err="1">
                 <a:solidFill>
                   <a:srgbClr val="103869"/>
                 </a:solidFill>
@@ -11690,7 +13371,7 @@
               <a:t>Neuro</a:t>
             </a:r>
             <a:r>
-              <a:rPr lang="en-US" sz="7000" dirty="0" smtClean="0">
+              <a:rPr lang="en-US" sz="7000" dirty="0">
                 <a:solidFill>
                   <a:srgbClr val="103869"/>
                 </a:solidFill>
@@ -11702,7 +13383,7 @@
           </a:p>
           <a:p>
             <a:r>
-              <a:rPr lang="en-US" sz="7000" dirty="0" smtClean="0">
+              <a:rPr lang="en-US" sz="7000" dirty="0">
                 <a:solidFill>
                   <a:srgbClr val="103869"/>
                 </a:solidFill>
@@ -11714,7 +13395,7 @@
           </a:p>
           <a:p>
             <a:r>
-              <a:rPr lang="en-US" sz="7000" dirty="0" smtClean="0">
+              <a:rPr lang="en-US" sz="7000" dirty="0">
                 <a:solidFill>
                   <a:srgbClr val="C55C1F"/>
                 </a:solidFill>
@@ -11723,13 +13404,6 @@
               </a:rPr>
               <a:t>Catalog</a:t>
             </a:r>
-            <a:endParaRPr lang="en-US" sz="7000" dirty="0" smtClean="0">
-              <a:solidFill>
-                <a:srgbClr val="C55C1F"/>
-              </a:solidFill>
-              <a:latin typeface="Chalkduster"/>
-              <a:cs typeface="Chalkduster"/>
-            </a:endParaRPr>
           </a:p>
         </p:txBody>
       </p:sp>
